--- a/Databases_and_EntityFrameworkCore.pptx
+++ b/Databases_and_EntityFrameworkCore.pptx
@@ -10,6 +10,9 @@
     <p:sldId id="258" r:id="rId4"/>
     <p:sldId id="259" r:id="rId5"/>
     <p:sldId id="260" r:id="rId6"/>
+    <p:sldId id="261" r:id="rId7"/>
+    <p:sldId id="262" r:id="rId8"/>
+    <p:sldId id="263" r:id="rId9"/>
   </p:sldIdLst>
   <p:sldSz cx="12192000" cy="6858000"/>
   <p:notesSz cx="6858000" cy="9144000"/>
@@ -108,7 +111,54 @@
       </a:defRPr>
     </a:lvl9pPr>
   </p:defaultTextStyle>
+  <p:extLst>
+    <p:ext uri="{521415D9-36F7-43E2-AB2F-B90AF26B5E84}">
+      <p14:sectionLst xmlns:p14="http://schemas.microsoft.com/office/powerpoint/2010/main">
+        <p14:section name="Default Section" id="{C1FD6918-818C-474D-8E85-514B1C44E266}">
+          <p14:sldIdLst>
+            <p14:sldId id="256"/>
+            <p14:sldId id="257"/>
+            <p14:sldId id="258"/>
+            <p14:sldId id="259"/>
+            <p14:sldId id="260"/>
+            <p14:sldId id="261"/>
+            <p14:sldId id="262"/>
+            <p14:sldId id="263"/>
+          </p14:sldIdLst>
+        </p14:section>
+      </p14:sectionLst>
+    </p:ext>
+    <p:ext uri="{EFAFB233-063F-42B5-8137-9DF3F51BA10A}">
+      <p15:sldGuideLst xmlns:p15="http://schemas.microsoft.com/office/powerpoint/2012/main"/>
+    </p:ext>
+  </p:extLst>
 </p:presentation>
+</file>
+
+<file path=ppt/commentAuthors.xml><?xml version="1.0" encoding="utf-8"?>
+<p:cmAuthorLst xmlns:a="http://schemas.openxmlformats.org/drawingml/2006/main" xmlns:r="http://schemas.openxmlformats.org/officeDocument/2006/relationships" xmlns:p="http://schemas.openxmlformats.org/presentationml/2006/main">
+  <p:cmAuthor id="1" name="Велизар Герасимов" initials="ВГ" lastIdx="1" clrIdx="0">
+    <p:extLst>
+      <p:ext uri="{19B8F6BF-5375-455C-9EA6-DF929625EA0E}">
+        <p15:presenceInfo xmlns:p15="http://schemas.microsoft.com/office/powerpoint/2012/main" userId="fc929a4cc2368c0d" providerId="Windows Live"/>
+      </p:ext>
+    </p:extLst>
+  </p:cmAuthor>
+</p:cmAuthorLst>
+</file>
+
+<file path=ppt/comments/comment1.xml><?xml version="1.0" encoding="utf-8"?>
+<p:cmLst xmlns:a="http://schemas.openxmlformats.org/drawingml/2006/main" xmlns:r="http://schemas.openxmlformats.org/officeDocument/2006/relationships" xmlns:p="http://schemas.openxmlformats.org/presentationml/2006/main">
+  <p:cm authorId="1" dt="2021-09-09T18:56:39.664" idx="1">
+    <p:pos x="10" y="10"/>
+    <p:text/>
+    <p:extLst>
+      <p:ext uri="{C676402C-5697-4E1C-873F-D02D1690AC5C}">
+        <p15:threadingInfo xmlns:p15="http://schemas.microsoft.com/office/powerpoint/2012/main" timeZoneBias="-180"/>
+      </p:ext>
+    </p:extLst>
+  </p:cm>
+</p:cmLst>
 </file>
 
 <file path=ppt/slideLayouts/slideLayout1.xml><?xml version="1.0" encoding="utf-8"?>
@@ -13745,6 +13795,13 @@
   <p:clrMapOvr>
     <a:masterClrMapping/>
   </p:clrMapOvr>
+  <p:timing>
+    <p:tnLst>
+      <p:par>
+        <p:cTn id="1" dur="indefinite" restart="never" nodeType="tmRoot"/>
+      </p:par>
+    </p:tnLst>
+  </p:timing>
 </p:sld>
 </file>
 
@@ -13903,6 +13960,427 @@
     <p:extLst>
       <p:ext uri="{BB962C8B-B14F-4D97-AF65-F5344CB8AC3E}">
         <p14:creationId xmlns:p14="http://schemas.microsoft.com/office/powerpoint/2010/main" val="1553230175"/>
+      </p:ext>
+    </p:extLst>
+  </p:cSld>
+  <p:clrMapOvr>
+    <a:masterClrMapping/>
+  </p:clrMapOvr>
+  <p:timing>
+    <p:tnLst>
+      <p:par>
+        <p:cTn id="1" dur="indefinite" restart="never" nodeType="tmRoot"/>
+      </p:par>
+    </p:tnLst>
+  </p:timing>
+</p:sld>
+</file>
+
+<file path=ppt/slides/slide6.xml><?xml version="1.0" encoding="utf-8"?>
+<p:sld xmlns:a="http://schemas.openxmlformats.org/drawingml/2006/main" xmlns:r="http://schemas.openxmlformats.org/officeDocument/2006/relationships" xmlns:p="http://schemas.openxmlformats.org/presentationml/2006/main">
+  <p:cSld>
+    <p:spTree>
+      <p:nvGrpSpPr>
+        <p:cNvPr id="1" name=""/>
+        <p:cNvGrpSpPr/>
+        <p:nvPr/>
+      </p:nvGrpSpPr>
+      <p:grpSpPr>
+        <a:xfrm>
+          <a:off x="0" y="0"/>
+          <a:ext cx="0" cy="0"/>
+          <a:chOff x="0" y="0"/>
+          <a:chExt cx="0" cy="0"/>
+        </a:xfrm>
+      </p:grpSpPr>
+      <p:sp>
+        <p:nvSpPr>
+          <p:cNvPr id="2" name="Title 1"/>
+          <p:cNvSpPr>
+            <a:spLocks noGrp="1"/>
+          </p:cNvSpPr>
+          <p:nvPr>
+            <p:ph type="title"/>
+          </p:nvPr>
+        </p:nvSpPr>
+        <p:spPr/>
+        <p:txBody>
+          <a:bodyPr/>
+          <a:lstStyle/>
+          <a:p>
+            <a:pPr algn="ctr"/>
+            <a:r>
+              <a:rPr lang="en-US" dirty="0" smtClean="0"/>
+              <a:t>MS SQL server profiler is a great tool! </a:t>
+            </a:r>
+            <a:endParaRPr lang="en-US" dirty="0"/>
+          </a:p>
+        </p:txBody>
+      </p:sp>
+      <p:pic>
+        <p:nvPicPr>
+          <p:cNvPr id="5" name="Content Placeholder 4"/>
+          <p:cNvPicPr>
+            <a:picLocks noGrp="1" noChangeAspect="1"/>
+          </p:cNvPicPr>
+          <p:nvPr>
+            <p:ph sz="half" idx="1"/>
+          </p:nvPr>
+        </p:nvPicPr>
+        <p:blipFill>
+          <a:blip r:embed="rId2">
+            <a:extLst>
+              <a:ext uri="{28A0092B-C50C-407E-A947-70E740481C1C}">
+                <a14:useLocalDpi xmlns:a14="http://schemas.microsoft.com/office/drawing/2010/main" val="0"/>
+              </a:ext>
+            </a:extLst>
+          </a:blip>
+          <a:stretch>
+            <a:fillRect/>
+          </a:stretch>
+        </p:blipFill>
+        <p:spPr>
+          <a:xfrm>
+            <a:off x="2139156" y="2882900"/>
+            <a:ext cx="2857500" cy="2857500"/>
+          </a:xfrm>
+        </p:spPr>
+      </p:pic>
+      <p:pic>
+        <p:nvPicPr>
+          <p:cNvPr id="6" name="Content Placeholder 5"/>
+          <p:cNvPicPr>
+            <a:picLocks noGrp="1" noChangeAspect="1"/>
+          </p:cNvPicPr>
+          <p:nvPr>
+            <p:ph sz="half" idx="2"/>
+          </p:nvPr>
+        </p:nvPicPr>
+        <p:blipFill>
+          <a:blip r:embed="rId3">
+            <a:extLst>
+              <a:ext uri="{28A0092B-C50C-407E-A947-70E740481C1C}">
+                <a14:useLocalDpi xmlns:a14="http://schemas.microsoft.com/office/drawing/2010/main" val="0"/>
+              </a:ext>
+            </a:extLst>
+          </a:blip>
+          <a:stretch>
+            <a:fillRect/>
+          </a:stretch>
+        </p:blipFill>
+        <p:spPr>
+          <a:xfrm>
+            <a:off x="6208712" y="3223492"/>
+            <a:ext cx="4914975" cy="1995054"/>
+          </a:xfrm>
+        </p:spPr>
+      </p:pic>
+    </p:spTree>
+    <p:extLst>
+      <p:ext uri="{BB962C8B-B14F-4D97-AF65-F5344CB8AC3E}">
+        <p14:creationId xmlns:p14="http://schemas.microsoft.com/office/powerpoint/2010/main" val="2208641250"/>
+      </p:ext>
+    </p:extLst>
+  </p:cSld>
+  <p:clrMapOvr>
+    <a:masterClrMapping/>
+  </p:clrMapOvr>
+  <p:timing>
+    <p:tnLst>
+      <p:par>
+        <p:cTn id="1" dur="indefinite" restart="never" nodeType="tmRoot"/>
+      </p:par>
+    </p:tnLst>
+  </p:timing>
+</p:sld>
+</file>
+
+<file path=ppt/slides/slide7.xml><?xml version="1.0" encoding="utf-8"?>
+<p:sld xmlns:a="http://schemas.openxmlformats.org/drawingml/2006/main" xmlns:r="http://schemas.openxmlformats.org/officeDocument/2006/relationships" xmlns:p="http://schemas.openxmlformats.org/presentationml/2006/main">
+  <p:cSld>
+    <p:spTree>
+      <p:nvGrpSpPr>
+        <p:cNvPr id="1" name=""/>
+        <p:cNvGrpSpPr/>
+        <p:nvPr/>
+      </p:nvGrpSpPr>
+      <p:grpSpPr>
+        <a:xfrm>
+          <a:off x="0" y="0"/>
+          <a:ext cx="0" cy="0"/>
+          <a:chOff x="0" y="0"/>
+          <a:chExt cx="0" cy="0"/>
+        </a:xfrm>
+      </p:grpSpPr>
+      <p:sp>
+        <p:nvSpPr>
+          <p:cNvPr id="2" name="Title 1"/>
+          <p:cNvSpPr>
+            <a:spLocks noGrp="1"/>
+          </p:cNvSpPr>
+          <p:nvPr>
+            <p:ph type="title"/>
+          </p:nvPr>
+        </p:nvSpPr>
+        <p:spPr>
+          <a:xfrm>
+            <a:off x="1136482" y="1496290"/>
+            <a:ext cx="2940939" cy="577273"/>
+          </a:xfrm>
+        </p:spPr>
+        <p:txBody>
+          <a:bodyPr/>
+          <a:lstStyle/>
+          <a:p>
+            <a:r>
+              <a:rPr lang="en-US" sz="3200" dirty="0" smtClean="0"/>
+              <a:t>ADO.NET</a:t>
+            </a:r>
+            <a:endParaRPr lang="en-US" sz="3200" dirty="0"/>
+          </a:p>
+        </p:txBody>
+      </p:sp>
+      <p:pic>
+        <p:nvPicPr>
+          <p:cNvPr id="5" name="Content Placeholder 4"/>
+          <p:cNvPicPr>
+            <a:picLocks noGrp="1" noChangeAspect="1"/>
+          </p:cNvPicPr>
+          <p:nvPr>
+            <p:ph idx="1"/>
+          </p:nvPr>
+        </p:nvPicPr>
+        <p:blipFill>
+          <a:blip r:embed="rId2">
+            <a:extLst>
+              <a:ext uri="{28A0092B-C50C-407E-A947-70E740481C1C}">
+                <a14:useLocalDpi xmlns:a14="http://schemas.microsoft.com/office/drawing/2010/main" val="0"/>
+              </a:ext>
+            </a:extLst>
+          </a:blip>
+          <a:stretch>
+            <a:fillRect/>
+          </a:stretch>
+        </p:blipFill>
+        <p:spPr>
+          <a:xfrm>
+            <a:off x="5264438" y="2640984"/>
+            <a:ext cx="6366528" cy="1469198"/>
+          </a:xfrm>
+        </p:spPr>
+      </p:pic>
+      <p:sp>
+        <p:nvSpPr>
+          <p:cNvPr id="4" name="Text Placeholder 3"/>
+          <p:cNvSpPr>
+            <a:spLocks noGrp="1"/>
+          </p:cNvSpPr>
+          <p:nvPr>
+            <p:ph type="body" sz="half" idx="2"/>
+          </p:nvPr>
+        </p:nvSpPr>
+        <p:spPr>
+          <a:xfrm>
+            <a:off x="1136482" y="2285999"/>
+            <a:ext cx="3518645" cy="2535383"/>
+          </a:xfrm>
+        </p:spPr>
+        <p:txBody>
+          <a:bodyPr>
+            <a:normAutofit/>
+          </a:bodyPr>
+          <a:lstStyle/>
+          <a:p>
+            <a:r>
+              <a:rPr lang="en-US" sz="1800" dirty="0" smtClean="0">
+                <a:solidFill>
+                  <a:schemeClr val="bg1"/>
+                </a:solidFill>
+              </a:rPr>
+              <a:t>ADO.NET is the latest Microsoft database access technology. It’s a set of classes that expose data access services.</a:t>
+            </a:r>
+            <a:endParaRPr lang="en-US" sz="1800" dirty="0">
+              <a:solidFill>
+                <a:schemeClr val="bg1"/>
+              </a:solidFill>
+            </a:endParaRPr>
+          </a:p>
+        </p:txBody>
+      </p:sp>
+      <p:sp>
+        <p:nvSpPr>
+          <p:cNvPr id="7" name="TextBox 6"/>
+          <p:cNvSpPr txBox="1"/>
+          <p:nvPr/>
+        </p:nvSpPr>
+        <p:spPr>
+          <a:xfrm>
+            <a:off x="5753965" y="1784926"/>
+            <a:ext cx="4904509" cy="369332"/>
+          </a:xfrm>
+          <a:prstGeom prst="rect">
+            <a:avLst/>
+          </a:prstGeom>
+          <a:noFill/>
+        </p:spPr>
+        <p:txBody>
+          <a:bodyPr wrap="square" rtlCol="0" anchor="ctr">
+            <a:spAutoFit/>
+          </a:bodyPr>
+          <a:lstStyle/>
+          <a:p>
+            <a:pPr algn="ctr"/>
+            <a:r>
+              <a:rPr lang="en-US" dirty="0" smtClean="0">
+                <a:solidFill>
+                  <a:schemeClr val="accent6">
+                    <a:lumMod val="50000"/>
+                  </a:schemeClr>
+                </a:solidFill>
+              </a:rPr>
+              <a:t>C# demo source</a:t>
+            </a:r>
+            <a:endParaRPr lang="en-US" dirty="0">
+              <a:solidFill>
+                <a:schemeClr val="accent6">
+                  <a:lumMod val="50000"/>
+                </a:schemeClr>
+              </a:solidFill>
+            </a:endParaRPr>
+          </a:p>
+        </p:txBody>
+      </p:sp>
+    </p:spTree>
+    <p:extLst>
+      <p:ext uri="{BB962C8B-B14F-4D97-AF65-F5344CB8AC3E}">
+        <p14:creationId xmlns:p14="http://schemas.microsoft.com/office/powerpoint/2010/main" val="9675751"/>
+      </p:ext>
+    </p:extLst>
+  </p:cSld>
+  <p:clrMapOvr>
+    <a:masterClrMapping/>
+  </p:clrMapOvr>
+</p:sld>
+</file>
+
+<file path=ppt/slides/slide8.xml><?xml version="1.0" encoding="utf-8"?>
+<p:sld xmlns:a="http://schemas.openxmlformats.org/drawingml/2006/main" xmlns:r="http://schemas.openxmlformats.org/officeDocument/2006/relationships" xmlns:p="http://schemas.openxmlformats.org/presentationml/2006/main">
+  <p:cSld>
+    <p:spTree>
+      <p:nvGrpSpPr>
+        <p:cNvPr id="1" name=""/>
+        <p:cNvGrpSpPr/>
+        <p:nvPr/>
+      </p:nvGrpSpPr>
+      <p:grpSpPr>
+        <a:xfrm>
+          <a:off x="0" y="0"/>
+          <a:ext cx="0" cy="0"/>
+          <a:chOff x="0" y="0"/>
+          <a:chExt cx="0" cy="0"/>
+        </a:xfrm>
+      </p:grpSpPr>
+      <p:sp>
+        <p:nvSpPr>
+          <p:cNvPr id="2" name="Title 1"/>
+          <p:cNvSpPr>
+            <a:spLocks noGrp="1"/>
+          </p:cNvSpPr>
+          <p:nvPr>
+            <p:ph type="title"/>
+          </p:nvPr>
+        </p:nvSpPr>
+        <p:spPr>
+          <a:xfrm>
+            <a:off x="1198231" y="1708728"/>
+            <a:ext cx="3865134" cy="1156855"/>
+          </a:xfrm>
+        </p:spPr>
+        <p:txBody>
+          <a:bodyPr>
+            <a:normAutofit fontScale="90000"/>
+          </a:bodyPr>
+          <a:lstStyle/>
+          <a:p>
+            <a:r>
+              <a:rPr lang="en-US" dirty="0" smtClean="0"/>
+              <a:t>What is ORM and how it works?</a:t>
+            </a:r>
+            <a:endParaRPr lang="en-US" dirty="0"/>
+          </a:p>
+        </p:txBody>
+      </p:sp>
+      <p:pic>
+        <p:nvPicPr>
+          <p:cNvPr id="5" name="Picture Placeholder 4"/>
+          <p:cNvPicPr>
+            <a:picLocks noGrp="1" noChangeAspect="1"/>
+          </p:cNvPicPr>
+          <p:nvPr>
+            <p:ph type="pic" idx="1"/>
+          </p:nvPr>
+        </p:nvPicPr>
+        <p:blipFill>
+          <a:blip r:embed="rId2">
+            <a:extLst>
+              <a:ext uri="{28A0092B-C50C-407E-A947-70E740481C1C}">
+                <a14:useLocalDpi xmlns:a14="http://schemas.microsoft.com/office/drawing/2010/main" val="0"/>
+              </a:ext>
+            </a:extLst>
+          </a:blip>
+          <a:stretch>
+            <a:fillRect/>
+          </a:stretch>
+        </p:blipFill>
+        <p:spPr>
+          <a:xfrm>
+            <a:off x="6070040" y="1823937"/>
+            <a:ext cx="5651790" cy="3233476"/>
+          </a:xfrm>
+        </p:spPr>
+      </p:pic>
+      <p:sp>
+        <p:nvSpPr>
+          <p:cNvPr id="4" name="Text Placeholder 3"/>
+          <p:cNvSpPr>
+            <a:spLocks noGrp="1"/>
+          </p:cNvSpPr>
+          <p:nvPr>
+            <p:ph type="body" sz="half" idx="2"/>
+          </p:nvPr>
+        </p:nvSpPr>
+        <p:spPr>
+          <a:xfrm>
+            <a:off x="1198231" y="2946400"/>
+            <a:ext cx="3859212" cy="2701636"/>
+          </a:xfrm>
+        </p:spPr>
+        <p:txBody>
+          <a:bodyPr>
+            <a:normAutofit/>
+          </a:bodyPr>
+          <a:lstStyle/>
+          <a:p>
+            <a:r>
+              <a:rPr lang="en-US" sz="1800" dirty="0" smtClean="0">
+                <a:solidFill>
+                  <a:schemeClr val="bg1"/>
+                </a:solidFill>
+              </a:rPr>
+              <a:t>ORM stands from Object Relational Mapper and is a library that automates the transfer of data between database tables into objects and vice versa.</a:t>
+            </a:r>
+            <a:endParaRPr lang="en-US" sz="1800" dirty="0">
+              <a:solidFill>
+                <a:schemeClr val="bg1"/>
+              </a:solidFill>
+            </a:endParaRPr>
+          </a:p>
+        </p:txBody>
+      </p:sp>
+    </p:spTree>
+    <p:extLst>
+      <p:ext uri="{BB962C8B-B14F-4D97-AF65-F5344CB8AC3E}">
+        <p14:creationId xmlns:p14="http://schemas.microsoft.com/office/powerpoint/2010/main" val="3976096915"/>
       </p:ext>
     </p:extLst>
   </p:cSld>

--- a/Databases_and_EntityFrameworkCore.pptx
+++ b/Databases_and_EntityFrameworkCore.pptx
@@ -13,6 +13,7 @@
     <p:sldId id="261" r:id="rId7"/>
     <p:sldId id="262" r:id="rId8"/>
     <p:sldId id="263" r:id="rId9"/>
+    <p:sldId id="264" r:id="rId10"/>
   </p:sldIdLst>
   <p:sldSz cx="12192000" cy="6858000"/>
   <p:notesSz cx="6858000" cy="9144000"/>
@@ -124,6 +125,7 @@
             <p14:sldId id="261"/>
             <p14:sldId id="262"/>
             <p14:sldId id="263"/>
+            <p14:sldId id="264"/>
           </p14:sldIdLst>
         </p14:section>
       </p14:sectionLst>
@@ -13328,17 +13330,28 @@
                 <a:solidFill>
                   <a:schemeClr val="bg1"/>
                 </a:solidFill>
+                <a:latin typeface="Arial" panose="020B0604020202020204" pitchFamily="34" charset="0"/>
+                <a:cs typeface="Arial" panose="020B0604020202020204" pitchFamily="34" charset="0"/>
               </a:rPr>
               <a:t>Entity Framework Core and Databases overview</a:t>
             </a:r>
             <a:r>
-              <a:rPr lang="en-US" dirty="0" smtClean="0"/>
+              <a:rPr lang="en-US" dirty="0" smtClean="0">
+                <a:latin typeface="Arial" panose="020B0604020202020204" pitchFamily="34" charset="0"/>
+                <a:cs typeface="Arial" panose="020B0604020202020204" pitchFamily="34" charset="0"/>
+              </a:rPr>
               <a:t/>
             </a:r>
             <a:br>
-              <a:rPr lang="en-US" dirty="0" smtClean="0"/>
+              <a:rPr lang="en-US" dirty="0" smtClean="0">
+                <a:latin typeface="Arial" panose="020B0604020202020204" pitchFamily="34" charset="0"/>
+                <a:cs typeface="Arial" panose="020B0604020202020204" pitchFamily="34" charset="0"/>
+              </a:rPr>
             </a:br>
-            <a:endParaRPr lang="en-US" dirty="0"/>
+            <a:endParaRPr lang="en-US" dirty="0">
+              <a:latin typeface="Arial" panose="020B0604020202020204" pitchFamily="34" charset="0"/>
+              <a:cs typeface="Arial" panose="020B0604020202020204" pitchFamily="34" charset="0"/>
+            </a:endParaRPr>
           </a:p>
         </p:txBody>
       </p:sp>
@@ -13395,10 +13408,16 @@
           <a:lstStyle/>
           <a:p>
             <a:r>
-              <a:rPr lang="en-US" sz="3200" dirty="0" smtClean="0"/>
+              <a:rPr lang="en-US" sz="3200" dirty="0" smtClean="0">
+                <a:latin typeface="Arial" panose="020B0604020202020204" pitchFamily="34" charset="0"/>
+                <a:cs typeface="Arial" panose="020B0604020202020204" pitchFamily="34" charset="0"/>
+              </a:rPr>
               <a:t>The rise of Internet and storage systems! </a:t>
             </a:r>
-            <a:endParaRPr lang="en-US" sz="3200" dirty="0"/>
+            <a:endParaRPr lang="en-US" sz="3200" dirty="0">
+              <a:latin typeface="Arial" panose="020B0604020202020204" pitchFamily="34" charset="0"/>
+              <a:cs typeface="Arial" panose="020B0604020202020204" pitchFamily="34" charset="0"/>
+            </a:endParaRPr>
           </a:p>
         </p:txBody>
       </p:sp>
@@ -13489,10 +13508,16 @@
           <a:lstStyle/>
           <a:p>
             <a:r>
-              <a:rPr lang="en-US" dirty="0" smtClean="0"/>
+              <a:rPr lang="en-US" dirty="0" smtClean="0">
+                <a:latin typeface="Arial" panose="020B0604020202020204" pitchFamily="34" charset="0"/>
+                <a:cs typeface="Arial" panose="020B0604020202020204" pitchFamily="34" charset="0"/>
+              </a:rPr>
               <a:t>Where to store my data?</a:t>
             </a:r>
-            <a:endParaRPr lang="en-US" dirty="0"/>
+            <a:endParaRPr lang="en-US" dirty="0">
+              <a:latin typeface="Arial" panose="020B0604020202020204" pitchFamily="34" charset="0"/>
+              <a:cs typeface="Arial" panose="020B0604020202020204" pitchFamily="34" charset="0"/>
+            </a:endParaRPr>
           </a:p>
         </p:txBody>
       </p:sp>
@@ -13523,13 +13548,27 @@
                 <a:solidFill>
                   <a:schemeClr val="bg1"/>
                 </a:solidFill>
+                <a:latin typeface="Arial" panose="020B0604020202020204" pitchFamily="34" charset="0"/>
+                <a:cs typeface="Arial" panose="020B0604020202020204" pitchFamily="34" charset="0"/>
               </a:rPr>
-              <a:t>In our Internet era, the database systems grows constantly. The efficiency, durability and the good maintenance are absolutely mandatory for the business!</a:t>
+              <a:t>In our Internet era, the database systems grows constantly. The efficiency, durability and the good maintenance are absolutely mandatory for the </a:t>
+            </a:r>
+            <a:r>
+              <a:rPr lang="en-US" sz="2000" dirty="0" smtClean="0">
+                <a:solidFill>
+                  <a:schemeClr val="bg1"/>
+                </a:solidFill>
+                <a:latin typeface="Arial" panose="020B0604020202020204" pitchFamily="34" charset="0"/>
+                <a:cs typeface="Arial" panose="020B0604020202020204" pitchFamily="34" charset="0"/>
+              </a:rPr>
+              <a:t>business!</a:t>
             </a:r>
             <a:endParaRPr lang="en-US" sz="2000" dirty="0">
               <a:solidFill>
                 <a:schemeClr val="bg1"/>
               </a:solidFill>
+              <a:latin typeface="Arial" panose="020B0604020202020204" pitchFamily="34" charset="0"/>
+              <a:cs typeface="Arial" panose="020B0604020202020204" pitchFamily="34" charset="0"/>
             </a:endParaRPr>
           </a:p>
         </p:txBody>
@@ -13618,10 +13657,16 @@
           <a:p>
             <a:pPr algn="ctr"/>
             <a:r>
-              <a:rPr lang="en-US" dirty="0" smtClean="0"/>
+              <a:rPr lang="en-US" dirty="0" smtClean="0">
+                <a:latin typeface="Arial" panose="020B0604020202020204" pitchFamily="34" charset="0"/>
+                <a:cs typeface="Arial" panose="020B0604020202020204" pitchFamily="34" charset="0"/>
+              </a:rPr>
               <a:t>SQL vs NoSQL databases</a:t>
             </a:r>
-            <a:endParaRPr lang="en-US" dirty="0"/>
+            <a:endParaRPr lang="en-US" dirty="0">
+              <a:latin typeface="Arial" panose="020B0604020202020204" pitchFamily="34" charset="0"/>
+              <a:cs typeface="Arial" panose="020B0604020202020204" pitchFamily="34" charset="0"/>
+            </a:endParaRPr>
           </a:p>
         </p:txBody>
       </p:sp>
@@ -13642,10 +13687,16 @@
           <a:p>
             <a:pPr algn="ctr"/>
             <a:r>
-              <a:rPr lang="en-US" dirty="0" smtClean="0"/>
+              <a:rPr lang="en-US" dirty="0" smtClean="0">
+                <a:latin typeface="Arial" panose="020B0604020202020204" pitchFamily="34" charset="0"/>
+                <a:cs typeface="Arial" panose="020B0604020202020204" pitchFamily="34" charset="0"/>
+              </a:rPr>
               <a:t>SQL Database systems</a:t>
             </a:r>
-            <a:endParaRPr lang="en-US" dirty="0"/>
+            <a:endParaRPr lang="en-US" dirty="0">
+              <a:latin typeface="Arial" panose="020B0604020202020204" pitchFamily="34" charset="0"/>
+              <a:cs typeface="Arial" panose="020B0604020202020204" pitchFamily="34" charset="0"/>
+            </a:endParaRPr>
           </a:p>
         </p:txBody>
       </p:sp>
@@ -13670,31 +13721,46 @@
           <a:lstStyle/>
           <a:p>
             <a:r>
-              <a:rPr lang="en-US" dirty="0" smtClean="0"/>
+              <a:rPr lang="en-US" dirty="0" smtClean="0">
+                <a:latin typeface="Arial" panose="020B0604020202020204" pitchFamily="34" charset="0"/>
+                <a:cs typeface="Arial" panose="020B0604020202020204" pitchFamily="34" charset="0"/>
+              </a:rPr>
               <a:t>MS SQL Server</a:t>
             </a:r>
           </a:p>
           <a:p>
             <a:r>
-              <a:rPr lang="en-US" dirty="0" smtClean="0"/>
+              <a:rPr lang="en-US" dirty="0" smtClean="0">
+                <a:latin typeface="Arial" panose="020B0604020202020204" pitchFamily="34" charset="0"/>
+                <a:cs typeface="Arial" panose="020B0604020202020204" pitchFamily="34" charset="0"/>
+              </a:rPr>
               <a:t>MySQL</a:t>
             </a:r>
           </a:p>
           <a:p>
             <a:r>
-              <a:rPr lang="en-US" dirty="0" smtClean="0"/>
+              <a:rPr lang="en-US" dirty="0" smtClean="0">
+                <a:latin typeface="Arial" panose="020B0604020202020204" pitchFamily="34" charset="0"/>
+                <a:cs typeface="Arial" panose="020B0604020202020204" pitchFamily="34" charset="0"/>
+              </a:rPr>
               <a:t>Oracle Database</a:t>
             </a:r>
           </a:p>
           <a:p>
             <a:r>
-              <a:rPr lang="en-US" dirty="0" smtClean="0"/>
+              <a:rPr lang="en-US" dirty="0" smtClean="0">
+                <a:latin typeface="Arial" panose="020B0604020202020204" pitchFamily="34" charset="0"/>
+                <a:cs typeface="Arial" panose="020B0604020202020204" pitchFamily="34" charset="0"/>
+              </a:rPr>
               <a:t>PostgreSQL</a:t>
             </a:r>
           </a:p>
           <a:p>
             <a:r>
-              <a:rPr lang="en-US" dirty="0" smtClean="0"/>
+              <a:rPr lang="en-US" dirty="0" smtClean="0">
+                <a:latin typeface="Arial" panose="020B0604020202020204" pitchFamily="34" charset="0"/>
+                <a:cs typeface="Arial" panose="020B0604020202020204" pitchFamily="34" charset="0"/>
+              </a:rPr>
               <a:t>IBM DB2</a:t>
             </a:r>
           </a:p>
@@ -13723,10 +13789,16 @@
           <a:p>
             <a:pPr algn="ctr"/>
             <a:r>
-              <a:rPr lang="en-US" dirty="0" smtClean="0"/>
+              <a:rPr lang="en-US" dirty="0" smtClean="0">
+                <a:latin typeface="Arial" panose="020B0604020202020204" pitchFamily="34" charset="0"/>
+                <a:cs typeface="Arial" panose="020B0604020202020204" pitchFamily="34" charset="0"/>
+              </a:rPr>
               <a:t>NoSQL Database systems</a:t>
             </a:r>
-            <a:endParaRPr lang="en-US" dirty="0"/>
+            <a:endParaRPr lang="en-US" dirty="0">
+              <a:latin typeface="Arial" panose="020B0604020202020204" pitchFamily="34" charset="0"/>
+              <a:cs typeface="Arial" panose="020B0604020202020204" pitchFamily="34" charset="0"/>
+            </a:endParaRPr>
           </a:p>
         </p:txBody>
       </p:sp>
@@ -13751,37 +13823,64 @@
           <a:lstStyle/>
           <a:p>
             <a:r>
-              <a:rPr lang="en-US" dirty="0" smtClean="0"/>
+              <a:rPr lang="en-US" dirty="0" smtClean="0">
+                <a:latin typeface="Arial" panose="020B0604020202020204" pitchFamily="34" charset="0"/>
+                <a:cs typeface="Arial" panose="020B0604020202020204" pitchFamily="34" charset="0"/>
+              </a:rPr>
               <a:t>MongoDB</a:t>
             </a:r>
           </a:p>
           <a:p>
             <a:r>
-              <a:rPr lang="en-US" dirty="0" err="1" smtClean="0"/>
+              <a:rPr lang="en-US" dirty="0" err="1" smtClean="0">
+                <a:latin typeface="Arial" panose="020B0604020202020204" pitchFamily="34" charset="0"/>
+                <a:cs typeface="Arial" panose="020B0604020202020204" pitchFamily="34" charset="0"/>
+              </a:rPr>
               <a:t>Redis</a:t>
             </a:r>
-            <a:endParaRPr lang="en-US" dirty="0" smtClean="0"/>
+            <a:endParaRPr lang="en-US" dirty="0" smtClean="0">
+              <a:latin typeface="Arial" panose="020B0604020202020204" pitchFamily="34" charset="0"/>
+              <a:cs typeface="Arial" panose="020B0604020202020204" pitchFamily="34" charset="0"/>
+            </a:endParaRPr>
           </a:p>
           <a:p>
             <a:r>
-              <a:rPr lang="en-US" dirty="0" err="1" smtClean="0"/>
+              <a:rPr lang="en-US" dirty="0" err="1" smtClean="0">
+                <a:latin typeface="Arial" panose="020B0604020202020204" pitchFamily="34" charset="0"/>
+                <a:cs typeface="Arial" panose="020B0604020202020204" pitchFamily="34" charset="0"/>
+              </a:rPr>
               <a:t>Couchbase</a:t>
             </a:r>
-            <a:endParaRPr lang="en-US" dirty="0" smtClean="0"/>
+            <a:endParaRPr lang="en-US" dirty="0" smtClean="0">
+              <a:latin typeface="Arial" panose="020B0604020202020204" pitchFamily="34" charset="0"/>
+              <a:cs typeface="Arial" panose="020B0604020202020204" pitchFamily="34" charset="0"/>
+            </a:endParaRPr>
           </a:p>
           <a:p>
             <a:r>
-              <a:rPr lang="en-US" dirty="0" err="1" smtClean="0"/>
+              <a:rPr lang="en-US" dirty="0" err="1" smtClean="0">
+                <a:latin typeface="Arial" panose="020B0604020202020204" pitchFamily="34" charset="0"/>
+                <a:cs typeface="Arial" panose="020B0604020202020204" pitchFamily="34" charset="0"/>
+              </a:rPr>
               <a:t>RavenDB</a:t>
             </a:r>
-            <a:endParaRPr lang="en-US" dirty="0" smtClean="0"/>
+            <a:endParaRPr lang="en-US" dirty="0" smtClean="0">
+              <a:latin typeface="Arial" panose="020B0604020202020204" pitchFamily="34" charset="0"/>
+              <a:cs typeface="Arial" panose="020B0604020202020204" pitchFamily="34" charset="0"/>
+            </a:endParaRPr>
           </a:p>
           <a:p>
             <a:r>
-              <a:rPr lang="en-US" dirty="0" smtClean="0"/>
+              <a:rPr lang="en-US" dirty="0" smtClean="0">
+                <a:latin typeface="Arial" panose="020B0604020202020204" pitchFamily="34" charset="0"/>
+                <a:cs typeface="Arial" panose="020B0604020202020204" pitchFamily="34" charset="0"/>
+              </a:rPr>
               <a:t>Cassandra</a:t>
             </a:r>
-            <a:endParaRPr lang="en-US" dirty="0"/>
+            <a:endParaRPr lang="en-US" dirty="0">
+              <a:latin typeface="Arial" panose="020B0604020202020204" pitchFamily="34" charset="0"/>
+              <a:cs typeface="Arial" panose="020B0604020202020204" pitchFamily="34" charset="0"/>
+            </a:endParaRPr>
           </a:p>
         </p:txBody>
       </p:sp>
@@ -13843,10 +13942,16 @@
           <a:lstStyle/>
           <a:p>
             <a:r>
-              <a:rPr lang="en-US" sz="3200" dirty="0" smtClean="0"/>
+              <a:rPr lang="en-US" sz="3200" dirty="0" smtClean="0">
+                <a:latin typeface="Arial" panose="020B0604020202020204" pitchFamily="34" charset="0"/>
+                <a:cs typeface="Arial" panose="020B0604020202020204" pitchFamily="34" charset="0"/>
+              </a:rPr>
               <a:t>SQL vs NoSQL (fundamental differences)</a:t>
             </a:r>
-            <a:endParaRPr lang="en-US" sz="3200" dirty="0"/>
+            <a:endParaRPr lang="en-US" sz="3200" dirty="0">
+              <a:latin typeface="Arial" panose="020B0604020202020204" pitchFamily="34" charset="0"/>
+              <a:cs typeface="Arial" panose="020B0604020202020204" pitchFamily="34" charset="0"/>
+            </a:endParaRPr>
           </a:p>
         </p:txBody>
       </p:sp>
@@ -13867,10 +13972,16 @@
           <a:p>
             <a:pPr algn="ctr"/>
             <a:r>
-              <a:rPr lang="en-US" dirty="0" smtClean="0"/>
+              <a:rPr lang="en-US" dirty="0" smtClean="0">
+                <a:latin typeface="Arial" panose="020B0604020202020204" pitchFamily="34" charset="0"/>
+                <a:cs typeface="Arial" panose="020B0604020202020204" pitchFamily="34" charset="0"/>
+              </a:rPr>
               <a:t>Table relations</a:t>
             </a:r>
-            <a:endParaRPr lang="en-US" dirty="0"/>
+            <a:endParaRPr lang="en-US" dirty="0">
+              <a:latin typeface="Arial" panose="020B0604020202020204" pitchFamily="34" charset="0"/>
+              <a:cs typeface="Arial" panose="020B0604020202020204" pitchFamily="34" charset="0"/>
+            </a:endParaRPr>
           </a:p>
         </p:txBody>
       </p:sp>
@@ -13920,10 +14031,16 @@
           <a:p>
             <a:pPr algn="ctr"/>
             <a:r>
-              <a:rPr lang="en-US" dirty="0" smtClean="0"/>
+              <a:rPr lang="en-US" dirty="0" smtClean="0">
+                <a:latin typeface="Arial" panose="020B0604020202020204" pitchFamily="34" charset="0"/>
+                <a:cs typeface="Arial" panose="020B0604020202020204" pitchFamily="34" charset="0"/>
+              </a:rPr>
               <a:t>Document model</a:t>
             </a:r>
-            <a:endParaRPr lang="en-US" dirty="0"/>
+            <a:endParaRPr lang="en-US" dirty="0">
+              <a:latin typeface="Arial" panose="020B0604020202020204" pitchFamily="34" charset="0"/>
+              <a:cs typeface="Arial" panose="020B0604020202020204" pitchFamily="34" charset="0"/>
+            </a:endParaRPr>
           </a:p>
         </p:txBody>
       </p:sp>
@@ -14010,10 +14127,16 @@
           <a:p>
             <a:pPr algn="ctr"/>
             <a:r>
-              <a:rPr lang="en-US" dirty="0" smtClean="0"/>
+              <a:rPr lang="en-US" dirty="0" smtClean="0">
+                <a:latin typeface="Arial" panose="020B0604020202020204" pitchFamily="34" charset="0"/>
+                <a:cs typeface="Arial" panose="020B0604020202020204" pitchFamily="34" charset="0"/>
+              </a:rPr>
               <a:t>MS SQL server profiler is a great tool! </a:t>
             </a:r>
-            <a:endParaRPr lang="en-US" dirty="0"/>
+            <a:endParaRPr lang="en-US" dirty="0">
+              <a:latin typeface="Arial" panose="020B0604020202020204" pitchFamily="34" charset="0"/>
+              <a:cs typeface="Arial" panose="020B0604020202020204" pitchFamily="34" charset="0"/>
+            </a:endParaRPr>
           </a:p>
         </p:txBody>
       </p:sp>
@@ -14124,7 +14247,7 @@
         </p:nvSpPr>
         <p:spPr>
           <a:xfrm>
-            <a:off x="1136482" y="1496290"/>
+            <a:off x="1240606" y="2063711"/>
             <a:ext cx="2940939" cy="577273"/>
           </a:xfrm>
         </p:spPr>
@@ -14133,10 +14256,16 @@
           <a:lstStyle/>
           <a:p>
             <a:r>
-              <a:rPr lang="en-US" sz="3200" dirty="0" smtClean="0"/>
+              <a:rPr lang="en-US" sz="3200" dirty="0" smtClean="0">
+                <a:latin typeface="Arial" panose="020B0604020202020204" pitchFamily="34" charset="0"/>
+                <a:cs typeface="Arial" panose="020B0604020202020204" pitchFamily="34" charset="0"/>
+              </a:rPr>
               <a:t>ADO.NET</a:t>
             </a:r>
-            <a:endParaRPr lang="en-US" sz="3200" dirty="0"/>
+            <a:endParaRPr lang="en-US" sz="3200" dirty="0">
+              <a:latin typeface="Arial" panose="020B0604020202020204" pitchFamily="34" charset="0"/>
+              <a:cs typeface="Arial" panose="020B0604020202020204" pitchFamily="34" charset="0"/>
+            </a:endParaRPr>
           </a:p>
         </p:txBody>
       </p:sp>
@@ -14181,8 +14310,8 @@
         </p:nvSpPr>
         <p:spPr>
           <a:xfrm>
-            <a:off x="1136482" y="2285999"/>
-            <a:ext cx="3518645" cy="2535383"/>
+            <a:off x="840918" y="2842491"/>
+            <a:ext cx="3832682" cy="1517074"/>
           </a:xfrm>
         </p:spPr>
         <p:txBody>
@@ -14196,6 +14325,8 @@
                 <a:solidFill>
                   <a:schemeClr val="bg1"/>
                 </a:solidFill>
+                <a:latin typeface="Arial" panose="020B0604020202020204" pitchFamily="34" charset="0"/>
+                <a:cs typeface="Arial" panose="020B0604020202020204" pitchFamily="34" charset="0"/>
               </a:rPr>
               <a:t>ADO.NET is the latest Microsoft database access technology. It’s a set of classes that expose data access services.</a:t>
             </a:r>
@@ -14203,6 +14334,8 @@
               <a:solidFill>
                 <a:schemeClr val="bg1"/>
               </a:solidFill>
+              <a:latin typeface="Arial" panose="020B0604020202020204" pitchFamily="34" charset="0"/>
+              <a:cs typeface="Arial" panose="020B0604020202020204" pitchFamily="34" charset="0"/>
             </a:endParaRPr>
           </a:p>
         </p:txBody>
@@ -14260,6 +14393,13 @@
   <p:clrMapOvr>
     <a:masterClrMapping/>
   </p:clrMapOvr>
+  <p:timing>
+    <p:tnLst>
+      <p:par>
+        <p:cTn id="1" dur="indefinite" restart="never" nodeType="tmRoot"/>
+      </p:par>
+    </p:tnLst>
+  </p:timing>
 </p:sld>
 </file>
 
@@ -14303,10 +14443,16 @@
           <a:lstStyle/>
           <a:p>
             <a:r>
-              <a:rPr lang="en-US" dirty="0" smtClean="0"/>
+              <a:rPr lang="en-US" dirty="0" smtClean="0">
+                <a:latin typeface="Arial" panose="020B0604020202020204" pitchFamily="34" charset="0"/>
+                <a:cs typeface="Arial" panose="020B0604020202020204" pitchFamily="34" charset="0"/>
+              </a:rPr>
               <a:t>What is ORM and how it works?</a:t>
             </a:r>
-            <a:endParaRPr lang="en-US" dirty="0"/>
+            <a:endParaRPr lang="en-US" dirty="0">
+              <a:latin typeface="Arial" panose="020B0604020202020204" pitchFamily="34" charset="0"/>
+              <a:cs typeface="Arial" panose="020B0604020202020204" pitchFamily="34" charset="0"/>
+            </a:endParaRPr>
           </a:p>
         </p:txBody>
       </p:sp>
@@ -14366,6 +14512,8 @@
                 <a:solidFill>
                   <a:schemeClr val="bg1"/>
                 </a:solidFill>
+                <a:latin typeface="Arial" panose="020B0604020202020204" pitchFamily="34" charset="0"/>
+                <a:cs typeface="Arial" panose="020B0604020202020204" pitchFamily="34" charset="0"/>
               </a:rPr>
               <a:t>ORM stands from Object Relational Mapper and is a library that automates the transfer of data between database tables into objects and vice versa.</a:t>
             </a:r>
@@ -14373,6 +14521,8 @@
               <a:solidFill>
                 <a:schemeClr val="bg1"/>
               </a:solidFill>
+              <a:latin typeface="Arial" panose="020B0604020202020204" pitchFamily="34" charset="0"/>
+              <a:cs typeface="Arial" panose="020B0604020202020204" pitchFamily="34" charset="0"/>
             </a:endParaRPr>
           </a:p>
         </p:txBody>
@@ -14387,6 +14537,446 @@
   <p:clrMapOvr>
     <a:masterClrMapping/>
   </p:clrMapOvr>
+  <p:timing>
+    <p:tnLst>
+      <p:par>
+        <p:cTn id="1" dur="indefinite" restart="never" nodeType="tmRoot"/>
+      </p:par>
+    </p:tnLst>
+  </p:timing>
+</p:sld>
+</file>
+
+<file path=ppt/slides/slide9.xml><?xml version="1.0" encoding="utf-8"?>
+<p:sld xmlns:a="http://schemas.openxmlformats.org/drawingml/2006/main" xmlns:r="http://schemas.openxmlformats.org/officeDocument/2006/relationships" xmlns:p="http://schemas.openxmlformats.org/presentationml/2006/main">
+  <p:cSld>
+    <p:spTree>
+      <p:nvGrpSpPr>
+        <p:cNvPr id="1" name=""/>
+        <p:cNvGrpSpPr/>
+        <p:nvPr/>
+      </p:nvGrpSpPr>
+      <p:grpSpPr>
+        <a:xfrm>
+          <a:off x="0" y="0"/>
+          <a:ext cx="0" cy="0"/>
+          <a:chOff x="0" y="0"/>
+          <a:chExt cx="0" cy="0"/>
+        </a:xfrm>
+      </p:grpSpPr>
+      <p:sp>
+        <p:nvSpPr>
+          <p:cNvPr id="2" name="Title 1"/>
+          <p:cNvSpPr>
+            <a:spLocks noGrp="1"/>
+          </p:cNvSpPr>
+          <p:nvPr>
+            <p:ph type="title"/>
+          </p:nvPr>
+        </p:nvSpPr>
+        <p:spPr/>
+        <p:txBody>
+          <a:bodyPr/>
+          <a:lstStyle/>
+          <a:p>
+            <a:pPr algn="ctr"/>
+            <a:r>
+              <a:rPr lang="en-US" dirty="0" smtClean="0">
+                <a:latin typeface="Arial" panose="020B0604020202020204" pitchFamily="34" charset="0"/>
+                <a:cs typeface="Arial" panose="020B0604020202020204" pitchFamily="34" charset="0"/>
+              </a:rPr>
+              <a:t>The benefits of ORM systems?</a:t>
+            </a:r>
+            <a:endParaRPr lang="en-US" dirty="0">
+              <a:latin typeface="Arial" panose="020B0604020202020204" pitchFamily="34" charset="0"/>
+              <a:cs typeface="Arial" panose="020B0604020202020204" pitchFamily="34" charset="0"/>
+            </a:endParaRPr>
+          </a:p>
+        </p:txBody>
+      </p:sp>
+      <p:sp>
+        <p:nvSpPr>
+          <p:cNvPr id="4" name="Content Placeholder 3"/>
+          <p:cNvSpPr txBox="1">
+            <a:spLocks/>
+          </p:cNvSpPr>
+          <p:nvPr/>
+        </p:nvSpPr>
+        <p:spPr>
+          <a:xfrm>
+            <a:off x="1025236" y="3565236"/>
+            <a:ext cx="3980873" cy="1782619"/>
+          </a:xfrm>
+          <a:prstGeom prst="rect">
+            <a:avLst/>
+          </a:prstGeom>
+        </p:spPr>
+        <p:txBody>
+          <a:bodyPr/>
+          <a:lstStyle>
+            <a:lvl1pPr marL="342900" indent="-342900" algn="l" defTabSz="457200" rtl="0" eaLnBrk="1" latinLnBrk="0" hangingPunct="1">
+              <a:spcBef>
+                <a:spcPts val="1000"/>
+              </a:spcBef>
+              <a:spcAft>
+                <a:spcPts val="0"/>
+              </a:spcAft>
+              <a:buClr>
+                <a:schemeClr val="accent1"/>
+              </a:buClr>
+              <a:buSzPct val="80000"/>
+              <a:buFont typeface="Wingdings 3" charset="2"/>
+              <a:buChar char=""/>
+              <a:defRPr sz="1800" b="0" i="0" kern="1200">
+                <a:solidFill>
+                  <a:schemeClr val="tx1">
+                    <a:lumMod val="75000"/>
+                    <a:lumOff val="25000"/>
+                  </a:schemeClr>
+                </a:solidFill>
+                <a:latin typeface="+mn-lt"/>
+                <a:ea typeface="+mn-ea"/>
+                <a:cs typeface="+mn-cs"/>
+              </a:defRPr>
+            </a:lvl1pPr>
+            <a:lvl2pPr marL="742950" indent="-285750" algn="l" defTabSz="457200" rtl="0" eaLnBrk="1" latinLnBrk="0" hangingPunct="1">
+              <a:spcBef>
+                <a:spcPts val="1000"/>
+              </a:spcBef>
+              <a:spcAft>
+                <a:spcPts val="0"/>
+              </a:spcAft>
+              <a:buClr>
+                <a:schemeClr val="accent1"/>
+              </a:buClr>
+              <a:buSzPct val="80000"/>
+              <a:buFont typeface="Wingdings 3" charset="2"/>
+              <a:buChar char=""/>
+              <a:defRPr sz="1600" b="0" i="0" kern="1200">
+                <a:solidFill>
+                  <a:schemeClr val="tx1">
+                    <a:lumMod val="75000"/>
+                    <a:lumOff val="25000"/>
+                  </a:schemeClr>
+                </a:solidFill>
+                <a:latin typeface="+mn-lt"/>
+                <a:ea typeface="+mn-ea"/>
+                <a:cs typeface="+mn-cs"/>
+              </a:defRPr>
+            </a:lvl2pPr>
+            <a:lvl3pPr marL="1143000" indent="-228600" algn="l" defTabSz="457200" rtl="0" eaLnBrk="1" latinLnBrk="0" hangingPunct="1">
+              <a:spcBef>
+                <a:spcPts val="1000"/>
+              </a:spcBef>
+              <a:spcAft>
+                <a:spcPts val="0"/>
+              </a:spcAft>
+              <a:buClr>
+                <a:schemeClr val="accent1"/>
+              </a:buClr>
+              <a:buSzPct val="80000"/>
+              <a:buFont typeface="Wingdings 3" charset="2"/>
+              <a:buChar char=""/>
+              <a:defRPr sz="1400" b="0" i="0" kern="1200">
+                <a:solidFill>
+                  <a:schemeClr val="tx1">
+                    <a:lumMod val="75000"/>
+                    <a:lumOff val="25000"/>
+                  </a:schemeClr>
+                </a:solidFill>
+                <a:latin typeface="+mn-lt"/>
+                <a:ea typeface="+mn-ea"/>
+                <a:cs typeface="+mn-cs"/>
+              </a:defRPr>
+            </a:lvl3pPr>
+            <a:lvl4pPr marL="1600200" indent="-228600" algn="l" defTabSz="457200" rtl="0" eaLnBrk="1" latinLnBrk="0" hangingPunct="1">
+              <a:spcBef>
+                <a:spcPts val="1000"/>
+              </a:spcBef>
+              <a:spcAft>
+                <a:spcPts val="0"/>
+              </a:spcAft>
+              <a:buClr>
+                <a:schemeClr val="accent1"/>
+              </a:buClr>
+              <a:buSzPct val="80000"/>
+              <a:buFont typeface="Wingdings 3" charset="2"/>
+              <a:buChar char=""/>
+              <a:defRPr sz="1200" b="0" i="0" kern="1200">
+                <a:solidFill>
+                  <a:schemeClr val="tx1">
+                    <a:lumMod val="75000"/>
+                    <a:lumOff val="25000"/>
+                  </a:schemeClr>
+                </a:solidFill>
+                <a:latin typeface="+mn-lt"/>
+                <a:ea typeface="+mn-ea"/>
+                <a:cs typeface="+mn-cs"/>
+              </a:defRPr>
+            </a:lvl4pPr>
+            <a:lvl5pPr marL="2057400" indent="-228600" algn="l" defTabSz="457200" rtl="0" eaLnBrk="1" latinLnBrk="0" hangingPunct="1">
+              <a:spcBef>
+                <a:spcPts val="1000"/>
+              </a:spcBef>
+              <a:spcAft>
+                <a:spcPts val="0"/>
+              </a:spcAft>
+              <a:buClr>
+                <a:schemeClr val="accent1"/>
+              </a:buClr>
+              <a:buSzPct val="80000"/>
+              <a:buFont typeface="Wingdings 3" charset="2"/>
+              <a:buChar char=""/>
+              <a:defRPr sz="1200" b="0" i="0" kern="1200">
+                <a:solidFill>
+                  <a:schemeClr val="tx1">
+                    <a:lumMod val="75000"/>
+                    <a:lumOff val="25000"/>
+                  </a:schemeClr>
+                </a:solidFill>
+                <a:latin typeface="+mn-lt"/>
+                <a:ea typeface="+mn-ea"/>
+                <a:cs typeface="+mn-cs"/>
+              </a:defRPr>
+            </a:lvl5pPr>
+            <a:lvl6pPr marL="2514600" indent="-228600" algn="l" defTabSz="457200" rtl="0" eaLnBrk="1" latinLnBrk="0" hangingPunct="1">
+              <a:spcBef>
+                <a:spcPts val="1000"/>
+              </a:spcBef>
+              <a:spcAft>
+                <a:spcPts val="0"/>
+              </a:spcAft>
+              <a:buClr>
+                <a:schemeClr val="accent1"/>
+              </a:buClr>
+              <a:buSzPct val="80000"/>
+              <a:buFont typeface="Wingdings 3" charset="2"/>
+              <a:buChar char=""/>
+              <a:defRPr sz="1200" b="0" i="0" kern="1200">
+                <a:solidFill>
+                  <a:schemeClr val="tx1">
+                    <a:lumMod val="75000"/>
+                    <a:lumOff val="25000"/>
+                  </a:schemeClr>
+                </a:solidFill>
+                <a:latin typeface="+mn-lt"/>
+                <a:ea typeface="+mn-ea"/>
+                <a:cs typeface="+mn-cs"/>
+              </a:defRPr>
+            </a:lvl6pPr>
+            <a:lvl7pPr marL="2971800" indent="-228600" algn="l" defTabSz="457200" rtl="0" eaLnBrk="1" latinLnBrk="0" hangingPunct="1">
+              <a:spcBef>
+                <a:spcPts val="1000"/>
+              </a:spcBef>
+              <a:spcAft>
+                <a:spcPts val="0"/>
+              </a:spcAft>
+              <a:buClr>
+                <a:schemeClr val="accent1"/>
+              </a:buClr>
+              <a:buSzPct val="80000"/>
+              <a:buFont typeface="Wingdings 3" charset="2"/>
+              <a:buChar char=""/>
+              <a:defRPr sz="1200" b="0" i="0" kern="1200">
+                <a:solidFill>
+                  <a:schemeClr val="tx1">
+                    <a:lumMod val="75000"/>
+                    <a:lumOff val="25000"/>
+                  </a:schemeClr>
+                </a:solidFill>
+                <a:latin typeface="+mn-lt"/>
+                <a:ea typeface="+mn-ea"/>
+                <a:cs typeface="+mn-cs"/>
+              </a:defRPr>
+            </a:lvl7pPr>
+            <a:lvl8pPr marL="3429000" indent="-228600" algn="l" defTabSz="457200" rtl="0" eaLnBrk="1" latinLnBrk="0" hangingPunct="1">
+              <a:spcBef>
+                <a:spcPts val="1000"/>
+              </a:spcBef>
+              <a:spcAft>
+                <a:spcPts val="0"/>
+              </a:spcAft>
+              <a:buClr>
+                <a:schemeClr val="accent1"/>
+              </a:buClr>
+              <a:buSzPct val="80000"/>
+              <a:buFont typeface="Wingdings 3" charset="2"/>
+              <a:buChar char=""/>
+              <a:defRPr sz="1200" b="0" i="0" kern="1200">
+                <a:solidFill>
+                  <a:schemeClr val="tx1">
+                    <a:lumMod val="75000"/>
+                    <a:lumOff val="25000"/>
+                  </a:schemeClr>
+                </a:solidFill>
+                <a:latin typeface="+mn-lt"/>
+                <a:ea typeface="+mn-ea"/>
+                <a:cs typeface="+mn-cs"/>
+              </a:defRPr>
+            </a:lvl8pPr>
+            <a:lvl9pPr marL="3886200" indent="-228600" algn="l" defTabSz="457200" rtl="0" eaLnBrk="1" latinLnBrk="0" hangingPunct="1">
+              <a:spcBef>
+                <a:spcPts val="1000"/>
+              </a:spcBef>
+              <a:spcAft>
+                <a:spcPts val="0"/>
+              </a:spcAft>
+              <a:buClr>
+                <a:schemeClr val="accent1"/>
+              </a:buClr>
+              <a:buSzPct val="80000"/>
+              <a:buFont typeface="Wingdings 3" charset="2"/>
+              <a:buChar char=""/>
+              <a:defRPr sz="1200" b="0" i="0" kern="1200">
+                <a:solidFill>
+                  <a:schemeClr val="tx1">
+                    <a:lumMod val="75000"/>
+                    <a:lumOff val="25000"/>
+                  </a:schemeClr>
+                </a:solidFill>
+                <a:latin typeface="+mn-lt"/>
+                <a:ea typeface="+mn-ea"/>
+                <a:cs typeface="+mn-cs"/>
+              </a:defRPr>
+            </a:lvl9pPr>
+          </a:lstStyle>
+          <a:p>
+            <a:r>
+              <a:rPr lang="en-US" dirty="0" smtClean="0">
+                <a:latin typeface="Arial" panose="020B0604020202020204" pitchFamily="34" charset="0"/>
+                <a:cs typeface="Arial" panose="020B0604020202020204" pitchFamily="34" charset="0"/>
+              </a:rPr>
+              <a:t>Productivity</a:t>
+            </a:r>
+          </a:p>
+          <a:p>
+            <a:r>
+              <a:rPr lang="en-US" dirty="0" smtClean="0">
+                <a:latin typeface="Arial" panose="020B0604020202020204" pitchFamily="34" charset="0"/>
+                <a:cs typeface="Arial" panose="020B0604020202020204" pitchFamily="34" charset="0"/>
+              </a:rPr>
+              <a:t>Application Design</a:t>
+            </a:r>
+          </a:p>
+          <a:p>
+            <a:r>
+              <a:rPr lang="en-US" dirty="0" smtClean="0">
+                <a:latin typeface="Arial" panose="020B0604020202020204" pitchFamily="34" charset="0"/>
+                <a:cs typeface="Arial" panose="020B0604020202020204" pitchFamily="34" charset="0"/>
+              </a:rPr>
+              <a:t>Code Reuse</a:t>
+            </a:r>
+          </a:p>
+          <a:p>
+            <a:r>
+              <a:rPr lang="en-US" dirty="0" smtClean="0">
+                <a:latin typeface="Arial" panose="020B0604020202020204" pitchFamily="34" charset="0"/>
+                <a:cs typeface="Arial" panose="020B0604020202020204" pitchFamily="34" charset="0"/>
+              </a:rPr>
+              <a:t>Application Maintainability</a:t>
+            </a:r>
+          </a:p>
+          <a:p>
+            <a:endParaRPr lang="en-US" dirty="0" smtClean="0"/>
+          </a:p>
+          <a:p>
+            <a:endParaRPr lang="en-US" dirty="0"/>
+          </a:p>
+        </p:txBody>
+      </p:sp>
+      <p:pic>
+        <p:nvPicPr>
+          <p:cNvPr id="9" name="Picture 8"/>
+          <p:cNvPicPr>
+            <a:picLocks noChangeAspect="1"/>
+          </p:cNvPicPr>
+          <p:nvPr/>
+        </p:nvPicPr>
+        <p:blipFill>
+          <a:blip r:embed="rId2">
+            <a:extLst>
+              <a:ext uri="{28A0092B-C50C-407E-A947-70E740481C1C}">
+                <a14:useLocalDpi xmlns:a14="http://schemas.microsoft.com/office/drawing/2010/main" val="0"/>
+              </a:ext>
+            </a:extLst>
+          </a:blip>
+          <a:stretch>
+            <a:fillRect/>
+          </a:stretch>
+        </p:blipFill>
+        <p:spPr>
+          <a:xfrm>
+            <a:off x="5163127" y="3719463"/>
+            <a:ext cx="6837063" cy="1474163"/>
+          </a:xfrm>
+          <a:prstGeom prst="rect">
+            <a:avLst/>
+          </a:prstGeom>
+        </p:spPr>
+      </p:pic>
+      <p:sp>
+        <p:nvSpPr>
+          <p:cNvPr id="10" name="TextBox 9"/>
+          <p:cNvSpPr txBox="1"/>
+          <p:nvPr/>
+        </p:nvSpPr>
+        <p:spPr>
+          <a:xfrm>
+            <a:off x="5818911" y="3195904"/>
+            <a:ext cx="5098472" cy="369332"/>
+          </a:xfrm>
+          <a:prstGeom prst="rect">
+            <a:avLst/>
+          </a:prstGeom>
+          <a:noFill/>
+        </p:spPr>
+        <p:txBody>
+          <a:bodyPr wrap="square" rtlCol="0">
+            <a:spAutoFit/>
+          </a:bodyPr>
+          <a:lstStyle/>
+          <a:p>
+            <a:r>
+              <a:rPr lang="en-US" dirty="0" smtClean="0">
+                <a:solidFill>
+                  <a:schemeClr val="accent6">
+                    <a:lumMod val="50000"/>
+                  </a:schemeClr>
+                </a:solidFill>
+                <a:latin typeface="Arial" panose="020B0604020202020204" pitchFamily="34" charset="0"/>
+                <a:cs typeface="Arial" panose="020B0604020202020204" pitchFamily="34" charset="0"/>
+              </a:rPr>
+              <a:t>We work with C# but not with SQL anymore!</a:t>
+            </a:r>
+            <a:endParaRPr lang="en-US" dirty="0">
+              <a:solidFill>
+                <a:schemeClr val="accent6">
+                  <a:lumMod val="50000"/>
+                </a:schemeClr>
+              </a:solidFill>
+              <a:latin typeface="Arial" panose="020B0604020202020204" pitchFamily="34" charset="0"/>
+              <a:cs typeface="Arial" panose="020B0604020202020204" pitchFamily="34" charset="0"/>
+            </a:endParaRPr>
+          </a:p>
+        </p:txBody>
+      </p:sp>
+    </p:spTree>
+    <p:extLst>
+      <p:ext uri="{BB962C8B-B14F-4D97-AF65-F5344CB8AC3E}">
+        <p14:creationId xmlns:p14="http://schemas.microsoft.com/office/powerpoint/2010/main" val="1202831630"/>
+      </p:ext>
+    </p:extLst>
+  </p:cSld>
+  <p:clrMapOvr>
+    <a:masterClrMapping/>
+  </p:clrMapOvr>
+  <p:timing>
+    <p:tnLst>
+      <p:par>
+        <p:cTn id="1" dur="indefinite" restart="never" nodeType="tmRoot"/>
+      </p:par>
+    </p:tnLst>
+  </p:timing>
 </p:sld>
 </file>
 

--- a/Databases_and_EntityFrameworkCore.pptx
+++ b/Databases_and_EntityFrameworkCore.pptx
@@ -14,6 +14,13 @@
     <p:sldId id="262" r:id="rId8"/>
     <p:sldId id="263" r:id="rId9"/>
     <p:sldId id="264" r:id="rId10"/>
+    <p:sldId id="265" r:id="rId11"/>
+    <p:sldId id="266" r:id="rId12"/>
+    <p:sldId id="267" r:id="rId13"/>
+    <p:sldId id="268" r:id="rId14"/>
+    <p:sldId id="269" r:id="rId15"/>
+    <p:sldId id="270" r:id="rId16"/>
+    <p:sldId id="271" r:id="rId17"/>
   </p:sldIdLst>
   <p:sldSz cx="12192000" cy="6858000"/>
   <p:notesSz cx="6858000" cy="9144000"/>
@@ -126,6 +133,13 @@
             <p14:sldId id="262"/>
             <p14:sldId id="263"/>
             <p14:sldId id="264"/>
+            <p14:sldId id="265"/>
+            <p14:sldId id="266"/>
+            <p14:sldId id="267"/>
+            <p14:sldId id="268"/>
+            <p14:sldId id="269"/>
+            <p14:sldId id="270"/>
+            <p14:sldId id="271"/>
           </p14:sldIdLst>
         </p14:section>
       </p14:sectionLst>
@@ -498,9 +512,9 @@
           <a:p>
             <a:fld id="{87DD66F1-7FC0-403D-82FE-3DDCE4AD2CCB}" type="datetimeFigureOut">
               <a:rPr lang="en-US" smtClean="0"/>
-              <a:t>9/9/2021</a:t>
+              <a:t>9/10/2021</a:t>
             </a:fld>
-            <a:endParaRPr lang="en-US"/>
+            <a:endParaRPr lang="en-US" dirty="0"/>
           </a:p>
         </p:txBody>
       </p:sp>
@@ -534,7 +548,7 @@
             </a:lvl1pPr>
           </a:lstStyle>
           <a:p>
-            <a:endParaRPr lang="en-US"/>
+            <a:endParaRPr lang="en-US" dirty="0"/>
           </a:p>
         </p:txBody>
       </p:sp>
@@ -598,7 +612,7 @@
               <a:rPr lang="en-US" smtClean="0"/>
               <a:t>‹#›</a:t>
             </a:fld>
-            <a:endParaRPr lang="en-US"/>
+            <a:endParaRPr lang="en-US" dirty="0"/>
           </a:p>
         </p:txBody>
       </p:sp>
@@ -1488,7 +1502,7 @@
           </a:lstStyle>
           <a:p>
             <a:r>
-              <a:rPr lang="en-US" smtClean="0"/>
+              <a:rPr lang="en-US" dirty="0" smtClean="0"/>
               <a:t>Click icon to add picture</a:t>
             </a:r>
             <a:endParaRPr lang="en-US" dirty="0"/>
@@ -1586,9 +1600,9 @@
           <a:p>
             <a:fld id="{87DD66F1-7FC0-403D-82FE-3DDCE4AD2CCB}" type="datetimeFigureOut">
               <a:rPr lang="en-US" smtClean="0"/>
-              <a:t>9/9/2021</a:t>
+              <a:t>9/10/2021</a:t>
             </a:fld>
-            <a:endParaRPr lang="en-US"/>
+            <a:endParaRPr lang="en-US" dirty="0"/>
           </a:p>
         </p:txBody>
       </p:sp>
@@ -1607,7 +1621,7 @@
           <a:bodyPr/>
           <a:lstStyle/>
           <a:p>
-            <a:endParaRPr lang="en-US"/>
+            <a:endParaRPr lang="en-US" dirty="0"/>
           </a:p>
         </p:txBody>
       </p:sp>
@@ -1666,7 +1680,7 @@
               <a:rPr lang="en-US" smtClean="0"/>
               <a:t>‹#›</a:t>
             </a:fld>
-            <a:endParaRPr lang="en-US"/>
+            <a:endParaRPr lang="en-US" dirty="0"/>
           </a:p>
         </p:txBody>
       </p:sp>
@@ -2566,9 +2580,9 @@
           <a:p>
             <a:fld id="{87DD66F1-7FC0-403D-82FE-3DDCE4AD2CCB}" type="datetimeFigureOut">
               <a:rPr lang="en-US" smtClean="0"/>
-              <a:t>9/9/2021</a:t>
+              <a:t>9/10/2021</a:t>
             </a:fld>
-            <a:endParaRPr lang="en-US"/>
+            <a:endParaRPr lang="en-US" dirty="0"/>
           </a:p>
         </p:txBody>
       </p:sp>
@@ -2587,7 +2601,7 @@
           <a:bodyPr/>
           <a:lstStyle/>
           <a:p>
-            <a:endParaRPr lang="en-US"/>
+            <a:endParaRPr lang="en-US" dirty="0"/>
           </a:p>
         </p:txBody>
       </p:sp>
@@ -2646,7 +2660,7 @@
               <a:rPr lang="en-US" smtClean="0"/>
               <a:t>‹#›</a:t>
             </a:fld>
-            <a:endParaRPr lang="en-US"/>
+            <a:endParaRPr lang="en-US" dirty="0"/>
           </a:p>
         </p:txBody>
       </p:sp>
@@ -3700,9 +3714,9 @@
           <a:p>
             <a:fld id="{87DD66F1-7FC0-403D-82FE-3DDCE4AD2CCB}" type="datetimeFigureOut">
               <a:rPr lang="en-US" smtClean="0"/>
-              <a:t>9/9/2021</a:t>
+              <a:t>9/10/2021</a:t>
             </a:fld>
-            <a:endParaRPr lang="en-US"/>
+            <a:endParaRPr lang="en-US" dirty="0"/>
           </a:p>
         </p:txBody>
       </p:sp>
@@ -3721,7 +3735,7 @@
           <a:bodyPr/>
           <a:lstStyle/>
           <a:p>
-            <a:endParaRPr lang="en-US"/>
+            <a:endParaRPr lang="en-US" dirty="0"/>
           </a:p>
         </p:txBody>
       </p:sp>
@@ -3780,7 +3794,7 @@
               <a:rPr lang="en-US" smtClean="0"/>
               <a:t>‹#›</a:t>
             </a:fld>
-            <a:endParaRPr lang="en-US"/>
+            <a:endParaRPr lang="en-US" dirty="0"/>
           </a:p>
         </p:txBody>
       </p:sp>
@@ -4733,9 +4747,9 @@
           <a:p>
             <a:fld id="{87DD66F1-7FC0-403D-82FE-3DDCE4AD2CCB}" type="datetimeFigureOut">
               <a:rPr lang="en-US" smtClean="0"/>
-              <a:t>9/9/2021</a:t>
+              <a:t>9/10/2021</a:t>
             </a:fld>
-            <a:endParaRPr lang="en-US"/>
+            <a:endParaRPr lang="en-US" dirty="0"/>
           </a:p>
         </p:txBody>
       </p:sp>
@@ -4754,7 +4768,7 @@
           <a:bodyPr/>
           <a:lstStyle/>
           <a:p>
-            <a:endParaRPr lang="en-US"/>
+            <a:endParaRPr lang="en-US" dirty="0"/>
           </a:p>
         </p:txBody>
       </p:sp>
@@ -4813,7 +4827,7 @@
               <a:rPr lang="en-US" smtClean="0"/>
               <a:t>‹#›</a:t>
             </a:fld>
-            <a:endParaRPr lang="en-US"/>
+            <a:endParaRPr lang="en-US" dirty="0"/>
           </a:p>
         </p:txBody>
       </p:sp>
@@ -5393,9 +5407,9 @@
           <a:p>
             <a:fld id="{87DD66F1-7FC0-403D-82FE-3DDCE4AD2CCB}" type="datetimeFigureOut">
               <a:rPr lang="en-US" smtClean="0"/>
-              <a:t>9/9/2021</a:t>
+              <a:t>9/10/2021</a:t>
             </a:fld>
-            <a:endParaRPr lang="en-US"/>
+            <a:endParaRPr lang="en-US" dirty="0"/>
           </a:p>
         </p:txBody>
       </p:sp>
@@ -5414,7 +5428,7 @@
           <a:bodyPr/>
           <a:lstStyle/>
           <a:p>
-            <a:endParaRPr lang="en-US"/>
+            <a:endParaRPr lang="en-US" dirty="0"/>
           </a:p>
         </p:txBody>
       </p:sp>
@@ -5437,7 +5451,7 @@
               <a:rPr lang="en-US" smtClean="0"/>
               <a:t>‹#›</a:t>
             </a:fld>
-            <a:endParaRPr lang="en-US"/>
+            <a:endParaRPr lang="en-US" dirty="0"/>
           </a:p>
         </p:txBody>
       </p:sp>
@@ -5649,7 +5663,7 @@
           </a:lstStyle>
           <a:p>
             <a:r>
-              <a:rPr lang="en-US" smtClean="0"/>
+              <a:rPr lang="en-US" dirty="0" smtClean="0"/>
               <a:t>Click icon to add picture</a:t>
             </a:r>
             <a:endParaRPr lang="en-US" dirty="0"/>
@@ -5869,7 +5883,7 @@
           </a:lstStyle>
           <a:p>
             <a:r>
-              <a:rPr lang="en-US" smtClean="0"/>
+              <a:rPr lang="en-US" dirty="0" smtClean="0"/>
               <a:t>Click icon to add picture</a:t>
             </a:r>
             <a:endParaRPr lang="en-US" dirty="0"/>
@@ -6089,7 +6103,7 @@
           </a:lstStyle>
           <a:p>
             <a:r>
-              <a:rPr lang="en-US" smtClean="0"/>
+              <a:rPr lang="en-US" dirty="0" smtClean="0"/>
               <a:t>Click icon to add picture</a:t>
             </a:r>
             <a:endParaRPr lang="en-US" dirty="0"/>
@@ -6254,9 +6268,9 @@
           <a:p>
             <a:fld id="{87DD66F1-7FC0-403D-82FE-3DDCE4AD2CCB}" type="datetimeFigureOut">
               <a:rPr lang="en-US" smtClean="0"/>
-              <a:t>9/9/2021</a:t>
+              <a:t>9/10/2021</a:t>
             </a:fld>
-            <a:endParaRPr lang="en-US"/>
+            <a:endParaRPr lang="en-US" dirty="0"/>
           </a:p>
         </p:txBody>
       </p:sp>
@@ -6280,7 +6294,7 @@
           <a:bodyPr/>
           <a:lstStyle/>
           <a:p>
-            <a:endParaRPr lang="en-US"/>
+            <a:endParaRPr lang="en-US" dirty="0"/>
           </a:p>
         </p:txBody>
       </p:sp>
@@ -6303,7 +6317,7 @@
               <a:rPr lang="en-US" smtClean="0"/>
               <a:t>‹#›</a:t>
             </a:fld>
-            <a:endParaRPr lang="en-US"/>
+            <a:endParaRPr lang="en-US" dirty="0"/>
           </a:p>
         </p:txBody>
       </p:sp>
@@ -6444,9 +6458,9 @@
           <a:p>
             <a:fld id="{87DD66F1-7FC0-403D-82FE-3DDCE4AD2CCB}" type="datetimeFigureOut">
               <a:rPr lang="en-US" smtClean="0"/>
-              <a:t>9/9/2021</a:t>
+              <a:t>9/10/2021</a:t>
             </a:fld>
-            <a:endParaRPr lang="en-US"/>
+            <a:endParaRPr lang="en-US" dirty="0"/>
           </a:p>
         </p:txBody>
       </p:sp>
@@ -6465,7 +6479,7 @@
           <a:bodyPr/>
           <a:lstStyle/>
           <a:p>
-            <a:endParaRPr lang="en-US"/>
+            <a:endParaRPr lang="en-US" dirty="0"/>
           </a:p>
         </p:txBody>
       </p:sp>
@@ -6488,7 +6502,7 @@
               <a:rPr lang="en-US" smtClean="0"/>
               <a:t>‹#›</a:t>
             </a:fld>
-            <a:endParaRPr lang="en-US"/>
+            <a:endParaRPr lang="en-US" dirty="0"/>
           </a:p>
         </p:txBody>
       </p:sp>
@@ -7416,9 +7430,9 @@
           <a:p>
             <a:fld id="{87DD66F1-7FC0-403D-82FE-3DDCE4AD2CCB}" type="datetimeFigureOut">
               <a:rPr lang="en-US" smtClean="0"/>
-              <a:t>9/9/2021</a:t>
+              <a:t>9/10/2021</a:t>
             </a:fld>
-            <a:endParaRPr lang="en-US"/>
+            <a:endParaRPr lang="en-US" dirty="0"/>
           </a:p>
         </p:txBody>
       </p:sp>
@@ -7437,7 +7451,7 @@
           <a:bodyPr/>
           <a:lstStyle/>
           <a:p>
-            <a:endParaRPr lang="en-US"/>
+            <a:endParaRPr lang="en-US" dirty="0"/>
           </a:p>
         </p:txBody>
       </p:sp>
@@ -7496,7 +7510,7 @@
               <a:rPr lang="en-US" smtClean="0"/>
               <a:t>‹#›</a:t>
             </a:fld>
-            <a:endParaRPr lang="en-US"/>
+            <a:endParaRPr lang="en-US" dirty="0"/>
           </a:p>
         </p:txBody>
       </p:sp>
@@ -7627,9 +7641,9 @@
           <a:p>
             <a:fld id="{87DD66F1-7FC0-403D-82FE-3DDCE4AD2CCB}" type="datetimeFigureOut">
               <a:rPr lang="en-US" smtClean="0"/>
-              <a:t>9/9/2021</a:t>
+              <a:t>9/10/2021</a:t>
             </a:fld>
-            <a:endParaRPr lang="en-US"/>
+            <a:endParaRPr lang="en-US" dirty="0"/>
           </a:p>
         </p:txBody>
       </p:sp>
@@ -7648,7 +7662,7 @@
           <a:bodyPr/>
           <a:lstStyle/>
           <a:p>
-            <a:endParaRPr lang="en-US"/>
+            <a:endParaRPr lang="en-US" dirty="0"/>
           </a:p>
         </p:txBody>
       </p:sp>
@@ -7671,7 +7685,7 @@
               <a:rPr lang="en-US" smtClean="0"/>
               <a:t>‹#›</a:t>
             </a:fld>
-            <a:endParaRPr lang="en-US"/>
+            <a:endParaRPr lang="en-US" dirty="0"/>
           </a:p>
         </p:txBody>
       </p:sp>
@@ -8661,9 +8675,9 @@
           <a:p>
             <a:fld id="{87DD66F1-7FC0-403D-82FE-3DDCE4AD2CCB}" type="datetimeFigureOut">
               <a:rPr lang="en-US" smtClean="0"/>
-              <a:t>9/9/2021</a:t>
+              <a:t>9/10/2021</a:t>
             </a:fld>
-            <a:endParaRPr lang="en-US"/>
+            <a:endParaRPr lang="en-US" dirty="0"/>
           </a:p>
         </p:txBody>
       </p:sp>
@@ -8682,7 +8696,7 @@
           <a:bodyPr/>
           <a:lstStyle/>
           <a:p>
-            <a:endParaRPr lang="en-US"/>
+            <a:endParaRPr lang="en-US" dirty="0"/>
           </a:p>
         </p:txBody>
       </p:sp>
@@ -8741,7 +8755,7 @@
               <a:rPr lang="en-US" smtClean="0"/>
               <a:t>‹#›</a:t>
             </a:fld>
-            <a:endParaRPr lang="en-US"/>
+            <a:endParaRPr lang="en-US" dirty="0"/>
           </a:p>
         </p:txBody>
       </p:sp>
@@ -8933,9 +8947,9 @@
           <a:p>
             <a:fld id="{87DD66F1-7FC0-403D-82FE-3DDCE4AD2CCB}" type="datetimeFigureOut">
               <a:rPr lang="en-US" smtClean="0"/>
-              <a:t>9/9/2021</a:t>
+              <a:t>9/10/2021</a:t>
             </a:fld>
-            <a:endParaRPr lang="en-US"/>
+            <a:endParaRPr lang="en-US" dirty="0"/>
           </a:p>
         </p:txBody>
       </p:sp>
@@ -8954,7 +8968,7 @@
           <a:bodyPr/>
           <a:lstStyle/>
           <a:p>
-            <a:endParaRPr lang="en-US"/>
+            <a:endParaRPr lang="en-US" dirty="0"/>
           </a:p>
         </p:txBody>
       </p:sp>
@@ -8977,7 +8991,7 @@
               <a:rPr lang="en-US" smtClean="0"/>
               <a:t>‹#›</a:t>
             </a:fld>
-            <a:endParaRPr lang="en-US"/>
+            <a:endParaRPr lang="en-US" dirty="0"/>
           </a:p>
         </p:txBody>
       </p:sp>
@@ -9343,9 +9357,9 @@
           <a:p>
             <a:fld id="{87DD66F1-7FC0-403D-82FE-3DDCE4AD2CCB}" type="datetimeFigureOut">
               <a:rPr lang="en-US" smtClean="0"/>
-              <a:t>9/9/2021</a:t>
+              <a:t>9/10/2021</a:t>
             </a:fld>
-            <a:endParaRPr lang="en-US"/>
+            <a:endParaRPr lang="en-US" dirty="0"/>
           </a:p>
         </p:txBody>
       </p:sp>
@@ -9364,7 +9378,7 @@
           <a:bodyPr/>
           <a:lstStyle/>
           <a:p>
-            <a:endParaRPr lang="en-US"/>
+            <a:endParaRPr lang="en-US" dirty="0"/>
           </a:p>
         </p:txBody>
       </p:sp>
@@ -9387,7 +9401,7 @@
               <a:rPr lang="en-US" smtClean="0"/>
               <a:t>‹#›</a:t>
             </a:fld>
-            <a:endParaRPr lang="en-US"/>
+            <a:endParaRPr lang="en-US" dirty="0"/>
           </a:p>
         </p:txBody>
       </p:sp>
@@ -9470,9 +9484,9 @@
           <a:p>
             <a:fld id="{87DD66F1-7FC0-403D-82FE-3DDCE4AD2CCB}" type="datetimeFigureOut">
               <a:rPr lang="en-US" smtClean="0"/>
-              <a:t>9/9/2021</a:t>
+              <a:t>9/10/2021</a:t>
             </a:fld>
-            <a:endParaRPr lang="en-US"/>
+            <a:endParaRPr lang="en-US" dirty="0"/>
           </a:p>
         </p:txBody>
       </p:sp>
@@ -9491,7 +9505,7 @@
           <a:bodyPr/>
           <a:lstStyle/>
           <a:p>
-            <a:endParaRPr lang="en-US"/>
+            <a:endParaRPr lang="en-US" dirty="0"/>
           </a:p>
         </p:txBody>
       </p:sp>
@@ -9514,7 +9528,7 @@
               <a:rPr lang="en-US" smtClean="0"/>
               <a:t>‹#›</a:t>
             </a:fld>
-            <a:endParaRPr lang="en-US"/>
+            <a:endParaRPr lang="en-US" dirty="0"/>
           </a:p>
         </p:txBody>
       </p:sp>
@@ -9565,9 +9579,9 @@
           <a:p>
             <a:fld id="{87DD66F1-7FC0-403D-82FE-3DDCE4AD2CCB}" type="datetimeFigureOut">
               <a:rPr lang="en-US" smtClean="0"/>
-              <a:t>9/9/2021</a:t>
+              <a:t>9/10/2021</a:t>
             </a:fld>
-            <a:endParaRPr lang="en-US"/>
+            <a:endParaRPr lang="en-US" dirty="0"/>
           </a:p>
         </p:txBody>
       </p:sp>
@@ -9586,7 +9600,7 @@
           <a:bodyPr/>
           <a:lstStyle/>
           <a:p>
-            <a:endParaRPr lang="en-US"/>
+            <a:endParaRPr lang="en-US" dirty="0"/>
           </a:p>
         </p:txBody>
       </p:sp>
@@ -9645,7 +9659,7 @@
               <a:rPr lang="en-US" smtClean="0"/>
               <a:t>‹#›</a:t>
             </a:fld>
-            <a:endParaRPr lang="en-US"/>
+            <a:endParaRPr lang="en-US" dirty="0"/>
           </a:p>
         </p:txBody>
       </p:sp>
@@ -10646,9 +10660,9 @@
           <a:p>
             <a:fld id="{87DD66F1-7FC0-403D-82FE-3DDCE4AD2CCB}" type="datetimeFigureOut">
               <a:rPr lang="en-US" smtClean="0"/>
-              <a:t>9/9/2021</a:t>
+              <a:t>9/10/2021</a:t>
             </a:fld>
-            <a:endParaRPr lang="en-US"/>
+            <a:endParaRPr lang="en-US" dirty="0"/>
           </a:p>
         </p:txBody>
       </p:sp>
@@ -10667,7 +10681,7 @@
           <a:bodyPr/>
           <a:lstStyle/>
           <a:p>
-            <a:endParaRPr lang="en-US"/>
+            <a:endParaRPr lang="en-US" dirty="0"/>
           </a:p>
         </p:txBody>
       </p:sp>
@@ -10726,7 +10740,7 @@
               <a:rPr lang="en-US" smtClean="0"/>
               <a:t>‹#›</a:t>
             </a:fld>
-            <a:endParaRPr lang="en-US"/>
+            <a:endParaRPr lang="en-US" dirty="0"/>
           </a:p>
         </p:txBody>
       </p:sp>
@@ -11656,7 +11670,7 @@
               <a:buNone/>
             </a:pPr>
             <a:r>
-              <a:rPr lang="en-US" smtClean="0"/>
+              <a:rPr lang="en-US" dirty="0" smtClean="0"/>
               <a:t>Click icon to add picture</a:t>
             </a:r>
             <a:endParaRPr lang="en-US" dirty="0"/>
@@ -11754,9 +11768,9 @@
           <a:p>
             <a:fld id="{87DD66F1-7FC0-403D-82FE-3DDCE4AD2CCB}" type="datetimeFigureOut">
               <a:rPr lang="en-US" smtClean="0"/>
-              <a:t>9/9/2021</a:t>
+              <a:t>9/10/2021</a:t>
             </a:fld>
-            <a:endParaRPr lang="en-US"/>
+            <a:endParaRPr lang="en-US" dirty="0"/>
           </a:p>
         </p:txBody>
       </p:sp>
@@ -11775,7 +11789,7 @@
           <a:bodyPr/>
           <a:lstStyle/>
           <a:p>
-            <a:endParaRPr lang="en-US"/>
+            <a:endParaRPr lang="en-US" dirty="0"/>
           </a:p>
         </p:txBody>
       </p:sp>
@@ -11834,7 +11848,7 @@
               <a:rPr lang="en-US" smtClean="0"/>
               <a:t>‹#›</a:t>
             </a:fld>
-            <a:endParaRPr lang="en-US"/>
+            <a:endParaRPr lang="en-US" dirty="0"/>
           </a:p>
         </p:txBody>
       </p:sp>
@@ -12751,9 +12765,9 @@
           <a:p>
             <a:fld id="{87DD66F1-7FC0-403D-82FE-3DDCE4AD2CCB}" type="datetimeFigureOut">
               <a:rPr lang="en-US" smtClean="0"/>
-              <a:t>9/9/2021</a:t>
+              <a:t>9/10/2021</a:t>
             </a:fld>
-            <a:endParaRPr lang="en-US"/>
+            <a:endParaRPr lang="en-US" dirty="0"/>
           </a:p>
         </p:txBody>
       </p:sp>
@@ -12788,7 +12802,7 @@
             </a:lvl1pPr>
           </a:lstStyle>
           <a:p>
-            <a:endParaRPr lang="en-US"/>
+            <a:endParaRPr lang="en-US" dirty="0"/>
           </a:p>
         </p:txBody>
       </p:sp>
@@ -12863,7 +12877,7 @@
               <a:rPr lang="en-US" smtClean="0"/>
               <a:t>‹#›</a:t>
             </a:fld>
-            <a:endParaRPr lang="en-US"/>
+            <a:endParaRPr lang="en-US" dirty="0"/>
           </a:p>
         </p:txBody>
       </p:sp>
@@ -13375,6 +13389,1164 @@
 </p:sld>
 </file>
 
+<file path=ppt/slides/slide10.xml><?xml version="1.0" encoding="utf-8"?>
+<p:sld xmlns:a="http://schemas.openxmlformats.org/drawingml/2006/main" xmlns:r="http://schemas.openxmlformats.org/officeDocument/2006/relationships" xmlns:p="http://schemas.openxmlformats.org/presentationml/2006/main">
+  <p:cSld>
+    <p:spTree>
+      <p:nvGrpSpPr>
+        <p:cNvPr id="1" name=""/>
+        <p:cNvGrpSpPr/>
+        <p:nvPr/>
+      </p:nvGrpSpPr>
+      <p:grpSpPr>
+        <a:xfrm>
+          <a:off x="0" y="0"/>
+          <a:ext cx="0" cy="0"/>
+          <a:chOff x="0" y="0"/>
+          <a:chExt cx="0" cy="0"/>
+        </a:xfrm>
+      </p:grpSpPr>
+      <p:sp>
+        <p:nvSpPr>
+          <p:cNvPr id="2" name="Title 1"/>
+          <p:cNvSpPr>
+            <a:spLocks noGrp="1"/>
+          </p:cNvSpPr>
+          <p:nvPr>
+            <p:ph type="title"/>
+          </p:nvPr>
+        </p:nvSpPr>
+        <p:spPr/>
+        <p:txBody>
+          <a:bodyPr/>
+          <a:lstStyle/>
+          <a:p>
+            <a:pPr algn="ctr"/>
+            <a:r>
+              <a:rPr lang="en-US" dirty="0" smtClean="0"/>
+              <a:t>Entity Framework Core</a:t>
+            </a:r>
+            <a:endParaRPr lang="en-US" dirty="0"/>
+          </a:p>
+        </p:txBody>
+      </p:sp>
+      <p:sp>
+        <p:nvSpPr>
+          <p:cNvPr id="3" name="Content Placeholder 2"/>
+          <p:cNvSpPr>
+            <a:spLocks noGrp="1"/>
+          </p:cNvSpPr>
+          <p:nvPr>
+            <p:ph sz="half" idx="1"/>
+          </p:nvPr>
+        </p:nvSpPr>
+        <p:spPr>
+          <a:xfrm>
+            <a:off x="1154954" y="2741468"/>
+            <a:ext cx="4825158" cy="3416301"/>
+          </a:xfrm>
+        </p:spPr>
+        <p:txBody>
+          <a:bodyPr/>
+          <a:lstStyle/>
+          <a:p>
+            <a:r>
+              <a:rPr lang="en-US" dirty="0" smtClean="0">
+                <a:latin typeface="Arial" panose="020B0604020202020204" pitchFamily="34" charset="0"/>
+                <a:cs typeface="Arial" panose="020B0604020202020204" pitchFamily="34" charset="0"/>
+              </a:rPr>
+              <a:t>EF Core is open source and cross-platform object-relational mapper</a:t>
+            </a:r>
+          </a:p>
+          <a:p>
+            <a:r>
+              <a:rPr lang="en-US" dirty="0" smtClean="0">
+                <a:latin typeface="Arial" panose="020B0604020202020204" pitchFamily="34" charset="0"/>
+                <a:cs typeface="Arial" panose="020B0604020202020204" pitchFamily="34" charset="0"/>
+              </a:rPr>
+              <a:t>Enables developers to work with a database using .NET objects</a:t>
+            </a:r>
+          </a:p>
+          <a:p>
+            <a:r>
+              <a:rPr lang="en-US" dirty="0" smtClean="0">
+                <a:latin typeface="Arial" panose="020B0604020202020204" pitchFamily="34" charset="0"/>
+                <a:cs typeface="Arial" panose="020B0604020202020204" pitchFamily="34" charset="0"/>
+              </a:rPr>
+              <a:t>Eliminates the need for most of the data-access code that typically needs to be written</a:t>
+            </a:r>
+          </a:p>
+          <a:p>
+            <a:r>
+              <a:rPr lang="en-US" dirty="0" smtClean="0">
+                <a:latin typeface="Arial" panose="020B0604020202020204" pitchFamily="34" charset="0"/>
+                <a:cs typeface="Arial" panose="020B0604020202020204" pitchFamily="34" charset="0"/>
+              </a:rPr>
+              <a:t>Supports many database providers</a:t>
+            </a:r>
+            <a:endParaRPr lang="en-US" dirty="0">
+              <a:latin typeface="Arial" panose="020B0604020202020204" pitchFamily="34" charset="0"/>
+              <a:cs typeface="Arial" panose="020B0604020202020204" pitchFamily="34" charset="0"/>
+            </a:endParaRPr>
+          </a:p>
+        </p:txBody>
+      </p:sp>
+      <p:pic>
+        <p:nvPicPr>
+          <p:cNvPr id="5" name="Content Placeholder 4"/>
+          <p:cNvPicPr>
+            <a:picLocks noGrp="1" noChangeAspect="1"/>
+          </p:cNvPicPr>
+          <p:nvPr>
+            <p:ph sz="half" idx="2"/>
+          </p:nvPr>
+        </p:nvPicPr>
+        <p:blipFill>
+          <a:blip r:embed="rId2" cstate="print">
+            <a:extLst>
+              <a:ext uri="{28A0092B-C50C-407E-A947-70E740481C1C}">
+                <a14:useLocalDpi xmlns:a14="http://schemas.microsoft.com/office/drawing/2010/main" val="0"/>
+              </a:ext>
+            </a:extLst>
+          </a:blip>
+          <a:stretch>
+            <a:fillRect/>
+          </a:stretch>
+        </p:blipFill>
+        <p:spPr>
+          <a:xfrm>
+            <a:off x="6325682" y="2741468"/>
+            <a:ext cx="5365607" cy="2384714"/>
+          </a:xfrm>
+        </p:spPr>
+      </p:pic>
+    </p:spTree>
+    <p:extLst>
+      <p:ext uri="{BB962C8B-B14F-4D97-AF65-F5344CB8AC3E}">
+        <p14:creationId xmlns:p14="http://schemas.microsoft.com/office/powerpoint/2010/main" val="3944881648"/>
+      </p:ext>
+    </p:extLst>
+  </p:cSld>
+  <p:clrMapOvr>
+    <a:masterClrMapping/>
+  </p:clrMapOvr>
+  <p:timing>
+    <p:tnLst>
+      <p:par>
+        <p:cTn id="1" dur="indefinite" restart="never" nodeType="tmRoot"/>
+      </p:par>
+    </p:tnLst>
+  </p:timing>
+</p:sld>
+</file>
+
+<file path=ppt/slides/slide11.xml><?xml version="1.0" encoding="utf-8"?>
+<p:sld xmlns:a="http://schemas.openxmlformats.org/drawingml/2006/main" xmlns:r="http://schemas.openxmlformats.org/officeDocument/2006/relationships" xmlns:p="http://schemas.openxmlformats.org/presentationml/2006/main">
+  <p:cSld>
+    <p:spTree>
+      <p:nvGrpSpPr>
+        <p:cNvPr id="1" name=""/>
+        <p:cNvGrpSpPr/>
+        <p:nvPr/>
+      </p:nvGrpSpPr>
+      <p:grpSpPr>
+        <a:xfrm>
+          <a:off x="0" y="0"/>
+          <a:ext cx="0" cy="0"/>
+          <a:chOff x="0" y="0"/>
+          <a:chExt cx="0" cy="0"/>
+        </a:xfrm>
+      </p:grpSpPr>
+      <p:sp>
+        <p:nvSpPr>
+          <p:cNvPr id="2" name="Title 1"/>
+          <p:cNvSpPr>
+            <a:spLocks noGrp="1"/>
+          </p:cNvSpPr>
+          <p:nvPr>
+            <p:ph type="title"/>
+          </p:nvPr>
+        </p:nvSpPr>
+        <p:spPr>
+          <a:xfrm>
+            <a:off x="1154955" y="1288915"/>
+            <a:ext cx="3865134" cy="1010941"/>
+          </a:xfrm>
+        </p:spPr>
+        <p:txBody>
+          <a:bodyPr>
+            <a:noAutofit/>
+          </a:bodyPr>
+          <a:lstStyle/>
+          <a:p>
+            <a:r>
+              <a:rPr lang="en-US" sz="2800" dirty="0" smtClean="0">
+                <a:latin typeface="Arial" panose="020B0604020202020204" pitchFamily="34" charset="0"/>
+                <a:cs typeface="Arial" panose="020B0604020202020204" pitchFamily="34" charset="0"/>
+              </a:rPr>
+              <a:t>The Model </a:t>
+            </a:r>
+            <a:br>
+              <a:rPr lang="en-US" sz="2800" dirty="0" smtClean="0">
+                <a:latin typeface="Arial" panose="020B0604020202020204" pitchFamily="34" charset="0"/>
+                <a:cs typeface="Arial" panose="020B0604020202020204" pitchFamily="34" charset="0"/>
+              </a:rPr>
+            </a:br>
+            <a:r>
+              <a:rPr lang="en-US" sz="2800" dirty="0" smtClean="0">
+                <a:latin typeface="Arial" panose="020B0604020202020204" pitchFamily="34" charset="0"/>
+                <a:cs typeface="Arial" panose="020B0604020202020204" pitchFamily="34" charset="0"/>
+              </a:rPr>
+              <a:t>(code first approach)</a:t>
+            </a:r>
+            <a:endParaRPr lang="en-US" sz="2800" dirty="0">
+              <a:latin typeface="Arial" panose="020B0604020202020204" pitchFamily="34" charset="0"/>
+              <a:cs typeface="Arial" panose="020B0604020202020204" pitchFamily="34" charset="0"/>
+            </a:endParaRPr>
+          </a:p>
+        </p:txBody>
+      </p:sp>
+      <p:sp>
+        <p:nvSpPr>
+          <p:cNvPr id="4" name="Text Placeholder 3"/>
+          <p:cNvSpPr>
+            <a:spLocks noGrp="1"/>
+          </p:cNvSpPr>
+          <p:nvPr>
+            <p:ph type="body" sz="half" idx="2"/>
+          </p:nvPr>
+        </p:nvSpPr>
+        <p:spPr>
+          <a:xfrm>
+            <a:off x="1154953" y="2503054"/>
+            <a:ext cx="3865135" cy="2526145"/>
+          </a:xfrm>
+        </p:spPr>
+        <p:txBody>
+          <a:bodyPr>
+            <a:normAutofit lnSpcReduction="10000"/>
+          </a:bodyPr>
+          <a:lstStyle/>
+          <a:p>
+            <a:pPr marL="342900" indent="-342900">
+              <a:buClr>
+                <a:schemeClr val="bg1"/>
+              </a:buClr>
+              <a:buFont typeface="Wingdings" panose="05000000000000000000" pitchFamily="2" charset="2"/>
+              <a:buChar char="Ø"/>
+            </a:pPr>
+            <a:r>
+              <a:rPr lang="en-US" sz="2000" dirty="0">
+                <a:solidFill>
+                  <a:schemeClr val="bg1"/>
+                </a:solidFill>
+                <a:latin typeface="Arial" panose="020B0604020202020204" pitchFamily="34" charset="0"/>
+                <a:cs typeface="Arial" panose="020B0604020202020204" pitchFamily="34" charset="0"/>
+              </a:rPr>
+              <a:t>A model is made up of entity classes and a context object that represents a session with the database. The context object allows querying and saving data</a:t>
+            </a:r>
+            <a:r>
+              <a:rPr lang="en-US" sz="2000" dirty="0" smtClean="0">
+                <a:solidFill>
+                  <a:schemeClr val="bg1"/>
+                </a:solidFill>
+                <a:latin typeface="Arial" panose="020B0604020202020204" pitchFamily="34" charset="0"/>
+                <a:cs typeface="Arial" panose="020B0604020202020204" pitchFamily="34" charset="0"/>
+              </a:rPr>
+              <a:t>.</a:t>
+            </a:r>
+          </a:p>
+          <a:p>
+            <a:pPr marL="342900" indent="-342900">
+              <a:buClr>
+                <a:schemeClr val="bg1"/>
+              </a:buClr>
+              <a:buFont typeface="Wingdings" panose="05000000000000000000" pitchFamily="2" charset="2"/>
+              <a:buChar char="Ø"/>
+            </a:pPr>
+            <a:r>
+              <a:rPr lang="en-US" sz="2000" dirty="0" smtClean="0">
+                <a:solidFill>
+                  <a:schemeClr val="bg1"/>
+                </a:solidFill>
+                <a:latin typeface="Arial" panose="020B0604020202020204" pitchFamily="34" charset="0"/>
+                <a:cs typeface="Arial" panose="020B0604020202020204" pitchFamily="34" charset="0"/>
+              </a:rPr>
+              <a:t>Database structure is updated using migrations</a:t>
+            </a:r>
+            <a:endParaRPr lang="en-US" sz="2000" dirty="0">
+              <a:solidFill>
+                <a:schemeClr val="bg1"/>
+              </a:solidFill>
+              <a:latin typeface="Arial" panose="020B0604020202020204" pitchFamily="34" charset="0"/>
+              <a:cs typeface="Arial" panose="020B0604020202020204" pitchFamily="34" charset="0"/>
+            </a:endParaRPr>
+          </a:p>
+          <a:p>
+            <a:endParaRPr lang="en-US" sz="2000" dirty="0">
+              <a:solidFill>
+                <a:schemeClr val="bg1"/>
+              </a:solidFill>
+              <a:latin typeface="Arial" panose="020B0604020202020204" pitchFamily="34" charset="0"/>
+              <a:cs typeface="Arial" panose="020B0604020202020204" pitchFamily="34" charset="0"/>
+            </a:endParaRPr>
+          </a:p>
+        </p:txBody>
+      </p:sp>
+      <p:pic>
+        <p:nvPicPr>
+          <p:cNvPr id="9" name="Picture Placeholder 8"/>
+          <p:cNvPicPr>
+            <a:picLocks noGrp="1" noChangeAspect="1"/>
+          </p:cNvPicPr>
+          <p:nvPr>
+            <p:ph type="pic" idx="1"/>
+          </p:nvPr>
+        </p:nvPicPr>
+        <p:blipFill>
+          <a:blip r:embed="rId2">
+            <a:extLst>
+              <a:ext uri="{28A0092B-C50C-407E-A947-70E740481C1C}">
+                <a14:useLocalDpi xmlns:a14="http://schemas.microsoft.com/office/drawing/2010/main" val="0"/>
+              </a:ext>
+            </a:extLst>
+          </a:blip>
+          <a:stretch>
+            <a:fillRect/>
+          </a:stretch>
+        </p:blipFill>
+        <p:spPr>
+          <a:xfrm>
+            <a:off x="6350874" y="1181911"/>
+            <a:ext cx="4612198" cy="4950947"/>
+          </a:xfrm>
+        </p:spPr>
+      </p:pic>
+    </p:spTree>
+    <p:extLst>
+      <p:ext uri="{BB962C8B-B14F-4D97-AF65-F5344CB8AC3E}">
+        <p14:creationId xmlns:p14="http://schemas.microsoft.com/office/powerpoint/2010/main" val="2827704250"/>
+      </p:ext>
+    </p:extLst>
+  </p:cSld>
+  <p:clrMapOvr>
+    <a:masterClrMapping/>
+  </p:clrMapOvr>
+  <p:timing>
+    <p:tnLst>
+      <p:par>
+        <p:cTn id="1" dur="indefinite" restart="never" nodeType="tmRoot"/>
+      </p:par>
+    </p:tnLst>
+  </p:timing>
+</p:sld>
+</file>
+
+<file path=ppt/slides/slide12.xml><?xml version="1.0" encoding="utf-8"?>
+<p:sld xmlns:a="http://schemas.openxmlformats.org/drawingml/2006/main" xmlns:r="http://schemas.openxmlformats.org/officeDocument/2006/relationships" xmlns:p="http://schemas.openxmlformats.org/presentationml/2006/main">
+  <p:cSld>
+    <p:spTree>
+      <p:nvGrpSpPr>
+        <p:cNvPr id="1" name=""/>
+        <p:cNvGrpSpPr/>
+        <p:nvPr/>
+      </p:nvGrpSpPr>
+      <p:grpSpPr>
+        <a:xfrm>
+          <a:off x="0" y="0"/>
+          <a:ext cx="0" cy="0"/>
+          <a:chOff x="0" y="0"/>
+          <a:chExt cx="0" cy="0"/>
+        </a:xfrm>
+      </p:grpSpPr>
+      <p:sp>
+        <p:nvSpPr>
+          <p:cNvPr id="4" name="Text Placeholder 3"/>
+          <p:cNvSpPr>
+            <a:spLocks noGrp="1"/>
+          </p:cNvSpPr>
+          <p:nvPr>
+            <p:ph type="body" sz="half" idx="2"/>
+          </p:nvPr>
+        </p:nvSpPr>
+        <p:spPr>
+          <a:xfrm>
+            <a:off x="1154954" y="2595418"/>
+            <a:ext cx="3859212" cy="2433782"/>
+          </a:xfrm>
+        </p:spPr>
+        <p:txBody>
+          <a:bodyPr>
+            <a:normAutofit/>
+          </a:bodyPr>
+          <a:lstStyle/>
+          <a:p>
+            <a:pPr marL="342900" indent="-342900">
+              <a:buClr>
+                <a:schemeClr val="bg1"/>
+              </a:buClr>
+              <a:buFont typeface="Wingdings" panose="05000000000000000000" pitchFamily="2" charset="2"/>
+              <a:buChar char="Ø"/>
+            </a:pPr>
+            <a:r>
+              <a:rPr lang="en-US" sz="2000" dirty="0">
+                <a:solidFill>
+                  <a:schemeClr val="bg1"/>
+                </a:solidFill>
+                <a:latin typeface="Arial" panose="020B0604020202020204" pitchFamily="34" charset="0"/>
+                <a:cs typeface="Arial" panose="020B0604020202020204" pitchFamily="34" charset="0"/>
+              </a:rPr>
+              <a:t>A model is made up </a:t>
+            </a:r>
+            <a:r>
+              <a:rPr lang="en-US" sz="2000" dirty="0" smtClean="0">
+                <a:solidFill>
+                  <a:schemeClr val="bg1"/>
+                </a:solidFill>
+                <a:latin typeface="Arial" panose="020B0604020202020204" pitchFamily="34" charset="0"/>
+                <a:cs typeface="Arial" panose="020B0604020202020204" pitchFamily="34" charset="0"/>
+              </a:rPr>
+              <a:t>from previously build MS SQL tables. </a:t>
+            </a:r>
+          </a:p>
+          <a:p>
+            <a:pPr marL="342900" indent="-342900">
+              <a:buClr>
+                <a:schemeClr val="bg1"/>
+              </a:buClr>
+              <a:buFont typeface="Wingdings" panose="05000000000000000000" pitchFamily="2" charset="2"/>
+              <a:buChar char="Ø"/>
+            </a:pPr>
+            <a:r>
+              <a:rPr lang="en-US" sz="2000" dirty="0" smtClean="0">
+                <a:solidFill>
+                  <a:schemeClr val="bg1"/>
+                </a:solidFill>
+                <a:latin typeface="Arial" panose="020B0604020202020204" pitchFamily="34" charset="0"/>
+                <a:cs typeface="Arial" panose="020B0604020202020204" pitchFamily="34" charset="0"/>
+              </a:rPr>
+              <a:t>In “database first approach” we scaffold our C# classes from these tables using command line.</a:t>
+            </a:r>
+            <a:endParaRPr lang="en-US" sz="2000" dirty="0"/>
+          </a:p>
+        </p:txBody>
+      </p:sp>
+      <p:sp>
+        <p:nvSpPr>
+          <p:cNvPr id="5" name="Title 1"/>
+          <p:cNvSpPr>
+            <a:spLocks noGrp="1"/>
+          </p:cNvSpPr>
+          <p:nvPr>
+            <p:ph type="title"/>
+          </p:nvPr>
+        </p:nvSpPr>
+        <p:spPr>
+          <a:xfrm>
+            <a:off x="1149032" y="1403928"/>
+            <a:ext cx="3865134" cy="1073727"/>
+          </a:xfrm>
+        </p:spPr>
+        <p:txBody>
+          <a:bodyPr>
+            <a:noAutofit/>
+          </a:bodyPr>
+          <a:lstStyle/>
+          <a:p>
+            <a:r>
+              <a:rPr lang="en-US" dirty="0" smtClean="0">
+                <a:latin typeface="Arial" panose="020B0604020202020204" pitchFamily="34" charset="0"/>
+                <a:cs typeface="Arial" panose="020B0604020202020204" pitchFamily="34" charset="0"/>
+              </a:rPr>
+              <a:t>The Model </a:t>
+            </a:r>
+            <a:r>
+              <a:rPr lang="en-US" b="1" dirty="0" smtClean="0">
+                <a:latin typeface="Arial" panose="020B0604020202020204" pitchFamily="34" charset="0"/>
+                <a:cs typeface="Arial" panose="020B0604020202020204" pitchFamily="34" charset="0"/>
+              </a:rPr>
+              <a:t/>
+            </a:r>
+            <a:br>
+              <a:rPr lang="en-US" b="1" dirty="0" smtClean="0">
+                <a:latin typeface="Arial" panose="020B0604020202020204" pitchFamily="34" charset="0"/>
+                <a:cs typeface="Arial" panose="020B0604020202020204" pitchFamily="34" charset="0"/>
+              </a:rPr>
+            </a:br>
+            <a:r>
+              <a:rPr lang="en-US" sz="2400" b="1" dirty="0" smtClean="0">
+                <a:latin typeface="Arial" panose="020B0604020202020204" pitchFamily="34" charset="0"/>
+                <a:cs typeface="Arial" panose="020B0604020202020204" pitchFamily="34" charset="0"/>
+              </a:rPr>
+              <a:t>(database first approach)</a:t>
+            </a:r>
+            <a:endParaRPr lang="en-US" sz="2400" b="1" dirty="0">
+              <a:latin typeface="Arial" panose="020B0604020202020204" pitchFamily="34" charset="0"/>
+              <a:cs typeface="Arial" panose="020B0604020202020204" pitchFamily="34" charset="0"/>
+            </a:endParaRPr>
+          </a:p>
+        </p:txBody>
+      </p:sp>
+      <p:pic>
+        <p:nvPicPr>
+          <p:cNvPr id="8" name="Picture Placeholder 7"/>
+          <p:cNvPicPr>
+            <a:picLocks noGrp="1" noChangeAspect="1"/>
+          </p:cNvPicPr>
+          <p:nvPr>
+            <p:ph type="pic" idx="1"/>
+          </p:nvPr>
+        </p:nvPicPr>
+        <p:blipFill>
+          <a:blip r:embed="rId2">
+            <a:extLst>
+              <a:ext uri="{28A0092B-C50C-407E-A947-70E740481C1C}">
+                <a14:useLocalDpi xmlns:a14="http://schemas.microsoft.com/office/drawing/2010/main" val="0"/>
+              </a:ext>
+            </a:extLst>
+          </a:blip>
+          <a:stretch>
+            <a:fillRect/>
+          </a:stretch>
+        </p:blipFill>
+        <p:spPr>
+          <a:xfrm>
+            <a:off x="6126447" y="1532106"/>
+            <a:ext cx="5792887" cy="3857017"/>
+          </a:xfrm>
+        </p:spPr>
+      </p:pic>
+    </p:spTree>
+    <p:extLst>
+      <p:ext uri="{BB962C8B-B14F-4D97-AF65-F5344CB8AC3E}">
+        <p14:creationId xmlns:p14="http://schemas.microsoft.com/office/powerpoint/2010/main" val="2018877743"/>
+      </p:ext>
+    </p:extLst>
+  </p:cSld>
+  <p:clrMapOvr>
+    <a:masterClrMapping/>
+  </p:clrMapOvr>
+</p:sld>
+</file>
+
+<file path=ppt/slides/slide13.xml><?xml version="1.0" encoding="utf-8"?>
+<p:sld xmlns:a="http://schemas.openxmlformats.org/drawingml/2006/main" xmlns:r="http://schemas.openxmlformats.org/officeDocument/2006/relationships" xmlns:p="http://schemas.openxmlformats.org/presentationml/2006/main">
+  <p:cSld>
+    <p:spTree>
+      <p:nvGrpSpPr>
+        <p:cNvPr id="1" name=""/>
+        <p:cNvGrpSpPr/>
+        <p:nvPr/>
+      </p:nvGrpSpPr>
+      <p:grpSpPr>
+        <a:xfrm>
+          <a:off x="0" y="0"/>
+          <a:ext cx="0" cy="0"/>
+          <a:chOff x="0" y="0"/>
+          <a:chExt cx="0" cy="0"/>
+        </a:xfrm>
+      </p:grpSpPr>
+      <p:sp>
+        <p:nvSpPr>
+          <p:cNvPr id="2" name="Title 1"/>
+          <p:cNvSpPr>
+            <a:spLocks noGrp="1"/>
+          </p:cNvSpPr>
+          <p:nvPr>
+            <p:ph type="title"/>
+          </p:nvPr>
+        </p:nvSpPr>
+        <p:spPr>
+          <a:xfrm>
+            <a:off x="1075142" y="1909618"/>
+            <a:ext cx="4051040" cy="1027545"/>
+          </a:xfrm>
+        </p:spPr>
+        <p:txBody>
+          <a:bodyPr>
+            <a:noAutofit/>
+          </a:bodyPr>
+          <a:lstStyle/>
+          <a:p>
+            <a:r>
+              <a:rPr lang="en-US" sz="2800" dirty="0" smtClean="0">
+                <a:latin typeface="Arial" panose="020B0604020202020204" pitchFamily="34" charset="0"/>
+                <a:cs typeface="Arial" panose="020B0604020202020204" pitchFamily="34" charset="0"/>
+              </a:rPr>
+              <a:t>What is LINQ and how we use it with EF Core?</a:t>
+            </a:r>
+            <a:endParaRPr lang="en-US" sz="2800" dirty="0">
+              <a:latin typeface="Arial" panose="020B0604020202020204" pitchFamily="34" charset="0"/>
+              <a:cs typeface="Arial" panose="020B0604020202020204" pitchFamily="34" charset="0"/>
+            </a:endParaRPr>
+          </a:p>
+        </p:txBody>
+      </p:sp>
+      <p:pic>
+        <p:nvPicPr>
+          <p:cNvPr id="5" name="Picture Placeholder 4"/>
+          <p:cNvPicPr>
+            <a:picLocks noGrp="1" noChangeAspect="1"/>
+          </p:cNvPicPr>
+          <p:nvPr>
+            <p:ph type="pic" idx="1"/>
+          </p:nvPr>
+        </p:nvPicPr>
+        <p:blipFill>
+          <a:blip r:embed="rId2">
+            <a:extLst>
+              <a:ext uri="{28A0092B-C50C-407E-A947-70E740481C1C}">
+                <a14:useLocalDpi xmlns:a14="http://schemas.microsoft.com/office/drawing/2010/main" val="0"/>
+              </a:ext>
+            </a:extLst>
+          </a:blip>
+          <a:stretch>
+            <a:fillRect/>
+          </a:stretch>
+        </p:blipFill>
+        <p:spPr>
+          <a:xfrm>
+            <a:off x="6232947" y="2894775"/>
+            <a:ext cx="5547986" cy="2991255"/>
+          </a:xfrm>
+        </p:spPr>
+      </p:pic>
+      <p:sp>
+        <p:nvSpPr>
+          <p:cNvPr id="4" name="Text Placeholder 3"/>
+          <p:cNvSpPr>
+            <a:spLocks noGrp="1"/>
+          </p:cNvSpPr>
+          <p:nvPr>
+            <p:ph type="body" sz="half" idx="2"/>
+          </p:nvPr>
+        </p:nvSpPr>
+        <p:spPr>
+          <a:xfrm>
+            <a:off x="1171056" y="3242785"/>
+            <a:ext cx="3859212" cy="1776354"/>
+          </a:xfrm>
+        </p:spPr>
+        <p:txBody>
+          <a:bodyPr>
+            <a:normAutofit/>
+          </a:bodyPr>
+          <a:lstStyle/>
+          <a:p>
+            <a:r>
+              <a:rPr lang="en-US" sz="2000" dirty="0" smtClean="0">
+                <a:solidFill>
+                  <a:schemeClr val="bg1"/>
+                </a:solidFill>
+                <a:latin typeface="Arial" panose="020B0604020202020204" pitchFamily="34" charset="0"/>
+                <a:cs typeface="Arial" panose="020B0604020202020204" pitchFamily="34" charset="0"/>
+              </a:rPr>
+              <a:t>Language-Integrated-Query</a:t>
+            </a:r>
+            <a:r>
+              <a:rPr lang="en-US" sz="2000" dirty="0">
+                <a:solidFill>
+                  <a:schemeClr val="bg1"/>
+                </a:solidFill>
+                <a:latin typeface="Arial" panose="020B0604020202020204" pitchFamily="34" charset="0"/>
+                <a:cs typeface="Arial" panose="020B0604020202020204" pitchFamily="34" charset="0"/>
+              </a:rPr>
+              <a:t> </a:t>
+            </a:r>
+            <a:r>
+              <a:rPr lang="en-US" sz="2000" dirty="0" smtClean="0">
+                <a:solidFill>
+                  <a:schemeClr val="bg1"/>
+                </a:solidFill>
+                <a:latin typeface="Arial" panose="020B0604020202020204" pitchFamily="34" charset="0"/>
+                <a:cs typeface="Arial" panose="020B0604020202020204" pitchFamily="34" charset="0"/>
+              </a:rPr>
+              <a:t>(LINQ) is the name for set of technologies based on the integration </a:t>
+            </a:r>
+            <a:r>
+              <a:rPr lang="en-US" sz="2000" dirty="0">
+                <a:solidFill>
+                  <a:schemeClr val="bg1"/>
+                </a:solidFill>
+                <a:latin typeface="Arial" panose="020B0604020202020204" pitchFamily="34" charset="0"/>
+                <a:cs typeface="Arial" panose="020B0604020202020204" pitchFamily="34" charset="0"/>
+              </a:rPr>
+              <a:t>of query capabilities </a:t>
+            </a:r>
+            <a:r>
+              <a:rPr lang="en-US" sz="2000" dirty="0" smtClean="0">
+                <a:solidFill>
+                  <a:schemeClr val="bg1"/>
+                </a:solidFill>
+                <a:latin typeface="Arial" panose="020B0604020202020204" pitchFamily="34" charset="0"/>
+                <a:cs typeface="Arial" panose="020B0604020202020204" pitchFamily="34" charset="0"/>
+              </a:rPr>
+              <a:t> directly into C#</a:t>
+            </a:r>
+            <a:r>
+              <a:rPr lang="bg-BG" sz="2000" dirty="0" smtClean="0">
+                <a:solidFill>
+                  <a:schemeClr val="bg1"/>
+                </a:solidFill>
+                <a:latin typeface="Arial" panose="020B0604020202020204" pitchFamily="34" charset="0"/>
+                <a:cs typeface="Arial" panose="020B0604020202020204" pitchFamily="34" charset="0"/>
+              </a:rPr>
+              <a:t>.</a:t>
+            </a:r>
+            <a:endParaRPr lang="en-US" sz="2000" dirty="0">
+              <a:solidFill>
+                <a:schemeClr val="bg1"/>
+              </a:solidFill>
+              <a:latin typeface="Arial" panose="020B0604020202020204" pitchFamily="34" charset="0"/>
+              <a:cs typeface="Arial" panose="020B0604020202020204" pitchFamily="34" charset="0"/>
+            </a:endParaRPr>
+          </a:p>
+        </p:txBody>
+      </p:sp>
+      <p:pic>
+        <p:nvPicPr>
+          <p:cNvPr id="6" name="Picture 5"/>
+          <p:cNvPicPr>
+            <a:picLocks noChangeAspect="1"/>
+          </p:cNvPicPr>
+          <p:nvPr/>
+        </p:nvPicPr>
+        <p:blipFill>
+          <a:blip r:embed="rId3">
+            <a:extLst>
+              <a:ext uri="{28A0092B-C50C-407E-A947-70E740481C1C}">
+                <a14:useLocalDpi xmlns:a14="http://schemas.microsoft.com/office/drawing/2010/main" val="0"/>
+              </a:ext>
+            </a:extLst>
+          </a:blip>
+          <a:stretch>
+            <a:fillRect/>
+          </a:stretch>
+        </p:blipFill>
+        <p:spPr>
+          <a:xfrm>
+            <a:off x="6232947" y="1682295"/>
+            <a:ext cx="5416809" cy="900970"/>
+          </a:xfrm>
+          <a:prstGeom prst="rect">
+            <a:avLst/>
+          </a:prstGeom>
+        </p:spPr>
+      </p:pic>
+      <p:sp>
+        <p:nvSpPr>
+          <p:cNvPr id="7" name="TextBox 6"/>
+          <p:cNvSpPr txBox="1"/>
+          <p:nvPr/>
+        </p:nvSpPr>
+        <p:spPr>
+          <a:xfrm>
+            <a:off x="6232947" y="1260893"/>
+            <a:ext cx="5033133" cy="369332"/>
+          </a:xfrm>
+          <a:prstGeom prst="rect">
+            <a:avLst/>
+          </a:prstGeom>
+          <a:noFill/>
+        </p:spPr>
+        <p:txBody>
+          <a:bodyPr wrap="square" rtlCol="0">
+            <a:spAutoFit/>
+          </a:bodyPr>
+          <a:lstStyle/>
+          <a:p>
+            <a:pPr algn="ctr"/>
+            <a:r>
+              <a:rPr lang="en-US" dirty="0" smtClean="0"/>
+              <a:t>Sample C# LINQ query:</a:t>
+            </a:r>
+            <a:endParaRPr lang="en-US" dirty="0"/>
+          </a:p>
+        </p:txBody>
+      </p:sp>
+    </p:spTree>
+    <p:extLst>
+      <p:ext uri="{BB962C8B-B14F-4D97-AF65-F5344CB8AC3E}">
+        <p14:creationId xmlns:p14="http://schemas.microsoft.com/office/powerpoint/2010/main" val="3710999225"/>
+      </p:ext>
+    </p:extLst>
+  </p:cSld>
+  <p:clrMapOvr>
+    <a:masterClrMapping/>
+  </p:clrMapOvr>
+</p:sld>
+</file>
+
+<file path=ppt/slides/slide14.xml><?xml version="1.0" encoding="utf-8"?>
+<p:sld xmlns:a="http://schemas.openxmlformats.org/drawingml/2006/main" xmlns:r="http://schemas.openxmlformats.org/officeDocument/2006/relationships" xmlns:p="http://schemas.openxmlformats.org/presentationml/2006/main">
+  <p:cSld>
+    <p:spTree>
+      <p:nvGrpSpPr>
+        <p:cNvPr id="1" name=""/>
+        <p:cNvGrpSpPr/>
+        <p:nvPr/>
+      </p:nvGrpSpPr>
+      <p:grpSpPr>
+        <a:xfrm>
+          <a:off x="0" y="0"/>
+          <a:ext cx="0" cy="0"/>
+          <a:chOff x="0" y="0"/>
+          <a:chExt cx="0" cy="0"/>
+        </a:xfrm>
+      </p:grpSpPr>
+      <p:sp>
+        <p:nvSpPr>
+          <p:cNvPr id="2" name="Title 1"/>
+          <p:cNvSpPr>
+            <a:spLocks noGrp="1"/>
+          </p:cNvSpPr>
+          <p:nvPr>
+            <p:ph type="title"/>
+          </p:nvPr>
+        </p:nvSpPr>
+        <p:spPr>
+          <a:xfrm>
+            <a:off x="1154955" y="1800338"/>
+            <a:ext cx="3865134" cy="708122"/>
+          </a:xfrm>
+        </p:spPr>
+        <p:txBody>
+          <a:bodyPr/>
+          <a:lstStyle/>
+          <a:p>
+            <a:r>
+              <a:rPr lang="en-US" dirty="0" smtClean="0"/>
+              <a:t>Entity relations</a:t>
+            </a:r>
+            <a:endParaRPr lang="en-US" dirty="0"/>
+          </a:p>
+        </p:txBody>
+      </p:sp>
+      <p:pic>
+        <p:nvPicPr>
+          <p:cNvPr id="5" name="Picture Placeholder 4"/>
+          <p:cNvPicPr>
+            <a:picLocks noGrp="1" noChangeAspect="1"/>
+          </p:cNvPicPr>
+          <p:nvPr>
+            <p:ph type="pic" idx="1"/>
+          </p:nvPr>
+        </p:nvPicPr>
+        <p:blipFill>
+          <a:blip r:embed="rId2">
+            <a:extLst>
+              <a:ext uri="{28A0092B-C50C-407E-A947-70E740481C1C}">
+                <a14:useLocalDpi xmlns:a14="http://schemas.microsoft.com/office/drawing/2010/main" val="0"/>
+              </a:ext>
+            </a:extLst>
+          </a:blip>
+          <a:stretch>
+            <a:fillRect/>
+          </a:stretch>
+        </p:blipFill>
+        <p:spPr>
+          <a:xfrm>
+            <a:off x="6233439" y="1220822"/>
+            <a:ext cx="4854361" cy="5159187"/>
+          </a:xfrm>
+        </p:spPr>
+      </p:pic>
+      <p:sp>
+        <p:nvSpPr>
+          <p:cNvPr id="4" name="Text Placeholder 3"/>
+          <p:cNvSpPr>
+            <a:spLocks noGrp="1"/>
+          </p:cNvSpPr>
+          <p:nvPr>
+            <p:ph type="body" sz="half" idx="2"/>
+          </p:nvPr>
+        </p:nvSpPr>
+        <p:spPr>
+          <a:xfrm>
+            <a:off x="1154954" y="2918297"/>
+            <a:ext cx="3757513" cy="1566155"/>
+          </a:xfrm>
+        </p:spPr>
+        <p:txBody>
+          <a:bodyPr>
+            <a:normAutofit/>
+          </a:bodyPr>
+          <a:lstStyle/>
+          <a:p>
+            <a:pPr marL="285750" indent="-285750">
+              <a:buClr>
+                <a:schemeClr val="bg1"/>
+              </a:buClr>
+              <a:buFont typeface="Wingdings" panose="05000000000000000000" pitchFamily="2" charset="2"/>
+              <a:buChar char="Ø"/>
+            </a:pPr>
+            <a:r>
+              <a:rPr lang="en-US" sz="2000" dirty="0" smtClean="0">
+                <a:solidFill>
+                  <a:schemeClr val="bg1"/>
+                </a:solidFill>
+              </a:rPr>
+              <a:t>One to One</a:t>
+            </a:r>
+          </a:p>
+          <a:p>
+            <a:pPr marL="285750" indent="-285750">
+              <a:buClr>
+                <a:schemeClr val="bg1"/>
+              </a:buClr>
+              <a:buFont typeface="Wingdings" panose="05000000000000000000" pitchFamily="2" charset="2"/>
+              <a:buChar char="Ø"/>
+            </a:pPr>
+            <a:r>
+              <a:rPr lang="en-US" sz="2000" dirty="0" smtClean="0">
+                <a:solidFill>
+                  <a:srgbClr val="92D050"/>
+                </a:solidFill>
+              </a:rPr>
+              <a:t>One to Many /most used/</a:t>
+            </a:r>
+          </a:p>
+          <a:p>
+            <a:pPr marL="285750" indent="-285750">
+              <a:buClr>
+                <a:schemeClr val="bg1"/>
+              </a:buClr>
+              <a:buFont typeface="Wingdings" panose="05000000000000000000" pitchFamily="2" charset="2"/>
+              <a:buChar char="Ø"/>
+            </a:pPr>
+            <a:r>
+              <a:rPr lang="en-US" sz="2000" dirty="0" smtClean="0">
+                <a:solidFill>
+                  <a:schemeClr val="bg1"/>
+                </a:solidFill>
+              </a:rPr>
+              <a:t>Many to Manu</a:t>
+            </a:r>
+            <a:endParaRPr lang="en-US" sz="2000" dirty="0">
+              <a:solidFill>
+                <a:schemeClr val="bg1"/>
+              </a:solidFill>
+            </a:endParaRPr>
+          </a:p>
+        </p:txBody>
+      </p:sp>
+    </p:spTree>
+    <p:extLst>
+      <p:ext uri="{BB962C8B-B14F-4D97-AF65-F5344CB8AC3E}">
+        <p14:creationId xmlns:p14="http://schemas.microsoft.com/office/powerpoint/2010/main" val="893005991"/>
+      </p:ext>
+    </p:extLst>
+  </p:cSld>
+  <p:clrMapOvr>
+    <a:masterClrMapping/>
+  </p:clrMapOvr>
+</p:sld>
+</file>
+
+<file path=ppt/slides/slide15.xml><?xml version="1.0" encoding="utf-8"?>
+<p:sld xmlns:a="http://schemas.openxmlformats.org/drawingml/2006/main" xmlns:r="http://schemas.openxmlformats.org/officeDocument/2006/relationships" xmlns:p="http://schemas.openxmlformats.org/presentationml/2006/main">
+  <p:cSld>
+    <p:spTree>
+      <p:nvGrpSpPr>
+        <p:cNvPr id="1" name=""/>
+        <p:cNvGrpSpPr/>
+        <p:nvPr/>
+      </p:nvGrpSpPr>
+      <p:grpSpPr>
+        <a:xfrm>
+          <a:off x="0" y="0"/>
+          <a:ext cx="0" cy="0"/>
+          <a:chOff x="0" y="0"/>
+          <a:chExt cx="0" cy="0"/>
+        </a:xfrm>
+      </p:grpSpPr>
+      <p:sp>
+        <p:nvSpPr>
+          <p:cNvPr id="2" name="Title 1"/>
+          <p:cNvSpPr>
+            <a:spLocks noGrp="1"/>
+          </p:cNvSpPr>
+          <p:nvPr>
+            <p:ph type="title"/>
+          </p:nvPr>
+        </p:nvSpPr>
+        <p:spPr/>
+        <p:txBody>
+          <a:bodyPr/>
+          <a:lstStyle/>
+          <a:p>
+            <a:pPr algn="ctr"/>
+            <a:r>
+              <a:rPr lang="en-US" dirty="0" smtClean="0"/>
+              <a:t>General Overview of EF Core</a:t>
+            </a:r>
+            <a:endParaRPr lang="en-US" dirty="0"/>
+          </a:p>
+        </p:txBody>
+      </p:sp>
+      <p:sp>
+        <p:nvSpPr>
+          <p:cNvPr id="3" name="Text Placeholder 2"/>
+          <p:cNvSpPr>
+            <a:spLocks noGrp="1"/>
+          </p:cNvSpPr>
+          <p:nvPr>
+            <p:ph type="body" sz="half" idx="2"/>
+          </p:nvPr>
+        </p:nvSpPr>
+        <p:spPr>
+          <a:xfrm>
+            <a:off x="1154954" y="3543300"/>
+            <a:ext cx="8825659" cy="3171536"/>
+          </a:xfrm>
+        </p:spPr>
+        <p:txBody>
+          <a:bodyPr/>
+          <a:lstStyle/>
+          <a:p>
+            <a:pPr marL="285750" indent="-285750">
+              <a:buFont typeface="Wingdings" panose="05000000000000000000" pitchFamily="2" charset="2"/>
+              <a:buChar char="Ø"/>
+            </a:pPr>
+            <a:r>
+              <a:rPr lang="en-US" dirty="0" smtClean="0"/>
+              <a:t>EF Core is Object Relation Mapper</a:t>
+            </a:r>
+          </a:p>
+          <a:p>
+            <a:pPr marL="285750" indent="-285750">
+              <a:buFont typeface="Wingdings" panose="05000000000000000000" pitchFamily="2" charset="2"/>
+              <a:buChar char="Ø"/>
+            </a:pPr>
+            <a:r>
+              <a:rPr lang="en-US" dirty="0" smtClean="0"/>
+              <a:t>Increase the productivity of programmers</a:t>
+            </a:r>
+          </a:p>
+          <a:p>
+            <a:pPr marL="285750" indent="-285750">
+              <a:buFont typeface="Wingdings" panose="05000000000000000000" pitchFamily="2" charset="2"/>
+              <a:buChar char="Ø"/>
+            </a:pPr>
+            <a:r>
+              <a:rPr lang="en-US" dirty="0" smtClean="0"/>
+              <a:t>Use C# LINQ instead of SQL direct queries</a:t>
+            </a:r>
+          </a:p>
+          <a:p>
+            <a:pPr marL="285750" indent="-285750">
+              <a:buFont typeface="Wingdings" panose="05000000000000000000" pitchFamily="2" charset="2"/>
+              <a:buChar char="Ø"/>
+            </a:pPr>
+            <a:r>
+              <a:rPr lang="en-US" dirty="0" smtClean="0"/>
+              <a:t>There are “Code First” and “Database First” approaches in creating of our database model system</a:t>
+            </a:r>
+          </a:p>
+          <a:p>
+            <a:pPr marL="285750" indent="-285750">
+              <a:buFont typeface="Wingdings" panose="05000000000000000000" pitchFamily="2" charset="2"/>
+              <a:buChar char="Ø"/>
+            </a:pPr>
+            <a:r>
+              <a:rPr lang="en-US" dirty="0" smtClean="0"/>
+              <a:t>Supports many database providers</a:t>
+            </a:r>
+          </a:p>
+          <a:p>
+            <a:pPr marL="285750" indent="-285750">
+              <a:buFont typeface="Wingdings" panose="05000000000000000000" pitchFamily="2" charset="2"/>
+              <a:buChar char="Ø"/>
+            </a:pPr>
+            <a:endParaRPr lang="en-US" dirty="0" smtClean="0"/>
+          </a:p>
+          <a:p>
+            <a:pPr marL="285750" indent="-285750">
+              <a:buFont typeface="Wingdings" panose="05000000000000000000" pitchFamily="2" charset="2"/>
+              <a:buChar char="Ø"/>
+            </a:pPr>
+            <a:endParaRPr lang="en-US" dirty="0"/>
+          </a:p>
+        </p:txBody>
+      </p:sp>
+    </p:spTree>
+    <p:extLst>
+      <p:ext uri="{BB962C8B-B14F-4D97-AF65-F5344CB8AC3E}">
+        <p14:creationId xmlns:p14="http://schemas.microsoft.com/office/powerpoint/2010/main" val="1253989669"/>
+      </p:ext>
+    </p:extLst>
+  </p:cSld>
+  <p:clrMapOvr>
+    <a:masterClrMapping/>
+  </p:clrMapOvr>
+</p:sld>
+</file>
+
+<file path=ppt/slides/slide16.xml><?xml version="1.0" encoding="utf-8"?>
+<p:sld xmlns:a="http://schemas.openxmlformats.org/drawingml/2006/main" xmlns:r="http://schemas.openxmlformats.org/officeDocument/2006/relationships" xmlns:p="http://schemas.openxmlformats.org/presentationml/2006/main">
+  <p:cSld>
+    <p:spTree>
+      <p:nvGrpSpPr>
+        <p:cNvPr id="1" name=""/>
+        <p:cNvGrpSpPr/>
+        <p:nvPr/>
+      </p:nvGrpSpPr>
+      <p:grpSpPr>
+        <a:xfrm>
+          <a:off x="0" y="0"/>
+          <a:ext cx="0" cy="0"/>
+          <a:chOff x="0" y="0"/>
+          <a:chExt cx="0" cy="0"/>
+        </a:xfrm>
+      </p:grpSpPr>
+      <p:sp>
+        <p:nvSpPr>
+          <p:cNvPr id="2" name="Title 1"/>
+          <p:cNvSpPr>
+            <a:spLocks noGrp="1"/>
+          </p:cNvSpPr>
+          <p:nvPr>
+            <p:ph type="ctrTitle"/>
+          </p:nvPr>
+        </p:nvSpPr>
+        <p:spPr>
+          <a:xfrm>
+            <a:off x="1311973" y="2752435"/>
+            <a:ext cx="8825658" cy="870399"/>
+          </a:xfrm>
+        </p:spPr>
+        <p:txBody>
+          <a:bodyPr/>
+          <a:lstStyle/>
+          <a:p>
+            <a:pPr algn="ctr"/>
+            <a:r>
+              <a:rPr lang="en-US" sz="8000" dirty="0" smtClean="0">
+                <a:latin typeface="Arial" panose="020B0604020202020204" pitchFamily="34" charset="0"/>
+                <a:cs typeface="Arial" panose="020B0604020202020204" pitchFamily="34" charset="0"/>
+              </a:rPr>
+              <a:t>Thank you!</a:t>
+            </a:r>
+            <a:endParaRPr lang="en-US" sz="8000" dirty="0">
+              <a:latin typeface="Arial" panose="020B0604020202020204" pitchFamily="34" charset="0"/>
+              <a:cs typeface="Arial" panose="020B0604020202020204" pitchFamily="34" charset="0"/>
+            </a:endParaRPr>
+          </a:p>
+        </p:txBody>
+      </p:sp>
+    </p:spTree>
+    <p:extLst>
+      <p:ext uri="{BB962C8B-B14F-4D97-AF65-F5344CB8AC3E}">
+        <p14:creationId xmlns:p14="http://schemas.microsoft.com/office/powerpoint/2010/main" val="3005036843"/>
+      </p:ext>
+    </p:extLst>
+  </p:cSld>
+  <p:clrMapOvr>
+    <a:masterClrMapping/>
+  </p:clrMapOvr>
+</p:sld>
+</file>
+
 <file path=ppt/slides/slide2.xml><?xml version="1.0" encoding="utf-8"?>
 <p:sld xmlns:a="http://schemas.openxmlformats.org/drawingml/2006/main" xmlns:r="http://schemas.openxmlformats.org/officeDocument/2006/relationships" xmlns:p="http://schemas.openxmlformats.org/presentationml/2006/main">
   <p:cSld>
@@ -13551,17 +14723,7 @@
                 <a:latin typeface="Arial" panose="020B0604020202020204" pitchFamily="34" charset="0"/>
                 <a:cs typeface="Arial" panose="020B0604020202020204" pitchFamily="34" charset="0"/>
               </a:rPr>
-              <a:t>In our Internet era, the database systems grows constantly. The efficiency, durability and the good maintenance are absolutely mandatory for the </a:t>
-            </a:r>
-            <a:r>
-              <a:rPr lang="en-US" sz="2000" dirty="0" smtClean="0">
-                <a:solidFill>
-                  <a:schemeClr val="bg1"/>
-                </a:solidFill>
-                <a:latin typeface="Arial" panose="020B0604020202020204" pitchFamily="34" charset="0"/>
-                <a:cs typeface="Arial" panose="020B0604020202020204" pitchFamily="34" charset="0"/>
-              </a:rPr>
-              <a:t>business!</a:t>
+              <a:t>In our Internet era, the database systems grows constantly. The efficiency, durability and the good maintenance are absolutely mandatory for the business!</a:t>
             </a:r>
             <a:endParaRPr lang="en-US" sz="2000" dirty="0">
               <a:solidFill>

--- a/Databases_and_EntityFrameworkCore.pptx
+++ b/Databases_and_EntityFrameworkCore.pptx
@@ -14320,7 +14320,23 @@
                   <a:schemeClr val="bg1"/>
                 </a:solidFill>
               </a:rPr>
-              <a:t>Many to Manu</a:t>
+              <a:t>Many </a:t>
+            </a:r>
+            <a:r>
+              <a:rPr lang="en-US" sz="2000" smtClean="0">
+                <a:solidFill>
+                  <a:schemeClr val="bg1"/>
+                </a:solidFill>
+              </a:rPr>
+              <a:t>to </a:t>
+            </a:r>
+            <a:r>
+              <a:rPr lang="en-US" sz="2000" smtClean="0">
+                <a:solidFill>
+                  <a:schemeClr val="bg1"/>
+                </a:solidFill>
+              </a:rPr>
+              <a:t>Many</a:t>
             </a:r>
             <a:endParaRPr lang="en-US" sz="2000" dirty="0">
               <a:solidFill>

--- a/Databases_and_EntityFrameworkCore.pptx
+++ b/Databases_and_EntityFrameworkCore.pptx
@@ -19,8 +19,9 @@
     <p:sldId id="267" r:id="rId13"/>
     <p:sldId id="268" r:id="rId14"/>
     <p:sldId id="269" r:id="rId15"/>
-    <p:sldId id="270" r:id="rId16"/>
-    <p:sldId id="271" r:id="rId17"/>
+    <p:sldId id="272" r:id="rId16"/>
+    <p:sldId id="270" r:id="rId17"/>
+    <p:sldId id="271" r:id="rId18"/>
   </p:sldIdLst>
   <p:sldSz cx="12192000" cy="6858000"/>
   <p:notesSz cx="6858000" cy="9144000"/>
@@ -138,6 +139,7 @@
             <p14:sldId id="267"/>
             <p14:sldId id="268"/>
             <p14:sldId id="269"/>
+            <p14:sldId id="272"/>
             <p14:sldId id="270"/>
             <p14:sldId id="271"/>
           </p14:sldIdLst>
@@ -14328,15 +14330,7 @@
                   <a:schemeClr val="bg1"/>
                 </a:solidFill>
               </a:rPr>
-              <a:t>to </a:t>
-            </a:r>
-            <a:r>
-              <a:rPr lang="en-US" sz="2000" smtClean="0">
-                <a:solidFill>
-                  <a:schemeClr val="bg1"/>
-                </a:solidFill>
-              </a:rPr>
-              <a:t>Many</a:t>
+              <a:t>to Many</a:t>
             </a:r>
             <a:endParaRPr lang="en-US" sz="2000" dirty="0">
               <a:solidFill>
@@ -14391,6 +14385,94 @@
           <a:bodyPr/>
           <a:lstStyle/>
           <a:p>
+            <a:r>
+              <a:rPr lang="en-US" dirty="0" smtClean="0">
+                <a:latin typeface="Arial" panose="020B0604020202020204" pitchFamily="34" charset="0"/>
+                <a:cs typeface="Arial" panose="020B0604020202020204" pitchFamily="34" charset="0"/>
+              </a:rPr>
+              <a:t>How to include EF Core in our project?</a:t>
+            </a:r>
+            <a:endParaRPr lang="en-US" dirty="0">
+              <a:latin typeface="Arial" panose="020B0604020202020204" pitchFamily="34" charset="0"/>
+              <a:cs typeface="Arial" panose="020B0604020202020204" pitchFamily="34" charset="0"/>
+            </a:endParaRPr>
+          </a:p>
+        </p:txBody>
+      </p:sp>
+      <p:pic>
+        <p:nvPicPr>
+          <p:cNvPr id="4" name="Content Placeholder 3"/>
+          <p:cNvPicPr>
+            <a:picLocks noGrp="1" noChangeAspect="1"/>
+          </p:cNvPicPr>
+          <p:nvPr>
+            <p:ph idx="1"/>
+          </p:nvPr>
+        </p:nvPicPr>
+        <p:blipFill>
+          <a:blip r:embed="rId2">
+            <a:extLst>
+              <a:ext uri="{28A0092B-C50C-407E-A947-70E740481C1C}">
+                <a14:useLocalDpi xmlns:a14="http://schemas.microsoft.com/office/drawing/2010/main" val="0"/>
+              </a:ext>
+            </a:extLst>
+          </a:blip>
+          <a:stretch>
+            <a:fillRect/>
+          </a:stretch>
+        </p:blipFill>
+        <p:spPr>
+          <a:xfrm>
+            <a:off x="573809" y="3406543"/>
+            <a:ext cx="10895641" cy="1710404"/>
+          </a:xfrm>
+        </p:spPr>
+      </p:pic>
+    </p:spTree>
+    <p:extLst>
+      <p:ext uri="{BB962C8B-B14F-4D97-AF65-F5344CB8AC3E}">
+        <p14:creationId xmlns:p14="http://schemas.microsoft.com/office/powerpoint/2010/main" val="2458569947"/>
+      </p:ext>
+    </p:extLst>
+  </p:cSld>
+  <p:clrMapOvr>
+    <a:masterClrMapping/>
+  </p:clrMapOvr>
+</p:sld>
+</file>
+
+<file path=ppt/slides/slide16.xml><?xml version="1.0" encoding="utf-8"?>
+<p:sld xmlns:a="http://schemas.openxmlformats.org/drawingml/2006/main" xmlns:r="http://schemas.openxmlformats.org/officeDocument/2006/relationships" xmlns:p="http://schemas.openxmlformats.org/presentationml/2006/main">
+  <p:cSld>
+    <p:spTree>
+      <p:nvGrpSpPr>
+        <p:cNvPr id="1" name=""/>
+        <p:cNvGrpSpPr/>
+        <p:nvPr/>
+      </p:nvGrpSpPr>
+      <p:grpSpPr>
+        <a:xfrm>
+          <a:off x="0" y="0"/>
+          <a:ext cx="0" cy="0"/>
+          <a:chOff x="0" y="0"/>
+          <a:chExt cx="0" cy="0"/>
+        </a:xfrm>
+      </p:grpSpPr>
+      <p:sp>
+        <p:nvSpPr>
+          <p:cNvPr id="2" name="Title 1"/>
+          <p:cNvSpPr>
+            <a:spLocks noGrp="1"/>
+          </p:cNvSpPr>
+          <p:nvPr>
+            <p:ph type="title"/>
+          </p:nvPr>
+        </p:nvSpPr>
+        <p:spPr/>
+        <p:txBody>
+          <a:bodyPr/>
+          <a:lstStyle/>
+          <a:p>
             <a:pPr algn="ctr"/>
             <a:r>
               <a:rPr lang="en-US" dirty="0" smtClean="0"/>
@@ -14498,7 +14580,7 @@
 </p:sld>
 </file>
 
-<file path=ppt/slides/slide16.xml><?xml version="1.0" encoding="utf-8"?>
+<file path=ppt/slides/slide17.xml><?xml version="1.0" encoding="utf-8"?>
 <p:sld xmlns:a="http://schemas.openxmlformats.org/drawingml/2006/main" xmlns:r="http://schemas.openxmlformats.org/officeDocument/2006/relationships" xmlns:p="http://schemas.openxmlformats.org/presentationml/2006/main">
   <p:cSld>
     <p:spTree>

--- a/Databases_and_EntityFrameworkCore.pptx
+++ b/Databases_and_EntityFrameworkCore.pptx
@@ -14217,10 +14217,16 @@
           <a:lstStyle/>
           <a:p>
             <a:r>
-              <a:rPr lang="en-US" dirty="0" smtClean="0"/>
+              <a:rPr lang="en-US" dirty="0" smtClean="0">
+                <a:latin typeface="Arial" panose="020B0604020202020204" pitchFamily="34" charset="0"/>
+                <a:cs typeface="Arial" panose="020B0604020202020204" pitchFamily="34" charset="0"/>
+              </a:rPr>
               <a:t>Entity relations</a:t>
             </a:r>
-            <a:endParaRPr lang="en-US" dirty="0"/>
+            <a:endParaRPr lang="en-US" dirty="0">
+              <a:latin typeface="Arial" panose="020B0604020202020204" pitchFamily="34" charset="0"/>
+              <a:cs typeface="Arial" panose="020B0604020202020204" pitchFamily="34" charset="0"/>
+            </a:endParaRPr>
           </a:p>
         </p:txBody>
       </p:sp>
@@ -14287,6 +14293,8 @@
                 <a:solidFill>
                   <a:schemeClr val="bg1"/>
                 </a:solidFill>
+                <a:latin typeface="Arial" panose="020B0604020202020204" pitchFamily="34" charset="0"/>
+                <a:cs typeface="Arial" panose="020B0604020202020204" pitchFamily="34" charset="0"/>
               </a:rPr>
               <a:t>One to One</a:t>
             </a:r>
@@ -14304,6 +14312,8 @@
                 <a:solidFill>
                   <a:srgbClr val="92D050"/>
                 </a:solidFill>
+                <a:latin typeface="Arial" panose="020B0604020202020204" pitchFamily="34" charset="0"/>
+                <a:cs typeface="Arial" panose="020B0604020202020204" pitchFamily="34" charset="0"/>
               </a:rPr>
               <a:t>One to Many /most used/</a:t>
             </a:r>
@@ -14321,21 +14331,17 @@
                 <a:solidFill>
                   <a:schemeClr val="bg1"/>
                 </a:solidFill>
+                <a:latin typeface="Arial" panose="020B0604020202020204" pitchFamily="34" charset="0"/>
+                <a:cs typeface="Arial" panose="020B0604020202020204" pitchFamily="34" charset="0"/>
               </a:rPr>
-              <a:t>Many </a:t>
-            </a:r>
-            <a:r>
-              <a:rPr lang="en-US" sz="2000" smtClean="0">
-                <a:solidFill>
-                  <a:schemeClr val="bg1"/>
-                </a:solidFill>
-              </a:rPr>
-              <a:t>to Many</a:t>
+              <a:t>Many to Many</a:t>
             </a:r>
             <a:endParaRPr lang="en-US" sz="2000" dirty="0">
               <a:solidFill>
                 <a:schemeClr val="bg1"/>
               </a:solidFill>
+              <a:latin typeface="Arial" panose="020B0604020202020204" pitchFamily="34" charset="0"/>
+              <a:cs typeface="Arial" panose="020B0604020202020204" pitchFamily="34" charset="0"/>
             </a:endParaRPr>
           </a:p>
         </p:txBody>
@@ -14475,10 +14481,16 @@
           <a:p>
             <a:pPr algn="ctr"/>
             <a:r>
-              <a:rPr lang="en-US" dirty="0" smtClean="0"/>
+              <a:rPr lang="en-US" dirty="0" smtClean="0">
+                <a:latin typeface="Arial" panose="020B0604020202020204" pitchFamily="34" charset="0"/>
+                <a:cs typeface="Arial" panose="020B0604020202020204" pitchFamily="34" charset="0"/>
+              </a:rPr>
               <a:t>General Overview of EF Core</a:t>
             </a:r>
-            <a:endParaRPr lang="en-US" dirty="0"/>
+            <a:endParaRPr lang="en-US" dirty="0">
+              <a:latin typeface="Arial" panose="020B0604020202020204" pitchFamily="34" charset="0"/>
+              <a:cs typeface="Arial" panose="020B0604020202020204" pitchFamily="34" charset="0"/>
+            </a:endParaRPr>
           </a:p>
         </p:txBody>
       </p:sp>
@@ -14507,7 +14519,10 @@
               <a:buChar char="Ø"/>
             </a:pPr>
             <a:r>
-              <a:rPr lang="en-US" dirty="0" smtClean="0"/>
+              <a:rPr lang="en-US" dirty="0" smtClean="0">
+                <a:latin typeface="Arial" panose="020B0604020202020204" pitchFamily="34" charset="0"/>
+                <a:cs typeface="Arial" panose="020B0604020202020204" pitchFamily="34" charset="0"/>
+              </a:rPr>
               <a:t>EF Core is Object Relation Mapper</a:t>
             </a:r>
           </a:p>
@@ -14517,7 +14532,10 @@
               <a:buChar char="Ø"/>
             </a:pPr>
             <a:r>
-              <a:rPr lang="en-US" dirty="0" smtClean="0"/>
+              <a:rPr lang="en-US" dirty="0" smtClean="0">
+                <a:latin typeface="Arial" panose="020B0604020202020204" pitchFamily="34" charset="0"/>
+                <a:cs typeface="Arial" panose="020B0604020202020204" pitchFamily="34" charset="0"/>
+              </a:rPr>
               <a:t>Increase the productivity of programmers</a:t>
             </a:r>
           </a:p>
@@ -14527,7 +14545,10 @@
               <a:buChar char="Ø"/>
             </a:pPr>
             <a:r>
-              <a:rPr lang="en-US" dirty="0" smtClean="0"/>
+              <a:rPr lang="en-US" dirty="0" smtClean="0">
+                <a:latin typeface="Arial" panose="020B0604020202020204" pitchFamily="34" charset="0"/>
+                <a:cs typeface="Arial" panose="020B0604020202020204" pitchFamily="34" charset="0"/>
+              </a:rPr>
               <a:t>Use C# LINQ instead of SQL direct queries</a:t>
             </a:r>
           </a:p>
@@ -14537,7 +14558,10 @@
               <a:buChar char="Ø"/>
             </a:pPr>
             <a:r>
-              <a:rPr lang="en-US" dirty="0" smtClean="0"/>
+              <a:rPr lang="en-US" dirty="0" smtClean="0">
+                <a:latin typeface="Arial" panose="020B0604020202020204" pitchFamily="34" charset="0"/>
+                <a:cs typeface="Arial" panose="020B0604020202020204" pitchFamily="34" charset="0"/>
+              </a:rPr>
               <a:t>There are “Code First” and “Database First” approaches in creating of our database model system</a:t>
             </a:r>
           </a:p>
@@ -14547,7 +14571,10 @@
               <a:buChar char="Ø"/>
             </a:pPr>
             <a:r>
-              <a:rPr lang="en-US" dirty="0" smtClean="0"/>
+              <a:rPr lang="en-US" dirty="0" smtClean="0">
+                <a:latin typeface="Arial" panose="020B0604020202020204" pitchFamily="34" charset="0"/>
+                <a:cs typeface="Arial" panose="020B0604020202020204" pitchFamily="34" charset="0"/>
+              </a:rPr>
               <a:t>Supports many database providers</a:t>
             </a:r>
           </a:p>

--- a/Databases_and_EntityFrameworkCore.pptx
+++ b/Databases_and_EntityFrameworkCore.pptx
@@ -10,18 +10,19 @@
     <p:sldId id="258" r:id="rId4"/>
     <p:sldId id="259" r:id="rId5"/>
     <p:sldId id="260" r:id="rId6"/>
-    <p:sldId id="261" r:id="rId7"/>
-    <p:sldId id="262" r:id="rId8"/>
-    <p:sldId id="263" r:id="rId9"/>
-    <p:sldId id="264" r:id="rId10"/>
-    <p:sldId id="265" r:id="rId11"/>
-    <p:sldId id="266" r:id="rId12"/>
-    <p:sldId id="267" r:id="rId13"/>
-    <p:sldId id="268" r:id="rId14"/>
-    <p:sldId id="269" r:id="rId15"/>
-    <p:sldId id="272" r:id="rId16"/>
-    <p:sldId id="270" r:id="rId17"/>
-    <p:sldId id="271" r:id="rId18"/>
+    <p:sldId id="273" r:id="rId7"/>
+    <p:sldId id="261" r:id="rId8"/>
+    <p:sldId id="262" r:id="rId9"/>
+    <p:sldId id="263" r:id="rId10"/>
+    <p:sldId id="264" r:id="rId11"/>
+    <p:sldId id="265" r:id="rId12"/>
+    <p:sldId id="266" r:id="rId13"/>
+    <p:sldId id="267" r:id="rId14"/>
+    <p:sldId id="268" r:id="rId15"/>
+    <p:sldId id="269" r:id="rId16"/>
+    <p:sldId id="272" r:id="rId17"/>
+    <p:sldId id="270" r:id="rId18"/>
+    <p:sldId id="271" r:id="rId19"/>
   </p:sldIdLst>
   <p:sldSz cx="12192000" cy="6858000"/>
   <p:notesSz cx="6858000" cy="9144000"/>
@@ -130,6 +131,7 @@
             <p14:sldId id="258"/>
             <p14:sldId id="259"/>
             <p14:sldId id="260"/>
+            <p14:sldId id="273"/>
             <p14:sldId id="261"/>
             <p14:sldId id="262"/>
             <p14:sldId id="263"/>
@@ -13425,6 +13427,439 @@
           <a:p>
             <a:pPr algn="ctr"/>
             <a:r>
+              <a:rPr lang="en-US" dirty="0" smtClean="0">
+                <a:latin typeface="Arial" panose="020B0604020202020204" pitchFamily="34" charset="0"/>
+                <a:cs typeface="Arial" panose="020B0604020202020204" pitchFamily="34" charset="0"/>
+              </a:rPr>
+              <a:t>The benefits of ORM systems?</a:t>
+            </a:r>
+            <a:endParaRPr lang="en-US" dirty="0">
+              <a:latin typeface="Arial" panose="020B0604020202020204" pitchFamily="34" charset="0"/>
+              <a:cs typeface="Arial" panose="020B0604020202020204" pitchFamily="34" charset="0"/>
+            </a:endParaRPr>
+          </a:p>
+        </p:txBody>
+      </p:sp>
+      <p:sp>
+        <p:nvSpPr>
+          <p:cNvPr id="4" name="Content Placeholder 3"/>
+          <p:cNvSpPr txBox="1">
+            <a:spLocks/>
+          </p:cNvSpPr>
+          <p:nvPr/>
+        </p:nvSpPr>
+        <p:spPr>
+          <a:xfrm>
+            <a:off x="1025236" y="3565236"/>
+            <a:ext cx="3980873" cy="1782619"/>
+          </a:xfrm>
+          <a:prstGeom prst="rect">
+            <a:avLst/>
+          </a:prstGeom>
+        </p:spPr>
+        <p:txBody>
+          <a:bodyPr/>
+          <a:lstStyle>
+            <a:lvl1pPr marL="342900" indent="-342900" algn="l" defTabSz="457200" rtl="0" eaLnBrk="1" latinLnBrk="0" hangingPunct="1">
+              <a:spcBef>
+                <a:spcPts val="1000"/>
+              </a:spcBef>
+              <a:spcAft>
+                <a:spcPts val="0"/>
+              </a:spcAft>
+              <a:buClr>
+                <a:schemeClr val="accent1"/>
+              </a:buClr>
+              <a:buSzPct val="80000"/>
+              <a:buFont typeface="Wingdings 3" charset="2"/>
+              <a:buChar char=""/>
+              <a:defRPr sz="1800" b="0" i="0" kern="1200">
+                <a:solidFill>
+                  <a:schemeClr val="tx1">
+                    <a:lumMod val="75000"/>
+                    <a:lumOff val="25000"/>
+                  </a:schemeClr>
+                </a:solidFill>
+                <a:latin typeface="+mn-lt"/>
+                <a:ea typeface="+mn-ea"/>
+                <a:cs typeface="+mn-cs"/>
+              </a:defRPr>
+            </a:lvl1pPr>
+            <a:lvl2pPr marL="742950" indent="-285750" algn="l" defTabSz="457200" rtl="0" eaLnBrk="1" latinLnBrk="0" hangingPunct="1">
+              <a:spcBef>
+                <a:spcPts val="1000"/>
+              </a:spcBef>
+              <a:spcAft>
+                <a:spcPts val="0"/>
+              </a:spcAft>
+              <a:buClr>
+                <a:schemeClr val="accent1"/>
+              </a:buClr>
+              <a:buSzPct val="80000"/>
+              <a:buFont typeface="Wingdings 3" charset="2"/>
+              <a:buChar char=""/>
+              <a:defRPr sz="1600" b="0" i="0" kern="1200">
+                <a:solidFill>
+                  <a:schemeClr val="tx1">
+                    <a:lumMod val="75000"/>
+                    <a:lumOff val="25000"/>
+                  </a:schemeClr>
+                </a:solidFill>
+                <a:latin typeface="+mn-lt"/>
+                <a:ea typeface="+mn-ea"/>
+                <a:cs typeface="+mn-cs"/>
+              </a:defRPr>
+            </a:lvl2pPr>
+            <a:lvl3pPr marL="1143000" indent="-228600" algn="l" defTabSz="457200" rtl="0" eaLnBrk="1" latinLnBrk="0" hangingPunct="1">
+              <a:spcBef>
+                <a:spcPts val="1000"/>
+              </a:spcBef>
+              <a:spcAft>
+                <a:spcPts val="0"/>
+              </a:spcAft>
+              <a:buClr>
+                <a:schemeClr val="accent1"/>
+              </a:buClr>
+              <a:buSzPct val="80000"/>
+              <a:buFont typeface="Wingdings 3" charset="2"/>
+              <a:buChar char=""/>
+              <a:defRPr sz="1400" b="0" i="0" kern="1200">
+                <a:solidFill>
+                  <a:schemeClr val="tx1">
+                    <a:lumMod val="75000"/>
+                    <a:lumOff val="25000"/>
+                  </a:schemeClr>
+                </a:solidFill>
+                <a:latin typeface="+mn-lt"/>
+                <a:ea typeface="+mn-ea"/>
+                <a:cs typeface="+mn-cs"/>
+              </a:defRPr>
+            </a:lvl3pPr>
+            <a:lvl4pPr marL="1600200" indent="-228600" algn="l" defTabSz="457200" rtl="0" eaLnBrk="1" latinLnBrk="0" hangingPunct="1">
+              <a:spcBef>
+                <a:spcPts val="1000"/>
+              </a:spcBef>
+              <a:spcAft>
+                <a:spcPts val="0"/>
+              </a:spcAft>
+              <a:buClr>
+                <a:schemeClr val="accent1"/>
+              </a:buClr>
+              <a:buSzPct val="80000"/>
+              <a:buFont typeface="Wingdings 3" charset="2"/>
+              <a:buChar char=""/>
+              <a:defRPr sz="1200" b="0" i="0" kern="1200">
+                <a:solidFill>
+                  <a:schemeClr val="tx1">
+                    <a:lumMod val="75000"/>
+                    <a:lumOff val="25000"/>
+                  </a:schemeClr>
+                </a:solidFill>
+                <a:latin typeface="+mn-lt"/>
+                <a:ea typeface="+mn-ea"/>
+                <a:cs typeface="+mn-cs"/>
+              </a:defRPr>
+            </a:lvl4pPr>
+            <a:lvl5pPr marL="2057400" indent="-228600" algn="l" defTabSz="457200" rtl="0" eaLnBrk="1" latinLnBrk="0" hangingPunct="1">
+              <a:spcBef>
+                <a:spcPts val="1000"/>
+              </a:spcBef>
+              <a:spcAft>
+                <a:spcPts val="0"/>
+              </a:spcAft>
+              <a:buClr>
+                <a:schemeClr val="accent1"/>
+              </a:buClr>
+              <a:buSzPct val="80000"/>
+              <a:buFont typeface="Wingdings 3" charset="2"/>
+              <a:buChar char=""/>
+              <a:defRPr sz="1200" b="0" i="0" kern="1200">
+                <a:solidFill>
+                  <a:schemeClr val="tx1">
+                    <a:lumMod val="75000"/>
+                    <a:lumOff val="25000"/>
+                  </a:schemeClr>
+                </a:solidFill>
+                <a:latin typeface="+mn-lt"/>
+                <a:ea typeface="+mn-ea"/>
+                <a:cs typeface="+mn-cs"/>
+              </a:defRPr>
+            </a:lvl5pPr>
+            <a:lvl6pPr marL="2514600" indent="-228600" algn="l" defTabSz="457200" rtl="0" eaLnBrk="1" latinLnBrk="0" hangingPunct="1">
+              <a:spcBef>
+                <a:spcPts val="1000"/>
+              </a:spcBef>
+              <a:spcAft>
+                <a:spcPts val="0"/>
+              </a:spcAft>
+              <a:buClr>
+                <a:schemeClr val="accent1"/>
+              </a:buClr>
+              <a:buSzPct val="80000"/>
+              <a:buFont typeface="Wingdings 3" charset="2"/>
+              <a:buChar char=""/>
+              <a:defRPr sz="1200" b="0" i="0" kern="1200">
+                <a:solidFill>
+                  <a:schemeClr val="tx1">
+                    <a:lumMod val="75000"/>
+                    <a:lumOff val="25000"/>
+                  </a:schemeClr>
+                </a:solidFill>
+                <a:latin typeface="+mn-lt"/>
+                <a:ea typeface="+mn-ea"/>
+                <a:cs typeface="+mn-cs"/>
+              </a:defRPr>
+            </a:lvl6pPr>
+            <a:lvl7pPr marL="2971800" indent="-228600" algn="l" defTabSz="457200" rtl="0" eaLnBrk="1" latinLnBrk="0" hangingPunct="1">
+              <a:spcBef>
+                <a:spcPts val="1000"/>
+              </a:spcBef>
+              <a:spcAft>
+                <a:spcPts val="0"/>
+              </a:spcAft>
+              <a:buClr>
+                <a:schemeClr val="accent1"/>
+              </a:buClr>
+              <a:buSzPct val="80000"/>
+              <a:buFont typeface="Wingdings 3" charset="2"/>
+              <a:buChar char=""/>
+              <a:defRPr sz="1200" b="0" i="0" kern="1200">
+                <a:solidFill>
+                  <a:schemeClr val="tx1">
+                    <a:lumMod val="75000"/>
+                    <a:lumOff val="25000"/>
+                  </a:schemeClr>
+                </a:solidFill>
+                <a:latin typeface="+mn-lt"/>
+                <a:ea typeface="+mn-ea"/>
+                <a:cs typeface="+mn-cs"/>
+              </a:defRPr>
+            </a:lvl7pPr>
+            <a:lvl8pPr marL="3429000" indent="-228600" algn="l" defTabSz="457200" rtl="0" eaLnBrk="1" latinLnBrk="0" hangingPunct="1">
+              <a:spcBef>
+                <a:spcPts val="1000"/>
+              </a:spcBef>
+              <a:spcAft>
+                <a:spcPts val="0"/>
+              </a:spcAft>
+              <a:buClr>
+                <a:schemeClr val="accent1"/>
+              </a:buClr>
+              <a:buSzPct val="80000"/>
+              <a:buFont typeface="Wingdings 3" charset="2"/>
+              <a:buChar char=""/>
+              <a:defRPr sz="1200" b="0" i="0" kern="1200">
+                <a:solidFill>
+                  <a:schemeClr val="tx1">
+                    <a:lumMod val="75000"/>
+                    <a:lumOff val="25000"/>
+                  </a:schemeClr>
+                </a:solidFill>
+                <a:latin typeface="+mn-lt"/>
+                <a:ea typeface="+mn-ea"/>
+                <a:cs typeface="+mn-cs"/>
+              </a:defRPr>
+            </a:lvl8pPr>
+            <a:lvl9pPr marL="3886200" indent="-228600" algn="l" defTabSz="457200" rtl="0" eaLnBrk="1" latinLnBrk="0" hangingPunct="1">
+              <a:spcBef>
+                <a:spcPts val="1000"/>
+              </a:spcBef>
+              <a:spcAft>
+                <a:spcPts val="0"/>
+              </a:spcAft>
+              <a:buClr>
+                <a:schemeClr val="accent1"/>
+              </a:buClr>
+              <a:buSzPct val="80000"/>
+              <a:buFont typeface="Wingdings 3" charset="2"/>
+              <a:buChar char=""/>
+              <a:defRPr sz="1200" b="0" i="0" kern="1200">
+                <a:solidFill>
+                  <a:schemeClr val="tx1">
+                    <a:lumMod val="75000"/>
+                    <a:lumOff val="25000"/>
+                  </a:schemeClr>
+                </a:solidFill>
+                <a:latin typeface="+mn-lt"/>
+                <a:ea typeface="+mn-ea"/>
+                <a:cs typeface="+mn-cs"/>
+              </a:defRPr>
+            </a:lvl9pPr>
+          </a:lstStyle>
+          <a:p>
+            <a:r>
+              <a:rPr lang="en-US" dirty="0" smtClean="0">
+                <a:latin typeface="Arial" panose="020B0604020202020204" pitchFamily="34" charset="0"/>
+                <a:cs typeface="Arial" panose="020B0604020202020204" pitchFamily="34" charset="0"/>
+              </a:rPr>
+              <a:t>Productivity</a:t>
+            </a:r>
+          </a:p>
+          <a:p>
+            <a:r>
+              <a:rPr lang="en-US" dirty="0" smtClean="0">
+                <a:latin typeface="Arial" panose="020B0604020202020204" pitchFamily="34" charset="0"/>
+                <a:cs typeface="Arial" panose="020B0604020202020204" pitchFamily="34" charset="0"/>
+              </a:rPr>
+              <a:t>Application Design</a:t>
+            </a:r>
+          </a:p>
+          <a:p>
+            <a:r>
+              <a:rPr lang="en-US" dirty="0" smtClean="0">
+                <a:latin typeface="Arial" panose="020B0604020202020204" pitchFamily="34" charset="0"/>
+                <a:cs typeface="Arial" panose="020B0604020202020204" pitchFamily="34" charset="0"/>
+              </a:rPr>
+              <a:t>Code Reuse</a:t>
+            </a:r>
+          </a:p>
+          <a:p>
+            <a:r>
+              <a:rPr lang="en-US" dirty="0" smtClean="0">
+                <a:latin typeface="Arial" panose="020B0604020202020204" pitchFamily="34" charset="0"/>
+                <a:cs typeface="Arial" panose="020B0604020202020204" pitchFamily="34" charset="0"/>
+              </a:rPr>
+              <a:t>Application Maintainability</a:t>
+            </a:r>
+          </a:p>
+          <a:p>
+            <a:endParaRPr lang="en-US" dirty="0" smtClean="0"/>
+          </a:p>
+          <a:p>
+            <a:endParaRPr lang="en-US" dirty="0"/>
+          </a:p>
+        </p:txBody>
+      </p:sp>
+      <p:pic>
+        <p:nvPicPr>
+          <p:cNvPr id="9" name="Picture 8"/>
+          <p:cNvPicPr>
+            <a:picLocks noChangeAspect="1"/>
+          </p:cNvPicPr>
+          <p:nvPr/>
+        </p:nvPicPr>
+        <p:blipFill>
+          <a:blip r:embed="rId2">
+            <a:extLst>
+              <a:ext uri="{28A0092B-C50C-407E-A947-70E740481C1C}">
+                <a14:useLocalDpi xmlns:a14="http://schemas.microsoft.com/office/drawing/2010/main" val="0"/>
+              </a:ext>
+            </a:extLst>
+          </a:blip>
+          <a:stretch>
+            <a:fillRect/>
+          </a:stretch>
+        </p:blipFill>
+        <p:spPr>
+          <a:xfrm>
+            <a:off x="5163127" y="3719463"/>
+            <a:ext cx="6837063" cy="1474163"/>
+          </a:xfrm>
+          <a:prstGeom prst="rect">
+            <a:avLst/>
+          </a:prstGeom>
+        </p:spPr>
+      </p:pic>
+      <p:sp>
+        <p:nvSpPr>
+          <p:cNvPr id="10" name="TextBox 9"/>
+          <p:cNvSpPr txBox="1"/>
+          <p:nvPr/>
+        </p:nvSpPr>
+        <p:spPr>
+          <a:xfrm>
+            <a:off x="5818911" y="3195904"/>
+            <a:ext cx="5098472" cy="369332"/>
+          </a:xfrm>
+          <a:prstGeom prst="rect">
+            <a:avLst/>
+          </a:prstGeom>
+          <a:noFill/>
+        </p:spPr>
+        <p:txBody>
+          <a:bodyPr wrap="square" rtlCol="0">
+            <a:spAutoFit/>
+          </a:bodyPr>
+          <a:lstStyle/>
+          <a:p>
+            <a:r>
+              <a:rPr lang="en-US" dirty="0" smtClean="0">
+                <a:solidFill>
+                  <a:schemeClr val="accent6">
+                    <a:lumMod val="50000"/>
+                  </a:schemeClr>
+                </a:solidFill>
+                <a:latin typeface="Arial" panose="020B0604020202020204" pitchFamily="34" charset="0"/>
+                <a:cs typeface="Arial" panose="020B0604020202020204" pitchFamily="34" charset="0"/>
+              </a:rPr>
+              <a:t>We work with C# but not with SQL anymore!</a:t>
+            </a:r>
+            <a:endParaRPr lang="en-US" dirty="0">
+              <a:solidFill>
+                <a:schemeClr val="accent6">
+                  <a:lumMod val="50000"/>
+                </a:schemeClr>
+              </a:solidFill>
+              <a:latin typeface="Arial" panose="020B0604020202020204" pitchFamily="34" charset="0"/>
+              <a:cs typeface="Arial" panose="020B0604020202020204" pitchFamily="34" charset="0"/>
+            </a:endParaRPr>
+          </a:p>
+        </p:txBody>
+      </p:sp>
+    </p:spTree>
+    <p:extLst>
+      <p:ext uri="{BB962C8B-B14F-4D97-AF65-F5344CB8AC3E}">
+        <p14:creationId xmlns:p14="http://schemas.microsoft.com/office/powerpoint/2010/main" val="1202831630"/>
+      </p:ext>
+    </p:extLst>
+  </p:cSld>
+  <p:clrMapOvr>
+    <a:masterClrMapping/>
+  </p:clrMapOvr>
+  <p:timing>
+    <p:tnLst>
+      <p:par>
+        <p:cTn id="1" dur="indefinite" restart="never" nodeType="tmRoot"/>
+      </p:par>
+    </p:tnLst>
+  </p:timing>
+</p:sld>
+</file>
+
+<file path=ppt/slides/slide11.xml><?xml version="1.0" encoding="utf-8"?>
+<p:sld xmlns:a="http://schemas.openxmlformats.org/drawingml/2006/main" xmlns:r="http://schemas.openxmlformats.org/officeDocument/2006/relationships" xmlns:p="http://schemas.openxmlformats.org/presentationml/2006/main">
+  <p:cSld>
+    <p:spTree>
+      <p:nvGrpSpPr>
+        <p:cNvPr id="1" name=""/>
+        <p:cNvGrpSpPr/>
+        <p:nvPr/>
+      </p:nvGrpSpPr>
+      <p:grpSpPr>
+        <a:xfrm>
+          <a:off x="0" y="0"/>
+          <a:ext cx="0" cy="0"/>
+          <a:chOff x="0" y="0"/>
+          <a:chExt cx="0" cy="0"/>
+        </a:xfrm>
+      </p:grpSpPr>
+      <p:sp>
+        <p:nvSpPr>
+          <p:cNvPr id="2" name="Title 1"/>
+          <p:cNvSpPr>
+            <a:spLocks noGrp="1"/>
+          </p:cNvSpPr>
+          <p:nvPr>
+            <p:ph type="title"/>
+          </p:nvPr>
+        </p:nvSpPr>
+        <p:spPr/>
+        <p:txBody>
+          <a:bodyPr/>
+          <a:lstStyle/>
+          <a:p>
+            <a:pPr algn="ctr"/>
+            <a:r>
               <a:rPr lang="en-US" dirty="0" smtClean="0"/>
               <a:t>Entity Framework Core</a:t>
             </a:r>
@@ -13542,7 +13977,7 @@
 </p:sld>
 </file>
 
-<file path=ppt/slides/slide11.xml><?xml version="1.0" encoding="utf-8"?>
+<file path=ppt/slides/slide12.xml><?xml version="1.0" encoding="utf-8"?>
 <p:sld xmlns:a="http://schemas.openxmlformats.org/drawingml/2006/main" xmlns:r="http://schemas.openxmlformats.org/officeDocument/2006/relationships" xmlns:p="http://schemas.openxmlformats.org/presentationml/2006/main">
   <p:cSld>
     <p:spTree>
@@ -13744,7 +14179,7 @@
 </p:sld>
 </file>
 
-<file path=ppt/slides/slide12.xml><?xml version="1.0" encoding="utf-8"?>
+<file path=ppt/slides/slide13.xml><?xml version="1.0" encoding="utf-8"?>
 <p:sld xmlns:a="http://schemas.openxmlformats.org/drawingml/2006/main" xmlns:r="http://schemas.openxmlformats.org/officeDocument/2006/relationships" xmlns:p="http://schemas.openxmlformats.org/presentationml/2006/main">
   <p:cSld>
     <p:spTree>
@@ -13931,7 +14366,7 @@
 </p:sld>
 </file>
 
-<file path=ppt/slides/slide13.xml><?xml version="1.0" encoding="utf-8"?>
+<file path=ppt/slides/slide14.xml><?xml version="1.0" encoding="utf-8"?>
 <p:sld xmlns:a="http://schemas.openxmlformats.org/drawingml/2006/main" xmlns:r="http://schemas.openxmlformats.org/officeDocument/2006/relationships" xmlns:p="http://schemas.openxmlformats.org/presentationml/2006/main">
   <p:cSld>
     <p:spTree>
@@ -14179,7 +14614,7 @@
 </p:sld>
 </file>
 
-<file path=ppt/slides/slide14.xml><?xml version="1.0" encoding="utf-8"?>
+<file path=ppt/slides/slide15.xml><?xml version="1.0" encoding="utf-8"?>
 <p:sld xmlns:a="http://schemas.openxmlformats.org/drawingml/2006/main" xmlns:r="http://schemas.openxmlformats.org/officeDocument/2006/relationships" xmlns:p="http://schemas.openxmlformats.org/presentationml/2006/main">
   <p:cSld>
     <p:spTree>
@@ -14359,7 +14794,7 @@
 </p:sld>
 </file>
 
-<file path=ppt/slides/slide15.xml><?xml version="1.0" encoding="utf-8"?>
+<file path=ppt/slides/slide16.xml><?xml version="1.0" encoding="utf-8"?>
 <p:sld xmlns:a="http://schemas.openxmlformats.org/drawingml/2006/main" xmlns:r="http://schemas.openxmlformats.org/officeDocument/2006/relationships" xmlns:p="http://schemas.openxmlformats.org/presentationml/2006/main">
   <p:cSld>
     <p:spTree>
@@ -14447,7 +14882,7 @@
 </p:sld>
 </file>
 
-<file path=ppt/slides/slide16.xml><?xml version="1.0" encoding="utf-8"?>
+<file path=ppt/slides/slide17.xml><?xml version="1.0" encoding="utf-8"?>
 <p:sld xmlns:a="http://schemas.openxmlformats.org/drawingml/2006/main" xmlns:r="http://schemas.openxmlformats.org/officeDocument/2006/relationships" xmlns:p="http://schemas.openxmlformats.org/presentationml/2006/main">
   <p:cSld>
     <p:spTree>
@@ -14607,7 +15042,7 @@
 </p:sld>
 </file>
 
-<file path=ppt/slides/slide17.xml><?xml version="1.0" encoding="utf-8"?>
+<file path=ppt/slides/slide18.xml><?xml version="1.0" encoding="utf-8"?>
 <p:sld xmlns:a="http://schemas.openxmlformats.org/drawingml/2006/main" xmlns:r="http://schemas.openxmlformats.org/officeDocument/2006/relationships" xmlns:p="http://schemas.openxmlformats.org/presentationml/2006/main">
   <p:cSld>
     <p:spTree>
@@ -15418,7 +15853,7 @@
                 <a:latin typeface="Arial" panose="020B0604020202020204" pitchFamily="34" charset="0"/>
                 <a:cs typeface="Arial" panose="020B0604020202020204" pitchFamily="34" charset="0"/>
               </a:rPr>
-              <a:t>MS SQL server profiler is a great tool! </a:t>
+              <a:t>MS SQL server (overview)</a:t>
             </a:r>
             <a:endParaRPr lang="en-US" dirty="0">
               <a:latin typeface="Arial" panose="020B0604020202020204" pitchFamily="34" charset="0"/>
@@ -15429,12 +15864,12 @@
       </p:sp>
       <p:pic>
         <p:nvPicPr>
-          <p:cNvPr id="5" name="Content Placeholder 4"/>
+          <p:cNvPr id="7" name="Content Placeholder 6"/>
           <p:cNvPicPr>
             <a:picLocks noGrp="1" noChangeAspect="1"/>
           </p:cNvPicPr>
           <p:nvPr>
-            <p:ph sz="half" idx="1"/>
+            <p:ph sz="half" idx="2"/>
           </p:nvPr>
         </p:nvPicPr>
         <p:blipFill>
@@ -15451,11 +15886,117 @@
         </p:blipFill>
         <p:spPr>
           <a:xfrm>
-            <a:off x="2139156" y="2882900"/>
-            <a:ext cx="2857500" cy="2857500"/>
+            <a:off x="1695811" y="2505508"/>
+            <a:ext cx="3485789" cy="3485789"/>
           </a:xfrm>
         </p:spPr>
       </p:pic>
+      <p:sp>
+        <p:nvSpPr>
+          <p:cNvPr id="6" name="Content Placeholder 5"/>
+          <p:cNvSpPr>
+            <a:spLocks noGrp="1"/>
+          </p:cNvSpPr>
+          <p:nvPr>
+            <p:ph sz="quarter" idx="4"/>
+          </p:nvPr>
+        </p:nvSpPr>
+        <p:spPr>
+          <a:xfrm>
+            <a:off x="6134821" y="2976164"/>
+            <a:ext cx="4825159" cy="2840039"/>
+          </a:xfrm>
+        </p:spPr>
+        <p:txBody>
+          <a:bodyPr/>
+          <a:lstStyle/>
+          <a:p>
+            <a:r>
+              <a:rPr lang="en-US" dirty="0" smtClean="0"/>
+              <a:t>Data definition – describe the structure of our data</a:t>
+            </a:r>
+          </a:p>
+          <a:p>
+            <a:r>
+              <a:rPr lang="en-US" dirty="0" smtClean="0"/>
+              <a:t>Data manipulation – store and retrieve data</a:t>
+            </a:r>
+          </a:p>
+          <a:p>
+            <a:r>
+              <a:rPr lang="en-US" dirty="0" smtClean="0"/>
+              <a:t>Data control – define who can access the data</a:t>
+            </a:r>
+          </a:p>
+          <a:p>
+            <a:r>
+              <a:rPr lang="en-US" dirty="0" smtClean="0"/>
+              <a:t>Transaction control – bundle operations and allow rollback</a:t>
+            </a:r>
+            <a:endParaRPr lang="en-US" dirty="0"/>
+          </a:p>
+        </p:txBody>
+      </p:sp>
+    </p:spTree>
+    <p:extLst>
+      <p:ext uri="{BB962C8B-B14F-4D97-AF65-F5344CB8AC3E}">
+        <p14:creationId xmlns:p14="http://schemas.microsoft.com/office/powerpoint/2010/main" val="3243709975"/>
+      </p:ext>
+    </p:extLst>
+  </p:cSld>
+  <p:clrMapOvr>
+    <a:masterClrMapping/>
+  </p:clrMapOvr>
+</p:sld>
+</file>
+
+<file path=ppt/slides/slide7.xml><?xml version="1.0" encoding="utf-8"?>
+<p:sld xmlns:a="http://schemas.openxmlformats.org/drawingml/2006/main" xmlns:r="http://schemas.openxmlformats.org/officeDocument/2006/relationships" xmlns:p="http://schemas.openxmlformats.org/presentationml/2006/main">
+  <p:cSld>
+    <p:spTree>
+      <p:nvGrpSpPr>
+        <p:cNvPr id="1" name=""/>
+        <p:cNvGrpSpPr/>
+        <p:nvPr/>
+      </p:nvGrpSpPr>
+      <p:grpSpPr>
+        <a:xfrm>
+          <a:off x="0" y="0"/>
+          <a:ext cx="0" cy="0"/>
+          <a:chOff x="0" y="0"/>
+          <a:chExt cx="0" cy="0"/>
+        </a:xfrm>
+      </p:grpSpPr>
+      <p:sp>
+        <p:nvSpPr>
+          <p:cNvPr id="2" name="Title 1"/>
+          <p:cNvSpPr>
+            <a:spLocks noGrp="1"/>
+          </p:cNvSpPr>
+          <p:nvPr>
+            <p:ph type="title"/>
+          </p:nvPr>
+        </p:nvSpPr>
+        <p:spPr/>
+        <p:txBody>
+          <a:bodyPr/>
+          <a:lstStyle/>
+          <a:p>
+            <a:pPr algn="ctr"/>
+            <a:r>
+              <a:rPr lang="en-US" dirty="0" smtClean="0">
+                <a:latin typeface="Arial" panose="020B0604020202020204" pitchFamily="34" charset="0"/>
+                <a:cs typeface="Arial" panose="020B0604020202020204" pitchFamily="34" charset="0"/>
+              </a:rPr>
+              <a:t>MS SQL server profiler is a great tool! </a:t>
+            </a:r>
+            <a:endParaRPr lang="en-US" dirty="0">
+              <a:latin typeface="Arial" panose="020B0604020202020204" pitchFamily="34" charset="0"/>
+              <a:cs typeface="Arial" panose="020B0604020202020204" pitchFamily="34" charset="0"/>
+            </a:endParaRPr>
+          </a:p>
+        </p:txBody>
+      </p:sp>
       <p:pic>
         <p:nvPicPr>
           <p:cNvPr id="6" name="Content Placeholder 5"/>
@@ -15467,7 +16008,7 @@
           </p:nvPr>
         </p:nvPicPr>
         <p:blipFill>
-          <a:blip r:embed="rId3">
+          <a:blip r:embed="rId2">
             <a:extLst>
               <a:ext uri="{28A0092B-C50C-407E-A947-70E740481C1C}">
                 <a14:useLocalDpi xmlns:a14="http://schemas.microsoft.com/office/drawing/2010/main" val="0"/>
@@ -15480,8 +16021,8 @@
         </p:blipFill>
         <p:spPr>
           <a:xfrm>
-            <a:off x="6208712" y="3223492"/>
-            <a:ext cx="4914975" cy="1995054"/>
+            <a:off x="1542473" y="2632365"/>
+            <a:ext cx="9322596" cy="3784166"/>
           </a:xfrm>
         </p:spPr>
       </p:pic>
@@ -15505,7 +16046,7 @@
 </p:sld>
 </file>
 
-<file path=ppt/slides/slide7.xml><?xml version="1.0" encoding="utf-8"?>
+<file path=ppt/slides/slide8.xml><?xml version="1.0" encoding="utf-8"?>
 <p:sld xmlns:a="http://schemas.openxmlformats.org/drawingml/2006/main" xmlns:r="http://schemas.openxmlformats.org/officeDocument/2006/relationships" xmlns:p="http://schemas.openxmlformats.org/presentationml/2006/main">
   <p:cSld>
     <p:spTree>
@@ -15690,7 +16231,7 @@
 </p:sld>
 </file>
 
-<file path=ppt/slides/slide8.xml><?xml version="1.0" encoding="utf-8"?>
+<file path=ppt/slides/slide9.xml><?xml version="1.0" encoding="utf-8"?>
 <p:sld xmlns:a="http://schemas.openxmlformats.org/drawingml/2006/main" xmlns:r="http://schemas.openxmlformats.org/officeDocument/2006/relationships" xmlns:p="http://schemas.openxmlformats.org/presentationml/2006/main">
   <p:cSld>
     <p:spTree>
@@ -15818,439 +16359,6 @@
     <p:extLst>
       <p:ext uri="{BB962C8B-B14F-4D97-AF65-F5344CB8AC3E}">
         <p14:creationId xmlns:p14="http://schemas.microsoft.com/office/powerpoint/2010/main" val="3976096915"/>
-      </p:ext>
-    </p:extLst>
-  </p:cSld>
-  <p:clrMapOvr>
-    <a:masterClrMapping/>
-  </p:clrMapOvr>
-  <p:timing>
-    <p:tnLst>
-      <p:par>
-        <p:cTn id="1" dur="indefinite" restart="never" nodeType="tmRoot"/>
-      </p:par>
-    </p:tnLst>
-  </p:timing>
-</p:sld>
-</file>
-
-<file path=ppt/slides/slide9.xml><?xml version="1.0" encoding="utf-8"?>
-<p:sld xmlns:a="http://schemas.openxmlformats.org/drawingml/2006/main" xmlns:r="http://schemas.openxmlformats.org/officeDocument/2006/relationships" xmlns:p="http://schemas.openxmlformats.org/presentationml/2006/main">
-  <p:cSld>
-    <p:spTree>
-      <p:nvGrpSpPr>
-        <p:cNvPr id="1" name=""/>
-        <p:cNvGrpSpPr/>
-        <p:nvPr/>
-      </p:nvGrpSpPr>
-      <p:grpSpPr>
-        <a:xfrm>
-          <a:off x="0" y="0"/>
-          <a:ext cx="0" cy="0"/>
-          <a:chOff x="0" y="0"/>
-          <a:chExt cx="0" cy="0"/>
-        </a:xfrm>
-      </p:grpSpPr>
-      <p:sp>
-        <p:nvSpPr>
-          <p:cNvPr id="2" name="Title 1"/>
-          <p:cNvSpPr>
-            <a:spLocks noGrp="1"/>
-          </p:cNvSpPr>
-          <p:nvPr>
-            <p:ph type="title"/>
-          </p:nvPr>
-        </p:nvSpPr>
-        <p:spPr/>
-        <p:txBody>
-          <a:bodyPr/>
-          <a:lstStyle/>
-          <a:p>
-            <a:pPr algn="ctr"/>
-            <a:r>
-              <a:rPr lang="en-US" dirty="0" smtClean="0">
-                <a:latin typeface="Arial" panose="020B0604020202020204" pitchFamily="34" charset="0"/>
-                <a:cs typeface="Arial" panose="020B0604020202020204" pitchFamily="34" charset="0"/>
-              </a:rPr>
-              <a:t>The benefits of ORM systems?</a:t>
-            </a:r>
-            <a:endParaRPr lang="en-US" dirty="0">
-              <a:latin typeface="Arial" panose="020B0604020202020204" pitchFamily="34" charset="0"/>
-              <a:cs typeface="Arial" panose="020B0604020202020204" pitchFamily="34" charset="0"/>
-            </a:endParaRPr>
-          </a:p>
-        </p:txBody>
-      </p:sp>
-      <p:sp>
-        <p:nvSpPr>
-          <p:cNvPr id="4" name="Content Placeholder 3"/>
-          <p:cNvSpPr txBox="1">
-            <a:spLocks/>
-          </p:cNvSpPr>
-          <p:nvPr/>
-        </p:nvSpPr>
-        <p:spPr>
-          <a:xfrm>
-            <a:off x="1025236" y="3565236"/>
-            <a:ext cx="3980873" cy="1782619"/>
-          </a:xfrm>
-          <a:prstGeom prst="rect">
-            <a:avLst/>
-          </a:prstGeom>
-        </p:spPr>
-        <p:txBody>
-          <a:bodyPr/>
-          <a:lstStyle>
-            <a:lvl1pPr marL="342900" indent="-342900" algn="l" defTabSz="457200" rtl="0" eaLnBrk="1" latinLnBrk="0" hangingPunct="1">
-              <a:spcBef>
-                <a:spcPts val="1000"/>
-              </a:spcBef>
-              <a:spcAft>
-                <a:spcPts val="0"/>
-              </a:spcAft>
-              <a:buClr>
-                <a:schemeClr val="accent1"/>
-              </a:buClr>
-              <a:buSzPct val="80000"/>
-              <a:buFont typeface="Wingdings 3" charset="2"/>
-              <a:buChar char=""/>
-              <a:defRPr sz="1800" b="0" i="0" kern="1200">
-                <a:solidFill>
-                  <a:schemeClr val="tx1">
-                    <a:lumMod val="75000"/>
-                    <a:lumOff val="25000"/>
-                  </a:schemeClr>
-                </a:solidFill>
-                <a:latin typeface="+mn-lt"/>
-                <a:ea typeface="+mn-ea"/>
-                <a:cs typeface="+mn-cs"/>
-              </a:defRPr>
-            </a:lvl1pPr>
-            <a:lvl2pPr marL="742950" indent="-285750" algn="l" defTabSz="457200" rtl="0" eaLnBrk="1" latinLnBrk="0" hangingPunct="1">
-              <a:spcBef>
-                <a:spcPts val="1000"/>
-              </a:spcBef>
-              <a:spcAft>
-                <a:spcPts val="0"/>
-              </a:spcAft>
-              <a:buClr>
-                <a:schemeClr val="accent1"/>
-              </a:buClr>
-              <a:buSzPct val="80000"/>
-              <a:buFont typeface="Wingdings 3" charset="2"/>
-              <a:buChar char=""/>
-              <a:defRPr sz="1600" b="0" i="0" kern="1200">
-                <a:solidFill>
-                  <a:schemeClr val="tx1">
-                    <a:lumMod val="75000"/>
-                    <a:lumOff val="25000"/>
-                  </a:schemeClr>
-                </a:solidFill>
-                <a:latin typeface="+mn-lt"/>
-                <a:ea typeface="+mn-ea"/>
-                <a:cs typeface="+mn-cs"/>
-              </a:defRPr>
-            </a:lvl2pPr>
-            <a:lvl3pPr marL="1143000" indent="-228600" algn="l" defTabSz="457200" rtl="0" eaLnBrk="1" latinLnBrk="0" hangingPunct="1">
-              <a:spcBef>
-                <a:spcPts val="1000"/>
-              </a:spcBef>
-              <a:spcAft>
-                <a:spcPts val="0"/>
-              </a:spcAft>
-              <a:buClr>
-                <a:schemeClr val="accent1"/>
-              </a:buClr>
-              <a:buSzPct val="80000"/>
-              <a:buFont typeface="Wingdings 3" charset="2"/>
-              <a:buChar char=""/>
-              <a:defRPr sz="1400" b="0" i="0" kern="1200">
-                <a:solidFill>
-                  <a:schemeClr val="tx1">
-                    <a:lumMod val="75000"/>
-                    <a:lumOff val="25000"/>
-                  </a:schemeClr>
-                </a:solidFill>
-                <a:latin typeface="+mn-lt"/>
-                <a:ea typeface="+mn-ea"/>
-                <a:cs typeface="+mn-cs"/>
-              </a:defRPr>
-            </a:lvl3pPr>
-            <a:lvl4pPr marL="1600200" indent="-228600" algn="l" defTabSz="457200" rtl="0" eaLnBrk="1" latinLnBrk="0" hangingPunct="1">
-              <a:spcBef>
-                <a:spcPts val="1000"/>
-              </a:spcBef>
-              <a:spcAft>
-                <a:spcPts val="0"/>
-              </a:spcAft>
-              <a:buClr>
-                <a:schemeClr val="accent1"/>
-              </a:buClr>
-              <a:buSzPct val="80000"/>
-              <a:buFont typeface="Wingdings 3" charset="2"/>
-              <a:buChar char=""/>
-              <a:defRPr sz="1200" b="0" i="0" kern="1200">
-                <a:solidFill>
-                  <a:schemeClr val="tx1">
-                    <a:lumMod val="75000"/>
-                    <a:lumOff val="25000"/>
-                  </a:schemeClr>
-                </a:solidFill>
-                <a:latin typeface="+mn-lt"/>
-                <a:ea typeface="+mn-ea"/>
-                <a:cs typeface="+mn-cs"/>
-              </a:defRPr>
-            </a:lvl4pPr>
-            <a:lvl5pPr marL="2057400" indent="-228600" algn="l" defTabSz="457200" rtl="0" eaLnBrk="1" latinLnBrk="0" hangingPunct="1">
-              <a:spcBef>
-                <a:spcPts val="1000"/>
-              </a:spcBef>
-              <a:spcAft>
-                <a:spcPts val="0"/>
-              </a:spcAft>
-              <a:buClr>
-                <a:schemeClr val="accent1"/>
-              </a:buClr>
-              <a:buSzPct val="80000"/>
-              <a:buFont typeface="Wingdings 3" charset="2"/>
-              <a:buChar char=""/>
-              <a:defRPr sz="1200" b="0" i="0" kern="1200">
-                <a:solidFill>
-                  <a:schemeClr val="tx1">
-                    <a:lumMod val="75000"/>
-                    <a:lumOff val="25000"/>
-                  </a:schemeClr>
-                </a:solidFill>
-                <a:latin typeface="+mn-lt"/>
-                <a:ea typeface="+mn-ea"/>
-                <a:cs typeface="+mn-cs"/>
-              </a:defRPr>
-            </a:lvl5pPr>
-            <a:lvl6pPr marL="2514600" indent="-228600" algn="l" defTabSz="457200" rtl="0" eaLnBrk="1" latinLnBrk="0" hangingPunct="1">
-              <a:spcBef>
-                <a:spcPts val="1000"/>
-              </a:spcBef>
-              <a:spcAft>
-                <a:spcPts val="0"/>
-              </a:spcAft>
-              <a:buClr>
-                <a:schemeClr val="accent1"/>
-              </a:buClr>
-              <a:buSzPct val="80000"/>
-              <a:buFont typeface="Wingdings 3" charset="2"/>
-              <a:buChar char=""/>
-              <a:defRPr sz="1200" b="0" i="0" kern="1200">
-                <a:solidFill>
-                  <a:schemeClr val="tx1">
-                    <a:lumMod val="75000"/>
-                    <a:lumOff val="25000"/>
-                  </a:schemeClr>
-                </a:solidFill>
-                <a:latin typeface="+mn-lt"/>
-                <a:ea typeface="+mn-ea"/>
-                <a:cs typeface="+mn-cs"/>
-              </a:defRPr>
-            </a:lvl6pPr>
-            <a:lvl7pPr marL="2971800" indent="-228600" algn="l" defTabSz="457200" rtl="0" eaLnBrk="1" latinLnBrk="0" hangingPunct="1">
-              <a:spcBef>
-                <a:spcPts val="1000"/>
-              </a:spcBef>
-              <a:spcAft>
-                <a:spcPts val="0"/>
-              </a:spcAft>
-              <a:buClr>
-                <a:schemeClr val="accent1"/>
-              </a:buClr>
-              <a:buSzPct val="80000"/>
-              <a:buFont typeface="Wingdings 3" charset="2"/>
-              <a:buChar char=""/>
-              <a:defRPr sz="1200" b="0" i="0" kern="1200">
-                <a:solidFill>
-                  <a:schemeClr val="tx1">
-                    <a:lumMod val="75000"/>
-                    <a:lumOff val="25000"/>
-                  </a:schemeClr>
-                </a:solidFill>
-                <a:latin typeface="+mn-lt"/>
-                <a:ea typeface="+mn-ea"/>
-                <a:cs typeface="+mn-cs"/>
-              </a:defRPr>
-            </a:lvl7pPr>
-            <a:lvl8pPr marL="3429000" indent="-228600" algn="l" defTabSz="457200" rtl="0" eaLnBrk="1" latinLnBrk="0" hangingPunct="1">
-              <a:spcBef>
-                <a:spcPts val="1000"/>
-              </a:spcBef>
-              <a:spcAft>
-                <a:spcPts val="0"/>
-              </a:spcAft>
-              <a:buClr>
-                <a:schemeClr val="accent1"/>
-              </a:buClr>
-              <a:buSzPct val="80000"/>
-              <a:buFont typeface="Wingdings 3" charset="2"/>
-              <a:buChar char=""/>
-              <a:defRPr sz="1200" b="0" i="0" kern="1200">
-                <a:solidFill>
-                  <a:schemeClr val="tx1">
-                    <a:lumMod val="75000"/>
-                    <a:lumOff val="25000"/>
-                  </a:schemeClr>
-                </a:solidFill>
-                <a:latin typeface="+mn-lt"/>
-                <a:ea typeface="+mn-ea"/>
-                <a:cs typeface="+mn-cs"/>
-              </a:defRPr>
-            </a:lvl8pPr>
-            <a:lvl9pPr marL="3886200" indent="-228600" algn="l" defTabSz="457200" rtl="0" eaLnBrk="1" latinLnBrk="0" hangingPunct="1">
-              <a:spcBef>
-                <a:spcPts val="1000"/>
-              </a:spcBef>
-              <a:spcAft>
-                <a:spcPts val="0"/>
-              </a:spcAft>
-              <a:buClr>
-                <a:schemeClr val="accent1"/>
-              </a:buClr>
-              <a:buSzPct val="80000"/>
-              <a:buFont typeface="Wingdings 3" charset="2"/>
-              <a:buChar char=""/>
-              <a:defRPr sz="1200" b="0" i="0" kern="1200">
-                <a:solidFill>
-                  <a:schemeClr val="tx1">
-                    <a:lumMod val="75000"/>
-                    <a:lumOff val="25000"/>
-                  </a:schemeClr>
-                </a:solidFill>
-                <a:latin typeface="+mn-lt"/>
-                <a:ea typeface="+mn-ea"/>
-                <a:cs typeface="+mn-cs"/>
-              </a:defRPr>
-            </a:lvl9pPr>
-          </a:lstStyle>
-          <a:p>
-            <a:r>
-              <a:rPr lang="en-US" dirty="0" smtClean="0">
-                <a:latin typeface="Arial" panose="020B0604020202020204" pitchFamily="34" charset="0"/>
-                <a:cs typeface="Arial" panose="020B0604020202020204" pitchFamily="34" charset="0"/>
-              </a:rPr>
-              <a:t>Productivity</a:t>
-            </a:r>
-          </a:p>
-          <a:p>
-            <a:r>
-              <a:rPr lang="en-US" dirty="0" smtClean="0">
-                <a:latin typeface="Arial" panose="020B0604020202020204" pitchFamily="34" charset="0"/>
-                <a:cs typeface="Arial" panose="020B0604020202020204" pitchFamily="34" charset="0"/>
-              </a:rPr>
-              <a:t>Application Design</a:t>
-            </a:r>
-          </a:p>
-          <a:p>
-            <a:r>
-              <a:rPr lang="en-US" dirty="0" smtClean="0">
-                <a:latin typeface="Arial" panose="020B0604020202020204" pitchFamily="34" charset="0"/>
-                <a:cs typeface="Arial" panose="020B0604020202020204" pitchFamily="34" charset="0"/>
-              </a:rPr>
-              <a:t>Code Reuse</a:t>
-            </a:r>
-          </a:p>
-          <a:p>
-            <a:r>
-              <a:rPr lang="en-US" dirty="0" smtClean="0">
-                <a:latin typeface="Arial" panose="020B0604020202020204" pitchFamily="34" charset="0"/>
-                <a:cs typeface="Arial" panose="020B0604020202020204" pitchFamily="34" charset="0"/>
-              </a:rPr>
-              <a:t>Application Maintainability</a:t>
-            </a:r>
-          </a:p>
-          <a:p>
-            <a:endParaRPr lang="en-US" dirty="0" smtClean="0"/>
-          </a:p>
-          <a:p>
-            <a:endParaRPr lang="en-US" dirty="0"/>
-          </a:p>
-        </p:txBody>
-      </p:sp>
-      <p:pic>
-        <p:nvPicPr>
-          <p:cNvPr id="9" name="Picture 8"/>
-          <p:cNvPicPr>
-            <a:picLocks noChangeAspect="1"/>
-          </p:cNvPicPr>
-          <p:nvPr/>
-        </p:nvPicPr>
-        <p:blipFill>
-          <a:blip r:embed="rId2">
-            <a:extLst>
-              <a:ext uri="{28A0092B-C50C-407E-A947-70E740481C1C}">
-                <a14:useLocalDpi xmlns:a14="http://schemas.microsoft.com/office/drawing/2010/main" val="0"/>
-              </a:ext>
-            </a:extLst>
-          </a:blip>
-          <a:stretch>
-            <a:fillRect/>
-          </a:stretch>
-        </p:blipFill>
-        <p:spPr>
-          <a:xfrm>
-            <a:off x="5163127" y="3719463"/>
-            <a:ext cx="6837063" cy="1474163"/>
-          </a:xfrm>
-          <a:prstGeom prst="rect">
-            <a:avLst/>
-          </a:prstGeom>
-        </p:spPr>
-      </p:pic>
-      <p:sp>
-        <p:nvSpPr>
-          <p:cNvPr id="10" name="TextBox 9"/>
-          <p:cNvSpPr txBox="1"/>
-          <p:nvPr/>
-        </p:nvSpPr>
-        <p:spPr>
-          <a:xfrm>
-            <a:off x="5818911" y="3195904"/>
-            <a:ext cx="5098472" cy="369332"/>
-          </a:xfrm>
-          <a:prstGeom prst="rect">
-            <a:avLst/>
-          </a:prstGeom>
-          <a:noFill/>
-        </p:spPr>
-        <p:txBody>
-          <a:bodyPr wrap="square" rtlCol="0">
-            <a:spAutoFit/>
-          </a:bodyPr>
-          <a:lstStyle/>
-          <a:p>
-            <a:r>
-              <a:rPr lang="en-US" dirty="0" smtClean="0">
-                <a:solidFill>
-                  <a:schemeClr val="accent6">
-                    <a:lumMod val="50000"/>
-                  </a:schemeClr>
-                </a:solidFill>
-                <a:latin typeface="Arial" panose="020B0604020202020204" pitchFamily="34" charset="0"/>
-                <a:cs typeface="Arial" panose="020B0604020202020204" pitchFamily="34" charset="0"/>
-              </a:rPr>
-              <a:t>We work with C# but not with SQL anymore!</a:t>
-            </a:r>
-            <a:endParaRPr lang="en-US" dirty="0">
-              <a:solidFill>
-                <a:schemeClr val="accent6">
-                  <a:lumMod val="50000"/>
-                </a:schemeClr>
-              </a:solidFill>
-              <a:latin typeface="Arial" panose="020B0604020202020204" pitchFamily="34" charset="0"/>
-              <a:cs typeface="Arial" panose="020B0604020202020204" pitchFamily="34" charset="0"/>
-            </a:endParaRPr>
-          </a:p>
-        </p:txBody>
-      </p:sp>
-    </p:spTree>
-    <p:extLst>
-      <p:ext uri="{BB962C8B-B14F-4D97-AF65-F5344CB8AC3E}">
-        <p14:creationId xmlns:p14="http://schemas.microsoft.com/office/powerpoint/2010/main" val="1202831630"/>
       </p:ext>
     </p:extLst>
   </p:cSld>

--- a/Databases_and_EntityFrameworkCore.pptx
+++ b/Databases_and_EntityFrameworkCore.pptx
@@ -516,7 +516,7 @@
           <a:p>
             <a:fld id="{87DD66F1-7FC0-403D-82FE-3DDCE4AD2CCB}" type="datetimeFigureOut">
               <a:rPr lang="en-US" smtClean="0"/>
-              <a:t>9/10/2021</a:t>
+              <a:t>9/11/2021</a:t>
             </a:fld>
             <a:endParaRPr lang="en-US" dirty="0"/>
           </a:p>
@@ -1604,7 +1604,7 @@
           <a:p>
             <a:fld id="{87DD66F1-7FC0-403D-82FE-3DDCE4AD2CCB}" type="datetimeFigureOut">
               <a:rPr lang="en-US" smtClean="0"/>
-              <a:t>9/10/2021</a:t>
+              <a:t>9/11/2021</a:t>
             </a:fld>
             <a:endParaRPr lang="en-US" dirty="0"/>
           </a:p>
@@ -2584,7 +2584,7 @@
           <a:p>
             <a:fld id="{87DD66F1-7FC0-403D-82FE-3DDCE4AD2CCB}" type="datetimeFigureOut">
               <a:rPr lang="en-US" smtClean="0"/>
-              <a:t>9/10/2021</a:t>
+              <a:t>9/11/2021</a:t>
             </a:fld>
             <a:endParaRPr lang="en-US" dirty="0"/>
           </a:p>
@@ -3718,7 +3718,7 @@
           <a:p>
             <a:fld id="{87DD66F1-7FC0-403D-82FE-3DDCE4AD2CCB}" type="datetimeFigureOut">
               <a:rPr lang="en-US" smtClean="0"/>
-              <a:t>9/10/2021</a:t>
+              <a:t>9/11/2021</a:t>
             </a:fld>
             <a:endParaRPr lang="en-US" dirty="0"/>
           </a:p>
@@ -4751,7 +4751,7 @@
           <a:p>
             <a:fld id="{87DD66F1-7FC0-403D-82FE-3DDCE4AD2CCB}" type="datetimeFigureOut">
               <a:rPr lang="en-US" smtClean="0"/>
-              <a:t>9/10/2021</a:t>
+              <a:t>9/11/2021</a:t>
             </a:fld>
             <a:endParaRPr lang="en-US" dirty="0"/>
           </a:p>
@@ -5411,7 +5411,7 @@
           <a:p>
             <a:fld id="{87DD66F1-7FC0-403D-82FE-3DDCE4AD2CCB}" type="datetimeFigureOut">
               <a:rPr lang="en-US" smtClean="0"/>
-              <a:t>9/10/2021</a:t>
+              <a:t>9/11/2021</a:t>
             </a:fld>
             <a:endParaRPr lang="en-US" dirty="0"/>
           </a:p>
@@ -6272,7 +6272,7 @@
           <a:p>
             <a:fld id="{87DD66F1-7FC0-403D-82FE-3DDCE4AD2CCB}" type="datetimeFigureOut">
               <a:rPr lang="en-US" smtClean="0"/>
-              <a:t>9/10/2021</a:t>
+              <a:t>9/11/2021</a:t>
             </a:fld>
             <a:endParaRPr lang="en-US" dirty="0"/>
           </a:p>
@@ -6462,7 +6462,7 @@
           <a:p>
             <a:fld id="{87DD66F1-7FC0-403D-82FE-3DDCE4AD2CCB}" type="datetimeFigureOut">
               <a:rPr lang="en-US" smtClean="0"/>
-              <a:t>9/10/2021</a:t>
+              <a:t>9/11/2021</a:t>
             </a:fld>
             <a:endParaRPr lang="en-US" dirty="0"/>
           </a:p>
@@ -7434,7 +7434,7 @@
           <a:p>
             <a:fld id="{87DD66F1-7FC0-403D-82FE-3DDCE4AD2CCB}" type="datetimeFigureOut">
               <a:rPr lang="en-US" smtClean="0"/>
-              <a:t>9/10/2021</a:t>
+              <a:t>9/11/2021</a:t>
             </a:fld>
             <a:endParaRPr lang="en-US" dirty="0"/>
           </a:p>
@@ -7645,7 +7645,7 @@
           <a:p>
             <a:fld id="{87DD66F1-7FC0-403D-82FE-3DDCE4AD2CCB}" type="datetimeFigureOut">
               <a:rPr lang="en-US" smtClean="0"/>
-              <a:t>9/10/2021</a:t>
+              <a:t>9/11/2021</a:t>
             </a:fld>
             <a:endParaRPr lang="en-US" dirty="0"/>
           </a:p>
@@ -8679,7 +8679,7 @@
           <a:p>
             <a:fld id="{87DD66F1-7FC0-403D-82FE-3DDCE4AD2CCB}" type="datetimeFigureOut">
               <a:rPr lang="en-US" smtClean="0"/>
-              <a:t>9/10/2021</a:t>
+              <a:t>9/11/2021</a:t>
             </a:fld>
             <a:endParaRPr lang="en-US" dirty="0"/>
           </a:p>
@@ -8951,7 +8951,7 @@
           <a:p>
             <a:fld id="{87DD66F1-7FC0-403D-82FE-3DDCE4AD2CCB}" type="datetimeFigureOut">
               <a:rPr lang="en-US" smtClean="0"/>
-              <a:t>9/10/2021</a:t>
+              <a:t>9/11/2021</a:t>
             </a:fld>
             <a:endParaRPr lang="en-US" dirty="0"/>
           </a:p>
@@ -9361,7 +9361,7 @@
           <a:p>
             <a:fld id="{87DD66F1-7FC0-403D-82FE-3DDCE4AD2CCB}" type="datetimeFigureOut">
               <a:rPr lang="en-US" smtClean="0"/>
-              <a:t>9/10/2021</a:t>
+              <a:t>9/11/2021</a:t>
             </a:fld>
             <a:endParaRPr lang="en-US" dirty="0"/>
           </a:p>
@@ -9488,7 +9488,7 @@
           <a:p>
             <a:fld id="{87DD66F1-7FC0-403D-82FE-3DDCE4AD2CCB}" type="datetimeFigureOut">
               <a:rPr lang="en-US" smtClean="0"/>
-              <a:t>9/10/2021</a:t>
+              <a:t>9/11/2021</a:t>
             </a:fld>
             <a:endParaRPr lang="en-US" dirty="0"/>
           </a:p>
@@ -9583,7 +9583,7 @@
           <a:p>
             <a:fld id="{87DD66F1-7FC0-403D-82FE-3DDCE4AD2CCB}" type="datetimeFigureOut">
               <a:rPr lang="en-US" smtClean="0"/>
-              <a:t>9/10/2021</a:t>
+              <a:t>9/11/2021</a:t>
             </a:fld>
             <a:endParaRPr lang="en-US" dirty="0"/>
           </a:p>
@@ -10664,7 +10664,7 @@
           <a:p>
             <a:fld id="{87DD66F1-7FC0-403D-82FE-3DDCE4AD2CCB}" type="datetimeFigureOut">
               <a:rPr lang="en-US" smtClean="0"/>
-              <a:t>9/10/2021</a:t>
+              <a:t>9/11/2021</a:t>
             </a:fld>
             <a:endParaRPr lang="en-US" dirty="0"/>
           </a:p>
@@ -11772,7 +11772,7 @@
           <a:p>
             <a:fld id="{87DD66F1-7FC0-403D-82FE-3DDCE4AD2CCB}" type="datetimeFigureOut">
               <a:rPr lang="en-US" smtClean="0"/>
-              <a:t>9/10/2021</a:t>
+              <a:t>9/11/2021</a:t>
             </a:fld>
             <a:endParaRPr lang="en-US" dirty="0"/>
           </a:p>
@@ -12769,7 +12769,7 @@
           <a:p>
             <a:fld id="{87DD66F1-7FC0-403D-82FE-3DDCE4AD2CCB}" type="datetimeFigureOut">
               <a:rPr lang="en-US" smtClean="0"/>
-              <a:t>9/10/2021</a:t>
+              <a:t>9/11/2021</a:t>
             </a:fld>
             <a:endParaRPr lang="en-US" dirty="0"/>
           </a:p>
@@ -15297,7 +15297,7 @@
       </p:sp>
       <p:pic>
         <p:nvPicPr>
-          <p:cNvPr id="10" name="Picture Placeholder 9"/>
+          <p:cNvPr id="5" name="Picture Placeholder 4"/>
           <p:cNvPicPr>
             <a:picLocks noGrp="1" noChangeAspect="1"/>
           </p:cNvPicPr>
@@ -15313,15 +15313,14 @@
               </a:ext>
             </a:extLst>
           </a:blip>
-          <a:srcRect l="14705" r="14705"/>
           <a:stretch>
             <a:fillRect/>
           </a:stretch>
         </p:blipFill>
         <p:spPr>
           <a:xfrm>
-            <a:off x="6483215" y="769696"/>
-            <a:ext cx="3593657" cy="5091174"/>
+            <a:off x="6070060" y="2436779"/>
+            <a:ext cx="5894962" cy="1622731"/>
           </a:xfrm>
         </p:spPr>
       </p:pic>

--- a/Databases_and_EntityFrameworkCore.pptx
+++ b/Databases_and_EntityFrameworkCore.pptx
@@ -6,23 +6,24 @@
   </p:sldMasterIdLst>
   <p:sldIdLst>
     <p:sldId id="256" r:id="rId2"/>
-    <p:sldId id="257" r:id="rId3"/>
-    <p:sldId id="258" r:id="rId4"/>
-    <p:sldId id="259" r:id="rId5"/>
-    <p:sldId id="260" r:id="rId6"/>
-    <p:sldId id="273" r:id="rId7"/>
-    <p:sldId id="261" r:id="rId8"/>
-    <p:sldId id="262" r:id="rId9"/>
-    <p:sldId id="263" r:id="rId10"/>
-    <p:sldId id="264" r:id="rId11"/>
-    <p:sldId id="265" r:id="rId12"/>
-    <p:sldId id="266" r:id="rId13"/>
-    <p:sldId id="267" r:id="rId14"/>
-    <p:sldId id="268" r:id="rId15"/>
-    <p:sldId id="269" r:id="rId16"/>
-    <p:sldId id="272" r:id="rId17"/>
-    <p:sldId id="270" r:id="rId18"/>
-    <p:sldId id="271" r:id="rId19"/>
+    <p:sldId id="275" r:id="rId3"/>
+    <p:sldId id="257" r:id="rId4"/>
+    <p:sldId id="258" r:id="rId5"/>
+    <p:sldId id="259" r:id="rId6"/>
+    <p:sldId id="260" r:id="rId7"/>
+    <p:sldId id="273" r:id="rId8"/>
+    <p:sldId id="261" r:id="rId9"/>
+    <p:sldId id="262" r:id="rId10"/>
+    <p:sldId id="263" r:id="rId11"/>
+    <p:sldId id="264" r:id="rId12"/>
+    <p:sldId id="265" r:id="rId13"/>
+    <p:sldId id="266" r:id="rId14"/>
+    <p:sldId id="267" r:id="rId15"/>
+    <p:sldId id="268" r:id="rId16"/>
+    <p:sldId id="269" r:id="rId17"/>
+    <p:sldId id="272" r:id="rId18"/>
+    <p:sldId id="270" r:id="rId19"/>
+    <p:sldId id="271" r:id="rId20"/>
   </p:sldIdLst>
   <p:sldSz cx="12192000" cy="6858000"/>
   <p:notesSz cx="6858000" cy="9144000"/>
@@ -127,6 +128,7 @@
         <p14:section name="Default Section" id="{C1FD6918-818C-474D-8E85-514B1C44E266}">
           <p14:sldIdLst>
             <p14:sldId id="256"/>
+            <p14:sldId id="275"/>
             <p14:sldId id="257"/>
             <p14:sldId id="258"/>
             <p14:sldId id="259"/>
@@ -516,7 +518,7 @@
           <a:p>
             <a:fld id="{87DD66F1-7FC0-403D-82FE-3DDCE4AD2CCB}" type="datetimeFigureOut">
               <a:rPr lang="en-US" smtClean="0"/>
-              <a:t>9/11/2021</a:t>
+              <a:t>9/13/2021</a:t>
             </a:fld>
             <a:endParaRPr lang="en-US" dirty="0"/>
           </a:p>
@@ -1604,7 +1606,7 @@
           <a:p>
             <a:fld id="{87DD66F1-7FC0-403D-82FE-3DDCE4AD2CCB}" type="datetimeFigureOut">
               <a:rPr lang="en-US" smtClean="0"/>
-              <a:t>9/11/2021</a:t>
+              <a:t>9/13/2021</a:t>
             </a:fld>
             <a:endParaRPr lang="en-US" dirty="0"/>
           </a:p>
@@ -2584,7 +2586,7 @@
           <a:p>
             <a:fld id="{87DD66F1-7FC0-403D-82FE-3DDCE4AD2CCB}" type="datetimeFigureOut">
               <a:rPr lang="en-US" smtClean="0"/>
-              <a:t>9/11/2021</a:t>
+              <a:t>9/13/2021</a:t>
             </a:fld>
             <a:endParaRPr lang="en-US" dirty="0"/>
           </a:p>
@@ -3718,7 +3720,7 @@
           <a:p>
             <a:fld id="{87DD66F1-7FC0-403D-82FE-3DDCE4AD2CCB}" type="datetimeFigureOut">
               <a:rPr lang="en-US" smtClean="0"/>
-              <a:t>9/11/2021</a:t>
+              <a:t>9/13/2021</a:t>
             </a:fld>
             <a:endParaRPr lang="en-US" dirty="0"/>
           </a:p>
@@ -4751,7 +4753,7 @@
           <a:p>
             <a:fld id="{87DD66F1-7FC0-403D-82FE-3DDCE4AD2CCB}" type="datetimeFigureOut">
               <a:rPr lang="en-US" smtClean="0"/>
-              <a:t>9/11/2021</a:t>
+              <a:t>9/13/2021</a:t>
             </a:fld>
             <a:endParaRPr lang="en-US" dirty="0"/>
           </a:p>
@@ -5411,7 +5413,7 @@
           <a:p>
             <a:fld id="{87DD66F1-7FC0-403D-82FE-3DDCE4AD2CCB}" type="datetimeFigureOut">
               <a:rPr lang="en-US" smtClean="0"/>
-              <a:t>9/11/2021</a:t>
+              <a:t>9/13/2021</a:t>
             </a:fld>
             <a:endParaRPr lang="en-US" dirty="0"/>
           </a:p>
@@ -6272,7 +6274,7 @@
           <a:p>
             <a:fld id="{87DD66F1-7FC0-403D-82FE-3DDCE4AD2CCB}" type="datetimeFigureOut">
               <a:rPr lang="en-US" smtClean="0"/>
-              <a:t>9/11/2021</a:t>
+              <a:t>9/13/2021</a:t>
             </a:fld>
             <a:endParaRPr lang="en-US" dirty="0"/>
           </a:p>
@@ -6462,7 +6464,7 @@
           <a:p>
             <a:fld id="{87DD66F1-7FC0-403D-82FE-3DDCE4AD2CCB}" type="datetimeFigureOut">
               <a:rPr lang="en-US" smtClean="0"/>
-              <a:t>9/11/2021</a:t>
+              <a:t>9/13/2021</a:t>
             </a:fld>
             <a:endParaRPr lang="en-US" dirty="0"/>
           </a:p>
@@ -7434,7 +7436,7 @@
           <a:p>
             <a:fld id="{87DD66F1-7FC0-403D-82FE-3DDCE4AD2CCB}" type="datetimeFigureOut">
               <a:rPr lang="en-US" smtClean="0"/>
-              <a:t>9/11/2021</a:t>
+              <a:t>9/13/2021</a:t>
             </a:fld>
             <a:endParaRPr lang="en-US" dirty="0"/>
           </a:p>
@@ -7645,7 +7647,7 @@
           <a:p>
             <a:fld id="{87DD66F1-7FC0-403D-82FE-3DDCE4AD2CCB}" type="datetimeFigureOut">
               <a:rPr lang="en-US" smtClean="0"/>
-              <a:t>9/11/2021</a:t>
+              <a:t>9/13/2021</a:t>
             </a:fld>
             <a:endParaRPr lang="en-US" dirty="0"/>
           </a:p>
@@ -8679,7 +8681,7 @@
           <a:p>
             <a:fld id="{87DD66F1-7FC0-403D-82FE-3DDCE4AD2CCB}" type="datetimeFigureOut">
               <a:rPr lang="en-US" smtClean="0"/>
-              <a:t>9/11/2021</a:t>
+              <a:t>9/13/2021</a:t>
             </a:fld>
             <a:endParaRPr lang="en-US" dirty="0"/>
           </a:p>
@@ -8951,7 +8953,7 @@
           <a:p>
             <a:fld id="{87DD66F1-7FC0-403D-82FE-3DDCE4AD2CCB}" type="datetimeFigureOut">
               <a:rPr lang="en-US" smtClean="0"/>
-              <a:t>9/11/2021</a:t>
+              <a:t>9/13/2021</a:t>
             </a:fld>
             <a:endParaRPr lang="en-US" dirty="0"/>
           </a:p>
@@ -9361,7 +9363,7 @@
           <a:p>
             <a:fld id="{87DD66F1-7FC0-403D-82FE-3DDCE4AD2CCB}" type="datetimeFigureOut">
               <a:rPr lang="en-US" smtClean="0"/>
-              <a:t>9/11/2021</a:t>
+              <a:t>9/13/2021</a:t>
             </a:fld>
             <a:endParaRPr lang="en-US" dirty="0"/>
           </a:p>
@@ -9488,7 +9490,7 @@
           <a:p>
             <a:fld id="{87DD66F1-7FC0-403D-82FE-3DDCE4AD2CCB}" type="datetimeFigureOut">
               <a:rPr lang="en-US" smtClean="0"/>
-              <a:t>9/11/2021</a:t>
+              <a:t>9/13/2021</a:t>
             </a:fld>
             <a:endParaRPr lang="en-US" dirty="0"/>
           </a:p>
@@ -9583,7 +9585,7 @@
           <a:p>
             <a:fld id="{87DD66F1-7FC0-403D-82FE-3DDCE4AD2CCB}" type="datetimeFigureOut">
               <a:rPr lang="en-US" smtClean="0"/>
-              <a:t>9/11/2021</a:t>
+              <a:t>9/13/2021</a:t>
             </a:fld>
             <a:endParaRPr lang="en-US" dirty="0"/>
           </a:p>
@@ -10664,7 +10666,7 @@
           <a:p>
             <a:fld id="{87DD66F1-7FC0-403D-82FE-3DDCE4AD2CCB}" type="datetimeFigureOut">
               <a:rPr lang="en-US" smtClean="0"/>
-              <a:t>9/11/2021</a:t>
+              <a:t>9/13/2021</a:t>
             </a:fld>
             <a:endParaRPr lang="en-US" dirty="0"/>
           </a:p>
@@ -11772,7 +11774,7 @@
           <a:p>
             <a:fld id="{87DD66F1-7FC0-403D-82FE-3DDCE4AD2CCB}" type="datetimeFigureOut">
               <a:rPr lang="en-US" smtClean="0"/>
-              <a:t>9/11/2021</a:t>
+              <a:t>9/13/2021</a:t>
             </a:fld>
             <a:endParaRPr lang="en-US" dirty="0"/>
           </a:p>
@@ -12769,7 +12771,7 @@
           <a:p>
             <a:fld id="{87DD66F1-7FC0-403D-82FE-3DDCE4AD2CCB}" type="datetimeFigureOut">
               <a:rPr lang="en-US" smtClean="0"/>
-              <a:t>9/11/2021</a:t>
+              <a:t>9/13/2021</a:t>
             </a:fld>
             <a:endParaRPr lang="en-US" dirty="0"/>
           </a:p>
@@ -13420,6 +13422,150 @@
             <p:ph type="title"/>
           </p:nvPr>
         </p:nvSpPr>
+        <p:spPr>
+          <a:xfrm>
+            <a:off x="1198231" y="1708728"/>
+            <a:ext cx="3865134" cy="1156855"/>
+          </a:xfrm>
+        </p:spPr>
+        <p:txBody>
+          <a:bodyPr>
+            <a:normAutofit fontScale="90000"/>
+          </a:bodyPr>
+          <a:lstStyle/>
+          <a:p>
+            <a:r>
+              <a:rPr lang="en-US" dirty="0" smtClean="0">
+                <a:latin typeface="Arial" panose="020B0604020202020204" pitchFamily="34" charset="0"/>
+                <a:cs typeface="Arial" panose="020B0604020202020204" pitchFamily="34" charset="0"/>
+              </a:rPr>
+              <a:t>What is ORM and how it works?</a:t>
+            </a:r>
+            <a:endParaRPr lang="en-US" dirty="0">
+              <a:latin typeface="Arial" panose="020B0604020202020204" pitchFamily="34" charset="0"/>
+              <a:cs typeface="Arial" panose="020B0604020202020204" pitchFamily="34" charset="0"/>
+            </a:endParaRPr>
+          </a:p>
+        </p:txBody>
+      </p:sp>
+      <p:pic>
+        <p:nvPicPr>
+          <p:cNvPr id="5" name="Picture Placeholder 4"/>
+          <p:cNvPicPr>
+            <a:picLocks noGrp="1" noChangeAspect="1"/>
+          </p:cNvPicPr>
+          <p:nvPr>
+            <p:ph type="pic" idx="1"/>
+          </p:nvPr>
+        </p:nvPicPr>
+        <p:blipFill>
+          <a:blip r:embed="rId2">
+            <a:extLst>
+              <a:ext uri="{28A0092B-C50C-407E-A947-70E740481C1C}">
+                <a14:useLocalDpi xmlns:a14="http://schemas.microsoft.com/office/drawing/2010/main" val="0"/>
+              </a:ext>
+            </a:extLst>
+          </a:blip>
+          <a:stretch>
+            <a:fillRect/>
+          </a:stretch>
+        </p:blipFill>
+        <p:spPr>
+          <a:xfrm>
+            <a:off x="6070040" y="1823937"/>
+            <a:ext cx="5651790" cy="3233476"/>
+          </a:xfrm>
+        </p:spPr>
+      </p:pic>
+      <p:sp>
+        <p:nvSpPr>
+          <p:cNvPr id="4" name="Text Placeholder 3"/>
+          <p:cNvSpPr>
+            <a:spLocks noGrp="1"/>
+          </p:cNvSpPr>
+          <p:nvPr>
+            <p:ph type="body" sz="half" idx="2"/>
+          </p:nvPr>
+        </p:nvSpPr>
+        <p:spPr>
+          <a:xfrm>
+            <a:off x="1198231" y="2946400"/>
+            <a:ext cx="3859212" cy="2701636"/>
+          </a:xfrm>
+        </p:spPr>
+        <p:txBody>
+          <a:bodyPr>
+            <a:normAutofit/>
+          </a:bodyPr>
+          <a:lstStyle/>
+          <a:p>
+            <a:r>
+              <a:rPr lang="en-US" sz="1800" dirty="0" smtClean="0">
+                <a:solidFill>
+                  <a:schemeClr val="bg1"/>
+                </a:solidFill>
+                <a:latin typeface="Arial" panose="020B0604020202020204" pitchFamily="34" charset="0"/>
+                <a:cs typeface="Arial" panose="020B0604020202020204" pitchFamily="34" charset="0"/>
+              </a:rPr>
+              <a:t>ORM stands from Object Relational Mapper and is a library that automates the transfer of data between database tables into objects and vice versa.</a:t>
+            </a:r>
+            <a:endParaRPr lang="en-US" sz="1800" dirty="0">
+              <a:solidFill>
+                <a:schemeClr val="bg1"/>
+              </a:solidFill>
+              <a:latin typeface="Arial" panose="020B0604020202020204" pitchFamily="34" charset="0"/>
+              <a:cs typeface="Arial" panose="020B0604020202020204" pitchFamily="34" charset="0"/>
+            </a:endParaRPr>
+          </a:p>
+        </p:txBody>
+      </p:sp>
+    </p:spTree>
+    <p:extLst>
+      <p:ext uri="{BB962C8B-B14F-4D97-AF65-F5344CB8AC3E}">
+        <p14:creationId xmlns:p14="http://schemas.microsoft.com/office/powerpoint/2010/main" val="3976096915"/>
+      </p:ext>
+    </p:extLst>
+  </p:cSld>
+  <p:clrMapOvr>
+    <a:masterClrMapping/>
+  </p:clrMapOvr>
+  <p:timing>
+    <p:tnLst>
+      <p:par>
+        <p:cTn id="1" dur="indefinite" restart="never" nodeType="tmRoot"/>
+      </p:par>
+    </p:tnLst>
+  </p:timing>
+</p:sld>
+</file>
+
+<file path=ppt/slides/slide11.xml><?xml version="1.0" encoding="utf-8"?>
+<p:sld xmlns:a="http://schemas.openxmlformats.org/drawingml/2006/main" xmlns:r="http://schemas.openxmlformats.org/officeDocument/2006/relationships" xmlns:p="http://schemas.openxmlformats.org/presentationml/2006/main">
+  <p:cSld>
+    <p:spTree>
+      <p:nvGrpSpPr>
+        <p:cNvPr id="1" name=""/>
+        <p:cNvGrpSpPr/>
+        <p:nvPr/>
+      </p:nvGrpSpPr>
+      <p:grpSpPr>
+        <a:xfrm>
+          <a:off x="0" y="0"/>
+          <a:ext cx="0" cy="0"/>
+          <a:chOff x="0" y="0"/>
+          <a:chExt cx="0" cy="0"/>
+        </a:xfrm>
+      </p:grpSpPr>
+      <p:sp>
+        <p:nvSpPr>
+          <p:cNvPr id="2" name="Title 1"/>
+          <p:cNvSpPr>
+            <a:spLocks noGrp="1"/>
+          </p:cNvSpPr>
+          <p:nvPr>
+            <p:ph type="title"/>
+          </p:nvPr>
+        </p:nvSpPr>
         <p:spPr/>
         <p:txBody>
           <a:bodyPr/>
@@ -13826,7 +13972,7 @@
 </p:sld>
 </file>
 
-<file path=ppt/slides/slide11.xml><?xml version="1.0" encoding="utf-8"?>
+<file path=ppt/slides/slide12.xml><?xml version="1.0" encoding="utf-8"?>
 <p:sld xmlns:a="http://schemas.openxmlformats.org/drawingml/2006/main" xmlns:r="http://schemas.openxmlformats.org/officeDocument/2006/relationships" xmlns:p="http://schemas.openxmlformats.org/presentationml/2006/main">
   <p:cSld>
     <p:spTree>
@@ -13977,7 +14123,7 @@
 </p:sld>
 </file>
 
-<file path=ppt/slides/slide12.xml><?xml version="1.0" encoding="utf-8"?>
+<file path=ppt/slides/slide13.xml><?xml version="1.0" encoding="utf-8"?>
 <p:sld xmlns:a="http://schemas.openxmlformats.org/drawingml/2006/main" xmlns:r="http://schemas.openxmlformats.org/officeDocument/2006/relationships" xmlns:p="http://schemas.openxmlformats.org/presentationml/2006/main">
   <p:cSld>
     <p:spTree>
@@ -14179,7 +14325,7 @@
 </p:sld>
 </file>
 
-<file path=ppt/slides/slide13.xml><?xml version="1.0" encoding="utf-8"?>
+<file path=ppt/slides/slide14.xml><?xml version="1.0" encoding="utf-8"?>
 <p:sld xmlns:a="http://schemas.openxmlformats.org/drawingml/2006/main" xmlns:r="http://schemas.openxmlformats.org/officeDocument/2006/relationships" xmlns:p="http://schemas.openxmlformats.org/presentationml/2006/main">
   <p:cSld>
     <p:spTree>
@@ -14366,7 +14512,7 @@
 </p:sld>
 </file>
 
-<file path=ppt/slides/slide14.xml><?xml version="1.0" encoding="utf-8"?>
+<file path=ppt/slides/slide15.xml><?xml version="1.0" encoding="utf-8"?>
 <p:sld xmlns:a="http://schemas.openxmlformats.org/drawingml/2006/main" xmlns:r="http://schemas.openxmlformats.org/officeDocument/2006/relationships" xmlns:p="http://schemas.openxmlformats.org/presentationml/2006/main">
   <p:cSld>
     <p:spTree>
@@ -14614,7 +14760,7 @@
 </p:sld>
 </file>
 
-<file path=ppt/slides/slide15.xml><?xml version="1.0" encoding="utf-8"?>
+<file path=ppt/slides/slide16.xml><?xml version="1.0" encoding="utf-8"?>
 <p:sld xmlns:a="http://schemas.openxmlformats.org/drawingml/2006/main" xmlns:r="http://schemas.openxmlformats.org/officeDocument/2006/relationships" xmlns:p="http://schemas.openxmlformats.org/presentationml/2006/main">
   <p:cSld>
     <p:spTree>
@@ -14794,7 +14940,7 @@
 </p:sld>
 </file>
 
-<file path=ppt/slides/slide16.xml><?xml version="1.0" encoding="utf-8"?>
+<file path=ppt/slides/slide17.xml><?xml version="1.0" encoding="utf-8"?>
 <p:sld xmlns:a="http://schemas.openxmlformats.org/drawingml/2006/main" xmlns:r="http://schemas.openxmlformats.org/officeDocument/2006/relationships" xmlns:p="http://schemas.openxmlformats.org/presentationml/2006/main">
   <p:cSld>
     <p:spTree>
@@ -14882,7 +15028,7 @@
 </p:sld>
 </file>
 
-<file path=ppt/slides/slide17.xml><?xml version="1.0" encoding="utf-8"?>
+<file path=ppt/slides/slide18.xml><?xml version="1.0" encoding="utf-8"?>
 <p:sld xmlns:a="http://schemas.openxmlformats.org/drawingml/2006/main" xmlns:r="http://schemas.openxmlformats.org/officeDocument/2006/relationships" xmlns:p="http://schemas.openxmlformats.org/presentationml/2006/main">
   <p:cSld>
     <p:spTree>
@@ -15042,7 +15188,7 @@
 </p:sld>
 </file>
 
-<file path=ppt/slides/slide18.xml><?xml version="1.0" encoding="utf-8"?>
+<file path=ppt/slides/slide19.xml><?xml version="1.0" encoding="utf-8"?>
 <p:sld xmlns:a="http://schemas.openxmlformats.org/drawingml/2006/main" xmlns:r="http://schemas.openxmlformats.org/officeDocument/2006/relationships" xmlns:p="http://schemas.openxmlformats.org/presentationml/2006/main">
   <p:cSld>
     <p:spTree>
@@ -15140,11 +15286,324 @@
           <a:lstStyle/>
           <a:p>
             <a:r>
+              <a:rPr lang="en-US" dirty="0" smtClean="0"/>
+              <a:t>Table of Contents</a:t>
+            </a:r>
+            <a:endParaRPr lang="en-US" dirty="0"/>
+          </a:p>
+        </p:txBody>
+      </p:sp>
+      <p:sp>
+        <p:nvSpPr>
+          <p:cNvPr id="7" name="Content Placeholder 3"/>
+          <p:cNvSpPr>
+            <a:spLocks noGrp="1"/>
+          </p:cNvSpPr>
+          <p:nvPr>
+            <p:ph sz="half" idx="2"/>
+          </p:nvPr>
+        </p:nvSpPr>
+        <p:spPr>
+          <a:xfrm>
+            <a:off x="710502" y="2438400"/>
+            <a:ext cx="4535753" cy="4054763"/>
+          </a:xfrm>
+        </p:spPr>
+        <p:txBody>
+          <a:bodyPr>
+            <a:normAutofit fontScale="92500" lnSpcReduction="10000"/>
+          </a:bodyPr>
+          <a:lstStyle/>
+          <a:p>
+            <a:r>
+              <a:rPr lang="en-US" sz="1600" dirty="0" smtClean="0">
+                <a:latin typeface="Arial" panose="020B0604020202020204" pitchFamily="34" charset="0"/>
+                <a:cs typeface="Arial" panose="020B0604020202020204" pitchFamily="34" charset="0"/>
+              </a:rPr>
+              <a:t>The Rise of Internet and Storage systems</a:t>
+            </a:r>
+          </a:p>
+          <a:p>
+            <a:r>
+              <a:rPr lang="en-US" sz="1600" dirty="0" smtClean="0">
+                <a:latin typeface="Arial" panose="020B0604020202020204" pitchFamily="34" charset="0"/>
+                <a:cs typeface="Arial" panose="020B0604020202020204" pitchFamily="34" charset="0"/>
+              </a:rPr>
+              <a:t>SQL vs NoSQL databases</a:t>
+            </a:r>
+          </a:p>
+          <a:p>
+            <a:r>
+              <a:rPr lang="en-US" sz="1600" dirty="0" smtClean="0">
+                <a:latin typeface="Arial" panose="020B0604020202020204" pitchFamily="34" charset="0"/>
+                <a:cs typeface="Arial" panose="020B0604020202020204" pitchFamily="34" charset="0"/>
+              </a:rPr>
+              <a:t>MS SQL (overview)</a:t>
+            </a:r>
+          </a:p>
+          <a:p>
+            <a:r>
+              <a:rPr lang="en-US" sz="1600" dirty="0">
+                <a:latin typeface="Arial" panose="020B0604020202020204" pitchFamily="34" charset="0"/>
+                <a:cs typeface="Arial" panose="020B0604020202020204" pitchFamily="34" charset="0"/>
+              </a:rPr>
+              <a:t>ADO.NET (overview</a:t>
+            </a:r>
+            <a:r>
+              <a:rPr lang="en-US" sz="1600" dirty="0" smtClean="0">
+                <a:latin typeface="Arial" panose="020B0604020202020204" pitchFamily="34" charset="0"/>
+                <a:cs typeface="Arial" panose="020B0604020202020204" pitchFamily="34" charset="0"/>
+              </a:rPr>
+              <a:t>)</a:t>
+            </a:r>
+            <a:endParaRPr lang="en-US" sz="1600" dirty="0" smtClean="0">
+              <a:latin typeface="Arial" panose="020B0604020202020204" pitchFamily="34" charset="0"/>
+              <a:cs typeface="Arial" panose="020B0604020202020204" pitchFamily="34" charset="0"/>
+            </a:endParaRPr>
+          </a:p>
+          <a:p>
+            <a:r>
+              <a:rPr lang="en-US" sz="1600" dirty="0" smtClean="0">
+                <a:latin typeface="Arial" panose="020B0604020202020204" pitchFamily="34" charset="0"/>
+                <a:cs typeface="Arial" panose="020B0604020202020204" pitchFamily="34" charset="0"/>
+              </a:rPr>
+              <a:t>What </a:t>
+            </a:r>
+            <a:r>
+              <a:rPr lang="en-US" sz="1600" dirty="0">
+                <a:latin typeface="Arial" panose="020B0604020202020204" pitchFamily="34" charset="0"/>
+                <a:cs typeface="Arial" panose="020B0604020202020204" pitchFamily="34" charset="0"/>
+              </a:rPr>
+              <a:t>is ORM and how it works</a:t>
+            </a:r>
+            <a:r>
+              <a:rPr lang="en-US" sz="1600" dirty="0" smtClean="0">
+                <a:latin typeface="Arial" panose="020B0604020202020204" pitchFamily="34" charset="0"/>
+                <a:cs typeface="Arial" panose="020B0604020202020204" pitchFamily="34" charset="0"/>
+              </a:rPr>
+              <a:t>?</a:t>
+            </a:r>
+          </a:p>
+          <a:p>
+            <a:r>
+              <a:rPr lang="en-US" sz="1600" dirty="0">
+                <a:latin typeface="Arial" panose="020B0604020202020204" pitchFamily="34" charset="0"/>
+                <a:cs typeface="Arial" panose="020B0604020202020204" pitchFamily="34" charset="0"/>
+              </a:rPr>
+              <a:t>The benefits from ORM systems?</a:t>
+            </a:r>
+          </a:p>
+          <a:p>
+            <a:r>
+              <a:rPr lang="en-US" sz="1600" dirty="0">
+                <a:latin typeface="Arial" panose="020B0604020202020204" pitchFamily="34" charset="0"/>
+                <a:cs typeface="Arial" panose="020B0604020202020204" pitchFamily="34" charset="0"/>
+              </a:rPr>
+              <a:t>Entity Framework </a:t>
+            </a:r>
+            <a:r>
+              <a:rPr lang="en-US" sz="1600" dirty="0" smtClean="0">
+                <a:latin typeface="Arial" panose="020B0604020202020204" pitchFamily="34" charset="0"/>
+                <a:cs typeface="Arial" panose="020B0604020202020204" pitchFamily="34" charset="0"/>
+              </a:rPr>
+              <a:t>Core</a:t>
+            </a:r>
+          </a:p>
+          <a:p>
+            <a:r>
+              <a:rPr lang="en-US" sz="1600" dirty="0">
+                <a:latin typeface="Arial" panose="020B0604020202020204" pitchFamily="34" charset="0"/>
+                <a:cs typeface="Arial" panose="020B0604020202020204" pitchFamily="34" charset="0"/>
+              </a:rPr>
+              <a:t>The Model (code first approach</a:t>
+            </a:r>
+            <a:r>
+              <a:rPr lang="en-US" sz="1600" dirty="0" smtClean="0">
+                <a:latin typeface="Arial" panose="020B0604020202020204" pitchFamily="34" charset="0"/>
+                <a:cs typeface="Arial" panose="020B0604020202020204" pitchFamily="34" charset="0"/>
+              </a:rPr>
+              <a:t>)</a:t>
+            </a:r>
+          </a:p>
+          <a:p>
+            <a:r>
+              <a:rPr lang="en-US" sz="1600" dirty="0">
+                <a:latin typeface="Arial" panose="020B0604020202020204" pitchFamily="34" charset="0"/>
+                <a:cs typeface="Arial" panose="020B0604020202020204" pitchFamily="34" charset="0"/>
+              </a:rPr>
+              <a:t>The Model (database first approach</a:t>
+            </a:r>
+            <a:r>
+              <a:rPr lang="en-US" sz="1600" dirty="0" smtClean="0">
+                <a:latin typeface="Arial" panose="020B0604020202020204" pitchFamily="34" charset="0"/>
+                <a:cs typeface="Arial" panose="020B0604020202020204" pitchFamily="34" charset="0"/>
+              </a:rPr>
+              <a:t>)</a:t>
+            </a:r>
+          </a:p>
+          <a:p>
+            <a:r>
+              <a:rPr lang="en-US" sz="1600" dirty="0">
+                <a:latin typeface="Arial" panose="020B0604020202020204" pitchFamily="34" charset="0"/>
+                <a:cs typeface="Arial" panose="020B0604020202020204" pitchFamily="34" charset="0"/>
+              </a:rPr>
+              <a:t>What is LINQ and how we use it in EF </a:t>
+            </a:r>
+            <a:r>
+              <a:rPr lang="en-US" sz="1600" dirty="0" smtClean="0">
+                <a:latin typeface="Arial" panose="020B0604020202020204" pitchFamily="34" charset="0"/>
+                <a:cs typeface="Arial" panose="020B0604020202020204" pitchFamily="34" charset="0"/>
+              </a:rPr>
+              <a:t>Core?</a:t>
+            </a:r>
+          </a:p>
+          <a:p>
+            <a:r>
+              <a:rPr lang="en-US" sz="1600" dirty="0">
+                <a:latin typeface="Arial" panose="020B0604020202020204" pitchFamily="34" charset="0"/>
+                <a:cs typeface="Arial" panose="020B0604020202020204" pitchFamily="34" charset="0"/>
+              </a:rPr>
+              <a:t>Entity </a:t>
+            </a:r>
+            <a:r>
+              <a:rPr lang="en-US" sz="1600" dirty="0" smtClean="0">
+                <a:latin typeface="Arial" panose="020B0604020202020204" pitchFamily="34" charset="0"/>
+                <a:cs typeface="Arial" panose="020B0604020202020204" pitchFamily="34" charset="0"/>
+              </a:rPr>
+              <a:t>Relations</a:t>
+            </a:r>
+          </a:p>
+          <a:p>
+            <a:r>
+              <a:rPr lang="en-US" sz="1600" dirty="0">
+                <a:latin typeface="Arial" panose="020B0604020202020204" pitchFamily="34" charset="0"/>
+                <a:cs typeface="Arial" panose="020B0604020202020204" pitchFamily="34" charset="0"/>
+              </a:rPr>
+              <a:t>How to include EF Core in our C# </a:t>
+            </a:r>
+            <a:r>
+              <a:rPr lang="en-US" sz="1600" dirty="0" smtClean="0">
+                <a:latin typeface="Arial" panose="020B0604020202020204" pitchFamily="34" charset="0"/>
+                <a:cs typeface="Arial" panose="020B0604020202020204" pitchFamily="34" charset="0"/>
+              </a:rPr>
+              <a:t>project?</a:t>
+            </a:r>
+            <a:endParaRPr lang="en-US" sz="1600" dirty="0">
+              <a:latin typeface="Arial" panose="020B0604020202020204" pitchFamily="34" charset="0"/>
+              <a:cs typeface="Arial" panose="020B0604020202020204" pitchFamily="34" charset="0"/>
+            </a:endParaRPr>
+          </a:p>
+          <a:p>
+            <a:pPr marL="0" indent="0">
+              <a:buNone/>
+            </a:pPr>
+            <a:endParaRPr lang="en-US" sz="1600" dirty="0">
+              <a:latin typeface="Arial" panose="020B0604020202020204" pitchFamily="34" charset="0"/>
+              <a:cs typeface="Arial" panose="020B0604020202020204" pitchFamily="34" charset="0"/>
+            </a:endParaRPr>
+          </a:p>
+          <a:p>
+            <a:endParaRPr lang="en-US" sz="1600" dirty="0">
+              <a:latin typeface="Arial" panose="020B0604020202020204" pitchFamily="34" charset="0"/>
+              <a:cs typeface="Arial" panose="020B0604020202020204" pitchFamily="34" charset="0"/>
+            </a:endParaRPr>
+          </a:p>
+          <a:p>
+            <a:endParaRPr lang="en-US" sz="1600" dirty="0">
+              <a:latin typeface="Arial" panose="020B0604020202020204" pitchFamily="34" charset="0"/>
+              <a:cs typeface="Arial" panose="020B0604020202020204" pitchFamily="34" charset="0"/>
+            </a:endParaRPr>
+          </a:p>
+          <a:p>
+            <a:endParaRPr lang="en-US" dirty="0">
+              <a:latin typeface="Arial" panose="020B0604020202020204" pitchFamily="34" charset="0"/>
+              <a:cs typeface="Arial" panose="020B0604020202020204" pitchFamily="34" charset="0"/>
+            </a:endParaRPr>
+          </a:p>
+          <a:p>
+            <a:endParaRPr lang="en-US" dirty="0">
+              <a:latin typeface="Arial" panose="020B0604020202020204" pitchFamily="34" charset="0"/>
+              <a:cs typeface="Arial" panose="020B0604020202020204" pitchFamily="34" charset="0"/>
+            </a:endParaRPr>
+          </a:p>
+          <a:p>
+            <a:endParaRPr lang="en-US" dirty="0" smtClean="0">
+              <a:latin typeface="Arial" panose="020B0604020202020204" pitchFamily="34" charset="0"/>
+              <a:cs typeface="Arial" panose="020B0604020202020204" pitchFamily="34" charset="0"/>
+            </a:endParaRPr>
+          </a:p>
+          <a:p>
+            <a:endParaRPr lang="en-US" dirty="0" smtClean="0">
+              <a:latin typeface="Arial" panose="020B0604020202020204" pitchFamily="34" charset="0"/>
+              <a:cs typeface="Arial" panose="020B0604020202020204" pitchFamily="34" charset="0"/>
+            </a:endParaRPr>
+          </a:p>
+          <a:p>
+            <a:endParaRPr lang="en-US" dirty="0" smtClean="0"/>
+          </a:p>
+          <a:p>
+            <a:endParaRPr lang="en-US" dirty="0"/>
+          </a:p>
+        </p:txBody>
+      </p:sp>
+    </p:spTree>
+    <p:extLst>
+      <p:ext uri="{BB962C8B-B14F-4D97-AF65-F5344CB8AC3E}">
+        <p14:creationId xmlns:p14="http://schemas.microsoft.com/office/powerpoint/2010/main" val="4154506407"/>
+      </p:ext>
+    </p:extLst>
+  </p:cSld>
+  <p:clrMapOvr>
+    <a:masterClrMapping/>
+  </p:clrMapOvr>
+</p:sld>
+</file>
+
+<file path=ppt/slides/slide3.xml><?xml version="1.0" encoding="utf-8"?>
+<p:sld xmlns:a="http://schemas.openxmlformats.org/drawingml/2006/main" xmlns:r="http://schemas.openxmlformats.org/officeDocument/2006/relationships" xmlns:p="http://schemas.openxmlformats.org/presentationml/2006/main">
+  <p:cSld>
+    <p:spTree>
+      <p:nvGrpSpPr>
+        <p:cNvPr id="1" name=""/>
+        <p:cNvGrpSpPr/>
+        <p:nvPr/>
+      </p:nvGrpSpPr>
+      <p:grpSpPr>
+        <a:xfrm>
+          <a:off x="0" y="0"/>
+          <a:ext cx="0" cy="0"/>
+          <a:chOff x="0" y="0"/>
+          <a:chExt cx="0" cy="0"/>
+        </a:xfrm>
+      </p:grpSpPr>
+      <p:sp>
+        <p:nvSpPr>
+          <p:cNvPr id="2" name="Title 1"/>
+          <p:cNvSpPr>
+            <a:spLocks noGrp="1"/>
+          </p:cNvSpPr>
+          <p:nvPr>
+            <p:ph type="title"/>
+          </p:nvPr>
+        </p:nvSpPr>
+        <p:spPr/>
+        <p:txBody>
+          <a:bodyPr/>
+          <a:lstStyle/>
+          <a:p>
+            <a:r>
               <a:rPr lang="en-US" sz="3200" dirty="0" smtClean="0">
                 <a:latin typeface="Arial" panose="020B0604020202020204" pitchFamily="34" charset="0"/>
                 <a:cs typeface="Arial" panose="020B0604020202020204" pitchFamily="34" charset="0"/>
               </a:rPr>
-              <a:t>The rise of Internet and storage systems! </a:t>
+              <a:t>The rise of Internet and storage </a:t>
+            </a:r>
+            <a:r>
+              <a:rPr lang="en-US" sz="3200" dirty="0" smtClean="0">
+                <a:latin typeface="Arial" panose="020B0604020202020204" pitchFamily="34" charset="0"/>
+                <a:cs typeface="Arial" panose="020B0604020202020204" pitchFamily="34" charset="0"/>
+              </a:rPr>
+              <a:t>systems</a:t>
             </a:r>
             <a:endParaRPr lang="en-US" sz="3200" dirty="0">
               <a:latin typeface="Arial" panose="020B0604020202020204" pitchFamily="34" charset="0"/>
@@ -15202,7 +15661,7 @@
 </p:sld>
 </file>
 
-<file path=ppt/slides/slide3.xml><?xml version="1.0" encoding="utf-8"?>
+<file path=ppt/slides/slide4.xml><?xml version="1.0" encoding="utf-8"?>
 <p:sld xmlns:a="http://schemas.openxmlformats.org/drawingml/2006/main" xmlns:r="http://schemas.openxmlformats.org/officeDocument/2006/relationships" xmlns:p="http://schemas.openxmlformats.org/presentationml/2006/main">
   <p:cSld>
     <p:spTree>
@@ -15344,7 +15803,7 @@
 </p:sld>
 </file>
 
-<file path=ppt/slides/slide4.xml><?xml version="1.0" encoding="utf-8"?>
+<file path=ppt/slides/slide5.xml><?xml version="1.0" encoding="utf-8"?>
 <p:sld xmlns:a="http://schemas.openxmlformats.org/drawingml/2006/main" xmlns:r="http://schemas.openxmlformats.org/officeDocument/2006/relationships" xmlns:p="http://schemas.openxmlformats.org/presentationml/2006/main">
   <p:cSld>
     <p:spTree>
@@ -15625,7 +16084,7 @@
 </p:sld>
 </file>
 
-<file path=ppt/slides/slide5.xml><?xml version="1.0" encoding="utf-8"?>
+<file path=ppt/slides/slide6.xml><?xml version="1.0" encoding="utf-8"?>
 <p:sld xmlns:a="http://schemas.openxmlformats.org/drawingml/2006/main" xmlns:r="http://schemas.openxmlformats.org/officeDocument/2006/relationships" xmlns:p="http://schemas.openxmlformats.org/presentationml/2006/main">
   <p:cSld>
     <p:spTree>
@@ -15814,7 +16273,7 @@
 </p:sld>
 </file>
 
-<file path=ppt/slides/slide6.xml><?xml version="1.0" encoding="utf-8"?>
+<file path=ppt/slides/slide7.xml><?xml version="1.0" encoding="utf-8"?>
 <p:sld xmlns:a="http://schemas.openxmlformats.org/drawingml/2006/main" xmlns:r="http://schemas.openxmlformats.org/officeDocument/2006/relationships" xmlns:p="http://schemas.openxmlformats.org/presentationml/2006/main">
   <p:cSld>
     <p:spTree>
@@ -15949,7 +16408,7 @@
 </p:sld>
 </file>
 
-<file path=ppt/slides/slide7.xml><?xml version="1.0" encoding="utf-8"?>
+<file path=ppt/slides/slide8.xml><?xml version="1.0" encoding="utf-8"?>
 <p:sld xmlns:a="http://schemas.openxmlformats.org/drawingml/2006/main" xmlns:r="http://schemas.openxmlformats.org/officeDocument/2006/relationships" xmlns:p="http://schemas.openxmlformats.org/presentationml/2006/main">
   <p:cSld>
     <p:spTree>
@@ -16045,7 +16504,7 @@
 </p:sld>
 </file>
 
-<file path=ppt/slides/slide8.xml><?xml version="1.0" encoding="utf-8"?>
+<file path=ppt/slides/slide9.xml><?xml version="1.0" encoding="utf-8"?>
 <p:sld xmlns:a="http://schemas.openxmlformats.org/drawingml/2006/main" xmlns:r="http://schemas.openxmlformats.org/officeDocument/2006/relationships" xmlns:p="http://schemas.openxmlformats.org/presentationml/2006/main">
   <p:cSld>
     <p:spTree>
@@ -16214,150 +16673,6 @@
     <p:extLst>
       <p:ext uri="{BB962C8B-B14F-4D97-AF65-F5344CB8AC3E}">
         <p14:creationId xmlns:p14="http://schemas.microsoft.com/office/powerpoint/2010/main" val="9675751"/>
-      </p:ext>
-    </p:extLst>
-  </p:cSld>
-  <p:clrMapOvr>
-    <a:masterClrMapping/>
-  </p:clrMapOvr>
-  <p:timing>
-    <p:tnLst>
-      <p:par>
-        <p:cTn id="1" dur="indefinite" restart="never" nodeType="tmRoot"/>
-      </p:par>
-    </p:tnLst>
-  </p:timing>
-</p:sld>
-</file>
-
-<file path=ppt/slides/slide9.xml><?xml version="1.0" encoding="utf-8"?>
-<p:sld xmlns:a="http://schemas.openxmlformats.org/drawingml/2006/main" xmlns:r="http://schemas.openxmlformats.org/officeDocument/2006/relationships" xmlns:p="http://schemas.openxmlformats.org/presentationml/2006/main">
-  <p:cSld>
-    <p:spTree>
-      <p:nvGrpSpPr>
-        <p:cNvPr id="1" name=""/>
-        <p:cNvGrpSpPr/>
-        <p:nvPr/>
-      </p:nvGrpSpPr>
-      <p:grpSpPr>
-        <a:xfrm>
-          <a:off x="0" y="0"/>
-          <a:ext cx="0" cy="0"/>
-          <a:chOff x="0" y="0"/>
-          <a:chExt cx="0" cy="0"/>
-        </a:xfrm>
-      </p:grpSpPr>
-      <p:sp>
-        <p:nvSpPr>
-          <p:cNvPr id="2" name="Title 1"/>
-          <p:cNvSpPr>
-            <a:spLocks noGrp="1"/>
-          </p:cNvSpPr>
-          <p:nvPr>
-            <p:ph type="title"/>
-          </p:nvPr>
-        </p:nvSpPr>
-        <p:spPr>
-          <a:xfrm>
-            <a:off x="1198231" y="1708728"/>
-            <a:ext cx="3865134" cy="1156855"/>
-          </a:xfrm>
-        </p:spPr>
-        <p:txBody>
-          <a:bodyPr>
-            <a:normAutofit fontScale="90000"/>
-          </a:bodyPr>
-          <a:lstStyle/>
-          <a:p>
-            <a:r>
-              <a:rPr lang="en-US" dirty="0" smtClean="0">
-                <a:latin typeface="Arial" panose="020B0604020202020204" pitchFamily="34" charset="0"/>
-                <a:cs typeface="Arial" panose="020B0604020202020204" pitchFamily="34" charset="0"/>
-              </a:rPr>
-              <a:t>What is ORM and how it works?</a:t>
-            </a:r>
-            <a:endParaRPr lang="en-US" dirty="0">
-              <a:latin typeface="Arial" panose="020B0604020202020204" pitchFamily="34" charset="0"/>
-              <a:cs typeface="Arial" panose="020B0604020202020204" pitchFamily="34" charset="0"/>
-            </a:endParaRPr>
-          </a:p>
-        </p:txBody>
-      </p:sp>
-      <p:pic>
-        <p:nvPicPr>
-          <p:cNvPr id="5" name="Picture Placeholder 4"/>
-          <p:cNvPicPr>
-            <a:picLocks noGrp="1" noChangeAspect="1"/>
-          </p:cNvPicPr>
-          <p:nvPr>
-            <p:ph type="pic" idx="1"/>
-          </p:nvPr>
-        </p:nvPicPr>
-        <p:blipFill>
-          <a:blip r:embed="rId2">
-            <a:extLst>
-              <a:ext uri="{28A0092B-C50C-407E-A947-70E740481C1C}">
-                <a14:useLocalDpi xmlns:a14="http://schemas.microsoft.com/office/drawing/2010/main" val="0"/>
-              </a:ext>
-            </a:extLst>
-          </a:blip>
-          <a:stretch>
-            <a:fillRect/>
-          </a:stretch>
-        </p:blipFill>
-        <p:spPr>
-          <a:xfrm>
-            <a:off x="6070040" y="1823937"/>
-            <a:ext cx="5651790" cy="3233476"/>
-          </a:xfrm>
-        </p:spPr>
-      </p:pic>
-      <p:sp>
-        <p:nvSpPr>
-          <p:cNvPr id="4" name="Text Placeholder 3"/>
-          <p:cNvSpPr>
-            <a:spLocks noGrp="1"/>
-          </p:cNvSpPr>
-          <p:nvPr>
-            <p:ph type="body" sz="half" idx="2"/>
-          </p:nvPr>
-        </p:nvSpPr>
-        <p:spPr>
-          <a:xfrm>
-            <a:off x="1198231" y="2946400"/>
-            <a:ext cx="3859212" cy="2701636"/>
-          </a:xfrm>
-        </p:spPr>
-        <p:txBody>
-          <a:bodyPr>
-            <a:normAutofit/>
-          </a:bodyPr>
-          <a:lstStyle/>
-          <a:p>
-            <a:r>
-              <a:rPr lang="en-US" sz="1800" dirty="0" smtClean="0">
-                <a:solidFill>
-                  <a:schemeClr val="bg1"/>
-                </a:solidFill>
-                <a:latin typeface="Arial" panose="020B0604020202020204" pitchFamily="34" charset="0"/>
-                <a:cs typeface="Arial" panose="020B0604020202020204" pitchFamily="34" charset="0"/>
-              </a:rPr>
-              <a:t>ORM stands from Object Relational Mapper and is a library that automates the transfer of data between database tables into objects and vice versa.</a:t>
-            </a:r>
-            <a:endParaRPr lang="en-US" sz="1800" dirty="0">
-              <a:solidFill>
-                <a:schemeClr val="bg1"/>
-              </a:solidFill>
-              <a:latin typeface="Arial" panose="020B0604020202020204" pitchFamily="34" charset="0"/>
-              <a:cs typeface="Arial" panose="020B0604020202020204" pitchFamily="34" charset="0"/>
-            </a:endParaRPr>
-          </a:p>
-        </p:txBody>
-      </p:sp>
-    </p:spTree>
-    <p:extLst>
-      <p:ext uri="{BB962C8B-B14F-4D97-AF65-F5344CB8AC3E}">
-        <p14:creationId xmlns:p14="http://schemas.microsoft.com/office/powerpoint/2010/main" val="3976096915"/>
       </p:ext>
     </p:extLst>
   </p:cSld>

--- a/Databases_and_EntityFrameworkCore.pptx
+++ b/Databases_and_EntityFrameworkCore.pptx
@@ -17,13 +17,17 @@
     <p:sldId id="263" r:id="rId11"/>
     <p:sldId id="264" r:id="rId12"/>
     <p:sldId id="265" r:id="rId13"/>
-    <p:sldId id="266" r:id="rId14"/>
+    <p:sldId id="277" r:id="rId14"/>
     <p:sldId id="267" r:id="rId15"/>
-    <p:sldId id="268" r:id="rId16"/>
-    <p:sldId id="269" r:id="rId17"/>
-    <p:sldId id="272" r:id="rId18"/>
-    <p:sldId id="270" r:id="rId19"/>
-    <p:sldId id="271" r:id="rId20"/>
+    <p:sldId id="266" r:id="rId16"/>
+    <p:sldId id="268" r:id="rId17"/>
+    <p:sldId id="269" r:id="rId18"/>
+    <p:sldId id="272" r:id="rId19"/>
+    <p:sldId id="278" r:id="rId20"/>
+    <p:sldId id="276" r:id="rId21"/>
+    <p:sldId id="270" r:id="rId22"/>
+    <p:sldId id="279" r:id="rId23"/>
+    <p:sldId id="271" r:id="rId24"/>
   </p:sldIdLst>
   <p:sldSz cx="12192000" cy="6858000"/>
   <p:notesSz cx="6858000" cy="9144000"/>
@@ -139,12 +143,16 @@
             <p14:sldId id="263"/>
             <p14:sldId id="264"/>
             <p14:sldId id="265"/>
+            <p14:sldId id="277"/>
+            <p14:sldId id="267"/>
             <p14:sldId id="266"/>
-            <p14:sldId id="267"/>
             <p14:sldId id="268"/>
             <p14:sldId id="269"/>
             <p14:sldId id="272"/>
+            <p14:sldId id="278"/>
+            <p14:sldId id="276"/>
             <p14:sldId id="270"/>
+            <p14:sldId id="279"/>
             <p14:sldId id="271"/>
           </p14:sldIdLst>
         </p14:section>
@@ -518,7 +526,7 @@
           <a:p>
             <a:fld id="{87DD66F1-7FC0-403D-82FE-3DDCE4AD2CCB}" type="datetimeFigureOut">
               <a:rPr lang="en-US" smtClean="0"/>
-              <a:t>9/13/2021</a:t>
+              <a:t>10/2/2021</a:t>
             </a:fld>
             <a:endParaRPr lang="en-US" dirty="0"/>
           </a:p>
@@ -1606,7 +1614,7 @@
           <a:p>
             <a:fld id="{87DD66F1-7FC0-403D-82FE-3DDCE4AD2CCB}" type="datetimeFigureOut">
               <a:rPr lang="en-US" smtClean="0"/>
-              <a:t>9/13/2021</a:t>
+              <a:t>10/2/2021</a:t>
             </a:fld>
             <a:endParaRPr lang="en-US" dirty="0"/>
           </a:p>
@@ -2586,7 +2594,7 @@
           <a:p>
             <a:fld id="{87DD66F1-7FC0-403D-82FE-3DDCE4AD2CCB}" type="datetimeFigureOut">
               <a:rPr lang="en-US" smtClean="0"/>
-              <a:t>9/13/2021</a:t>
+              <a:t>10/2/2021</a:t>
             </a:fld>
             <a:endParaRPr lang="en-US" dirty="0"/>
           </a:p>
@@ -3720,7 +3728,7 @@
           <a:p>
             <a:fld id="{87DD66F1-7FC0-403D-82FE-3DDCE4AD2CCB}" type="datetimeFigureOut">
               <a:rPr lang="en-US" smtClean="0"/>
-              <a:t>9/13/2021</a:t>
+              <a:t>10/2/2021</a:t>
             </a:fld>
             <a:endParaRPr lang="en-US" dirty="0"/>
           </a:p>
@@ -4753,7 +4761,7 @@
           <a:p>
             <a:fld id="{87DD66F1-7FC0-403D-82FE-3DDCE4AD2CCB}" type="datetimeFigureOut">
               <a:rPr lang="en-US" smtClean="0"/>
-              <a:t>9/13/2021</a:t>
+              <a:t>10/2/2021</a:t>
             </a:fld>
             <a:endParaRPr lang="en-US" dirty="0"/>
           </a:p>
@@ -5413,7 +5421,7 @@
           <a:p>
             <a:fld id="{87DD66F1-7FC0-403D-82FE-3DDCE4AD2CCB}" type="datetimeFigureOut">
               <a:rPr lang="en-US" smtClean="0"/>
-              <a:t>9/13/2021</a:t>
+              <a:t>10/2/2021</a:t>
             </a:fld>
             <a:endParaRPr lang="en-US" dirty="0"/>
           </a:p>
@@ -6274,7 +6282,7 @@
           <a:p>
             <a:fld id="{87DD66F1-7FC0-403D-82FE-3DDCE4AD2CCB}" type="datetimeFigureOut">
               <a:rPr lang="en-US" smtClean="0"/>
-              <a:t>9/13/2021</a:t>
+              <a:t>10/2/2021</a:t>
             </a:fld>
             <a:endParaRPr lang="en-US" dirty="0"/>
           </a:p>
@@ -6464,7 +6472,7 @@
           <a:p>
             <a:fld id="{87DD66F1-7FC0-403D-82FE-3DDCE4AD2CCB}" type="datetimeFigureOut">
               <a:rPr lang="en-US" smtClean="0"/>
-              <a:t>9/13/2021</a:t>
+              <a:t>10/2/2021</a:t>
             </a:fld>
             <a:endParaRPr lang="en-US" dirty="0"/>
           </a:p>
@@ -7436,7 +7444,7 @@
           <a:p>
             <a:fld id="{87DD66F1-7FC0-403D-82FE-3DDCE4AD2CCB}" type="datetimeFigureOut">
               <a:rPr lang="en-US" smtClean="0"/>
-              <a:t>9/13/2021</a:t>
+              <a:t>10/2/2021</a:t>
             </a:fld>
             <a:endParaRPr lang="en-US" dirty="0"/>
           </a:p>
@@ -7647,7 +7655,7 @@
           <a:p>
             <a:fld id="{87DD66F1-7FC0-403D-82FE-3DDCE4AD2CCB}" type="datetimeFigureOut">
               <a:rPr lang="en-US" smtClean="0"/>
-              <a:t>9/13/2021</a:t>
+              <a:t>10/2/2021</a:t>
             </a:fld>
             <a:endParaRPr lang="en-US" dirty="0"/>
           </a:p>
@@ -8681,7 +8689,7 @@
           <a:p>
             <a:fld id="{87DD66F1-7FC0-403D-82FE-3DDCE4AD2CCB}" type="datetimeFigureOut">
               <a:rPr lang="en-US" smtClean="0"/>
-              <a:t>9/13/2021</a:t>
+              <a:t>10/2/2021</a:t>
             </a:fld>
             <a:endParaRPr lang="en-US" dirty="0"/>
           </a:p>
@@ -8953,7 +8961,7 @@
           <a:p>
             <a:fld id="{87DD66F1-7FC0-403D-82FE-3DDCE4AD2CCB}" type="datetimeFigureOut">
               <a:rPr lang="en-US" smtClean="0"/>
-              <a:t>9/13/2021</a:t>
+              <a:t>10/2/2021</a:t>
             </a:fld>
             <a:endParaRPr lang="en-US" dirty="0"/>
           </a:p>
@@ -9363,7 +9371,7 @@
           <a:p>
             <a:fld id="{87DD66F1-7FC0-403D-82FE-3DDCE4AD2CCB}" type="datetimeFigureOut">
               <a:rPr lang="en-US" smtClean="0"/>
-              <a:t>9/13/2021</a:t>
+              <a:t>10/2/2021</a:t>
             </a:fld>
             <a:endParaRPr lang="en-US" dirty="0"/>
           </a:p>
@@ -9490,7 +9498,7 @@
           <a:p>
             <a:fld id="{87DD66F1-7FC0-403D-82FE-3DDCE4AD2CCB}" type="datetimeFigureOut">
               <a:rPr lang="en-US" smtClean="0"/>
-              <a:t>9/13/2021</a:t>
+              <a:t>10/2/2021</a:t>
             </a:fld>
             <a:endParaRPr lang="en-US" dirty="0"/>
           </a:p>
@@ -9585,7 +9593,7 @@
           <a:p>
             <a:fld id="{87DD66F1-7FC0-403D-82FE-3DDCE4AD2CCB}" type="datetimeFigureOut">
               <a:rPr lang="en-US" smtClean="0"/>
-              <a:t>9/13/2021</a:t>
+              <a:t>10/2/2021</a:t>
             </a:fld>
             <a:endParaRPr lang="en-US" dirty="0"/>
           </a:p>
@@ -10666,7 +10674,7 @@
           <a:p>
             <a:fld id="{87DD66F1-7FC0-403D-82FE-3DDCE4AD2CCB}" type="datetimeFigureOut">
               <a:rPr lang="en-US" smtClean="0"/>
-              <a:t>9/13/2021</a:t>
+              <a:t>10/2/2021</a:t>
             </a:fld>
             <a:endParaRPr lang="en-US" dirty="0"/>
           </a:p>
@@ -11774,7 +11782,7 @@
           <a:p>
             <a:fld id="{87DD66F1-7FC0-403D-82FE-3DDCE4AD2CCB}" type="datetimeFigureOut">
               <a:rPr lang="en-US" smtClean="0"/>
-              <a:t>9/13/2021</a:t>
+              <a:t>10/2/2021</a:t>
             </a:fld>
             <a:endParaRPr lang="en-US" dirty="0"/>
           </a:p>
@@ -12771,7 +12779,7 @@
           <a:p>
             <a:fld id="{87DD66F1-7FC0-403D-82FE-3DDCE4AD2CCB}" type="datetimeFigureOut">
               <a:rPr lang="en-US" smtClean="0"/>
-              <a:t>9/13/2021</a:t>
+              <a:t>10/2/2021</a:t>
             </a:fld>
             <a:endParaRPr lang="en-US" dirty="0"/>
           </a:p>
@@ -14150,126 +14158,20 @@
             <p:ph type="title"/>
           </p:nvPr>
         </p:nvSpPr>
-        <p:spPr>
-          <a:xfrm>
-            <a:off x="1154955" y="1288915"/>
-            <a:ext cx="3865134" cy="1010941"/>
-          </a:xfrm>
-        </p:spPr>
+        <p:spPr/>
         <p:txBody>
-          <a:bodyPr>
-            <a:noAutofit/>
-          </a:bodyPr>
+          <a:bodyPr/>
           <a:lstStyle/>
           <a:p>
-            <a:r>
-              <a:rPr lang="en-US" sz="2800" dirty="0" smtClean="0">
+            <a:pPr algn="ctr"/>
+            <a:r>
+              <a:rPr lang="en-US" dirty="0" smtClean="0">
                 <a:latin typeface="Arial" panose="020B0604020202020204" pitchFamily="34" charset="0"/>
                 <a:cs typeface="Arial" panose="020B0604020202020204" pitchFamily="34" charset="0"/>
               </a:rPr>
-              <a:t>The Model </a:t>
-            </a:r>
-            <a:br>
-              <a:rPr lang="en-US" sz="2800" dirty="0" smtClean="0">
-                <a:latin typeface="Arial" panose="020B0604020202020204" pitchFamily="34" charset="0"/>
-                <a:cs typeface="Arial" panose="020B0604020202020204" pitchFamily="34" charset="0"/>
-              </a:rPr>
-            </a:br>
-            <a:r>
-              <a:rPr lang="en-US" sz="2800" dirty="0" smtClean="0">
-                <a:latin typeface="Arial" panose="020B0604020202020204" pitchFamily="34" charset="0"/>
-                <a:cs typeface="Arial" panose="020B0604020202020204" pitchFamily="34" charset="0"/>
-              </a:rPr>
-              <a:t>(code first approach)</a:t>
-            </a:r>
-            <a:endParaRPr lang="en-US" sz="2800" dirty="0">
-              <a:latin typeface="Arial" panose="020B0604020202020204" pitchFamily="34" charset="0"/>
-              <a:cs typeface="Arial" panose="020B0604020202020204" pitchFamily="34" charset="0"/>
-            </a:endParaRPr>
-          </a:p>
-        </p:txBody>
-      </p:sp>
-      <p:sp>
-        <p:nvSpPr>
-          <p:cNvPr id="4" name="Text Placeholder 3"/>
-          <p:cNvSpPr>
-            <a:spLocks noGrp="1"/>
-          </p:cNvSpPr>
-          <p:nvPr>
-            <p:ph type="body" sz="half" idx="2"/>
-          </p:nvPr>
-        </p:nvSpPr>
-        <p:spPr>
-          <a:xfrm>
-            <a:off x="1154953" y="2503054"/>
-            <a:ext cx="3865135" cy="2526145"/>
-          </a:xfrm>
-        </p:spPr>
-        <p:txBody>
-          <a:bodyPr>
-            <a:normAutofit lnSpcReduction="10000"/>
-          </a:bodyPr>
-          <a:lstStyle/>
-          <a:p>
-            <a:pPr marL="342900" indent="-342900">
-              <a:buClr>
-                <a:schemeClr val="bg1"/>
-              </a:buClr>
-              <a:buFont typeface="Wingdings" panose="05000000000000000000" pitchFamily="2" charset="2"/>
-              <a:buChar char="Ø"/>
-            </a:pPr>
-            <a:r>
-              <a:rPr lang="en-US" sz="2000" dirty="0">
-                <a:solidFill>
-                  <a:schemeClr val="bg1"/>
-                </a:solidFill>
-                <a:latin typeface="Arial" panose="020B0604020202020204" pitchFamily="34" charset="0"/>
-                <a:cs typeface="Arial" panose="020B0604020202020204" pitchFamily="34" charset="0"/>
-              </a:rPr>
-              <a:t>A model is made up of entity classes and a context object that represents a session with the database. The context object allows querying and saving data</a:t>
-            </a:r>
-            <a:r>
-              <a:rPr lang="en-US" sz="2000" dirty="0" smtClean="0">
-                <a:solidFill>
-                  <a:schemeClr val="bg1"/>
-                </a:solidFill>
-                <a:latin typeface="Arial" panose="020B0604020202020204" pitchFamily="34" charset="0"/>
-                <a:cs typeface="Arial" panose="020B0604020202020204" pitchFamily="34" charset="0"/>
-              </a:rPr>
-              <a:t>.</a:t>
-            </a:r>
-          </a:p>
-          <a:p>
-            <a:pPr marL="342900" indent="-342900">
-              <a:buClr>
-                <a:schemeClr val="bg1"/>
-              </a:buClr>
-              <a:buFont typeface="Wingdings" panose="05000000000000000000" pitchFamily="2" charset="2"/>
-              <a:buChar char="Ø"/>
-            </a:pPr>
-            <a:r>
-              <a:rPr lang="en-US" sz="2000" dirty="0" smtClean="0">
-                <a:solidFill>
-                  <a:schemeClr val="bg1"/>
-                </a:solidFill>
-                <a:latin typeface="Arial" panose="020B0604020202020204" pitchFamily="34" charset="0"/>
-                <a:cs typeface="Arial" panose="020B0604020202020204" pitchFamily="34" charset="0"/>
-              </a:rPr>
-              <a:t>Database structure is updated using migrations</a:t>
-            </a:r>
-            <a:endParaRPr lang="en-US" sz="2000" dirty="0">
-              <a:solidFill>
-                <a:schemeClr val="bg1"/>
-              </a:solidFill>
-              <a:latin typeface="Arial" panose="020B0604020202020204" pitchFamily="34" charset="0"/>
-              <a:cs typeface="Arial" panose="020B0604020202020204" pitchFamily="34" charset="0"/>
-            </a:endParaRPr>
-          </a:p>
-          <a:p>
-            <a:endParaRPr lang="en-US" sz="2000" dirty="0">
-              <a:solidFill>
-                <a:schemeClr val="bg1"/>
-              </a:solidFill>
+              <a:t>Model design approaches</a:t>
+            </a:r>
+            <a:endParaRPr lang="en-US" dirty="0">
               <a:latin typeface="Arial" panose="020B0604020202020204" pitchFamily="34" charset="0"/>
               <a:cs typeface="Arial" panose="020B0604020202020204" pitchFamily="34" charset="0"/>
             </a:endParaRPr>
@@ -14278,12 +14180,12 @@
       </p:sp>
       <p:pic>
         <p:nvPicPr>
-          <p:cNvPr id="9" name="Picture Placeholder 8"/>
+          <p:cNvPr id="4" name="Content Placeholder 3"/>
           <p:cNvPicPr>
             <a:picLocks noGrp="1" noChangeAspect="1"/>
           </p:cNvPicPr>
           <p:nvPr>
-            <p:ph type="pic" idx="1"/>
+            <p:ph idx="1"/>
           </p:nvPr>
         </p:nvPicPr>
         <p:blipFill>
@@ -14300,15 +14202,15 @@
         </p:blipFill>
         <p:spPr>
           <a:xfrm>
-            <a:off x="6350874" y="1181911"/>
-            <a:ext cx="4612198" cy="4950947"/>
+            <a:off x="2182878" y="2315183"/>
+            <a:ext cx="7733489" cy="4094996"/>
           </a:xfrm>
         </p:spPr>
       </p:pic>
     </p:spTree>
     <p:extLst>
       <p:ext uri="{BB962C8B-B14F-4D97-AF65-F5344CB8AC3E}">
-        <p14:creationId xmlns:p14="http://schemas.microsoft.com/office/powerpoint/2010/main" val="2827704250"/>
+        <p14:creationId xmlns:p14="http://schemas.microsoft.com/office/powerpoint/2010/main" val="1130608291"/>
       </p:ext>
     </p:extLst>
   </p:cSld>
@@ -14509,10 +14411,219 @@
   <p:clrMapOvr>
     <a:masterClrMapping/>
   </p:clrMapOvr>
+  <p:timing>
+    <p:tnLst>
+      <p:par>
+        <p:cTn id="1" dur="indefinite" restart="never" nodeType="tmRoot"/>
+      </p:par>
+    </p:tnLst>
+  </p:timing>
 </p:sld>
 </file>
 
 <file path=ppt/slides/slide15.xml><?xml version="1.0" encoding="utf-8"?>
+<p:sld xmlns:a="http://schemas.openxmlformats.org/drawingml/2006/main" xmlns:r="http://schemas.openxmlformats.org/officeDocument/2006/relationships" xmlns:p="http://schemas.openxmlformats.org/presentationml/2006/main">
+  <p:cSld>
+    <p:spTree>
+      <p:nvGrpSpPr>
+        <p:cNvPr id="1" name=""/>
+        <p:cNvGrpSpPr/>
+        <p:nvPr/>
+      </p:nvGrpSpPr>
+      <p:grpSpPr>
+        <a:xfrm>
+          <a:off x="0" y="0"/>
+          <a:ext cx="0" cy="0"/>
+          <a:chOff x="0" y="0"/>
+          <a:chExt cx="0" cy="0"/>
+        </a:xfrm>
+      </p:grpSpPr>
+      <p:sp>
+        <p:nvSpPr>
+          <p:cNvPr id="2" name="Title 1"/>
+          <p:cNvSpPr>
+            <a:spLocks noGrp="1"/>
+          </p:cNvSpPr>
+          <p:nvPr>
+            <p:ph type="title"/>
+          </p:nvPr>
+        </p:nvSpPr>
+        <p:spPr>
+          <a:xfrm>
+            <a:off x="1154955" y="1288915"/>
+            <a:ext cx="3865134" cy="1010941"/>
+          </a:xfrm>
+        </p:spPr>
+        <p:txBody>
+          <a:bodyPr>
+            <a:noAutofit/>
+          </a:bodyPr>
+          <a:lstStyle/>
+          <a:p>
+            <a:r>
+              <a:rPr lang="en-US" sz="2800" dirty="0" smtClean="0">
+                <a:latin typeface="Arial" panose="020B0604020202020204" pitchFamily="34" charset="0"/>
+                <a:cs typeface="Arial" panose="020B0604020202020204" pitchFamily="34" charset="0"/>
+              </a:rPr>
+              <a:t>The Model </a:t>
+            </a:r>
+            <a:br>
+              <a:rPr lang="en-US" sz="2800" dirty="0" smtClean="0">
+                <a:latin typeface="Arial" panose="020B0604020202020204" pitchFamily="34" charset="0"/>
+                <a:cs typeface="Arial" panose="020B0604020202020204" pitchFamily="34" charset="0"/>
+              </a:rPr>
+            </a:br>
+            <a:r>
+              <a:rPr lang="en-US" sz="2800" dirty="0" smtClean="0">
+                <a:latin typeface="Arial" panose="020B0604020202020204" pitchFamily="34" charset="0"/>
+                <a:cs typeface="Arial" panose="020B0604020202020204" pitchFamily="34" charset="0"/>
+              </a:rPr>
+              <a:t>(code first approach)</a:t>
+            </a:r>
+            <a:endParaRPr lang="en-US" sz="2800" dirty="0">
+              <a:latin typeface="Arial" panose="020B0604020202020204" pitchFamily="34" charset="0"/>
+              <a:cs typeface="Arial" panose="020B0604020202020204" pitchFamily="34" charset="0"/>
+            </a:endParaRPr>
+          </a:p>
+        </p:txBody>
+      </p:sp>
+      <p:sp>
+        <p:nvSpPr>
+          <p:cNvPr id="4" name="Text Placeholder 3"/>
+          <p:cNvSpPr>
+            <a:spLocks noGrp="1"/>
+          </p:cNvSpPr>
+          <p:nvPr>
+            <p:ph type="body" sz="half" idx="2"/>
+          </p:nvPr>
+        </p:nvSpPr>
+        <p:spPr>
+          <a:xfrm>
+            <a:off x="1154953" y="2503054"/>
+            <a:ext cx="3865135" cy="2526145"/>
+          </a:xfrm>
+        </p:spPr>
+        <p:txBody>
+          <a:bodyPr>
+            <a:normAutofit lnSpcReduction="10000"/>
+          </a:bodyPr>
+          <a:lstStyle/>
+          <a:p>
+            <a:pPr marL="342900" indent="-342900">
+              <a:buClr>
+                <a:schemeClr val="bg1"/>
+              </a:buClr>
+              <a:buFont typeface="Wingdings" panose="05000000000000000000" pitchFamily="2" charset="2"/>
+              <a:buChar char="Ø"/>
+            </a:pPr>
+            <a:r>
+              <a:rPr lang="en-US" sz="2000" dirty="0">
+                <a:solidFill>
+                  <a:schemeClr val="bg1"/>
+                </a:solidFill>
+                <a:latin typeface="Arial" panose="020B0604020202020204" pitchFamily="34" charset="0"/>
+                <a:cs typeface="Arial" panose="020B0604020202020204" pitchFamily="34" charset="0"/>
+              </a:rPr>
+              <a:t>A model is made up of entity classes and a context object that represents a session with the database. The context object allows querying and saving data</a:t>
+            </a:r>
+            <a:r>
+              <a:rPr lang="en-US" sz="2000" dirty="0" smtClean="0">
+                <a:solidFill>
+                  <a:schemeClr val="bg1"/>
+                </a:solidFill>
+                <a:latin typeface="Arial" panose="020B0604020202020204" pitchFamily="34" charset="0"/>
+                <a:cs typeface="Arial" panose="020B0604020202020204" pitchFamily="34" charset="0"/>
+              </a:rPr>
+              <a:t>.</a:t>
+            </a:r>
+          </a:p>
+          <a:p>
+            <a:pPr marL="342900" indent="-342900">
+              <a:buClr>
+                <a:schemeClr val="bg1"/>
+              </a:buClr>
+              <a:buFont typeface="Wingdings" panose="05000000000000000000" pitchFamily="2" charset="2"/>
+              <a:buChar char="Ø"/>
+            </a:pPr>
+            <a:r>
+              <a:rPr lang="en-US" sz="2000" dirty="0" smtClean="0">
+                <a:solidFill>
+                  <a:schemeClr val="bg1"/>
+                </a:solidFill>
+                <a:latin typeface="Arial" panose="020B0604020202020204" pitchFamily="34" charset="0"/>
+                <a:cs typeface="Arial" panose="020B0604020202020204" pitchFamily="34" charset="0"/>
+              </a:rPr>
+              <a:t>Database structure is updated using migrations</a:t>
+            </a:r>
+            <a:endParaRPr lang="en-US" sz="2000" dirty="0">
+              <a:solidFill>
+                <a:schemeClr val="bg1"/>
+              </a:solidFill>
+              <a:latin typeface="Arial" panose="020B0604020202020204" pitchFamily="34" charset="0"/>
+              <a:cs typeface="Arial" panose="020B0604020202020204" pitchFamily="34" charset="0"/>
+            </a:endParaRPr>
+          </a:p>
+          <a:p>
+            <a:endParaRPr lang="en-US" sz="2000" dirty="0">
+              <a:solidFill>
+                <a:schemeClr val="bg1"/>
+              </a:solidFill>
+              <a:latin typeface="Arial" panose="020B0604020202020204" pitchFamily="34" charset="0"/>
+              <a:cs typeface="Arial" panose="020B0604020202020204" pitchFamily="34" charset="0"/>
+            </a:endParaRPr>
+          </a:p>
+        </p:txBody>
+      </p:sp>
+      <p:pic>
+        <p:nvPicPr>
+          <p:cNvPr id="9" name="Picture Placeholder 8"/>
+          <p:cNvPicPr>
+            <a:picLocks noGrp="1" noChangeAspect="1"/>
+          </p:cNvPicPr>
+          <p:nvPr>
+            <p:ph type="pic" idx="1"/>
+          </p:nvPr>
+        </p:nvPicPr>
+        <p:blipFill>
+          <a:blip r:embed="rId2">
+            <a:extLst>
+              <a:ext uri="{28A0092B-C50C-407E-A947-70E740481C1C}">
+                <a14:useLocalDpi xmlns:a14="http://schemas.microsoft.com/office/drawing/2010/main" val="0"/>
+              </a:ext>
+            </a:extLst>
+          </a:blip>
+          <a:stretch>
+            <a:fillRect/>
+          </a:stretch>
+        </p:blipFill>
+        <p:spPr>
+          <a:xfrm>
+            <a:off x="6350874" y="1181911"/>
+            <a:ext cx="4612198" cy="4950947"/>
+          </a:xfrm>
+        </p:spPr>
+      </p:pic>
+    </p:spTree>
+    <p:extLst>
+      <p:ext uri="{BB962C8B-B14F-4D97-AF65-F5344CB8AC3E}">
+        <p14:creationId xmlns:p14="http://schemas.microsoft.com/office/powerpoint/2010/main" val="2827704250"/>
+      </p:ext>
+    </p:extLst>
+  </p:cSld>
+  <p:clrMapOvr>
+    <a:masterClrMapping/>
+  </p:clrMapOvr>
+  <p:timing>
+    <p:tnLst>
+      <p:par>
+        <p:cTn id="1" dur="indefinite" restart="never" nodeType="tmRoot"/>
+      </p:par>
+    </p:tnLst>
+  </p:timing>
+</p:sld>
+</file>
+
+<file path=ppt/slides/slide16.xml><?xml version="1.0" encoding="utf-8"?>
 <p:sld xmlns:a="http://schemas.openxmlformats.org/drawingml/2006/main" xmlns:r="http://schemas.openxmlformats.org/officeDocument/2006/relationships" xmlns:p="http://schemas.openxmlformats.org/presentationml/2006/main">
   <p:cSld>
     <p:spTree>
@@ -14757,10 +14868,17 @@
   <p:clrMapOvr>
     <a:masterClrMapping/>
   </p:clrMapOvr>
+  <p:timing>
+    <p:tnLst>
+      <p:par>
+        <p:cTn id="1" dur="indefinite" restart="never" nodeType="tmRoot"/>
+      </p:par>
+    </p:tnLst>
+  </p:timing>
 </p:sld>
 </file>
 
-<file path=ppt/slides/slide16.xml><?xml version="1.0" encoding="utf-8"?>
+<file path=ppt/slides/slide17.xml><?xml version="1.0" encoding="utf-8"?>
 <p:sld xmlns:a="http://schemas.openxmlformats.org/drawingml/2006/main" xmlns:r="http://schemas.openxmlformats.org/officeDocument/2006/relationships" xmlns:p="http://schemas.openxmlformats.org/presentationml/2006/main">
   <p:cSld>
     <p:spTree>
@@ -14937,10 +15055,17 @@
   <p:clrMapOvr>
     <a:masterClrMapping/>
   </p:clrMapOvr>
+  <p:timing>
+    <p:tnLst>
+      <p:par>
+        <p:cTn id="1" dur="indefinite" restart="never" nodeType="tmRoot"/>
+      </p:par>
+    </p:tnLst>
+  </p:timing>
 </p:sld>
 </file>
 
-<file path=ppt/slides/slide17.xml><?xml version="1.0" encoding="utf-8"?>
+<file path=ppt/slides/slide18.xml><?xml version="1.0" encoding="utf-8"?>
 <p:sld xmlns:a="http://schemas.openxmlformats.org/drawingml/2006/main" xmlns:r="http://schemas.openxmlformats.org/officeDocument/2006/relationships" xmlns:p="http://schemas.openxmlformats.org/presentationml/2006/main">
   <p:cSld>
     <p:spTree>
@@ -15025,10 +15150,107 @@
   <p:clrMapOvr>
     <a:masterClrMapping/>
   </p:clrMapOvr>
+  <p:timing>
+    <p:tnLst>
+      <p:par>
+        <p:cTn id="1" dur="indefinite" restart="never" nodeType="tmRoot"/>
+      </p:par>
+    </p:tnLst>
+  </p:timing>
 </p:sld>
 </file>
 
-<file path=ppt/slides/slide18.xml><?xml version="1.0" encoding="utf-8"?>
+<file path=ppt/slides/slide19.xml><?xml version="1.0" encoding="utf-8"?>
+<p:sld xmlns:a="http://schemas.openxmlformats.org/drawingml/2006/main" xmlns:r="http://schemas.openxmlformats.org/officeDocument/2006/relationships" xmlns:p="http://schemas.openxmlformats.org/presentationml/2006/main">
+  <p:cSld>
+    <p:spTree>
+      <p:nvGrpSpPr>
+        <p:cNvPr id="1" name=""/>
+        <p:cNvGrpSpPr/>
+        <p:nvPr/>
+      </p:nvGrpSpPr>
+      <p:grpSpPr>
+        <a:xfrm>
+          <a:off x="0" y="0"/>
+          <a:ext cx="0" cy="0"/>
+          <a:chOff x="0" y="0"/>
+          <a:chExt cx="0" cy="0"/>
+        </a:xfrm>
+      </p:grpSpPr>
+      <p:sp>
+        <p:nvSpPr>
+          <p:cNvPr id="5" name="Title 4"/>
+          <p:cNvSpPr>
+            <a:spLocks noGrp="1"/>
+          </p:cNvSpPr>
+          <p:nvPr>
+            <p:ph type="title"/>
+          </p:nvPr>
+        </p:nvSpPr>
+        <p:spPr/>
+        <p:txBody>
+          <a:bodyPr/>
+          <a:lstStyle/>
+          <a:p>
+            <a:pPr algn="ctr"/>
+            <a:r>
+              <a:rPr lang="en-US" dirty="0" smtClean="0"/>
+              <a:t>EF Core in the entire picture</a:t>
+            </a:r>
+            <a:endParaRPr lang="en-US" dirty="0"/>
+          </a:p>
+        </p:txBody>
+      </p:sp>
+      <p:pic>
+        <p:nvPicPr>
+          <p:cNvPr id="7" name="Content Placeholder 6"/>
+          <p:cNvPicPr>
+            <a:picLocks noGrp="1" noChangeAspect="1"/>
+          </p:cNvPicPr>
+          <p:nvPr>
+            <p:ph idx="1"/>
+          </p:nvPr>
+        </p:nvPicPr>
+        <p:blipFill>
+          <a:blip r:embed="rId2">
+            <a:extLst>
+              <a:ext uri="{28A0092B-C50C-407E-A947-70E740481C1C}">
+                <a14:useLocalDpi xmlns:a14="http://schemas.microsoft.com/office/drawing/2010/main" val="0"/>
+              </a:ext>
+            </a:extLst>
+          </a:blip>
+          <a:stretch>
+            <a:fillRect/>
+          </a:stretch>
+        </p:blipFill>
+        <p:spPr>
+          <a:xfrm>
+            <a:off x="3937560" y="2448063"/>
+            <a:ext cx="4009938" cy="3949358"/>
+          </a:xfrm>
+        </p:spPr>
+      </p:pic>
+    </p:spTree>
+    <p:extLst>
+      <p:ext uri="{BB962C8B-B14F-4D97-AF65-F5344CB8AC3E}">
+        <p14:creationId xmlns:p14="http://schemas.microsoft.com/office/powerpoint/2010/main" val="822469674"/>
+      </p:ext>
+    </p:extLst>
+  </p:cSld>
+  <p:clrMapOvr>
+    <a:masterClrMapping/>
+  </p:clrMapOvr>
+  <p:timing>
+    <p:tnLst>
+      <p:par>
+        <p:cTn id="1" dur="indefinite" restart="never" nodeType="tmRoot"/>
+      </p:par>
+    </p:tnLst>
+  </p:timing>
+</p:sld>
+</file>
+
+<file path=ppt/slides/slide2.xml><?xml version="1.0" encoding="utf-8"?>
 <p:sld xmlns:a="http://schemas.openxmlformats.org/drawingml/2006/main" xmlns:r="http://schemas.openxmlformats.org/officeDocument/2006/relationships" xmlns:p="http://schemas.openxmlformats.org/presentationml/2006/main">
   <p:cSld>
     <p:spTree>
@@ -15060,6 +15282,705 @@
           <a:bodyPr/>
           <a:lstStyle/>
           <a:p>
+            <a:r>
+              <a:rPr lang="en-US" dirty="0" smtClean="0"/>
+              <a:t>Table of Contents</a:t>
+            </a:r>
+            <a:endParaRPr lang="en-US" dirty="0"/>
+          </a:p>
+        </p:txBody>
+      </p:sp>
+      <p:sp>
+        <p:nvSpPr>
+          <p:cNvPr id="7" name="Content Placeholder 3"/>
+          <p:cNvSpPr>
+            <a:spLocks noGrp="1"/>
+          </p:cNvSpPr>
+          <p:nvPr>
+            <p:ph sz="half" idx="2"/>
+          </p:nvPr>
+        </p:nvSpPr>
+        <p:spPr>
+          <a:xfrm>
+            <a:off x="6196902" y="2327563"/>
+            <a:ext cx="4535753" cy="4054763"/>
+          </a:xfrm>
+        </p:spPr>
+        <p:txBody>
+          <a:bodyPr>
+            <a:normAutofit/>
+          </a:bodyPr>
+          <a:lstStyle/>
+          <a:p>
+            <a:r>
+              <a:rPr lang="en-US" sz="1400" dirty="0">
+                <a:latin typeface="Arial" panose="020B0604020202020204" pitchFamily="34" charset="0"/>
+                <a:cs typeface="Arial" panose="020B0604020202020204" pitchFamily="34" charset="0"/>
+              </a:rPr>
+              <a:t>What is LINQ and how we use it in EF Core?</a:t>
+            </a:r>
+          </a:p>
+          <a:p>
+            <a:r>
+              <a:rPr lang="en-US" sz="1400" dirty="0">
+                <a:latin typeface="Arial" panose="020B0604020202020204" pitchFamily="34" charset="0"/>
+                <a:cs typeface="Arial" panose="020B0604020202020204" pitchFamily="34" charset="0"/>
+              </a:rPr>
+              <a:t>Entity Relations</a:t>
+            </a:r>
+          </a:p>
+          <a:p>
+            <a:r>
+              <a:rPr lang="en-US" sz="1400" dirty="0">
+                <a:latin typeface="Arial" panose="020B0604020202020204" pitchFamily="34" charset="0"/>
+                <a:cs typeface="Arial" panose="020B0604020202020204" pitchFamily="34" charset="0"/>
+              </a:rPr>
+              <a:t>How to include EF Core in our C# project?</a:t>
+            </a:r>
+          </a:p>
+          <a:p>
+            <a:r>
+              <a:rPr lang="en-US" sz="1400" dirty="0">
+                <a:latin typeface="Arial" panose="020B0604020202020204" pitchFamily="34" charset="0"/>
+                <a:cs typeface="Arial" panose="020B0604020202020204" pitchFamily="34" charset="0"/>
+              </a:rPr>
+              <a:t>EF Core in the entire picture</a:t>
+            </a:r>
+          </a:p>
+          <a:p>
+            <a:r>
+              <a:rPr lang="en-US" sz="1400" dirty="0">
+                <a:latin typeface="Arial" panose="020B0604020202020204" pitchFamily="34" charset="0"/>
+                <a:cs typeface="Arial" panose="020B0604020202020204" pitchFamily="34" charset="0"/>
+              </a:rPr>
+              <a:t>Entity Framework Core (source)</a:t>
+            </a:r>
+          </a:p>
+          <a:p>
+            <a:pPr marL="0" indent="0">
+              <a:buNone/>
+            </a:pPr>
+            <a:endParaRPr lang="en-US" sz="1600" dirty="0">
+              <a:latin typeface="Arial" panose="020B0604020202020204" pitchFamily="34" charset="0"/>
+              <a:cs typeface="Arial" panose="020B0604020202020204" pitchFamily="34" charset="0"/>
+            </a:endParaRPr>
+          </a:p>
+          <a:p>
+            <a:endParaRPr lang="en-US" sz="1600" dirty="0">
+              <a:latin typeface="Arial" panose="020B0604020202020204" pitchFamily="34" charset="0"/>
+              <a:cs typeface="Arial" panose="020B0604020202020204" pitchFamily="34" charset="0"/>
+            </a:endParaRPr>
+          </a:p>
+          <a:p>
+            <a:endParaRPr lang="en-US" sz="1600" dirty="0">
+              <a:latin typeface="Arial" panose="020B0604020202020204" pitchFamily="34" charset="0"/>
+              <a:cs typeface="Arial" panose="020B0604020202020204" pitchFamily="34" charset="0"/>
+            </a:endParaRPr>
+          </a:p>
+          <a:p>
+            <a:endParaRPr lang="en-US" dirty="0">
+              <a:latin typeface="Arial" panose="020B0604020202020204" pitchFamily="34" charset="0"/>
+              <a:cs typeface="Arial" panose="020B0604020202020204" pitchFamily="34" charset="0"/>
+            </a:endParaRPr>
+          </a:p>
+          <a:p>
+            <a:endParaRPr lang="en-US" dirty="0">
+              <a:latin typeface="Arial" panose="020B0604020202020204" pitchFamily="34" charset="0"/>
+              <a:cs typeface="Arial" panose="020B0604020202020204" pitchFamily="34" charset="0"/>
+            </a:endParaRPr>
+          </a:p>
+          <a:p>
+            <a:endParaRPr lang="en-US" dirty="0" smtClean="0">
+              <a:latin typeface="Arial" panose="020B0604020202020204" pitchFamily="34" charset="0"/>
+              <a:cs typeface="Arial" panose="020B0604020202020204" pitchFamily="34" charset="0"/>
+            </a:endParaRPr>
+          </a:p>
+          <a:p>
+            <a:endParaRPr lang="en-US" dirty="0" smtClean="0">
+              <a:latin typeface="Arial" panose="020B0604020202020204" pitchFamily="34" charset="0"/>
+              <a:cs typeface="Arial" panose="020B0604020202020204" pitchFamily="34" charset="0"/>
+            </a:endParaRPr>
+          </a:p>
+          <a:p>
+            <a:endParaRPr lang="en-US" dirty="0" smtClean="0"/>
+          </a:p>
+          <a:p>
+            <a:endParaRPr lang="en-US" dirty="0"/>
+          </a:p>
+        </p:txBody>
+      </p:sp>
+      <p:sp>
+        <p:nvSpPr>
+          <p:cNvPr id="4" name="Content Placeholder 3"/>
+          <p:cNvSpPr>
+            <a:spLocks noGrp="1"/>
+          </p:cNvSpPr>
+          <p:nvPr>
+            <p:ph sz="half" idx="2"/>
+          </p:nvPr>
+        </p:nvSpPr>
+        <p:spPr>
+          <a:xfrm>
+            <a:off x="999907" y="2327563"/>
+            <a:ext cx="4535753" cy="4419600"/>
+          </a:xfrm>
+        </p:spPr>
+        <p:txBody>
+          <a:bodyPr>
+            <a:normAutofit fontScale="25000" lnSpcReduction="20000"/>
+          </a:bodyPr>
+          <a:lstStyle/>
+          <a:p>
+            <a:r>
+              <a:rPr lang="en-US" sz="5600" dirty="0" smtClean="0">
+                <a:latin typeface="Arial" panose="020B0604020202020204" pitchFamily="34" charset="0"/>
+                <a:cs typeface="Arial" panose="020B0604020202020204" pitchFamily="34" charset="0"/>
+              </a:rPr>
+              <a:t>The Rise of Internet and Storage systems</a:t>
+            </a:r>
+          </a:p>
+          <a:p>
+            <a:r>
+              <a:rPr lang="en-US" sz="5600" dirty="0" smtClean="0">
+                <a:latin typeface="Arial" panose="020B0604020202020204" pitchFamily="34" charset="0"/>
+                <a:cs typeface="Arial" panose="020B0604020202020204" pitchFamily="34" charset="0"/>
+              </a:rPr>
+              <a:t>SQL vs NoSQL databases</a:t>
+            </a:r>
+          </a:p>
+          <a:p>
+            <a:r>
+              <a:rPr lang="en-US" sz="5600" dirty="0" smtClean="0">
+                <a:latin typeface="Arial" panose="020B0604020202020204" pitchFamily="34" charset="0"/>
+                <a:cs typeface="Arial" panose="020B0604020202020204" pitchFamily="34" charset="0"/>
+              </a:rPr>
+              <a:t>MS SQL (overview)</a:t>
+            </a:r>
+          </a:p>
+          <a:p>
+            <a:r>
+              <a:rPr lang="en-US" sz="5600" dirty="0">
+                <a:latin typeface="Arial" panose="020B0604020202020204" pitchFamily="34" charset="0"/>
+                <a:cs typeface="Arial" panose="020B0604020202020204" pitchFamily="34" charset="0"/>
+              </a:rPr>
+              <a:t>ADO.NET (overview</a:t>
+            </a:r>
+            <a:r>
+              <a:rPr lang="en-US" sz="5600" dirty="0" smtClean="0">
+                <a:latin typeface="Arial" panose="020B0604020202020204" pitchFamily="34" charset="0"/>
+                <a:cs typeface="Arial" panose="020B0604020202020204" pitchFamily="34" charset="0"/>
+              </a:rPr>
+              <a:t>)</a:t>
+            </a:r>
+          </a:p>
+          <a:p>
+            <a:r>
+              <a:rPr lang="en-US" sz="5600" dirty="0" smtClean="0">
+                <a:latin typeface="Arial" panose="020B0604020202020204" pitchFamily="34" charset="0"/>
+                <a:cs typeface="Arial" panose="020B0604020202020204" pitchFamily="34" charset="0"/>
+              </a:rPr>
+              <a:t>What </a:t>
+            </a:r>
+            <a:r>
+              <a:rPr lang="en-US" sz="5600" dirty="0">
+                <a:latin typeface="Arial" panose="020B0604020202020204" pitchFamily="34" charset="0"/>
+                <a:cs typeface="Arial" panose="020B0604020202020204" pitchFamily="34" charset="0"/>
+              </a:rPr>
+              <a:t>is ORM and how it works</a:t>
+            </a:r>
+            <a:r>
+              <a:rPr lang="en-US" sz="5600" dirty="0" smtClean="0">
+                <a:latin typeface="Arial" panose="020B0604020202020204" pitchFamily="34" charset="0"/>
+                <a:cs typeface="Arial" panose="020B0604020202020204" pitchFamily="34" charset="0"/>
+              </a:rPr>
+              <a:t>?</a:t>
+            </a:r>
+          </a:p>
+          <a:p>
+            <a:r>
+              <a:rPr lang="en-US" sz="5600" dirty="0">
+                <a:latin typeface="Arial" panose="020B0604020202020204" pitchFamily="34" charset="0"/>
+                <a:cs typeface="Arial" panose="020B0604020202020204" pitchFamily="34" charset="0"/>
+              </a:rPr>
+              <a:t>The benefits from ORM systems?</a:t>
+            </a:r>
+          </a:p>
+          <a:p>
+            <a:r>
+              <a:rPr lang="en-US" sz="5600" dirty="0">
+                <a:latin typeface="Arial" panose="020B0604020202020204" pitchFamily="34" charset="0"/>
+                <a:cs typeface="Arial" panose="020B0604020202020204" pitchFamily="34" charset="0"/>
+              </a:rPr>
+              <a:t>Entity Framework </a:t>
+            </a:r>
+            <a:r>
+              <a:rPr lang="en-US" sz="5600" dirty="0" smtClean="0">
+                <a:latin typeface="Arial" panose="020B0604020202020204" pitchFamily="34" charset="0"/>
+                <a:cs typeface="Arial" panose="020B0604020202020204" pitchFamily="34" charset="0"/>
+              </a:rPr>
+              <a:t>Core</a:t>
+            </a:r>
+          </a:p>
+          <a:p>
+            <a:r>
+              <a:rPr lang="en-US" sz="5600" dirty="0" smtClean="0">
+                <a:latin typeface="Arial" panose="020B0604020202020204" pitchFamily="34" charset="0"/>
+                <a:cs typeface="Arial" panose="020B0604020202020204" pitchFamily="34" charset="0"/>
+              </a:rPr>
+              <a:t>Model design approaches</a:t>
+            </a:r>
+            <a:endParaRPr lang="en-US" sz="5600" dirty="0" smtClean="0">
+              <a:latin typeface="Arial" panose="020B0604020202020204" pitchFamily="34" charset="0"/>
+              <a:cs typeface="Arial" panose="020B0604020202020204" pitchFamily="34" charset="0"/>
+            </a:endParaRPr>
+          </a:p>
+          <a:p>
+            <a:r>
+              <a:rPr lang="en-US" sz="5600" dirty="0" smtClean="0">
+                <a:latin typeface="Arial" panose="020B0604020202020204" pitchFamily="34" charset="0"/>
+                <a:cs typeface="Arial" panose="020B0604020202020204" pitchFamily="34" charset="0"/>
+              </a:rPr>
+              <a:t>The </a:t>
+            </a:r>
+            <a:r>
+              <a:rPr lang="en-US" sz="5600" dirty="0">
+                <a:latin typeface="Arial" panose="020B0604020202020204" pitchFamily="34" charset="0"/>
+                <a:cs typeface="Arial" panose="020B0604020202020204" pitchFamily="34" charset="0"/>
+              </a:rPr>
+              <a:t>Model (database first approach</a:t>
+            </a:r>
+            <a:r>
+              <a:rPr lang="en-US" sz="5600" dirty="0" smtClean="0">
+                <a:latin typeface="Arial" panose="020B0604020202020204" pitchFamily="34" charset="0"/>
+                <a:cs typeface="Arial" panose="020B0604020202020204" pitchFamily="34" charset="0"/>
+              </a:rPr>
+              <a:t>)</a:t>
+            </a:r>
+          </a:p>
+          <a:p>
+            <a:r>
+              <a:rPr lang="en-US" sz="5600" dirty="0">
+                <a:latin typeface="Arial" panose="020B0604020202020204" pitchFamily="34" charset="0"/>
+                <a:cs typeface="Arial" panose="020B0604020202020204" pitchFamily="34" charset="0"/>
+              </a:rPr>
+              <a:t>The Model (code first approach</a:t>
+            </a:r>
+            <a:r>
+              <a:rPr lang="en-US" sz="5600" dirty="0" smtClean="0">
+                <a:latin typeface="Arial" panose="020B0604020202020204" pitchFamily="34" charset="0"/>
+                <a:cs typeface="Arial" panose="020B0604020202020204" pitchFamily="34" charset="0"/>
+              </a:rPr>
+              <a:t>)</a:t>
+            </a:r>
+            <a:endParaRPr lang="en-US" sz="5600" dirty="0" smtClean="0">
+              <a:latin typeface="Arial" panose="020B0604020202020204" pitchFamily="34" charset="0"/>
+              <a:cs typeface="Arial" panose="020B0604020202020204" pitchFamily="34" charset="0"/>
+            </a:endParaRPr>
+          </a:p>
+          <a:p>
+            <a:r>
+              <a:rPr lang="en-US" sz="5600" dirty="0">
+                <a:latin typeface="Arial" panose="020B0604020202020204" pitchFamily="34" charset="0"/>
+                <a:cs typeface="Arial" panose="020B0604020202020204" pitchFamily="34" charset="0"/>
+              </a:rPr>
+              <a:t>What is LINQ and how we use it in EF </a:t>
+            </a:r>
+            <a:r>
+              <a:rPr lang="en-US" sz="5600" dirty="0" smtClean="0">
+                <a:latin typeface="Arial" panose="020B0604020202020204" pitchFamily="34" charset="0"/>
+                <a:cs typeface="Arial" panose="020B0604020202020204" pitchFamily="34" charset="0"/>
+              </a:rPr>
+              <a:t>Core?</a:t>
+            </a:r>
+          </a:p>
+          <a:p>
+            <a:r>
+              <a:rPr lang="en-US" sz="5600" dirty="0">
+                <a:latin typeface="Arial" panose="020B0604020202020204" pitchFamily="34" charset="0"/>
+                <a:cs typeface="Arial" panose="020B0604020202020204" pitchFamily="34" charset="0"/>
+              </a:rPr>
+              <a:t>Entity </a:t>
+            </a:r>
+            <a:r>
+              <a:rPr lang="en-US" sz="5600" dirty="0" smtClean="0">
+                <a:latin typeface="Arial" panose="020B0604020202020204" pitchFamily="34" charset="0"/>
+                <a:cs typeface="Arial" panose="020B0604020202020204" pitchFamily="34" charset="0"/>
+              </a:rPr>
+              <a:t>Relations</a:t>
+            </a:r>
+          </a:p>
+          <a:p>
+            <a:r>
+              <a:rPr lang="en-US" sz="5600" dirty="0">
+                <a:latin typeface="Arial" panose="020B0604020202020204" pitchFamily="34" charset="0"/>
+                <a:cs typeface="Arial" panose="020B0604020202020204" pitchFamily="34" charset="0"/>
+              </a:rPr>
+              <a:t>How to include EF Core in our C# </a:t>
+            </a:r>
+            <a:r>
+              <a:rPr lang="en-US" sz="5600" dirty="0" smtClean="0">
+                <a:latin typeface="Arial" panose="020B0604020202020204" pitchFamily="34" charset="0"/>
+                <a:cs typeface="Arial" panose="020B0604020202020204" pitchFamily="34" charset="0"/>
+              </a:rPr>
+              <a:t>project</a:t>
+            </a:r>
+            <a:r>
+              <a:rPr lang="en-US" sz="5600" dirty="0" smtClean="0">
+                <a:latin typeface="Arial" panose="020B0604020202020204" pitchFamily="34" charset="0"/>
+                <a:cs typeface="Arial" panose="020B0604020202020204" pitchFamily="34" charset="0"/>
+              </a:rPr>
+              <a:t>?</a:t>
+            </a:r>
+          </a:p>
+          <a:p>
+            <a:r>
+              <a:rPr lang="en-US" sz="5600" dirty="0" smtClean="0">
+                <a:latin typeface="Arial" panose="020B0604020202020204" pitchFamily="34" charset="0"/>
+                <a:cs typeface="Arial" panose="020B0604020202020204" pitchFamily="34" charset="0"/>
+              </a:rPr>
+              <a:t>EF Core in the entire picture</a:t>
+            </a:r>
+          </a:p>
+          <a:p>
+            <a:r>
+              <a:rPr lang="en-US" sz="5600" dirty="0" smtClean="0">
+                <a:latin typeface="Arial" panose="020B0604020202020204" pitchFamily="34" charset="0"/>
+                <a:cs typeface="Arial" panose="020B0604020202020204" pitchFamily="34" charset="0"/>
+              </a:rPr>
+              <a:t>Entity Framework Core (source)</a:t>
+            </a:r>
+            <a:endParaRPr lang="en-US" sz="5600" dirty="0">
+              <a:latin typeface="Arial" panose="020B0604020202020204" pitchFamily="34" charset="0"/>
+              <a:cs typeface="Arial" panose="020B0604020202020204" pitchFamily="34" charset="0"/>
+            </a:endParaRPr>
+          </a:p>
+          <a:p>
+            <a:pPr marL="0" indent="0">
+              <a:buNone/>
+            </a:pPr>
+            <a:endParaRPr lang="en-US" sz="1600" dirty="0">
+              <a:latin typeface="Arial" panose="020B0604020202020204" pitchFamily="34" charset="0"/>
+              <a:cs typeface="Arial" panose="020B0604020202020204" pitchFamily="34" charset="0"/>
+            </a:endParaRPr>
+          </a:p>
+          <a:p>
+            <a:endParaRPr lang="en-US" sz="1600" dirty="0">
+              <a:latin typeface="Arial" panose="020B0604020202020204" pitchFamily="34" charset="0"/>
+              <a:cs typeface="Arial" panose="020B0604020202020204" pitchFamily="34" charset="0"/>
+            </a:endParaRPr>
+          </a:p>
+          <a:p>
+            <a:endParaRPr lang="en-US" sz="1600" dirty="0">
+              <a:latin typeface="Arial" panose="020B0604020202020204" pitchFamily="34" charset="0"/>
+              <a:cs typeface="Arial" panose="020B0604020202020204" pitchFamily="34" charset="0"/>
+            </a:endParaRPr>
+          </a:p>
+          <a:p>
+            <a:endParaRPr lang="en-US" dirty="0">
+              <a:latin typeface="Arial" panose="020B0604020202020204" pitchFamily="34" charset="0"/>
+              <a:cs typeface="Arial" panose="020B0604020202020204" pitchFamily="34" charset="0"/>
+            </a:endParaRPr>
+          </a:p>
+          <a:p>
+            <a:endParaRPr lang="en-US" dirty="0">
+              <a:latin typeface="Arial" panose="020B0604020202020204" pitchFamily="34" charset="0"/>
+              <a:cs typeface="Arial" panose="020B0604020202020204" pitchFamily="34" charset="0"/>
+            </a:endParaRPr>
+          </a:p>
+          <a:p>
+            <a:endParaRPr lang="en-US" dirty="0" smtClean="0">
+              <a:latin typeface="Arial" panose="020B0604020202020204" pitchFamily="34" charset="0"/>
+              <a:cs typeface="Arial" panose="020B0604020202020204" pitchFamily="34" charset="0"/>
+            </a:endParaRPr>
+          </a:p>
+          <a:p>
+            <a:endParaRPr lang="en-US" dirty="0" smtClean="0">
+              <a:latin typeface="Arial" panose="020B0604020202020204" pitchFamily="34" charset="0"/>
+              <a:cs typeface="Arial" panose="020B0604020202020204" pitchFamily="34" charset="0"/>
+            </a:endParaRPr>
+          </a:p>
+          <a:p>
+            <a:endParaRPr lang="en-US" dirty="0" smtClean="0"/>
+          </a:p>
+          <a:p>
+            <a:endParaRPr lang="en-US" dirty="0"/>
+          </a:p>
+        </p:txBody>
+      </p:sp>
+    </p:spTree>
+    <p:extLst>
+      <p:ext uri="{BB962C8B-B14F-4D97-AF65-F5344CB8AC3E}">
+        <p14:creationId xmlns:p14="http://schemas.microsoft.com/office/powerpoint/2010/main" val="4154506407"/>
+      </p:ext>
+    </p:extLst>
+  </p:cSld>
+  <p:clrMapOvr>
+    <a:masterClrMapping/>
+  </p:clrMapOvr>
+  <p:timing>
+    <p:tnLst>
+      <p:par>
+        <p:cTn id="1" dur="indefinite" restart="never" nodeType="tmRoot"/>
+      </p:par>
+    </p:tnLst>
+  </p:timing>
+</p:sld>
+</file>
+
+<file path=ppt/slides/slide20.xml><?xml version="1.0" encoding="utf-8"?>
+<p:sld xmlns:a="http://schemas.openxmlformats.org/drawingml/2006/main" xmlns:r="http://schemas.openxmlformats.org/officeDocument/2006/relationships" xmlns:p="http://schemas.openxmlformats.org/presentationml/2006/main">
+  <p:cSld>
+    <p:spTree>
+      <p:nvGrpSpPr>
+        <p:cNvPr id="1" name=""/>
+        <p:cNvGrpSpPr/>
+        <p:nvPr/>
+      </p:nvGrpSpPr>
+      <p:grpSpPr>
+        <a:xfrm>
+          <a:off x="0" y="0"/>
+          <a:ext cx="0" cy="0"/>
+          <a:chOff x="0" y="0"/>
+          <a:chExt cx="0" cy="0"/>
+        </a:xfrm>
+      </p:grpSpPr>
+      <p:sp>
+        <p:nvSpPr>
+          <p:cNvPr id="2" name="Title 1"/>
+          <p:cNvSpPr>
+            <a:spLocks noGrp="1"/>
+          </p:cNvSpPr>
+          <p:nvPr>
+            <p:ph type="title"/>
+          </p:nvPr>
+        </p:nvSpPr>
+        <p:spPr>
+          <a:xfrm>
+            <a:off x="1034882" y="822036"/>
+            <a:ext cx="3865134" cy="1110673"/>
+          </a:xfrm>
+        </p:spPr>
+        <p:txBody>
+          <a:bodyPr>
+            <a:normAutofit fontScale="90000"/>
+          </a:bodyPr>
+          <a:lstStyle/>
+          <a:p>
+            <a:r>
+              <a:rPr lang="en-US" dirty="0" smtClean="0"/>
+              <a:t>Entity Framework Core (source)</a:t>
+            </a:r>
+            <a:endParaRPr lang="en-US" dirty="0"/>
+          </a:p>
+        </p:txBody>
+      </p:sp>
+      <p:pic>
+        <p:nvPicPr>
+          <p:cNvPr id="5" name="Picture Placeholder 4"/>
+          <p:cNvPicPr>
+            <a:picLocks noGrp="1" noChangeAspect="1"/>
+          </p:cNvPicPr>
+          <p:nvPr>
+            <p:ph type="pic" idx="1"/>
+          </p:nvPr>
+        </p:nvPicPr>
+        <p:blipFill>
+          <a:blip r:embed="rId2" cstate="print">
+            <a:extLst>
+              <a:ext uri="{28A0092B-C50C-407E-A947-70E740481C1C}">
+                <a14:useLocalDpi xmlns:a14="http://schemas.microsoft.com/office/drawing/2010/main" val="0"/>
+              </a:ext>
+            </a:extLst>
+          </a:blip>
+          <a:stretch>
+            <a:fillRect/>
+          </a:stretch>
+        </p:blipFill>
+        <p:spPr>
+          <a:xfrm>
+            <a:off x="6154884" y="1702341"/>
+            <a:ext cx="5614021" cy="3005846"/>
+          </a:xfrm>
+        </p:spPr>
+      </p:pic>
+      <p:sp>
+        <p:nvSpPr>
+          <p:cNvPr id="3" name="Content Placeholder 2"/>
+          <p:cNvSpPr>
+            <a:spLocks noGrp="1"/>
+          </p:cNvSpPr>
+          <p:nvPr>
+            <p:ph type="body" sz="half" idx="2"/>
+          </p:nvPr>
+        </p:nvSpPr>
+        <p:spPr>
+          <a:xfrm>
+            <a:off x="628073" y="2373745"/>
+            <a:ext cx="4886035" cy="3694545"/>
+          </a:xfrm>
+        </p:spPr>
+        <p:txBody>
+          <a:bodyPr>
+            <a:normAutofit/>
+          </a:bodyPr>
+          <a:lstStyle/>
+          <a:p>
+            <a:pPr marL="342900" indent="-342900">
+              <a:buClr>
+                <a:schemeClr val="bg1"/>
+              </a:buClr>
+              <a:buFont typeface="Wingdings" panose="05000000000000000000" pitchFamily="2" charset="2"/>
+              <a:buChar char="Ø"/>
+            </a:pPr>
+            <a:r>
+              <a:rPr lang="en-US" sz="2200" dirty="0" smtClean="0">
+                <a:solidFill>
+                  <a:schemeClr val="bg1"/>
+                </a:solidFill>
+                <a:latin typeface="Arial" panose="020B0604020202020204" pitchFamily="34" charset="0"/>
+                <a:cs typeface="Arial" panose="020B0604020202020204" pitchFamily="34" charset="0"/>
+              </a:rPr>
+              <a:t>Entity Framework Core is with open source like many of the latest Microsoft technologies</a:t>
+            </a:r>
+          </a:p>
+          <a:p>
+            <a:pPr marL="342900" indent="-342900">
+              <a:buClr>
+                <a:schemeClr val="bg1"/>
+              </a:buClr>
+              <a:buFont typeface="Wingdings" panose="05000000000000000000" pitchFamily="2" charset="2"/>
+              <a:buChar char="Ø"/>
+            </a:pPr>
+            <a:r>
+              <a:rPr lang="en-US" sz="2200" dirty="0" smtClean="0">
+                <a:solidFill>
+                  <a:schemeClr val="bg1"/>
+                </a:solidFill>
+                <a:latin typeface="Arial" panose="020B0604020202020204" pitchFamily="34" charset="0"/>
+                <a:cs typeface="Arial" panose="020B0604020202020204" pitchFamily="34" charset="0"/>
+              </a:rPr>
+              <a:t>It is plugin/package oriented unlike Entity Framework 6 (.NET based)</a:t>
+            </a:r>
+          </a:p>
+          <a:p>
+            <a:pPr marL="342900" indent="-342900">
+              <a:buClr>
+                <a:schemeClr val="bg1"/>
+              </a:buClr>
+              <a:buFont typeface="Wingdings" panose="05000000000000000000" pitchFamily="2" charset="2"/>
+              <a:buChar char="Ø"/>
+            </a:pPr>
+            <a:r>
+              <a:rPr lang="en-US" sz="2200" dirty="0" smtClean="0">
+                <a:solidFill>
+                  <a:schemeClr val="bg1"/>
+                </a:solidFill>
+                <a:latin typeface="Arial" panose="020B0604020202020204" pitchFamily="34" charset="0"/>
+                <a:cs typeface="Arial" panose="020B0604020202020204" pitchFamily="34" charset="0"/>
+              </a:rPr>
+              <a:t>GitHub repository of EF Core:  </a:t>
+            </a:r>
+            <a:r>
+              <a:rPr lang="en-US" sz="2200" dirty="0" smtClean="0">
+                <a:solidFill>
+                  <a:schemeClr val="bg1"/>
+                </a:solidFill>
+                <a:latin typeface="Arial" panose="020B0604020202020204" pitchFamily="34" charset="0"/>
+                <a:cs typeface="Arial" panose="020B0604020202020204" pitchFamily="34" charset="0"/>
+                <a:hlinkClick r:id="rId3"/>
+              </a:rPr>
+              <a:t>https</a:t>
+            </a:r>
+            <a:r>
+              <a:rPr lang="en-US" sz="2200" dirty="0">
+                <a:solidFill>
+                  <a:schemeClr val="bg1"/>
+                </a:solidFill>
+                <a:latin typeface="Arial" panose="020B0604020202020204" pitchFamily="34" charset="0"/>
+                <a:cs typeface="Arial" panose="020B0604020202020204" pitchFamily="34" charset="0"/>
+                <a:hlinkClick r:id="rId3"/>
+              </a:rPr>
+              <a:t>://</a:t>
+            </a:r>
+            <a:r>
+              <a:rPr lang="en-US" sz="2200" dirty="0" smtClean="0">
+                <a:solidFill>
+                  <a:schemeClr val="bg1"/>
+                </a:solidFill>
+                <a:latin typeface="Arial" panose="020B0604020202020204" pitchFamily="34" charset="0"/>
+                <a:cs typeface="Arial" panose="020B0604020202020204" pitchFamily="34" charset="0"/>
+                <a:hlinkClick r:id="rId3"/>
+              </a:rPr>
+              <a:t>github.com/dotnet/efcore</a:t>
+            </a:r>
+            <a:endParaRPr lang="en-US" sz="2200" dirty="0">
+              <a:solidFill>
+                <a:schemeClr val="bg1"/>
+              </a:solidFill>
+              <a:latin typeface="Arial" panose="020B0604020202020204" pitchFamily="34" charset="0"/>
+              <a:cs typeface="Arial" panose="020B0604020202020204" pitchFamily="34" charset="0"/>
+            </a:endParaRPr>
+          </a:p>
+          <a:p>
+            <a:pPr marL="0" indent="0">
+              <a:buNone/>
+            </a:pPr>
+            <a:endParaRPr lang="en-US" dirty="0"/>
+          </a:p>
+        </p:txBody>
+      </p:sp>
+    </p:spTree>
+    <p:extLst>
+      <p:ext uri="{BB962C8B-B14F-4D97-AF65-F5344CB8AC3E}">
+        <p14:creationId xmlns:p14="http://schemas.microsoft.com/office/powerpoint/2010/main" val="3557390921"/>
+      </p:ext>
+    </p:extLst>
+  </p:cSld>
+  <p:clrMapOvr>
+    <a:masterClrMapping/>
+  </p:clrMapOvr>
+  <p:timing>
+    <p:tnLst>
+      <p:par>
+        <p:cTn id="1" dur="indefinite" restart="never" nodeType="tmRoot"/>
+      </p:par>
+    </p:tnLst>
+  </p:timing>
+</p:sld>
+</file>
+
+<file path=ppt/slides/slide21.xml><?xml version="1.0" encoding="utf-8"?>
+<p:sld xmlns:a="http://schemas.openxmlformats.org/drawingml/2006/main" xmlns:r="http://schemas.openxmlformats.org/officeDocument/2006/relationships" xmlns:p="http://schemas.openxmlformats.org/presentationml/2006/main">
+  <p:cSld>
+    <p:spTree>
+      <p:nvGrpSpPr>
+        <p:cNvPr id="1" name=""/>
+        <p:cNvGrpSpPr/>
+        <p:nvPr/>
+      </p:nvGrpSpPr>
+      <p:grpSpPr>
+        <a:xfrm>
+          <a:off x="0" y="0"/>
+          <a:ext cx="0" cy="0"/>
+          <a:chOff x="0" y="0"/>
+          <a:chExt cx="0" cy="0"/>
+        </a:xfrm>
+      </p:grpSpPr>
+      <p:sp>
+        <p:nvSpPr>
+          <p:cNvPr id="2" name="Title 1"/>
+          <p:cNvSpPr>
+            <a:spLocks noGrp="1"/>
+          </p:cNvSpPr>
+          <p:nvPr>
+            <p:ph type="title"/>
+          </p:nvPr>
+        </p:nvSpPr>
+        <p:spPr/>
+        <p:txBody>
+          <a:bodyPr/>
+          <a:lstStyle/>
+          <a:p>
             <a:pPr algn="ctr"/>
             <a:r>
               <a:rPr lang="en-US" dirty="0" smtClean="0">
@@ -15087,12 +16008,14 @@
         </p:nvSpPr>
         <p:spPr>
           <a:xfrm>
-            <a:off x="1154954" y="3543300"/>
-            <a:ext cx="8825659" cy="3171536"/>
+            <a:off x="684695" y="3378927"/>
+            <a:ext cx="8502849" cy="3396342"/>
           </a:xfrm>
         </p:spPr>
         <p:txBody>
-          <a:bodyPr/>
+          <a:bodyPr>
+            <a:normAutofit/>
+          </a:bodyPr>
           <a:lstStyle/>
           <a:p>
             <a:pPr marL="285750" indent="-285750">
@@ -15156,8 +16079,45 @@
                 <a:latin typeface="Arial" panose="020B0604020202020204" pitchFamily="34" charset="0"/>
                 <a:cs typeface="Arial" panose="020B0604020202020204" pitchFamily="34" charset="0"/>
               </a:rPr>
-              <a:t>Supports many database providers</a:t>
-            </a:r>
+              <a:t>Supports many database </a:t>
+            </a:r>
+            <a:r>
+              <a:rPr lang="en-US" dirty="0" smtClean="0">
+                <a:latin typeface="Arial" panose="020B0604020202020204" pitchFamily="34" charset="0"/>
+                <a:cs typeface="Arial" panose="020B0604020202020204" pitchFamily="34" charset="0"/>
+              </a:rPr>
+              <a:t>providers  </a:t>
+            </a:r>
+            <a:r>
+              <a:rPr lang="en-US" dirty="0">
+                <a:latin typeface="Arial" panose="020B0604020202020204" pitchFamily="34" charset="0"/>
+                <a:cs typeface="Arial" panose="020B0604020202020204" pitchFamily="34" charset="0"/>
+                <a:hlinkClick r:id="rId2"/>
+              </a:rPr>
+              <a:t>https://docs.microsoft.com/en-us/ef/core/providers/?</a:t>
+            </a:r>
+            <a:r>
+              <a:rPr lang="en-US" dirty="0" smtClean="0">
+                <a:latin typeface="Arial" panose="020B0604020202020204" pitchFamily="34" charset="0"/>
+                <a:cs typeface="Arial" panose="020B0604020202020204" pitchFamily="34" charset="0"/>
+                <a:hlinkClick r:id="rId2"/>
+              </a:rPr>
+              <a:t>tabs=dotnet-core-cli</a:t>
+            </a:r>
+            <a:endParaRPr lang="en-US" dirty="0" smtClean="0">
+              <a:latin typeface="Arial" panose="020B0604020202020204" pitchFamily="34" charset="0"/>
+              <a:cs typeface="Arial" panose="020B0604020202020204" pitchFamily="34" charset="0"/>
+            </a:endParaRPr>
+          </a:p>
+          <a:p>
+            <a:pPr marL="285750" indent="-285750">
+              <a:buFont typeface="Wingdings" panose="05000000000000000000" pitchFamily="2" charset="2"/>
+              <a:buChar char="Ø"/>
+            </a:pPr>
+            <a:endParaRPr lang="en-US" dirty="0" smtClean="0">
+              <a:latin typeface="Arial" panose="020B0604020202020204" pitchFamily="34" charset="0"/>
+              <a:cs typeface="Arial" panose="020B0604020202020204" pitchFamily="34" charset="0"/>
+            </a:endParaRPr>
           </a:p>
           <a:p>
             <a:pPr marL="285750" indent="-285750">
@@ -15185,10 +16145,113 @@
   <p:clrMapOvr>
     <a:masterClrMapping/>
   </p:clrMapOvr>
+  <p:timing>
+    <p:tnLst>
+      <p:par>
+        <p:cTn id="1" dur="indefinite" restart="never" nodeType="tmRoot"/>
+      </p:par>
+    </p:tnLst>
+  </p:timing>
 </p:sld>
 </file>
 
-<file path=ppt/slides/slide19.xml><?xml version="1.0" encoding="utf-8"?>
+<file path=ppt/slides/slide22.xml><?xml version="1.0" encoding="utf-8"?>
+<p:sld xmlns:a="http://schemas.openxmlformats.org/drawingml/2006/main" xmlns:r="http://schemas.openxmlformats.org/officeDocument/2006/relationships" xmlns:p="http://schemas.openxmlformats.org/presentationml/2006/main">
+  <p:cSld>
+    <p:spTree>
+      <p:nvGrpSpPr>
+        <p:cNvPr id="1" name=""/>
+        <p:cNvGrpSpPr/>
+        <p:nvPr/>
+      </p:nvGrpSpPr>
+      <p:grpSpPr>
+        <a:xfrm>
+          <a:off x="0" y="0"/>
+          <a:ext cx="0" cy="0"/>
+          <a:chOff x="0" y="0"/>
+          <a:chExt cx="0" cy="0"/>
+        </a:xfrm>
+      </p:grpSpPr>
+      <p:sp>
+        <p:nvSpPr>
+          <p:cNvPr id="2" name="Title 1"/>
+          <p:cNvSpPr>
+            <a:spLocks noGrp="1"/>
+          </p:cNvSpPr>
+          <p:nvPr>
+            <p:ph type="title"/>
+          </p:nvPr>
+        </p:nvSpPr>
+        <p:spPr/>
+        <p:txBody>
+          <a:bodyPr/>
+          <a:lstStyle/>
+          <a:p>
+            <a:pPr algn="ctr"/>
+            <a:r>
+              <a:rPr lang="en-US" dirty="0" smtClean="0"/>
+              <a:t>Bonus slide for developers </a:t>
+            </a:r>
+            <a:r>
+              <a:rPr lang="en-US" dirty="0" smtClean="0">
+                <a:sym typeface="Wingdings" panose="05000000000000000000" pitchFamily="2" charset="2"/>
+              </a:rPr>
+              <a:t></a:t>
+            </a:r>
+            <a:endParaRPr lang="en-US" dirty="0"/>
+          </a:p>
+        </p:txBody>
+      </p:sp>
+      <p:pic>
+        <p:nvPicPr>
+          <p:cNvPr id="4" name="Content Placeholder 3"/>
+          <p:cNvPicPr>
+            <a:picLocks noGrp="1" noChangeAspect="1"/>
+          </p:cNvPicPr>
+          <p:nvPr>
+            <p:ph idx="1"/>
+          </p:nvPr>
+        </p:nvPicPr>
+        <p:blipFill>
+          <a:blip r:embed="rId2">
+            <a:extLst>
+              <a:ext uri="{28A0092B-C50C-407E-A947-70E740481C1C}">
+                <a14:useLocalDpi xmlns:a14="http://schemas.microsoft.com/office/drawing/2010/main" val="0"/>
+              </a:ext>
+            </a:extLst>
+          </a:blip>
+          <a:stretch>
+            <a:fillRect/>
+          </a:stretch>
+        </p:blipFill>
+        <p:spPr>
+          <a:xfrm>
+            <a:off x="2518387" y="2403921"/>
+            <a:ext cx="7014720" cy="4142026"/>
+          </a:xfrm>
+        </p:spPr>
+      </p:pic>
+    </p:spTree>
+    <p:extLst>
+      <p:ext uri="{BB962C8B-B14F-4D97-AF65-F5344CB8AC3E}">
+        <p14:creationId xmlns:p14="http://schemas.microsoft.com/office/powerpoint/2010/main" val="3786659160"/>
+      </p:ext>
+    </p:extLst>
+  </p:cSld>
+  <p:clrMapOvr>
+    <a:masterClrMapping/>
+  </p:clrMapOvr>
+  <p:timing>
+    <p:tnLst>
+      <p:par>
+        <p:cTn id="1" dur="indefinite" restart="never" nodeType="tmRoot"/>
+      </p:par>
+    </p:tnLst>
+  </p:timing>
+</p:sld>
+</file>
+
+<file path=ppt/slides/slide23.xml><?xml version="1.0" encoding="utf-8"?>
 <p:sld xmlns:a="http://schemas.openxmlformats.org/drawingml/2006/main" xmlns:r="http://schemas.openxmlformats.org/officeDocument/2006/relationships" xmlns:p="http://schemas.openxmlformats.org/presentationml/2006/main">
   <p:cSld>
     <p:spTree>
@@ -15250,312 +16313,13 @@
   <p:clrMapOvr>
     <a:masterClrMapping/>
   </p:clrMapOvr>
-</p:sld>
-</file>
-
-<file path=ppt/slides/slide2.xml><?xml version="1.0" encoding="utf-8"?>
-<p:sld xmlns:a="http://schemas.openxmlformats.org/drawingml/2006/main" xmlns:r="http://schemas.openxmlformats.org/officeDocument/2006/relationships" xmlns:p="http://schemas.openxmlformats.org/presentationml/2006/main">
-  <p:cSld>
-    <p:spTree>
-      <p:nvGrpSpPr>
-        <p:cNvPr id="1" name=""/>
-        <p:cNvGrpSpPr/>
-        <p:nvPr/>
-      </p:nvGrpSpPr>
-      <p:grpSpPr>
-        <a:xfrm>
-          <a:off x="0" y="0"/>
-          <a:ext cx="0" cy="0"/>
-          <a:chOff x="0" y="0"/>
-          <a:chExt cx="0" cy="0"/>
-        </a:xfrm>
-      </p:grpSpPr>
-      <p:sp>
-        <p:nvSpPr>
-          <p:cNvPr id="2" name="Title 1"/>
-          <p:cNvSpPr>
-            <a:spLocks noGrp="1"/>
-          </p:cNvSpPr>
-          <p:nvPr>
-            <p:ph type="title"/>
-          </p:nvPr>
-        </p:nvSpPr>
-        <p:spPr/>
-        <p:txBody>
-          <a:bodyPr/>
-          <a:lstStyle/>
-          <a:p>
-            <a:r>
-              <a:rPr lang="en-US" dirty="0" smtClean="0"/>
-              <a:t>Table of Contents</a:t>
-            </a:r>
-            <a:endParaRPr lang="en-US" dirty="0"/>
-          </a:p>
-        </p:txBody>
-      </p:sp>
-      <p:sp>
-        <p:nvSpPr>
-          <p:cNvPr id="7" name="Content Placeholder 3"/>
-          <p:cNvSpPr>
-            <a:spLocks noGrp="1"/>
-          </p:cNvSpPr>
-          <p:nvPr>
-            <p:ph sz="half" idx="2"/>
-          </p:nvPr>
-        </p:nvSpPr>
-        <p:spPr>
-          <a:xfrm>
-            <a:off x="710502" y="2438400"/>
-            <a:ext cx="4535753" cy="4054763"/>
-          </a:xfrm>
-        </p:spPr>
-        <p:txBody>
-          <a:bodyPr>
-            <a:normAutofit fontScale="92500" lnSpcReduction="10000"/>
-          </a:bodyPr>
-          <a:lstStyle/>
-          <a:p>
-            <a:r>
-              <a:rPr lang="en-US" sz="1600" dirty="0" smtClean="0">
-                <a:latin typeface="Arial" panose="020B0604020202020204" pitchFamily="34" charset="0"/>
-                <a:cs typeface="Arial" panose="020B0604020202020204" pitchFamily="34" charset="0"/>
-              </a:rPr>
-              <a:t>The Rise of Internet and Storage systems</a:t>
-            </a:r>
-          </a:p>
-          <a:p>
-            <a:r>
-              <a:rPr lang="en-US" sz="1600" dirty="0" smtClean="0">
-                <a:latin typeface="Arial" panose="020B0604020202020204" pitchFamily="34" charset="0"/>
-                <a:cs typeface="Arial" panose="020B0604020202020204" pitchFamily="34" charset="0"/>
-              </a:rPr>
-              <a:t>SQL vs NoSQL databases</a:t>
-            </a:r>
-          </a:p>
-          <a:p>
-            <a:r>
-              <a:rPr lang="en-US" sz="1600" dirty="0" smtClean="0">
-                <a:latin typeface="Arial" panose="020B0604020202020204" pitchFamily="34" charset="0"/>
-                <a:cs typeface="Arial" panose="020B0604020202020204" pitchFamily="34" charset="0"/>
-              </a:rPr>
-              <a:t>MS SQL (overview)</a:t>
-            </a:r>
-          </a:p>
-          <a:p>
-            <a:r>
-              <a:rPr lang="en-US" sz="1600" dirty="0">
-                <a:latin typeface="Arial" panose="020B0604020202020204" pitchFamily="34" charset="0"/>
-                <a:cs typeface="Arial" panose="020B0604020202020204" pitchFamily="34" charset="0"/>
-              </a:rPr>
-              <a:t>ADO.NET (overview</a:t>
-            </a:r>
-            <a:r>
-              <a:rPr lang="en-US" sz="1600" dirty="0" smtClean="0">
-                <a:latin typeface="Arial" panose="020B0604020202020204" pitchFamily="34" charset="0"/>
-                <a:cs typeface="Arial" panose="020B0604020202020204" pitchFamily="34" charset="0"/>
-              </a:rPr>
-              <a:t>)</a:t>
-            </a:r>
-            <a:endParaRPr lang="en-US" sz="1600" dirty="0" smtClean="0">
-              <a:latin typeface="Arial" panose="020B0604020202020204" pitchFamily="34" charset="0"/>
-              <a:cs typeface="Arial" panose="020B0604020202020204" pitchFamily="34" charset="0"/>
-            </a:endParaRPr>
-          </a:p>
-          <a:p>
-            <a:r>
-              <a:rPr lang="en-US" sz="1600" dirty="0" smtClean="0">
-                <a:latin typeface="Arial" panose="020B0604020202020204" pitchFamily="34" charset="0"/>
-                <a:cs typeface="Arial" panose="020B0604020202020204" pitchFamily="34" charset="0"/>
-              </a:rPr>
-              <a:t>What </a:t>
-            </a:r>
-            <a:r>
-              <a:rPr lang="en-US" sz="1600" dirty="0">
-                <a:latin typeface="Arial" panose="020B0604020202020204" pitchFamily="34" charset="0"/>
-                <a:cs typeface="Arial" panose="020B0604020202020204" pitchFamily="34" charset="0"/>
-              </a:rPr>
-              <a:t>is ORM and how it works</a:t>
-            </a:r>
-            <a:r>
-              <a:rPr lang="en-US" sz="1600" dirty="0" smtClean="0">
-                <a:latin typeface="Arial" panose="020B0604020202020204" pitchFamily="34" charset="0"/>
-                <a:cs typeface="Arial" panose="020B0604020202020204" pitchFamily="34" charset="0"/>
-              </a:rPr>
-              <a:t>?</a:t>
-            </a:r>
-          </a:p>
-          <a:p>
-            <a:r>
-              <a:rPr lang="en-US" sz="1600" dirty="0">
-                <a:latin typeface="Arial" panose="020B0604020202020204" pitchFamily="34" charset="0"/>
-                <a:cs typeface="Arial" panose="020B0604020202020204" pitchFamily="34" charset="0"/>
-              </a:rPr>
-              <a:t>The benefits from ORM systems?</a:t>
-            </a:r>
-          </a:p>
-          <a:p>
-            <a:r>
-              <a:rPr lang="en-US" sz="1600" dirty="0">
-                <a:latin typeface="Arial" panose="020B0604020202020204" pitchFamily="34" charset="0"/>
-                <a:cs typeface="Arial" panose="020B0604020202020204" pitchFamily="34" charset="0"/>
-              </a:rPr>
-              <a:t>Entity Framework </a:t>
-            </a:r>
-            <a:r>
-              <a:rPr lang="en-US" sz="1600" dirty="0" smtClean="0">
-                <a:latin typeface="Arial" panose="020B0604020202020204" pitchFamily="34" charset="0"/>
-                <a:cs typeface="Arial" panose="020B0604020202020204" pitchFamily="34" charset="0"/>
-              </a:rPr>
-              <a:t>Core</a:t>
-            </a:r>
-          </a:p>
-          <a:p>
-            <a:r>
-              <a:rPr lang="en-US" sz="1600" dirty="0">
-                <a:latin typeface="Arial" panose="020B0604020202020204" pitchFamily="34" charset="0"/>
-                <a:cs typeface="Arial" panose="020B0604020202020204" pitchFamily="34" charset="0"/>
-              </a:rPr>
-              <a:t>The Model (code first approach</a:t>
-            </a:r>
-            <a:r>
-              <a:rPr lang="en-US" sz="1600" dirty="0" smtClean="0">
-                <a:latin typeface="Arial" panose="020B0604020202020204" pitchFamily="34" charset="0"/>
-                <a:cs typeface="Arial" panose="020B0604020202020204" pitchFamily="34" charset="0"/>
-              </a:rPr>
-              <a:t>)</a:t>
-            </a:r>
-          </a:p>
-          <a:p>
-            <a:r>
-              <a:rPr lang="en-US" sz="1600" dirty="0">
-                <a:latin typeface="Arial" panose="020B0604020202020204" pitchFamily="34" charset="0"/>
-                <a:cs typeface="Arial" panose="020B0604020202020204" pitchFamily="34" charset="0"/>
-              </a:rPr>
-              <a:t>The Model (database first approach</a:t>
-            </a:r>
-            <a:r>
-              <a:rPr lang="en-US" sz="1600" dirty="0" smtClean="0">
-                <a:latin typeface="Arial" panose="020B0604020202020204" pitchFamily="34" charset="0"/>
-                <a:cs typeface="Arial" panose="020B0604020202020204" pitchFamily="34" charset="0"/>
-              </a:rPr>
-              <a:t>)</a:t>
-            </a:r>
-          </a:p>
-          <a:p>
-            <a:r>
-              <a:rPr lang="en-US" sz="1600" dirty="0">
-                <a:latin typeface="Arial" panose="020B0604020202020204" pitchFamily="34" charset="0"/>
-                <a:cs typeface="Arial" panose="020B0604020202020204" pitchFamily="34" charset="0"/>
-              </a:rPr>
-              <a:t>What is LINQ and how we use it in EF </a:t>
-            </a:r>
-            <a:r>
-              <a:rPr lang="en-US" sz="1600" dirty="0" smtClean="0">
-                <a:latin typeface="Arial" panose="020B0604020202020204" pitchFamily="34" charset="0"/>
-                <a:cs typeface="Arial" panose="020B0604020202020204" pitchFamily="34" charset="0"/>
-              </a:rPr>
-              <a:t>Core?</a:t>
-            </a:r>
-          </a:p>
-          <a:p>
-            <a:r>
-              <a:rPr lang="en-US" sz="1600" dirty="0">
-                <a:latin typeface="Arial" panose="020B0604020202020204" pitchFamily="34" charset="0"/>
-                <a:cs typeface="Arial" panose="020B0604020202020204" pitchFamily="34" charset="0"/>
-              </a:rPr>
-              <a:t>Entity </a:t>
-            </a:r>
-            <a:r>
-              <a:rPr lang="en-US" sz="1600" dirty="0" smtClean="0">
-                <a:latin typeface="Arial" panose="020B0604020202020204" pitchFamily="34" charset="0"/>
-                <a:cs typeface="Arial" panose="020B0604020202020204" pitchFamily="34" charset="0"/>
-              </a:rPr>
-              <a:t>Relations</a:t>
-            </a:r>
-          </a:p>
-          <a:p>
-            <a:r>
-              <a:rPr lang="en-US" sz="1600" dirty="0">
-                <a:latin typeface="Arial" panose="020B0604020202020204" pitchFamily="34" charset="0"/>
-                <a:cs typeface="Arial" panose="020B0604020202020204" pitchFamily="34" charset="0"/>
-              </a:rPr>
-              <a:t>How to include EF Core in our C# </a:t>
-            </a:r>
-            <a:r>
-              <a:rPr lang="en-US" sz="1600" dirty="0" smtClean="0">
-                <a:latin typeface="Arial" panose="020B0604020202020204" pitchFamily="34" charset="0"/>
-                <a:cs typeface="Arial" panose="020B0604020202020204" pitchFamily="34" charset="0"/>
-              </a:rPr>
-              <a:t>project?</a:t>
-            </a:r>
-            <a:endParaRPr lang="en-US" sz="1600" dirty="0">
-              <a:latin typeface="Arial" panose="020B0604020202020204" pitchFamily="34" charset="0"/>
-              <a:cs typeface="Arial" panose="020B0604020202020204" pitchFamily="34" charset="0"/>
-            </a:endParaRPr>
-          </a:p>
-          <a:p>
-            <a:pPr marL="0" indent="0">
-              <a:buNone/>
-            </a:pPr>
-            <a:endParaRPr lang="en-US" sz="1600" dirty="0">
-              <a:latin typeface="Arial" panose="020B0604020202020204" pitchFamily="34" charset="0"/>
-              <a:cs typeface="Arial" panose="020B0604020202020204" pitchFamily="34" charset="0"/>
-            </a:endParaRPr>
-          </a:p>
-          <a:p>
-            <a:endParaRPr lang="en-US" sz="1600" dirty="0">
-              <a:latin typeface="Arial" panose="020B0604020202020204" pitchFamily="34" charset="0"/>
-              <a:cs typeface="Arial" panose="020B0604020202020204" pitchFamily="34" charset="0"/>
-            </a:endParaRPr>
-          </a:p>
-          <a:p>
-            <a:endParaRPr lang="en-US" sz="1600" dirty="0">
-              <a:latin typeface="Arial" panose="020B0604020202020204" pitchFamily="34" charset="0"/>
-              <a:cs typeface="Arial" panose="020B0604020202020204" pitchFamily="34" charset="0"/>
-            </a:endParaRPr>
-          </a:p>
-          <a:p>
-            <a:endParaRPr lang="en-US" dirty="0">
-              <a:latin typeface="Arial" panose="020B0604020202020204" pitchFamily="34" charset="0"/>
-              <a:cs typeface="Arial" panose="020B0604020202020204" pitchFamily="34" charset="0"/>
-            </a:endParaRPr>
-          </a:p>
-          <a:p>
-            <a:endParaRPr lang="en-US" dirty="0">
-              <a:latin typeface="Arial" panose="020B0604020202020204" pitchFamily="34" charset="0"/>
-              <a:cs typeface="Arial" panose="020B0604020202020204" pitchFamily="34" charset="0"/>
-            </a:endParaRPr>
-          </a:p>
-          <a:p>
-            <a:endParaRPr lang="en-US" dirty="0" smtClean="0">
-              <a:latin typeface="Arial" panose="020B0604020202020204" pitchFamily="34" charset="0"/>
-              <a:cs typeface="Arial" panose="020B0604020202020204" pitchFamily="34" charset="0"/>
-            </a:endParaRPr>
-          </a:p>
-          <a:p>
-            <a:endParaRPr lang="en-US" dirty="0" smtClean="0">
-              <a:latin typeface="Arial" panose="020B0604020202020204" pitchFamily="34" charset="0"/>
-              <a:cs typeface="Arial" panose="020B0604020202020204" pitchFamily="34" charset="0"/>
-            </a:endParaRPr>
-          </a:p>
-          <a:p>
-            <a:endParaRPr lang="en-US" dirty="0" smtClean="0"/>
-          </a:p>
-          <a:p>
-            <a:endParaRPr lang="en-US" dirty="0"/>
-          </a:p>
-        </p:txBody>
-      </p:sp>
-    </p:spTree>
-    <p:extLst>
-      <p:ext uri="{BB962C8B-B14F-4D97-AF65-F5344CB8AC3E}">
-        <p14:creationId xmlns:p14="http://schemas.microsoft.com/office/powerpoint/2010/main" val="4154506407"/>
-      </p:ext>
-    </p:extLst>
-  </p:cSld>
-  <p:clrMapOvr>
-    <a:masterClrMapping/>
-  </p:clrMapOvr>
+  <p:timing>
+    <p:tnLst>
+      <p:par>
+        <p:cTn id="1" dur="indefinite" restart="never" nodeType="tmRoot"/>
+      </p:par>
+    </p:tnLst>
+  </p:timing>
 </p:sld>
 </file>
 
@@ -15596,14 +16360,7 @@
                 <a:latin typeface="Arial" panose="020B0604020202020204" pitchFamily="34" charset="0"/>
                 <a:cs typeface="Arial" panose="020B0604020202020204" pitchFamily="34" charset="0"/>
               </a:rPr>
-              <a:t>The rise of Internet and storage </a:t>
-            </a:r>
-            <a:r>
-              <a:rPr lang="en-US" sz="3200" dirty="0" smtClean="0">
-                <a:latin typeface="Arial" panose="020B0604020202020204" pitchFamily="34" charset="0"/>
-                <a:cs typeface="Arial" panose="020B0604020202020204" pitchFamily="34" charset="0"/>
-              </a:rPr>
-              <a:t>systems</a:t>
+              <a:t>The rise of Internet and storage systems</a:t>
             </a:r>
             <a:endParaRPr lang="en-US" sz="3200" dirty="0">
               <a:latin typeface="Arial" panose="020B0604020202020204" pitchFamily="34" charset="0"/>
@@ -16405,6 +17162,13 @@
   <p:clrMapOvr>
     <a:masterClrMapping/>
   </p:clrMapOvr>
+  <p:timing>
+    <p:tnLst>
+      <p:par>
+        <p:cTn id="1" dur="indefinite" restart="never" nodeType="tmRoot"/>
+      </p:par>
+    </p:tnLst>
+  </p:timing>
 </p:sld>
 </file>
 

--- a/Databases_and_EntityFrameworkCore.pptx
+++ b/Databases_and_EntityFrameworkCore.pptx
@@ -526,7 +526,7 @@
           <a:p>
             <a:fld id="{87DD66F1-7FC0-403D-82FE-3DDCE4AD2CCB}" type="datetimeFigureOut">
               <a:rPr lang="en-US" smtClean="0"/>
-              <a:t>10/2/2021</a:t>
+              <a:t>10/16/2021</a:t>
             </a:fld>
             <a:endParaRPr lang="en-US" dirty="0"/>
           </a:p>
@@ -1614,7 +1614,7 @@
           <a:p>
             <a:fld id="{87DD66F1-7FC0-403D-82FE-3DDCE4AD2CCB}" type="datetimeFigureOut">
               <a:rPr lang="en-US" smtClean="0"/>
-              <a:t>10/2/2021</a:t>
+              <a:t>10/16/2021</a:t>
             </a:fld>
             <a:endParaRPr lang="en-US" dirty="0"/>
           </a:p>
@@ -2594,7 +2594,7 @@
           <a:p>
             <a:fld id="{87DD66F1-7FC0-403D-82FE-3DDCE4AD2CCB}" type="datetimeFigureOut">
               <a:rPr lang="en-US" smtClean="0"/>
-              <a:t>10/2/2021</a:t>
+              <a:t>10/16/2021</a:t>
             </a:fld>
             <a:endParaRPr lang="en-US" dirty="0"/>
           </a:p>
@@ -3728,7 +3728,7 @@
           <a:p>
             <a:fld id="{87DD66F1-7FC0-403D-82FE-3DDCE4AD2CCB}" type="datetimeFigureOut">
               <a:rPr lang="en-US" smtClean="0"/>
-              <a:t>10/2/2021</a:t>
+              <a:t>10/16/2021</a:t>
             </a:fld>
             <a:endParaRPr lang="en-US" dirty="0"/>
           </a:p>
@@ -4761,7 +4761,7 @@
           <a:p>
             <a:fld id="{87DD66F1-7FC0-403D-82FE-3DDCE4AD2CCB}" type="datetimeFigureOut">
               <a:rPr lang="en-US" smtClean="0"/>
-              <a:t>10/2/2021</a:t>
+              <a:t>10/16/2021</a:t>
             </a:fld>
             <a:endParaRPr lang="en-US" dirty="0"/>
           </a:p>
@@ -5421,7 +5421,7 @@
           <a:p>
             <a:fld id="{87DD66F1-7FC0-403D-82FE-3DDCE4AD2CCB}" type="datetimeFigureOut">
               <a:rPr lang="en-US" smtClean="0"/>
-              <a:t>10/2/2021</a:t>
+              <a:t>10/16/2021</a:t>
             </a:fld>
             <a:endParaRPr lang="en-US" dirty="0"/>
           </a:p>
@@ -6282,7 +6282,7 @@
           <a:p>
             <a:fld id="{87DD66F1-7FC0-403D-82FE-3DDCE4AD2CCB}" type="datetimeFigureOut">
               <a:rPr lang="en-US" smtClean="0"/>
-              <a:t>10/2/2021</a:t>
+              <a:t>10/16/2021</a:t>
             </a:fld>
             <a:endParaRPr lang="en-US" dirty="0"/>
           </a:p>
@@ -6472,7 +6472,7 @@
           <a:p>
             <a:fld id="{87DD66F1-7FC0-403D-82FE-3DDCE4AD2CCB}" type="datetimeFigureOut">
               <a:rPr lang="en-US" smtClean="0"/>
-              <a:t>10/2/2021</a:t>
+              <a:t>10/16/2021</a:t>
             </a:fld>
             <a:endParaRPr lang="en-US" dirty="0"/>
           </a:p>
@@ -7444,7 +7444,7 @@
           <a:p>
             <a:fld id="{87DD66F1-7FC0-403D-82FE-3DDCE4AD2CCB}" type="datetimeFigureOut">
               <a:rPr lang="en-US" smtClean="0"/>
-              <a:t>10/2/2021</a:t>
+              <a:t>10/16/2021</a:t>
             </a:fld>
             <a:endParaRPr lang="en-US" dirty="0"/>
           </a:p>
@@ -7655,7 +7655,7 @@
           <a:p>
             <a:fld id="{87DD66F1-7FC0-403D-82FE-3DDCE4AD2CCB}" type="datetimeFigureOut">
               <a:rPr lang="en-US" smtClean="0"/>
-              <a:t>10/2/2021</a:t>
+              <a:t>10/16/2021</a:t>
             </a:fld>
             <a:endParaRPr lang="en-US" dirty="0"/>
           </a:p>
@@ -8689,7 +8689,7 @@
           <a:p>
             <a:fld id="{87DD66F1-7FC0-403D-82FE-3DDCE4AD2CCB}" type="datetimeFigureOut">
               <a:rPr lang="en-US" smtClean="0"/>
-              <a:t>10/2/2021</a:t>
+              <a:t>10/16/2021</a:t>
             </a:fld>
             <a:endParaRPr lang="en-US" dirty="0"/>
           </a:p>
@@ -8961,7 +8961,7 @@
           <a:p>
             <a:fld id="{87DD66F1-7FC0-403D-82FE-3DDCE4AD2CCB}" type="datetimeFigureOut">
               <a:rPr lang="en-US" smtClean="0"/>
-              <a:t>10/2/2021</a:t>
+              <a:t>10/16/2021</a:t>
             </a:fld>
             <a:endParaRPr lang="en-US" dirty="0"/>
           </a:p>
@@ -9371,7 +9371,7 @@
           <a:p>
             <a:fld id="{87DD66F1-7FC0-403D-82FE-3DDCE4AD2CCB}" type="datetimeFigureOut">
               <a:rPr lang="en-US" smtClean="0"/>
-              <a:t>10/2/2021</a:t>
+              <a:t>10/16/2021</a:t>
             </a:fld>
             <a:endParaRPr lang="en-US" dirty="0"/>
           </a:p>
@@ -9498,7 +9498,7 @@
           <a:p>
             <a:fld id="{87DD66F1-7FC0-403D-82FE-3DDCE4AD2CCB}" type="datetimeFigureOut">
               <a:rPr lang="en-US" smtClean="0"/>
-              <a:t>10/2/2021</a:t>
+              <a:t>10/16/2021</a:t>
             </a:fld>
             <a:endParaRPr lang="en-US" dirty="0"/>
           </a:p>
@@ -9593,7 +9593,7 @@
           <a:p>
             <a:fld id="{87DD66F1-7FC0-403D-82FE-3DDCE4AD2CCB}" type="datetimeFigureOut">
               <a:rPr lang="en-US" smtClean="0"/>
-              <a:t>10/2/2021</a:t>
+              <a:t>10/16/2021</a:t>
             </a:fld>
             <a:endParaRPr lang="en-US" dirty="0"/>
           </a:p>
@@ -10674,7 +10674,7 @@
           <a:p>
             <a:fld id="{87DD66F1-7FC0-403D-82FE-3DDCE4AD2CCB}" type="datetimeFigureOut">
               <a:rPr lang="en-US" smtClean="0"/>
-              <a:t>10/2/2021</a:t>
+              <a:t>10/16/2021</a:t>
             </a:fld>
             <a:endParaRPr lang="en-US" dirty="0"/>
           </a:p>
@@ -11782,7 +11782,7 @@
           <a:p>
             <a:fld id="{87DD66F1-7FC0-403D-82FE-3DDCE4AD2CCB}" type="datetimeFigureOut">
               <a:rPr lang="en-US" smtClean="0"/>
-              <a:t>10/2/2021</a:t>
+              <a:t>10/16/2021</a:t>
             </a:fld>
             <a:endParaRPr lang="en-US" dirty="0"/>
           </a:p>
@@ -12779,7 +12779,7 @@
           <a:p>
             <a:fld id="{87DD66F1-7FC0-403D-82FE-3DDCE4AD2CCB}" type="datetimeFigureOut">
               <a:rPr lang="en-US" smtClean="0"/>
-              <a:t>10/2/2021</a:t>
+              <a:t>10/16/2021</a:t>
             </a:fld>
             <a:endParaRPr lang="en-US" dirty="0"/>
           </a:p>
@@ -15313,7 +15313,7 @@
           <a:lstStyle/>
           <a:p>
             <a:r>
-              <a:rPr lang="en-US" sz="1400" dirty="0">
+              <a:rPr lang="en-US" dirty="0">
                 <a:latin typeface="Arial" panose="020B0604020202020204" pitchFamily="34" charset="0"/>
                 <a:cs typeface="Arial" panose="020B0604020202020204" pitchFamily="34" charset="0"/>
               </a:rPr>
@@ -15322,7 +15322,7 @@
           </a:p>
           <a:p>
             <a:r>
-              <a:rPr lang="en-US" sz="1400" dirty="0">
+              <a:rPr lang="en-US" dirty="0">
                 <a:latin typeface="Arial" panose="020B0604020202020204" pitchFamily="34" charset="0"/>
                 <a:cs typeface="Arial" panose="020B0604020202020204" pitchFamily="34" charset="0"/>
               </a:rPr>
@@ -15331,7 +15331,7 @@
           </a:p>
           <a:p>
             <a:r>
-              <a:rPr lang="en-US" sz="1400" dirty="0">
+              <a:rPr lang="en-US" dirty="0">
                 <a:latin typeface="Arial" panose="020B0604020202020204" pitchFamily="34" charset="0"/>
                 <a:cs typeface="Arial" panose="020B0604020202020204" pitchFamily="34" charset="0"/>
               </a:rPr>
@@ -15340,7 +15340,7 @@
           </a:p>
           <a:p>
             <a:r>
-              <a:rPr lang="en-US" sz="1400" dirty="0">
+              <a:rPr lang="en-US" dirty="0">
                 <a:latin typeface="Arial" panose="020B0604020202020204" pitchFamily="34" charset="0"/>
                 <a:cs typeface="Arial" panose="020B0604020202020204" pitchFamily="34" charset="0"/>
               </a:rPr>
@@ -15349,7 +15349,7 @@
           </a:p>
           <a:p>
             <a:r>
-              <a:rPr lang="en-US" sz="1400" dirty="0">
+              <a:rPr lang="en-US" dirty="0">
                 <a:latin typeface="Arial" panose="020B0604020202020204" pitchFamily="34" charset="0"/>
                 <a:cs typeface="Arial" panose="020B0604020202020204" pitchFamily="34" charset="0"/>
               </a:rPr>
@@ -15427,7 +15427,7 @@
         </p:spPr>
         <p:txBody>
           <a:bodyPr>
-            <a:normAutofit fontScale="25000" lnSpcReduction="20000"/>
+            <a:normAutofit fontScale="32500" lnSpcReduction="20000"/>
           </a:bodyPr>
           <a:lstStyle/>
           <a:p>
@@ -15529,10 +15529,6 @@
               </a:rPr>
               <a:t>Model design approaches</a:t>
             </a:r>
-            <a:endParaRPr lang="en-US" sz="5600" dirty="0" smtClean="0">
-              <a:latin typeface="Arial" panose="020B0604020202020204" pitchFamily="34" charset="0"/>
-              <a:cs typeface="Arial" panose="020B0604020202020204" pitchFamily="34" charset="0"/>
-            </a:endParaRPr>
           </a:p>
           <a:p>
             <a:r>
@@ -15572,87 +15568,6 @@
               </a:rPr>
               <a:t>)</a:t>
             </a:r>
-            <a:endParaRPr lang="en-US" sz="5600" dirty="0" smtClean="0">
-              <a:latin typeface="Arial" panose="020B0604020202020204" pitchFamily="34" charset="0"/>
-              <a:cs typeface="Arial" panose="020B0604020202020204" pitchFamily="34" charset="0"/>
-            </a:endParaRPr>
-          </a:p>
-          <a:p>
-            <a:r>
-              <a:rPr lang="en-US" sz="5600" dirty="0">
-                <a:latin typeface="Arial" panose="020B0604020202020204" pitchFamily="34" charset="0"/>
-                <a:cs typeface="Arial" panose="020B0604020202020204" pitchFamily="34" charset="0"/>
-              </a:rPr>
-              <a:t>What is LINQ and how we use it in EF </a:t>
-            </a:r>
-            <a:r>
-              <a:rPr lang="en-US" sz="5600" dirty="0" smtClean="0">
-                <a:latin typeface="Arial" panose="020B0604020202020204" pitchFamily="34" charset="0"/>
-                <a:cs typeface="Arial" panose="020B0604020202020204" pitchFamily="34" charset="0"/>
-              </a:rPr>
-              <a:t>Core?</a:t>
-            </a:r>
-          </a:p>
-          <a:p>
-            <a:r>
-              <a:rPr lang="en-US" sz="5600" dirty="0">
-                <a:latin typeface="Arial" panose="020B0604020202020204" pitchFamily="34" charset="0"/>
-                <a:cs typeface="Arial" panose="020B0604020202020204" pitchFamily="34" charset="0"/>
-              </a:rPr>
-              <a:t>Entity </a:t>
-            </a:r>
-            <a:r>
-              <a:rPr lang="en-US" sz="5600" dirty="0" smtClean="0">
-                <a:latin typeface="Arial" panose="020B0604020202020204" pitchFamily="34" charset="0"/>
-                <a:cs typeface="Arial" panose="020B0604020202020204" pitchFamily="34" charset="0"/>
-              </a:rPr>
-              <a:t>Relations</a:t>
-            </a:r>
-          </a:p>
-          <a:p>
-            <a:r>
-              <a:rPr lang="en-US" sz="5600" dirty="0">
-                <a:latin typeface="Arial" panose="020B0604020202020204" pitchFamily="34" charset="0"/>
-                <a:cs typeface="Arial" panose="020B0604020202020204" pitchFamily="34" charset="0"/>
-              </a:rPr>
-              <a:t>How to include EF Core in our C# </a:t>
-            </a:r>
-            <a:r>
-              <a:rPr lang="en-US" sz="5600" dirty="0" smtClean="0">
-                <a:latin typeface="Arial" panose="020B0604020202020204" pitchFamily="34" charset="0"/>
-                <a:cs typeface="Arial" panose="020B0604020202020204" pitchFamily="34" charset="0"/>
-              </a:rPr>
-              <a:t>project</a:t>
-            </a:r>
-            <a:r>
-              <a:rPr lang="en-US" sz="5600" dirty="0" smtClean="0">
-                <a:latin typeface="Arial" panose="020B0604020202020204" pitchFamily="34" charset="0"/>
-                <a:cs typeface="Arial" panose="020B0604020202020204" pitchFamily="34" charset="0"/>
-              </a:rPr>
-              <a:t>?</a:t>
-            </a:r>
-          </a:p>
-          <a:p>
-            <a:r>
-              <a:rPr lang="en-US" sz="5600" dirty="0" smtClean="0">
-                <a:latin typeface="Arial" panose="020B0604020202020204" pitchFamily="34" charset="0"/>
-                <a:cs typeface="Arial" panose="020B0604020202020204" pitchFamily="34" charset="0"/>
-              </a:rPr>
-              <a:t>EF Core in the entire picture</a:t>
-            </a:r>
-          </a:p>
-          <a:p>
-            <a:r>
-              <a:rPr lang="en-US" sz="5600" dirty="0" smtClean="0">
-                <a:latin typeface="Arial" panose="020B0604020202020204" pitchFamily="34" charset="0"/>
-                <a:cs typeface="Arial" panose="020B0604020202020204" pitchFamily="34" charset="0"/>
-              </a:rPr>
-              <a:t>Entity Framework Core (source)</a:t>
-            </a:r>
-            <a:endParaRPr lang="en-US" sz="5600" dirty="0">
-              <a:latin typeface="Arial" panose="020B0604020202020204" pitchFamily="34" charset="0"/>
-              <a:cs typeface="Arial" panose="020B0604020202020204" pitchFamily="34" charset="0"/>
-            </a:endParaRPr>
           </a:p>
           <a:p>
             <a:pPr marL="0" indent="0">
@@ -16079,14 +15994,7 @@
                 <a:latin typeface="Arial" panose="020B0604020202020204" pitchFamily="34" charset="0"/>
                 <a:cs typeface="Arial" panose="020B0604020202020204" pitchFamily="34" charset="0"/>
               </a:rPr>
-              <a:t>Supports many database </a:t>
-            </a:r>
-            <a:r>
-              <a:rPr lang="en-US" dirty="0" smtClean="0">
-                <a:latin typeface="Arial" panose="020B0604020202020204" pitchFamily="34" charset="0"/>
-                <a:cs typeface="Arial" panose="020B0604020202020204" pitchFamily="34" charset="0"/>
-              </a:rPr>
-              <a:t>providers  </a:t>
+              <a:t>Supports many database providers  </a:t>
             </a:r>
             <a:r>
               <a:rPr lang="en-US" dirty="0">

--- a/Databases_and_EntityFrameworkCore.pptx
+++ b/Databases_and_EntityFrameworkCore.pptx
@@ -11,23 +11,22 @@
     <p:sldId id="258" r:id="rId5"/>
     <p:sldId id="259" r:id="rId6"/>
     <p:sldId id="260" r:id="rId7"/>
-    <p:sldId id="273" r:id="rId8"/>
+    <p:sldId id="280" r:id="rId8"/>
     <p:sldId id="261" r:id="rId9"/>
     <p:sldId id="262" r:id="rId10"/>
     <p:sldId id="263" r:id="rId11"/>
     <p:sldId id="264" r:id="rId12"/>
     <p:sldId id="265" r:id="rId13"/>
-    <p:sldId id="277" r:id="rId14"/>
-    <p:sldId id="267" r:id="rId15"/>
-    <p:sldId id="266" r:id="rId16"/>
-    <p:sldId id="268" r:id="rId17"/>
-    <p:sldId id="269" r:id="rId18"/>
-    <p:sldId id="272" r:id="rId19"/>
-    <p:sldId id="278" r:id="rId20"/>
+    <p:sldId id="278" r:id="rId14"/>
+    <p:sldId id="277" r:id="rId15"/>
+    <p:sldId id="267" r:id="rId16"/>
+    <p:sldId id="266" r:id="rId17"/>
+    <p:sldId id="268" r:id="rId18"/>
+    <p:sldId id="269" r:id="rId19"/>
+    <p:sldId id="272" r:id="rId20"/>
     <p:sldId id="276" r:id="rId21"/>
     <p:sldId id="270" r:id="rId22"/>
-    <p:sldId id="279" r:id="rId23"/>
-    <p:sldId id="271" r:id="rId24"/>
+    <p:sldId id="271" r:id="rId23"/>
   </p:sldIdLst>
   <p:sldSz cx="12192000" cy="6858000"/>
   <p:notesSz cx="6858000" cy="9144000"/>
@@ -137,22 +136,21 @@
             <p14:sldId id="258"/>
             <p14:sldId id="259"/>
             <p14:sldId id="260"/>
-            <p14:sldId id="273"/>
+            <p14:sldId id="280"/>
             <p14:sldId id="261"/>
             <p14:sldId id="262"/>
             <p14:sldId id="263"/>
             <p14:sldId id="264"/>
             <p14:sldId id="265"/>
+            <p14:sldId id="278"/>
             <p14:sldId id="277"/>
             <p14:sldId id="267"/>
             <p14:sldId id="266"/>
             <p14:sldId id="268"/>
             <p14:sldId id="269"/>
             <p14:sldId id="272"/>
-            <p14:sldId id="278"/>
             <p14:sldId id="276"/>
             <p14:sldId id="270"/>
-            <p14:sldId id="279"/>
             <p14:sldId id="271"/>
           </p14:sldIdLst>
         </p14:section>
@@ -526,7 +524,7 @@
           <a:p>
             <a:fld id="{87DD66F1-7FC0-403D-82FE-3DDCE4AD2CCB}" type="datetimeFigureOut">
               <a:rPr lang="en-US" smtClean="0"/>
-              <a:t>10/16/2021</a:t>
+              <a:t>10/17/2021</a:t>
             </a:fld>
             <a:endParaRPr lang="en-US" dirty="0"/>
           </a:p>
@@ -1614,7 +1612,7 @@
           <a:p>
             <a:fld id="{87DD66F1-7FC0-403D-82FE-3DDCE4AD2CCB}" type="datetimeFigureOut">
               <a:rPr lang="en-US" smtClean="0"/>
-              <a:t>10/16/2021</a:t>
+              <a:t>10/17/2021</a:t>
             </a:fld>
             <a:endParaRPr lang="en-US" dirty="0"/>
           </a:p>
@@ -2594,7 +2592,7 @@
           <a:p>
             <a:fld id="{87DD66F1-7FC0-403D-82FE-3DDCE4AD2CCB}" type="datetimeFigureOut">
               <a:rPr lang="en-US" smtClean="0"/>
-              <a:t>10/16/2021</a:t>
+              <a:t>10/17/2021</a:t>
             </a:fld>
             <a:endParaRPr lang="en-US" dirty="0"/>
           </a:p>
@@ -3728,7 +3726,7 @@
           <a:p>
             <a:fld id="{87DD66F1-7FC0-403D-82FE-3DDCE4AD2CCB}" type="datetimeFigureOut">
               <a:rPr lang="en-US" smtClean="0"/>
-              <a:t>10/16/2021</a:t>
+              <a:t>10/17/2021</a:t>
             </a:fld>
             <a:endParaRPr lang="en-US" dirty="0"/>
           </a:p>
@@ -4761,7 +4759,7 @@
           <a:p>
             <a:fld id="{87DD66F1-7FC0-403D-82FE-3DDCE4AD2CCB}" type="datetimeFigureOut">
               <a:rPr lang="en-US" smtClean="0"/>
-              <a:t>10/16/2021</a:t>
+              <a:t>10/17/2021</a:t>
             </a:fld>
             <a:endParaRPr lang="en-US" dirty="0"/>
           </a:p>
@@ -5421,7 +5419,7 @@
           <a:p>
             <a:fld id="{87DD66F1-7FC0-403D-82FE-3DDCE4AD2CCB}" type="datetimeFigureOut">
               <a:rPr lang="en-US" smtClean="0"/>
-              <a:t>10/16/2021</a:t>
+              <a:t>10/17/2021</a:t>
             </a:fld>
             <a:endParaRPr lang="en-US" dirty="0"/>
           </a:p>
@@ -6282,7 +6280,7 @@
           <a:p>
             <a:fld id="{87DD66F1-7FC0-403D-82FE-3DDCE4AD2CCB}" type="datetimeFigureOut">
               <a:rPr lang="en-US" smtClean="0"/>
-              <a:t>10/16/2021</a:t>
+              <a:t>10/17/2021</a:t>
             </a:fld>
             <a:endParaRPr lang="en-US" dirty="0"/>
           </a:p>
@@ -6472,7 +6470,7 @@
           <a:p>
             <a:fld id="{87DD66F1-7FC0-403D-82FE-3DDCE4AD2CCB}" type="datetimeFigureOut">
               <a:rPr lang="en-US" smtClean="0"/>
-              <a:t>10/16/2021</a:t>
+              <a:t>10/17/2021</a:t>
             </a:fld>
             <a:endParaRPr lang="en-US" dirty="0"/>
           </a:p>
@@ -7444,7 +7442,7 @@
           <a:p>
             <a:fld id="{87DD66F1-7FC0-403D-82FE-3DDCE4AD2CCB}" type="datetimeFigureOut">
               <a:rPr lang="en-US" smtClean="0"/>
-              <a:t>10/16/2021</a:t>
+              <a:t>10/17/2021</a:t>
             </a:fld>
             <a:endParaRPr lang="en-US" dirty="0"/>
           </a:p>
@@ -7655,7 +7653,7 @@
           <a:p>
             <a:fld id="{87DD66F1-7FC0-403D-82FE-3DDCE4AD2CCB}" type="datetimeFigureOut">
               <a:rPr lang="en-US" smtClean="0"/>
-              <a:t>10/16/2021</a:t>
+              <a:t>10/17/2021</a:t>
             </a:fld>
             <a:endParaRPr lang="en-US" dirty="0"/>
           </a:p>
@@ -8689,7 +8687,7 @@
           <a:p>
             <a:fld id="{87DD66F1-7FC0-403D-82FE-3DDCE4AD2CCB}" type="datetimeFigureOut">
               <a:rPr lang="en-US" smtClean="0"/>
-              <a:t>10/16/2021</a:t>
+              <a:t>10/17/2021</a:t>
             </a:fld>
             <a:endParaRPr lang="en-US" dirty="0"/>
           </a:p>
@@ -8961,7 +8959,7 @@
           <a:p>
             <a:fld id="{87DD66F1-7FC0-403D-82FE-3DDCE4AD2CCB}" type="datetimeFigureOut">
               <a:rPr lang="en-US" smtClean="0"/>
-              <a:t>10/16/2021</a:t>
+              <a:t>10/17/2021</a:t>
             </a:fld>
             <a:endParaRPr lang="en-US" dirty="0"/>
           </a:p>
@@ -9371,7 +9369,7 @@
           <a:p>
             <a:fld id="{87DD66F1-7FC0-403D-82FE-3DDCE4AD2CCB}" type="datetimeFigureOut">
               <a:rPr lang="en-US" smtClean="0"/>
-              <a:t>10/16/2021</a:t>
+              <a:t>10/17/2021</a:t>
             </a:fld>
             <a:endParaRPr lang="en-US" dirty="0"/>
           </a:p>
@@ -9498,7 +9496,7 @@
           <a:p>
             <a:fld id="{87DD66F1-7FC0-403D-82FE-3DDCE4AD2CCB}" type="datetimeFigureOut">
               <a:rPr lang="en-US" smtClean="0"/>
-              <a:t>10/16/2021</a:t>
+              <a:t>10/17/2021</a:t>
             </a:fld>
             <a:endParaRPr lang="en-US" dirty="0"/>
           </a:p>
@@ -9593,7 +9591,7 @@
           <a:p>
             <a:fld id="{87DD66F1-7FC0-403D-82FE-3DDCE4AD2CCB}" type="datetimeFigureOut">
               <a:rPr lang="en-US" smtClean="0"/>
-              <a:t>10/16/2021</a:t>
+              <a:t>10/17/2021</a:t>
             </a:fld>
             <a:endParaRPr lang="en-US" dirty="0"/>
           </a:p>
@@ -10674,7 +10672,7 @@
           <a:p>
             <a:fld id="{87DD66F1-7FC0-403D-82FE-3DDCE4AD2CCB}" type="datetimeFigureOut">
               <a:rPr lang="en-US" smtClean="0"/>
-              <a:t>10/16/2021</a:t>
+              <a:t>10/17/2021</a:t>
             </a:fld>
             <a:endParaRPr lang="en-US" dirty="0"/>
           </a:p>
@@ -11782,7 +11780,7 @@
           <a:p>
             <a:fld id="{87DD66F1-7FC0-403D-82FE-3DDCE4AD2CCB}" type="datetimeFigureOut">
               <a:rPr lang="en-US" smtClean="0"/>
-              <a:t>10/16/2021</a:t>
+              <a:t>10/17/2021</a:t>
             </a:fld>
             <a:endParaRPr lang="en-US" dirty="0"/>
           </a:p>
@@ -12779,7 +12777,7 @@
           <a:p>
             <a:fld id="{87DD66F1-7FC0-403D-82FE-3DDCE4AD2CCB}" type="datetimeFigureOut">
               <a:rPr lang="en-US" smtClean="0"/>
-              <a:t>10/16/2021</a:t>
+              <a:t>10/17/2021</a:t>
             </a:fld>
             <a:endParaRPr lang="en-US" dirty="0"/>
           </a:p>
@@ -13946,7 +13944,43 @@
                 <a:latin typeface="Arial" panose="020B0604020202020204" pitchFamily="34" charset="0"/>
                 <a:cs typeface="Arial" panose="020B0604020202020204" pitchFamily="34" charset="0"/>
               </a:rPr>
-              <a:t>We work with C# but not with SQL anymore!</a:t>
+              <a:t>We work with </a:t>
+            </a:r>
+            <a:r>
+              <a:rPr lang="en-US" dirty="0" smtClean="0">
+                <a:solidFill>
+                  <a:schemeClr val="accent6">
+                    <a:lumMod val="50000"/>
+                  </a:schemeClr>
+                </a:solidFill>
+                <a:latin typeface="Arial" panose="020B0604020202020204" pitchFamily="34" charset="0"/>
+                <a:cs typeface="Arial" panose="020B0604020202020204" pitchFamily="34" charset="0"/>
+              </a:rPr>
+              <a:t>code</a:t>
+            </a:r>
+            <a:r>
+              <a:rPr lang="en-US" dirty="0" smtClean="0">
+                <a:solidFill>
+                  <a:schemeClr val="accent6">
+                    <a:lumMod val="50000"/>
+                  </a:schemeClr>
+                </a:solidFill>
+                <a:latin typeface="Arial" panose="020B0604020202020204" pitchFamily="34" charset="0"/>
+                <a:cs typeface="Arial" panose="020B0604020202020204" pitchFamily="34" charset="0"/>
+              </a:rPr>
+              <a:t> </a:t>
+            </a:r>
+            <a:r>
+              <a:rPr lang="en-US" dirty="0" smtClean="0">
+                <a:solidFill>
+                  <a:schemeClr val="accent6">
+                    <a:lumMod val="50000"/>
+                  </a:schemeClr>
+                </a:solidFill>
+                <a:latin typeface="Arial" panose="020B0604020202020204" pitchFamily="34" charset="0"/>
+                <a:cs typeface="Arial" panose="020B0604020202020204" pitchFamily="34" charset="0"/>
+              </a:rPr>
+              <a:t>but not with SQL anymore!</a:t>
             </a:r>
             <a:endParaRPr lang="en-US" dirty="0">
               <a:solidFill>
@@ -14150,6 +14184,104 @@
       </p:grpSpPr>
       <p:sp>
         <p:nvSpPr>
+          <p:cNvPr id="5" name="Title 4"/>
+          <p:cNvSpPr>
+            <a:spLocks noGrp="1"/>
+          </p:cNvSpPr>
+          <p:nvPr>
+            <p:ph type="title"/>
+          </p:nvPr>
+        </p:nvSpPr>
+        <p:spPr/>
+        <p:txBody>
+          <a:bodyPr/>
+          <a:lstStyle/>
+          <a:p>
+            <a:pPr algn="ctr"/>
+            <a:r>
+              <a:rPr lang="en-US" dirty="0" smtClean="0"/>
+              <a:t>EF Core in the </a:t>
+            </a:r>
+            <a:r>
+              <a:rPr lang="en-US" dirty="0" smtClean="0"/>
+              <a:t>whole </a:t>
+            </a:r>
+            <a:r>
+              <a:rPr lang="en-US" dirty="0" smtClean="0"/>
+              <a:t>picture</a:t>
+            </a:r>
+            <a:endParaRPr lang="en-US" dirty="0"/>
+          </a:p>
+        </p:txBody>
+      </p:sp>
+      <p:pic>
+        <p:nvPicPr>
+          <p:cNvPr id="7" name="Content Placeholder 6"/>
+          <p:cNvPicPr>
+            <a:picLocks noGrp="1" noChangeAspect="1"/>
+          </p:cNvPicPr>
+          <p:nvPr>
+            <p:ph idx="1"/>
+          </p:nvPr>
+        </p:nvPicPr>
+        <p:blipFill>
+          <a:blip r:embed="rId2">
+            <a:extLst>
+              <a:ext uri="{28A0092B-C50C-407E-A947-70E740481C1C}">
+                <a14:useLocalDpi xmlns:a14="http://schemas.microsoft.com/office/drawing/2010/main" val="0"/>
+              </a:ext>
+            </a:extLst>
+          </a:blip>
+          <a:stretch>
+            <a:fillRect/>
+          </a:stretch>
+        </p:blipFill>
+        <p:spPr>
+          <a:xfrm>
+            <a:off x="3937560" y="2448063"/>
+            <a:ext cx="4009938" cy="3949358"/>
+          </a:xfrm>
+        </p:spPr>
+      </p:pic>
+    </p:spTree>
+    <p:extLst>
+      <p:ext uri="{BB962C8B-B14F-4D97-AF65-F5344CB8AC3E}">
+        <p14:creationId xmlns:p14="http://schemas.microsoft.com/office/powerpoint/2010/main" val="822469674"/>
+      </p:ext>
+    </p:extLst>
+  </p:cSld>
+  <p:clrMapOvr>
+    <a:masterClrMapping/>
+  </p:clrMapOvr>
+  <p:timing>
+    <p:tnLst>
+      <p:par>
+        <p:cTn id="1" dur="indefinite" restart="never" nodeType="tmRoot"/>
+      </p:par>
+    </p:tnLst>
+  </p:timing>
+</p:sld>
+</file>
+
+<file path=ppt/slides/slide14.xml><?xml version="1.0" encoding="utf-8"?>
+<p:sld xmlns:a="http://schemas.openxmlformats.org/drawingml/2006/main" xmlns:r="http://schemas.openxmlformats.org/officeDocument/2006/relationships" xmlns:p="http://schemas.openxmlformats.org/presentationml/2006/main">
+  <p:cSld>
+    <p:spTree>
+      <p:nvGrpSpPr>
+        <p:cNvPr id="1" name=""/>
+        <p:cNvGrpSpPr/>
+        <p:nvPr/>
+      </p:nvGrpSpPr>
+      <p:grpSpPr>
+        <a:xfrm>
+          <a:off x="0" y="0"/>
+          <a:ext cx="0" cy="0"/>
+          <a:chOff x="0" y="0"/>
+          <a:chExt cx="0" cy="0"/>
+        </a:xfrm>
+      </p:grpSpPr>
+      <p:sp>
+        <p:nvSpPr>
           <p:cNvPr id="2" name="Title 1"/>
           <p:cNvSpPr>
             <a:spLocks noGrp="1"/>
@@ -14227,7 +14359,7 @@
 </p:sld>
 </file>
 
-<file path=ppt/slides/slide14.xml><?xml version="1.0" encoding="utf-8"?>
+<file path=ppt/slides/slide15.xml><?xml version="1.0" encoding="utf-8"?>
 <p:sld xmlns:a="http://schemas.openxmlformats.org/drawingml/2006/main" xmlns:r="http://schemas.openxmlformats.org/officeDocument/2006/relationships" xmlns:p="http://schemas.openxmlformats.org/presentationml/2006/main">
   <p:cSld>
     <p:spTree>
@@ -14396,9 +14528,39 @@
         </p:blipFill>
         <p:spPr>
           <a:xfrm>
-            <a:off x="6126447" y="1532106"/>
+            <a:off x="6117738" y="2342003"/>
             <a:ext cx="5792887" cy="3857017"/>
           </a:xfrm>
+        </p:spPr>
+      </p:pic>
+      <p:pic>
+        <p:nvPicPr>
+          <p:cNvPr id="2" name="Picture 1"/>
+          <p:cNvPicPr>
+            <a:picLocks noChangeAspect="1"/>
+          </p:cNvPicPr>
+          <p:nvPr/>
+        </p:nvPicPr>
+        <p:blipFill>
+          <a:blip r:embed="rId3">
+            <a:extLst>
+              <a:ext uri="{28A0092B-C50C-407E-A947-70E740481C1C}">
+                <a14:useLocalDpi xmlns:a14="http://schemas.microsoft.com/office/drawing/2010/main" val="0"/>
+              </a:ext>
+            </a:extLst>
+          </a:blip>
+          <a:stretch>
+            <a:fillRect/>
+          </a:stretch>
+        </p:blipFill>
+        <p:spPr>
+          <a:xfrm>
+            <a:off x="6117738" y="1308133"/>
+            <a:ext cx="5901453" cy="738381"/>
+          </a:xfrm>
+          <a:prstGeom prst="rect">
+            <a:avLst/>
+          </a:prstGeom>
         </p:spPr>
       </p:pic>
     </p:spTree>
@@ -14421,7 +14583,7 @@
 </p:sld>
 </file>
 
-<file path=ppt/slides/slide15.xml><?xml version="1.0" encoding="utf-8"?>
+<file path=ppt/slides/slide16.xml><?xml version="1.0" encoding="utf-8"?>
 <p:sld xmlns:a="http://schemas.openxmlformats.org/drawingml/2006/main" xmlns:r="http://schemas.openxmlformats.org/officeDocument/2006/relationships" xmlns:p="http://schemas.openxmlformats.org/presentationml/2006/main">
   <p:cSld>
     <p:spTree>
@@ -14623,7 +14785,7 @@
 </p:sld>
 </file>
 
-<file path=ppt/slides/slide16.xml><?xml version="1.0" encoding="utf-8"?>
+<file path=ppt/slides/slide17.xml><?xml version="1.0" encoding="utf-8"?>
 <p:sld xmlns:a="http://schemas.openxmlformats.org/drawingml/2006/main" xmlns:r="http://schemas.openxmlformats.org/officeDocument/2006/relationships" xmlns:p="http://schemas.openxmlformats.org/presentationml/2006/main">
   <p:cSld>
     <p:spTree>
@@ -14878,7 +15040,7 @@
 </p:sld>
 </file>
 
-<file path=ppt/slides/slide17.xml><?xml version="1.0" encoding="utf-8"?>
+<file path=ppt/slides/slide18.xml><?xml version="1.0" encoding="utf-8"?>
 <p:sld xmlns:a="http://schemas.openxmlformats.org/drawingml/2006/main" xmlns:r="http://schemas.openxmlformats.org/officeDocument/2006/relationships" xmlns:p="http://schemas.openxmlformats.org/presentationml/2006/main">
   <p:cSld>
     <p:spTree>
@@ -15065,7 +15227,7 @@
 </p:sld>
 </file>
 
-<file path=ppt/slides/slide18.xml><?xml version="1.0" encoding="utf-8"?>
+<file path=ppt/slides/slide19.xml><?xml version="1.0" encoding="utf-8"?>
 <p:sld xmlns:a="http://schemas.openxmlformats.org/drawingml/2006/main" xmlns:r="http://schemas.openxmlformats.org/officeDocument/2006/relationships" xmlns:p="http://schemas.openxmlformats.org/presentationml/2006/main">
   <p:cSld>
     <p:spTree>
@@ -15160,96 +15322,6 @@
 </p:sld>
 </file>
 
-<file path=ppt/slides/slide19.xml><?xml version="1.0" encoding="utf-8"?>
-<p:sld xmlns:a="http://schemas.openxmlformats.org/drawingml/2006/main" xmlns:r="http://schemas.openxmlformats.org/officeDocument/2006/relationships" xmlns:p="http://schemas.openxmlformats.org/presentationml/2006/main">
-  <p:cSld>
-    <p:spTree>
-      <p:nvGrpSpPr>
-        <p:cNvPr id="1" name=""/>
-        <p:cNvGrpSpPr/>
-        <p:nvPr/>
-      </p:nvGrpSpPr>
-      <p:grpSpPr>
-        <a:xfrm>
-          <a:off x="0" y="0"/>
-          <a:ext cx="0" cy="0"/>
-          <a:chOff x="0" y="0"/>
-          <a:chExt cx="0" cy="0"/>
-        </a:xfrm>
-      </p:grpSpPr>
-      <p:sp>
-        <p:nvSpPr>
-          <p:cNvPr id="5" name="Title 4"/>
-          <p:cNvSpPr>
-            <a:spLocks noGrp="1"/>
-          </p:cNvSpPr>
-          <p:nvPr>
-            <p:ph type="title"/>
-          </p:nvPr>
-        </p:nvSpPr>
-        <p:spPr/>
-        <p:txBody>
-          <a:bodyPr/>
-          <a:lstStyle/>
-          <a:p>
-            <a:pPr algn="ctr"/>
-            <a:r>
-              <a:rPr lang="en-US" dirty="0" smtClean="0"/>
-              <a:t>EF Core in the entire picture</a:t>
-            </a:r>
-            <a:endParaRPr lang="en-US" dirty="0"/>
-          </a:p>
-        </p:txBody>
-      </p:sp>
-      <p:pic>
-        <p:nvPicPr>
-          <p:cNvPr id="7" name="Content Placeholder 6"/>
-          <p:cNvPicPr>
-            <a:picLocks noGrp="1" noChangeAspect="1"/>
-          </p:cNvPicPr>
-          <p:nvPr>
-            <p:ph idx="1"/>
-          </p:nvPr>
-        </p:nvPicPr>
-        <p:blipFill>
-          <a:blip r:embed="rId2">
-            <a:extLst>
-              <a:ext uri="{28A0092B-C50C-407E-A947-70E740481C1C}">
-                <a14:useLocalDpi xmlns:a14="http://schemas.microsoft.com/office/drawing/2010/main" val="0"/>
-              </a:ext>
-            </a:extLst>
-          </a:blip>
-          <a:stretch>
-            <a:fillRect/>
-          </a:stretch>
-        </p:blipFill>
-        <p:spPr>
-          <a:xfrm>
-            <a:off x="3937560" y="2448063"/>
-            <a:ext cx="4009938" cy="3949358"/>
-          </a:xfrm>
-        </p:spPr>
-      </p:pic>
-    </p:spTree>
-    <p:extLst>
-      <p:ext uri="{BB962C8B-B14F-4D97-AF65-F5344CB8AC3E}">
-        <p14:creationId xmlns:p14="http://schemas.microsoft.com/office/powerpoint/2010/main" val="822469674"/>
-      </p:ext>
-    </p:extLst>
-  </p:cSld>
-  <p:clrMapOvr>
-    <a:masterClrMapping/>
-  </p:clrMapOvr>
-  <p:timing>
-    <p:tnLst>
-      <p:par>
-        <p:cTn id="1" dur="indefinite" restart="never" nodeType="tmRoot"/>
-      </p:par>
-    </p:tnLst>
-  </p:timing>
-</p:sld>
-</file>
-
 <file path=ppt/slides/slide2.xml><?xml version="1.0" encoding="utf-8"?>
 <p:sld xmlns:a="http://schemas.openxmlformats.org/drawingml/2006/main" xmlns:r="http://schemas.openxmlformats.org/officeDocument/2006/relationships" xmlns:p="http://schemas.openxmlformats.org/presentationml/2006/main">
   <p:cSld>
@@ -15317,7 +15389,52 @@
                 <a:latin typeface="Arial" panose="020B0604020202020204" pitchFamily="34" charset="0"/>
                 <a:cs typeface="Arial" panose="020B0604020202020204" pitchFamily="34" charset="0"/>
               </a:rPr>
-              <a:t>What is LINQ and how we use it in EF Core?</a:t>
+              <a:t>Model design approaches</a:t>
+            </a:r>
+          </a:p>
+          <a:p>
+            <a:r>
+              <a:rPr lang="en-US" dirty="0">
+                <a:latin typeface="Arial" panose="020B0604020202020204" pitchFamily="34" charset="0"/>
+                <a:cs typeface="Arial" panose="020B0604020202020204" pitchFamily="34" charset="0"/>
+              </a:rPr>
+              <a:t>The Model (database first approach)</a:t>
+            </a:r>
+          </a:p>
+          <a:p>
+            <a:r>
+              <a:rPr lang="en-US" dirty="0">
+                <a:latin typeface="Arial" panose="020B0604020202020204" pitchFamily="34" charset="0"/>
+                <a:cs typeface="Arial" panose="020B0604020202020204" pitchFamily="34" charset="0"/>
+              </a:rPr>
+              <a:t>The Model (code first approach</a:t>
+            </a:r>
+            <a:r>
+              <a:rPr lang="en-US" dirty="0" smtClean="0">
+                <a:latin typeface="Arial" panose="020B0604020202020204" pitchFamily="34" charset="0"/>
+                <a:cs typeface="Arial" panose="020B0604020202020204" pitchFamily="34" charset="0"/>
+              </a:rPr>
+              <a:t>)</a:t>
+            </a:r>
+            <a:endParaRPr lang="en-US" dirty="0" smtClean="0">
+              <a:latin typeface="Arial" panose="020B0604020202020204" pitchFamily="34" charset="0"/>
+              <a:cs typeface="Arial" panose="020B0604020202020204" pitchFamily="34" charset="0"/>
+            </a:endParaRPr>
+          </a:p>
+          <a:p>
+            <a:r>
+              <a:rPr lang="en-US" dirty="0" smtClean="0">
+                <a:latin typeface="Arial" panose="020B0604020202020204" pitchFamily="34" charset="0"/>
+                <a:cs typeface="Arial" panose="020B0604020202020204" pitchFamily="34" charset="0"/>
+              </a:rPr>
+              <a:t>What </a:t>
+            </a:r>
+            <a:r>
+              <a:rPr lang="en-US" dirty="0">
+                <a:latin typeface="Arial" panose="020B0604020202020204" pitchFamily="34" charset="0"/>
+                <a:cs typeface="Arial" panose="020B0604020202020204" pitchFamily="34" charset="0"/>
+              </a:rPr>
+              <a:t>is LINQ and how we use it in EF Core?</a:t>
             </a:r>
           </a:p>
           <a:p>
@@ -15340,20 +15457,18 @@
           </a:p>
           <a:p>
             <a:r>
+              <a:rPr lang="en-US" dirty="0" smtClean="0">
+                <a:latin typeface="Arial" panose="020B0604020202020204" pitchFamily="34" charset="0"/>
+                <a:cs typeface="Arial" panose="020B0604020202020204" pitchFamily="34" charset="0"/>
+              </a:rPr>
+              <a:t>Entity </a:t>
+            </a:r>
+            <a:r>
               <a:rPr lang="en-US" dirty="0">
                 <a:latin typeface="Arial" panose="020B0604020202020204" pitchFamily="34" charset="0"/>
                 <a:cs typeface="Arial" panose="020B0604020202020204" pitchFamily="34" charset="0"/>
               </a:rPr>
-              <a:t>EF Core in the entire picture</a:t>
-            </a:r>
-          </a:p>
-          <a:p>
-            <a:r>
-              <a:rPr lang="en-US" dirty="0">
-                <a:latin typeface="Arial" panose="020B0604020202020204" pitchFamily="34" charset="0"/>
-                <a:cs typeface="Arial" panose="020B0604020202020204" pitchFamily="34" charset="0"/>
-              </a:rPr>
-              <a:t>Entity Framework Core (source)</a:t>
+              <a:t>Framework Core (source)</a:t>
             </a:r>
           </a:p>
           <a:p>
@@ -15436,16 +15551,14 @@
                 <a:latin typeface="Arial" panose="020B0604020202020204" pitchFamily="34" charset="0"/>
                 <a:cs typeface="Arial" panose="020B0604020202020204" pitchFamily="34" charset="0"/>
               </a:rPr>
-              <a:t>The Rise of Internet and Storage systems</a:t>
-            </a:r>
-          </a:p>
-          <a:p>
+              <a:t>The Rise of Internet and Storage </a:t>
+            </a:r>
             <a:r>
               <a:rPr lang="en-US" sz="5600" dirty="0" smtClean="0">
                 <a:latin typeface="Arial" panose="020B0604020202020204" pitchFamily="34" charset="0"/>
                 <a:cs typeface="Arial" panose="020B0604020202020204" pitchFamily="34" charset="0"/>
               </a:rPr>
-              <a:t>SQL vs NoSQL databases</a:t>
+              <a:t>systems</a:t>
             </a:r>
           </a:p>
           <a:p>
@@ -15454,8 +15567,54 @@
                 <a:latin typeface="Arial" panose="020B0604020202020204" pitchFamily="34" charset="0"/>
                 <a:cs typeface="Arial" panose="020B0604020202020204" pitchFamily="34" charset="0"/>
               </a:rPr>
-              <a:t>MS SQL (overview)</a:t>
-            </a:r>
+              <a:t>Where to store my data?</a:t>
+            </a:r>
+            <a:endParaRPr lang="en-US" sz="5600" dirty="0" smtClean="0">
+              <a:latin typeface="Arial" panose="020B0604020202020204" pitchFamily="34" charset="0"/>
+              <a:cs typeface="Arial" panose="020B0604020202020204" pitchFamily="34" charset="0"/>
+            </a:endParaRPr>
+          </a:p>
+          <a:p>
+            <a:r>
+              <a:rPr lang="en-US" sz="5600" dirty="0" smtClean="0">
+                <a:latin typeface="Arial" panose="020B0604020202020204" pitchFamily="34" charset="0"/>
+                <a:cs typeface="Arial" panose="020B0604020202020204" pitchFamily="34" charset="0"/>
+              </a:rPr>
+              <a:t>SQL vs NoSQL </a:t>
+            </a:r>
+            <a:r>
+              <a:rPr lang="en-US" sz="5600" dirty="0" smtClean="0">
+                <a:latin typeface="Arial" panose="020B0604020202020204" pitchFamily="34" charset="0"/>
+                <a:cs typeface="Arial" panose="020B0604020202020204" pitchFamily="34" charset="0"/>
+              </a:rPr>
+              <a:t>databases</a:t>
+            </a:r>
+          </a:p>
+          <a:p>
+            <a:r>
+              <a:rPr lang="en-US" sz="5600" dirty="0" smtClean="0">
+                <a:latin typeface="Arial" panose="020B0604020202020204" pitchFamily="34" charset="0"/>
+                <a:cs typeface="Arial" panose="020B0604020202020204" pitchFamily="34" charset="0"/>
+              </a:rPr>
+              <a:t>SQL vs NoSQL databases (fundamental differences)</a:t>
+            </a:r>
+            <a:endParaRPr lang="en-US" sz="5600" dirty="0" smtClean="0">
+              <a:latin typeface="Arial" panose="020B0604020202020204" pitchFamily="34" charset="0"/>
+              <a:cs typeface="Arial" panose="020B0604020202020204" pitchFamily="34" charset="0"/>
+            </a:endParaRPr>
+          </a:p>
+          <a:p>
+            <a:r>
+              <a:rPr lang="en-US" sz="5600" dirty="0" smtClean="0">
+                <a:latin typeface="Arial" panose="020B0604020202020204" pitchFamily="34" charset="0"/>
+                <a:cs typeface="Arial" panose="020B0604020202020204" pitchFamily="34" charset="0"/>
+              </a:rPr>
+              <a:t>How SQL works?</a:t>
+            </a:r>
+            <a:endParaRPr lang="en-US" sz="5600" dirty="0" smtClean="0">
+              <a:latin typeface="Arial" panose="020B0604020202020204" pitchFamily="34" charset="0"/>
+              <a:cs typeface="Arial" panose="020B0604020202020204" pitchFamily="34" charset="0"/>
+            </a:endParaRPr>
           </a:p>
           <a:p>
             <a:r>
@@ -15523,51 +15682,37 @@
           </a:p>
           <a:p>
             <a:r>
-              <a:rPr lang="en-US" sz="5600" dirty="0" smtClean="0">
+              <a:rPr lang="en-US" sz="5500" dirty="0">
                 <a:latin typeface="Arial" panose="020B0604020202020204" pitchFamily="34" charset="0"/>
                 <a:cs typeface="Arial" panose="020B0604020202020204" pitchFamily="34" charset="0"/>
               </a:rPr>
-              <a:t>Model design approaches</a:t>
-            </a:r>
-          </a:p>
-          <a:p>
-            <a:r>
-              <a:rPr lang="en-US" sz="5600" dirty="0" smtClean="0">
+              <a:t>EF Core in </a:t>
+            </a:r>
+            <a:r>
+              <a:rPr lang="en-US" sz="5500">
                 <a:latin typeface="Arial" panose="020B0604020202020204" pitchFamily="34" charset="0"/>
                 <a:cs typeface="Arial" panose="020B0604020202020204" pitchFamily="34" charset="0"/>
               </a:rPr>
-              <a:t>The </a:t>
-            </a:r>
-            <a:r>
-              <a:rPr lang="en-US" sz="5600" dirty="0">
+              <a:t>the </a:t>
+            </a:r>
+            <a:r>
+              <a:rPr lang="en-US" sz="5500" smtClean="0">
                 <a:latin typeface="Arial" panose="020B0604020202020204" pitchFamily="34" charset="0"/>
                 <a:cs typeface="Arial" panose="020B0604020202020204" pitchFamily="34" charset="0"/>
               </a:rPr>
-              <a:t>Model (database first approach</a:t>
-            </a:r>
-            <a:r>
-              <a:rPr lang="en-US" sz="5600" dirty="0" smtClean="0">
+              <a:t>whole </a:t>
+            </a:r>
+            <a:r>
+              <a:rPr lang="en-US" sz="5500" dirty="0" smtClean="0">
                 <a:latin typeface="Arial" panose="020B0604020202020204" pitchFamily="34" charset="0"/>
                 <a:cs typeface="Arial" panose="020B0604020202020204" pitchFamily="34" charset="0"/>
               </a:rPr>
-              <a:t>)</a:t>
-            </a:r>
-          </a:p>
-          <a:p>
-            <a:r>
-              <a:rPr lang="en-US" sz="5600" dirty="0">
-                <a:latin typeface="Arial" panose="020B0604020202020204" pitchFamily="34" charset="0"/>
-                <a:cs typeface="Arial" panose="020B0604020202020204" pitchFamily="34" charset="0"/>
-              </a:rPr>
-              <a:t>The Model (code first approach</a:t>
-            </a:r>
-            <a:r>
-              <a:rPr lang="en-US" sz="5600" dirty="0" smtClean="0">
-                <a:latin typeface="Arial" panose="020B0604020202020204" pitchFamily="34" charset="0"/>
-                <a:cs typeface="Arial" panose="020B0604020202020204" pitchFamily="34" charset="0"/>
-              </a:rPr>
-              <a:t>)</a:t>
-            </a:r>
+              <a:t>picture</a:t>
+            </a:r>
+            <a:endParaRPr lang="en-US" sz="5500" dirty="0" smtClean="0">
+              <a:latin typeface="Arial" panose="020B0604020202020204" pitchFamily="34" charset="0"/>
+              <a:cs typeface="Arial" panose="020B0604020202020204" pitchFamily="34" charset="0"/>
+            </a:endParaRPr>
           </a:p>
           <a:p>
             <a:pPr marL="0" indent="0">
@@ -16064,102 +16209,6 @@
 </file>
 
 <file path=ppt/slides/slide22.xml><?xml version="1.0" encoding="utf-8"?>
-<p:sld xmlns:a="http://schemas.openxmlformats.org/drawingml/2006/main" xmlns:r="http://schemas.openxmlformats.org/officeDocument/2006/relationships" xmlns:p="http://schemas.openxmlformats.org/presentationml/2006/main">
-  <p:cSld>
-    <p:spTree>
-      <p:nvGrpSpPr>
-        <p:cNvPr id="1" name=""/>
-        <p:cNvGrpSpPr/>
-        <p:nvPr/>
-      </p:nvGrpSpPr>
-      <p:grpSpPr>
-        <a:xfrm>
-          <a:off x="0" y="0"/>
-          <a:ext cx="0" cy="0"/>
-          <a:chOff x="0" y="0"/>
-          <a:chExt cx="0" cy="0"/>
-        </a:xfrm>
-      </p:grpSpPr>
-      <p:sp>
-        <p:nvSpPr>
-          <p:cNvPr id="2" name="Title 1"/>
-          <p:cNvSpPr>
-            <a:spLocks noGrp="1"/>
-          </p:cNvSpPr>
-          <p:nvPr>
-            <p:ph type="title"/>
-          </p:nvPr>
-        </p:nvSpPr>
-        <p:spPr/>
-        <p:txBody>
-          <a:bodyPr/>
-          <a:lstStyle/>
-          <a:p>
-            <a:pPr algn="ctr"/>
-            <a:r>
-              <a:rPr lang="en-US" dirty="0" smtClean="0"/>
-              <a:t>Bonus slide for developers </a:t>
-            </a:r>
-            <a:r>
-              <a:rPr lang="en-US" dirty="0" smtClean="0">
-                <a:sym typeface="Wingdings" panose="05000000000000000000" pitchFamily="2" charset="2"/>
-              </a:rPr>
-              <a:t></a:t>
-            </a:r>
-            <a:endParaRPr lang="en-US" dirty="0"/>
-          </a:p>
-        </p:txBody>
-      </p:sp>
-      <p:pic>
-        <p:nvPicPr>
-          <p:cNvPr id="4" name="Content Placeholder 3"/>
-          <p:cNvPicPr>
-            <a:picLocks noGrp="1" noChangeAspect="1"/>
-          </p:cNvPicPr>
-          <p:nvPr>
-            <p:ph idx="1"/>
-          </p:nvPr>
-        </p:nvPicPr>
-        <p:blipFill>
-          <a:blip r:embed="rId2">
-            <a:extLst>
-              <a:ext uri="{28A0092B-C50C-407E-A947-70E740481C1C}">
-                <a14:useLocalDpi xmlns:a14="http://schemas.microsoft.com/office/drawing/2010/main" val="0"/>
-              </a:ext>
-            </a:extLst>
-          </a:blip>
-          <a:stretch>
-            <a:fillRect/>
-          </a:stretch>
-        </p:blipFill>
-        <p:spPr>
-          <a:xfrm>
-            <a:off x="2518387" y="2403921"/>
-            <a:ext cx="7014720" cy="4142026"/>
-          </a:xfrm>
-        </p:spPr>
-      </p:pic>
-    </p:spTree>
-    <p:extLst>
-      <p:ext uri="{BB962C8B-B14F-4D97-AF65-F5344CB8AC3E}">
-        <p14:creationId xmlns:p14="http://schemas.microsoft.com/office/powerpoint/2010/main" val="3786659160"/>
-      </p:ext>
-    </p:extLst>
-  </p:cSld>
-  <p:clrMapOvr>
-    <a:masterClrMapping/>
-  </p:clrMapOvr>
-  <p:timing>
-    <p:tnLst>
-      <p:par>
-        <p:cTn id="1" dur="indefinite" restart="never" nodeType="tmRoot"/>
-      </p:par>
-    </p:tnLst>
-  </p:timing>
-</p:sld>
-</file>
-
-<file path=ppt/slides/slide23.xml><?xml version="1.0" encoding="utf-8"?>
 <p:sld xmlns:a="http://schemas.openxmlformats.org/drawingml/2006/main" xmlns:r="http://schemas.openxmlformats.org/officeDocument/2006/relationships" xmlns:p="http://schemas.openxmlformats.org/presentationml/2006/main">
   <p:cSld>
     <p:spTree>
@@ -16976,7 +17025,7 @@
                 <a:latin typeface="Arial" panose="020B0604020202020204" pitchFamily="34" charset="0"/>
                 <a:cs typeface="Arial" panose="020B0604020202020204" pitchFamily="34" charset="0"/>
               </a:rPr>
-              <a:t>MS SQL server (overview)</a:t>
+              <a:t>How SQL works?</a:t>
             </a:r>
             <a:endParaRPr lang="en-US" dirty="0">
               <a:latin typeface="Arial" panose="020B0604020202020204" pitchFamily="34" charset="0"/>
@@ -16987,12 +17036,12 @@
       </p:sp>
       <p:pic>
         <p:nvPicPr>
-          <p:cNvPr id="7" name="Content Placeholder 6"/>
+          <p:cNvPr id="5" name="Content Placeholder 4"/>
           <p:cNvPicPr>
             <a:picLocks noGrp="1" noChangeAspect="1"/>
           </p:cNvPicPr>
           <p:nvPr>
-            <p:ph sz="half" idx="2"/>
+            <p:ph sz="half" idx="1"/>
           </p:nvPr>
         </p:nvPicPr>
         <p:blipFill>
@@ -17009,61 +17058,135 @@
         </p:blipFill>
         <p:spPr>
           <a:xfrm>
-            <a:off x="1695811" y="2505508"/>
-            <a:ext cx="3485789" cy="3485789"/>
+            <a:off x="7081984" y="2895431"/>
+            <a:ext cx="3855981" cy="1326885"/>
+          </a:xfrm>
+        </p:spPr>
+      </p:pic>
+      <p:pic>
+        <p:nvPicPr>
+          <p:cNvPr id="6" name="Content Placeholder 5"/>
+          <p:cNvPicPr>
+            <a:picLocks noGrp="1" noChangeAspect="1"/>
+          </p:cNvPicPr>
+          <p:nvPr>
+            <p:ph sz="half" idx="2"/>
+          </p:nvPr>
+        </p:nvPicPr>
+        <p:blipFill>
+          <a:blip r:embed="rId3">
+            <a:extLst>
+              <a:ext uri="{28A0092B-C50C-407E-A947-70E740481C1C}">
+                <a14:useLocalDpi xmlns:a14="http://schemas.microsoft.com/office/drawing/2010/main" val="0"/>
+              </a:ext>
+            </a:extLst>
+          </a:blip>
+          <a:stretch>
+            <a:fillRect/>
+          </a:stretch>
+        </p:blipFill>
+        <p:spPr>
+          <a:xfrm>
+            <a:off x="7643686" y="5022210"/>
+            <a:ext cx="2534195" cy="1404367"/>
           </a:xfrm>
         </p:spPr>
       </p:pic>
       <p:sp>
         <p:nvSpPr>
-          <p:cNvPr id="6" name="Content Placeholder 5"/>
-          <p:cNvSpPr>
-            <a:spLocks noGrp="1"/>
-          </p:cNvSpPr>
-          <p:nvPr>
-            <p:ph sz="quarter" idx="4"/>
-          </p:nvPr>
+          <p:cNvPr id="7" name="TextBox 6"/>
+          <p:cNvSpPr txBox="1"/>
+          <p:nvPr/>
         </p:nvSpPr>
         <p:spPr>
           <a:xfrm>
-            <a:off x="6134821" y="2976164"/>
-            <a:ext cx="4825159" cy="2840039"/>
+            <a:off x="7081984" y="2526099"/>
+            <a:ext cx="3657600" cy="369332"/>
           </a:xfrm>
+          <a:prstGeom prst="rect">
+            <a:avLst/>
+          </a:prstGeom>
+          <a:noFill/>
         </p:spPr>
         <p:txBody>
-          <a:bodyPr/>
+          <a:bodyPr wrap="square" rtlCol="0">
+            <a:spAutoFit/>
+          </a:bodyPr>
           <a:lstStyle/>
           <a:p>
+            <a:pPr algn="ctr"/>
             <a:r>
               <a:rPr lang="en-US" dirty="0" smtClean="0"/>
-              <a:t>Data definition – describe the structure of our data</a:t>
-            </a:r>
-          </a:p>
-          <a:p>
-            <a:r>
-              <a:rPr lang="en-US" dirty="0" smtClean="0"/>
-              <a:t>Data manipulation – store and retrieve data</a:t>
-            </a:r>
-          </a:p>
-          <a:p>
-            <a:r>
-              <a:rPr lang="en-US" dirty="0" smtClean="0"/>
-              <a:t>Data control – define who can access the data</a:t>
-            </a:r>
-          </a:p>
-          <a:p>
-            <a:r>
-              <a:rPr lang="en-US" dirty="0" smtClean="0"/>
-              <a:t>Transaction control – bundle operations and allow rollback</a:t>
+              <a:t>Table Creation</a:t>
             </a:r>
             <a:endParaRPr lang="en-US" dirty="0"/>
           </a:p>
         </p:txBody>
       </p:sp>
+      <p:sp>
+        <p:nvSpPr>
+          <p:cNvPr id="8" name="TextBox 7"/>
+          <p:cNvSpPr txBox="1"/>
+          <p:nvPr/>
+        </p:nvSpPr>
+        <p:spPr>
+          <a:xfrm>
+            <a:off x="7358743" y="4437597"/>
+            <a:ext cx="3997234" cy="369332"/>
+          </a:xfrm>
+          <a:prstGeom prst="rect">
+            <a:avLst/>
+          </a:prstGeom>
+          <a:noFill/>
+        </p:spPr>
+        <p:txBody>
+          <a:bodyPr wrap="square" rtlCol="0">
+            <a:spAutoFit/>
+          </a:bodyPr>
+          <a:lstStyle/>
+          <a:p>
+            <a:r>
+              <a:rPr lang="en-US" dirty="0" smtClean="0"/>
+              <a:t>Getting data from Tables</a:t>
+            </a:r>
+            <a:endParaRPr lang="en-US" dirty="0"/>
+          </a:p>
+        </p:txBody>
+      </p:sp>
+      <p:pic>
+        <p:nvPicPr>
+          <p:cNvPr id="9" name="Content Placeholder 6"/>
+          <p:cNvPicPr>
+            <a:picLocks noChangeAspect="1"/>
+          </p:cNvPicPr>
+          <p:nvPr/>
+        </p:nvPicPr>
+        <p:blipFill>
+          <a:blip r:embed="rId4">
+            <a:extLst>
+              <a:ext uri="{28A0092B-C50C-407E-A947-70E740481C1C}">
+                <a14:useLocalDpi xmlns:a14="http://schemas.microsoft.com/office/drawing/2010/main" val="0"/>
+              </a:ext>
+            </a:extLst>
+          </a:blip>
+          <a:stretch>
+            <a:fillRect/>
+          </a:stretch>
+        </p:blipFill>
+        <p:spPr>
+          <a:xfrm>
+            <a:off x="1067868" y="2526099"/>
+            <a:ext cx="4000520" cy="4000520"/>
+          </a:xfrm>
+          <a:prstGeom prst="rect">
+            <a:avLst/>
+          </a:prstGeom>
+        </p:spPr>
+      </p:pic>
     </p:spTree>
     <p:extLst>
       <p:ext uri="{BB962C8B-B14F-4D97-AF65-F5344CB8AC3E}">
-        <p14:creationId xmlns:p14="http://schemas.microsoft.com/office/powerpoint/2010/main" val="3243709975"/>
+        <p14:creationId xmlns:p14="http://schemas.microsoft.com/office/powerpoint/2010/main" val="584929033"/>
       </p:ext>
     </p:extLst>
   </p:cSld>

--- a/Databases_and_EntityFrameworkCore.pptx
+++ b/Databases_and_EntityFrameworkCore.pptx
@@ -4,6 +4,9 @@
   <p:sldMasterIdLst>
     <p:sldMasterId id="2147483660" r:id="rId1"/>
   </p:sldMasterIdLst>
+  <p:notesMasterIdLst>
+    <p:notesMasterId r:id="rId24"/>
+  </p:notesMasterIdLst>
   <p:sldIdLst>
     <p:sldId id="256" r:id="rId2"/>
     <p:sldId id="275" r:id="rId3"/>
@@ -189,6 +192,356 @@
 </p:cmLst>
 </file>
 
+<file path=ppt/notesMasters/notesMaster1.xml><?xml version="1.0" encoding="utf-8"?>
+<p:notesMaster xmlns:a="http://schemas.openxmlformats.org/drawingml/2006/main" xmlns:r="http://schemas.openxmlformats.org/officeDocument/2006/relationships" xmlns:p="http://schemas.openxmlformats.org/presentationml/2006/main">
+  <p:cSld>
+    <p:bg>
+      <p:bgRef idx="1001">
+        <a:schemeClr val="bg1"/>
+      </p:bgRef>
+    </p:bg>
+    <p:spTree>
+      <p:nvGrpSpPr>
+        <p:cNvPr id="1" name=""/>
+        <p:cNvGrpSpPr/>
+        <p:nvPr/>
+      </p:nvGrpSpPr>
+      <p:grpSpPr>
+        <a:xfrm>
+          <a:off x="0" y="0"/>
+          <a:ext cx="0" cy="0"/>
+          <a:chOff x="0" y="0"/>
+          <a:chExt cx="0" cy="0"/>
+        </a:xfrm>
+      </p:grpSpPr>
+      <p:sp>
+        <p:nvSpPr>
+          <p:cNvPr id="2" name="Header Placeholder 1"/>
+          <p:cNvSpPr>
+            <a:spLocks noGrp="1"/>
+          </p:cNvSpPr>
+          <p:nvPr>
+            <p:ph type="hdr" sz="quarter"/>
+          </p:nvPr>
+        </p:nvSpPr>
+        <p:spPr>
+          <a:xfrm>
+            <a:off x="0" y="0"/>
+            <a:ext cx="2971800" cy="458788"/>
+          </a:xfrm>
+          <a:prstGeom prst="rect">
+            <a:avLst/>
+          </a:prstGeom>
+        </p:spPr>
+        <p:txBody>
+          <a:bodyPr vert="horz" lIns="91440" tIns="45720" rIns="91440" bIns="45720" rtlCol="0"/>
+          <a:lstStyle>
+            <a:lvl1pPr algn="l">
+              <a:defRPr sz="1200"/>
+            </a:lvl1pPr>
+          </a:lstStyle>
+          <a:p>
+            <a:endParaRPr lang="en-US"/>
+          </a:p>
+        </p:txBody>
+      </p:sp>
+      <p:sp>
+        <p:nvSpPr>
+          <p:cNvPr id="3" name="Date Placeholder 2"/>
+          <p:cNvSpPr>
+            <a:spLocks noGrp="1"/>
+          </p:cNvSpPr>
+          <p:nvPr>
+            <p:ph type="dt" idx="1"/>
+          </p:nvPr>
+        </p:nvSpPr>
+        <p:spPr>
+          <a:xfrm>
+            <a:off x="3884613" y="0"/>
+            <a:ext cx="2971800" cy="458788"/>
+          </a:xfrm>
+          <a:prstGeom prst="rect">
+            <a:avLst/>
+          </a:prstGeom>
+        </p:spPr>
+        <p:txBody>
+          <a:bodyPr vert="horz" lIns="91440" tIns="45720" rIns="91440" bIns="45720" rtlCol="0"/>
+          <a:lstStyle>
+            <a:lvl1pPr algn="r">
+              <a:defRPr sz="1200"/>
+            </a:lvl1pPr>
+          </a:lstStyle>
+          <a:p>
+            <a:fld id="{E90F1D5F-DFB3-4BE8-B292-C9F8DF07B94B}" type="datetimeFigureOut">
+              <a:rPr lang="en-US" smtClean="0"/>
+              <a:t>10/19/2021</a:t>
+            </a:fld>
+            <a:endParaRPr lang="en-US"/>
+          </a:p>
+        </p:txBody>
+      </p:sp>
+      <p:sp>
+        <p:nvSpPr>
+          <p:cNvPr id="4" name="Slide Image Placeholder 3"/>
+          <p:cNvSpPr>
+            <a:spLocks noGrp="1" noRot="1" noChangeAspect="1"/>
+          </p:cNvSpPr>
+          <p:nvPr>
+            <p:ph type="sldImg" idx="2"/>
+          </p:nvPr>
+        </p:nvSpPr>
+        <p:spPr>
+          <a:xfrm>
+            <a:off x="685800" y="1143000"/>
+            <a:ext cx="5486400" cy="3086100"/>
+          </a:xfrm>
+          <a:prstGeom prst="rect">
+            <a:avLst/>
+          </a:prstGeom>
+          <a:noFill/>
+          <a:ln w="12700">
+            <a:solidFill>
+              <a:prstClr val="black"/>
+            </a:solidFill>
+          </a:ln>
+        </p:spPr>
+        <p:txBody>
+          <a:bodyPr vert="horz" lIns="91440" tIns="45720" rIns="91440" bIns="45720" rtlCol="0" anchor="ctr"/>
+          <a:lstStyle/>
+          <a:p>
+            <a:endParaRPr lang="en-US"/>
+          </a:p>
+        </p:txBody>
+      </p:sp>
+      <p:sp>
+        <p:nvSpPr>
+          <p:cNvPr id="5" name="Notes Placeholder 4"/>
+          <p:cNvSpPr>
+            <a:spLocks noGrp="1"/>
+          </p:cNvSpPr>
+          <p:nvPr>
+            <p:ph type="body" sz="quarter" idx="3"/>
+          </p:nvPr>
+        </p:nvSpPr>
+        <p:spPr>
+          <a:xfrm>
+            <a:off x="685800" y="4400550"/>
+            <a:ext cx="5486400" cy="3600450"/>
+          </a:xfrm>
+          <a:prstGeom prst="rect">
+            <a:avLst/>
+          </a:prstGeom>
+        </p:spPr>
+        <p:txBody>
+          <a:bodyPr vert="horz" lIns="91440" tIns="45720" rIns="91440" bIns="45720" rtlCol="0"/>
+          <a:lstStyle/>
+          <a:p>
+            <a:pPr lvl="0"/>
+            <a:r>
+              <a:rPr lang="en-US" smtClean="0"/>
+              <a:t>Edit Master text styles</a:t>
+            </a:r>
+          </a:p>
+          <a:p>
+            <a:pPr lvl="1"/>
+            <a:r>
+              <a:rPr lang="en-US" smtClean="0"/>
+              <a:t>Second level</a:t>
+            </a:r>
+          </a:p>
+          <a:p>
+            <a:pPr lvl="2"/>
+            <a:r>
+              <a:rPr lang="en-US" smtClean="0"/>
+              <a:t>Third level</a:t>
+            </a:r>
+          </a:p>
+          <a:p>
+            <a:pPr lvl="3"/>
+            <a:r>
+              <a:rPr lang="en-US" smtClean="0"/>
+              <a:t>Fourth level</a:t>
+            </a:r>
+          </a:p>
+          <a:p>
+            <a:pPr lvl="4"/>
+            <a:r>
+              <a:rPr lang="en-US" smtClean="0"/>
+              <a:t>Fifth level</a:t>
+            </a:r>
+            <a:endParaRPr lang="en-US"/>
+          </a:p>
+        </p:txBody>
+      </p:sp>
+      <p:sp>
+        <p:nvSpPr>
+          <p:cNvPr id="6" name="Footer Placeholder 5"/>
+          <p:cNvSpPr>
+            <a:spLocks noGrp="1"/>
+          </p:cNvSpPr>
+          <p:nvPr>
+            <p:ph type="ftr" sz="quarter" idx="4"/>
+          </p:nvPr>
+        </p:nvSpPr>
+        <p:spPr>
+          <a:xfrm>
+            <a:off x="0" y="8685213"/>
+            <a:ext cx="2971800" cy="458787"/>
+          </a:xfrm>
+          <a:prstGeom prst="rect">
+            <a:avLst/>
+          </a:prstGeom>
+        </p:spPr>
+        <p:txBody>
+          <a:bodyPr vert="horz" lIns="91440" tIns="45720" rIns="91440" bIns="45720" rtlCol="0" anchor="b"/>
+          <a:lstStyle>
+            <a:lvl1pPr algn="l">
+              <a:defRPr sz="1200"/>
+            </a:lvl1pPr>
+          </a:lstStyle>
+          <a:p>
+            <a:endParaRPr lang="en-US"/>
+          </a:p>
+        </p:txBody>
+      </p:sp>
+      <p:sp>
+        <p:nvSpPr>
+          <p:cNvPr id="7" name="Slide Number Placeholder 6"/>
+          <p:cNvSpPr>
+            <a:spLocks noGrp="1"/>
+          </p:cNvSpPr>
+          <p:nvPr>
+            <p:ph type="sldNum" sz="quarter" idx="5"/>
+          </p:nvPr>
+        </p:nvSpPr>
+        <p:spPr>
+          <a:xfrm>
+            <a:off x="3884613" y="8685213"/>
+            <a:ext cx="2971800" cy="458787"/>
+          </a:xfrm>
+          <a:prstGeom prst="rect">
+            <a:avLst/>
+          </a:prstGeom>
+        </p:spPr>
+        <p:txBody>
+          <a:bodyPr vert="horz" lIns="91440" tIns="45720" rIns="91440" bIns="45720" rtlCol="0" anchor="b"/>
+          <a:lstStyle>
+            <a:lvl1pPr algn="r">
+              <a:defRPr sz="1200"/>
+            </a:lvl1pPr>
+          </a:lstStyle>
+          <a:p>
+            <a:fld id="{30998F0E-987E-4061-8A19-DC010B375597}" type="slidenum">
+              <a:rPr lang="en-US" smtClean="0"/>
+              <a:t>‹#›</a:t>
+            </a:fld>
+            <a:endParaRPr lang="en-US"/>
+          </a:p>
+        </p:txBody>
+      </p:sp>
+    </p:spTree>
+    <p:extLst>
+      <p:ext uri="{BB962C8B-B14F-4D97-AF65-F5344CB8AC3E}">
+        <p14:creationId xmlns:p14="http://schemas.microsoft.com/office/powerpoint/2010/main" val="1371566723"/>
+      </p:ext>
+    </p:extLst>
+  </p:cSld>
+  <p:clrMap bg1="lt1" tx1="dk1" bg2="lt2" tx2="dk2" accent1="accent1" accent2="accent2" accent3="accent3" accent4="accent4" accent5="accent5" accent6="accent6" hlink="hlink" folHlink="folHlink"/>
+  <p:notesStyle>
+    <a:lvl1pPr marL="0" algn="l" defTabSz="914400" rtl="0" eaLnBrk="1" latinLnBrk="0" hangingPunct="1">
+      <a:defRPr sz="1200" kern="1200">
+        <a:solidFill>
+          <a:schemeClr val="tx1"/>
+        </a:solidFill>
+        <a:latin typeface="+mn-lt"/>
+        <a:ea typeface="+mn-ea"/>
+        <a:cs typeface="+mn-cs"/>
+      </a:defRPr>
+    </a:lvl1pPr>
+    <a:lvl2pPr marL="457200" algn="l" defTabSz="914400" rtl="0" eaLnBrk="1" latinLnBrk="0" hangingPunct="1">
+      <a:defRPr sz="1200" kern="1200">
+        <a:solidFill>
+          <a:schemeClr val="tx1"/>
+        </a:solidFill>
+        <a:latin typeface="+mn-lt"/>
+        <a:ea typeface="+mn-ea"/>
+        <a:cs typeface="+mn-cs"/>
+      </a:defRPr>
+    </a:lvl2pPr>
+    <a:lvl3pPr marL="914400" algn="l" defTabSz="914400" rtl="0" eaLnBrk="1" latinLnBrk="0" hangingPunct="1">
+      <a:defRPr sz="1200" kern="1200">
+        <a:solidFill>
+          <a:schemeClr val="tx1"/>
+        </a:solidFill>
+        <a:latin typeface="+mn-lt"/>
+        <a:ea typeface="+mn-ea"/>
+        <a:cs typeface="+mn-cs"/>
+      </a:defRPr>
+    </a:lvl3pPr>
+    <a:lvl4pPr marL="1371600" algn="l" defTabSz="914400" rtl="0" eaLnBrk="1" latinLnBrk="0" hangingPunct="1">
+      <a:defRPr sz="1200" kern="1200">
+        <a:solidFill>
+          <a:schemeClr val="tx1"/>
+        </a:solidFill>
+        <a:latin typeface="+mn-lt"/>
+        <a:ea typeface="+mn-ea"/>
+        <a:cs typeface="+mn-cs"/>
+      </a:defRPr>
+    </a:lvl4pPr>
+    <a:lvl5pPr marL="1828800" algn="l" defTabSz="914400" rtl="0" eaLnBrk="1" latinLnBrk="0" hangingPunct="1">
+      <a:defRPr sz="1200" kern="1200">
+        <a:solidFill>
+          <a:schemeClr val="tx1"/>
+        </a:solidFill>
+        <a:latin typeface="+mn-lt"/>
+        <a:ea typeface="+mn-ea"/>
+        <a:cs typeface="+mn-cs"/>
+      </a:defRPr>
+    </a:lvl5pPr>
+    <a:lvl6pPr marL="2286000" algn="l" defTabSz="914400" rtl="0" eaLnBrk="1" latinLnBrk="0" hangingPunct="1">
+      <a:defRPr sz="1200" kern="1200">
+        <a:solidFill>
+          <a:schemeClr val="tx1"/>
+        </a:solidFill>
+        <a:latin typeface="+mn-lt"/>
+        <a:ea typeface="+mn-ea"/>
+        <a:cs typeface="+mn-cs"/>
+      </a:defRPr>
+    </a:lvl6pPr>
+    <a:lvl7pPr marL="2743200" algn="l" defTabSz="914400" rtl="0" eaLnBrk="1" latinLnBrk="0" hangingPunct="1">
+      <a:defRPr sz="1200" kern="1200">
+        <a:solidFill>
+          <a:schemeClr val="tx1"/>
+        </a:solidFill>
+        <a:latin typeface="+mn-lt"/>
+        <a:ea typeface="+mn-ea"/>
+        <a:cs typeface="+mn-cs"/>
+      </a:defRPr>
+    </a:lvl7pPr>
+    <a:lvl8pPr marL="3200400" algn="l" defTabSz="914400" rtl="0" eaLnBrk="1" latinLnBrk="0" hangingPunct="1">
+      <a:defRPr sz="1200" kern="1200">
+        <a:solidFill>
+          <a:schemeClr val="tx1"/>
+        </a:solidFill>
+        <a:latin typeface="+mn-lt"/>
+        <a:ea typeface="+mn-ea"/>
+        <a:cs typeface="+mn-cs"/>
+      </a:defRPr>
+    </a:lvl8pPr>
+    <a:lvl9pPr marL="3657600" algn="l" defTabSz="914400" rtl="0" eaLnBrk="1" latinLnBrk="0" hangingPunct="1">
+      <a:defRPr sz="1200" kern="1200">
+        <a:solidFill>
+          <a:schemeClr val="tx1"/>
+        </a:solidFill>
+        <a:latin typeface="+mn-lt"/>
+        <a:ea typeface="+mn-ea"/>
+        <a:cs typeface="+mn-cs"/>
+      </a:defRPr>
+    </a:lvl9pPr>
+  </p:notesStyle>
+</p:notesMaster>
+</file>
+
 <file path=ppt/slideLayouts/slideLayout1.xml><?xml version="1.0" encoding="utf-8"?>
 <p:sldLayout xmlns:a="http://schemas.openxmlformats.org/drawingml/2006/main" xmlns:r="http://schemas.openxmlformats.org/officeDocument/2006/relationships" xmlns:p="http://schemas.openxmlformats.org/presentationml/2006/main" showMasterSp="0" type="title" preserve="1">
   <p:cSld name="Title Slide">
@@ -524,7 +877,7 @@
           <a:p>
             <a:fld id="{87DD66F1-7FC0-403D-82FE-3DDCE4AD2CCB}" type="datetimeFigureOut">
               <a:rPr lang="en-US" smtClean="0"/>
-              <a:t>10/17/2021</a:t>
+              <a:t>10/19/2021</a:t>
             </a:fld>
             <a:endParaRPr lang="en-US" dirty="0"/>
           </a:p>
@@ -1612,7 +1965,7 @@
           <a:p>
             <a:fld id="{87DD66F1-7FC0-403D-82FE-3DDCE4AD2CCB}" type="datetimeFigureOut">
               <a:rPr lang="en-US" smtClean="0"/>
-              <a:t>10/17/2021</a:t>
+              <a:t>10/19/2021</a:t>
             </a:fld>
             <a:endParaRPr lang="en-US" dirty="0"/>
           </a:p>
@@ -2592,7 +2945,7 @@
           <a:p>
             <a:fld id="{87DD66F1-7FC0-403D-82FE-3DDCE4AD2CCB}" type="datetimeFigureOut">
               <a:rPr lang="en-US" smtClean="0"/>
-              <a:t>10/17/2021</a:t>
+              <a:t>10/19/2021</a:t>
             </a:fld>
             <a:endParaRPr lang="en-US" dirty="0"/>
           </a:p>
@@ -3726,7 +4079,7 @@
           <a:p>
             <a:fld id="{87DD66F1-7FC0-403D-82FE-3DDCE4AD2CCB}" type="datetimeFigureOut">
               <a:rPr lang="en-US" smtClean="0"/>
-              <a:t>10/17/2021</a:t>
+              <a:t>10/19/2021</a:t>
             </a:fld>
             <a:endParaRPr lang="en-US" dirty="0"/>
           </a:p>
@@ -4759,7 +5112,7 @@
           <a:p>
             <a:fld id="{87DD66F1-7FC0-403D-82FE-3DDCE4AD2CCB}" type="datetimeFigureOut">
               <a:rPr lang="en-US" smtClean="0"/>
-              <a:t>10/17/2021</a:t>
+              <a:t>10/19/2021</a:t>
             </a:fld>
             <a:endParaRPr lang="en-US" dirty="0"/>
           </a:p>
@@ -5419,7 +5772,7 @@
           <a:p>
             <a:fld id="{87DD66F1-7FC0-403D-82FE-3DDCE4AD2CCB}" type="datetimeFigureOut">
               <a:rPr lang="en-US" smtClean="0"/>
-              <a:t>10/17/2021</a:t>
+              <a:t>10/19/2021</a:t>
             </a:fld>
             <a:endParaRPr lang="en-US" dirty="0"/>
           </a:p>
@@ -6280,7 +6633,7 @@
           <a:p>
             <a:fld id="{87DD66F1-7FC0-403D-82FE-3DDCE4AD2CCB}" type="datetimeFigureOut">
               <a:rPr lang="en-US" smtClean="0"/>
-              <a:t>10/17/2021</a:t>
+              <a:t>10/19/2021</a:t>
             </a:fld>
             <a:endParaRPr lang="en-US" dirty="0"/>
           </a:p>
@@ -6470,7 +6823,7 @@
           <a:p>
             <a:fld id="{87DD66F1-7FC0-403D-82FE-3DDCE4AD2CCB}" type="datetimeFigureOut">
               <a:rPr lang="en-US" smtClean="0"/>
-              <a:t>10/17/2021</a:t>
+              <a:t>10/19/2021</a:t>
             </a:fld>
             <a:endParaRPr lang="en-US" dirty="0"/>
           </a:p>
@@ -7442,7 +7795,7 @@
           <a:p>
             <a:fld id="{87DD66F1-7FC0-403D-82FE-3DDCE4AD2CCB}" type="datetimeFigureOut">
               <a:rPr lang="en-US" smtClean="0"/>
-              <a:t>10/17/2021</a:t>
+              <a:t>10/19/2021</a:t>
             </a:fld>
             <a:endParaRPr lang="en-US" dirty="0"/>
           </a:p>
@@ -7653,7 +8006,7 @@
           <a:p>
             <a:fld id="{87DD66F1-7FC0-403D-82FE-3DDCE4AD2CCB}" type="datetimeFigureOut">
               <a:rPr lang="en-US" smtClean="0"/>
-              <a:t>10/17/2021</a:t>
+              <a:t>10/19/2021</a:t>
             </a:fld>
             <a:endParaRPr lang="en-US" dirty="0"/>
           </a:p>
@@ -8687,7 +9040,7 @@
           <a:p>
             <a:fld id="{87DD66F1-7FC0-403D-82FE-3DDCE4AD2CCB}" type="datetimeFigureOut">
               <a:rPr lang="en-US" smtClean="0"/>
-              <a:t>10/17/2021</a:t>
+              <a:t>10/19/2021</a:t>
             </a:fld>
             <a:endParaRPr lang="en-US" dirty="0"/>
           </a:p>
@@ -8959,7 +9312,7 @@
           <a:p>
             <a:fld id="{87DD66F1-7FC0-403D-82FE-3DDCE4AD2CCB}" type="datetimeFigureOut">
               <a:rPr lang="en-US" smtClean="0"/>
-              <a:t>10/17/2021</a:t>
+              <a:t>10/19/2021</a:t>
             </a:fld>
             <a:endParaRPr lang="en-US" dirty="0"/>
           </a:p>
@@ -9369,7 +9722,7 @@
           <a:p>
             <a:fld id="{87DD66F1-7FC0-403D-82FE-3DDCE4AD2CCB}" type="datetimeFigureOut">
               <a:rPr lang="en-US" smtClean="0"/>
-              <a:t>10/17/2021</a:t>
+              <a:t>10/19/2021</a:t>
             </a:fld>
             <a:endParaRPr lang="en-US" dirty="0"/>
           </a:p>
@@ -9496,7 +9849,7 @@
           <a:p>
             <a:fld id="{87DD66F1-7FC0-403D-82FE-3DDCE4AD2CCB}" type="datetimeFigureOut">
               <a:rPr lang="en-US" smtClean="0"/>
-              <a:t>10/17/2021</a:t>
+              <a:t>10/19/2021</a:t>
             </a:fld>
             <a:endParaRPr lang="en-US" dirty="0"/>
           </a:p>
@@ -9591,7 +9944,7 @@
           <a:p>
             <a:fld id="{87DD66F1-7FC0-403D-82FE-3DDCE4AD2CCB}" type="datetimeFigureOut">
               <a:rPr lang="en-US" smtClean="0"/>
-              <a:t>10/17/2021</a:t>
+              <a:t>10/19/2021</a:t>
             </a:fld>
             <a:endParaRPr lang="en-US" dirty="0"/>
           </a:p>
@@ -10672,7 +11025,7 @@
           <a:p>
             <a:fld id="{87DD66F1-7FC0-403D-82FE-3DDCE4AD2CCB}" type="datetimeFigureOut">
               <a:rPr lang="en-US" smtClean="0"/>
-              <a:t>10/17/2021</a:t>
+              <a:t>10/19/2021</a:t>
             </a:fld>
             <a:endParaRPr lang="en-US" dirty="0"/>
           </a:p>
@@ -11780,7 +12133,7 @@
           <a:p>
             <a:fld id="{87DD66F1-7FC0-403D-82FE-3DDCE4AD2CCB}" type="datetimeFigureOut">
               <a:rPr lang="en-US" smtClean="0"/>
-              <a:t>10/17/2021</a:t>
+              <a:t>10/19/2021</a:t>
             </a:fld>
             <a:endParaRPr lang="en-US" dirty="0"/>
           </a:p>
@@ -12777,7 +13130,7 @@
           <a:p>
             <a:fld id="{87DD66F1-7FC0-403D-82FE-3DDCE4AD2CCB}" type="datetimeFigureOut">
               <a:rPr lang="en-US" smtClean="0"/>
-              <a:t>10/17/2021</a:t>
+              <a:t>10/19/2021</a:t>
             </a:fld>
             <a:endParaRPr lang="en-US" dirty="0"/>
           </a:p>
@@ -13454,35 +13807,6 @@
           </a:p>
         </p:txBody>
       </p:sp>
-      <p:pic>
-        <p:nvPicPr>
-          <p:cNvPr id="5" name="Picture Placeholder 4"/>
-          <p:cNvPicPr>
-            <a:picLocks noGrp="1" noChangeAspect="1"/>
-          </p:cNvPicPr>
-          <p:nvPr>
-            <p:ph type="pic" idx="1"/>
-          </p:nvPr>
-        </p:nvPicPr>
-        <p:blipFill>
-          <a:blip r:embed="rId2">
-            <a:extLst>
-              <a:ext uri="{28A0092B-C50C-407E-A947-70E740481C1C}">
-                <a14:useLocalDpi xmlns:a14="http://schemas.microsoft.com/office/drawing/2010/main" val="0"/>
-              </a:ext>
-            </a:extLst>
-          </a:blip>
-          <a:stretch>
-            <a:fillRect/>
-          </a:stretch>
-        </p:blipFill>
-        <p:spPr>
-          <a:xfrm>
-            <a:off x="6070040" y="1823937"/>
-            <a:ext cx="5651790" cy="3233476"/>
-          </a:xfrm>
-        </p:spPr>
-      </p:pic>
       <p:sp>
         <p:nvSpPr>
           <p:cNvPr id="4" name="Text Placeholder 3"/>
@@ -13525,6 +13849,38 @@
           </a:p>
         </p:txBody>
       </p:sp>
+      <p:pic>
+        <p:nvPicPr>
+          <p:cNvPr id="7" name="Picture Placeholder 4"/>
+          <p:cNvPicPr>
+            <a:picLocks noChangeAspect="1"/>
+          </p:cNvPicPr>
+          <p:nvPr/>
+        </p:nvPicPr>
+        <p:blipFill>
+          <a:blip r:embed="rId2">
+            <a:extLst>
+              <a:ext uri="{28A0092B-C50C-407E-A947-70E740481C1C}">
+                <a14:useLocalDpi xmlns:a14="http://schemas.microsoft.com/office/drawing/2010/main" val="0"/>
+              </a:ext>
+            </a:extLst>
+          </a:blip>
+          <a:stretch>
+            <a:fillRect/>
+          </a:stretch>
+        </p:blipFill>
+        <p:spPr>
+          <a:xfrm>
+            <a:off x="6178859" y="2018093"/>
+            <a:ext cx="5651790" cy="3233476"/>
+          </a:xfrm>
+          <a:prstGeom prst="roundRect">
+            <a:avLst>
+              <a:gd name="adj" fmla="val 1858"/>
+            </a:avLst>
+          </a:prstGeom>
+        </p:spPr>
+      </p:pic>
     </p:spTree>
     <p:extLst>
       <p:ext uri="{BB962C8B-B14F-4D97-AF65-F5344CB8AC3E}">
@@ -13840,7 +14196,7 @@
           </a:lstStyle>
           <a:p>
             <a:r>
-              <a:rPr lang="en-US" dirty="0" smtClean="0">
+              <a:rPr lang="en-US" sz="2000" dirty="0" smtClean="0">
                 <a:latin typeface="Arial" panose="020B0604020202020204" pitchFamily="34" charset="0"/>
                 <a:cs typeface="Arial" panose="020B0604020202020204" pitchFamily="34" charset="0"/>
               </a:rPr>
@@ -13849,7 +14205,7 @@
           </a:p>
           <a:p>
             <a:r>
-              <a:rPr lang="en-US" dirty="0" smtClean="0">
+              <a:rPr lang="en-US" sz="2000" dirty="0" smtClean="0">
                 <a:latin typeface="Arial" panose="020B0604020202020204" pitchFamily="34" charset="0"/>
                 <a:cs typeface="Arial" panose="020B0604020202020204" pitchFamily="34" charset="0"/>
               </a:rPr>
@@ -13858,7 +14214,7 @@
           </a:p>
           <a:p>
             <a:r>
-              <a:rPr lang="en-US" dirty="0" smtClean="0">
+              <a:rPr lang="en-US" sz="2000" dirty="0" smtClean="0">
                 <a:latin typeface="Arial" panose="020B0604020202020204" pitchFamily="34" charset="0"/>
                 <a:cs typeface="Arial" panose="020B0604020202020204" pitchFamily="34" charset="0"/>
               </a:rPr>
@@ -13867,7 +14223,7 @@
           </a:p>
           <a:p>
             <a:r>
-              <a:rPr lang="en-US" dirty="0" smtClean="0">
+              <a:rPr lang="en-US" sz="2000" dirty="0" smtClean="0">
                 <a:latin typeface="Arial" panose="020B0604020202020204" pitchFamily="34" charset="0"/>
                 <a:cs typeface="Arial" panose="020B0604020202020204" pitchFamily="34" charset="0"/>
               </a:rPr>
@@ -13884,7 +14240,7 @@
       </p:sp>
       <p:pic>
         <p:nvPicPr>
-          <p:cNvPr id="9" name="Picture 8"/>
+          <p:cNvPr id="5" name="Picture 4"/>
           <p:cNvPicPr>
             <a:picLocks noChangeAspect="1"/>
           </p:cNvPicPr>
@@ -13904,96 +14260,14 @@
         </p:blipFill>
         <p:spPr>
           <a:xfrm>
-            <a:off x="5163127" y="3719463"/>
-            <a:ext cx="6837063" cy="1474163"/>
+            <a:off x="6160594" y="2524707"/>
+            <a:ext cx="4046571" cy="3863675"/>
           </a:xfrm>
           <a:prstGeom prst="rect">
             <a:avLst/>
           </a:prstGeom>
         </p:spPr>
       </p:pic>
-      <p:sp>
-        <p:nvSpPr>
-          <p:cNvPr id="10" name="TextBox 9"/>
-          <p:cNvSpPr txBox="1"/>
-          <p:nvPr/>
-        </p:nvSpPr>
-        <p:spPr>
-          <a:xfrm>
-            <a:off x="5818911" y="3195904"/>
-            <a:ext cx="5098472" cy="369332"/>
-          </a:xfrm>
-          <a:prstGeom prst="rect">
-            <a:avLst/>
-          </a:prstGeom>
-          <a:noFill/>
-        </p:spPr>
-        <p:txBody>
-          <a:bodyPr wrap="square" rtlCol="0">
-            <a:spAutoFit/>
-          </a:bodyPr>
-          <a:lstStyle/>
-          <a:p>
-            <a:r>
-              <a:rPr lang="en-US" dirty="0" smtClean="0">
-                <a:solidFill>
-                  <a:schemeClr val="accent6">
-                    <a:lumMod val="50000"/>
-                  </a:schemeClr>
-                </a:solidFill>
-                <a:latin typeface="Arial" panose="020B0604020202020204" pitchFamily="34" charset="0"/>
-                <a:cs typeface="Arial" panose="020B0604020202020204" pitchFamily="34" charset="0"/>
-              </a:rPr>
-              <a:t>We work with </a:t>
-            </a:r>
-            <a:r>
-              <a:rPr lang="en-US" dirty="0" smtClean="0">
-                <a:solidFill>
-                  <a:schemeClr val="accent6">
-                    <a:lumMod val="50000"/>
-                  </a:schemeClr>
-                </a:solidFill>
-                <a:latin typeface="Arial" panose="020B0604020202020204" pitchFamily="34" charset="0"/>
-                <a:cs typeface="Arial" panose="020B0604020202020204" pitchFamily="34" charset="0"/>
-              </a:rPr>
-              <a:t>code</a:t>
-            </a:r>
-            <a:r>
-              <a:rPr lang="en-US" dirty="0" smtClean="0">
-                <a:solidFill>
-                  <a:schemeClr val="accent6">
-                    <a:lumMod val="50000"/>
-                  </a:schemeClr>
-                </a:solidFill>
-                <a:latin typeface="Arial" panose="020B0604020202020204" pitchFamily="34" charset="0"/>
-                <a:cs typeface="Arial" panose="020B0604020202020204" pitchFamily="34" charset="0"/>
-              </a:rPr>
-              <a:t> </a:t>
-            </a:r>
-            <a:r>
-              <a:rPr lang="en-US" dirty="0" smtClean="0">
-                <a:solidFill>
-                  <a:schemeClr val="accent6">
-                    <a:lumMod val="50000"/>
-                  </a:schemeClr>
-                </a:solidFill>
-                <a:latin typeface="Arial" panose="020B0604020202020204" pitchFamily="34" charset="0"/>
-                <a:cs typeface="Arial" panose="020B0604020202020204" pitchFamily="34" charset="0"/>
-              </a:rPr>
-              <a:t>but not with SQL anymore!</a:t>
-            </a:r>
-            <a:endParaRPr lang="en-US" dirty="0">
-              <a:solidFill>
-                <a:schemeClr val="accent6">
-                  <a:lumMod val="50000"/>
-                </a:schemeClr>
-              </a:solidFill>
-              <a:latin typeface="Arial" panose="020B0604020202020204" pitchFamily="34" charset="0"/>
-              <a:cs typeface="Arial" panose="020B0604020202020204" pitchFamily="34" charset="0"/>
-            </a:endParaRPr>
-          </a:p>
-        </p:txBody>
-      </p:sp>
     </p:spTree>
     <p:extLst>
       <p:ext uri="{BB962C8B-B14F-4D97-AF65-F5344CB8AC3E}">
@@ -14192,7 +14466,12 @@
             <p:ph type="title"/>
           </p:nvPr>
         </p:nvSpPr>
-        <p:spPr/>
+        <p:spPr>
+          <a:xfrm>
+            <a:off x="1101615" y="2417233"/>
+            <a:ext cx="3865134" cy="1735667"/>
+          </a:xfrm>
+        </p:spPr>
         <p:txBody>
           <a:bodyPr/>
           <a:lstStyle/>
@@ -14200,15 +14479,7 @@
             <a:pPr algn="ctr"/>
             <a:r>
               <a:rPr lang="en-US" dirty="0" smtClean="0"/>
-              <a:t>EF Core in the </a:t>
-            </a:r>
-            <a:r>
-              <a:rPr lang="en-US" dirty="0" smtClean="0"/>
-              <a:t>whole </a:t>
-            </a:r>
-            <a:r>
-              <a:rPr lang="en-US" dirty="0" smtClean="0"/>
-              <a:t>picture</a:t>
+              <a:t>EF Core in the whole picture</a:t>
             </a:r>
             <a:endParaRPr lang="en-US" dirty="0"/>
           </a:p>
@@ -14216,12 +14487,12 @@
       </p:sp>
       <p:pic>
         <p:nvPicPr>
-          <p:cNvPr id="7" name="Content Placeholder 6"/>
+          <p:cNvPr id="3" name="Content Placeholder 2"/>
           <p:cNvPicPr>
             <a:picLocks noGrp="1" noChangeAspect="1"/>
           </p:cNvPicPr>
           <p:nvPr>
-            <p:ph idx="1"/>
+            <p:ph type="pic" idx="1"/>
           </p:nvPr>
         </p:nvPicPr>
         <p:blipFill>
@@ -14232,17 +14503,48 @@
               </a:ext>
             </a:extLst>
           </a:blip>
+          <a:srcRect l="4609" r="4609"/>
           <a:stretch>
             <a:fillRect/>
           </a:stretch>
         </p:blipFill>
         <p:spPr>
           <a:xfrm>
-            <a:off x="3937560" y="2448063"/>
-            <a:ext cx="4009938" cy="3949358"/>
+            <a:off x="7294631" y="1821180"/>
+            <a:ext cx="3110346" cy="4259580"/>
           </a:xfrm>
         </p:spPr>
       </p:pic>
+      <p:sp>
+        <p:nvSpPr>
+          <p:cNvPr id="6" name="TextBox 5"/>
+          <p:cNvSpPr txBox="1"/>
+          <p:nvPr/>
+        </p:nvSpPr>
+        <p:spPr>
+          <a:xfrm>
+            <a:off x="7498080" y="1310640"/>
+            <a:ext cx="2845937" cy="369332"/>
+          </a:xfrm>
+          <a:prstGeom prst="rect">
+            <a:avLst/>
+          </a:prstGeom>
+          <a:noFill/>
+        </p:spPr>
+        <p:txBody>
+          <a:bodyPr wrap="square" rtlCol="0">
+            <a:spAutoFit/>
+          </a:bodyPr>
+          <a:lstStyle/>
+          <a:p>
+            <a:r>
+              <a:rPr lang="en-US" dirty="0" smtClean="0"/>
+              <a:t>Architecture diagram</a:t>
+            </a:r>
+            <a:endParaRPr lang="en-US" dirty="0"/>
+          </a:p>
+        </p:txBody>
+      </p:sp>
     </p:spTree>
     <p:extLst>
       <p:ext uri="{BB962C8B-B14F-4D97-AF65-F5344CB8AC3E}">
@@ -14290,7 +14592,12 @@
             <p:ph type="title"/>
           </p:nvPr>
         </p:nvSpPr>
-        <p:spPr/>
+        <p:spPr>
+          <a:xfrm>
+            <a:off x="1474994" y="1019388"/>
+            <a:ext cx="8761413" cy="706964"/>
+          </a:xfrm>
+        </p:spPr>
         <p:txBody>
           <a:bodyPr/>
           <a:lstStyle/>
@@ -15416,10 +15723,6 @@
               </a:rPr>
               <a:t>)</a:t>
             </a:r>
-            <a:endParaRPr lang="en-US" dirty="0" smtClean="0">
-              <a:latin typeface="Arial" panose="020B0604020202020204" pitchFamily="34" charset="0"/>
-              <a:cs typeface="Arial" panose="020B0604020202020204" pitchFamily="34" charset="0"/>
-            </a:endParaRPr>
           </a:p>
           <a:p>
             <a:r>
@@ -15551,14 +15854,7 @@
                 <a:latin typeface="Arial" panose="020B0604020202020204" pitchFamily="34" charset="0"/>
                 <a:cs typeface="Arial" panose="020B0604020202020204" pitchFamily="34" charset="0"/>
               </a:rPr>
-              <a:t>The Rise of Internet and Storage </a:t>
-            </a:r>
-            <a:r>
-              <a:rPr lang="en-US" sz="5600" dirty="0" smtClean="0">
-                <a:latin typeface="Arial" panose="020B0604020202020204" pitchFamily="34" charset="0"/>
-                <a:cs typeface="Arial" panose="020B0604020202020204" pitchFamily="34" charset="0"/>
-              </a:rPr>
-              <a:t>systems</a:t>
+              <a:t>The Rise of Internet and Storage systems</a:t>
             </a:r>
           </a:p>
           <a:p>
@@ -15569,10 +15865,6 @@
               </a:rPr>
               <a:t>Where to store my data?</a:t>
             </a:r>
-            <a:endParaRPr lang="en-US" sz="5600" dirty="0" smtClean="0">
-              <a:latin typeface="Arial" panose="020B0604020202020204" pitchFamily="34" charset="0"/>
-              <a:cs typeface="Arial" panose="020B0604020202020204" pitchFamily="34" charset="0"/>
-            </a:endParaRPr>
           </a:p>
           <a:p>
             <a:r>
@@ -15580,14 +15872,7 @@
                 <a:latin typeface="Arial" panose="020B0604020202020204" pitchFamily="34" charset="0"/>
                 <a:cs typeface="Arial" panose="020B0604020202020204" pitchFamily="34" charset="0"/>
               </a:rPr>
-              <a:t>SQL vs NoSQL </a:t>
-            </a:r>
-            <a:r>
-              <a:rPr lang="en-US" sz="5600" dirty="0" smtClean="0">
-                <a:latin typeface="Arial" panose="020B0604020202020204" pitchFamily="34" charset="0"/>
-                <a:cs typeface="Arial" panose="020B0604020202020204" pitchFamily="34" charset="0"/>
-              </a:rPr>
-              <a:t>databases</a:t>
+              <a:t>SQL vs NoSQL databases</a:t>
             </a:r>
           </a:p>
           <a:p>
@@ -15598,10 +15883,6 @@
               </a:rPr>
               <a:t>SQL vs NoSQL databases (fundamental differences)</a:t>
             </a:r>
-            <a:endParaRPr lang="en-US" sz="5600" dirty="0" smtClean="0">
-              <a:latin typeface="Arial" panose="020B0604020202020204" pitchFamily="34" charset="0"/>
-              <a:cs typeface="Arial" panose="020B0604020202020204" pitchFamily="34" charset="0"/>
-            </a:endParaRPr>
           </a:p>
           <a:p>
             <a:r>
@@ -15611,10 +15892,6 @@
               </a:rPr>
               <a:t>How SQL works?</a:t>
             </a:r>
-            <a:endParaRPr lang="en-US" sz="5600" dirty="0" smtClean="0">
-              <a:latin typeface="Arial" panose="020B0604020202020204" pitchFamily="34" charset="0"/>
-              <a:cs typeface="Arial" panose="020B0604020202020204" pitchFamily="34" charset="0"/>
-            </a:endParaRPr>
           </a:p>
           <a:p>
             <a:r>
@@ -15709,10 +15986,6 @@
               </a:rPr>
               <a:t>picture</a:t>
             </a:r>
-            <a:endParaRPr lang="en-US" sz="5500" dirty="0" smtClean="0">
-              <a:latin typeface="Arial" panose="020B0604020202020204" pitchFamily="34" charset="0"/>
-              <a:cs typeface="Arial" panose="020B0604020202020204" pitchFamily="34" charset="0"/>
-            </a:endParaRPr>
           </a:p>
           <a:p>
             <a:pPr marL="0" indent="0">
@@ -17014,7 +17287,12 @@
             <p:ph type="title"/>
           </p:nvPr>
         </p:nvSpPr>
-        <p:spPr/>
+        <p:spPr>
+          <a:xfrm>
+            <a:off x="1330214" y="1080348"/>
+            <a:ext cx="8761413" cy="706964"/>
+          </a:xfrm>
+        </p:spPr>
         <p:txBody>
           <a:bodyPr/>
           <a:lstStyle/>
@@ -17230,7 +17508,12 @@
             <p:ph type="title"/>
           </p:nvPr>
         </p:nvSpPr>
-        <p:spPr/>
+        <p:spPr>
+          <a:xfrm>
+            <a:off x="1535954" y="1087968"/>
+            <a:ext cx="8761413" cy="706964"/>
+          </a:xfrm>
+        </p:spPr>
         <p:txBody>
           <a:bodyPr/>
           <a:lstStyle/>
@@ -17274,7 +17557,7 @@
         </p:blipFill>
         <p:spPr>
           <a:xfrm>
-            <a:off x="1542473" y="2632365"/>
+            <a:off x="1458653" y="2426625"/>
             <a:ext cx="9322596" cy="3784166"/>
           </a:xfrm>
         </p:spPr>
@@ -17374,7 +17657,7 @@
         </p:blipFill>
         <p:spPr>
           <a:xfrm>
-            <a:off x="5264438" y="2640984"/>
+            <a:off x="5161024" y="1470915"/>
             <a:ext cx="6366528" cy="1469198"/>
           </a:xfrm>
         </p:spPr>
@@ -17429,7 +17712,7 @@
         </p:nvSpPr>
         <p:spPr>
           <a:xfrm>
-            <a:off x="5753965" y="1784926"/>
+            <a:off x="5641843" y="1019744"/>
             <a:ext cx="4904509" cy="369332"/>
           </a:xfrm>
           <a:prstGeom prst="rect">
@@ -17464,6 +17747,36 @@
           </a:p>
         </p:txBody>
       </p:sp>
+      <p:pic>
+        <p:nvPicPr>
+          <p:cNvPr id="9" name="Picture 8"/>
+          <p:cNvPicPr>
+            <a:picLocks noChangeAspect="1"/>
+          </p:cNvPicPr>
+          <p:nvPr/>
+        </p:nvPicPr>
+        <p:blipFill>
+          <a:blip r:embed="rId3">
+            <a:extLst>
+              <a:ext uri="{28A0092B-C50C-407E-A947-70E740481C1C}">
+                <a14:useLocalDpi xmlns:a14="http://schemas.microsoft.com/office/drawing/2010/main" val="0"/>
+              </a:ext>
+            </a:extLst>
+          </a:blip>
+          <a:stretch>
+            <a:fillRect/>
+          </a:stretch>
+        </p:blipFill>
+        <p:spPr>
+          <a:xfrm>
+            <a:off x="6439123" y="2940113"/>
+            <a:ext cx="3810330" cy="3103055"/>
+          </a:xfrm>
+          <a:prstGeom prst="rect">
+            <a:avLst/>
+          </a:prstGeom>
+        </p:spPr>
+      </p:pic>
     </p:spTree>
     <p:extLst>
       <p:ext uri="{BB962C8B-B14F-4D97-AF65-F5344CB8AC3E}">
@@ -17746,4 +18059,265 @@
     </a:ext>
   </a:extLst>
 </a:theme>
+</file>
+
+<file path=ppt/theme/theme2.xml><?xml version="1.0" encoding="utf-8"?>
+<a:theme xmlns:a="http://schemas.openxmlformats.org/drawingml/2006/main" name="Office Theme">
+  <a:themeElements>
+    <a:clrScheme name="Office">
+      <a:dk1>
+        <a:sysClr val="windowText" lastClr="000000"/>
+      </a:dk1>
+      <a:lt1>
+        <a:sysClr val="window" lastClr="FFFFFF"/>
+      </a:lt1>
+      <a:dk2>
+        <a:srgbClr val="44546A"/>
+      </a:dk2>
+      <a:lt2>
+        <a:srgbClr val="E7E6E6"/>
+      </a:lt2>
+      <a:accent1>
+        <a:srgbClr val="5B9BD5"/>
+      </a:accent1>
+      <a:accent2>
+        <a:srgbClr val="ED7D31"/>
+      </a:accent2>
+      <a:accent3>
+        <a:srgbClr val="A5A5A5"/>
+      </a:accent3>
+      <a:accent4>
+        <a:srgbClr val="FFC000"/>
+      </a:accent4>
+      <a:accent5>
+        <a:srgbClr val="4472C4"/>
+      </a:accent5>
+      <a:accent6>
+        <a:srgbClr val="70AD47"/>
+      </a:accent6>
+      <a:hlink>
+        <a:srgbClr val="0563C1"/>
+      </a:hlink>
+      <a:folHlink>
+        <a:srgbClr val="954F72"/>
+      </a:folHlink>
+    </a:clrScheme>
+    <a:fontScheme name="Office">
+      <a:majorFont>
+        <a:latin typeface="Calibri Light" panose="020F0302020204030204"/>
+        <a:ea typeface=""/>
+        <a:cs typeface=""/>
+        <a:font script="Jpan" typeface="游ゴシック Light"/>
+        <a:font script="Hang" typeface="맑은 고딕"/>
+        <a:font script="Hans" typeface="等线 Light"/>
+        <a:font script="Hant" typeface="新細明體"/>
+        <a:font script="Arab" typeface="Times New Roman"/>
+        <a:font script="Hebr" typeface="Times New Roman"/>
+        <a:font script="Thai" typeface="Angsana New"/>
+        <a:font script="Ethi" typeface="Nyala"/>
+        <a:font script="Beng" typeface="Vrinda"/>
+        <a:font script="Gujr" typeface="Shruti"/>
+        <a:font script="Khmr" typeface="MoolBoran"/>
+        <a:font script="Knda" typeface="Tunga"/>
+        <a:font script="Guru" typeface="Raavi"/>
+        <a:font script="Cans" typeface="Euphemia"/>
+        <a:font script="Cher" typeface="Plantagenet Cherokee"/>
+        <a:font script="Yiii" typeface="Microsoft Yi Baiti"/>
+        <a:font script="Tibt" typeface="Microsoft Himalaya"/>
+        <a:font script="Thaa" typeface="MV Boli"/>
+        <a:font script="Deva" typeface="Mangal"/>
+        <a:font script="Telu" typeface="Gautami"/>
+        <a:font script="Taml" typeface="Latha"/>
+        <a:font script="Syrc" typeface="Estrangelo Edessa"/>
+        <a:font script="Orya" typeface="Kalinga"/>
+        <a:font script="Mlym" typeface="Kartika"/>
+        <a:font script="Laoo" typeface="DokChampa"/>
+        <a:font script="Sinh" typeface="Iskoola Pota"/>
+        <a:font script="Mong" typeface="Mongolian Baiti"/>
+        <a:font script="Viet" typeface="Times New Roman"/>
+        <a:font script="Uigh" typeface="Microsoft Uighur"/>
+        <a:font script="Geor" typeface="Sylfaen"/>
+      </a:majorFont>
+      <a:minorFont>
+        <a:latin typeface="Calibri" panose="020F0502020204030204"/>
+        <a:ea typeface=""/>
+        <a:cs typeface=""/>
+        <a:font script="Jpan" typeface="游ゴシック"/>
+        <a:font script="Hang" typeface="맑은 고딕"/>
+        <a:font script="Hans" typeface="等线"/>
+        <a:font script="Hant" typeface="新細明體"/>
+        <a:font script="Arab" typeface="Arial"/>
+        <a:font script="Hebr" typeface="Arial"/>
+        <a:font script="Thai" typeface="Cordia New"/>
+        <a:font script="Ethi" typeface="Nyala"/>
+        <a:font script="Beng" typeface="Vrinda"/>
+        <a:font script="Gujr" typeface="Shruti"/>
+        <a:font script="Khmr" typeface="DaunPenh"/>
+        <a:font script="Knda" typeface="Tunga"/>
+        <a:font script="Guru" typeface="Raavi"/>
+        <a:font script="Cans" typeface="Euphemia"/>
+        <a:font script="Cher" typeface="Plantagenet Cherokee"/>
+        <a:font script="Yiii" typeface="Microsoft Yi Baiti"/>
+        <a:font script="Tibt" typeface="Microsoft Himalaya"/>
+        <a:font script="Thaa" typeface="MV Boli"/>
+        <a:font script="Deva" typeface="Mangal"/>
+        <a:font script="Telu" typeface="Gautami"/>
+        <a:font script="Taml" typeface="Latha"/>
+        <a:font script="Syrc" typeface="Estrangelo Edessa"/>
+        <a:font script="Orya" typeface="Kalinga"/>
+        <a:font script="Mlym" typeface="Kartika"/>
+        <a:font script="Laoo" typeface="DokChampa"/>
+        <a:font script="Sinh" typeface="Iskoola Pota"/>
+        <a:font script="Mong" typeface="Mongolian Baiti"/>
+        <a:font script="Viet" typeface="Arial"/>
+        <a:font script="Uigh" typeface="Microsoft Uighur"/>
+        <a:font script="Geor" typeface="Sylfaen"/>
+      </a:minorFont>
+    </a:fontScheme>
+    <a:fmtScheme name="Office">
+      <a:fillStyleLst>
+        <a:solidFill>
+          <a:schemeClr val="phClr"/>
+        </a:solidFill>
+        <a:gradFill rotWithShape="1">
+          <a:gsLst>
+            <a:gs pos="0">
+              <a:schemeClr val="phClr">
+                <a:lumMod val="110000"/>
+                <a:satMod val="105000"/>
+                <a:tint val="67000"/>
+              </a:schemeClr>
+            </a:gs>
+            <a:gs pos="50000">
+              <a:schemeClr val="phClr">
+                <a:lumMod val="105000"/>
+                <a:satMod val="103000"/>
+                <a:tint val="73000"/>
+              </a:schemeClr>
+            </a:gs>
+            <a:gs pos="100000">
+              <a:schemeClr val="phClr">
+                <a:lumMod val="105000"/>
+                <a:satMod val="109000"/>
+                <a:tint val="81000"/>
+              </a:schemeClr>
+            </a:gs>
+          </a:gsLst>
+          <a:lin ang="5400000" scaled="0"/>
+        </a:gradFill>
+        <a:gradFill rotWithShape="1">
+          <a:gsLst>
+            <a:gs pos="0">
+              <a:schemeClr val="phClr">
+                <a:satMod val="103000"/>
+                <a:lumMod val="102000"/>
+                <a:tint val="94000"/>
+              </a:schemeClr>
+            </a:gs>
+            <a:gs pos="50000">
+              <a:schemeClr val="phClr">
+                <a:satMod val="110000"/>
+                <a:lumMod val="100000"/>
+                <a:shade val="100000"/>
+              </a:schemeClr>
+            </a:gs>
+            <a:gs pos="100000">
+              <a:schemeClr val="phClr">
+                <a:lumMod val="99000"/>
+                <a:satMod val="120000"/>
+                <a:shade val="78000"/>
+              </a:schemeClr>
+            </a:gs>
+          </a:gsLst>
+          <a:lin ang="5400000" scaled="0"/>
+        </a:gradFill>
+      </a:fillStyleLst>
+      <a:lnStyleLst>
+        <a:ln w="6350" cap="flat" cmpd="sng" algn="ctr">
+          <a:solidFill>
+            <a:schemeClr val="phClr"/>
+          </a:solidFill>
+          <a:prstDash val="solid"/>
+          <a:miter lim="800000"/>
+        </a:ln>
+        <a:ln w="12700" cap="flat" cmpd="sng" algn="ctr">
+          <a:solidFill>
+            <a:schemeClr val="phClr"/>
+          </a:solidFill>
+          <a:prstDash val="solid"/>
+          <a:miter lim="800000"/>
+        </a:ln>
+        <a:ln w="19050" cap="flat" cmpd="sng" algn="ctr">
+          <a:solidFill>
+            <a:schemeClr val="phClr"/>
+          </a:solidFill>
+          <a:prstDash val="solid"/>
+          <a:miter lim="800000"/>
+        </a:ln>
+      </a:lnStyleLst>
+      <a:effectStyleLst>
+        <a:effectStyle>
+          <a:effectLst/>
+        </a:effectStyle>
+        <a:effectStyle>
+          <a:effectLst/>
+        </a:effectStyle>
+        <a:effectStyle>
+          <a:effectLst>
+            <a:outerShdw blurRad="57150" dist="19050" dir="5400000" algn="ctr" rotWithShape="0">
+              <a:srgbClr val="000000">
+                <a:alpha val="63000"/>
+              </a:srgbClr>
+            </a:outerShdw>
+          </a:effectLst>
+        </a:effectStyle>
+      </a:effectStyleLst>
+      <a:bgFillStyleLst>
+        <a:solidFill>
+          <a:schemeClr val="phClr"/>
+        </a:solidFill>
+        <a:solidFill>
+          <a:schemeClr val="phClr">
+            <a:tint val="95000"/>
+            <a:satMod val="170000"/>
+          </a:schemeClr>
+        </a:solidFill>
+        <a:gradFill rotWithShape="1">
+          <a:gsLst>
+            <a:gs pos="0">
+              <a:schemeClr val="phClr">
+                <a:tint val="93000"/>
+                <a:satMod val="150000"/>
+                <a:shade val="98000"/>
+                <a:lumMod val="102000"/>
+              </a:schemeClr>
+            </a:gs>
+            <a:gs pos="50000">
+              <a:schemeClr val="phClr">
+                <a:tint val="98000"/>
+                <a:satMod val="130000"/>
+                <a:shade val="90000"/>
+                <a:lumMod val="103000"/>
+              </a:schemeClr>
+            </a:gs>
+            <a:gs pos="100000">
+              <a:schemeClr val="phClr">
+                <a:shade val="63000"/>
+                <a:satMod val="120000"/>
+              </a:schemeClr>
+            </a:gs>
+          </a:gsLst>
+          <a:lin ang="5400000" scaled="0"/>
+        </a:gradFill>
+      </a:bgFillStyleLst>
+    </a:fmtScheme>
+  </a:themeElements>
+  <a:objectDefaults/>
+  <a:extraClrSchemeLst/>
+  <a:extLst>
+    <a:ext uri="{05A4C25C-085E-4340-85A3-A5531E510DB2}">
+      <thm15:themeFamily xmlns:thm15="http://schemas.microsoft.com/office/thememl/2012/main" name="Office Theme" id="{62F939B6-93AF-4DB8-9C6B-D6C7DFDC589F}" vid="{4A3C46E8-61CC-4603-A589-7422A47A8E4A}"/>
+    </a:ext>
+  </a:extLst>
+</a:theme>
 </file>
--- a/Databases_and_EntityFrameworkCore.pptx
+++ b/Databases_and_EntityFrameworkCore.pptx
@@ -14619,7 +14619,7 @@
       </p:sp>
       <p:pic>
         <p:nvPicPr>
-          <p:cNvPr id="4" name="Content Placeholder 3"/>
+          <p:cNvPr id="5" name="Content Placeholder 4"/>
           <p:cNvPicPr>
             <a:picLocks noGrp="1" noChangeAspect="1"/>
           </p:cNvPicPr>
@@ -14641,8 +14641,8 @@
         </p:blipFill>
         <p:spPr>
           <a:xfrm>
-            <a:off x="2182878" y="2315183"/>
-            <a:ext cx="7733489" cy="4094996"/>
+            <a:off x="1780724" y="2448977"/>
+            <a:ext cx="8671633" cy="3795069"/>
           </a:xfrm>
         </p:spPr>
       </p:pic>

--- a/Databases_and_EntityFrameworkCore.pptx
+++ b/Databases_and_EntityFrameworkCore.pptx
@@ -5,31 +5,35 @@
     <p:sldMasterId id="2147483660" r:id="rId1"/>
   </p:sldMasterIdLst>
   <p:notesMasterIdLst>
-    <p:notesMasterId r:id="rId24"/>
+    <p:notesMasterId r:id="rId28"/>
   </p:notesMasterIdLst>
   <p:sldIdLst>
     <p:sldId id="256" r:id="rId2"/>
     <p:sldId id="275" r:id="rId3"/>
-    <p:sldId id="257" r:id="rId4"/>
-    <p:sldId id="258" r:id="rId5"/>
-    <p:sldId id="259" r:id="rId6"/>
-    <p:sldId id="260" r:id="rId7"/>
-    <p:sldId id="280" r:id="rId8"/>
-    <p:sldId id="261" r:id="rId9"/>
-    <p:sldId id="262" r:id="rId10"/>
-    <p:sldId id="263" r:id="rId11"/>
-    <p:sldId id="264" r:id="rId12"/>
-    <p:sldId id="265" r:id="rId13"/>
-    <p:sldId id="278" r:id="rId14"/>
-    <p:sldId id="277" r:id="rId15"/>
-    <p:sldId id="267" r:id="rId16"/>
-    <p:sldId id="266" r:id="rId17"/>
-    <p:sldId id="268" r:id="rId18"/>
-    <p:sldId id="269" r:id="rId19"/>
-    <p:sldId id="272" r:id="rId20"/>
-    <p:sldId id="276" r:id="rId21"/>
-    <p:sldId id="270" r:id="rId22"/>
-    <p:sldId id="271" r:id="rId23"/>
+    <p:sldId id="281" r:id="rId4"/>
+    <p:sldId id="257" r:id="rId5"/>
+    <p:sldId id="258" r:id="rId6"/>
+    <p:sldId id="259" r:id="rId7"/>
+    <p:sldId id="260" r:id="rId8"/>
+    <p:sldId id="280" r:id="rId9"/>
+    <p:sldId id="282" r:id="rId10"/>
+    <p:sldId id="262" r:id="rId11"/>
+    <p:sldId id="285" r:id="rId12"/>
+    <p:sldId id="283" r:id="rId13"/>
+    <p:sldId id="263" r:id="rId14"/>
+    <p:sldId id="264" r:id="rId15"/>
+    <p:sldId id="284" r:id="rId16"/>
+    <p:sldId id="265" r:id="rId17"/>
+    <p:sldId id="278" r:id="rId18"/>
+    <p:sldId id="277" r:id="rId19"/>
+    <p:sldId id="267" r:id="rId20"/>
+    <p:sldId id="266" r:id="rId21"/>
+    <p:sldId id="269" r:id="rId22"/>
+    <p:sldId id="268" r:id="rId23"/>
+    <p:sldId id="272" r:id="rId24"/>
+    <p:sldId id="276" r:id="rId25"/>
+    <p:sldId id="270" r:id="rId26"/>
+    <p:sldId id="271" r:id="rId27"/>
   </p:sldIdLst>
   <p:sldSz cx="12192000" cy="6858000"/>
   <p:notesSz cx="6858000" cy="9144000"/>
@@ -135,22 +139,26 @@
           <p14:sldIdLst>
             <p14:sldId id="256"/>
             <p14:sldId id="275"/>
+            <p14:sldId id="281"/>
             <p14:sldId id="257"/>
             <p14:sldId id="258"/>
             <p14:sldId id="259"/>
             <p14:sldId id="260"/>
             <p14:sldId id="280"/>
-            <p14:sldId id="261"/>
+            <p14:sldId id="282"/>
             <p14:sldId id="262"/>
+            <p14:sldId id="285"/>
+            <p14:sldId id="283"/>
             <p14:sldId id="263"/>
             <p14:sldId id="264"/>
+            <p14:sldId id="284"/>
             <p14:sldId id="265"/>
             <p14:sldId id="278"/>
             <p14:sldId id="277"/>
             <p14:sldId id="267"/>
             <p14:sldId id="266"/>
+            <p14:sldId id="269"/>
             <p14:sldId id="268"/>
-            <p14:sldId id="269"/>
             <p14:sldId id="272"/>
             <p14:sldId id="276"/>
             <p14:sldId id="270"/>
@@ -274,7 +282,7 @@
           <a:p>
             <a:fld id="{E90F1D5F-DFB3-4BE8-B292-C9F8DF07B94B}" type="datetimeFigureOut">
               <a:rPr lang="en-US" smtClean="0"/>
-              <a:t>10/19/2021</a:t>
+              <a:t>10/21/2021</a:t>
             </a:fld>
             <a:endParaRPr lang="en-US"/>
           </a:p>
@@ -877,7 +885,7 @@
           <a:p>
             <a:fld id="{87DD66F1-7FC0-403D-82FE-3DDCE4AD2CCB}" type="datetimeFigureOut">
               <a:rPr lang="en-US" smtClean="0"/>
-              <a:t>10/19/2021</a:t>
+              <a:t>10/21/2021</a:t>
             </a:fld>
             <a:endParaRPr lang="en-US" dirty="0"/>
           </a:p>
@@ -1965,7 +1973,7 @@
           <a:p>
             <a:fld id="{87DD66F1-7FC0-403D-82FE-3DDCE4AD2CCB}" type="datetimeFigureOut">
               <a:rPr lang="en-US" smtClean="0"/>
-              <a:t>10/19/2021</a:t>
+              <a:t>10/21/2021</a:t>
             </a:fld>
             <a:endParaRPr lang="en-US" dirty="0"/>
           </a:p>
@@ -2945,7 +2953,7 @@
           <a:p>
             <a:fld id="{87DD66F1-7FC0-403D-82FE-3DDCE4AD2CCB}" type="datetimeFigureOut">
               <a:rPr lang="en-US" smtClean="0"/>
-              <a:t>10/19/2021</a:t>
+              <a:t>10/21/2021</a:t>
             </a:fld>
             <a:endParaRPr lang="en-US" dirty="0"/>
           </a:p>
@@ -4079,7 +4087,7 @@
           <a:p>
             <a:fld id="{87DD66F1-7FC0-403D-82FE-3DDCE4AD2CCB}" type="datetimeFigureOut">
               <a:rPr lang="en-US" smtClean="0"/>
-              <a:t>10/19/2021</a:t>
+              <a:t>10/21/2021</a:t>
             </a:fld>
             <a:endParaRPr lang="en-US" dirty="0"/>
           </a:p>
@@ -5112,7 +5120,7 @@
           <a:p>
             <a:fld id="{87DD66F1-7FC0-403D-82FE-3DDCE4AD2CCB}" type="datetimeFigureOut">
               <a:rPr lang="en-US" smtClean="0"/>
-              <a:t>10/19/2021</a:t>
+              <a:t>10/21/2021</a:t>
             </a:fld>
             <a:endParaRPr lang="en-US" dirty="0"/>
           </a:p>
@@ -5772,7 +5780,7 @@
           <a:p>
             <a:fld id="{87DD66F1-7FC0-403D-82FE-3DDCE4AD2CCB}" type="datetimeFigureOut">
               <a:rPr lang="en-US" smtClean="0"/>
-              <a:t>10/19/2021</a:t>
+              <a:t>10/21/2021</a:t>
             </a:fld>
             <a:endParaRPr lang="en-US" dirty="0"/>
           </a:p>
@@ -6633,7 +6641,7 @@
           <a:p>
             <a:fld id="{87DD66F1-7FC0-403D-82FE-3DDCE4AD2CCB}" type="datetimeFigureOut">
               <a:rPr lang="en-US" smtClean="0"/>
-              <a:t>10/19/2021</a:t>
+              <a:t>10/21/2021</a:t>
             </a:fld>
             <a:endParaRPr lang="en-US" dirty="0"/>
           </a:p>
@@ -6823,7 +6831,7 @@
           <a:p>
             <a:fld id="{87DD66F1-7FC0-403D-82FE-3DDCE4AD2CCB}" type="datetimeFigureOut">
               <a:rPr lang="en-US" smtClean="0"/>
-              <a:t>10/19/2021</a:t>
+              <a:t>10/21/2021</a:t>
             </a:fld>
             <a:endParaRPr lang="en-US" dirty="0"/>
           </a:p>
@@ -7795,7 +7803,7 @@
           <a:p>
             <a:fld id="{87DD66F1-7FC0-403D-82FE-3DDCE4AD2CCB}" type="datetimeFigureOut">
               <a:rPr lang="en-US" smtClean="0"/>
-              <a:t>10/19/2021</a:t>
+              <a:t>10/21/2021</a:t>
             </a:fld>
             <a:endParaRPr lang="en-US" dirty="0"/>
           </a:p>
@@ -8006,7 +8014,7 @@
           <a:p>
             <a:fld id="{87DD66F1-7FC0-403D-82FE-3DDCE4AD2CCB}" type="datetimeFigureOut">
               <a:rPr lang="en-US" smtClean="0"/>
-              <a:t>10/19/2021</a:t>
+              <a:t>10/21/2021</a:t>
             </a:fld>
             <a:endParaRPr lang="en-US" dirty="0"/>
           </a:p>
@@ -9040,7 +9048,7 @@
           <a:p>
             <a:fld id="{87DD66F1-7FC0-403D-82FE-3DDCE4AD2CCB}" type="datetimeFigureOut">
               <a:rPr lang="en-US" smtClean="0"/>
-              <a:t>10/19/2021</a:t>
+              <a:t>10/21/2021</a:t>
             </a:fld>
             <a:endParaRPr lang="en-US" dirty="0"/>
           </a:p>
@@ -9312,7 +9320,7 @@
           <a:p>
             <a:fld id="{87DD66F1-7FC0-403D-82FE-3DDCE4AD2CCB}" type="datetimeFigureOut">
               <a:rPr lang="en-US" smtClean="0"/>
-              <a:t>10/19/2021</a:t>
+              <a:t>10/21/2021</a:t>
             </a:fld>
             <a:endParaRPr lang="en-US" dirty="0"/>
           </a:p>
@@ -9722,7 +9730,7 @@
           <a:p>
             <a:fld id="{87DD66F1-7FC0-403D-82FE-3DDCE4AD2CCB}" type="datetimeFigureOut">
               <a:rPr lang="en-US" smtClean="0"/>
-              <a:t>10/19/2021</a:t>
+              <a:t>10/21/2021</a:t>
             </a:fld>
             <a:endParaRPr lang="en-US" dirty="0"/>
           </a:p>
@@ -9849,7 +9857,7 @@
           <a:p>
             <a:fld id="{87DD66F1-7FC0-403D-82FE-3DDCE4AD2CCB}" type="datetimeFigureOut">
               <a:rPr lang="en-US" smtClean="0"/>
-              <a:t>10/19/2021</a:t>
+              <a:t>10/21/2021</a:t>
             </a:fld>
             <a:endParaRPr lang="en-US" dirty="0"/>
           </a:p>
@@ -9944,7 +9952,7 @@
           <a:p>
             <a:fld id="{87DD66F1-7FC0-403D-82FE-3DDCE4AD2CCB}" type="datetimeFigureOut">
               <a:rPr lang="en-US" smtClean="0"/>
-              <a:t>10/19/2021</a:t>
+              <a:t>10/21/2021</a:t>
             </a:fld>
             <a:endParaRPr lang="en-US" dirty="0"/>
           </a:p>
@@ -11025,7 +11033,7 @@
           <a:p>
             <a:fld id="{87DD66F1-7FC0-403D-82FE-3DDCE4AD2CCB}" type="datetimeFigureOut">
               <a:rPr lang="en-US" smtClean="0"/>
-              <a:t>10/19/2021</a:t>
+              <a:t>10/21/2021</a:t>
             </a:fld>
             <a:endParaRPr lang="en-US" dirty="0"/>
           </a:p>
@@ -12133,7 +12141,7 @@
           <a:p>
             <a:fld id="{87DD66F1-7FC0-403D-82FE-3DDCE4AD2CCB}" type="datetimeFigureOut">
               <a:rPr lang="en-US" smtClean="0"/>
-              <a:t>10/19/2021</a:t>
+              <a:t>10/21/2021</a:t>
             </a:fld>
             <a:endParaRPr lang="en-US" dirty="0"/>
           </a:p>
@@ -13130,7 +13138,7 @@
           <a:p>
             <a:fld id="{87DD66F1-7FC0-403D-82FE-3DDCE4AD2CCB}" type="datetimeFigureOut">
               <a:rPr lang="en-US" smtClean="0"/>
-              <a:t>10/19/2021</a:t>
+              <a:t>10/21/2021</a:t>
             </a:fld>
             <a:endParaRPr lang="en-US" dirty="0"/>
           </a:p>
@@ -13783,66 +13791,22 @@
         </p:nvSpPr>
         <p:spPr>
           <a:xfrm>
-            <a:off x="1198231" y="1708728"/>
-            <a:ext cx="3865134" cy="1156855"/>
+            <a:off x="1240606" y="2063711"/>
+            <a:ext cx="2940939" cy="577273"/>
           </a:xfrm>
         </p:spPr>
         <p:txBody>
-          <a:bodyPr>
-            <a:normAutofit fontScale="90000"/>
-          </a:bodyPr>
+          <a:bodyPr/>
           <a:lstStyle/>
           <a:p>
             <a:r>
-              <a:rPr lang="en-US" dirty="0" smtClean="0">
+              <a:rPr lang="en-US" sz="3200" dirty="0" smtClean="0">
                 <a:latin typeface="Arial" panose="020B0604020202020204" pitchFamily="34" charset="0"/>
                 <a:cs typeface="Arial" panose="020B0604020202020204" pitchFamily="34" charset="0"/>
               </a:rPr>
-              <a:t>What is ORM and how it works?</a:t>
-            </a:r>
-            <a:endParaRPr lang="en-US" dirty="0">
-              <a:latin typeface="Arial" panose="020B0604020202020204" pitchFamily="34" charset="0"/>
-              <a:cs typeface="Arial" panose="020B0604020202020204" pitchFamily="34" charset="0"/>
-            </a:endParaRPr>
-          </a:p>
-        </p:txBody>
-      </p:sp>
-      <p:sp>
-        <p:nvSpPr>
-          <p:cNvPr id="4" name="Text Placeholder 3"/>
-          <p:cNvSpPr>
-            <a:spLocks noGrp="1"/>
-          </p:cNvSpPr>
-          <p:nvPr>
-            <p:ph type="body" sz="half" idx="2"/>
-          </p:nvPr>
-        </p:nvSpPr>
-        <p:spPr>
-          <a:xfrm>
-            <a:off x="1198231" y="2946400"/>
-            <a:ext cx="3859212" cy="2701636"/>
-          </a:xfrm>
-        </p:spPr>
-        <p:txBody>
-          <a:bodyPr>
-            <a:normAutofit/>
-          </a:bodyPr>
-          <a:lstStyle/>
-          <a:p>
-            <a:r>
-              <a:rPr lang="en-US" sz="1800" dirty="0" smtClean="0">
-                <a:solidFill>
-                  <a:schemeClr val="bg1"/>
-                </a:solidFill>
-                <a:latin typeface="Arial" panose="020B0604020202020204" pitchFamily="34" charset="0"/>
-                <a:cs typeface="Arial" panose="020B0604020202020204" pitchFamily="34" charset="0"/>
-              </a:rPr>
-              <a:t>ORM stands from Object Relational Mapper and is a library that automates the transfer of data between database tables into objects and vice versa.</a:t>
-            </a:r>
-            <a:endParaRPr lang="en-US" sz="1800" dirty="0">
-              <a:solidFill>
-                <a:schemeClr val="bg1"/>
-              </a:solidFill>
+              <a:t>ADO.NET</a:t>
+            </a:r>
+            <a:endParaRPr lang="en-US" sz="3200" dirty="0">
               <a:latin typeface="Arial" panose="020B0604020202020204" pitchFamily="34" charset="0"/>
               <a:cs typeface="Arial" panose="020B0604020202020204" pitchFamily="34" charset="0"/>
             </a:endParaRPr>
@@ -13851,11 +13815,13 @@
       </p:sp>
       <p:pic>
         <p:nvPicPr>
-          <p:cNvPr id="7" name="Picture Placeholder 4"/>
+          <p:cNvPr id="5" name="Content Placeholder 4"/>
           <p:cNvPicPr>
-            <a:picLocks noChangeAspect="1"/>
+            <a:picLocks noGrp="1" noChangeAspect="1"/>
           </p:cNvPicPr>
-          <p:nvPr/>
+          <p:nvPr>
+            <p:ph idx="1"/>
+          </p:nvPr>
         </p:nvPicPr>
         <p:blipFill>
           <a:blip r:embed="rId2">
@@ -13871,20 +13837,100 @@
         </p:blipFill>
         <p:spPr>
           <a:xfrm>
-            <a:off x="6178859" y="2018093"/>
-            <a:ext cx="5651790" cy="3233476"/>
+            <a:off x="5265528" y="2890367"/>
+            <a:ext cx="6366528" cy="1469198"/>
           </a:xfrm>
-          <a:prstGeom prst="roundRect">
-            <a:avLst>
-              <a:gd name="adj" fmla="val 1858"/>
-            </a:avLst>
-          </a:prstGeom>
         </p:spPr>
       </p:pic>
+      <p:sp>
+        <p:nvSpPr>
+          <p:cNvPr id="4" name="Text Placeholder 3"/>
+          <p:cNvSpPr>
+            <a:spLocks noGrp="1"/>
+          </p:cNvSpPr>
+          <p:nvPr>
+            <p:ph type="body" sz="half" idx="2"/>
+          </p:nvPr>
+        </p:nvSpPr>
+        <p:spPr>
+          <a:xfrm>
+            <a:off x="840918" y="2842491"/>
+            <a:ext cx="3832682" cy="1517074"/>
+          </a:xfrm>
+        </p:spPr>
+        <p:txBody>
+          <a:bodyPr>
+            <a:normAutofit/>
+          </a:bodyPr>
+          <a:lstStyle/>
+          <a:p>
+            <a:r>
+              <a:rPr lang="en-US" sz="1800" dirty="0" smtClean="0">
+                <a:solidFill>
+                  <a:schemeClr val="bg1"/>
+                </a:solidFill>
+                <a:latin typeface="Arial" panose="020B0604020202020204" pitchFamily="34" charset="0"/>
+                <a:cs typeface="Arial" panose="020B0604020202020204" pitchFamily="34" charset="0"/>
+              </a:rPr>
+              <a:t>ADO.NET is the latest Microsoft database access technology. It’s a set of classes that expose data access services.</a:t>
+            </a:r>
+            <a:endParaRPr lang="en-US" sz="1800" dirty="0">
+              <a:solidFill>
+                <a:schemeClr val="bg1"/>
+              </a:solidFill>
+              <a:latin typeface="Arial" panose="020B0604020202020204" pitchFamily="34" charset="0"/>
+              <a:cs typeface="Arial" panose="020B0604020202020204" pitchFamily="34" charset="0"/>
+            </a:endParaRPr>
+          </a:p>
+        </p:txBody>
+      </p:sp>
+      <p:sp>
+        <p:nvSpPr>
+          <p:cNvPr id="7" name="TextBox 6"/>
+          <p:cNvSpPr txBox="1"/>
+          <p:nvPr/>
+        </p:nvSpPr>
+        <p:spPr>
+          <a:xfrm>
+            <a:off x="5607009" y="1906071"/>
+            <a:ext cx="4904509" cy="523220"/>
+          </a:xfrm>
+          <a:prstGeom prst="rect">
+            <a:avLst/>
+          </a:prstGeom>
+          <a:noFill/>
+        </p:spPr>
+        <p:txBody>
+          <a:bodyPr wrap="square" rtlCol="0" anchor="ctr">
+            <a:spAutoFit/>
+          </a:bodyPr>
+          <a:lstStyle/>
+          <a:p>
+            <a:pPr algn="ctr"/>
+            <a:r>
+              <a:rPr lang="en-US" sz="2800" dirty="0" smtClean="0">
+                <a:solidFill>
+                  <a:schemeClr val="accent6">
+                    <a:lumMod val="50000"/>
+                  </a:schemeClr>
+                </a:solidFill>
+              </a:rPr>
+              <a:t>C# demo source</a:t>
+            </a:r>
+            <a:endParaRPr lang="en-US" sz="2800" dirty="0">
+              <a:solidFill>
+                <a:schemeClr val="accent6">
+                  <a:lumMod val="50000"/>
+                </a:schemeClr>
+              </a:solidFill>
+            </a:endParaRPr>
+          </a:p>
+        </p:txBody>
+      </p:sp>
     </p:spTree>
     <p:extLst>
       <p:ext uri="{BB962C8B-B14F-4D97-AF65-F5344CB8AC3E}">
-        <p14:creationId xmlns:p14="http://schemas.microsoft.com/office/powerpoint/2010/main" val="3976096915"/>
+        <p14:creationId xmlns:p14="http://schemas.microsoft.com/office/powerpoint/2010/main" val="9675751"/>
       </p:ext>
     </p:extLst>
   </p:cSld>
@@ -13928,6 +13974,521 @@
             <p:ph type="title"/>
           </p:nvPr>
         </p:nvSpPr>
+        <p:spPr>
+          <a:xfrm>
+            <a:off x="1242041" y="2299063"/>
+            <a:ext cx="3865134" cy="607423"/>
+          </a:xfrm>
+        </p:spPr>
+        <p:txBody>
+          <a:bodyPr>
+            <a:noAutofit/>
+          </a:bodyPr>
+          <a:lstStyle/>
+          <a:p>
+            <a:r>
+              <a:rPr lang="en-US" sz="4000" dirty="0" smtClean="0">
+                <a:latin typeface="Arial" panose="020B0604020202020204" pitchFamily="34" charset="0"/>
+                <a:cs typeface="Arial" panose="020B0604020202020204" pitchFamily="34" charset="0"/>
+              </a:rPr>
+              <a:t>ADO.NET layer</a:t>
+            </a:r>
+            <a:endParaRPr lang="en-US" sz="4000" dirty="0">
+              <a:latin typeface="Arial" panose="020B0604020202020204" pitchFamily="34" charset="0"/>
+              <a:cs typeface="Arial" panose="020B0604020202020204" pitchFamily="34" charset="0"/>
+            </a:endParaRPr>
+          </a:p>
+        </p:txBody>
+      </p:sp>
+      <p:pic>
+        <p:nvPicPr>
+          <p:cNvPr id="5" name="Picture 4"/>
+          <p:cNvPicPr>
+            <a:picLocks noChangeAspect="1"/>
+          </p:cNvPicPr>
+          <p:nvPr/>
+        </p:nvPicPr>
+        <p:blipFill>
+          <a:blip r:embed="rId2">
+            <a:extLst>
+              <a:ext uri="{28A0092B-C50C-407E-A947-70E740481C1C}">
+                <a14:useLocalDpi xmlns:a14="http://schemas.microsoft.com/office/drawing/2010/main" val="0"/>
+              </a:ext>
+            </a:extLst>
+          </a:blip>
+          <a:stretch>
+            <a:fillRect/>
+          </a:stretch>
+        </p:blipFill>
+        <p:spPr>
+          <a:xfrm>
+            <a:off x="6622001" y="1781678"/>
+            <a:ext cx="4864604" cy="3961634"/>
+          </a:xfrm>
+          <a:prstGeom prst="rect">
+            <a:avLst/>
+          </a:prstGeom>
+        </p:spPr>
+      </p:pic>
+      <p:sp>
+        <p:nvSpPr>
+          <p:cNvPr id="6" name="Title 1"/>
+          <p:cNvSpPr txBox="1">
+            <a:spLocks/>
+          </p:cNvSpPr>
+          <p:nvPr/>
+        </p:nvSpPr>
+        <p:spPr bwMode="gray">
+          <a:xfrm>
+            <a:off x="1242041" y="3074126"/>
+            <a:ext cx="3865134" cy="1018903"/>
+          </a:xfrm>
+          <a:prstGeom prst="rect">
+            <a:avLst/>
+          </a:prstGeom>
+        </p:spPr>
+        <p:txBody>
+          <a:bodyPr vert="horz" lIns="91440" tIns="45720" rIns="91440" bIns="45720" rtlCol="0" anchor="b">
+            <a:noAutofit/>
+          </a:bodyPr>
+          <a:lstStyle>
+            <a:lvl1pPr algn="l" defTabSz="457200" rtl="0" eaLnBrk="1" latinLnBrk="0" hangingPunct="1">
+              <a:spcBef>
+                <a:spcPct val="0"/>
+              </a:spcBef>
+              <a:buNone/>
+              <a:defRPr sz="3600" b="0" i="0" kern="1200">
+                <a:solidFill>
+                  <a:schemeClr val="bg2"/>
+                </a:solidFill>
+                <a:latin typeface="+mj-lt"/>
+                <a:ea typeface="+mj-ea"/>
+                <a:cs typeface="+mj-cs"/>
+              </a:defRPr>
+            </a:lvl1pPr>
+            <a:lvl2pPr eaLnBrk="1" hangingPunct="1">
+              <a:defRPr>
+                <a:solidFill>
+                  <a:schemeClr val="tx2"/>
+                </a:solidFill>
+              </a:defRPr>
+            </a:lvl2pPr>
+            <a:lvl3pPr eaLnBrk="1" hangingPunct="1">
+              <a:defRPr>
+                <a:solidFill>
+                  <a:schemeClr val="tx2"/>
+                </a:solidFill>
+              </a:defRPr>
+            </a:lvl3pPr>
+            <a:lvl4pPr eaLnBrk="1" hangingPunct="1">
+              <a:defRPr>
+                <a:solidFill>
+                  <a:schemeClr val="tx2"/>
+                </a:solidFill>
+              </a:defRPr>
+            </a:lvl4pPr>
+            <a:lvl5pPr eaLnBrk="1" hangingPunct="1">
+              <a:defRPr>
+                <a:solidFill>
+                  <a:schemeClr val="tx2"/>
+                </a:solidFill>
+              </a:defRPr>
+            </a:lvl5pPr>
+            <a:lvl6pPr eaLnBrk="1" hangingPunct="1">
+              <a:defRPr>
+                <a:solidFill>
+                  <a:schemeClr val="tx2"/>
+                </a:solidFill>
+              </a:defRPr>
+            </a:lvl6pPr>
+            <a:lvl7pPr eaLnBrk="1" hangingPunct="1">
+              <a:defRPr>
+                <a:solidFill>
+                  <a:schemeClr val="tx2"/>
+                </a:solidFill>
+              </a:defRPr>
+            </a:lvl7pPr>
+            <a:lvl8pPr eaLnBrk="1" hangingPunct="1">
+              <a:defRPr>
+                <a:solidFill>
+                  <a:schemeClr val="tx2"/>
+                </a:solidFill>
+              </a:defRPr>
+            </a:lvl8pPr>
+            <a:lvl9pPr eaLnBrk="1" hangingPunct="1">
+              <a:defRPr>
+                <a:solidFill>
+                  <a:schemeClr val="tx2"/>
+                </a:solidFill>
+              </a:defRPr>
+            </a:lvl9pPr>
+          </a:lstStyle>
+          <a:p>
+            <a:r>
+              <a:rPr lang="en-US" sz="2000" dirty="0" smtClean="0">
+                <a:latin typeface="Arial" panose="020B0604020202020204" pitchFamily="34" charset="0"/>
+                <a:cs typeface="Arial" panose="020B0604020202020204" pitchFamily="34" charset="0"/>
+              </a:rPr>
+              <a:t>With ADO.NET we can access almost any database system</a:t>
+            </a:r>
+            <a:endParaRPr lang="en-US" sz="2000" dirty="0">
+              <a:latin typeface="Arial" panose="020B0604020202020204" pitchFamily="34" charset="0"/>
+              <a:cs typeface="Arial" panose="020B0604020202020204" pitchFamily="34" charset="0"/>
+            </a:endParaRPr>
+          </a:p>
+        </p:txBody>
+      </p:sp>
+    </p:spTree>
+    <p:extLst>
+      <p:ext uri="{BB962C8B-B14F-4D97-AF65-F5344CB8AC3E}">
+        <p14:creationId xmlns:p14="http://schemas.microsoft.com/office/powerpoint/2010/main" val="571420551"/>
+      </p:ext>
+    </p:extLst>
+  </p:cSld>
+  <p:clrMapOvr>
+    <a:masterClrMapping/>
+  </p:clrMapOvr>
+  <p:timing>
+    <p:tnLst>
+      <p:par>
+        <p:cTn id="1" dur="indefinite" restart="never" nodeType="tmRoot"/>
+      </p:par>
+    </p:tnLst>
+  </p:timing>
+</p:sld>
+</file>
+
+<file path=ppt/slides/slide12.xml><?xml version="1.0" encoding="utf-8"?>
+<p:sld xmlns:a="http://schemas.openxmlformats.org/drawingml/2006/main" xmlns:r="http://schemas.openxmlformats.org/officeDocument/2006/relationships" xmlns:p="http://schemas.openxmlformats.org/presentationml/2006/main">
+  <p:cSld>
+    <p:spTree>
+      <p:nvGrpSpPr>
+        <p:cNvPr id="1" name=""/>
+        <p:cNvGrpSpPr/>
+        <p:nvPr/>
+      </p:nvGrpSpPr>
+      <p:grpSpPr>
+        <a:xfrm>
+          <a:off x="0" y="0"/>
+          <a:ext cx="0" cy="0"/>
+          <a:chOff x="0" y="0"/>
+          <a:chExt cx="0" cy="0"/>
+        </a:xfrm>
+      </p:grpSpPr>
+      <p:sp>
+        <p:nvSpPr>
+          <p:cNvPr id="2" name="TextBox 1"/>
+          <p:cNvSpPr txBox="1"/>
+          <p:nvPr/>
+        </p:nvSpPr>
+        <p:spPr>
+          <a:xfrm>
+            <a:off x="1674220" y="4149795"/>
+            <a:ext cx="8382001" cy="1754326"/>
+          </a:xfrm>
+          <a:prstGeom prst="rect">
+            <a:avLst/>
+          </a:prstGeom>
+          <a:noFill/>
+        </p:spPr>
+        <p:txBody>
+          <a:bodyPr wrap="square" rtlCol="0">
+            <a:spAutoFit/>
+          </a:bodyPr>
+          <a:lstStyle/>
+          <a:p>
+            <a:pPr lvl="1" algn="ctr"/>
+            <a:r>
+              <a:rPr lang="en-US" sz="5400" dirty="0" smtClean="0">
+                <a:solidFill>
+                  <a:schemeClr val="accent1">
+                    <a:lumMod val="50000"/>
+                  </a:schemeClr>
+                </a:solidFill>
+                <a:latin typeface="Arial" panose="020B0604020202020204" pitchFamily="34" charset="0"/>
+                <a:cs typeface="Arial" panose="020B0604020202020204" pitchFamily="34" charset="0"/>
+              </a:rPr>
+              <a:t>Object Relational Mapper</a:t>
+            </a:r>
+          </a:p>
+          <a:p>
+            <a:pPr lvl="1" algn="ctr"/>
+            <a:r>
+              <a:rPr lang="en-US" sz="5400" dirty="0" smtClean="0">
+                <a:solidFill>
+                  <a:schemeClr val="accent1">
+                    <a:lumMod val="50000"/>
+                  </a:schemeClr>
+                </a:solidFill>
+                <a:latin typeface="Arial" panose="020B0604020202020204" pitchFamily="34" charset="0"/>
+                <a:cs typeface="Arial" panose="020B0604020202020204" pitchFamily="34" charset="0"/>
+              </a:rPr>
+              <a:t>ORM</a:t>
+            </a:r>
+            <a:endParaRPr lang="en-US" sz="5400" dirty="0">
+              <a:solidFill>
+                <a:schemeClr val="accent1">
+                  <a:lumMod val="50000"/>
+                </a:schemeClr>
+              </a:solidFill>
+              <a:latin typeface="Arial" panose="020B0604020202020204" pitchFamily="34" charset="0"/>
+              <a:cs typeface="Arial" panose="020B0604020202020204" pitchFamily="34" charset="0"/>
+            </a:endParaRPr>
+          </a:p>
+        </p:txBody>
+      </p:sp>
+      <p:pic>
+        <p:nvPicPr>
+          <p:cNvPr id="3" name="Picture 2"/>
+          <p:cNvPicPr>
+            <a:picLocks noChangeAspect="1"/>
+          </p:cNvPicPr>
+          <p:nvPr/>
+        </p:nvPicPr>
+        <p:blipFill>
+          <a:blip r:embed="rId2">
+            <a:extLst>
+              <a:ext uri="{28A0092B-C50C-407E-A947-70E740481C1C}">
+                <a14:useLocalDpi xmlns:a14="http://schemas.microsoft.com/office/drawing/2010/main" val="0"/>
+              </a:ext>
+            </a:extLst>
+          </a:blip>
+          <a:stretch>
+            <a:fillRect/>
+          </a:stretch>
+        </p:blipFill>
+        <p:spPr>
+          <a:xfrm>
+            <a:off x="4493619" y="678356"/>
+            <a:ext cx="2743201" cy="3236307"/>
+          </a:xfrm>
+          <a:prstGeom prst="rect">
+            <a:avLst/>
+          </a:prstGeom>
+          <a:solidFill>
+            <a:srgbClr val="FFFFFF">
+              <a:shade val="85000"/>
+            </a:srgbClr>
+          </a:solidFill>
+          <a:ln w="88900" cap="sq">
+            <a:solidFill>
+              <a:srgbClr val="FFFFFF"/>
+            </a:solidFill>
+            <a:miter lim="800000"/>
+          </a:ln>
+          <a:effectLst>
+            <a:outerShdw blurRad="55000" dist="18000" dir="5400000" algn="tl" rotWithShape="0">
+              <a:srgbClr val="000000">
+                <a:alpha val="40000"/>
+              </a:srgbClr>
+            </a:outerShdw>
+          </a:effectLst>
+          <a:scene3d>
+            <a:camera prst="orthographicFront"/>
+            <a:lightRig rig="twoPt" dir="t">
+              <a:rot lat="0" lon="0" rev="7200000"/>
+            </a:lightRig>
+          </a:scene3d>
+          <a:sp3d>
+            <a:bevelT w="25400" h="19050"/>
+            <a:contourClr>
+              <a:srgbClr val="FFFFFF"/>
+            </a:contourClr>
+          </a:sp3d>
+        </p:spPr>
+      </p:pic>
+    </p:spTree>
+    <p:extLst>
+      <p:ext uri="{BB962C8B-B14F-4D97-AF65-F5344CB8AC3E}">
+        <p14:creationId xmlns:p14="http://schemas.microsoft.com/office/powerpoint/2010/main" val="2864073650"/>
+      </p:ext>
+    </p:extLst>
+  </p:cSld>
+  <p:clrMapOvr>
+    <a:masterClrMapping/>
+  </p:clrMapOvr>
+  <p:timing>
+    <p:tnLst>
+      <p:par>
+        <p:cTn id="1" dur="indefinite" restart="never" nodeType="tmRoot"/>
+      </p:par>
+    </p:tnLst>
+  </p:timing>
+</p:sld>
+</file>
+
+<file path=ppt/slides/slide13.xml><?xml version="1.0" encoding="utf-8"?>
+<p:sld xmlns:a="http://schemas.openxmlformats.org/drawingml/2006/main" xmlns:r="http://schemas.openxmlformats.org/officeDocument/2006/relationships" xmlns:p="http://schemas.openxmlformats.org/presentationml/2006/main">
+  <p:cSld>
+    <p:spTree>
+      <p:nvGrpSpPr>
+        <p:cNvPr id="1" name=""/>
+        <p:cNvGrpSpPr/>
+        <p:nvPr/>
+      </p:nvGrpSpPr>
+      <p:grpSpPr>
+        <a:xfrm>
+          <a:off x="0" y="0"/>
+          <a:ext cx="0" cy="0"/>
+          <a:chOff x="0" y="0"/>
+          <a:chExt cx="0" cy="0"/>
+        </a:xfrm>
+      </p:grpSpPr>
+      <p:sp>
+        <p:nvSpPr>
+          <p:cNvPr id="2" name="Title 1"/>
+          <p:cNvSpPr>
+            <a:spLocks noGrp="1"/>
+          </p:cNvSpPr>
+          <p:nvPr>
+            <p:ph type="title"/>
+          </p:nvPr>
+        </p:nvSpPr>
+        <p:spPr>
+          <a:xfrm>
+            <a:off x="1198231" y="1708728"/>
+            <a:ext cx="3865134" cy="1156855"/>
+          </a:xfrm>
+        </p:spPr>
+        <p:txBody>
+          <a:bodyPr>
+            <a:normAutofit fontScale="90000"/>
+          </a:bodyPr>
+          <a:lstStyle/>
+          <a:p>
+            <a:r>
+              <a:rPr lang="en-US" dirty="0" smtClean="0">
+                <a:latin typeface="Arial" panose="020B0604020202020204" pitchFamily="34" charset="0"/>
+                <a:cs typeface="Arial" panose="020B0604020202020204" pitchFamily="34" charset="0"/>
+              </a:rPr>
+              <a:t>What is ORM and how it works?</a:t>
+            </a:r>
+            <a:endParaRPr lang="en-US" dirty="0">
+              <a:latin typeface="Arial" panose="020B0604020202020204" pitchFamily="34" charset="0"/>
+              <a:cs typeface="Arial" panose="020B0604020202020204" pitchFamily="34" charset="0"/>
+            </a:endParaRPr>
+          </a:p>
+        </p:txBody>
+      </p:sp>
+      <p:sp>
+        <p:nvSpPr>
+          <p:cNvPr id="4" name="Text Placeholder 3"/>
+          <p:cNvSpPr>
+            <a:spLocks noGrp="1"/>
+          </p:cNvSpPr>
+          <p:nvPr>
+            <p:ph type="body" sz="half" idx="2"/>
+          </p:nvPr>
+        </p:nvSpPr>
+        <p:spPr>
+          <a:xfrm>
+            <a:off x="1198231" y="2946400"/>
+            <a:ext cx="3859212" cy="2701636"/>
+          </a:xfrm>
+        </p:spPr>
+        <p:txBody>
+          <a:bodyPr>
+            <a:normAutofit/>
+          </a:bodyPr>
+          <a:lstStyle/>
+          <a:p>
+            <a:r>
+              <a:rPr lang="en-US" sz="1800" dirty="0" smtClean="0">
+                <a:solidFill>
+                  <a:schemeClr val="bg1"/>
+                </a:solidFill>
+                <a:latin typeface="Arial" panose="020B0604020202020204" pitchFamily="34" charset="0"/>
+                <a:cs typeface="Arial" panose="020B0604020202020204" pitchFamily="34" charset="0"/>
+              </a:rPr>
+              <a:t>ORM stands from Object Relational Mapper and is a library that automates the transfer of data between database tables into objects and vice versa.</a:t>
+            </a:r>
+            <a:endParaRPr lang="en-US" sz="1800" dirty="0">
+              <a:solidFill>
+                <a:schemeClr val="bg1"/>
+              </a:solidFill>
+              <a:latin typeface="Arial" panose="020B0604020202020204" pitchFamily="34" charset="0"/>
+              <a:cs typeface="Arial" panose="020B0604020202020204" pitchFamily="34" charset="0"/>
+            </a:endParaRPr>
+          </a:p>
+        </p:txBody>
+      </p:sp>
+      <p:pic>
+        <p:nvPicPr>
+          <p:cNvPr id="3" name="Picture 2"/>
+          <p:cNvPicPr>
+            <a:picLocks noChangeAspect="1"/>
+          </p:cNvPicPr>
+          <p:nvPr/>
+        </p:nvPicPr>
+        <p:blipFill>
+          <a:blip r:embed="rId2">
+            <a:extLst>
+              <a:ext uri="{28A0092B-C50C-407E-A947-70E740481C1C}">
+                <a14:useLocalDpi xmlns:a14="http://schemas.microsoft.com/office/drawing/2010/main" val="0"/>
+              </a:ext>
+            </a:extLst>
+          </a:blip>
+          <a:stretch>
+            <a:fillRect/>
+          </a:stretch>
+        </p:blipFill>
+        <p:spPr>
+          <a:xfrm>
+            <a:off x="6000204" y="2176564"/>
+            <a:ext cx="5752016" cy="2743778"/>
+          </a:xfrm>
+          <a:prstGeom prst="rect">
+            <a:avLst/>
+          </a:prstGeom>
+        </p:spPr>
+      </p:pic>
+    </p:spTree>
+    <p:extLst>
+      <p:ext uri="{BB962C8B-B14F-4D97-AF65-F5344CB8AC3E}">
+        <p14:creationId xmlns:p14="http://schemas.microsoft.com/office/powerpoint/2010/main" val="3976096915"/>
+      </p:ext>
+    </p:extLst>
+  </p:cSld>
+  <p:clrMapOvr>
+    <a:masterClrMapping/>
+  </p:clrMapOvr>
+  <p:timing>
+    <p:tnLst>
+      <p:par>
+        <p:cTn id="1" dur="indefinite" restart="never" nodeType="tmRoot"/>
+      </p:par>
+    </p:tnLst>
+  </p:timing>
+</p:sld>
+</file>
+
+<file path=ppt/slides/slide14.xml><?xml version="1.0" encoding="utf-8"?>
+<p:sld xmlns:a="http://schemas.openxmlformats.org/drawingml/2006/main" xmlns:r="http://schemas.openxmlformats.org/officeDocument/2006/relationships" xmlns:p="http://schemas.openxmlformats.org/presentationml/2006/main">
+  <p:cSld>
+    <p:spTree>
+      <p:nvGrpSpPr>
+        <p:cNvPr id="1" name=""/>
+        <p:cNvGrpSpPr/>
+        <p:nvPr/>
+      </p:nvGrpSpPr>
+      <p:grpSpPr>
+        <a:xfrm>
+          <a:off x="0" y="0"/>
+          <a:ext cx="0" cy="0"/>
+          <a:chOff x="0" y="0"/>
+          <a:chExt cx="0" cy="0"/>
+        </a:xfrm>
+      </p:grpSpPr>
+      <p:sp>
+        <p:nvSpPr>
+          <p:cNvPr id="2" name="Title 1"/>
+          <p:cNvSpPr>
+            <a:spLocks noGrp="1"/>
+          </p:cNvSpPr>
+          <p:nvPr>
+            <p:ph type="title"/>
+          </p:nvPr>
+        </p:nvSpPr>
         <p:spPr/>
         <p:txBody>
           <a:bodyPr/>
@@ -14263,9 +14824,25 @@
             <a:off x="6160594" y="2524707"/>
             <a:ext cx="4046571" cy="3863675"/>
           </a:xfrm>
-          <a:prstGeom prst="rect">
-            <a:avLst/>
+          <a:prstGeom prst="round2DiagRect">
+            <a:avLst>
+              <a:gd name="adj1" fmla="val 16667"/>
+              <a:gd name="adj2" fmla="val 0"/>
+            </a:avLst>
           </a:prstGeom>
+          <a:ln w="88900" cap="sq">
+            <a:solidFill>
+              <a:srgbClr val="FFFFFF"/>
+            </a:solidFill>
+            <a:miter lim="800000"/>
+          </a:ln>
+          <a:effectLst>
+            <a:outerShdw blurRad="254000" algn="tl" rotWithShape="0">
+              <a:srgbClr val="000000">
+                <a:alpha val="43000"/>
+              </a:srgbClr>
+            </a:outerShdw>
+          </a:effectLst>
         </p:spPr>
       </p:pic>
     </p:spTree>
@@ -14288,7 +14865,145 @@
 </p:sld>
 </file>
 
-<file path=ppt/slides/slide12.xml><?xml version="1.0" encoding="utf-8"?>
+<file path=ppt/slides/slide15.xml><?xml version="1.0" encoding="utf-8"?>
+<p:sld xmlns:a="http://schemas.openxmlformats.org/drawingml/2006/main" xmlns:r="http://schemas.openxmlformats.org/officeDocument/2006/relationships" xmlns:p="http://schemas.openxmlformats.org/presentationml/2006/main">
+  <p:cSld>
+    <p:spTree>
+      <p:nvGrpSpPr>
+        <p:cNvPr id="1" name=""/>
+        <p:cNvGrpSpPr/>
+        <p:nvPr/>
+      </p:nvGrpSpPr>
+      <p:grpSpPr>
+        <a:xfrm>
+          <a:off x="0" y="0"/>
+          <a:ext cx="0" cy="0"/>
+          <a:chOff x="0" y="0"/>
+          <a:chExt cx="0" cy="0"/>
+        </a:xfrm>
+      </p:grpSpPr>
+      <p:sp>
+        <p:nvSpPr>
+          <p:cNvPr id="2" name="TextBox 1"/>
+          <p:cNvSpPr txBox="1"/>
+          <p:nvPr/>
+        </p:nvSpPr>
+        <p:spPr>
+          <a:xfrm>
+            <a:off x="1717761" y="4132378"/>
+            <a:ext cx="8382001" cy="923330"/>
+          </a:xfrm>
+          <a:prstGeom prst="rect">
+            <a:avLst/>
+          </a:prstGeom>
+          <a:noFill/>
+        </p:spPr>
+        <p:txBody>
+          <a:bodyPr wrap="square" rtlCol="0">
+            <a:spAutoFit/>
+          </a:bodyPr>
+          <a:lstStyle/>
+          <a:p>
+            <a:pPr lvl="1" algn="ctr"/>
+            <a:r>
+              <a:rPr lang="en-US" sz="5400" dirty="0" smtClean="0">
+                <a:solidFill>
+                  <a:schemeClr val="accent1">
+                    <a:lumMod val="50000"/>
+                  </a:schemeClr>
+                </a:solidFill>
+                <a:latin typeface="Arial" panose="020B0604020202020204" pitchFamily="34" charset="0"/>
+                <a:cs typeface="Arial" panose="020B0604020202020204" pitchFamily="34" charset="0"/>
+              </a:rPr>
+              <a:t>Entity Framework Core</a:t>
+            </a:r>
+            <a:endParaRPr lang="en-US" sz="5400" dirty="0">
+              <a:solidFill>
+                <a:schemeClr val="accent1">
+                  <a:lumMod val="50000"/>
+                </a:schemeClr>
+              </a:solidFill>
+              <a:latin typeface="Arial" panose="020B0604020202020204" pitchFamily="34" charset="0"/>
+              <a:cs typeface="Arial" panose="020B0604020202020204" pitchFamily="34" charset="0"/>
+            </a:endParaRPr>
+          </a:p>
+        </p:txBody>
+      </p:sp>
+      <p:pic>
+        <p:nvPicPr>
+          <p:cNvPr id="3" name="Picture 2"/>
+          <p:cNvPicPr>
+            <a:picLocks noChangeAspect="1"/>
+          </p:cNvPicPr>
+          <p:nvPr/>
+        </p:nvPicPr>
+        <p:blipFill>
+          <a:blip r:embed="rId2">
+            <a:extLst>
+              <a:ext uri="{28A0092B-C50C-407E-A947-70E740481C1C}">
+                <a14:useLocalDpi xmlns:a14="http://schemas.microsoft.com/office/drawing/2010/main" val="0"/>
+              </a:ext>
+            </a:extLst>
+          </a:blip>
+          <a:stretch>
+            <a:fillRect/>
+          </a:stretch>
+        </p:blipFill>
+        <p:spPr>
+          <a:xfrm>
+            <a:off x="3734214" y="1619796"/>
+            <a:ext cx="4349097" cy="2412954"/>
+          </a:xfrm>
+          <a:prstGeom prst="roundRect">
+            <a:avLst>
+              <a:gd name="adj" fmla="val 16667"/>
+            </a:avLst>
+          </a:prstGeom>
+          <a:ln>
+            <a:noFill/>
+          </a:ln>
+          <a:effectLst>
+            <a:outerShdw blurRad="152400" dist="12000" dir="900000" sy="98000" kx="110000" ky="200000" algn="tl" rotWithShape="0">
+              <a:srgbClr val="000000">
+                <a:alpha val="30000"/>
+              </a:srgbClr>
+            </a:outerShdw>
+          </a:effectLst>
+          <a:scene3d>
+            <a:camera prst="perspectiveRelaxed">
+              <a:rot lat="19800000" lon="1200000" rev="20820000"/>
+            </a:camera>
+            <a:lightRig rig="threePt" dir="t"/>
+          </a:scene3d>
+          <a:sp3d contourW="6350" prstMaterial="matte">
+            <a:bevelT w="101600" h="101600"/>
+            <a:contourClr>
+              <a:srgbClr val="969696"/>
+            </a:contourClr>
+          </a:sp3d>
+        </p:spPr>
+      </p:pic>
+    </p:spTree>
+    <p:extLst>
+      <p:ext uri="{BB962C8B-B14F-4D97-AF65-F5344CB8AC3E}">
+        <p14:creationId xmlns:p14="http://schemas.microsoft.com/office/powerpoint/2010/main" val="91787810"/>
+      </p:ext>
+    </p:extLst>
+  </p:cSld>
+  <p:clrMapOvr>
+    <a:masterClrMapping/>
+  </p:clrMapOvr>
+  <p:timing>
+    <p:tnLst>
+      <p:par>
+        <p:cTn id="1" dur="indefinite" restart="never" nodeType="tmRoot"/>
+      </p:par>
+    </p:tnLst>
+  </p:timing>
+</p:sld>
+</file>
+
+<file path=ppt/slides/slide16.xml><?xml version="1.0" encoding="utf-8"?>
 <p:sld xmlns:a="http://schemas.openxmlformats.org/drawingml/2006/main" xmlns:r="http://schemas.openxmlformats.org/officeDocument/2006/relationships" xmlns:p="http://schemas.openxmlformats.org/presentationml/2006/main">
   <p:cSld>
     <p:spTree>
@@ -14439,7 +15154,7 @@
 </p:sld>
 </file>
 
-<file path=ppt/slides/slide13.xml><?xml version="1.0" encoding="utf-8"?>
+<file path=ppt/slides/slide17.xml><?xml version="1.0" encoding="utf-8"?>
 <p:sld xmlns:a="http://schemas.openxmlformats.org/drawingml/2006/main" xmlns:r="http://schemas.openxmlformats.org/officeDocument/2006/relationships" xmlns:p="http://schemas.openxmlformats.org/presentationml/2006/main">
   <p:cSld>
     <p:spTree>
@@ -14513,6 +15228,25 @@
             <a:off x="7294631" y="1821180"/>
             <a:ext cx="3110346" cy="4259580"/>
           </a:xfrm>
+          <a:prstGeom prst="round2DiagRect">
+            <a:avLst>
+              <a:gd name="adj1" fmla="val 16667"/>
+              <a:gd name="adj2" fmla="val 0"/>
+            </a:avLst>
+          </a:prstGeom>
+          <a:ln w="88900" cap="sq">
+            <a:solidFill>
+              <a:srgbClr val="FFFFFF"/>
+            </a:solidFill>
+            <a:miter lim="800000"/>
+          </a:ln>
+          <a:effectLst>
+            <a:outerShdw blurRad="254000" algn="tl" rotWithShape="0">
+              <a:srgbClr val="000000">
+                <a:alpha val="43000"/>
+              </a:srgbClr>
+            </a:outerShdw>
+          </a:effectLst>
         </p:spPr>
       </p:pic>
       <p:sp>
@@ -14565,7 +15299,7 @@
 </p:sld>
 </file>
 
-<file path=ppt/slides/slide14.xml><?xml version="1.0" encoding="utf-8"?>
+<file path=ppt/slides/slide18.xml><?xml version="1.0" encoding="utf-8"?>
 <p:sld xmlns:a="http://schemas.openxmlformats.org/drawingml/2006/main" xmlns:r="http://schemas.openxmlformats.org/officeDocument/2006/relationships" xmlns:p="http://schemas.openxmlformats.org/presentationml/2006/main">
   <p:cSld>
     <p:spTree>
@@ -14666,7 +15400,7 @@
 </p:sld>
 </file>
 
-<file path=ppt/slides/slide15.xml><?xml version="1.0" encoding="utf-8"?>
+<file path=ppt/slides/slide19.xml><?xml version="1.0" encoding="utf-8"?>
 <p:sld xmlns:a="http://schemas.openxmlformats.org/drawingml/2006/main" xmlns:r="http://schemas.openxmlformats.org/officeDocument/2006/relationships" xmlns:p="http://schemas.openxmlformats.org/presentationml/2006/main">
   <p:cSld>
     <p:spTree>
@@ -14798,13 +15532,13 @@
               </a:rPr>
             </a:br>
             <a:r>
-              <a:rPr lang="en-US" sz="2400" b="1" dirty="0" smtClean="0">
+              <a:rPr lang="en-US" sz="2400" dirty="0" smtClean="0">
                 <a:latin typeface="Arial" panose="020B0604020202020204" pitchFamily="34" charset="0"/>
                 <a:cs typeface="Arial" panose="020B0604020202020204" pitchFamily="34" charset="0"/>
               </a:rPr>
               <a:t>(database first approach)</a:t>
             </a:r>
-            <a:endParaRPr lang="en-US" sz="2400" b="1" dirty="0">
+            <a:endParaRPr lang="en-US" sz="2400" dirty="0">
               <a:latin typeface="Arial" panose="020B0604020202020204" pitchFamily="34" charset="0"/>
               <a:cs typeface="Arial" panose="020B0604020202020204" pitchFamily="34" charset="0"/>
             </a:endParaRPr>
@@ -14813,7 +15547,7 @@
       </p:sp>
       <p:pic>
         <p:nvPicPr>
-          <p:cNvPr id="8" name="Picture Placeholder 7"/>
+          <p:cNvPr id="6" name="Picture Placeholder 5"/>
           <p:cNvPicPr>
             <a:picLocks noGrp="1" noChangeAspect="1"/>
           </p:cNvPicPr>
@@ -14835,39 +15569,9 @@
         </p:blipFill>
         <p:spPr>
           <a:xfrm>
-            <a:off x="6117738" y="2342003"/>
-            <a:ext cx="5792887" cy="3857017"/>
+            <a:off x="6088683" y="2293759"/>
+            <a:ext cx="5729805" cy="2457349"/>
           </a:xfrm>
-        </p:spPr>
-      </p:pic>
-      <p:pic>
-        <p:nvPicPr>
-          <p:cNvPr id="2" name="Picture 1"/>
-          <p:cNvPicPr>
-            <a:picLocks noChangeAspect="1"/>
-          </p:cNvPicPr>
-          <p:nvPr/>
-        </p:nvPicPr>
-        <p:blipFill>
-          <a:blip r:embed="rId3">
-            <a:extLst>
-              <a:ext uri="{28A0092B-C50C-407E-A947-70E740481C1C}">
-                <a14:useLocalDpi xmlns:a14="http://schemas.microsoft.com/office/drawing/2010/main" val="0"/>
-              </a:ext>
-            </a:extLst>
-          </a:blip>
-          <a:stretch>
-            <a:fillRect/>
-          </a:stretch>
-        </p:blipFill>
-        <p:spPr>
-          <a:xfrm>
-            <a:off x="6117738" y="1308133"/>
-            <a:ext cx="5901453" cy="738381"/>
-          </a:xfrm>
-          <a:prstGeom prst="rect">
-            <a:avLst/>
-          </a:prstGeom>
         </p:spPr>
       </p:pic>
     </p:spTree>
@@ -14890,7 +15594,373 @@
 </p:sld>
 </file>
 
-<file path=ppt/slides/slide16.xml><?xml version="1.0" encoding="utf-8"?>
+<file path=ppt/slides/slide2.xml><?xml version="1.0" encoding="utf-8"?>
+<p:sld xmlns:a="http://schemas.openxmlformats.org/drawingml/2006/main" xmlns:r="http://schemas.openxmlformats.org/officeDocument/2006/relationships" xmlns:p="http://schemas.openxmlformats.org/presentationml/2006/main">
+  <p:cSld>
+    <p:spTree>
+      <p:nvGrpSpPr>
+        <p:cNvPr id="1" name=""/>
+        <p:cNvGrpSpPr/>
+        <p:nvPr/>
+      </p:nvGrpSpPr>
+      <p:grpSpPr>
+        <a:xfrm>
+          <a:off x="0" y="0"/>
+          <a:ext cx="0" cy="0"/>
+          <a:chOff x="0" y="0"/>
+          <a:chExt cx="0" cy="0"/>
+        </a:xfrm>
+      </p:grpSpPr>
+      <p:sp>
+        <p:nvSpPr>
+          <p:cNvPr id="2" name="Title 1"/>
+          <p:cNvSpPr>
+            <a:spLocks noGrp="1"/>
+          </p:cNvSpPr>
+          <p:nvPr>
+            <p:ph type="title"/>
+          </p:nvPr>
+        </p:nvSpPr>
+        <p:spPr/>
+        <p:txBody>
+          <a:bodyPr/>
+          <a:lstStyle/>
+          <a:p>
+            <a:r>
+              <a:rPr lang="en-US" dirty="0" smtClean="0"/>
+              <a:t>Table of Contents</a:t>
+            </a:r>
+            <a:endParaRPr lang="en-US" dirty="0"/>
+          </a:p>
+        </p:txBody>
+      </p:sp>
+      <p:sp>
+        <p:nvSpPr>
+          <p:cNvPr id="7" name="Content Placeholder 3"/>
+          <p:cNvSpPr>
+            <a:spLocks noGrp="1"/>
+          </p:cNvSpPr>
+          <p:nvPr>
+            <p:ph sz="half" idx="2"/>
+          </p:nvPr>
+        </p:nvSpPr>
+        <p:spPr>
+          <a:xfrm>
+            <a:off x="6196902" y="2327563"/>
+            <a:ext cx="4535753" cy="4054763"/>
+          </a:xfrm>
+        </p:spPr>
+        <p:txBody>
+          <a:bodyPr>
+            <a:normAutofit/>
+          </a:bodyPr>
+          <a:lstStyle/>
+          <a:p>
+            <a:pPr marL="0" indent="0">
+              <a:buNone/>
+            </a:pPr>
+            <a:endParaRPr lang="en-US" sz="1600" dirty="0">
+              <a:latin typeface="Arial" panose="020B0604020202020204" pitchFamily="34" charset="0"/>
+              <a:cs typeface="Arial" panose="020B0604020202020204" pitchFamily="34" charset="0"/>
+            </a:endParaRPr>
+          </a:p>
+          <a:p>
+            <a:endParaRPr lang="en-US" sz="1600" dirty="0">
+              <a:latin typeface="Arial" panose="020B0604020202020204" pitchFamily="34" charset="0"/>
+              <a:cs typeface="Arial" panose="020B0604020202020204" pitchFamily="34" charset="0"/>
+            </a:endParaRPr>
+          </a:p>
+          <a:p>
+            <a:endParaRPr lang="en-US" sz="1600" dirty="0">
+              <a:latin typeface="Arial" panose="020B0604020202020204" pitchFamily="34" charset="0"/>
+              <a:cs typeface="Arial" panose="020B0604020202020204" pitchFamily="34" charset="0"/>
+            </a:endParaRPr>
+          </a:p>
+          <a:p>
+            <a:endParaRPr lang="en-US" dirty="0">
+              <a:latin typeface="Arial" panose="020B0604020202020204" pitchFamily="34" charset="0"/>
+              <a:cs typeface="Arial" panose="020B0604020202020204" pitchFamily="34" charset="0"/>
+            </a:endParaRPr>
+          </a:p>
+          <a:p>
+            <a:endParaRPr lang="en-US" dirty="0">
+              <a:latin typeface="Arial" panose="020B0604020202020204" pitchFamily="34" charset="0"/>
+              <a:cs typeface="Arial" panose="020B0604020202020204" pitchFamily="34" charset="0"/>
+            </a:endParaRPr>
+          </a:p>
+          <a:p>
+            <a:endParaRPr lang="en-US" dirty="0" smtClean="0">
+              <a:latin typeface="Arial" panose="020B0604020202020204" pitchFamily="34" charset="0"/>
+              <a:cs typeface="Arial" panose="020B0604020202020204" pitchFamily="34" charset="0"/>
+            </a:endParaRPr>
+          </a:p>
+          <a:p>
+            <a:endParaRPr lang="en-US" dirty="0" smtClean="0">
+              <a:latin typeface="Arial" panose="020B0604020202020204" pitchFamily="34" charset="0"/>
+              <a:cs typeface="Arial" panose="020B0604020202020204" pitchFamily="34" charset="0"/>
+            </a:endParaRPr>
+          </a:p>
+          <a:p>
+            <a:endParaRPr lang="en-US" dirty="0" smtClean="0"/>
+          </a:p>
+          <a:p>
+            <a:endParaRPr lang="en-US" dirty="0"/>
+          </a:p>
+        </p:txBody>
+      </p:sp>
+      <p:sp>
+        <p:nvSpPr>
+          <p:cNvPr id="4" name="Content Placeholder 3"/>
+          <p:cNvSpPr>
+            <a:spLocks noGrp="1"/>
+          </p:cNvSpPr>
+          <p:nvPr>
+            <p:ph sz="half" idx="2"/>
+          </p:nvPr>
+        </p:nvSpPr>
+        <p:spPr>
+          <a:xfrm>
+            <a:off x="782192" y="2771700"/>
+            <a:ext cx="4535753" cy="3237214"/>
+          </a:xfrm>
+        </p:spPr>
+        <p:txBody>
+          <a:bodyPr>
+            <a:normAutofit lnSpcReduction="10000"/>
+          </a:bodyPr>
+          <a:lstStyle/>
+          <a:p>
+            <a:r>
+              <a:rPr lang="en-US" sz="2000" dirty="0" smtClean="0">
+                <a:latin typeface="Arial" panose="020B0604020202020204" pitchFamily="34" charset="0"/>
+                <a:cs typeface="Arial" panose="020B0604020202020204" pitchFamily="34" charset="0"/>
+              </a:rPr>
+              <a:t>Database Systems</a:t>
+            </a:r>
+          </a:p>
+          <a:p>
+            <a:r>
+              <a:rPr lang="en-US" sz="2000" dirty="0" smtClean="0">
+                <a:latin typeface="Arial" panose="020B0604020202020204" pitchFamily="34" charset="0"/>
+                <a:cs typeface="Arial" panose="020B0604020202020204" pitchFamily="34" charset="0"/>
+              </a:rPr>
+              <a:t>ADO.NET</a:t>
+            </a:r>
+          </a:p>
+          <a:p>
+            <a:r>
+              <a:rPr lang="en-US" sz="2000" dirty="0" smtClean="0">
+                <a:latin typeface="Arial" panose="020B0604020202020204" pitchFamily="34" charset="0"/>
+                <a:cs typeface="Arial" panose="020B0604020202020204" pitchFamily="34" charset="0"/>
+              </a:rPr>
+              <a:t>Object Relation Mapper (ORM)</a:t>
+            </a:r>
+          </a:p>
+          <a:p>
+            <a:r>
+              <a:rPr lang="en-US" sz="2000" dirty="0" smtClean="0">
+                <a:latin typeface="Arial" panose="020B0604020202020204" pitchFamily="34" charset="0"/>
+                <a:cs typeface="Arial" panose="020B0604020202020204" pitchFamily="34" charset="0"/>
+              </a:rPr>
+              <a:t>Entity Framework Core</a:t>
+            </a:r>
+          </a:p>
+          <a:p>
+            <a:pPr lvl="1">
+              <a:buFont typeface="Wingdings" panose="05000000000000000000" pitchFamily="2" charset="2"/>
+              <a:buChar char="§"/>
+            </a:pPr>
+            <a:r>
+              <a:rPr lang="en-US" sz="1800" dirty="0" smtClean="0">
+                <a:latin typeface="Arial" panose="020B0604020202020204" pitchFamily="34" charset="0"/>
+                <a:cs typeface="Arial" panose="020B0604020202020204" pitchFamily="34" charset="0"/>
+              </a:rPr>
+              <a:t>Model Design Approaches</a:t>
+            </a:r>
+          </a:p>
+          <a:p>
+            <a:pPr lvl="1">
+              <a:buFont typeface="Wingdings" panose="05000000000000000000" pitchFamily="2" charset="2"/>
+              <a:buChar char="§"/>
+            </a:pPr>
+            <a:r>
+              <a:rPr lang="en-US" sz="1800" dirty="0" smtClean="0">
+                <a:latin typeface="Arial" panose="020B0604020202020204" pitchFamily="34" charset="0"/>
+                <a:cs typeface="Arial" panose="020B0604020202020204" pitchFamily="34" charset="0"/>
+              </a:rPr>
+              <a:t>Entity Relations</a:t>
+            </a:r>
+            <a:endParaRPr lang="en-US" sz="1800" dirty="0" smtClean="0">
+              <a:latin typeface="Arial" panose="020B0604020202020204" pitchFamily="34" charset="0"/>
+              <a:cs typeface="Arial" panose="020B0604020202020204" pitchFamily="34" charset="0"/>
+            </a:endParaRPr>
+          </a:p>
+          <a:p>
+            <a:r>
+              <a:rPr lang="en-US" sz="2000" dirty="0" smtClean="0">
+                <a:latin typeface="Arial" panose="020B0604020202020204" pitchFamily="34" charset="0"/>
+                <a:cs typeface="Arial" panose="020B0604020202020204" pitchFamily="34" charset="0"/>
+              </a:rPr>
+              <a:t>LINQ</a:t>
+            </a:r>
+            <a:endParaRPr lang="bg-BG" sz="2000" dirty="0" smtClean="0">
+              <a:latin typeface="Arial" panose="020B0604020202020204" pitchFamily="34" charset="0"/>
+              <a:cs typeface="Arial" panose="020B0604020202020204" pitchFamily="34" charset="0"/>
+            </a:endParaRPr>
+          </a:p>
+          <a:p>
+            <a:r>
+              <a:rPr lang="en-US" sz="2000" dirty="0" smtClean="0">
+                <a:latin typeface="Arial" panose="020B0604020202020204" pitchFamily="34" charset="0"/>
+                <a:cs typeface="Arial" panose="020B0604020202020204" pitchFamily="34" charset="0"/>
+              </a:rPr>
+              <a:t>Bonus slides</a:t>
+            </a:r>
+            <a:endParaRPr lang="en-US" sz="2000" dirty="0" smtClean="0">
+              <a:latin typeface="Arial" panose="020B0604020202020204" pitchFamily="34" charset="0"/>
+              <a:cs typeface="Arial" panose="020B0604020202020204" pitchFamily="34" charset="0"/>
+            </a:endParaRPr>
+          </a:p>
+          <a:p>
+            <a:endParaRPr lang="en-US" sz="2000" dirty="0" smtClean="0">
+              <a:latin typeface="Arial" panose="020B0604020202020204" pitchFamily="34" charset="0"/>
+              <a:cs typeface="Arial" panose="020B0604020202020204" pitchFamily="34" charset="0"/>
+            </a:endParaRPr>
+          </a:p>
+          <a:p>
+            <a:endParaRPr lang="en-US" sz="2000" dirty="0" smtClean="0">
+              <a:latin typeface="Arial" panose="020B0604020202020204" pitchFamily="34" charset="0"/>
+              <a:cs typeface="Arial" panose="020B0604020202020204" pitchFamily="34" charset="0"/>
+            </a:endParaRPr>
+          </a:p>
+          <a:p>
+            <a:pPr marL="0" indent="0">
+              <a:buNone/>
+            </a:pPr>
+            <a:endParaRPr lang="en-US" sz="1600" dirty="0">
+              <a:latin typeface="Arial" panose="020B0604020202020204" pitchFamily="34" charset="0"/>
+              <a:cs typeface="Arial" panose="020B0604020202020204" pitchFamily="34" charset="0"/>
+            </a:endParaRPr>
+          </a:p>
+          <a:p>
+            <a:endParaRPr lang="en-US" sz="1600" dirty="0">
+              <a:latin typeface="Arial" panose="020B0604020202020204" pitchFamily="34" charset="0"/>
+              <a:cs typeface="Arial" panose="020B0604020202020204" pitchFamily="34" charset="0"/>
+            </a:endParaRPr>
+          </a:p>
+          <a:p>
+            <a:endParaRPr lang="en-US" sz="1600" dirty="0">
+              <a:latin typeface="Arial" panose="020B0604020202020204" pitchFamily="34" charset="0"/>
+              <a:cs typeface="Arial" panose="020B0604020202020204" pitchFamily="34" charset="0"/>
+            </a:endParaRPr>
+          </a:p>
+          <a:p>
+            <a:endParaRPr lang="en-US" dirty="0">
+              <a:latin typeface="Arial" panose="020B0604020202020204" pitchFamily="34" charset="0"/>
+              <a:cs typeface="Arial" panose="020B0604020202020204" pitchFamily="34" charset="0"/>
+            </a:endParaRPr>
+          </a:p>
+          <a:p>
+            <a:endParaRPr lang="en-US" dirty="0">
+              <a:latin typeface="Arial" panose="020B0604020202020204" pitchFamily="34" charset="0"/>
+              <a:cs typeface="Arial" panose="020B0604020202020204" pitchFamily="34" charset="0"/>
+            </a:endParaRPr>
+          </a:p>
+          <a:p>
+            <a:endParaRPr lang="en-US" dirty="0" smtClean="0">
+              <a:latin typeface="Arial" panose="020B0604020202020204" pitchFamily="34" charset="0"/>
+              <a:cs typeface="Arial" panose="020B0604020202020204" pitchFamily="34" charset="0"/>
+            </a:endParaRPr>
+          </a:p>
+          <a:p>
+            <a:endParaRPr lang="en-US" dirty="0" smtClean="0">
+              <a:latin typeface="Arial" panose="020B0604020202020204" pitchFamily="34" charset="0"/>
+              <a:cs typeface="Arial" panose="020B0604020202020204" pitchFamily="34" charset="0"/>
+            </a:endParaRPr>
+          </a:p>
+          <a:p>
+            <a:endParaRPr lang="en-US" dirty="0" smtClean="0"/>
+          </a:p>
+          <a:p>
+            <a:endParaRPr lang="en-US" dirty="0"/>
+          </a:p>
+        </p:txBody>
+      </p:sp>
+      <p:pic>
+        <p:nvPicPr>
+          <p:cNvPr id="3" name="Picture 2"/>
+          <p:cNvPicPr>
+            <a:picLocks noChangeAspect="1"/>
+          </p:cNvPicPr>
+          <p:nvPr/>
+        </p:nvPicPr>
+        <p:blipFill>
+          <a:blip r:embed="rId2">
+            <a:extLst>
+              <a:ext uri="{28A0092B-C50C-407E-A947-70E740481C1C}">
+                <a14:useLocalDpi xmlns:a14="http://schemas.microsoft.com/office/drawing/2010/main" val="0"/>
+              </a:ext>
+            </a:extLst>
+          </a:blip>
+          <a:stretch>
+            <a:fillRect/>
+          </a:stretch>
+        </p:blipFill>
+        <p:spPr>
+          <a:xfrm>
+            <a:off x="5350083" y="2943498"/>
+            <a:ext cx="5735334" cy="3254056"/>
+          </a:xfrm>
+          <a:prstGeom prst="roundRect">
+            <a:avLst>
+              <a:gd name="adj" fmla="val 16667"/>
+            </a:avLst>
+          </a:prstGeom>
+          <a:ln>
+            <a:noFill/>
+          </a:ln>
+          <a:effectLst>
+            <a:outerShdw blurRad="152400" dist="12000" dir="900000" sy="98000" kx="110000" ky="200000" algn="tl" rotWithShape="0">
+              <a:srgbClr val="000000">
+                <a:alpha val="30000"/>
+              </a:srgbClr>
+            </a:outerShdw>
+          </a:effectLst>
+          <a:scene3d>
+            <a:camera prst="perspectiveRelaxed">
+              <a:rot lat="19800000" lon="1200000" rev="20820000"/>
+            </a:camera>
+            <a:lightRig rig="threePt" dir="t"/>
+          </a:scene3d>
+          <a:sp3d contourW="6350" prstMaterial="matte">
+            <a:bevelT w="101600" h="101600"/>
+            <a:contourClr>
+              <a:srgbClr val="969696"/>
+            </a:contourClr>
+          </a:sp3d>
+        </p:spPr>
+      </p:pic>
+    </p:spTree>
+    <p:extLst>
+      <p:ext uri="{BB962C8B-B14F-4D97-AF65-F5344CB8AC3E}">
+        <p14:creationId xmlns:p14="http://schemas.microsoft.com/office/powerpoint/2010/main" val="4154506407"/>
+      </p:ext>
+    </p:extLst>
+  </p:cSld>
+  <p:clrMapOvr>
+    <a:masterClrMapping/>
+  </p:clrMapOvr>
+  <p:timing>
+    <p:tnLst>
+      <p:par>
+        <p:cTn id="1" dur="indefinite" restart="never" nodeType="tmRoot"/>
+      </p:par>
+    </p:tnLst>
+  </p:timing>
+</p:sld>
+</file>
+
+<file path=ppt/slides/slide20.xml><?xml version="1.0" encoding="utf-8"?>
 <p:sld xmlns:a="http://schemas.openxmlformats.org/drawingml/2006/main" xmlns:r="http://schemas.openxmlformats.org/officeDocument/2006/relationships" xmlns:p="http://schemas.openxmlformats.org/presentationml/2006/main">
   <p:cSld>
     <p:spTree>
@@ -15045,7 +16115,7 @@
       </p:sp>
       <p:pic>
         <p:nvPicPr>
-          <p:cNvPr id="9" name="Picture Placeholder 8"/>
+          <p:cNvPr id="5" name="Picture Placeholder 4"/>
           <p:cNvPicPr>
             <a:picLocks noGrp="1" noChangeAspect="1"/>
           </p:cNvPicPr>
@@ -15067,8 +16137,8 @@
         </p:blipFill>
         <p:spPr>
           <a:xfrm>
-            <a:off x="6350874" y="1181911"/>
-            <a:ext cx="4612198" cy="4950947"/>
+            <a:off x="6070861" y="2408786"/>
+            <a:ext cx="5932666" cy="2332897"/>
           </a:xfrm>
         </p:spPr>
       </p:pic>
@@ -15092,7 +16162,194 @@
 </p:sld>
 </file>
 
-<file path=ppt/slides/slide17.xml><?xml version="1.0" encoding="utf-8"?>
+<file path=ppt/slides/slide21.xml><?xml version="1.0" encoding="utf-8"?>
+<p:sld xmlns:a="http://schemas.openxmlformats.org/drawingml/2006/main" xmlns:r="http://schemas.openxmlformats.org/officeDocument/2006/relationships" xmlns:p="http://schemas.openxmlformats.org/presentationml/2006/main">
+  <p:cSld>
+    <p:spTree>
+      <p:nvGrpSpPr>
+        <p:cNvPr id="1" name=""/>
+        <p:cNvGrpSpPr/>
+        <p:nvPr/>
+      </p:nvGrpSpPr>
+      <p:grpSpPr>
+        <a:xfrm>
+          <a:off x="0" y="0"/>
+          <a:ext cx="0" cy="0"/>
+          <a:chOff x="0" y="0"/>
+          <a:chExt cx="0" cy="0"/>
+        </a:xfrm>
+      </p:grpSpPr>
+      <p:sp>
+        <p:nvSpPr>
+          <p:cNvPr id="2" name="Title 1"/>
+          <p:cNvSpPr>
+            <a:spLocks noGrp="1"/>
+          </p:cNvSpPr>
+          <p:nvPr>
+            <p:ph type="title"/>
+          </p:nvPr>
+        </p:nvSpPr>
+        <p:spPr>
+          <a:xfrm>
+            <a:off x="1154955" y="1800338"/>
+            <a:ext cx="3865134" cy="708122"/>
+          </a:xfrm>
+        </p:spPr>
+        <p:txBody>
+          <a:bodyPr/>
+          <a:lstStyle/>
+          <a:p>
+            <a:r>
+              <a:rPr lang="en-US" dirty="0" smtClean="0">
+                <a:latin typeface="Arial" panose="020B0604020202020204" pitchFamily="34" charset="0"/>
+                <a:cs typeface="Arial" panose="020B0604020202020204" pitchFamily="34" charset="0"/>
+              </a:rPr>
+              <a:t>Entity relations</a:t>
+            </a:r>
+            <a:endParaRPr lang="en-US" dirty="0">
+              <a:latin typeface="Arial" panose="020B0604020202020204" pitchFamily="34" charset="0"/>
+              <a:cs typeface="Arial" panose="020B0604020202020204" pitchFamily="34" charset="0"/>
+            </a:endParaRPr>
+          </a:p>
+        </p:txBody>
+      </p:sp>
+      <p:pic>
+        <p:nvPicPr>
+          <p:cNvPr id="5" name="Picture Placeholder 4"/>
+          <p:cNvPicPr>
+            <a:picLocks noGrp="1" noChangeAspect="1"/>
+          </p:cNvPicPr>
+          <p:nvPr>
+            <p:ph type="pic" idx="1"/>
+          </p:nvPr>
+        </p:nvPicPr>
+        <p:blipFill>
+          <a:blip r:embed="rId2">
+            <a:extLst>
+              <a:ext uri="{28A0092B-C50C-407E-A947-70E740481C1C}">
+                <a14:useLocalDpi xmlns:a14="http://schemas.microsoft.com/office/drawing/2010/main" val="0"/>
+              </a:ext>
+            </a:extLst>
+          </a:blip>
+          <a:stretch>
+            <a:fillRect/>
+          </a:stretch>
+        </p:blipFill>
+        <p:spPr>
+          <a:xfrm>
+            <a:off x="6233439" y="1220822"/>
+            <a:ext cx="4854361" cy="5159187"/>
+          </a:xfrm>
+        </p:spPr>
+      </p:pic>
+      <p:sp>
+        <p:nvSpPr>
+          <p:cNvPr id="4" name="Text Placeholder 3"/>
+          <p:cNvSpPr>
+            <a:spLocks noGrp="1"/>
+          </p:cNvSpPr>
+          <p:nvPr>
+            <p:ph type="body" sz="half" idx="2"/>
+          </p:nvPr>
+        </p:nvSpPr>
+        <p:spPr>
+          <a:xfrm>
+            <a:off x="1154954" y="2918297"/>
+            <a:ext cx="3757513" cy="1566155"/>
+          </a:xfrm>
+        </p:spPr>
+        <p:txBody>
+          <a:bodyPr>
+            <a:normAutofit/>
+          </a:bodyPr>
+          <a:lstStyle/>
+          <a:p>
+            <a:pPr marL="285750" indent="-285750">
+              <a:buClr>
+                <a:schemeClr val="bg1"/>
+              </a:buClr>
+              <a:buFont typeface="Wingdings" panose="05000000000000000000" pitchFamily="2" charset="2"/>
+              <a:buChar char="Ø"/>
+            </a:pPr>
+            <a:r>
+              <a:rPr lang="en-US" sz="2000" dirty="0" smtClean="0">
+                <a:solidFill>
+                  <a:schemeClr val="bg1"/>
+                </a:solidFill>
+                <a:latin typeface="Arial" panose="020B0604020202020204" pitchFamily="34" charset="0"/>
+                <a:cs typeface="Arial" panose="020B0604020202020204" pitchFamily="34" charset="0"/>
+              </a:rPr>
+              <a:t>One to One</a:t>
+            </a:r>
+          </a:p>
+          <a:p>
+            <a:pPr marL="285750" indent="-285750">
+              <a:buClr>
+                <a:schemeClr val="bg1"/>
+              </a:buClr>
+              <a:buFont typeface="Wingdings" panose="05000000000000000000" pitchFamily="2" charset="2"/>
+              <a:buChar char="Ø"/>
+            </a:pPr>
+            <a:r>
+              <a:rPr lang="en-US" sz="2000" dirty="0" smtClean="0">
+                <a:solidFill>
+                  <a:srgbClr val="92D050"/>
+                </a:solidFill>
+                <a:latin typeface="Arial" panose="020B0604020202020204" pitchFamily="34" charset="0"/>
+                <a:cs typeface="Arial" panose="020B0604020202020204" pitchFamily="34" charset="0"/>
+              </a:rPr>
+              <a:t>One to Many /most used/</a:t>
+            </a:r>
+          </a:p>
+          <a:p>
+            <a:pPr marL="285750" indent="-285750">
+              <a:buClr>
+                <a:schemeClr val="bg1"/>
+              </a:buClr>
+              <a:buFont typeface="Wingdings" panose="05000000000000000000" pitchFamily="2" charset="2"/>
+              <a:buChar char="Ø"/>
+            </a:pPr>
+            <a:r>
+              <a:rPr lang="en-US" sz="2000" dirty="0" smtClean="0">
+                <a:solidFill>
+                  <a:schemeClr val="bg1"/>
+                </a:solidFill>
+                <a:latin typeface="Arial" panose="020B0604020202020204" pitchFamily="34" charset="0"/>
+                <a:cs typeface="Arial" panose="020B0604020202020204" pitchFamily="34" charset="0"/>
+              </a:rPr>
+              <a:t>Many to Many</a:t>
+            </a:r>
+            <a:endParaRPr lang="en-US" sz="2000" dirty="0">
+              <a:solidFill>
+                <a:schemeClr val="bg1"/>
+              </a:solidFill>
+              <a:latin typeface="Arial" panose="020B0604020202020204" pitchFamily="34" charset="0"/>
+              <a:cs typeface="Arial" panose="020B0604020202020204" pitchFamily="34" charset="0"/>
+            </a:endParaRPr>
+          </a:p>
+        </p:txBody>
+      </p:sp>
+    </p:spTree>
+    <p:extLst>
+      <p:ext uri="{BB962C8B-B14F-4D97-AF65-F5344CB8AC3E}">
+        <p14:creationId xmlns:p14="http://schemas.microsoft.com/office/powerpoint/2010/main" val="893005991"/>
+      </p:ext>
+    </p:extLst>
+  </p:cSld>
+  <p:clrMapOvr>
+    <a:masterClrMapping/>
+  </p:clrMapOvr>
+  <p:timing>
+    <p:tnLst>
+      <p:par>
+        <p:cTn id="1" dur="indefinite" restart="never" nodeType="tmRoot"/>
+      </p:par>
+    </p:tnLst>
+  </p:timing>
+</p:sld>
+</file>
+
+<file path=ppt/slides/slide22.xml><?xml version="1.0" encoding="utf-8"?>
 <p:sld xmlns:a="http://schemas.openxmlformats.org/drawingml/2006/main" xmlns:r="http://schemas.openxmlformats.org/officeDocument/2006/relationships" xmlns:p="http://schemas.openxmlformats.org/presentationml/2006/main">
   <p:cSld>
     <p:spTree>
@@ -15347,194 +16604,7 @@
 </p:sld>
 </file>
 
-<file path=ppt/slides/slide18.xml><?xml version="1.0" encoding="utf-8"?>
-<p:sld xmlns:a="http://schemas.openxmlformats.org/drawingml/2006/main" xmlns:r="http://schemas.openxmlformats.org/officeDocument/2006/relationships" xmlns:p="http://schemas.openxmlformats.org/presentationml/2006/main">
-  <p:cSld>
-    <p:spTree>
-      <p:nvGrpSpPr>
-        <p:cNvPr id="1" name=""/>
-        <p:cNvGrpSpPr/>
-        <p:nvPr/>
-      </p:nvGrpSpPr>
-      <p:grpSpPr>
-        <a:xfrm>
-          <a:off x="0" y="0"/>
-          <a:ext cx="0" cy="0"/>
-          <a:chOff x="0" y="0"/>
-          <a:chExt cx="0" cy="0"/>
-        </a:xfrm>
-      </p:grpSpPr>
-      <p:sp>
-        <p:nvSpPr>
-          <p:cNvPr id="2" name="Title 1"/>
-          <p:cNvSpPr>
-            <a:spLocks noGrp="1"/>
-          </p:cNvSpPr>
-          <p:nvPr>
-            <p:ph type="title"/>
-          </p:nvPr>
-        </p:nvSpPr>
-        <p:spPr>
-          <a:xfrm>
-            <a:off x="1154955" y="1800338"/>
-            <a:ext cx="3865134" cy="708122"/>
-          </a:xfrm>
-        </p:spPr>
-        <p:txBody>
-          <a:bodyPr/>
-          <a:lstStyle/>
-          <a:p>
-            <a:r>
-              <a:rPr lang="en-US" dirty="0" smtClean="0">
-                <a:latin typeface="Arial" panose="020B0604020202020204" pitchFamily="34" charset="0"/>
-                <a:cs typeface="Arial" panose="020B0604020202020204" pitchFamily="34" charset="0"/>
-              </a:rPr>
-              <a:t>Entity relations</a:t>
-            </a:r>
-            <a:endParaRPr lang="en-US" dirty="0">
-              <a:latin typeface="Arial" panose="020B0604020202020204" pitchFamily="34" charset="0"/>
-              <a:cs typeface="Arial" panose="020B0604020202020204" pitchFamily="34" charset="0"/>
-            </a:endParaRPr>
-          </a:p>
-        </p:txBody>
-      </p:sp>
-      <p:pic>
-        <p:nvPicPr>
-          <p:cNvPr id="5" name="Picture Placeholder 4"/>
-          <p:cNvPicPr>
-            <a:picLocks noGrp="1" noChangeAspect="1"/>
-          </p:cNvPicPr>
-          <p:nvPr>
-            <p:ph type="pic" idx="1"/>
-          </p:nvPr>
-        </p:nvPicPr>
-        <p:blipFill>
-          <a:blip r:embed="rId2">
-            <a:extLst>
-              <a:ext uri="{28A0092B-C50C-407E-A947-70E740481C1C}">
-                <a14:useLocalDpi xmlns:a14="http://schemas.microsoft.com/office/drawing/2010/main" val="0"/>
-              </a:ext>
-            </a:extLst>
-          </a:blip>
-          <a:stretch>
-            <a:fillRect/>
-          </a:stretch>
-        </p:blipFill>
-        <p:spPr>
-          <a:xfrm>
-            <a:off x="6233439" y="1220822"/>
-            <a:ext cx="4854361" cy="5159187"/>
-          </a:xfrm>
-        </p:spPr>
-      </p:pic>
-      <p:sp>
-        <p:nvSpPr>
-          <p:cNvPr id="4" name="Text Placeholder 3"/>
-          <p:cNvSpPr>
-            <a:spLocks noGrp="1"/>
-          </p:cNvSpPr>
-          <p:nvPr>
-            <p:ph type="body" sz="half" idx="2"/>
-          </p:nvPr>
-        </p:nvSpPr>
-        <p:spPr>
-          <a:xfrm>
-            <a:off x="1154954" y="2918297"/>
-            <a:ext cx="3757513" cy="1566155"/>
-          </a:xfrm>
-        </p:spPr>
-        <p:txBody>
-          <a:bodyPr>
-            <a:normAutofit/>
-          </a:bodyPr>
-          <a:lstStyle/>
-          <a:p>
-            <a:pPr marL="285750" indent="-285750">
-              <a:buClr>
-                <a:schemeClr val="bg1"/>
-              </a:buClr>
-              <a:buFont typeface="Wingdings" panose="05000000000000000000" pitchFamily="2" charset="2"/>
-              <a:buChar char="Ø"/>
-            </a:pPr>
-            <a:r>
-              <a:rPr lang="en-US" sz="2000" dirty="0" smtClean="0">
-                <a:solidFill>
-                  <a:schemeClr val="bg1"/>
-                </a:solidFill>
-                <a:latin typeface="Arial" panose="020B0604020202020204" pitchFamily="34" charset="0"/>
-                <a:cs typeface="Arial" panose="020B0604020202020204" pitchFamily="34" charset="0"/>
-              </a:rPr>
-              <a:t>One to One</a:t>
-            </a:r>
-          </a:p>
-          <a:p>
-            <a:pPr marL="285750" indent="-285750">
-              <a:buClr>
-                <a:schemeClr val="bg1"/>
-              </a:buClr>
-              <a:buFont typeface="Wingdings" panose="05000000000000000000" pitchFamily="2" charset="2"/>
-              <a:buChar char="Ø"/>
-            </a:pPr>
-            <a:r>
-              <a:rPr lang="en-US" sz="2000" dirty="0" smtClean="0">
-                <a:solidFill>
-                  <a:srgbClr val="92D050"/>
-                </a:solidFill>
-                <a:latin typeface="Arial" panose="020B0604020202020204" pitchFamily="34" charset="0"/>
-                <a:cs typeface="Arial" panose="020B0604020202020204" pitchFamily="34" charset="0"/>
-              </a:rPr>
-              <a:t>One to Many /most used/</a:t>
-            </a:r>
-          </a:p>
-          <a:p>
-            <a:pPr marL="285750" indent="-285750">
-              <a:buClr>
-                <a:schemeClr val="bg1"/>
-              </a:buClr>
-              <a:buFont typeface="Wingdings" panose="05000000000000000000" pitchFamily="2" charset="2"/>
-              <a:buChar char="Ø"/>
-            </a:pPr>
-            <a:r>
-              <a:rPr lang="en-US" sz="2000" dirty="0" smtClean="0">
-                <a:solidFill>
-                  <a:schemeClr val="bg1"/>
-                </a:solidFill>
-                <a:latin typeface="Arial" panose="020B0604020202020204" pitchFamily="34" charset="0"/>
-                <a:cs typeface="Arial" panose="020B0604020202020204" pitchFamily="34" charset="0"/>
-              </a:rPr>
-              <a:t>Many to Many</a:t>
-            </a:r>
-            <a:endParaRPr lang="en-US" sz="2000" dirty="0">
-              <a:solidFill>
-                <a:schemeClr val="bg1"/>
-              </a:solidFill>
-              <a:latin typeface="Arial" panose="020B0604020202020204" pitchFamily="34" charset="0"/>
-              <a:cs typeface="Arial" panose="020B0604020202020204" pitchFamily="34" charset="0"/>
-            </a:endParaRPr>
-          </a:p>
-        </p:txBody>
-      </p:sp>
-    </p:spTree>
-    <p:extLst>
-      <p:ext uri="{BB962C8B-B14F-4D97-AF65-F5344CB8AC3E}">
-        <p14:creationId xmlns:p14="http://schemas.microsoft.com/office/powerpoint/2010/main" val="893005991"/>
-      </p:ext>
-    </p:extLst>
-  </p:cSld>
-  <p:clrMapOvr>
-    <a:masterClrMapping/>
-  </p:clrMapOvr>
-  <p:timing>
-    <p:tnLst>
-      <p:par>
-        <p:cTn id="1" dur="indefinite" restart="never" nodeType="tmRoot"/>
-      </p:par>
-    </p:tnLst>
-  </p:timing>
-</p:sld>
-</file>
-
-<file path=ppt/slides/slide19.xml><?xml version="1.0" encoding="utf-8"?>
+<file path=ppt/slides/slide23.xml><?xml version="1.0" encoding="utf-8"?>
 <p:sld xmlns:a="http://schemas.openxmlformats.org/drawingml/2006/main" xmlns:r="http://schemas.openxmlformats.org/officeDocument/2006/relationships" xmlns:p="http://schemas.openxmlformats.org/presentationml/2006/main">
   <p:cSld>
     <p:spTree>
@@ -15629,438 +16699,7 @@
 </p:sld>
 </file>
 
-<file path=ppt/slides/slide2.xml><?xml version="1.0" encoding="utf-8"?>
-<p:sld xmlns:a="http://schemas.openxmlformats.org/drawingml/2006/main" xmlns:r="http://schemas.openxmlformats.org/officeDocument/2006/relationships" xmlns:p="http://schemas.openxmlformats.org/presentationml/2006/main">
-  <p:cSld>
-    <p:spTree>
-      <p:nvGrpSpPr>
-        <p:cNvPr id="1" name=""/>
-        <p:cNvGrpSpPr/>
-        <p:nvPr/>
-      </p:nvGrpSpPr>
-      <p:grpSpPr>
-        <a:xfrm>
-          <a:off x="0" y="0"/>
-          <a:ext cx="0" cy="0"/>
-          <a:chOff x="0" y="0"/>
-          <a:chExt cx="0" cy="0"/>
-        </a:xfrm>
-      </p:grpSpPr>
-      <p:sp>
-        <p:nvSpPr>
-          <p:cNvPr id="2" name="Title 1"/>
-          <p:cNvSpPr>
-            <a:spLocks noGrp="1"/>
-          </p:cNvSpPr>
-          <p:nvPr>
-            <p:ph type="title"/>
-          </p:nvPr>
-        </p:nvSpPr>
-        <p:spPr/>
-        <p:txBody>
-          <a:bodyPr/>
-          <a:lstStyle/>
-          <a:p>
-            <a:r>
-              <a:rPr lang="en-US" dirty="0" smtClean="0"/>
-              <a:t>Table of Contents</a:t>
-            </a:r>
-            <a:endParaRPr lang="en-US" dirty="0"/>
-          </a:p>
-        </p:txBody>
-      </p:sp>
-      <p:sp>
-        <p:nvSpPr>
-          <p:cNvPr id="7" name="Content Placeholder 3"/>
-          <p:cNvSpPr>
-            <a:spLocks noGrp="1"/>
-          </p:cNvSpPr>
-          <p:nvPr>
-            <p:ph sz="half" idx="2"/>
-          </p:nvPr>
-        </p:nvSpPr>
-        <p:spPr>
-          <a:xfrm>
-            <a:off x="6196902" y="2327563"/>
-            <a:ext cx="4535753" cy="4054763"/>
-          </a:xfrm>
-        </p:spPr>
-        <p:txBody>
-          <a:bodyPr>
-            <a:normAutofit/>
-          </a:bodyPr>
-          <a:lstStyle/>
-          <a:p>
-            <a:r>
-              <a:rPr lang="en-US" dirty="0">
-                <a:latin typeface="Arial" panose="020B0604020202020204" pitchFamily="34" charset="0"/>
-                <a:cs typeface="Arial" panose="020B0604020202020204" pitchFamily="34" charset="0"/>
-              </a:rPr>
-              <a:t>Model design approaches</a:t>
-            </a:r>
-          </a:p>
-          <a:p>
-            <a:r>
-              <a:rPr lang="en-US" dirty="0">
-                <a:latin typeface="Arial" panose="020B0604020202020204" pitchFamily="34" charset="0"/>
-                <a:cs typeface="Arial" panose="020B0604020202020204" pitchFamily="34" charset="0"/>
-              </a:rPr>
-              <a:t>The Model (database first approach)</a:t>
-            </a:r>
-          </a:p>
-          <a:p>
-            <a:r>
-              <a:rPr lang="en-US" dirty="0">
-                <a:latin typeface="Arial" panose="020B0604020202020204" pitchFamily="34" charset="0"/>
-                <a:cs typeface="Arial" panose="020B0604020202020204" pitchFamily="34" charset="0"/>
-              </a:rPr>
-              <a:t>The Model (code first approach</a:t>
-            </a:r>
-            <a:r>
-              <a:rPr lang="en-US" dirty="0" smtClean="0">
-                <a:latin typeface="Arial" panose="020B0604020202020204" pitchFamily="34" charset="0"/>
-                <a:cs typeface="Arial" panose="020B0604020202020204" pitchFamily="34" charset="0"/>
-              </a:rPr>
-              <a:t>)</a:t>
-            </a:r>
-          </a:p>
-          <a:p>
-            <a:r>
-              <a:rPr lang="en-US" dirty="0" smtClean="0">
-                <a:latin typeface="Arial" panose="020B0604020202020204" pitchFamily="34" charset="0"/>
-                <a:cs typeface="Arial" panose="020B0604020202020204" pitchFamily="34" charset="0"/>
-              </a:rPr>
-              <a:t>What </a:t>
-            </a:r>
-            <a:r>
-              <a:rPr lang="en-US" dirty="0">
-                <a:latin typeface="Arial" panose="020B0604020202020204" pitchFamily="34" charset="0"/>
-                <a:cs typeface="Arial" panose="020B0604020202020204" pitchFamily="34" charset="0"/>
-              </a:rPr>
-              <a:t>is LINQ and how we use it in EF Core?</a:t>
-            </a:r>
-          </a:p>
-          <a:p>
-            <a:r>
-              <a:rPr lang="en-US" dirty="0">
-                <a:latin typeface="Arial" panose="020B0604020202020204" pitchFamily="34" charset="0"/>
-                <a:cs typeface="Arial" panose="020B0604020202020204" pitchFamily="34" charset="0"/>
-              </a:rPr>
-              <a:t>Entity Relations</a:t>
-            </a:r>
-          </a:p>
-          <a:p>
-            <a:r>
-              <a:rPr lang="en-US" dirty="0">
-                <a:latin typeface="Arial" panose="020B0604020202020204" pitchFamily="34" charset="0"/>
-                <a:cs typeface="Arial" panose="020B0604020202020204" pitchFamily="34" charset="0"/>
-              </a:rPr>
-              <a:t>How to include EF Core in our C# project?</a:t>
-            </a:r>
-          </a:p>
-          <a:p>
-            <a:r>
-              <a:rPr lang="en-US" dirty="0" smtClean="0">
-                <a:latin typeface="Arial" panose="020B0604020202020204" pitchFamily="34" charset="0"/>
-                <a:cs typeface="Arial" panose="020B0604020202020204" pitchFamily="34" charset="0"/>
-              </a:rPr>
-              <a:t>Entity </a:t>
-            </a:r>
-            <a:r>
-              <a:rPr lang="en-US" dirty="0">
-                <a:latin typeface="Arial" panose="020B0604020202020204" pitchFamily="34" charset="0"/>
-                <a:cs typeface="Arial" panose="020B0604020202020204" pitchFamily="34" charset="0"/>
-              </a:rPr>
-              <a:t>Framework Core (source)</a:t>
-            </a:r>
-          </a:p>
-          <a:p>
-            <a:pPr marL="0" indent="0">
-              <a:buNone/>
-            </a:pPr>
-            <a:endParaRPr lang="en-US" sz="1600" dirty="0">
-              <a:latin typeface="Arial" panose="020B0604020202020204" pitchFamily="34" charset="0"/>
-              <a:cs typeface="Arial" panose="020B0604020202020204" pitchFamily="34" charset="0"/>
-            </a:endParaRPr>
-          </a:p>
-          <a:p>
-            <a:endParaRPr lang="en-US" sz="1600" dirty="0">
-              <a:latin typeface="Arial" panose="020B0604020202020204" pitchFamily="34" charset="0"/>
-              <a:cs typeface="Arial" panose="020B0604020202020204" pitchFamily="34" charset="0"/>
-            </a:endParaRPr>
-          </a:p>
-          <a:p>
-            <a:endParaRPr lang="en-US" sz="1600" dirty="0">
-              <a:latin typeface="Arial" panose="020B0604020202020204" pitchFamily="34" charset="0"/>
-              <a:cs typeface="Arial" panose="020B0604020202020204" pitchFamily="34" charset="0"/>
-            </a:endParaRPr>
-          </a:p>
-          <a:p>
-            <a:endParaRPr lang="en-US" dirty="0">
-              <a:latin typeface="Arial" panose="020B0604020202020204" pitchFamily="34" charset="0"/>
-              <a:cs typeface="Arial" panose="020B0604020202020204" pitchFamily="34" charset="0"/>
-            </a:endParaRPr>
-          </a:p>
-          <a:p>
-            <a:endParaRPr lang="en-US" dirty="0">
-              <a:latin typeface="Arial" panose="020B0604020202020204" pitchFamily="34" charset="0"/>
-              <a:cs typeface="Arial" panose="020B0604020202020204" pitchFamily="34" charset="0"/>
-            </a:endParaRPr>
-          </a:p>
-          <a:p>
-            <a:endParaRPr lang="en-US" dirty="0" smtClean="0">
-              <a:latin typeface="Arial" panose="020B0604020202020204" pitchFamily="34" charset="0"/>
-              <a:cs typeface="Arial" panose="020B0604020202020204" pitchFamily="34" charset="0"/>
-            </a:endParaRPr>
-          </a:p>
-          <a:p>
-            <a:endParaRPr lang="en-US" dirty="0" smtClean="0">
-              <a:latin typeface="Arial" panose="020B0604020202020204" pitchFamily="34" charset="0"/>
-              <a:cs typeface="Arial" panose="020B0604020202020204" pitchFamily="34" charset="0"/>
-            </a:endParaRPr>
-          </a:p>
-          <a:p>
-            <a:endParaRPr lang="en-US" dirty="0" smtClean="0"/>
-          </a:p>
-          <a:p>
-            <a:endParaRPr lang="en-US" dirty="0"/>
-          </a:p>
-        </p:txBody>
-      </p:sp>
-      <p:sp>
-        <p:nvSpPr>
-          <p:cNvPr id="4" name="Content Placeholder 3"/>
-          <p:cNvSpPr>
-            <a:spLocks noGrp="1"/>
-          </p:cNvSpPr>
-          <p:nvPr>
-            <p:ph sz="half" idx="2"/>
-          </p:nvPr>
-        </p:nvSpPr>
-        <p:spPr>
-          <a:xfrm>
-            <a:off x="999907" y="2327563"/>
-            <a:ext cx="4535753" cy="4419600"/>
-          </a:xfrm>
-        </p:spPr>
-        <p:txBody>
-          <a:bodyPr>
-            <a:normAutofit fontScale="32500" lnSpcReduction="20000"/>
-          </a:bodyPr>
-          <a:lstStyle/>
-          <a:p>
-            <a:r>
-              <a:rPr lang="en-US" sz="5600" dirty="0" smtClean="0">
-                <a:latin typeface="Arial" panose="020B0604020202020204" pitchFamily="34" charset="0"/>
-                <a:cs typeface="Arial" panose="020B0604020202020204" pitchFamily="34" charset="0"/>
-              </a:rPr>
-              <a:t>The Rise of Internet and Storage systems</a:t>
-            </a:r>
-          </a:p>
-          <a:p>
-            <a:r>
-              <a:rPr lang="en-US" sz="5600" dirty="0" smtClean="0">
-                <a:latin typeface="Arial" panose="020B0604020202020204" pitchFamily="34" charset="0"/>
-                <a:cs typeface="Arial" panose="020B0604020202020204" pitchFamily="34" charset="0"/>
-              </a:rPr>
-              <a:t>Where to store my data?</a:t>
-            </a:r>
-          </a:p>
-          <a:p>
-            <a:r>
-              <a:rPr lang="en-US" sz="5600" dirty="0" smtClean="0">
-                <a:latin typeface="Arial" panose="020B0604020202020204" pitchFamily="34" charset="0"/>
-                <a:cs typeface="Arial" panose="020B0604020202020204" pitchFamily="34" charset="0"/>
-              </a:rPr>
-              <a:t>SQL vs NoSQL databases</a:t>
-            </a:r>
-          </a:p>
-          <a:p>
-            <a:r>
-              <a:rPr lang="en-US" sz="5600" dirty="0" smtClean="0">
-                <a:latin typeface="Arial" panose="020B0604020202020204" pitchFamily="34" charset="0"/>
-                <a:cs typeface="Arial" panose="020B0604020202020204" pitchFamily="34" charset="0"/>
-              </a:rPr>
-              <a:t>SQL vs NoSQL databases (fundamental differences)</a:t>
-            </a:r>
-          </a:p>
-          <a:p>
-            <a:r>
-              <a:rPr lang="en-US" sz="5600" dirty="0" smtClean="0">
-                <a:latin typeface="Arial" panose="020B0604020202020204" pitchFamily="34" charset="0"/>
-                <a:cs typeface="Arial" panose="020B0604020202020204" pitchFamily="34" charset="0"/>
-              </a:rPr>
-              <a:t>How SQL works?</a:t>
-            </a:r>
-          </a:p>
-          <a:p>
-            <a:r>
-              <a:rPr lang="en-US" sz="5600" dirty="0">
-                <a:latin typeface="Arial" panose="020B0604020202020204" pitchFamily="34" charset="0"/>
-                <a:cs typeface="Arial" panose="020B0604020202020204" pitchFamily="34" charset="0"/>
-              </a:rPr>
-              <a:t>ADO.NET (overview</a:t>
-            </a:r>
-            <a:r>
-              <a:rPr lang="en-US" sz="5600" dirty="0" smtClean="0">
-                <a:latin typeface="Arial" panose="020B0604020202020204" pitchFamily="34" charset="0"/>
-                <a:cs typeface="Arial" panose="020B0604020202020204" pitchFamily="34" charset="0"/>
-              </a:rPr>
-              <a:t>)</a:t>
-            </a:r>
-          </a:p>
-          <a:p>
-            <a:r>
-              <a:rPr lang="en-US" sz="5600" dirty="0" smtClean="0">
-                <a:latin typeface="Arial" panose="020B0604020202020204" pitchFamily="34" charset="0"/>
-                <a:cs typeface="Arial" panose="020B0604020202020204" pitchFamily="34" charset="0"/>
-              </a:rPr>
-              <a:t>What </a:t>
-            </a:r>
-            <a:r>
-              <a:rPr lang="en-US" sz="5600" dirty="0">
-                <a:latin typeface="Arial" panose="020B0604020202020204" pitchFamily="34" charset="0"/>
-                <a:cs typeface="Arial" panose="020B0604020202020204" pitchFamily="34" charset="0"/>
-              </a:rPr>
-              <a:t>is ORM and how it works</a:t>
-            </a:r>
-            <a:r>
-              <a:rPr lang="en-US" sz="5600" dirty="0" smtClean="0">
-                <a:latin typeface="Arial" panose="020B0604020202020204" pitchFamily="34" charset="0"/>
-                <a:cs typeface="Arial" panose="020B0604020202020204" pitchFamily="34" charset="0"/>
-              </a:rPr>
-              <a:t>?</a:t>
-            </a:r>
-          </a:p>
-          <a:p>
-            <a:r>
-              <a:rPr lang="en-US" sz="5600" dirty="0">
-                <a:latin typeface="Arial" panose="020B0604020202020204" pitchFamily="34" charset="0"/>
-                <a:cs typeface="Arial" panose="020B0604020202020204" pitchFamily="34" charset="0"/>
-              </a:rPr>
-              <a:t>The benefits from ORM systems?</a:t>
-            </a:r>
-          </a:p>
-          <a:p>
-            <a:r>
-              <a:rPr lang="en-US" sz="5600" dirty="0">
-                <a:latin typeface="Arial" panose="020B0604020202020204" pitchFamily="34" charset="0"/>
-                <a:cs typeface="Arial" panose="020B0604020202020204" pitchFamily="34" charset="0"/>
-              </a:rPr>
-              <a:t>Entity Framework </a:t>
-            </a:r>
-            <a:r>
-              <a:rPr lang="en-US" sz="5600" dirty="0" smtClean="0">
-                <a:latin typeface="Arial" panose="020B0604020202020204" pitchFamily="34" charset="0"/>
-                <a:cs typeface="Arial" panose="020B0604020202020204" pitchFamily="34" charset="0"/>
-              </a:rPr>
-              <a:t>Core</a:t>
-            </a:r>
-          </a:p>
-          <a:p>
-            <a:r>
-              <a:rPr lang="en-US" sz="5500" dirty="0">
-                <a:latin typeface="Arial" panose="020B0604020202020204" pitchFamily="34" charset="0"/>
-                <a:cs typeface="Arial" panose="020B0604020202020204" pitchFamily="34" charset="0"/>
-              </a:rPr>
-              <a:t>EF Core in </a:t>
-            </a:r>
-            <a:r>
-              <a:rPr lang="en-US" sz="5500">
-                <a:latin typeface="Arial" panose="020B0604020202020204" pitchFamily="34" charset="0"/>
-                <a:cs typeface="Arial" panose="020B0604020202020204" pitchFamily="34" charset="0"/>
-              </a:rPr>
-              <a:t>the </a:t>
-            </a:r>
-            <a:r>
-              <a:rPr lang="en-US" sz="5500" smtClean="0">
-                <a:latin typeface="Arial" panose="020B0604020202020204" pitchFamily="34" charset="0"/>
-                <a:cs typeface="Arial" panose="020B0604020202020204" pitchFamily="34" charset="0"/>
-              </a:rPr>
-              <a:t>whole </a:t>
-            </a:r>
-            <a:r>
-              <a:rPr lang="en-US" sz="5500" dirty="0" smtClean="0">
-                <a:latin typeface="Arial" panose="020B0604020202020204" pitchFamily="34" charset="0"/>
-                <a:cs typeface="Arial" panose="020B0604020202020204" pitchFamily="34" charset="0"/>
-              </a:rPr>
-              <a:t>picture</a:t>
-            </a:r>
-          </a:p>
-          <a:p>
-            <a:pPr marL="0" indent="0">
-              <a:buNone/>
-            </a:pPr>
-            <a:endParaRPr lang="en-US" sz="1600" dirty="0">
-              <a:latin typeface="Arial" panose="020B0604020202020204" pitchFamily="34" charset="0"/>
-              <a:cs typeface="Arial" panose="020B0604020202020204" pitchFamily="34" charset="0"/>
-            </a:endParaRPr>
-          </a:p>
-          <a:p>
-            <a:endParaRPr lang="en-US" sz="1600" dirty="0">
-              <a:latin typeface="Arial" panose="020B0604020202020204" pitchFamily="34" charset="0"/>
-              <a:cs typeface="Arial" panose="020B0604020202020204" pitchFamily="34" charset="0"/>
-            </a:endParaRPr>
-          </a:p>
-          <a:p>
-            <a:endParaRPr lang="en-US" sz="1600" dirty="0">
-              <a:latin typeface="Arial" panose="020B0604020202020204" pitchFamily="34" charset="0"/>
-              <a:cs typeface="Arial" panose="020B0604020202020204" pitchFamily="34" charset="0"/>
-            </a:endParaRPr>
-          </a:p>
-          <a:p>
-            <a:endParaRPr lang="en-US" dirty="0">
-              <a:latin typeface="Arial" panose="020B0604020202020204" pitchFamily="34" charset="0"/>
-              <a:cs typeface="Arial" panose="020B0604020202020204" pitchFamily="34" charset="0"/>
-            </a:endParaRPr>
-          </a:p>
-          <a:p>
-            <a:endParaRPr lang="en-US" dirty="0">
-              <a:latin typeface="Arial" panose="020B0604020202020204" pitchFamily="34" charset="0"/>
-              <a:cs typeface="Arial" panose="020B0604020202020204" pitchFamily="34" charset="0"/>
-            </a:endParaRPr>
-          </a:p>
-          <a:p>
-            <a:endParaRPr lang="en-US" dirty="0" smtClean="0">
-              <a:latin typeface="Arial" panose="020B0604020202020204" pitchFamily="34" charset="0"/>
-              <a:cs typeface="Arial" panose="020B0604020202020204" pitchFamily="34" charset="0"/>
-            </a:endParaRPr>
-          </a:p>
-          <a:p>
-            <a:endParaRPr lang="en-US" dirty="0" smtClean="0">
-              <a:latin typeface="Arial" panose="020B0604020202020204" pitchFamily="34" charset="0"/>
-              <a:cs typeface="Arial" panose="020B0604020202020204" pitchFamily="34" charset="0"/>
-            </a:endParaRPr>
-          </a:p>
-          <a:p>
-            <a:endParaRPr lang="en-US" dirty="0" smtClean="0"/>
-          </a:p>
-          <a:p>
-            <a:endParaRPr lang="en-US" dirty="0"/>
-          </a:p>
-        </p:txBody>
-      </p:sp>
-    </p:spTree>
-    <p:extLst>
-      <p:ext uri="{BB962C8B-B14F-4D97-AF65-F5344CB8AC3E}">
-        <p14:creationId xmlns:p14="http://schemas.microsoft.com/office/powerpoint/2010/main" val="4154506407"/>
-      </p:ext>
-    </p:extLst>
-  </p:cSld>
-  <p:clrMapOvr>
-    <a:masterClrMapping/>
-  </p:clrMapOvr>
-  <p:timing>
-    <p:tnLst>
-      <p:par>
-        <p:cTn id="1" dur="indefinite" restart="never" nodeType="tmRoot"/>
-      </p:par>
-    </p:tnLst>
-  </p:timing>
-</p:sld>
-</file>
-
-<file path=ppt/slides/slide20.xml><?xml version="1.0" encoding="utf-8"?>
+<file path=ppt/slides/slide24.xml><?xml version="1.0" encoding="utf-8"?>
 <p:sld xmlns:a="http://schemas.openxmlformats.org/drawingml/2006/main" xmlns:r="http://schemas.openxmlformats.org/officeDocument/2006/relationships" xmlns:p="http://schemas.openxmlformats.org/presentationml/2006/main">
   <p:cSld>
     <p:spTree>
@@ -16282,7 +16921,7 @@
 </p:sld>
 </file>
 
-<file path=ppt/slides/slide21.xml><?xml version="1.0" encoding="utf-8"?>
+<file path=ppt/slides/slide25.xml><?xml version="1.0" encoding="utf-8"?>
 <p:sld xmlns:a="http://schemas.openxmlformats.org/drawingml/2006/main" xmlns:r="http://schemas.openxmlformats.org/officeDocument/2006/relationships" xmlns:p="http://schemas.openxmlformats.org/presentationml/2006/main">
   <p:cSld>
     <p:spTree>
@@ -16481,7 +17120,7 @@
 </p:sld>
 </file>
 
-<file path=ppt/slides/slide22.xml><?xml version="1.0" encoding="utf-8"?>
+<file path=ppt/slides/slide26.xml><?xml version="1.0" encoding="utf-8"?>
 <p:sld xmlns:a="http://schemas.openxmlformats.org/drawingml/2006/main" xmlns:r="http://schemas.openxmlformats.org/officeDocument/2006/relationships" xmlns:p="http://schemas.openxmlformats.org/presentationml/2006/main">
   <p:cSld>
     <p:spTree>
@@ -16572,6 +17211,120 @@
       </p:grpSpPr>
       <p:sp>
         <p:nvSpPr>
+          <p:cNvPr id="2" name="TextBox 1"/>
+          <p:cNvSpPr txBox="1"/>
+          <p:nvPr/>
+        </p:nvSpPr>
+        <p:spPr>
+          <a:xfrm>
+            <a:off x="2895598" y="4214950"/>
+            <a:ext cx="6165669" cy="923330"/>
+          </a:xfrm>
+          <a:prstGeom prst="rect">
+            <a:avLst/>
+          </a:prstGeom>
+          <a:noFill/>
+        </p:spPr>
+        <p:txBody>
+          <a:bodyPr wrap="square" rtlCol="0">
+            <a:spAutoFit/>
+          </a:bodyPr>
+          <a:lstStyle/>
+          <a:p>
+            <a:pPr algn="ctr"/>
+            <a:r>
+              <a:rPr lang="en-US" sz="5400" dirty="0" smtClean="0">
+                <a:solidFill>
+                  <a:schemeClr val="accent1">
+                    <a:lumMod val="50000"/>
+                  </a:schemeClr>
+                </a:solidFill>
+                <a:latin typeface="Arial" panose="020B0604020202020204" pitchFamily="34" charset="0"/>
+                <a:cs typeface="Arial" panose="020B0604020202020204" pitchFamily="34" charset="0"/>
+              </a:rPr>
+              <a:t>Database Systems</a:t>
+            </a:r>
+            <a:endParaRPr lang="en-US" sz="5400" dirty="0">
+              <a:solidFill>
+                <a:schemeClr val="accent1">
+                  <a:lumMod val="50000"/>
+                </a:schemeClr>
+              </a:solidFill>
+              <a:latin typeface="Arial" panose="020B0604020202020204" pitchFamily="34" charset="0"/>
+              <a:cs typeface="Arial" panose="020B0604020202020204" pitchFamily="34" charset="0"/>
+            </a:endParaRPr>
+          </a:p>
+        </p:txBody>
+      </p:sp>
+      <p:pic>
+        <p:nvPicPr>
+          <p:cNvPr id="4" name="Picture 3"/>
+          <p:cNvPicPr>
+            <a:picLocks noChangeAspect="1"/>
+          </p:cNvPicPr>
+          <p:nvPr/>
+        </p:nvPicPr>
+        <p:blipFill>
+          <a:blip r:embed="rId2" cstate="print">
+            <a:extLst>
+              <a:ext uri="{28A0092B-C50C-407E-A947-70E740481C1C}">
+                <a14:useLocalDpi xmlns:a14="http://schemas.microsoft.com/office/drawing/2010/main" val="0"/>
+              </a:ext>
+            </a:extLst>
+          </a:blip>
+          <a:stretch>
+            <a:fillRect/>
+          </a:stretch>
+        </p:blipFill>
+        <p:spPr>
+          <a:xfrm>
+            <a:off x="4598124" y="1375955"/>
+            <a:ext cx="2760619" cy="2760619"/>
+          </a:xfrm>
+          <a:prstGeom prst="rect">
+            <a:avLst/>
+          </a:prstGeom>
+        </p:spPr>
+      </p:pic>
+    </p:spTree>
+    <p:extLst>
+      <p:ext uri="{BB962C8B-B14F-4D97-AF65-F5344CB8AC3E}">
+        <p14:creationId xmlns:p14="http://schemas.microsoft.com/office/powerpoint/2010/main" val="2092374737"/>
+      </p:ext>
+    </p:extLst>
+  </p:cSld>
+  <p:clrMapOvr>
+    <a:masterClrMapping/>
+  </p:clrMapOvr>
+  <p:timing>
+    <p:tnLst>
+      <p:par>
+        <p:cTn id="1" dur="indefinite" restart="never" nodeType="tmRoot"/>
+      </p:par>
+    </p:tnLst>
+  </p:timing>
+</p:sld>
+</file>
+
+<file path=ppt/slides/slide4.xml><?xml version="1.0" encoding="utf-8"?>
+<p:sld xmlns:a="http://schemas.openxmlformats.org/drawingml/2006/main" xmlns:r="http://schemas.openxmlformats.org/officeDocument/2006/relationships" xmlns:p="http://schemas.openxmlformats.org/presentationml/2006/main">
+  <p:cSld>
+    <p:spTree>
+      <p:nvGrpSpPr>
+        <p:cNvPr id="1" name=""/>
+        <p:cNvGrpSpPr/>
+        <p:nvPr/>
+      </p:nvGrpSpPr>
+      <p:grpSpPr>
+        <a:xfrm>
+          <a:off x="0" y="0"/>
+          <a:ext cx="0" cy="0"/>
+          <a:chOff x="0" y="0"/>
+          <a:chExt cx="0" cy="0"/>
+        </a:xfrm>
+      </p:grpSpPr>
+      <p:sp>
+        <p:nvSpPr>
           <p:cNvPr id="2" name="Title 1"/>
           <p:cNvSpPr>
             <a:spLocks noGrp="1"/>
@@ -16580,7 +17333,12 @@
             <p:ph type="title"/>
           </p:nvPr>
         </p:nvSpPr>
-        <p:spPr/>
+        <p:spPr>
+          <a:xfrm>
+            <a:off x="1869056" y="982377"/>
+            <a:ext cx="8761413" cy="706964"/>
+          </a:xfrm>
+        </p:spPr>
         <p:txBody>
           <a:bodyPr/>
           <a:lstStyle/>
@@ -16648,7 +17406,7 @@
 </p:sld>
 </file>
 
-<file path=ppt/slides/slide4.xml><?xml version="1.0" encoding="utf-8"?>
+<file path=ppt/slides/slide5.xml><?xml version="1.0" encoding="utf-8"?>
 <p:sld xmlns:a="http://schemas.openxmlformats.org/drawingml/2006/main" xmlns:r="http://schemas.openxmlformats.org/officeDocument/2006/relationships" xmlns:p="http://schemas.openxmlformats.org/presentationml/2006/main">
   <p:cSld>
     <p:spTree>
@@ -16765,296 +17523,42 @@
         </p:blipFill>
         <p:spPr>
           <a:xfrm>
-            <a:off x="6070060" y="2436779"/>
-            <a:ext cx="5894962" cy="1622731"/>
+            <a:off x="6052643" y="2505363"/>
+            <a:ext cx="5763638" cy="1586581"/>
           </a:xfrm>
+          <a:prstGeom prst="roundRect">
+            <a:avLst>
+              <a:gd name="adj" fmla="val 16667"/>
+            </a:avLst>
+          </a:prstGeom>
+          <a:ln>
+            <a:noFill/>
+          </a:ln>
+          <a:effectLst>
+            <a:outerShdw blurRad="152400" dist="12000" dir="900000" sy="98000" kx="110000" ky="200000" algn="tl" rotWithShape="0">
+              <a:srgbClr val="000000">
+                <a:alpha val="30000"/>
+              </a:srgbClr>
+            </a:outerShdw>
+          </a:effectLst>
+          <a:scene3d>
+            <a:camera prst="perspectiveRelaxed">
+              <a:rot lat="19800000" lon="1200000" rev="20820000"/>
+            </a:camera>
+            <a:lightRig rig="threePt" dir="t"/>
+          </a:scene3d>
+          <a:sp3d contourW="6350" prstMaterial="matte">
+            <a:bevelT w="101600" h="101600"/>
+            <a:contourClr>
+              <a:srgbClr val="969696"/>
+            </a:contourClr>
+          </a:sp3d>
         </p:spPr>
       </p:pic>
     </p:spTree>
     <p:extLst>
       <p:ext uri="{BB962C8B-B14F-4D97-AF65-F5344CB8AC3E}">
         <p14:creationId xmlns:p14="http://schemas.microsoft.com/office/powerpoint/2010/main" val="2257186682"/>
-      </p:ext>
-    </p:extLst>
-  </p:cSld>
-  <p:clrMapOvr>
-    <a:masterClrMapping/>
-  </p:clrMapOvr>
-  <p:timing>
-    <p:tnLst>
-      <p:par>
-        <p:cTn id="1" dur="indefinite" restart="never" nodeType="tmRoot"/>
-      </p:par>
-    </p:tnLst>
-  </p:timing>
-</p:sld>
-</file>
-
-<file path=ppt/slides/slide5.xml><?xml version="1.0" encoding="utf-8"?>
-<p:sld xmlns:a="http://schemas.openxmlformats.org/drawingml/2006/main" xmlns:r="http://schemas.openxmlformats.org/officeDocument/2006/relationships" xmlns:p="http://schemas.openxmlformats.org/presentationml/2006/main">
-  <p:cSld>
-    <p:spTree>
-      <p:nvGrpSpPr>
-        <p:cNvPr id="1" name=""/>
-        <p:cNvGrpSpPr/>
-        <p:nvPr/>
-      </p:nvGrpSpPr>
-      <p:grpSpPr>
-        <a:xfrm>
-          <a:off x="0" y="0"/>
-          <a:ext cx="0" cy="0"/>
-          <a:chOff x="0" y="0"/>
-          <a:chExt cx="0" cy="0"/>
-        </a:xfrm>
-      </p:grpSpPr>
-      <p:sp>
-        <p:nvSpPr>
-          <p:cNvPr id="2" name="Title 1"/>
-          <p:cNvSpPr>
-            <a:spLocks noGrp="1"/>
-          </p:cNvSpPr>
-          <p:nvPr>
-            <p:ph type="title"/>
-          </p:nvPr>
-        </p:nvSpPr>
-        <p:spPr/>
-        <p:txBody>
-          <a:bodyPr/>
-          <a:lstStyle/>
-          <a:p>
-            <a:pPr algn="ctr"/>
-            <a:r>
-              <a:rPr lang="en-US" dirty="0" smtClean="0">
-                <a:latin typeface="Arial" panose="020B0604020202020204" pitchFamily="34" charset="0"/>
-                <a:cs typeface="Arial" panose="020B0604020202020204" pitchFamily="34" charset="0"/>
-              </a:rPr>
-              <a:t>SQL vs NoSQL databases</a:t>
-            </a:r>
-            <a:endParaRPr lang="en-US" dirty="0">
-              <a:latin typeface="Arial" panose="020B0604020202020204" pitchFamily="34" charset="0"/>
-              <a:cs typeface="Arial" panose="020B0604020202020204" pitchFamily="34" charset="0"/>
-            </a:endParaRPr>
-          </a:p>
-        </p:txBody>
-      </p:sp>
-      <p:sp>
-        <p:nvSpPr>
-          <p:cNvPr id="3" name="Text Placeholder 2"/>
-          <p:cNvSpPr>
-            <a:spLocks noGrp="1"/>
-          </p:cNvSpPr>
-          <p:nvPr>
-            <p:ph type="body" idx="1"/>
-          </p:nvPr>
-        </p:nvSpPr>
-        <p:spPr/>
-        <p:txBody>
-          <a:bodyPr/>
-          <a:lstStyle/>
-          <a:p>
-            <a:pPr algn="ctr"/>
-            <a:r>
-              <a:rPr lang="en-US" dirty="0" smtClean="0">
-                <a:latin typeface="Arial" panose="020B0604020202020204" pitchFamily="34" charset="0"/>
-                <a:cs typeface="Arial" panose="020B0604020202020204" pitchFamily="34" charset="0"/>
-              </a:rPr>
-              <a:t>SQL Database systems</a:t>
-            </a:r>
-            <a:endParaRPr lang="en-US" dirty="0">
-              <a:latin typeface="Arial" panose="020B0604020202020204" pitchFamily="34" charset="0"/>
-              <a:cs typeface="Arial" panose="020B0604020202020204" pitchFamily="34" charset="0"/>
-            </a:endParaRPr>
-          </a:p>
-        </p:txBody>
-      </p:sp>
-      <p:sp>
-        <p:nvSpPr>
-          <p:cNvPr id="4" name="Content Placeholder 3"/>
-          <p:cNvSpPr>
-            <a:spLocks noGrp="1"/>
-          </p:cNvSpPr>
-          <p:nvPr>
-            <p:ph sz="half" idx="2"/>
-          </p:nvPr>
-        </p:nvSpPr>
-        <p:spPr>
-          <a:xfrm>
-            <a:off x="1154954" y="3528291"/>
-            <a:ext cx="4825158" cy="2491510"/>
-          </a:xfrm>
-        </p:spPr>
-        <p:txBody>
-          <a:bodyPr/>
-          <a:lstStyle/>
-          <a:p>
-            <a:r>
-              <a:rPr lang="en-US" dirty="0" smtClean="0">
-                <a:latin typeface="Arial" panose="020B0604020202020204" pitchFamily="34" charset="0"/>
-                <a:cs typeface="Arial" panose="020B0604020202020204" pitchFamily="34" charset="0"/>
-              </a:rPr>
-              <a:t>MS SQL Server</a:t>
-            </a:r>
-          </a:p>
-          <a:p>
-            <a:r>
-              <a:rPr lang="en-US" dirty="0" smtClean="0">
-                <a:latin typeface="Arial" panose="020B0604020202020204" pitchFamily="34" charset="0"/>
-                <a:cs typeface="Arial" panose="020B0604020202020204" pitchFamily="34" charset="0"/>
-              </a:rPr>
-              <a:t>MySQL</a:t>
-            </a:r>
-          </a:p>
-          <a:p>
-            <a:r>
-              <a:rPr lang="en-US" dirty="0" smtClean="0">
-                <a:latin typeface="Arial" panose="020B0604020202020204" pitchFamily="34" charset="0"/>
-                <a:cs typeface="Arial" panose="020B0604020202020204" pitchFamily="34" charset="0"/>
-              </a:rPr>
-              <a:t>Oracle Database</a:t>
-            </a:r>
-          </a:p>
-          <a:p>
-            <a:r>
-              <a:rPr lang="en-US" dirty="0" smtClean="0">
-                <a:latin typeface="Arial" panose="020B0604020202020204" pitchFamily="34" charset="0"/>
-                <a:cs typeface="Arial" panose="020B0604020202020204" pitchFamily="34" charset="0"/>
-              </a:rPr>
-              <a:t>PostgreSQL</a:t>
-            </a:r>
-          </a:p>
-          <a:p>
-            <a:r>
-              <a:rPr lang="en-US" dirty="0" smtClean="0">
-                <a:latin typeface="Arial" panose="020B0604020202020204" pitchFamily="34" charset="0"/>
-                <a:cs typeface="Arial" panose="020B0604020202020204" pitchFamily="34" charset="0"/>
-              </a:rPr>
-              <a:t>IBM DB2</a:t>
-            </a:r>
-          </a:p>
-          <a:p>
-            <a:endParaRPr lang="en-US" dirty="0" smtClean="0"/>
-          </a:p>
-          <a:p>
-            <a:endParaRPr lang="en-US" dirty="0"/>
-          </a:p>
-        </p:txBody>
-      </p:sp>
-      <p:sp>
-        <p:nvSpPr>
-          <p:cNvPr id="5" name="Text Placeholder 4"/>
-          <p:cNvSpPr>
-            <a:spLocks noGrp="1"/>
-          </p:cNvSpPr>
-          <p:nvPr>
-            <p:ph type="body" sz="quarter" idx="3"/>
-          </p:nvPr>
-        </p:nvSpPr>
-        <p:spPr/>
-        <p:txBody>
-          <a:bodyPr/>
-          <a:lstStyle/>
-          <a:p>
-            <a:pPr algn="ctr"/>
-            <a:r>
-              <a:rPr lang="en-US" dirty="0" smtClean="0">
-                <a:latin typeface="Arial" panose="020B0604020202020204" pitchFamily="34" charset="0"/>
-                <a:cs typeface="Arial" panose="020B0604020202020204" pitchFamily="34" charset="0"/>
-              </a:rPr>
-              <a:t>NoSQL Database systems</a:t>
-            </a:r>
-            <a:endParaRPr lang="en-US" dirty="0">
-              <a:latin typeface="Arial" panose="020B0604020202020204" pitchFamily="34" charset="0"/>
-              <a:cs typeface="Arial" panose="020B0604020202020204" pitchFamily="34" charset="0"/>
-            </a:endParaRPr>
-          </a:p>
-        </p:txBody>
-      </p:sp>
-      <p:sp>
-        <p:nvSpPr>
-          <p:cNvPr id="6" name="Content Placeholder 5"/>
-          <p:cNvSpPr>
-            <a:spLocks noGrp="1"/>
-          </p:cNvSpPr>
-          <p:nvPr>
-            <p:ph sz="quarter" idx="4"/>
-          </p:nvPr>
-        </p:nvSpPr>
-        <p:spPr>
-          <a:xfrm>
-            <a:off x="6208712" y="3528291"/>
-            <a:ext cx="4825159" cy="2491510"/>
-          </a:xfrm>
-        </p:spPr>
-        <p:txBody>
-          <a:bodyPr/>
-          <a:lstStyle/>
-          <a:p>
-            <a:r>
-              <a:rPr lang="en-US" dirty="0" smtClean="0">
-                <a:latin typeface="Arial" panose="020B0604020202020204" pitchFamily="34" charset="0"/>
-                <a:cs typeface="Arial" panose="020B0604020202020204" pitchFamily="34" charset="0"/>
-              </a:rPr>
-              <a:t>MongoDB</a:t>
-            </a:r>
-          </a:p>
-          <a:p>
-            <a:r>
-              <a:rPr lang="en-US" dirty="0" err="1" smtClean="0">
-                <a:latin typeface="Arial" panose="020B0604020202020204" pitchFamily="34" charset="0"/>
-                <a:cs typeface="Arial" panose="020B0604020202020204" pitchFamily="34" charset="0"/>
-              </a:rPr>
-              <a:t>Redis</a:t>
-            </a:r>
-            <a:endParaRPr lang="en-US" dirty="0" smtClean="0">
-              <a:latin typeface="Arial" panose="020B0604020202020204" pitchFamily="34" charset="0"/>
-              <a:cs typeface="Arial" panose="020B0604020202020204" pitchFamily="34" charset="0"/>
-            </a:endParaRPr>
-          </a:p>
-          <a:p>
-            <a:r>
-              <a:rPr lang="en-US" dirty="0" err="1" smtClean="0">
-                <a:latin typeface="Arial" panose="020B0604020202020204" pitchFamily="34" charset="0"/>
-                <a:cs typeface="Arial" panose="020B0604020202020204" pitchFamily="34" charset="0"/>
-              </a:rPr>
-              <a:t>Couchbase</a:t>
-            </a:r>
-            <a:endParaRPr lang="en-US" dirty="0" smtClean="0">
-              <a:latin typeface="Arial" panose="020B0604020202020204" pitchFamily="34" charset="0"/>
-              <a:cs typeface="Arial" panose="020B0604020202020204" pitchFamily="34" charset="0"/>
-            </a:endParaRPr>
-          </a:p>
-          <a:p>
-            <a:r>
-              <a:rPr lang="en-US" dirty="0" err="1" smtClean="0">
-                <a:latin typeface="Arial" panose="020B0604020202020204" pitchFamily="34" charset="0"/>
-                <a:cs typeface="Arial" panose="020B0604020202020204" pitchFamily="34" charset="0"/>
-              </a:rPr>
-              <a:t>RavenDB</a:t>
-            </a:r>
-            <a:endParaRPr lang="en-US" dirty="0" smtClean="0">
-              <a:latin typeface="Arial" panose="020B0604020202020204" pitchFamily="34" charset="0"/>
-              <a:cs typeface="Arial" panose="020B0604020202020204" pitchFamily="34" charset="0"/>
-            </a:endParaRPr>
-          </a:p>
-          <a:p>
-            <a:r>
-              <a:rPr lang="en-US" dirty="0" smtClean="0">
-                <a:latin typeface="Arial" panose="020B0604020202020204" pitchFamily="34" charset="0"/>
-                <a:cs typeface="Arial" panose="020B0604020202020204" pitchFamily="34" charset="0"/>
-              </a:rPr>
-              <a:t>Cassandra</a:t>
-            </a:r>
-            <a:endParaRPr lang="en-US" dirty="0">
-              <a:latin typeface="Arial" panose="020B0604020202020204" pitchFamily="34" charset="0"/>
-              <a:cs typeface="Arial" panose="020B0604020202020204" pitchFamily="34" charset="0"/>
-            </a:endParaRPr>
-          </a:p>
-        </p:txBody>
-      </p:sp>
-    </p:spTree>
-    <p:extLst>
-      <p:ext uri="{BB962C8B-B14F-4D97-AF65-F5344CB8AC3E}">
-        <p14:creationId xmlns:p14="http://schemas.microsoft.com/office/powerpoint/2010/main" val="1461938383"/>
       </p:ext>
     </p:extLst>
   </p:cSld>
@@ -17098,24 +17602,20 @@
             <p:ph type="title"/>
           </p:nvPr>
         </p:nvSpPr>
-        <p:spPr>
-          <a:xfrm>
-            <a:off x="1154954" y="973667"/>
-            <a:ext cx="8986573" cy="781241"/>
-          </a:xfrm>
-        </p:spPr>
+        <p:spPr/>
         <p:txBody>
           <a:bodyPr/>
           <a:lstStyle/>
           <a:p>
-            <a:r>
-              <a:rPr lang="en-US" sz="3200" dirty="0" smtClean="0">
+            <a:pPr algn="ctr"/>
+            <a:r>
+              <a:rPr lang="en-US" dirty="0" smtClean="0">
                 <a:latin typeface="Arial" panose="020B0604020202020204" pitchFamily="34" charset="0"/>
                 <a:cs typeface="Arial" panose="020B0604020202020204" pitchFamily="34" charset="0"/>
               </a:rPr>
-              <a:t>SQL vs NoSQL (fundamental differences)</a:t>
-            </a:r>
-            <a:endParaRPr lang="en-US" sz="3200" dirty="0">
+              <a:t>SQL vs NoSQL databases</a:t>
+            </a:r>
+            <a:endParaRPr lang="en-US" dirty="0">
               <a:latin typeface="Arial" panose="020B0604020202020204" pitchFamily="34" charset="0"/>
               <a:cs typeface="Arial" panose="020B0604020202020204" pitchFamily="34" charset="0"/>
             </a:endParaRPr>
@@ -17143,7 +17643,7 @@
                 <a:latin typeface="Arial" panose="020B0604020202020204" pitchFamily="34" charset="0"/>
                 <a:cs typeface="Arial" panose="020B0604020202020204" pitchFamily="34" charset="0"/>
               </a:rPr>
-              <a:t>Table relations</a:t>
+              <a:t>SQL Database systems</a:t>
             </a:r>
             <a:endParaRPr lang="en-US" dirty="0">
               <a:latin typeface="Arial" panose="020B0604020202020204" pitchFamily="34" charset="0"/>
@@ -17152,35 +17652,78 @@
           </a:p>
         </p:txBody>
       </p:sp>
-      <p:pic>
-        <p:nvPicPr>
-          <p:cNvPr id="7" name="Content Placeholder 6"/>
-          <p:cNvPicPr>
-            <a:picLocks noGrp="1" noChangeAspect="1"/>
-          </p:cNvPicPr>
+      <p:sp>
+        <p:nvSpPr>
+          <p:cNvPr id="4" name="Content Placeholder 3"/>
+          <p:cNvSpPr>
+            <a:spLocks noGrp="1"/>
+          </p:cNvSpPr>
           <p:nvPr>
             <p:ph sz="half" idx="2"/>
           </p:nvPr>
-        </p:nvPicPr>
-        <p:blipFill>
-          <a:blip r:embed="rId2">
-            <a:extLst>
-              <a:ext uri="{28A0092B-C50C-407E-A947-70E740481C1C}">
-                <a14:useLocalDpi xmlns:a14="http://schemas.microsoft.com/office/drawing/2010/main" val="0"/>
-              </a:ext>
-            </a:extLst>
-          </a:blip>
-          <a:stretch>
-            <a:fillRect/>
-          </a:stretch>
-        </p:blipFill>
+        </p:nvSpPr>
         <p:spPr>
           <a:xfrm>
-            <a:off x="1155700" y="3454530"/>
-            <a:ext cx="4824413" cy="2290503"/>
+            <a:off x="1154954" y="3528291"/>
+            <a:ext cx="4825158" cy="2491510"/>
           </a:xfrm>
         </p:spPr>
-      </p:pic>
+        <p:txBody>
+          <a:bodyPr/>
+          <a:lstStyle/>
+          <a:p>
+            <a:r>
+              <a:rPr lang="en-US" dirty="0" smtClean="0">
+                <a:latin typeface="Arial" panose="020B0604020202020204" pitchFamily="34" charset="0"/>
+                <a:cs typeface="Arial" panose="020B0604020202020204" pitchFamily="34" charset="0"/>
+              </a:rPr>
+              <a:t>MS SQL Server</a:t>
+            </a:r>
+          </a:p>
+          <a:p>
+            <a:r>
+              <a:rPr lang="en-US" dirty="0" smtClean="0">
+                <a:latin typeface="Arial" panose="020B0604020202020204" pitchFamily="34" charset="0"/>
+                <a:cs typeface="Arial" panose="020B0604020202020204" pitchFamily="34" charset="0"/>
+              </a:rPr>
+              <a:t>MySQL</a:t>
+            </a:r>
+          </a:p>
+          <a:p>
+            <a:r>
+              <a:rPr lang="en-US" dirty="0" smtClean="0">
+                <a:latin typeface="Arial" panose="020B0604020202020204" pitchFamily="34" charset="0"/>
+                <a:cs typeface="Arial" panose="020B0604020202020204" pitchFamily="34" charset="0"/>
+              </a:rPr>
+              <a:t>Oracle Database</a:t>
+            </a:r>
+          </a:p>
+          <a:p>
+            <a:r>
+              <a:rPr lang="en-US" dirty="0" smtClean="0">
+                <a:latin typeface="Arial" panose="020B0604020202020204" pitchFamily="34" charset="0"/>
+                <a:cs typeface="Arial" panose="020B0604020202020204" pitchFamily="34" charset="0"/>
+              </a:rPr>
+              <a:t>PostgreSQL</a:t>
+            </a:r>
+          </a:p>
+          <a:p>
+            <a:r>
+              <a:rPr lang="en-US" dirty="0" smtClean="0">
+                <a:latin typeface="Arial" panose="020B0604020202020204" pitchFamily="34" charset="0"/>
+                <a:cs typeface="Arial" panose="020B0604020202020204" pitchFamily="34" charset="0"/>
+              </a:rPr>
+              <a:t>IBM DB2</a:t>
+            </a:r>
+          </a:p>
+          <a:p>
+            <a:endParaRPr lang="en-US" dirty="0" smtClean="0"/>
+          </a:p>
+          <a:p>
+            <a:endParaRPr lang="en-US" dirty="0"/>
+          </a:p>
+        </p:txBody>
+      </p:sp>
       <p:sp>
         <p:nvSpPr>
           <p:cNvPr id="5" name="Text Placeholder 4"/>
@@ -17202,7 +17745,7 @@
                 <a:latin typeface="Arial" panose="020B0604020202020204" pitchFamily="34" charset="0"/>
                 <a:cs typeface="Arial" panose="020B0604020202020204" pitchFamily="34" charset="0"/>
               </a:rPr>
-              <a:t>Document model</a:t>
+              <a:t>NoSQL Database systems</a:t>
             </a:r>
             <a:endParaRPr lang="en-US" dirty="0">
               <a:latin typeface="Arial" panose="020B0604020202020204" pitchFamily="34" charset="0"/>
@@ -17211,39 +17754,92 @@
           </a:p>
         </p:txBody>
       </p:sp>
-      <p:pic>
-        <p:nvPicPr>
-          <p:cNvPr id="8" name="Content Placeholder 7"/>
-          <p:cNvPicPr>
-            <a:picLocks noGrp="1" noChangeAspect="1"/>
-          </p:cNvPicPr>
+      <p:sp>
+        <p:nvSpPr>
+          <p:cNvPr id="6" name="Content Placeholder 5"/>
+          <p:cNvSpPr>
+            <a:spLocks noGrp="1"/>
+          </p:cNvSpPr>
           <p:nvPr>
             <p:ph sz="quarter" idx="4"/>
           </p:nvPr>
-        </p:nvPicPr>
-        <p:blipFill>
-          <a:blip r:embed="rId3">
-            <a:extLst>
-              <a:ext uri="{28A0092B-C50C-407E-A947-70E740481C1C}">
-                <a14:useLocalDpi xmlns:a14="http://schemas.microsoft.com/office/drawing/2010/main" val="0"/>
-              </a:ext>
-            </a:extLst>
-          </a:blip>
-          <a:stretch>
-            <a:fillRect/>
-          </a:stretch>
-        </p:blipFill>
+        </p:nvSpPr>
         <p:spPr>
           <a:xfrm>
-            <a:off x="7206524" y="3454530"/>
-            <a:ext cx="2662534" cy="2840037"/>
+            <a:off x="6208712" y="3528291"/>
+            <a:ext cx="4825159" cy="2491510"/>
           </a:xfrm>
         </p:spPr>
-      </p:pic>
+        <p:txBody>
+          <a:bodyPr/>
+          <a:lstStyle/>
+          <a:p>
+            <a:r>
+              <a:rPr lang="en-US" dirty="0" smtClean="0">
+                <a:latin typeface="Arial" panose="020B0604020202020204" pitchFamily="34" charset="0"/>
+                <a:cs typeface="Arial" panose="020B0604020202020204" pitchFamily="34" charset="0"/>
+              </a:rPr>
+              <a:t>MongoDB</a:t>
+            </a:r>
+          </a:p>
+          <a:p>
+            <a:r>
+              <a:rPr lang="en-US" dirty="0" err="1" smtClean="0">
+                <a:latin typeface="Arial" panose="020B0604020202020204" pitchFamily="34" charset="0"/>
+                <a:cs typeface="Arial" panose="020B0604020202020204" pitchFamily="34" charset="0"/>
+              </a:rPr>
+              <a:t>Redis</a:t>
+            </a:r>
+            <a:endParaRPr lang="en-US" dirty="0" smtClean="0">
+              <a:latin typeface="Arial" panose="020B0604020202020204" pitchFamily="34" charset="0"/>
+              <a:cs typeface="Arial" panose="020B0604020202020204" pitchFamily="34" charset="0"/>
+            </a:endParaRPr>
+          </a:p>
+          <a:p>
+            <a:r>
+              <a:rPr lang="en-US" dirty="0" err="1" smtClean="0">
+                <a:latin typeface="Arial" panose="020B0604020202020204" pitchFamily="34" charset="0"/>
+                <a:cs typeface="Arial" panose="020B0604020202020204" pitchFamily="34" charset="0"/>
+              </a:rPr>
+              <a:t>Couchbase</a:t>
+            </a:r>
+            <a:endParaRPr lang="en-US" dirty="0" smtClean="0">
+              <a:latin typeface="Arial" panose="020B0604020202020204" pitchFamily="34" charset="0"/>
+              <a:cs typeface="Arial" panose="020B0604020202020204" pitchFamily="34" charset="0"/>
+            </a:endParaRPr>
+          </a:p>
+          <a:p>
+            <a:r>
+              <a:rPr lang="en-US" dirty="0" err="1" smtClean="0">
+                <a:latin typeface="Arial" panose="020B0604020202020204" pitchFamily="34" charset="0"/>
+                <a:cs typeface="Arial" panose="020B0604020202020204" pitchFamily="34" charset="0"/>
+              </a:rPr>
+              <a:t>RavenDB</a:t>
+            </a:r>
+            <a:endParaRPr lang="en-US" dirty="0" smtClean="0">
+              <a:latin typeface="Arial" panose="020B0604020202020204" pitchFamily="34" charset="0"/>
+              <a:cs typeface="Arial" panose="020B0604020202020204" pitchFamily="34" charset="0"/>
+            </a:endParaRPr>
+          </a:p>
+          <a:p>
+            <a:r>
+              <a:rPr lang="en-US" dirty="0" smtClean="0">
+                <a:latin typeface="Arial" panose="020B0604020202020204" pitchFamily="34" charset="0"/>
+                <a:cs typeface="Arial" panose="020B0604020202020204" pitchFamily="34" charset="0"/>
+              </a:rPr>
+              <a:t>Cassandra</a:t>
+            </a:r>
+            <a:endParaRPr lang="en-US" dirty="0">
+              <a:latin typeface="Arial" panose="020B0604020202020204" pitchFamily="34" charset="0"/>
+              <a:cs typeface="Arial" panose="020B0604020202020204" pitchFamily="34" charset="0"/>
+            </a:endParaRPr>
+          </a:p>
+        </p:txBody>
+      </p:sp>
     </p:spTree>
     <p:extLst>
       <p:ext uri="{BB962C8B-B14F-4D97-AF65-F5344CB8AC3E}">
-        <p14:creationId xmlns:p14="http://schemas.microsoft.com/office/powerpoint/2010/main" val="1553230175"/>
+        <p14:creationId xmlns:p14="http://schemas.microsoft.com/office/powerpoint/2010/main" val="1461938383"/>
       </p:ext>
     </p:extLst>
   </p:cSld>
@@ -17289,21 +17885,50 @@
         </p:nvSpPr>
         <p:spPr>
           <a:xfrm>
-            <a:off x="1330214" y="1080348"/>
-            <a:ext cx="8761413" cy="706964"/>
+            <a:off x="1154954" y="973667"/>
+            <a:ext cx="8986573" cy="781241"/>
           </a:xfrm>
         </p:spPr>
         <p:txBody>
           <a:bodyPr/>
           <a:lstStyle/>
           <a:p>
+            <a:r>
+              <a:rPr lang="en-US" sz="3200" dirty="0" smtClean="0">
+                <a:latin typeface="Arial" panose="020B0604020202020204" pitchFamily="34" charset="0"/>
+                <a:cs typeface="Arial" panose="020B0604020202020204" pitchFamily="34" charset="0"/>
+              </a:rPr>
+              <a:t>SQL vs NoSQL (fundamental differences)</a:t>
+            </a:r>
+            <a:endParaRPr lang="en-US" sz="3200" dirty="0">
+              <a:latin typeface="Arial" panose="020B0604020202020204" pitchFamily="34" charset="0"/>
+              <a:cs typeface="Arial" panose="020B0604020202020204" pitchFamily="34" charset="0"/>
+            </a:endParaRPr>
+          </a:p>
+        </p:txBody>
+      </p:sp>
+      <p:sp>
+        <p:nvSpPr>
+          <p:cNvPr id="3" name="Text Placeholder 2"/>
+          <p:cNvSpPr>
+            <a:spLocks noGrp="1"/>
+          </p:cNvSpPr>
+          <p:nvPr>
+            <p:ph type="body" idx="1"/>
+          </p:nvPr>
+        </p:nvSpPr>
+        <p:spPr/>
+        <p:txBody>
+          <a:bodyPr/>
+          <a:lstStyle/>
+          <a:p>
             <a:pPr algn="ctr"/>
             <a:r>
               <a:rPr lang="en-US" dirty="0" smtClean="0">
                 <a:latin typeface="Arial" panose="020B0604020202020204" pitchFamily="34" charset="0"/>
                 <a:cs typeface="Arial" panose="020B0604020202020204" pitchFamily="34" charset="0"/>
               </a:rPr>
-              <a:t>How SQL works?</a:t>
+              <a:t>Table relations</a:t>
             </a:r>
             <a:endParaRPr lang="en-US" dirty="0">
               <a:latin typeface="Arial" panose="020B0604020202020204" pitchFamily="34" charset="0"/>
@@ -17314,12 +17939,12 @@
       </p:sp>
       <p:pic>
         <p:nvPicPr>
-          <p:cNvPr id="5" name="Content Placeholder 4"/>
+          <p:cNvPr id="7" name="Content Placeholder 6"/>
           <p:cNvPicPr>
             <a:picLocks noGrp="1" noChangeAspect="1"/>
           </p:cNvPicPr>
           <p:nvPr>
-            <p:ph sz="half" idx="1"/>
+            <p:ph sz="half" idx="2"/>
           </p:nvPr>
         </p:nvPicPr>
         <p:blipFill>
@@ -17336,19 +17961,49 @@
         </p:blipFill>
         <p:spPr>
           <a:xfrm>
-            <a:off x="7081984" y="2895431"/>
-            <a:ext cx="3855981" cy="1326885"/>
+            <a:off x="920208" y="3341318"/>
+            <a:ext cx="5288504" cy="2510841"/>
           </a:xfrm>
         </p:spPr>
       </p:pic>
+      <p:sp>
+        <p:nvSpPr>
+          <p:cNvPr id="5" name="Text Placeholder 4"/>
+          <p:cNvSpPr>
+            <a:spLocks noGrp="1"/>
+          </p:cNvSpPr>
+          <p:nvPr>
+            <p:ph type="body" sz="quarter" idx="3"/>
+          </p:nvPr>
+        </p:nvSpPr>
+        <p:spPr/>
+        <p:txBody>
+          <a:bodyPr/>
+          <a:lstStyle/>
+          <a:p>
+            <a:pPr algn="ctr"/>
+            <a:r>
+              <a:rPr lang="en-US" dirty="0" smtClean="0">
+                <a:latin typeface="Arial" panose="020B0604020202020204" pitchFamily="34" charset="0"/>
+                <a:cs typeface="Arial" panose="020B0604020202020204" pitchFamily="34" charset="0"/>
+              </a:rPr>
+              <a:t>Document model</a:t>
+            </a:r>
+            <a:endParaRPr lang="en-US" dirty="0">
+              <a:latin typeface="Arial" panose="020B0604020202020204" pitchFamily="34" charset="0"/>
+              <a:cs typeface="Arial" panose="020B0604020202020204" pitchFamily="34" charset="0"/>
+            </a:endParaRPr>
+          </a:p>
+        </p:txBody>
+      </p:sp>
       <p:pic>
         <p:nvPicPr>
-          <p:cNvPr id="6" name="Content Placeholder 5"/>
+          <p:cNvPr id="8" name="Content Placeholder 7"/>
           <p:cNvPicPr>
             <a:picLocks noGrp="1" noChangeAspect="1"/>
           </p:cNvPicPr>
           <p:nvPr>
-            <p:ph sz="half" idx="2"/>
+            <p:ph sz="quarter" idx="4"/>
           </p:nvPr>
         </p:nvPicPr>
         <p:blipFill>
@@ -17365,106 +18020,15 @@
         </p:blipFill>
         <p:spPr>
           <a:xfrm>
-            <a:off x="7643686" y="5022210"/>
-            <a:ext cx="2534195" cy="1404367"/>
+            <a:off x="7162980" y="3341318"/>
+            <a:ext cx="3104425" cy="3311388"/>
           </a:xfrm>
-        </p:spPr>
-      </p:pic>
-      <p:sp>
-        <p:nvSpPr>
-          <p:cNvPr id="7" name="TextBox 6"/>
-          <p:cNvSpPr txBox="1"/>
-          <p:nvPr/>
-        </p:nvSpPr>
-        <p:spPr>
-          <a:xfrm>
-            <a:off x="7081984" y="2526099"/>
-            <a:ext cx="3657600" cy="369332"/>
-          </a:xfrm>
-          <a:prstGeom prst="rect">
-            <a:avLst/>
-          </a:prstGeom>
-          <a:noFill/>
-        </p:spPr>
-        <p:txBody>
-          <a:bodyPr wrap="square" rtlCol="0">
-            <a:spAutoFit/>
-          </a:bodyPr>
-          <a:lstStyle/>
-          <a:p>
-            <a:pPr algn="ctr"/>
-            <a:r>
-              <a:rPr lang="en-US" dirty="0" smtClean="0"/>
-              <a:t>Table Creation</a:t>
-            </a:r>
-            <a:endParaRPr lang="en-US" dirty="0"/>
-          </a:p>
-        </p:txBody>
-      </p:sp>
-      <p:sp>
-        <p:nvSpPr>
-          <p:cNvPr id="8" name="TextBox 7"/>
-          <p:cNvSpPr txBox="1"/>
-          <p:nvPr/>
-        </p:nvSpPr>
-        <p:spPr>
-          <a:xfrm>
-            <a:off x="7358743" y="4437597"/>
-            <a:ext cx="3997234" cy="369332"/>
-          </a:xfrm>
-          <a:prstGeom prst="rect">
-            <a:avLst/>
-          </a:prstGeom>
-          <a:noFill/>
-        </p:spPr>
-        <p:txBody>
-          <a:bodyPr wrap="square" rtlCol="0">
-            <a:spAutoFit/>
-          </a:bodyPr>
-          <a:lstStyle/>
-          <a:p>
-            <a:r>
-              <a:rPr lang="en-US" dirty="0" smtClean="0"/>
-              <a:t>Getting data from Tables</a:t>
-            </a:r>
-            <a:endParaRPr lang="en-US" dirty="0"/>
-          </a:p>
-        </p:txBody>
-      </p:sp>
-      <p:pic>
-        <p:nvPicPr>
-          <p:cNvPr id="9" name="Content Placeholder 6"/>
-          <p:cNvPicPr>
-            <a:picLocks noChangeAspect="1"/>
-          </p:cNvPicPr>
-          <p:nvPr/>
-        </p:nvPicPr>
-        <p:blipFill>
-          <a:blip r:embed="rId4">
-            <a:extLst>
-              <a:ext uri="{28A0092B-C50C-407E-A947-70E740481C1C}">
-                <a14:useLocalDpi xmlns:a14="http://schemas.microsoft.com/office/drawing/2010/main" val="0"/>
-              </a:ext>
-            </a:extLst>
-          </a:blip>
-          <a:stretch>
-            <a:fillRect/>
-          </a:stretch>
-        </p:blipFill>
-        <p:spPr>
-          <a:xfrm>
-            <a:off x="1067868" y="2526099"/>
-            <a:ext cx="4000520" cy="4000520"/>
-          </a:xfrm>
-          <a:prstGeom prst="rect">
-            <a:avLst/>
-          </a:prstGeom>
         </p:spPr>
       </p:pic>
     </p:spTree>
     <p:extLst>
       <p:ext uri="{BB962C8B-B14F-4D97-AF65-F5344CB8AC3E}">
-        <p14:creationId xmlns:p14="http://schemas.microsoft.com/office/powerpoint/2010/main" val="584929033"/>
+        <p14:creationId xmlns:p14="http://schemas.microsoft.com/office/powerpoint/2010/main" val="1553230175"/>
       </p:ext>
     </p:extLst>
   </p:cSld>
@@ -17510,7 +18074,7 @@
         </p:nvSpPr>
         <p:spPr>
           <a:xfrm>
-            <a:off x="1535954" y="1087968"/>
+            <a:off x="1330214" y="1080348"/>
             <a:ext cx="8761413" cy="706964"/>
           </a:xfrm>
         </p:spPr>
@@ -17524,7 +18088,7 @@
                 <a:latin typeface="Arial" panose="020B0604020202020204" pitchFamily="34" charset="0"/>
                 <a:cs typeface="Arial" panose="020B0604020202020204" pitchFamily="34" charset="0"/>
               </a:rPr>
-              <a:t>MS SQL server profiler is a great tool! </a:t>
+              <a:t>Queries (MySQL vs MongoDB)</a:t>
             </a:r>
             <a:endParaRPr lang="en-US" dirty="0">
               <a:latin typeface="Arial" panose="020B0604020202020204" pitchFamily="34" charset="0"/>
@@ -17535,7 +18099,7 @@
       </p:sp>
       <p:pic>
         <p:nvPicPr>
-          <p:cNvPr id="6" name="Content Placeholder 5"/>
+          <p:cNvPr id="10" name="Content Placeholder 9"/>
           <p:cNvPicPr>
             <a:picLocks noGrp="1" noChangeAspect="1"/>
           </p:cNvPicPr>
@@ -17544,7 +18108,7 @@
           </p:nvPr>
         </p:nvPicPr>
         <p:blipFill>
-          <a:blip r:embed="rId2">
+          <a:blip r:embed="rId2" cstate="print">
             <a:extLst>
               <a:ext uri="{28A0092B-C50C-407E-A947-70E740481C1C}">
                 <a14:useLocalDpi xmlns:a14="http://schemas.microsoft.com/office/drawing/2010/main" val="0"/>
@@ -17557,15 +18121,28 @@
         </p:blipFill>
         <p:spPr>
           <a:xfrm>
-            <a:off x="1458653" y="2426625"/>
-            <a:ext cx="9322596" cy="3784166"/>
+            <a:off x="3422425" y="2368778"/>
+            <a:ext cx="5085850" cy="4395486"/>
           </a:xfrm>
+          <a:prstGeom prst="rect">
+            <a:avLst/>
+          </a:prstGeom>
+          <a:ln>
+            <a:noFill/>
+          </a:ln>
+          <a:effectLst>
+            <a:outerShdw blurRad="190500" algn="tl" rotWithShape="0">
+              <a:srgbClr val="000000">
+                <a:alpha val="70000"/>
+              </a:srgbClr>
+            </a:outerShdw>
+          </a:effectLst>
         </p:spPr>
       </p:pic>
     </p:spTree>
     <p:extLst>
       <p:ext uri="{BB962C8B-B14F-4D97-AF65-F5344CB8AC3E}">
-        <p14:creationId xmlns:p14="http://schemas.microsoft.com/office/powerpoint/2010/main" val="2208641250"/>
+        <p14:creationId xmlns:p14="http://schemas.microsoft.com/office/powerpoint/2010/main" val="584929033"/>
       </p:ext>
     </p:extLst>
   </p:cSld>
@@ -17601,32 +18178,45 @@
       </p:grpSpPr>
       <p:sp>
         <p:nvSpPr>
-          <p:cNvPr id="2" name="Title 1"/>
-          <p:cNvSpPr>
-            <a:spLocks noGrp="1"/>
-          </p:cNvSpPr>
-          <p:nvPr>
-            <p:ph type="title"/>
-          </p:nvPr>
+          <p:cNvPr id="2" name="TextBox 1"/>
+          <p:cNvSpPr txBox="1"/>
+          <p:nvPr/>
         </p:nvSpPr>
         <p:spPr>
           <a:xfrm>
-            <a:off x="1240606" y="2063711"/>
-            <a:ext cx="2940939" cy="577273"/>
+            <a:off x="2934786" y="4498138"/>
+            <a:ext cx="6165669" cy="923330"/>
           </a:xfrm>
+          <a:prstGeom prst="rect">
+            <a:avLst/>
+          </a:prstGeom>
+          <a:noFill/>
         </p:spPr>
         <p:txBody>
-          <a:bodyPr/>
+          <a:bodyPr wrap="square" rtlCol="0">
+            <a:spAutoFit/>
+          </a:bodyPr>
           <a:lstStyle/>
           <a:p>
-            <a:r>
-              <a:rPr lang="en-US" sz="3200" dirty="0" smtClean="0">
+            <a:pPr algn="ctr"/>
+            <a:r>
+              <a:rPr lang="en-US" sz="5400" dirty="0" smtClean="0">
+                <a:solidFill>
+                  <a:schemeClr val="accent1">
+                    <a:lumMod val="50000"/>
+                  </a:schemeClr>
+                </a:solidFill>
                 <a:latin typeface="Arial" panose="020B0604020202020204" pitchFamily="34" charset="0"/>
                 <a:cs typeface="Arial" panose="020B0604020202020204" pitchFamily="34" charset="0"/>
               </a:rPr>
               <a:t>ADO.NET</a:t>
             </a:r>
-            <a:endParaRPr lang="en-US" sz="3200" dirty="0">
+            <a:endParaRPr lang="en-US" sz="5400" dirty="0">
+              <a:solidFill>
+                <a:schemeClr val="accent1">
+                  <a:lumMod val="50000"/>
+                </a:schemeClr>
+              </a:solidFill>
               <a:latin typeface="Arial" panose="020B0604020202020204" pitchFamily="34" charset="0"/>
               <a:cs typeface="Arial" panose="020B0604020202020204" pitchFamily="34" charset="0"/>
             </a:endParaRPr>
@@ -17635,15 +18225,13 @@
       </p:sp>
       <p:pic>
         <p:nvPicPr>
-          <p:cNvPr id="5" name="Content Placeholder 4"/>
+          <p:cNvPr id="3" name="Picture 2"/>
           <p:cNvPicPr>
-            <a:picLocks noGrp="1" noChangeAspect="1"/>
+            <a:picLocks noChangeAspect="1"/>
           </p:cNvPicPr>
-          <p:nvPr>
-            <p:ph idx="1"/>
-          </p:nvPr>
+          <p:nvPr/>
         </p:nvPicPr>
-        <p:blipFill>
+        <p:blipFill rotWithShape="1">
           <a:blip r:embed="rId2">
             <a:extLst>
               <a:ext uri="{28A0092B-C50C-407E-A947-70E740481C1C}">
@@ -17651,136 +18239,29 @@
               </a:ext>
             </a:extLst>
           </a:blip>
-          <a:stretch>
-            <a:fillRect/>
-          </a:stretch>
+          <a:srcRect l="208" t="-910"/>
+          <a:stretch/>
         </p:blipFill>
         <p:spPr>
           <a:xfrm>
-            <a:off x="5161024" y="1470915"/>
-            <a:ext cx="6366528" cy="1469198"/>
+            <a:off x="3971107" y="1063555"/>
+            <a:ext cx="3805647" cy="3234285"/>
           </a:xfrm>
-        </p:spPr>
-      </p:pic>
-      <p:sp>
-        <p:nvSpPr>
-          <p:cNvPr id="4" name="Text Placeholder 3"/>
-          <p:cNvSpPr>
-            <a:spLocks noGrp="1"/>
-          </p:cNvSpPr>
-          <p:nvPr>
-            <p:ph type="body" sz="half" idx="2"/>
-          </p:nvPr>
-        </p:nvSpPr>
-        <p:spPr>
-          <a:xfrm>
-            <a:off x="840918" y="2842491"/>
-            <a:ext cx="3832682" cy="1517074"/>
-          </a:xfrm>
-        </p:spPr>
-        <p:txBody>
-          <a:bodyPr>
-            <a:normAutofit/>
-          </a:bodyPr>
-          <a:lstStyle/>
-          <a:p>
-            <a:r>
-              <a:rPr lang="en-US" sz="1800" dirty="0" smtClean="0">
-                <a:solidFill>
-                  <a:schemeClr val="bg1"/>
-                </a:solidFill>
-                <a:latin typeface="Arial" panose="020B0604020202020204" pitchFamily="34" charset="0"/>
-                <a:cs typeface="Arial" panose="020B0604020202020204" pitchFamily="34" charset="0"/>
-              </a:rPr>
-              <a:t>ADO.NET is the latest Microsoft database access technology. It’s a set of classes that expose data access services.</a:t>
-            </a:r>
-            <a:endParaRPr lang="en-US" sz="1800" dirty="0">
-              <a:solidFill>
-                <a:schemeClr val="bg1"/>
-              </a:solidFill>
-              <a:latin typeface="Arial" panose="020B0604020202020204" pitchFamily="34" charset="0"/>
-              <a:cs typeface="Arial" panose="020B0604020202020204" pitchFamily="34" charset="0"/>
-            </a:endParaRPr>
-          </a:p>
-        </p:txBody>
-      </p:sp>
-      <p:sp>
-        <p:nvSpPr>
-          <p:cNvPr id="7" name="TextBox 6"/>
-          <p:cNvSpPr txBox="1"/>
-          <p:nvPr/>
-        </p:nvSpPr>
-        <p:spPr>
-          <a:xfrm>
-            <a:off x="5641843" y="1019744"/>
-            <a:ext cx="4904509" cy="369332"/>
-          </a:xfrm>
-          <a:prstGeom prst="rect">
+          <a:prstGeom prst="ellipse">
             <a:avLst/>
           </a:prstGeom>
-          <a:noFill/>
-        </p:spPr>
-        <p:txBody>
-          <a:bodyPr wrap="square" rtlCol="0" anchor="ctr">
-            <a:spAutoFit/>
-          </a:bodyPr>
-          <a:lstStyle/>
-          <a:p>
-            <a:pPr algn="ctr"/>
-            <a:r>
-              <a:rPr lang="en-US" dirty="0" smtClean="0">
-                <a:solidFill>
-                  <a:schemeClr val="accent6">
-                    <a:lumMod val="50000"/>
-                  </a:schemeClr>
-                </a:solidFill>
-              </a:rPr>
-              <a:t>C# demo source</a:t>
-            </a:r>
-            <a:endParaRPr lang="en-US" dirty="0">
-              <a:solidFill>
-                <a:schemeClr val="accent6">
-                  <a:lumMod val="50000"/>
-                </a:schemeClr>
-              </a:solidFill>
-            </a:endParaRPr>
-          </a:p>
-        </p:txBody>
-      </p:sp>
-      <p:pic>
-        <p:nvPicPr>
-          <p:cNvPr id="9" name="Picture 8"/>
-          <p:cNvPicPr>
-            <a:picLocks noChangeAspect="1"/>
-          </p:cNvPicPr>
-          <p:nvPr/>
-        </p:nvPicPr>
-        <p:blipFill>
-          <a:blip r:embed="rId3">
-            <a:extLst>
-              <a:ext uri="{28A0092B-C50C-407E-A947-70E740481C1C}">
-                <a14:useLocalDpi xmlns:a14="http://schemas.microsoft.com/office/drawing/2010/main" val="0"/>
-              </a:ext>
-            </a:extLst>
-          </a:blip>
-          <a:stretch>
-            <a:fillRect/>
-          </a:stretch>
-        </p:blipFill>
-        <p:spPr>
-          <a:xfrm>
-            <a:off x="6439123" y="2940113"/>
-            <a:ext cx="3810330" cy="3103055"/>
-          </a:xfrm>
-          <a:prstGeom prst="rect">
-            <a:avLst/>
-          </a:prstGeom>
+          <a:ln>
+            <a:noFill/>
+          </a:ln>
+          <a:effectLst>
+            <a:softEdge rad="112500"/>
+          </a:effectLst>
         </p:spPr>
       </p:pic>
     </p:spTree>
     <p:extLst>
       <p:ext uri="{BB962C8B-B14F-4D97-AF65-F5344CB8AC3E}">
-        <p14:creationId xmlns:p14="http://schemas.microsoft.com/office/powerpoint/2010/main" val="9675751"/>
+        <p14:creationId xmlns:p14="http://schemas.microsoft.com/office/powerpoint/2010/main" val="1069645247"/>
       </p:ext>
     </p:extLst>
   </p:cSld>

--- a/Databases_and_EntityFrameworkCore.pptx
+++ b/Databases_and_EntityFrameworkCore.pptx
@@ -5,7 +5,7 @@
     <p:sldMasterId id="2147483660" r:id="rId1"/>
   </p:sldMasterIdLst>
   <p:notesMasterIdLst>
-    <p:notesMasterId r:id="rId28"/>
+    <p:notesMasterId r:id="rId29"/>
   </p:notesMasterIdLst>
   <p:sldIdLst>
     <p:sldId id="256" r:id="rId2"/>
@@ -13,27 +13,28 @@
     <p:sldId id="281" r:id="rId4"/>
     <p:sldId id="257" r:id="rId5"/>
     <p:sldId id="258" r:id="rId6"/>
-    <p:sldId id="259" r:id="rId7"/>
-    <p:sldId id="260" r:id="rId8"/>
-    <p:sldId id="280" r:id="rId9"/>
-    <p:sldId id="282" r:id="rId10"/>
-    <p:sldId id="262" r:id="rId11"/>
-    <p:sldId id="285" r:id="rId12"/>
-    <p:sldId id="283" r:id="rId13"/>
-    <p:sldId id="263" r:id="rId14"/>
-    <p:sldId id="264" r:id="rId15"/>
-    <p:sldId id="284" r:id="rId16"/>
-    <p:sldId id="265" r:id="rId17"/>
-    <p:sldId id="278" r:id="rId18"/>
-    <p:sldId id="277" r:id="rId19"/>
-    <p:sldId id="267" r:id="rId20"/>
-    <p:sldId id="266" r:id="rId21"/>
-    <p:sldId id="269" r:id="rId22"/>
-    <p:sldId id="268" r:id="rId23"/>
-    <p:sldId id="272" r:id="rId24"/>
-    <p:sldId id="276" r:id="rId25"/>
-    <p:sldId id="270" r:id="rId26"/>
-    <p:sldId id="271" r:id="rId27"/>
+    <p:sldId id="260" r:id="rId7"/>
+    <p:sldId id="280" r:id="rId8"/>
+    <p:sldId id="282" r:id="rId9"/>
+    <p:sldId id="262" r:id="rId10"/>
+    <p:sldId id="285" r:id="rId11"/>
+    <p:sldId id="283" r:id="rId12"/>
+    <p:sldId id="263" r:id="rId13"/>
+    <p:sldId id="264" r:id="rId14"/>
+    <p:sldId id="286" r:id="rId15"/>
+    <p:sldId id="287" r:id="rId16"/>
+    <p:sldId id="284" r:id="rId17"/>
+    <p:sldId id="265" r:id="rId18"/>
+    <p:sldId id="278" r:id="rId19"/>
+    <p:sldId id="277" r:id="rId20"/>
+    <p:sldId id="267" r:id="rId21"/>
+    <p:sldId id="266" r:id="rId22"/>
+    <p:sldId id="269" r:id="rId23"/>
+    <p:sldId id="268" r:id="rId24"/>
+    <p:sldId id="272" r:id="rId25"/>
+    <p:sldId id="276" r:id="rId26"/>
+    <p:sldId id="270" r:id="rId27"/>
+    <p:sldId id="271" r:id="rId28"/>
   </p:sldIdLst>
   <p:sldSz cx="12192000" cy="6858000"/>
   <p:notesSz cx="6858000" cy="9144000"/>
@@ -142,7 +143,6 @@
             <p14:sldId id="281"/>
             <p14:sldId id="257"/>
             <p14:sldId id="258"/>
-            <p14:sldId id="259"/>
             <p14:sldId id="260"/>
             <p14:sldId id="280"/>
             <p14:sldId id="282"/>
@@ -151,6 +151,8 @@
             <p14:sldId id="283"/>
             <p14:sldId id="263"/>
             <p14:sldId id="264"/>
+            <p14:sldId id="286"/>
+            <p14:sldId id="287"/>
             <p14:sldId id="284"/>
             <p14:sldId id="265"/>
             <p14:sldId id="278"/>
@@ -282,7 +284,7 @@
           <a:p>
             <a:fld id="{E90F1D5F-DFB3-4BE8-B292-C9F8DF07B94B}" type="datetimeFigureOut">
               <a:rPr lang="en-US" smtClean="0"/>
-              <a:t>10/21/2021</a:t>
+              <a:t>10/22/2021</a:t>
             </a:fld>
             <a:endParaRPr lang="en-US"/>
           </a:p>
@@ -885,7 +887,7 @@
           <a:p>
             <a:fld id="{87DD66F1-7FC0-403D-82FE-3DDCE4AD2CCB}" type="datetimeFigureOut">
               <a:rPr lang="en-US" smtClean="0"/>
-              <a:t>10/21/2021</a:t>
+              <a:t>10/22/2021</a:t>
             </a:fld>
             <a:endParaRPr lang="en-US" dirty="0"/>
           </a:p>
@@ -1973,7 +1975,7 @@
           <a:p>
             <a:fld id="{87DD66F1-7FC0-403D-82FE-3DDCE4AD2CCB}" type="datetimeFigureOut">
               <a:rPr lang="en-US" smtClean="0"/>
-              <a:t>10/21/2021</a:t>
+              <a:t>10/22/2021</a:t>
             </a:fld>
             <a:endParaRPr lang="en-US" dirty="0"/>
           </a:p>
@@ -2953,7 +2955,7 @@
           <a:p>
             <a:fld id="{87DD66F1-7FC0-403D-82FE-3DDCE4AD2CCB}" type="datetimeFigureOut">
               <a:rPr lang="en-US" smtClean="0"/>
-              <a:t>10/21/2021</a:t>
+              <a:t>10/22/2021</a:t>
             </a:fld>
             <a:endParaRPr lang="en-US" dirty="0"/>
           </a:p>
@@ -4087,7 +4089,7 @@
           <a:p>
             <a:fld id="{87DD66F1-7FC0-403D-82FE-3DDCE4AD2CCB}" type="datetimeFigureOut">
               <a:rPr lang="en-US" smtClean="0"/>
-              <a:t>10/21/2021</a:t>
+              <a:t>10/22/2021</a:t>
             </a:fld>
             <a:endParaRPr lang="en-US" dirty="0"/>
           </a:p>
@@ -5120,7 +5122,7 @@
           <a:p>
             <a:fld id="{87DD66F1-7FC0-403D-82FE-3DDCE4AD2CCB}" type="datetimeFigureOut">
               <a:rPr lang="en-US" smtClean="0"/>
-              <a:t>10/21/2021</a:t>
+              <a:t>10/22/2021</a:t>
             </a:fld>
             <a:endParaRPr lang="en-US" dirty="0"/>
           </a:p>
@@ -5780,7 +5782,7 @@
           <a:p>
             <a:fld id="{87DD66F1-7FC0-403D-82FE-3DDCE4AD2CCB}" type="datetimeFigureOut">
               <a:rPr lang="en-US" smtClean="0"/>
-              <a:t>10/21/2021</a:t>
+              <a:t>10/22/2021</a:t>
             </a:fld>
             <a:endParaRPr lang="en-US" dirty="0"/>
           </a:p>
@@ -6641,7 +6643,7 @@
           <a:p>
             <a:fld id="{87DD66F1-7FC0-403D-82FE-3DDCE4AD2CCB}" type="datetimeFigureOut">
               <a:rPr lang="en-US" smtClean="0"/>
-              <a:t>10/21/2021</a:t>
+              <a:t>10/22/2021</a:t>
             </a:fld>
             <a:endParaRPr lang="en-US" dirty="0"/>
           </a:p>
@@ -6831,7 +6833,7 @@
           <a:p>
             <a:fld id="{87DD66F1-7FC0-403D-82FE-3DDCE4AD2CCB}" type="datetimeFigureOut">
               <a:rPr lang="en-US" smtClean="0"/>
-              <a:t>10/21/2021</a:t>
+              <a:t>10/22/2021</a:t>
             </a:fld>
             <a:endParaRPr lang="en-US" dirty="0"/>
           </a:p>
@@ -7803,7 +7805,7 @@
           <a:p>
             <a:fld id="{87DD66F1-7FC0-403D-82FE-3DDCE4AD2CCB}" type="datetimeFigureOut">
               <a:rPr lang="en-US" smtClean="0"/>
-              <a:t>10/21/2021</a:t>
+              <a:t>10/22/2021</a:t>
             </a:fld>
             <a:endParaRPr lang="en-US" dirty="0"/>
           </a:p>
@@ -8014,7 +8016,7 @@
           <a:p>
             <a:fld id="{87DD66F1-7FC0-403D-82FE-3DDCE4AD2CCB}" type="datetimeFigureOut">
               <a:rPr lang="en-US" smtClean="0"/>
-              <a:t>10/21/2021</a:t>
+              <a:t>10/22/2021</a:t>
             </a:fld>
             <a:endParaRPr lang="en-US" dirty="0"/>
           </a:p>
@@ -9048,7 +9050,7 @@
           <a:p>
             <a:fld id="{87DD66F1-7FC0-403D-82FE-3DDCE4AD2CCB}" type="datetimeFigureOut">
               <a:rPr lang="en-US" smtClean="0"/>
-              <a:t>10/21/2021</a:t>
+              <a:t>10/22/2021</a:t>
             </a:fld>
             <a:endParaRPr lang="en-US" dirty="0"/>
           </a:p>
@@ -9320,7 +9322,7 @@
           <a:p>
             <a:fld id="{87DD66F1-7FC0-403D-82FE-3DDCE4AD2CCB}" type="datetimeFigureOut">
               <a:rPr lang="en-US" smtClean="0"/>
-              <a:t>10/21/2021</a:t>
+              <a:t>10/22/2021</a:t>
             </a:fld>
             <a:endParaRPr lang="en-US" dirty="0"/>
           </a:p>
@@ -9730,7 +9732,7 @@
           <a:p>
             <a:fld id="{87DD66F1-7FC0-403D-82FE-3DDCE4AD2CCB}" type="datetimeFigureOut">
               <a:rPr lang="en-US" smtClean="0"/>
-              <a:t>10/21/2021</a:t>
+              <a:t>10/22/2021</a:t>
             </a:fld>
             <a:endParaRPr lang="en-US" dirty="0"/>
           </a:p>
@@ -9857,7 +9859,7 @@
           <a:p>
             <a:fld id="{87DD66F1-7FC0-403D-82FE-3DDCE4AD2CCB}" type="datetimeFigureOut">
               <a:rPr lang="en-US" smtClean="0"/>
-              <a:t>10/21/2021</a:t>
+              <a:t>10/22/2021</a:t>
             </a:fld>
             <a:endParaRPr lang="en-US" dirty="0"/>
           </a:p>
@@ -9952,7 +9954,7 @@
           <a:p>
             <a:fld id="{87DD66F1-7FC0-403D-82FE-3DDCE4AD2CCB}" type="datetimeFigureOut">
               <a:rPr lang="en-US" smtClean="0"/>
-              <a:t>10/21/2021</a:t>
+              <a:t>10/22/2021</a:t>
             </a:fld>
             <a:endParaRPr lang="en-US" dirty="0"/>
           </a:p>
@@ -11033,7 +11035,7 @@
           <a:p>
             <a:fld id="{87DD66F1-7FC0-403D-82FE-3DDCE4AD2CCB}" type="datetimeFigureOut">
               <a:rPr lang="en-US" smtClean="0"/>
-              <a:t>10/21/2021</a:t>
+              <a:t>10/22/2021</a:t>
             </a:fld>
             <a:endParaRPr lang="en-US" dirty="0"/>
           </a:p>
@@ -12141,7 +12143,7 @@
           <a:p>
             <a:fld id="{87DD66F1-7FC0-403D-82FE-3DDCE4AD2CCB}" type="datetimeFigureOut">
               <a:rPr lang="en-US" smtClean="0"/>
-              <a:t>10/21/2021</a:t>
+              <a:t>10/22/2021</a:t>
             </a:fld>
             <a:endParaRPr lang="en-US" dirty="0"/>
           </a:p>
@@ -13138,7 +13140,7 @@
           <a:p>
             <a:fld id="{87DD66F1-7FC0-403D-82FE-3DDCE4AD2CCB}" type="datetimeFigureOut">
               <a:rPr lang="en-US" smtClean="0"/>
-              <a:t>10/21/2021</a:t>
+              <a:t>10/22/2021</a:t>
             </a:fld>
             <a:endParaRPr lang="en-US" dirty="0"/>
           </a:p>
@@ -13791,191 +13793,6 @@
         </p:nvSpPr>
         <p:spPr>
           <a:xfrm>
-            <a:off x="1240606" y="2063711"/>
-            <a:ext cx="2940939" cy="577273"/>
-          </a:xfrm>
-        </p:spPr>
-        <p:txBody>
-          <a:bodyPr/>
-          <a:lstStyle/>
-          <a:p>
-            <a:r>
-              <a:rPr lang="en-US" sz="3200" dirty="0" smtClean="0">
-                <a:latin typeface="Arial" panose="020B0604020202020204" pitchFamily="34" charset="0"/>
-                <a:cs typeface="Arial" panose="020B0604020202020204" pitchFamily="34" charset="0"/>
-              </a:rPr>
-              <a:t>ADO.NET</a:t>
-            </a:r>
-            <a:endParaRPr lang="en-US" sz="3200" dirty="0">
-              <a:latin typeface="Arial" panose="020B0604020202020204" pitchFamily="34" charset="0"/>
-              <a:cs typeface="Arial" panose="020B0604020202020204" pitchFamily="34" charset="0"/>
-            </a:endParaRPr>
-          </a:p>
-        </p:txBody>
-      </p:sp>
-      <p:pic>
-        <p:nvPicPr>
-          <p:cNvPr id="5" name="Content Placeholder 4"/>
-          <p:cNvPicPr>
-            <a:picLocks noGrp="1" noChangeAspect="1"/>
-          </p:cNvPicPr>
-          <p:nvPr>
-            <p:ph idx="1"/>
-          </p:nvPr>
-        </p:nvPicPr>
-        <p:blipFill>
-          <a:blip r:embed="rId2">
-            <a:extLst>
-              <a:ext uri="{28A0092B-C50C-407E-A947-70E740481C1C}">
-                <a14:useLocalDpi xmlns:a14="http://schemas.microsoft.com/office/drawing/2010/main" val="0"/>
-              </a:ext>
-            </a:extLst>
-          </a:blip>
-          <a:stretch>
-            <a:fillRect/>
-          </a:stretch>
-        </p:blipFill>
-        <p:spPr>
-          <a:xfrm>
-            <a:off x="5265528" y="2890367"/>
-            <a:ext cx="6366528" cy="1469198"/>
-          </a:xfrm>
-        </p:spPr>
-      </p:pic>
-      <p:sp>
-        <p:nvSpPr>
-          <p:cNvPr id="4" name="Text Placeholder 3"/>
-          <p:cNvSpPr>
-            <a:spLocks noGrp="1"/>
-          </p:cNvSpPr>
-          <p:nvPr>
-            <p:ph type="body" sz="half" idx="2"/>
-          </p:nvPr>
-        </p:nvSpPr>
-        <p:spPr>
-          <a:xfrm>
-            <a:off x="840918" y="2842491"/>
-            <a:ext cx="3832682" cy="1517074"/>
-          </a:xfrm>
-        </p:spPr>
-        <p:txBody>
-          <a:bodyPr>
-            <a:normAutofit/>
-          </a:bodyPr>
-          <a:lstStyle/>
-          <a:p>
-            <a:r>
-              <a:rPr lang="en-US" sz="1800" dirty="0" smtClean="0">
-                <a:solidFill>
-                  <a:schemeClr val="bg1"/>
-                </a:solidFill>
-                <a:latin typeface="Arial" panose="020B0604020202020204" pitchFamily="34" charset="0"/>
-                <a:cs typeface="Arial" panose="020B0604020202020204" pitchFamily="34" charset="0"/>
-              </a:rPr>
-              <a:t>ADO.NET is the latest Microsoft database access technology. It’s a set of classes that expose data access services.</a:t>
-            </a:r>
-            <a:endParaRPr lang="en-US" sz="1800" dirty="0">
-              <a:solidFill>
-                <a:schemeClr val="bg1"/>
-              </a:solidFill>
-              <a:latin typeface="Arial" panose="020B0604020202020204" pitchFamily="34" charset="0"/>
-              <a:cs typeface="Arial" panose="020B0604020202020204" pitchFamily="34" charset="0"/>
-            </a:endParaRPr>
-          </a:p>
-        </p:txBody>
-      </p:sp>
-      <p:sp>
-        <p:nvSpPr>
-          <p:cNvPr id="7" name="TextBox 6"/>
-          <p:cNvSpPr txBox="1"/>
-          <p:nvPr/>
-        </p:nvSpPr>
-        <p:spPr>
-          <a:xfrm>
-            <a:off x="5607009" y="1906071"/>
-            <a:ext cx="4904509" cy="523220"/>
-          </a:xfrm>
-          <a:prstGeom prst="rect">
-            <a:avLst/>
-          </a:prstGeom>
-          <a:noFill/>
-        </p:spPr>
-        <p:txBody>
-          <a:bodyPr wrap="square" rtlCol="0" anchor="ctr">
-            <a:spAutoFit/>
-          </a:bodyPr>
-          <a:lstStyle/>
-          <a:p>
-            <a:pPr algn="ctr"/>
-            <a:r>
-              <a:rPr lang="en-US" sz="2800" dirty="0" smtClean="0">
-                <a:solidFill>
-                  <a:schemeClr val="accent6">
-                    <a:lumMod val="50000"/>
-                  </a:schemeClr>
-                </a:solidFill>
-              </a:rPr>
-              <a:t>C# demo source</a:t>
-            </a:r>
-            <a:endParaRPr lang="en-US" sz="2800" dirty="0">
-              <a:solidFill>
-                <a:schemeClr val="accent6">
-                  <a:lumMod val="50000"/>
-                </a:schemeClr>
-              </a:solidFill>
-            </a:endParaRPr>
-          </a:p>
-        </p:txBody>
-      </p:sp>
-    </p:spTree>
-    <p:extLst>
-      <p:ext uri="{BB962C8B-B14F-4D97-AF65-F5344CB8AC3E}">
-        <p14:creationId xmlns:p14="http://schemas.microsoft.com/office/powerpoint/2010/main" val="9675751"/>
-      </p:ext>
-    </p:extLst>
-  </p:cSld>
-  <p:clrMapOvr>
-    <a:masterClrMapping/>
-  </p:clrMapOvr>
-  <p:timing>
-    <p:tnLst>
-      <p:par>
-        <p:cTn id="1" dur="indefinite" restart="never" nodeType="tmRoot"/>
-      </p:par>
-    </p:tnLst>
-  </p:timing>
-</p:sld>
-</file>
-
-<file path=ppt/slides/slide11.xml><?xml version="1.0" encoding="utf-8"?>
-<p:sld xmlns:a="http://schemas.openxmlformats.org/drawingml/2006/main" xmlns:r="http://schemas.openxmlformats.org/officeDocument/2006/relationships" xmlns:p="http://schemas.openxmlformats.org/presentationml/2006/main">
-  <p:cSld>
-    <p:spTree>
-      <p:nvGrpSpPr>
-        <p:cNvPr id="1" name=""/>
-        <p:cNvGrpSpPr/>
-        <p:nvPr/>
-      </p:nvGrpSpPr>
-      <p:grpSpPr>
-        <a:xfrm>
-          <a:off x="0" y="0"/>
-          <a:ext cx="0" cy="0"/>
-          <a:chOff x="0" y="0"/>
-          <a:chExt cx="0" cy="0"/>
-        </a:xfrm>
-      </p:grpSpPr>
-      <p:sp>
-        <p:nvSpPr>
-          <p:cNvPr id="2" name="Title 1"/>
-          <p:cNvSpPr>
-            <a:spLocks noGrp="1"/>
-          </p:cNvSpPr>
-          <p:nvPr>
-            <p:ph type="title"/>
-          </p:nvPr>
-        </p:nvSpPr>
-        <p:spPr>
-          <a:xfrm>
             <a:off x="1242041" y="2299063"/>
             <a:ext cx="3865134" cy="607423"/>
           </a:xfrm>
@@ -14158,7 +13975,7 @@
 </p:sld>
 </file>
 
-<file path=ppt/slides/slide12.xml><?xml version="1.0" encoding="utf-8"?>
+<file path=ppt/slides/slide11.xml><?xml version="1.0" encoding="utf-8"?>
 <p:sld xmlns:a="http://schemas.openxmlformats.org/drawingml/2006/main" xmlns:r="http://schemas.openxmlformats.org/officeDocument/2006/relationships" xmlns:p="http://schemas.openxmlformats.org/presentationml/2006/main">
   <p:cSld>
     <p:spTree>
@@ -14259,7 +14076,7 @@
         </p:blipFill>
         <p:spPr>
           <a:xfrm>
-            <a:off x="4493619" y="678356"/>
+            <a:off x="4659082" y="687064"/>
             <a:ext cx="2743201" cy="3236307"/>
           </a:xfrm>
           <a:prstGeom prst="rect">
@@ -14317,7 +14134,7 @@
 </p:sld>
 </file>
 
-<file path=ppt/slides/slide13.xml><?xml version="1.0" encoding="utf-8"?>
+<file path=ppt/slides/slide12.xml><?xml version="1.0" encoding="utf-8"?>
 <p:sld xmlns:a="http://schemas.openxmlformats.org/drawingml/2006/main" xmlns:r="http://schemas.openxmlformats.org/officeDocument/2006/relationships" xmlns:p="http://schemas.openxmlformats.org/presentationml/2006/main">
   <p:cSld>
     <p:spTree>
@@ -14462,7 +14279,7 @@
 </p:sld>
 </file>
 
-<file path=ppt/slides/slide14.xml><?xml version="1.0" encoding="utf-8"?>
+<file path=ppt/slides/slide13.xml><?xml version="1.0" encoding="utf-8"?>
 <p:sld xmlns:a="http://schemas.openxmlformats.org/drawingml/2006/main" xmlns:r="http://schemas.openxmlformats.org/officeDocument/2006/relationships" xmlns:p="http://schemas.openxmlformats.org/presentationml/2006/main">
   <p:cSld>
     <p:spTree>
@@ -14519,8 +14336,8 @@
         </p:nvSpPr>
         <p:spPr>
           <a:xfrm>
-            <a:off x="1025236" y="3565236"/>
-            <a:ext cx="3980873" cy="1782619"/>
+            <a:off x="1063336" y="3401356"/>
+            <a:ext cx="3980873" cy="2223860"/>
           </a:xfrm>
           <a:prstGeom prst="rect">
             <a:avLst/>
@@ -14788,8 +14605,28 @@
                 <a:latin typeface="Arial" panose="020B0604020202020204" pitchFamily="34" charset="0"/>
                 <a:cs typeface="Arial" panose="020B0604020202020204" pitchFamily="34" charset="0"/>
               </a:rPr>
-              <a:t>Application Maintainability</a:t>
+              <a:t>Application </a:t>
             </a:r>
+            <a:r>
+              <a:rPr lang="en-US" sz="2000" dirty="0" smtClean="0">
+                <a:latin typeface="Arial" panose="020B0604020202020204" pitchFamily="34" charset="0"/>
+                <a:cs typeface="Arial" panose="020B0604020202020204" pitchFamily="34" charset="0"/>
+              </a:rPr>
+              <a:t>Maintainability</a:t>
+            </a:r>
+          </a:p>
+          <a:p>
+            <a:r>
+              <a:rPr lang="en-US" sz="2000" dirty="0" smtClean="0">
+                <a:latin typeface="Arial" panose="020B0604020202020204" pitchFamily="34" charset="0"/>
+                <a:cs typeface="Arial" panose="020B0604020202020204" pitchFamily="34" charset="0"/>
+              </a:rPr>
+              <a:t>Focus on OOP</a:t>
+            </a:r>
+            <a:endParaRPr lang="en-US" sz="2000" dirty="0" smtClean="0">
+              <a:latin typeface="Arial" panose="020B0604020202020204" pitchFamily="34" charset="0"/>
+              <a:cs typeface="Arial" panose="020B0604020202020204" pitchFamily="34" charset="0"/>
+            </a:endParaRPr>
           </a:p>
           <a:p>
             <a:endParaRPr lang="en-US" dirty="0" smtClean="0"/>
@@ -14801,7 +14638,7 @@
       </p:sp>
       <p:pic>
         <p:nvPicPr>
-          <p:cNvPr id="5" name="Picture 4"/>
+          <p:cNvPr id="3" name="Picture 2"/>
           <p:cNvPicPr>
             <a:picLocks noChangeAspect="1"/>
           </p:cNvPicPr>
@@ -14821,27 +14658,17 @@
         </p:blipFill>
         <p:spPr>
           <a:xfrm>
-            <a:off x="6160594" y="2524707"/>
-            <a:ext cx="4046571" cy="3863675"/>
+            <a:off x="5608320" y="3237477"/>
+            <a:ext cx="5497392" cy="2551619"/>
           </a:xfrm>
-          <a:prstGeom prst="round2DiagRect">
-            <a:avLst>
-              <a:gd name="adj1" fmla="val 16667"/>
-              <a:gd name="adj2" fmla="val 0"/>
-            </a:avLst>
+          <a:prstGeom prst="ellipse">
+            <a:avLst/>
           </a:prstGeom>
-          <a:ln w="88900" cap="sq">
-            <a:solidFill>
-              <a:srgbClr val="FFFFFF"/>
-            </a:solidFill>
-            <a:miter lim="800000"/>
+          <a:ln>
+            <a:noFill/>
           </a:ln>
           <a:effectLst>
-            <a:outerShdw blurRad="254000" algn="tl" rotWithShape="0">
-              <a:srgbClr val="000000">
-                <a:alpha val="43000"/>
-              </a:srgbClr>
-            </a:outerShdw>
+            <a:softEdge rad="112500"/>
           </a:effectLst>
         </p:spPr>
       </p:pic>
@@ -14865,7 +14692,250 @@
 </p:sld>
 </file>
 
+<file path=ppt/slides/slide14.xml><?xml version="1.0" encoding="utf-8"?>
+<p:sld xmlns:a="http://schemas.openxmlformats.org/drawingml/2006/main" xmlns:r="http://schemas.openxmlformats.org/officeDocument/2006/relationships" xmlns:p="http://schemas.openxmlformats.org/presentationml/2006/main">
+  <p:cSld>
+    <p:spTree>
+      <p:nvGrpSpPr>
+        <p:cNvPr id="1" name=""/>
+        <p:cNvGrpSpPr/>
+        <p:nvPr/>
+      </p:nvGrpSpPr>
+      <p:grpSpPr>
+        <a:xfrm>
+          <a:off x="0" y="0"/>
+          <a:ext cx="0" cy="0"/>
+          <a:chOff x="0" y="0"/>
+          <a:chExt cx="0" cy="0"/>
+        </a:xfrm>
+      </p:grpSpPr>
+      <p:sp>
+        <p:nvSpPr>
+          <p:cNvPr id="2" name="Title 1"/>
+          <p:cNvSpPr>
+            <a:spLocks noGrp="1"/>
+          </p:cNvSpPr>
+          <p:nvPr>
+            <p:ph type="title"/>
+          </p:nvPr>
+        </p:nvSpPr>
+        <p:spPr>
+          <a:xfrm>
+            <a:off x="1349057" y="2940503"/>
+            <a:ext cx="3865134" cy="633549"/>
+          </a:xfrm>
+        </p:spPr>
+        <p:txBody>
+          <a:bodyPr>
+            <a:normAutofit fontScale="90000"/>
+          </a:bodyPr>
+          <a:lstStyle/>
+          <a:p>
+            <a:r>
+              <a:rPr lang="en-US" dirty="0" smtClean="0">
+                <a:latin typeface="Arial" panose="020B0604020202020204" pitchFamily="34" charset="0"/>
+                <a:cs typeface="Arial" panose="020B0604020202020204" pitchFamily="34" charset="0"/>
+              </a:rPr>
+              <a:t>What is the reality?</a:t>
+            </a:r>
+            <a:endParaRPr lang="en-US" dirty="0">
+              <a:latin typeface="Arial" panose="020B0604020202020204" pitchFamily="34" charset="0"/>
+              <a:cs typeface="Arial" panose="020B0604020202020204" pitchFamily="34" charset="0"/>
+            </a:endParaRPr>
+          </a:p>
+        </p:txBody>
+      </p:sp>
+      <p:pic>
+        <p:nvPicPr>
+          <p:cNvPr id="8" name="Picture 7"/>
+          <p:cNvPicPr>
+            <a:picLocks noChangeAspect="1"/>
+          </p:cNvPicPr>
+          <p:nvPr/>
+        </p:nvPicPr>
+        <p:blipFill>
+          <a:blip r:embed="rId2" cstate="print">
+            <a:extLst>
+              <a:ext uri="{28A0092B-C50C-407E-A947-70E740481C1C}">
+                <a14:useLocalDpi xmlns:a14="http://schemas.microsoft.com/office/drawing/2010/main" val="0"/>
+              </a:ext>
+            </a:extLst>
+          </a:blip>
+          <a:stretch>
+            <a:fillRect/>
+          </a:stretch>
+        </p:blipFill>
+        <p:spPr>
+          <a:xfrm>
+            <a:off x="6605507" y="1632040"/>
+            <a:ext cx="4425267" cy="3884023"/>
+          </a:xfrm>
+          <a:prstGeom prst="rect">
+            <a:avLst/>
+          </a:prstGeom>
+        </p:spPr>
+      </p:pic>
+    </p:spTree>
+    <p:extLst>
+      <p:ext uri="{BB962C8B-B14F-4D97-AF65-F5344CB8AC3E}">
+        <p14:creationId xmlns:p14="http://schemas.microsoft.com/office/powerpoint/2010/main" val="1281454293"/>
+      </p:ext>
+    </p:extLst>
+  </p:cSld>
+  <p:clrMapOvr>
+    <a:masterClrMapping/>
+  </p:clrMapOvr>
+</p:sld>
+</file>
+
 <file path=ppt/slides/slide15.xml><?xml version="1.0" encoding="utf-8"?>
+<p:sld xmlns:a="http://schemas.openxmlformats.org/drawingml/2006/main" xmlns:r="http://schemas.openxmlformats.org/officeDocument/2006/relationships" xmlns:p="http://schemas.openxmlformats.org/presentationml/2006/main">
+  <p:cSld>
+    <p:spTree>
+      <p:nvGrpSpPr>
+        <p:cNvPr id="1" name=""/>
+        <p:cNvGrpSpPr/>
+        <p:nvPr/>
+      </p:nvGrpSpPr>
+      <p:grpSpPr>
+        <a:xfrm>
+          <a:off x="0" y="0"/>
+          <a:ext cx="0" cy="0"/>
+          <a:chOff x="0" y="0"/>
+          <a:chExt cx="0" cy="0"/>
+        </a:xfrm>
+      </p:grpSpPr>
+      <p:sp>
+        <p:nvSpPr>
+          <p:cNvPr id="2" name="Title 1"/>
+          <p:cNvSpPr>
+            <a:spLocks noGrp="1"/>
+          </p:cNvSpPr>
+          <p:nvPr>
+            <p:ph type="title"/>
+          </p:nvPr>
+        </p:nvSpPr>
+        <p:spPr/>
+        <p:txBody>
+          <a:bodyPr/>
+          <a:lstStyle/>
+          <a:p>
+            <a:pPr algn="ctr"/>
+            <a:r>
+              <a:rPr lang="en-US" dirty="0" smtClean="0">
+                <a:latin typeface="Arial" panose="020B0604020202020204" pitchFamily="34" charset="0"/>
+                <a:cs typeface="Arial" panose="020B0604020202020204" pitchFamily="34" charset="0"/>
+              </a:rPr>
+              <a:t>ORM downsides</a:t>
+            </a:r>
+            <a:endParaRPr lang="en-US" dirty="0">
+              <a:latin typeface="Arial" panose="020B0604020202020204" pitchFamily="34" charset="0"/>
+              <a:cs typeface="Arial" panose="020B0604020202020204" pitchFamily="34" charset="0"/>
+            </a:endParaRPr>
+          </a:p>
+        </p:txBody>
+      </p:sp>
+      <p:sp>
+        <p:nvSpPr>
+          <p:cNvPr id="4" name="Content Placeholder 3"/>
+          <p:cNvSpPr>
+            <a:spLocks noGrp="1"/>
+          </p:cNvSpPr>
+          <p:nvPr>
+            <p:ph sz="half" idx="2"/>
+          </p:nvPr>
+        </p:nvSpPr>
+        <p:spPr/>
+        <p:txBody>
+          <a:bodyPr>
+            <a:normAutofit/>
+          </a:bodyPr>
+          <a:lstStyle/>
+          <a:p>
+            <a:r>
+              <a:rPr lang="en-US" sz="2000" dirty="0" smtClean="0">
+                <a:latin typeface="Arial" panose="020B0604020202020204" pitchFamily="34" charset="0"/>
+                <a:cs typeface="Arial" panose="020B0604020202020204" pitchFamily="34" charset="0"/>
+              </a:rPr>
+              <a:t>Vendor lock-in</a:t>
+            </a:r>
+          </a:p>
+          <a:p>
+            <a:r>
+              <a:rPr lang="en-US" sz="2000" dirty="0" smtClean="0">
+                <a:latin typeface="Arial" panose="020B0604020202020204" pitchFamily="34" charset="0"/>
+                <a:cs typeface="Arial" panose="020B0604020202020204" pitchFamily="34" charset="0"/>
+              </a:rPr>
+              <a:t>Performance in complex queries</a:t>
+            </a:r>
+          </a:p>
+          <a:p>
+            <a:r>
+              <a:rPr lang="en-US" sz="2000" dirty="0" smtClean="0">
+                <a:latin typeface="Arial" panose="020B0604020202020204" pitchFamily="34" charset="0"/>
+                <a:cs typeface="Arial" panose="020B0604020202020204" pitchFamily="34" charset="0"/>
+              </a:rPr>
+              <a:t>Limitations</a:t>
+            </a:r>
+          </a:p>
+          <a:p>
+            <a:r>
+              <a:rPr lang="en-US" sz="2000" dirty="0" smtClean="0">
+                <a:latin typeface="Arial" panose="020B0604020202020204" pitchFamily="34" charset="0"/>
+                <a:cs typeface="Arial" panose="020B0604020202020204" pitchFamily="34" charset="0"/>
+              </a:rPr>
+              <a:t>Tuning</a:t>
+            </a:r>
+            <a:endParaRPr lang="en-US" sz="2000" dirty="0">
+              <a:latin typeface="Arial" panose="020B0604020202020204" pitchFamily="34" charset="0"/>
+              <a:cs typeface="Arial" panose="020B0604020202020204" pitchFamily="34" charset="0"/>
+            </a:endParaRPr>
+          </a:p>
+        </p:txBody>
+      </p:sp>
+      <p:pic>
+        <p:nvPicPr>
+          <p:cNvPr id="7" name="Content Placeholder 6"/>
+          <p:cNvPicPr>
+            <a:picLocks noGrp="1" noChangeAspect="1"/>
+          </p:cNvPicPr>
+          <p:nvPr>
+            <p:ph sz="quarter" idx="4"/>
+          </p:nvPr>
+        </p:nvPicPr>
+        <p:blipFill>
+          <a:blip r:embed="rId2">
+            <a:extLst>
+              <a:ext uri="{28A0092B-C50C-407E-A947-70E740481C1C}">
+                <a14:useLocalDpi xmlns:a14="http://schemas.microsoft.com/office/drawing/2010/main" val="0"/>
+              </a:ext>
+            </a:extLst>
+          </a:blip>
+          <a:stretch>
+            <a:fillRect/>
+          </a:stretch>
+        </p:blipFill>
+        <p:spPr>
+          <a:xfrm>
+            <a:off x="6649244" y="2534193"/>
+            <a:ext cx="4094956" cy="3814356"/>
+          </a:xfrm>
+        </p:spPr>
+      </p:pic>
+    </p:spTree>
+    <p:extLst>
+      <p:ext uri="{BB962C8B-B14F-4D97-AF65-F5344CB8AC3E}">
+        <p14:creationId xmlns:p14="http://schemas.microsoft.com/office/powerpoint/2010/main" val="558846340"/>
+      </p:ext>
+    </p:extLst>
+  </p:cSld>
+  <p:clrMapOvr>
+    <a:masterClrMapping/>
+  </p:clrMapOvr>
+</p:sld>
+</file>
+
+<file path=ppt/slides/slide16.xml><?xml version="1.0" encoding="utf-8"?>
 <p:sld xmlns:a="http://schemas.openxmlformats.org/drawingml/2006/main" xmlns:r="http://schemas.openxmlformats.org/officeDocument/2006/relationships" xmlns:p="http://schemas.openxmlformats.org/presentationml/2006/main">
   <p:cSld>
     <p:spTree>
@@ -15003,7 +15073,7 @@
 </p:sld>
 </file>
 
-<file path=ppt/slides/slide16.xml><?xml version="1.0" encoding="utf-8"?>
+<file path=ppt/slides/slide17.xml><?xml version="1.0" encoding="utf-8"?>
 <p:sld xmlns:a="http://schemas.openxmlformats.org/drawingml/2006/main" xmlns:r="http://schemas.openxmlformats.org/officeDocument/2006/relationships" xmlns:p="http://schemas.openxmlformats.org/presentationml/2006/main">
   <p:cSld>
     <p:spTree>
@@ -15154,7 +15224,7 @@
 </p:sld>
 </file>
 
-<file path=ppt/slides/slide17.xml><?xml version="1.0" encoding="utf-8"?>
+<file path=ppt/slides/slide18.xml><?xml version="1.0" encoding="utf-8"?>
 <p:sld xmlns:a="http://schemas.openxmlformats.org/drawingml/2006/main" xmlns:r="http://schemas.openxmlformats.org/officeDocument/2006/relationships" xmlns:p="http://schemas.openxmlformats.org/presentationml/2006/main">
   <p:cSld>
     <p:spTree>
@@ -15200,9 +15270,39 @@
           </a:p>
         </p:txBody>
       </p:sp>
+      <p:sp>
+        <p:nvSpPr>
+          <p:cNvPr id="6" name="TextBox 5"/>
+          <p:cNvSpPr txBox="1"/>
+          <p:nvPr/>
+        </p:nvSpPr>
+        <p:spPr>
+          <a:xfrm>
+            <a:off x="7617002" y="1082040"/>
+            <a:ext cx="2845937" cy="369332"/>
+          </a:xfrm>
+          <a:prstGeom prst="rect">
+            <a:avLst/>
+          </a:prstGeom>
+          <a:noFill/>
+        </p:spPr>
+        <p:txBody>
+          <a:bodyPr wrap="square" rtlCol="0">
+            <a:spAutoFit/>
+          </a:bodyPr>
+          <a:lstStyle/>
+          <a:p>
+            <a:r>
+              <a:rPr lang="en-US" dirty="0" smtClean="0"/>
+              <a:t>Architecture diagram</a:t>
+            </a:r>
+            <a:endParaRPr lang="en-US" dirty="0"/>
+          </a:p>
+        </p:txBody>
+      </p:sp>
       <p:pic>
         <p:nvPicPr>
-          <p:cNvPr id="3" name="Content Placeholder 2"/>
+          <p:cNvPr id="8" name="Picture Placeholder 7"/>
           <p:cNvPicPr>
             <a:picLocks noGrp="1" noChangeAspect="1"/>
           </p:cNvPicPr>
@@ -15218,67 +15318,18 @@
               </a:ext>
             </a:extLst>
           </a:blip>
-          <a:srcRect l="4609" r="4609"/>
+          <a:srcRect l="4608" r="4608"/>
           <a:stretch>
             <a:fillRect/>
           </a:stretch>
         </p:blipFill>
         <p:spPr>
           <a:xfrm>
-            <a:off x="7294631" y="1821180"/>
-            <a:ext cx="3110346" cy="4259580"/>
+            <a:off x="7235825" y="1612900"/>
+            <a:ext cx="3227388" cy="4572000"/>
           </a:xfrm>
-          <a:prstGeom prst="round2DiagRect">
-            <a:avLst>
-              <a:gd name="adj1" fmla="val 16667"/>
-              <a:gd name="adj2" fmla="val 0"/>
-            </a:avLst>
-          </a:prstGeom>
-          <a:ln w="88900" cap="sq">
-            <a:solidFill>
-              <a:srgbClr val="FFFFFF"/>
-            </a:solidFill>
-            <a:miter lim="800000"/>
-          </a:ln>
-          <a:effectLst>
-            <a:outerShdw blurRad="254000" algn="tl" rotWithShape="0">
-              <a:srgbClr val="000000">
-                <a:alpha val="43000"/>
-              </a:srgbClr>
-            </a:outerShdw>
-          </a:effectLst>
         </p:spPr>
       </p:pic>
-      <p:sp>
-        <p:nvSpPr>
-          <p:cNvPr id="6" name="TextBox 5"/>
-          <p:cNvSpPr txBox="1"/>
-          <p:nvPr/>
-        </p:nvSpPr>
-        <p:spPr>
-          <a:xfrm>
-            <a:off x="7498080" y="1310640"/>
-            <a:ext cx="2845937" cy="369332"/>
-          </a:xfrm>
-          <a:prstGeom prst="rect">
-            <a:avLst/>
-          </a:prstGeom>
-          <a:noFill/>
-        </p:spPr>
-        <p:txBody>
-          <a:bodyPr wrap="square" rtlCol="0">
-            <a:spAutoFit/>
-          </a:bodyPr>
-          <a:lstStyle/>
-          <a:p>
-            <a:r>
-              <a:rPr lang="en-US" dirty="0" smtClean="0"/>
-              <a:t>Architecture diagram</a:t>
-            </a:r>
-            <a:endParaRPr lang="en-US" dirty="0"/>
-          </a:p>
-        </p:txBody>
-      </p:sp>
     </p:spTree>
     <p:extLst>
       <p:ext uri="{BB962C8B-B14F-4D97-AF65-F5344CB8AC3E}">
@@ -15299,7 +15350,7 @@
 </p:sld>
 </file>
 
-<file path=ppt/slides/slide18.xml><?xml version="1.0" encoding="utf-8"?>
+<file path=ppt/slides/slide19.xml><?xml version="1.0" encoding="utf-8"?>
 <p:sld xmlns:a="http://schemas.openxmlformats.org/drawingml/2006/main" xmlns:r="http://schemas.openxmlformats.org/officeDocument/2006/relationships" xmlns:p="http://schemas.openxmlformats.org/presentationml/2006/main">
   <p:cSld>
     <p:spTree>
@@ -15400,200 +15451,6 @@
 </p:sld>
 </file>
 
-<file path=ppt/slides/slide19.xml><?xml version="1.0" encoding="utf-8"?>
-<p:sld xmlns:a="http://schemas.openxmlformats.org/drawingml/2006/main" xmlns:r="http://schemas.openxmlformats.org/officeDocument/2006/relationships" xmlns:p="http://schemas.openxmlformats.org/presentationml/2006/main">
-  <p:cSld>
-    <p:spTree>
-      <p:nvGrpSpPr>
-        <p:cNvPr id="1" name=""/>
-        <p:cNvGrpSpPr/>
-        <p:nvPr/>
-      </p:nvGrpSpPr>
-      <p:grpSpPr>
-        <a:xfrm>
-          <a:off x="0" y="0"/>
-          <a:ext cx="0" cy="0"/>
-          <a:chOff x="0" y="0"/>
-          <a:chExt cx="0" cy="0"/>
-        </a:xfrm>
-      </p:grpSpPr>
-      <p:sp>
-        <p:nvSpPr>
-          <p:cNvPr id="4" name="Text Placeholder 3"/>
-          <p:cNvSpPr>
-            <a:spLocks noGrp="1"/>
-          </p:cNvSpPr>
-          <p:nvPr>
-            <p:ph type="body" sz="half" idx="2"/>
-          </p:nvPr>
-        </p:nvSpPr>
-        <p:spPr>
-          <a:xfrm>
-            <a:off x="1154954" y="2595418"/>
-            <a:ext cx="3859212" cy="2433782"/>
-          </a:xfrm>
-        </p:spPr>
-        <p:txBody>
-          <a:bodyPr>
-            <a:normAutofit/>
-          </a:bodyPr>
-          <a:lstStyle/>
-          <a:p>
-            <a:pPr marL="342900" indent="-342900">
-              <a:buClr>
-                <a:schemeClr val="bg1"/>
-              </a:buClr>
-              <a:buFont typeface="Wingdings" panose="05000000000000000000" pitchFamily="2" charset="2"/>
-              <a:buChar char="Ø"/>
-            </a:pPr>
-            <a:r>
-              <a:rPr lang="en-US" sz="2000" dirty="0">
-                <a:solidFill>
-                  <a:schemeClr val="bg1"/>
-                </a:solidFill>
-                <a:latin typeface="Arial" panose="020B0604020202020204" pitchFamily="34" charset="0"/>
-                <a:cs typeface="Arial" panose="020B0604020202020204" pitchFamily="34" charset="0"/>
-              </a:rPr>
-              <a:t>A model is made up </a:t>
-            </a:r>
-            <a:r>
-              <a:rPr lang="en-US" sz="2000" dirty="0" smtClean="0">
-                <a:solidFill>
-                  <a:schemeClr val="bg1"/>
-                </a:solidFill>
-                <a:latin typeface="Arial" panose="020B0604020202020204" pitchFamily="34" charset="0"/>
-                <a:cs typeface="Arial" panose="020B0604020202020204" pitchFamily="34" charset="0"/>
-              </a:rPr>
-              <a:t>from previously build MS SQL tables. </a:t>
-            </a:r>
-          </a:p>
-          <a:p>
-            <a:pPr marL="342900" indent="-342900">
-              <a:buClr>
-                <a:schemeClr val="bg1"/>
-              </a:buClr>
-              <a:buFont typeface="Wingdings" panose="05000000000000000000" pitchFamily="2" charset="2"/>
-              <a:buChar char="Ø"/>
-            </a:pPr>
-            <a:r>
-              <a:rPr lang="en-US" sz="2000" dirty="0" smtClean="0">
-                <a:solidFill>
-                  <a:schemeClr val="bg1"/>
-                </a:solidFill>
-                <a:latin typeface="Arial" panose="020B0604020202020204" pitchFamily="34" charset="0"/>
-                <a:cs typeface="Arial" panose="020B0604020202020204" pitchFamily="34" charset="0"/>
-              </a:rPr>
-              <a:t>In “database first approach” we scaffold our C# classes from these tables using command line.</a:t>
-            </a:r>
-            <a:endParaRPr lang="en-US" sz="2000" dirty="0"/>
-          </a:p>
-        </p:txBody>
-      </p:sp>
-      <p:sp>
-        <p:nvSpPr>
-          <p:cNvPr id="5" name="Title 1"/>
-          <p:cNvSpPr>
-            <a:spLocks noGrp="1"/>
-          </p:cNvSpPr>
-          <p:nvPr>
-            <p:ph type="title"/>
-          </p:nvPr>
-        </p:nvSpPr>
-        <p:spPr>
-          <a:xfrm>
-            <a:off x="1149032" y="1403928"/>
-            <a:ext cx="3865134" cy="1073727"/>
-          </a:xfrm>
-        </p:spPr>
-        <p:txBody>
-          <a:bodyPr>
-            <a:noAutofit/>
-          </a:bodyPr>
-          <a:lstStyle/>
-          <a:p>
-            <a:r>
-              <a:rPr lang="en-US" dirty="0" smtClean="0">
-                <a:latin typeface="Arial" panose="020B0604020202020204" pitchFamily="34" charset="0"/>
-                <a:cs typeface="Arial" panose="020B0604020202020204" pitchFamily="34" charset="0"/>
-              </a:rPr>
-              <a:t>The Model </a:t>
-            </a:r>
-            <a:r>
-              <a:rPr lang="en-US" b="1" dirty="0" smtClean="0">
-                <a:latin typeface="Arial" panose="020B0604020202020204" pitchFamily="34" charset="0"/>
-                <a:cs typeface="Arial" panose="020B0604020202020204" pitchFamily="34" charset="0"/>
-              </a:rPr>
-              <a:t/>
-            </a:r>
-            <a:br>
-              <a:rPr lang="en-US" b="1" dirty="0" smtClean="0">
-                <a:latin typeface="Arial" panose="020B0604020202020204" pitchFamily="34" charset="0"/>
-                <a:cs typeface="Arial" panose="020B0604020202020204" pitchFamily="34" charset="0"/>
-              </a:rPr>
-            </a:br>
-            <a:r>
-              <a:rPr lang="en-US" sz="2400" dirty="0" smtClean="0">
-                <a:latin typeface="Arial" panose="020B0604020202020204" pitchFamily="34" charset="0"/>
-                <a:cs typeface="Arial" panose="020B0604020202020204" pitchFamily="34" charset="0"/>
-              </a:rPr>
-              <a:t>(database first approach)</a:t>
-            </a:r>
-            <a:endParaRPr lang="en-US" sz="2400" dirty="0">
-              <a:latin typeface="Arial" panose="020B0604020202020204" pitchFamily="34" charset="0"/>
-              <a:cs typeface="Arial" panose="020B0604020202020204" pitchFamily="34" charset="0"/>
-            </a:endParaRPr>
-          </a:p>
-        </p:txBody>
-      </p:sp>
-      <p:pic>
-        <p:nvPicPr>
-          <p:cNvPr id="6" name="Picture Placeholder 5"/>
-          <p:cNvPicPr>
-            <a:picLocks noGrp="1" noChangeAspect="1"/>
-          </p:cNvPicPr>
-          <p:nvPr>
-            <p:ph type="pic" idx="1"/>
-          </p:nvPr>
-        </p:nvPicPr>
-        <p:blipFill>
-          <a:blip r:embed="rId2">
-            <a:extLst>
-              <a:ext uri="{28A0092B-C50C-407E-A947-70E740481C1C}">
-                <a14:useLocalDpi xmlns:a14="http://schemas.microsoft.com/office/drawing/2010/main" val="0"/>
-              </a:ext>
-            </a:extLst>
-          </a:blip>
-          <a:stretch>
-            <a:fillRect/>
-          </a:stretch>
-        </p:blipFill>
-        <p:spPr>
-          <a:xfrm>
-            <a:off x="6088683" y="2293759"/>
-            <a:ext cx="5729805" cy="2457349"/>
-          </a:xfrm>
-        </p:spPr>
-      </p:pic>
-    </p:spTree>
-    <p:extLst>
-      <p:ext uri="{BB962C8B-B14F-4D97-AF65-F5344CB8AC3E}">
-        <p14:creationId xmlns:p14="http://schemas.microsoft.com/office/powerpoint/2010/main" val="2018877743"/>
-      </p:ext>
-    </p:extLst>
-  </p:cSld>
-  <p:clrMapOvr>
-    <a:masterClrMapping/>
-  </p:clrMapOvr>
-  <p:timing>
-    <p:tnLst>
-      <p:par>
-        <p:cTn id="1" dur="indefinite" restart="never" nodeType="tmRoot"/>
-      </p:par>
-    </p:tnLst>
-  </p:timing>
-</p:sld>
-</file>
-
 <file path=ppt/slides/slide2.xml><?xml version="1.0" encoding="utf-8"?>
 <p:sld xmlns:a="http://schemas.openxmlformats.org/drawingml/2006/main" xmlns:r="http://schemas.openxmlformats.org/officeDocument/2006/relationships" xmlns:p="http://schemas.openxmlformats.org/presentationml/2006/main">
   <p:cSld>
@@ -15790,10 +15647,6 @@
               </a:rPr>
               <a:t>Entity Relations</a:t>
             </a:r>
-            <a:endParaRPr lang="en-US" sz="1800" dirty="0" smtClean="0">
-              <a:latin typeface="Arial" panose="020B0604020202020204" pitchFamily="34" charset="0"/>
-              <a:cs typeface="Arial" panose="020B0604020202020204" pitchFamily="34" charset="0"/>
-            </a:endParaRPr>
           </a:p>
           <a:p>
             <a:r>
@@ -15816,10 +15669,6 @@
               </a:rPr>
               <a:t>Bonus slides</a:t>
             </a:r>
-            <a:endParaRPr lang="en-US" sz="2000" dirty="0" smtClean="0">
-              <a:latin typeface="Arial" panose="020B0604020202020204" pitchFamily="34" charset="0"/>
-              <a:cs typeface="Arial" panose="020B0604020202020204" pitchFamily="34" charset="0"/>
-            </a:endParaRPr>
           </a:p>
           <a:p>
             <a:endParaRPr lang="en-US" sz="2000" dirty="0" smtClean="0">
@@ -15979,6 +15828,200 @@
       </p:grpSpPr>
       <p:sp>
         <p:nvSpPr>
+          <p:cNvPr id="4" name="Text Placeholder 3"/>
+          <p:cNvSpPr>
+            <a:spLocks noGrp="1"/>
+          </p:cNvSpPr>
+          <p:nvPr>
+            <p:ph type="body" sz="half" idx="2"/>
+          </p:nvPr>
+        </p:nvSpPr>
+        <p:spPr>
+          <a:xfrm>
+            <a:off x="1154954" y="2595418"/>
+            <a:ext cx="3859212" cy="2433782"/>
+          </a:xfrm>
+        </p:spPr>
+        <p:txBody>
+          <a:bodyPr>
+            <a:normAutofit/>
+          </a:bodyPr>
+          <a:lstStyle/>
+          <a:p>
+            <a:pPr marL="342900" indent="-342900">
+              <a:buClr>
+                <a:schemeClr val="bg1"/>
+              </a:buClr>
+              <a:buFont typeface="Wingdings" panose="05000000000000000000" pitchFamily="2" charset="2"/>
+              <a:buChar char="Ø"/>
+            </a:pPr>
+            <a:r>
+              <a:rPr lang="en-US" sz="2000" dirty="0">
+                <a:solidFill>
+                  <a:schemeClr val="bg1"/>
+                </a:solidFill>
+                <a:latin typeface="Arial" panose="020B0604020202020204" pitchFamily="34" charset="0"/>
+                <a:cs typeface="Arial" panose="020B0604020202020204" pitchFamily="34" charset="0"/>
+              </a:rPr>
+              <a:t>A model is made up </a:t>
+            </a:r>
+            <a:r>
+              <a:rPr lang="en-US" sz="2000" dirty="0" smtClean="0">
+                <a:solidFill>
+                  <a:schemeClr val="bg1"/>
+                </a:solidFill>
+                <a:latin typeface="Arial" panose="020B0604020202020204" pitchFamily="34" charset="0"/>
+                <a:cs typeface="Arial" panose="020B0604020202020204" pitchFamily="34" charset="0"/>
+              </a:rPr>
+              <a:t>from previously build MS SQL tables. </a:t>
+            </a:r>
+          </a:p>
+          <a:p>
+            <a:pPr marL="342900" indent="-342900">
+              <a:buClr>
+                <a:schemeClr val="bg1"/>
+              </a:buClr>
+              <a:buFont typeface="Wingdings" panose="05000000000000000000" pitchFamily="2" charset="2"/>
+              <a:buChar char="Ø"/>
+            </a:pPr>
+            <a:r>
+              <a:rPr lang="en-US" sz="2000" dirty="0" smtClean="0">
+                <a:solidFill>
+                  <a:schemeClr val="bg1"/>
+                </a:solidFill>
+                <a:latin typeface="Arial" panose="020B0604020202020204" pitchFamily="34" charset="0"/>
+                <a:cs typeface="Arial" panose="020B0604020202020204" pitchFamily="34" charset="0"/>
+              </a:rPr>
+              <a:t>In “database first approach” we scaffold our C# classes from these tables using command line.</a:t>
+            </a:r>
+            <a:endParaRPr lang="en-US" sz="2000" dirty="0"/>
+          </a:p>
+        </p:txBody>
+      </p:sp>
+      <p:sp>
+        <p:nvSpPr>
+          <p:cNvPr id="5" name="Title 1"/>
+          <p:cNvSpPr>
+            <a:spLocks noGrp="1"/>
+          </p:cNvSpPr>
+          <p:nvPr>
+            <p:ph type="title"/>
+          </p:nvPr>
+        </p:nvSpPr>
+        <p:spPr>
+          <a:xfrm>
+            <a:off x="1149032" y="1403928"/>
+            <a:ext cx="3865134" cy="1073727"/>
+          </a:xfrm>
+        </p:spPr>
+        <p:txBody>
+          <a:bodyPr>
+            <a:noAutofit/>
+          </a:bodyPr>
+          <a:lstStyle/>
+          <a:p>
+            <a:r>
+              <a:rPr lang="en-US" dirty="0" smtClean="0">
+                <a:latin typeface="Arial" panose="020B0604020202020204" pitchFamily="34" charset="0"/>
+                <a:cs typeface="Arial" panose="020B0604020202020204" pitchFamily="34" charset="0"/>
+              </a:rPr>
+              <a:t>The Model </a:t>
+            </a:r>
+            <a:r>
+              <a:rPr lang="en-US" b="1" dirty="0" smtClean="0">
+                <a:latin typeface="Arial" panose="020B0604020202020204" pitchFamily="34" charset="0"/>
+                <a:cs typeface="Arial" panose="020B0604020202020204" pitchFamily="34" charset="0"/>
+              </a:rPr>
+              <a:t/>
+            </a:r>
+            <a:br>
+              <a:rPr lang="en-US" b="1" dirty="0" smtClean="0">
+                <a:latin typeface="Arial" panose="020B0604020202020204" pitchFamily="34" charset="0"/>
+                <a:cs typeface="Arial" panose="020B0604020202020204" pitchFamily="34" charset="0"/>
+              </a:rPr>
+            </a:br>
+            <a:r>
+              <a:rPr lang="en-US" sz="2400" dirty="0" smtClean="0">
+                <a:latin typeface="Arial" panose="020B0604020202020204" pitchFamily="34" charset="0"/>
+                <a:cs typeface="Arial" panose="020B0604020202020204" pitchFamily="34" charset="0"/>
+              </a:rPr>
+              <a:t>(database first approach)</a:t>
+            </a:r>
+            <a:endParaRPr lang="en-US" sz="2400" dirty="0">
+              <a:latin typeface="Arial" panose="020B0604020202020204" pitchFamily="34" charset="0"/>
+              <a:cs typeface="Arial" panose="020B0604020202020204" pitchFamily="34" charset="0"/>
+            </a:endParaRPr>
+          </a:p>
+        </p:txBody>
+      </p:sp>
+      <p:pic>
+        <p:nvPicPr>
+          <p:cNvPr id="6" name="Picture Placeholder 5"/>
+          <p:cNvPicPr>
+            <a:picLocks noGrp="1" noChangeAspect="1"/>
+          </p:cNvPicPr>
+          <p:nvPr>
+            <p:ph type="pic" idx="1"/>
+          </p:nvPr>
+        </p:nvPicPr>
+        <p:blipFill>
+          <a:blip r:embed="rId2">
+            <a:extLst>
+              <a:ext uri="{28A0092B-C50C-407E-A947-70E740481C1C}">
+                <a14:useLocalDpi xmlns:a14="http://schemas.microsoft.com/office/drawing/2010/main" val="0"/>
+              </a:ext>
+            </a:extLst>
+          </a:blip>
+          <a:stretch>
+            <a:fillRect/>
+          </a:stretch>
+        </p:blipFill>
+        <p:spPr>
+          <a:xfrm>
+            <a:off x="6088683" y="2293759"/>
+            <a:ext cx="5729805" cy="2457349"/>
+          </a:xfrm>
+        </p:spPr>
+      </p:pic>
+    </p:spTree>
+    <p:extLst>
+      <p:ext uri="{BB962C8B-B14F-4D97-AF65-F5344CB8AC3E}">
+        <p14:creationId xmlns:p14="http://schemas.microsoft.com/office/powerpoint/2010/main" val="2018877743"/>
+      </p:ext>
+    </p:extLst>
+  </p:cSld>
+  <p:clrMapOvr>
+    <a:masterClrMapping/>
+  </p:clrMapOvr>
+  <p:timing>
+    <p:tnLst>
+      <p:par>
+        <p:cTn id="1" dur="indefinite" restart="never" nodeType="tmRoot"/>
+      </p:par>
+    </p:tnLst>
+  </p:timing>
+</p:sld>
+</file>
+
+<file path=ppt/slides/slide21.xml><?xml version="1.0" encoding="utf-8"?>
+<p:sld xmlns:a="http://schemas.openxmlformats.org/drawingml/2006/main" xmlns:r="http://schemas.openxmlformats.org/officeDocument/2006/relationships" xmlns:p="http://schemas.openxmlformats.org/presentationml/2006/main">
+  <p:cSld>
+    <p:spTree>
+      <p:nvGrpSpPr>
+        <p:cNvPr id="1" name=""/>
+        <p:cNvGrpSpPr/>
+        <p:nvPr/>
+      </p:nvGrpSpPr>
+      <p:grpSpPr>
+        <a:xfrm>
+          <a:off x="0" y="0"/>
+          <a:ext cx="0" cy="0"/>
+          <a:chOff x="0" y="0"/>
+          <a:chExt cx="0" cy="0"/>
+        </a:xfrm>
+      </p:grpSpPr>
+      <p:sp>
+        <p:nvSpPr>
           <p:cNvPr id="2" name="Title 1"/>
           <p:cNvSpPr>
             <a:spLocks noGrp="1"/>
@@ -16162,7 +16205,7 @@
 </p:sld>
 </file>
 
-<file path=ppt/slides/slide21.xml><?xml version="1.0" encoding="utf-8"?>
+<file path=ppt/slides/slide22.xml><?xml version="1.0" encoding="utf-8"?>
 <p:sld xmlns:a="http://schemas.openxmlformats.org/drawingml/2006/main" xmlns:r="http://schemas.openxmlformats.org/officeDocument/2006/relationships" xmlns:p="http://schemas.openxmlformats.org/presentationml/2006/main">
   <p:cSld>
     <p:spTree>
@@ -16349,7 +16392,7 @@
 </p:sld>
 </file>
 
-<file path=ppt/slides/slide22.xml><?xml version="1.0" encoding="utf-8"?>
+<file path=ppt/slides/slide23.xml><?xml version="1.0" encoding="utf-8"?>
 <p:sld xmlns:a="http://schemas.openxmlformats.org/drawingml/2006/main" xmlns:r="http://schemas.openxmlformats.org/officeDocument/2006/relationships" xmlns:p="http://schemas.openxmlformats.org/presentationml/2006/main">
   <p:cSld>
     <p:spTree>
@@ -16604,7 +16647,7 @@
 </p:sld>
 </file>
 
-<file path=ppt/slides/slide23.xml><?xml version="1.0" encoding="utf-8"?>
+<file path=ppt/slides/slide24.xml><?xml version="1.0" encoding="utf-8"?>
 <p:sld xmlns:a="http://schemas.openxmlformats.org/drawingml/2006/main" xmlns:r="http://schemas.openxmlformats.org/officeDocument/2006/relationships" xmlns:p="http://schemas.openxmlformats.org/presentationml/2006/main">
   <p:cSld>
     <p:spTree>
@@ -16699,7 +16742,7 @@
 </p:sld>
 </file>
 
-<file path=ppt/slides/slide24.xml><?xml version="1.0" encoding="utf-8"?>
+<file path=ppt/slides/slide25.xml><?xml version="1.0" encoding="utf-8"?>
 <p:sld xmlns:a="http://schemas.openxmlformats.org/drawingml/2006/main" xmlns:r="http://schemas.openxmlformats.org/officeDocument/2006/relationships" xmlns:p="http://schemas.openxmlformats.org/presentationml/2006/main">
   <p:cSld>
     <p:spTree>
@@ -16921,7 +16964,7 @@
 </p:sld>
 </file>
 
-<file path=ppt/slides/slide25.xml><?xml version="1.0" encoding="utf-8"?>
+<file path=ppt/slides/slide26.xml><?xml version="1.0" encoding="utf-8"?>
 <p:sld xmlns:a="http://schemas.openxmlformats.org/drawingml/2006/main" xmlns:r="http://schemas.openxmlformats.org/officeDocument/2006/relationships" xmlns:p="http://schemas.openxmlformats.org/presentationml/2006/main">
   <p:cSld>
     <p:spTree>
@@ -17120,7 +17163,7 @@
 </p:sld>
 </file>
 
-<file path=ppt/slides/slide26.xml><?xml version="1.0" encoding="utf-8"?>
+<file path=ppt/slides/slide27.xml><?xml version="1.0" encoding="utf-8"?>
 <p:sld xmlns:a="http://schemas.openxmlformats.org/drawingml/2006/main" xmlns:r="http://schemas.openxmlformats.org/officeDocument/2006/relationships" xmlns:p="http://schemas.openxmlformats.org/presentationml/2006/main">
   <p:cSld>
     <p:spTree>
@@ -17602,287 +17645,6 @@
             <p:ph type="title"/>
           </p:nvPr>
         </p:nvSpPr>
-        <p:spPr/>
-        <p:txBody>
-          <a:bodyPr/>
-          <a:lstStyle/>
-          <a:p>
-            <a:pPr algn="ctr"/>
-            <a:r>
-              <a:rPr lang="en-US" dirty="0" smtClean="0">
-                <a:latin typeface="Arial" panose="020B0604020202020204" pitchFamily="34" charset="0"/>
-                <a:cs typeface="Arial" panose="020B0604020202020204" pitchFamily="34" charset="0"/>
-              </a:rPr>
-              <a:t>SQL vs NoSQL databases</a:t>
-            </a:r>
-            <a:endParaRPr lang="en-US" dirty="0">
-              <a:latin typeface="Arial" panose="020B0604020202020204" pitchFamily="34" charset="0"/>
-              <a:cs typeface="Arial" panose="020B0604020202020204" pitchFamily="34" charset="0"/>
-            </a:endParaRPr>
-          </a:p>
-        </p:txBody>
-      </p:sp>
-      <p:sp>
-        <p:nvSpPr>
-          <p:cNvPr id="3" name="Text Placeholder 2"/>
-          <p:cNvSpPr>
-            <a:spLocks noGrp="1"/>
-          </p:cNvSpPr>
-          <p:nvPr>
-            <p:ph type="body" idx="1"/>
-          </p:nvPr>
-        </p:nvSpPr>
-        <p:spPr/>
-        <p:txBody>
-          <a:bodyPr/>
-          <a:lstStyle/>
-          <a:p>
-            <a:pPr algn="ctr"/>
-            <a:r>
-              <a:rPr lang="en-US" dirty="0" smtClean="0">
-                <a:latin typeface="Arial" panose="020B0604020202020204" pitchFamily="34" charset="0"/>
-                <a:cs typeface="Arial" panose="020B0604020202020204" pitchFamily="34" charset="0"/>
-              </a:rPr>
-              <a:t>SQL Database systems</a:t>
-            </a:r>
-            <a:endParaRPr lang="en-US" dirty="0">
-              <a:latin typeface="Arial" panose="020B0604020202020204" pitchFamily="34" charset="0"/>
-              <a:cs typeface="Arial" panose="020B0604020202020204" pitchFamily="34" charset="0"/>
-            </a:endParaRPr>
-          </a:p>
-        </p:txBody>
-      </p:sp>
-      <p:sp>
-        <p:nvSpPr>
-          <p:cNvPr id="4" name="Content Placeholder 3"/>
-          <p:cNvSpPr>
-            <a:spLocks noGrp="1"/>
-          </p:cNvSpPr>
-          <p:nvPr>
-            <p:ph sz="half" idx="2"/>
-          </p:nvPr>
-        </p:nvSpPr>
-        <p:spPr>
-          <a:xfrm>
-            <a:off x="1154954" y="3528291"/>
-            <a:ext cx="4825158" cy="2491510"/>
-          </a:xfrm>
-        </p:spPr>
-        <p:txBody>
-          <a:bodyPr/>
-          <a:lstStyle/>
-          <a:p>
-            <a:r>
-              <a:rPr lang="en-US" dirty="0" smtClean="0">
-                <a:latin typeface="Arial" panose="020B0604020202020204" pitchFamily="34" charset="0"/>
-                <a:cs typeface="Arial" panose="020B0604020202020204" pitchFamily="34" charset="0"/>
-              </a:rPr>
-              <a:t>MS SQL Server</a:t>
-            </a:r>
-          </a:p>
-          <a:p>
-            <a:r>
-              <a:rPr lang="en-US" dirty="0" smtClean="0">
-                <a:latin typeface="Arial" panose="020B0604020202020204" pitchFamily="34" charset="0"/>
-                <a:cs typeface="Arial" panose="020B0604020202020204" pitchFamily="34" charset="0"/>
-              </a:rPr>
-              <a:t>MySQL</a:t>
-            </a:r>
-          </a:p>
-          <a:p>
-            <a:r>
-              <a:rPr lang="en-US" dirty="0" smtClean="0">
-                <a:latin typeface="Arial" panose="020B0604020202020204" pitchFamily="34" charset="0"/>
-                <a:cs typeface="Arial" panose="020B0604020202020204" pitchFamily="34" charset="0"/>
-              </a:rPr>
-              <a:t>Oracle Database</a:t>
-            </a:r>
-          </a:p>
-          <a:p>
-            <a:r>
-              <a:rPr lang="en-US" dirty="0" smtClean="0">
-                <a:latin typeface="Arial" panose="020B0604020202020204" pitchFamily="34" charset="0"/>
-                <a:cs typeface="Arial" panose="020B0604020202020204" pitchFamily="34" charset="0"/>
-              </a:rPr>
-              <a:t>PostgreSQL</a:t>
-            </a:r>
-          </a:p>
-          <a:p>
-            <a:r>
-              <a:rPr lang="en-US" dirty="0" smtClean="0">
-                <a:latin typeface="Arial" panose="020B0604020202020204" pitchFamily="34" charset="0"/>
-                <a:cs typeface="Arial" panose="020B0604020202020204" pitchFamily="34" charset="0"/>
-              </a:rPr>
-              <a:t>IBM DB2</a:t>
-            </a:r>
-          </a:p>
-          <a:p>
-            <a:endParaRPr lang="en-US" dirty="0" smtClean="0"/>
-          </a:p>
-          <a:p>
-            <a:endParaRPr lang="en-US" dirty="0"/>
-          </a:p>
-        </p:txBody>
-      </p:sp>
-      <p:sp>
-        <p:nvSpPr>
-          <p:cNvPr id="5" name="Text Placeholder 4"/>
-          <p:cNvSpPr>
-            <a:spLocks noGrp="1"/>
-          </p:cNvSpPr>
-          <p:nvPr>
-            <p:ph type="body" sz="quarter" idx="3"/>
-          </p:nvPr>
-        </p:nvSpPr>
-        <p:spPr/>
-        <p:txBody>
-          <a:bodyPr/>
-          <a:lstStyle/>
-          <a:p>
-            <a:pPr algn="ctr"/>
-            <a:r>
-              <a:rPr lang="en-US" dirty="0" smtClean="0">
-                <a:latin typeface="Arial" panose="020B0604020202020204" pitchFamily="34" charset="0"/>
-                <a:cs typeface="Arial" panose="020B0604020202020204" pitchFamily="34" charset="0"/>
-              </a:rPr>
-              <a:t>NoSQL Database systems</a:t>
-            </a:r>
-            <a:endParaRPr lang="en-US" dirty="0">
-              <a:latin typeface="Arial" panose="020B0604020202020204" pitchFamily="34" charset="0"/>
-              <a:cs typeface="Arial" panose="020B0604020202020204" pitchFamily="34" charset="0"/>
-            </a:endParaRPr>
-          </a:p>
-        </p:txBody>
-      </p:sp>
-      <p:sp>
-        <p:nvSpPr>
-          <p:cNvPr id="6" name="Content Placeholder 5"/>
-          <p:cNvSpPr>
-            <a:spLocks noGrp="1"/>
-          </p:cNvSpPr>
-          <p:nvPr>
-            <p:ph sz="quarter" idx="4"/>
-          </p:nvPr>
-        </p:nvSpPr>
-        <p:spPr>
-          <a:xfrm>
-            <a:off x="6208712" y="3528291"/>
-            <a:ext cx="4825159" cy="2491510"/>
-          </a:xfrm>
-        </p:spPr>
-        <p:txBody>
-          <a:bodyPr/>
-          <a:lstStyle/>
-          <a:p>
-            <a:r>
-              <a:rPr lang="en-US" dirty="0" smtClean="0">
-                <a:latin typeface="Arial" panose="020B0604020202020204" pitchFamily="34" charset="0"/>
-                <a:cs typeface="Arial" panose="020B0604020202020204" pitchFamily="34" charset="0"/>
-              </a:rPr>
-              <a:t>MongoDB</a:t>
-            </a:r>
-          </a:p>
-          <a:p>
-            <a:r>
-              <a:rPr lang="en-US" dirty="0" err="1" smtClean="0">
-                <a:latin typeface="Arial" panose="020B0604020202020204" pitchFamily="34" charset="0"/>
-                <a:cs typeface="Arial" panose="020B0604020202020204" pitchFamily="34" charset="0"/>
-              </a:rPr>
-              <a:t>Redis</a:t>
-            </a:r>
-            <a:endParaRPr lang="en-US" dirty="0" smtClean="0">
-              <a:latin typeface="Arial" panose="020B0604020202020204" pitchFamily="34" charset="0"/>
-              <a:cs typeface="Arial" panose="020B0604020202020204" pitchFamily="34" charset="0"/>
-            </a:endParaRPr>
-          </a:p>
-          <a:p>
-            <a:r>
-              <a:rPr lang="en-US" dirty="0" err="1" smtClean="0">
-                <a:latin typeface="Arial" panose="020B0604020202020204" pitchFamily="34" charset="0"/>
-                <a:cs typeface="Arial" panose="020B0604020202020204" pitchFamily="34" charset="0"/>
-              </a:rPr>
-              <a:t>Couchbase</a:t>
-            </a:r>
-            <a:endParaRPr lang="en-US" dirty="0" smtClean="0">
-              <a:latin typeface="Arial" panose="020B0604020202020204" pitchFamily="34" charset="0"/>
-              <a:cs typeface="Arial" panose="020B0604020202020204" pitchFamily="34" charset="0"/>
-            </a:endParaRPr>
-          </a:p>
-          <a:p>
-            <a:r>
-              <a:rPr lang="en-US" dirty="0" err="1" smtClean="0">
-                <a:latin typeface="Arial" panose="020B0604020202020204" pitchFamily="34" charset="0"/>
-                <a:cs typeface="Arial" panose="020B0604020202020204" pitchFamily="34" charset="0"/>
-              </a:rPr>
-              <a:t>RavenDB</a:t>
-            </a:r>
-            <a:endParaRPr lang="en-US" dirty="0" smtClean="0">
-              <a:latin typeface="Arial" panose="020B0604020202020204" pitchFamily="34" charset="0"/>
-              <a:cs typeface="Arial" panose="020B0604020202020204" pitchFamily="34" charset="0"/>
-            </a:endParaRPr>
-          </a:p>
-          <a:p>
-            <a:r>
-              <a:rPr lang="en-US" dirty="0" smtClean="0">
-                <a:latin typeface="Arial" panose="020B0604020202020204" pitchFamily="34" charset="0"/>
-                <a:cs typeface="Arial" panose="020B0604020202020204" pitchFamily="34" charset="0"/>
-              </a:rPr>
-              <a:t>Cassandra</a:t>
-            </a:r>
-            <a:endParaRPr lang="en-US" dirty="0">
-              <a:latin typeface="Arial" panose="020B0604020202020204" pitchFamily="34" charset="0"/>
-              <a:cs typeface="Arial" panose="020B0604020202020204" pitchFamily="34" charset="0"/>
-            </a:endParaRPr>
-          </a:p>
-        </p:txBody>
-      </p:sp>
-    </p:spTree>
-    <p:extLst>
-      <p:ext uri="{BB962C8B-B14F-4D97-AF65-F5344CB8AC3E}">
-        <p14:creationId xmlns:p14="http://schemas.microsoft.com/office/powerpoint/2010/main" val="1461938383"/>
-      </p:ext>
-    </p:extLst>
-  </p:cSld>
-  <p:clrMapOvr>
-    <a:masterClrMapping/>
-  </p:clrMapOvr>
-  <p:timing>
-    <p:tnLst>
-      <p:par>
-        <p:cTn id="1" dur="indefinite" restart="never" nodeType="tmRoot"/>
-      </p:par>
-    </p:tnLst>
-  </p:timing>
-</p:sld>
-</file>
-
-<file path=ppt/slides/slide7.xml><?xml version="1.0" encoding="utf-8"?>
-<p:sld xmlns:a="http://schemas.openxmlformats.org/drawingml/2006/main" xmlns:r="http://schemas.openxmlformats.org/officeDocument/2006/relationships" xmlns:p="http://schemas.openxmlformats.org/presentationml/2006/main">
-  <p:cSld>
-    <p:spTree>
-      <p:nvGrpSpPr>
-        <p:cNvPr id="1" name=""/>
-        <p:cNvGrpSpPr/>
-        <p:nvPr/>
-      </p:nvGrpSpPr>
-      <p:grpSpPr>
-        <a:xfrm>
-          <a:off x="0" y="0"/>
-          <a:ext cx="0" cy="0"/>
-          <a:chOff x="0" y="0"/>
-          <a:chExt cx="0" cy="0"/>
-        </a:xfrm>
-      </p:grpSpPr>
-      <p:sp>
-        <p:nvSpPr>
-          <p:cNvPr id="2" name="Title 1"/>
-          <p:cNvSpPr>
-            <a:spLocks noGrp="1"/>
-          </p:cNvSpPr>
-          <p:nvPr>
-            <p:ph type="title"/>
-          </p:nvPr>
-        </p:nvSpPr>
         <p:spPr>
           <a:xfrm>
             <a:off x="1154954" y="973667"/>
@@ -18045,7 +17807,7 @@
 </p:sld>
 </file>
 
-<file path=ppt/slides/slide8.xml><?xml version="1.0" encoding="utf-8"?>
+<file path=ppt/slides/slide7.xml><?xml version="1.0" encoding="utf-8"?>
 <p:sld xmlns:a="http://schemas.openxmlformats.org/drawingml/2006/main" xmlns:r="http://schemas.openxmlformats.org/officeDocument/2006/relationships" xmlns:p="http://schemas.openxmlformats.org/presentationml/2006/main">
   <p:cSld>
     <p:spTree>
@@ -18159,7 +17921,7 @@
 </p:sld>
 </file>
 
-<file path=ppt/slides/slide9.xml><?xml version="1.0" encoding="utf-8"?>
+<file path=ppt/slides/slide8.xml><?xml version="1.0" encoding="utf-8"?>
 <p:sld xmlns:a="http://schemas.openxmlformats.org/drawingml/2006/main" xmlns:r="http://schemas.openxmlformats.org/officeDocument/2006/relationships" xmlns:p="http://schemas.openxmlformats.org/presentationml/2006/main">
   <p:cSld>
     <p:spTree>
@@ -18262,6 +18024,191 @@
     <p:extLst>
       <p:ext uri="{BB962C8B-B14F-4D97-AF65-F5344CB8AC3E}">
         <p14:creationId xmlns:p14="http://schemas.microsoft.com/office/powerpoint/2010/main" val="1069645247"/>
+      </p:ext>
+    </p:extLst>
+  </p:cSld>
+  <p:clrMapOvr>
+    <a:masterClrMapping/>
+  </p:clrMapOvr>
+  <p:timing>
+    <p:tnLst>
+      <p:par>
+        <p:cTn id="1" dur="indefinite" restart="never" nodeType="tmRoot"/>
+      </p:par>
+    </p:tnLst>
+  </p:timing>
+</p:sld>
+</file>
+
+<file path=ppt/slides/slide9.xml><?xml version="1.0" encoding="utf-8"?>
+<p:sld xmlns:a="http://schemas.openxmlformats.org/drawingml/2006/main" xmlns:r="http://schemas.openxmlformats.org/officeDocument/2006/relationships" xmlns:p="http://schemas.openxmlformats.org/presentationml/2006/main">
+  <p:cSld>
+    <p:spTree>
+      <p:nvGrpSpPr>
+        <p:cNvPr id="1" name=""/>
+        <p:cNvGrpSpPr/>
+        <p:nvPr/>
+      </p:nvGrpSpPr>
+      <p:grpSpPr>
+        <a:xfrm>
+          <a:off x="0" y="0"/>
+          <a:ext cx="0" cy="0"/>
+          <a:chOff x="0" y="0"/>
+          <a:chExt cx="0" cy="0"/>
+        </a:xfrm>
+      </p:grpSpPr>
+      <p:sp>
+        <p:nvSpPr>
+          <p:cNvPr id="2" name="Title 1"/>
+          <p:cNvSpPr>
+            <a:spLocks noGrp="1"/>
+          </p:cNvSpPr>
+          <p:nvPr>
+            <p:ph type="title"/>
+          </p:nvPr>
+        </p:nvSpPr>
+        <p:spPr>
+          <a:xfrm>
+            <a:off x="1240606" y="2063711"/>
+            <a:ext cx="2940939" cy="577273"/>
+          </a:xfrm>
+        </p:spPr>
+        <p:txBody>
+          <a:bodyPr/>
+          <a:lstStyle/>
+          <a:p>
+            <a:r>
+              <a:rPr lang="en-US" sz="3200" dirty="0" smtClean="0">
+                <a:latin typeface="Arial" panose="020B0604020202020204" pitchFamily="34" charset="0"/>
+                <a:cs typeface="Arial" panose="020B0604020202020204" pitchFamily="34" charset="0"/>
+              </a:rPr>
+              <a:t>ADO.NET</a:t>
+            </a:r>
+            <a:endParaRPr lang="en-US" sz="3200" dirty="0">
+              <a:latin typeface="Arial" panose="020B0604020202020204" pitchFamily="34" charset="0"/>
+              <a:cs typeface="Arial" panose="020B0604020202020204" pitchFamily="34" charset="0"/>
+            </a:endParaRPr>
+          </a:p>
+        </p:txBody>
+      </p:sp>
+      <p:pic>
+        <p:nvPicPr>
+          <p:cNvPr id="5" name="Content Placeholder 4"/>
+          <p:cNvPicPr>
+            <a:picLocks noGrp="1" noChangeAspect="1"/>
+          </p:cNvPicPr>
+          <p:nvPr>
+            <p:ph idx="1"/>
+          </p:nvPr>
+        </p:nvPicPr>
+        <p:blipFill>
+          <a:blip r:embed="rId2">
+            <a:extLst>
+              <a:ext uri="{28A0092B-C50C-407E-A947-70E740481C1C}">
+                <a14:useLocalDpi xmlns:a14="http://schemas.microsoft.com/office/drawing/2010/main" val="0"/>
+              </a:ext>
+            </a:extLst>
+          </a:blip>
+          <a:stretch>
+            <a:fillRect/>
+          </a:stretch>
+        </p:blipFill>
+        <p:spPr>
+          <a:xfrm>
+            <a:off x="5265528" y="2890367"/>
+            <a:ext cx="6366528" cy="1469198"/>
+          </a:xfrm>
+        </p:spPr>
+      </p:pic>
+      <p:sp>
+        <p:nvSpPr>
+          <p:cNvPr id="4" name="Text Placeholder 3"/>
+          <p:cNvSpPr>
+            <a:spLocks noGrp="1"/>
+          </p:cNvSpPr>
+          <p:nvPr>
+            <p:ph type="body" sz="half" idx="2"/>
+          </p:nvPr>
+        </p:nvSpPr>
+        <p:spPr>
+          <a:xfrm>
+            <a:off x="840918" y="2842491"/>
+            <a:ext cx="3832682" cy="1517074"/>
+          </a:xfrm>
+        </p:spPr>
+        <p:txBody>
+          <a:bodyPr>
+            <a:normAutofit/>
+          </a:bodyPr>
+          <a:lstStyle/>
+          <a:p>
+            <a:r>
+              <a:rPr lang="en-US" sz="1800" dirty="0" smtClean="0">
+                <a:solidFill>
+                  <a:schemeClr val="bg1"/>
+                </a:solidFill>
+                <a:latin typeface="Arial" panose="020B0604020202020204" pitchFamily="34" charset="0"/>
+                <a:cs typeface="Arial" panose="020B0604020202020204" pitchFamily="34" charset="0"/>
+              </a:rPr>
+              <a:t>ADO.NET is the latest Microsoft database access technology. It’s a set of classes that expose data access services.</a:t>
+            </a:r>
+            <a:endParaRPr lang="en-US" sz="1800" dirty="0">
+              <a:solidFill>
+                <a:schemeClr val="bg1"/>
+              </a:solidFill>
+              <a:latin typeface="Arial" panose="020B0604020202020204" pitchFamily="34" charset="0"/>
+              <a:cs typeface="Arial" panose="020B0604020202020204" pitchFamily="34" charset="0"/>
+            </a:endParaRPr>
+          </a:p>
+        </p:txBody>
+      </p:sp>
+      <p:sp>
+        <p:nvSpPr>
+          <p:cNvPr id="7" name="TextBox 6"/>
+          <p:cNvSpPr txBox="1"/>
+          <p:nvPr/>
+        </p:nvSpPr>
+        <p:spPr>
+          <a:xfrm>
+            <a:off x="5607009" y="1906071"/>
+            <a:ext cx="4904509" cy="523220"/>
+          </a:xfrm>
+          <a:prstGeom prst="rect">
+            <a:avLst/>
+          </a:prstGeom>
+          <a:noFill/>
+        </p:spPr>
+        <p:txBody>
+          <a:bodyPr wrap="square" rtlCol="0" anchor="ctr">
+            <a:spAutoFit/>
+          </a:bodyPr>
+          <a:lstStyle/>
+          <a:p>
+            <a:pPr algn="ctr"/>
+            <a:r>
+              <a:rPr lang="en-US" sz="2800" dirty="0" smtClean="0">
+                <a:solidFill>
+                  <a:schemeClr val="accent6">
+                    <a:lumMod val="50000"/>
+                  </a:schemeClr>
+                </a:solidFill>
+              </a:rPr>
+              <a:t>C# demo source</a:t>
+            </a:r>
+            <a:endParaRPr lang="en-US" sz="2800" dirty="0">
+              <a:solidFill>
+                <a:schemeClr val="accent6">
+                  <a:lumMod val="50000"/>
+                </a:schemeClr>
+              </a:solidFill>
+            </a:endParaRPr>
+          </a:p>
+        </p:txBody>
+      </p:sp>
+    </p:spTree>
+    <p:extLst>
+      <p:ext uri="{BB962C8B-B14F-4D97-AF65-F5344CB8AC3E}">
+        <p14:creationId xmlns:p14="http://schemas.microsoft.com/office/powerpoint/2010/main" val="9675751"/>
       </p:ext>
     </p:extLst>
   </p:cSld>

--- a/Databases_and_EntityFrameworkCore.pptx
+++ b/Databases_and_EntityFrameworkCore.pptx
@@ -284,7 +284,7 @@
           <a:p>
             <a:fld id="{E90F1D5F-DFB3-4BE8-B292-C9F8DF07B94B}" type="datetimeFigureOut">
               <a:rPr lang="en-US" smtClean="0"/>
-              <a:t>10/22/2021</a:t>
+              <a:t>10/23/2021</a:t>
             </a:fld>
             <a:endParaRPr lang="en-US"/>
           </a:p>
@@ -887,7 +887,7 @@
           <a:p>
             <a:fld id="{87DD66F1-7FC0-403D-82FE-3DDCE4AD2CCB}" type="datetimeFigureOut">
               <a:rPr lang="en-US" smtClean="0"/>
-              <a:t>10/22/2021</a:t>
+              <a:t>10/23/2021</a:t>
             </a:fld>
             <a:endParaRPr lang="en-US" dirty="0"/>
           </a:p>
@@ -1975,7 +1975,7 @@
           <a:p>
             <a:fld id="{87DD66F1-7FC0-403D-82FE-3DDCE4AD2CCB}" type="datetimeFigureOut">
               <a:rPr lang="en-US" smtClean="0"/>
-              <a:t>10/22/2021</a:t>
+              <a:t>10/23/2021</a:t>
             </a:fld>
             <a:endParaRPr lang="en-US" dirty="0"/>
           </a:p>
@@ -2955,7 +2955,7 @@
           <a:p>
             <a:fld id="{87DD66F1-7FC0-403D-82FE-3DDCE4AD2CCB}" type="datetimeFigureOut">
               <a:rPr lang="en-US" smtClean="0"/>
-              <a:t>10/22/2021</a:t>
+              <a:t>10/23/2021</a:t>
             </a:fld>
             <a:endParaRPr lang="en-US" dirty="0"/>
           </a:p>
@@ -4089,7 +4089,7 @@
           <a:p>
             <a:fld id="{87DD66F1-7FC0-403D-82FE-3DDCE4AD2CCB}" type="datetimeFigureOut">
               <a:rPr lang="en-US" smtClean="0"/>
-              <a:t>10/22/2021</a:t>
+              <a:t>10/23/2021</a:t>
             </a:fld>
             <a:endParaRPr lang="en-US" dirty="0"/>
           </a:p>
@@ -5122,7 +5122,7 @@
           <a:p>
             <a:fld id="{87DD66F1-7FC0-403D-82FE-3DDCE4AD2CCB}" type="datetimeFigureOut">
               <a:rPr lang="en-US" smtClean="0"/>
-              <a:t>10/22/2021</a:t>
+              <a:t>10/23/2021</a:t>
             </a:fld>
             <a:endParaRPr lang="en-US" dirty="0"/>
           </a:p>
@@ -5782,7 +5782,7 @@
           <a:p>
             <a:fld id="{87DD66F1-7FC0-403D-82FE-3DDCE4AD2CCB}" type="datetimeFigureOut">
               <a:rPr lang="en-US" smtClean="0"/>
-              <a:t>10/22/2021</a:t>
+              <a:t>10/23/2021</a:t>
             </a:fld>
             <a:endParaRPr lang="en-US" dirty="0"/>
           </a:p>
@@ -6643,7 +6643,7 @@
           <a:p>
             <a:fld id="{87DD66F1-7FC0-403D-82FE-3DDCE4AD2CCB}" type="datetimeFigureOut">
               <a:rPr lang="en-US" smtClean="0"/>
-              <a:t>10/22/2021</a:t>
+              <a:t>10/23/2021</a:t>
             </a:fld>
             <a:endParaRPr lang="en-US" dirty="0"/>
           </a:p>
@@ -6833,7 +6833,7 @@
           <a:p>
             <a:fld id="{87DD66F1-7FC0-403D-82FE-3DDCE4AD2CCB}" type="datetimeFigureOut">
               <a:rPr lang="en-US" smtClean="0"/>
-              <a:t>10/22/2021</a:t>
+              <a:t>10/23/2021</a:t>
             </a:fld>
             <a:endParaRPr lang="en-US" dirty="0"/>
           </a:p>
@@ -7805,7 +7805,7 @@
           <a:p>
             <a:fld id="{87DD66F1-7FC0-403D-82FE-3DDCE4AD2CCB}" type="datetimeFigureOut">
               <a:rPr lang="en-US" smtClean="0"/>
-              <a:t>10/22/2021</a:t>
+              <a:t>10/23/2021</a:t>
             </a:fld>
             <a:endParaRPr lang="en-US" dirty="0"/>
           </a:p>
@@ -8016,7 +8016,7 @@
           <a:p>
             <a:fld id="{87DD66F1-7FC0-403D-82FE-3DDCE4AD2CCB}" type="datetimeFigureOut">
               <a:rPr lang="en-US" smtClean="0"/>
-              <a:t>10/22/2021</a:t>
+              <a:t>10/23/2021</a:t>
             </a:fld>
             <a:endParaRPr lang="en-US" dirty="0"/>
           </a:p>
@@ -9050,7 +9050,7 @@
           <a:p>
             <a:fld id="{87DD66F1-7FC0-403D-82FE-3DDCE4AD2CCB}" type="datetimeFigureOut">
               <a:rPr lang="en-US" smtClean="0"/>
-              <a:t>10/22/2021</a:t>
+              <a:t>10/23/2021</a:t>
             </a:fld>
             <a:endParaRPr lang="en-US" dirty="0"/>
           </a:p>
@@ -9322,7 +9322,7 @@
           <a:p>
             <a:fld id="{87DD66F1-7FC0-403D-82FE-3DDCE4AD2CCB}" type="datetimeFigureOut">
               <a:rPr lang="en-US" smtClean="0"/>
-              <a:t>10/22/2021</a:t>
+              <a:t>10/23/2021</a:t>
             </a:fld>
             <a:endParaRPr lang="en-US" dirty="0"/>
           </a:p>
@@ -9732,7 +9732,7 @@
           <a:p>
             <a:fld id="{87DD66F1-7FC0-403D-82FE-3DDCE4AD2CCB}" type="datetimeFigureOut">
               <a:rPr lang="en-US" smtClean="0"/>
-              <a:t>10/22/2021</a:t>
+              <a:t>10/23/2021</a:t>
             </a:fld>
             <a:endParaRPr lang="en-US" dirty="0"/>
           </a:p>
@@ -9859,7 +9859,7 @@
           <a:p>
             <a:fld id="{87DD66F1-7FC0-403D-82FE-3DDCE4AD2CCB}" type="datetimeFigureOut">
               <a:rPr lang="en-US" smtClean="0"/>
-              <a:t>10/22/2021</a:t>
+              <a:t>10/23/2021</a:t>
             </a:fld>
             <a:endParaRPr lang="en-US" dirty="0"/>
           </a:p>
@@ -9954,7 +9954,7 @@
           <a:p>
             <a:fld id="{87DD66F1-7FC0-403D-82FE-3DDCE4AD2CCB}" type="datetimeFigureOut">
               <a:rPr lang="en-US" smtClean="0"/>
-              <a:t>10/22/2021</a:t>
+              <a:t>10/23/2021</a:t>
             </a:fld>
             <a:endParaRPr lang="en-US" dirty="0"/>
           </a:p>
@@ -11035,7 +11035,7 @@
           <a:p>
             <a:fld id="{87DD66F1-7FC0-403D-82FE-3DDCE4AD2CCB}" type="datetimeFigureOut">
               <a:rPr lang="en-US" smtClean="0"/>
-              <a:t>10/22/2021</a:t>
+              <a:t>10/23/2021</a:t>
             </a:fld>
             <a:endParaRPr lang="en-US" dirty="0"/>
           </a:p>
@@ -12143,7 +12143,7 @@
           <a:p>
             <a:fld id="{87DD66F1-7FC0-403D-82FE-3DDCE4AD2CCB}" type="datetimeFigureOut">
               <a:rPr lang="en-US" smtClean="0"/>
-              <a:t>10/22/2021</a:t>
+              <a:t>10/23/2021</a:t>
             </a:fld>
             <a:endParaRPr lang="en-US" dirty="0"/>
           </a:p>
@@ -13140,7 +13140,7 @@
           <a:p>
             <a:fld id="{87DD66F1-7FC0-403D-82FE-3DDCE4AD2CCB}" type="datetimeFigureOut">
               <a:rPr lang="en-US" smtClean="0"/>
-              <a:t>10/22/2021</a:t>
+              <a:t>10/23/2021</a:t>
             </a:fld>
             <a:endParaRPr lang="en-US" dirty="0"/>
           </a:p>
@@ -14605,14 +14605,7 @@
                 <a:latin typeface="Arial" panose="020B0604020202020204" pitchFamily="34" charset="0"/>
                 <a:cs typeface="Arial" panose="020B0604020202020204" pitchFamily="34" charset="0"/>
               </a:rPr>
-              <a:t>Application </a:t>
-            </a:r>
-            <a:r>
-              <a:rPr lang="en-US" sz="2000" dirty="0" smtClean="0">
-                <a:latin typeface="Arial" panose="020B0604020202020204" pitchFamily="34" charset="0"/>
-                <a:cs typeface="Arial" panose="020B0604020202020204" pitchFamily="34" charset="0"/>
-              </a:rPr>
-              <a:t>Maintainability</a:t>
+              <a:t>Application Maintainability</a:t>
             </a:r>
           </a:p>
           <a:p>
@@ -14623,10 +14616,6 @@
               </a:rPr>
               <a:t>Focus on OOP</a:t>
             </a:r>
-            <a:endParaRPr lang="en-US" sz="2000" dirty="0" smtClean="0">
-              <a:latin typeface="Arial" panose="020B0604020202020204" pitchFamily="34" charset="0"/>
-              <a:cs typeface="Arial" panose="020B0604020202020204" pitchFamily="34" charset="0"/>
-            </a:endParaRPr>
           </a:p>
           <a:p>
             <a:endParaRPr lang="en-US" dirty="0" smtClean="0"/>
@@ -14857,16 +14846,14 @@
                 <a:latin typeface="Arial" panose="020B0604020202020204" pitchFamily="34" charset="0"/>
                 <a:cs typeface="Arial" panose="020B0604020202020204" pitchFamily="34" charset="0"/>
               </a:rPr>
-              <a:t>Vendor lock-in</a:t>
+              <a:t>Slow performance </a:t>
             </a:r>
-          </a:p>
-          <a:p>
             <a:r>
               <a:rPr lang="en-US" sz="2000" dirty="0" smtClean="0">
                 <a:latin typeface="Arial" panose="020B0604020202020204" pitchFamily="34" charset="0"/>
                 <a:cs typeface="Arial" panose="020B0604020202020204" pitchFamily="34" charset="0"/>
               </a:rPr>
-              <a:t>Performance in complex queries</a:t>
+              <a:t>in complex queries</a:t>
             </a:r>
           </a:p>
           <a:p>

--- a/Databases_and_EntityFrameworkCore.pptx
+++ b/Databases_and_EntityFrameworkCore.pptx
@@ -5,36 +5,38 @@
     <p:sldMasterId id="2147483660" r:id="rId1"/>
   </p:sldMasterIdLst>
   <p:notesMasterIdLst>
-    <p:notesMasterId r:id="rId29"/>
+    <p:notesMasterId r:id="rId31"/>
   </p:notesMasterIdLst>
   <p:sldIdLst>
     <p:sldId id="256" r:id="rId2"/>
     <p:sldId id="275" r:id="rId3"/>
     <p:sldId id="281" r:id="rId4"/>
     <p:sldId id="257" r:id="rId5"/>
-    <p:sldId id="258" r:id="rId6"/>
-    <p:sldId id="260" r:id="rId7"/>
-    <p:sldId id="280" r:id="rId8"/>
+    <p:sldId id="288" r:id="rId6"/>
+    <p:sldId id="258" r:id="rId7"/>
+    <p:sldId id="260" r:id="rId8"/>
     <p:sldId id="282" r:id="rId9"/>
     <p:sldId id="262" r:id="rId10"/>
     <p:sldId id="285" r:id="rId11"/>
-    <p:sldId id="283" r:id="rId12"/>
-    <p:sldId id="263" r:id="rId13"/>
-    <p:sldId id="264" r:id="rId14"/>
-    <p:sldId id="286" r:id="rId15"/>
-    <p:sldId id="287" r:id="rId16"/>
-    <p:sldId id="284" r:id="rId17"/>
-    <p:sldId id="265" r:id="rId18"/>
-    <p:sldId id="278" r:id="rId19"/>
-    <p:sldId id="277" r:id="rId20"/>
-    <p:sldId id="267" r:id="rId21"/>
-    <p:sldId id="266" r:id="rId22"/>
-    <p:sldId id="269" r:id="rId23"/>
-    <p:sldId id="268" r:id="rId24"/>
-    <p:sldId id="272" r:id="rId25"/>
-    <p:sldId id="276" r:id="rId26"/>
-    <p:sldId id="270" r:id="rId27"/>
-    <p:sldId id="271" r:id="rId28"/>
+    <p:sldId id="289" r:id="rId12"/>
+    <p:sldId id="283" r:id="rId13"/>
+    <p:sldId id="263" r:id="rId14"/>
+    <p:sldId id="264" r:id="rId15"/>
+    <p:sldId id="286" r:id="rId16"/>
+    <p:sldId id="287" r:id="rId17"/>
+    <p:sldId id="284" r:id="rId18"/>
+    <p:sldId id="265" r:id="rId19"/>
+    <p:sldId id="278" r:id="rId20"/>
+    <p:sldId id="277" r:id="rId21"/>
+    <p:sldId id="267" r:id="rId22"/>
+    <p:sldId id="266" r:id="rId23"/>
+    <p:sldId id="269" r:id="rId24"/>
+    <p:sldId id="268" r:id="rId25"/>
+    <p:sldId id="290" r:id="rId26"/>
+    <p:sldId id="272" r:id="rId27"/>
+    <p:sldId id="276" r:id="rId28"/>
+    <p:sldId id="270" r:id="rId29"/>
+    <p:sldId id="271" r:id="rId30"/>
   </p:sldIdLst>
   <p:sldSz cx="12192000" cy="6858000"/>
   <p:notesSz cx="6858000" cy="9144000"/>
@@ -142,12 +144,13 @@
             <p14:sldId id="275"/>
             <p14:sldId id="281"/>
             <p14:sldId id="257"/>
+            <p14:sldId id="288"/>
             <p14:sldId id="258"/>
             <p14:sldId id="260"/>
-            <p14:sldId id="280"/>
             <p14:sldId id="282"/>
             <p14:sldId id="262"/>
             <p14:sldId id="285"/>
+            <p14:sldId id="289"/>
             <p14:sldId id="283"/>
             <p14:sldId id="263"/>
             <p14:sldId id="264"/>
@@ -161,6 +164,7 @@
             <p14:sldId id="266"/>
             <p14:sldId id="269"/>
             <p14:sldId id="268"/>
+            <p14:sldId id="290"/>
             <p14:sldId id="272"/>
             <p14:sldId id="276"/>
             <p14:sldId id="270"/>
@@ -284,7 +288,7 @@
           <a:p>
             <a:fld id="{E90F1D5F-DFB3-4BE8-B292-C9F8DF07B94B}" type="datetimeFigureOut">
               <a:rPr lang="en-US" smtClean="0"/>
-              <a:t>10/23/2021</a:t>
+              <a:t>10/24/2021</a:t>
             </a:fld>
             <a:endParaRPr lang="en-US"/>
           </a:p>
@@ -887,7 +891,7 @@
           <a:p>
             <a:fld id="{87DD66F1-7FC0-403D-82FE-3DDCE4AD2CCB}" type="datetimeFigureOut">
               <a:rPr lang="en-US" smtClean="0"/>
-              <a:t>10/23/2021</a:t>
+              <a:t>10/24/2021</a:t>
             </a:fld>
             <a:endParaRPr lang="en-US" dirty="0"/>
           </a:p>
@@ -1975,7 +1979,7 @@
           <a:p>
             <a:fld id="{87DD66F1-7FC0-403D-82FE-3DDCE4AD2CCB}" type="datetimeFigureOut">
               <a:rPr lang="en-US" smtClean="0"/>
-              <a:t>10/23/2021</a:t>
+              <a:t>10/24/2021</a:t>
             </a:fld>
             <a:endParaRPr lang="en-US" dirty="0"/>
           </a:p>
@@ -2955,7 +2959,7 @@
           <a:p>
             <a:fld id="{87DD66F1-7FC0-403D-82FE-3DDCE4AD2CCB}" type="datetimeFigureOut">
               <a:rPr lang="en-US" smtClean="0"/>
-              <a:t>10/23/2021</a:t>
+              <a:t>10/24/2021</a:t>
             </a:fld>
             <a:endParaRPr lang="en-US" dirty="0"/>
           </a:p>
@@ -4089,7 +4093,7 @@
           <a:p>
             <a:fld id="{87DD66F1-7FC0-403D-82FE-3DDCE4AD2CCB}" type="datetimeFigureOut">
               <a:rPr lang="en-US" smtClean="0"/>
-              <a:t>10/23/2021</a:t>
+              <a:t>10/24/2021</a:t>
             </a:fld>
             <a:endParaRPr lang="en-US" dirty="0"/>
           </a:p>
@@ -5122,7 +5126,7 @@
           <a:p>
             <a:fld id="{87DD66F1-7FC0-403D-82FE-3DDCE4AD2CCB}" type="datetimeFigureOut">
               <a:rPr lang="en-US" smtClean="0"/>
-              <a:t>10/23/2021</a:t>
+              <a:t>10/24/2021</a:t>
             </a:fld>
             <a:endParaRPr lang="en-US" dirty="0"/>
           </a:p>
@@ -5782,7 +5786,7 @@
           <a:p>
             <a:fld id="{87DD66F1-7FC0-403D-82FE-3DDCE4AD2CCB}" type="datetimeFigureOut">
               <a:rPr lang="en-US" smtClean="0"/>
-              <a:t>10/23/2021</a:t>
+              <a:t>10/24/2021</a:t>
             </a:fld>
             <a:endParaRPr lang="en-US" dirty="0"/>
           </a:p>
@@ -6643,7 +6647,7 @@
           <a:p>
             <a:fld id="{87DD66F1-7FC0-403D-82FE-3DDCE4AD2CCB}" type="datetimeFigureOut">
               <a:rPr lang="en-US" smtClean="0"/>
-              <a:t>10/23/2021</a:t>
+              <a:t>10/24/2021</a:t>
             </a:fld>
             <a:endParaRPr lang="en-US" dirty="0"/>
           </a:p>
@@ -6833,7 +6837,7 @@
           <a:p>
             <a:fld id="{87DD66F1-7FC0-403D-82FE-3DDCE4AD2CCB}" type="datetimeFigureOut">
               <a:rPr lang="en-US" smtClean="0"/>
-              <a:t>10/23/2021</a:t>
+              <a:t>10/24/2021</a:t>
             </a:fld>
             <a:endParaRPr lang="en-US" dirty="0"/>
           </a:p>
@@ -7805,7 +7809,7 @@
           <a:p>
             <a:fld id="{87DD66F1-7FC0-403D-82FE-3DDCE4AD2CCB}" type="datetimeFigureOut">
               <a:rPr lang="en-US" smtClean="0"/>
-              <a:t>10/23/2021</a:t>
+              <a:t>10/24/2021</a:t>
             </a:fld>
             <a:endParaRPr lang="en-US" dirty="0"/>
           </a:p>
@@ -8016,7 +8020,7 @@
           <a:p>
             <a:fld id="{87DD66F1-7FC0-403D-82FE-3DDCE4AD2CCB}" type="datetimeFigureOut">
               <a:rPr lang="en-US" smtClean="0"/>
-              <a:t>10/23/2021</a:t>
+              <a:t>10/24/2021</a:t>
             </a:fld>
             <a:endParaRPr lang="en-US" dirty="0"/>
           </a:p>
@@ -9050,7 +9054,7 @@
           <a:p>
             <a:fld id="{87DD66F1-7FC0-403D-82FE-3DDCE4AD2CCB}" type="datetimeFigureOut">
               <a:rPr lang="en-US" smtClean="0"/>
-              <a:t>10/23/2021</a:t>
+              <a:t>10/24/2021</a:t>
             </a:fld>
             <a:endParaRPr lang="en-US" dirty="0"/>
           </a:p>
@@ -9322,7 +9326,7 @@
           <a:p>
             <a:fld id="{87DD66F1-7FC0-403D-82FE-3DDCE4AD2CCB}" type="datetimeFigureOut">
               <a:rPr lang="en-US" smtClean="0"/>
-              <a:t>10/23/2021</a:t>
+              <a:t>10/24/2021</a:t>
             </a:fld>
             <a:endParaRPr lang="en-US" dirty="0"/>
           </a:p>
@@ -9732,7 +9736,7 @@
           <a:p>
             <a:fld id="{87DD66F1-7FC0-403D-82FE-3DDCE4AD2CCB}" type="datetimeFigureOut">
               <a:rPr lang="en-US" smtClean="0"/>
-              <a:t>10/23/2021</a:t>
+              <a:t>10/24/2021</a:t>
             </a:fld>
             <a:endParaRPr lang="en-US" dirty="0"/>
           </a:p>
@@ -9859,7 +9863,7 @@
           <a:p>
             <a:fld id="{87DD66F1-7FC0-403D-82FE-3DDCE4AD2CCB}" type="datetimeFigureOut">
               <a:rPr lang="en-US" smtClean="0"/>
-              <a:t>10/23/2021</a:t>
+              <a:t>10/24/2021</a:t>
             </a:fld>
             <a:endParaRPr lang="en-US" dirty="0"/>
           </a:p>
@@ -9954,7 +9958,7 @@
           <a:p>
             <a:fld id="{87DD66F1-7FC0-403D-82FE-3DDCE4AD2CCB}" type="datetimeFigureOut">
               <a:rPr lang="en-US" smtClean="0"/>
-              <a:t>10/23/2021</a:t>
+              <a:t>10/24/2021</a:t>
             </a:fld>
             <a:endParaRPr lang="en-US" dirty="0"/>
           </a:p>
@@ -11035,7 +11039,7 @@
           <a:p>
             <a:fld id="{87DD66F1-7FC0-403D-82FE-3DDCE4AD2CCB}" type="datetimeFigureOut">
               <a:rPr lang="en-US" smtClean="0"/>
-              <a:t>10/23/2021</a:t>
+              <a:t>10/24/2021</a:t>
             </a:fld>
             <a:endParaRPr lang="en-US" dirty="0"/>
           </a:p>
@@ -12143,7 +12147,7 @@
           <a:p>
             <a:fld id="{87DD66F1-7FC0-403D-82FE-3DDCE4AD2CCB}" type="datetimeFigureOut">
               <a:rPr lang="en-US" smtClean="0"/>
-              <a:t>10/23/2021</a:t>
+              <a:t>10/24/2021</a:t>
             </a:fld>
             <a:endParaRPr lang="en-US" dirty="0"/>
           </a:p>
@@ -13140,7 +13144,7 @@
           <a:p>
             <a:fld id="{87DD66F1-7FC0-403D-82FE-3DDCE4AD2CCB}" type="datetimeFigureOut">
               <a:rPr lang="en-US" smtClean="0"/>
-              <a:t>10/23/2021</a:t>
+              <a:t>10/24/2021</a:t>
             </a:fld>
             <a:endParaRPr lang="en-US" dirty="0"/>
           </a:p>
@@ -13994,6 +13998,210 @@
       </p:grpSpPr>
       <p:sp>
         <p:nvSpPr>
+          <p:cNvPr id="2" name="Title 1"/>
+          <p:cNvSpPr>
+            <a:spLocks noGrp="1"/>
+          </p:cNvSpPr>
+          <p:nvPr>
+            <p:ph type="title"/>
+          </p:nvPr>
+        </p:nvSpPr>
+        <p:spPr/>
+        <p:txBody>
+          <a:bodyPr/>
+          <a:lstStyle/>
+          <a:p>
+            <a:pPr algn="ctr"/>
+            <a:r>
+              <a:rPr lang="en-US" dirty="0" smtClean="0">
+                <a:latin typeface="Arial" panose="020B0604020202020204" pitchFamily="34" charset="0"/>
+                <a:cs typeface="Arial" panose="020B0604020202020204" pitchFamily="34" charset="0"/>
+              </a:rPr>
+              <a:t>ADO.NET downsides</a:t>
+            </a:r>
+            <a:endParaRPr lang="en-US" dirty="0">
+              <a:latin typeface="Arial" panose="020B0604020202020204" pitchFamily="34" charset="0"/>
+              <a:cs typeface="Arial" panose="020B0604020202020204" pitchFamily="34" charset="0"/>
+            </a:endParaRPr>
+          </a:p>
+        </p:txBody>
+      </p:sp>
+      <p:sp>
+        <p:nvSpPr>
+          <p:cNvPr id="3" name="Text Placeholder 2"/>
+          <p:cNvSpPr>
+            <a:spLocks noGrp="1"/>
+          </p:cNvSpPr>
+          <p:nvPr>
+            <p:ph type="body" sz="half" idx="2"/>
+          </p:nvPr>
+        </p:nvSpPr>
+        <p:spPr/>
+        <p:txBody>
+          <a:bodyPr>
+            <a:normAutofit/>
+          </a:bodyPr>
+          <a:lstStyle/>
+          <a:p>
+            <a:pPr marL="285750" indent="-285750">
+              <a:buFont typeface="Wingdings" panose="05000000000000000000" pitchFamily="2" charset="2"/>
+              <a:buChar char="Ø"/>
+            </a:pPr>
+            <a:r>
+              <a:rPr lang="en-US" sz="2000" dirty="0" smtClean="0">
+                <a:solidFill>
+                  <a:schemeClr val="accent1">
+                    <a:lumMod val="50000"/>
+                  </a:schemeClr>
+                </a:solidFill>
+                <a:latin typeface="Arial" panose="020B0604020202020204" pitchFamily="34" charset="0"/>
+                <a:cs typeface="Arial" panose="020B0604020202020204" pitchFamily="34" charset="0"/>
+              </a:rPr>
+              <a:t>Again, we have to know SQL on a good level</a:t>
+            </a:r>
+          </a:p>
+          <a:p>
+            <a:pPr marL="285750" indent="-285750">
+              <a:buFont typeface="Wingdings" panose="05000000000000000000" pitchFamily="2" charset="2"/>
+              <a:buChar char="Ø"/>
+            </a:pPr>
+            <a:r>
+              <a:rPr lang="en-US" sz="2000" dirty="0" smtClean="0">
+                <a:solidFill>
+                  <a:schemeClr val="accent1">
+                    <a:lumMod val="50000"/>
+                  </a:schemeClr>
+                </a:solidFill>
+                <a:latin typeface="Arial" panose="020B0604020202020204" pitchFamily="34" charset="0"/>
+                <a:cs typeface="Arial" panose="020B0604020202020204" pitchFamily="34" charset="0"/>
+              </a:rPr>
+              <a:t>No </a:t>
+            </a:r>
+            <a:r>
+              <a:rPr lang="en-US" sz="2000" dirty="0" err="1" smtClean="0">
+                <a:solidFill>
+                  <a:schemeClr val="accent1">
+                    <a:lumMod val="50000"/>
+                  </a:schemeClr>
+                </a:solidFill>
+                <a:latin typeface="Arial" panose="020B0604020202020204" pitchFamily="34" charset="0"/>
+                <a:cs typeface="Arial" panose="020B0604020202020204" pitchFamily="34" charset="0"/>
+              </a:rPr>
+              <a:t>InteliSense</a:t>
+            </a:r>
+            <a:r>
+              <a:rPr lang="en-US" sz="2000" dirty="0" smtClean="0">
+                <a:solidFill>
+                  <a:schemeClr val="accent1">
+                    <a:lumMod val="50000"/>
+                  </a:schemeClr>
+                </a:solidFill>
+                <a:latin typeface="Arial" panose="020B0604020202020204" pitchFamily="34" charset="0"/>
+                <a:cs typeface="Arial" panose="020B0604020202020204" pitchFamily="34" charset="0"/>
+              </a:rPr>
+              <a:t> for queries</a:t>
+            </a:r>
+          </a:p>
+          <a:p>
+            <a:pPr marL="285750" indent="-285750">
+              <a:buFont typeface="Wingdings" panose="05000000000000000000" pitchFamily="2" charset="2"/>
+              <a:buChar char="Ø"/>
+            </a:pPr>
+            <a:r>
+              <a:rPr lang="en-US" sz="2000" dirty="0" smtClean="0">
+                <a:solidFill>
+                  <a:schemeClr val="accent1">
+                    <a:lumMod val="50000"/>
+                  </a:schemeClr>
+                </a:solidFill>
+                <a:latin typeface="Arial" panose="020B0604020202020204" pitchFamily="34" charset="0"/>
+                <a:cs typeface="Arial" panose="020B0604020202020204" pitchFamily="34" charset="0"/>
+              </a:rPr>
+              <a:t>Many runtime errors</a:t>
+            </a:r>
+          </a:p>
+          <a:p>
+            <a:pPr marL="285750" indent="-285750">
+              <a:buFont typeface="Wingdings" panose="05000000000000000000" pitchFamily="2" charset="2"/>
+              <a:buChar char="Ø"/>
+            </a:pPr>
+            <a:r>
+              <a:rPr lang="en-US" sz="2000" dirty="0" smtClean="0">
+                <a:solidFill>
+                  <a:schemeClr val="accent1">
+                    <a:lumMod val="50000"/>
+                  </a:schemeClr>
+                </a:solidFill>
+                <a:latin typeface="Arial" panose="020B0604020202020204" pitchFamily="34" charset="0"/>
+                <a:cs typeface="Arial" panose="020B0604020202020204" pitchFamily="34" charset="0"/>
+              </a:rPr>
+              <a:t>Writing more code</a:t>
+            </a:r>
+          </a:p>
+        </p:txBody>
+      </p:sp>
+      <p:pic>
+        <p:nvPicPr>
+          <p:cNvPr id="4" name="Content Placeholder 6"/>
+          <p:cNvPicPr>
+            <a:picLocks noChangeAspect="1"/>
+          </p:cNvPicPr>
+          <p:nvPr/>
+        </p:nvPicPr>
+        <p:blipFill>
+          <a:blip r:embed="rId2">
+            <a:extLst>
+              <a:ext uri="{28A0092B-C50C-407E-A947-70E740481C1C}">
+                <a14:useLocalDpi xmlns:a14="http://schemas.microsoft.com/office/drawing/2010/main" val="0"/>
+              </a:ext>
+            </a:extLst>
+          </a:blip>
+          <a:stretch>
+            <a:fillRect/>
+          </a:stretch>
+        </p:blipFill>
+        <p:spPr>
+          <a:xfrm>
+            <a:off x="7384868" y="3543300"/>
+            <a:ext cx="3063240" cy="2853337"/>
+          </a:xfrm>
+          <a:prstGeom prst="rect">
+            <a:avLst/>
+          </a:prstGeom>
+        </p:spPr>
+      </p:pic>
+    </p:spTree>
+    <p:extLst>
+      <p:ext uri="{BB962C8B-B14F-4D97-AF65-F5344CB8AC3E}">
+        <p14:creationId xmlns:p14="http://schemas.microsoft.com/office/powerpoint/2010/main" val="784604706"/>
+      </p:ext>
+    </p:extLst>
+  </p:cSld>
+  <p:clrMapOvr>
+    <a:masterClrMapping/>
+  </p:clrMapOvr>
+</p:sld>
+</file>
+
+<file path=ppt/slides/slide12.xml><?xml version="1.0" encoding="utf-8"?>
+<p:sld xmlns:a="http://schemas.openxmlformats.org/drawingml/2006/main" xmlns:r="http://schemas.openxmlformats.org/officeDocument/2006/relationships" xmlns:p="http://schemas.openxmlformats.org/presentationml/2006/main">
+  <p:cSld>
+    <p:spTree>
+      <p:nvGrpSpPr>
+        <p:cNvPr id="1" name=""/>
+        <p:cNvGrpSpPr/>
+        <p:nvPr/>
+      </p:nvGrpSpPr>
+      <p:grpSpPr>
+        <a:xfrm>
+          <a:off x="0" y="0"/>
+          <a:ext cx="0" cy="0"/>
+          <a:chOff x="0" y="0"/>
+          <a:chExt cx="0" cy="0"/>
+        </a:xfrm>
+      </p:grpSpPr>
+      <p:sp>
+        <p:nvSpPr>
           <p:cNvPr id="2" name="TextBox 1"/>
           <p:cNvSpPr txBox="1"/>
           <p:nvPr/>
@@ -14056,7 +14264,7 @@
       </p:sp>
       <p:pic>
         <p:nvPicPr>
-          <p:cNvPr id="3" name="Picture 2"/>
+          <p:cNvPr id="4" name="Picture 3"/>
           <p:cNvPicPr>
             <a:picLocks noChangeAspect="1"/>
           </p:cNvPicPr>
@@ -14076,42 +14284,12 @@
         </p:blipFill>
         <p:spPr>
           <a:xfrm>
-            <a:off x="4659082" y="687064"/>
-            <a:ext cx="2743201" cy="3236307"/>
+            <a:off x="4441371" y="964474"/>
+            <a:ext cx="3039291" cy="3039291"/>
           </a:xfrm>
           <a:prstGeom prst="rect">
             <a:avLst/>
           </a:prstGeom>
-          <a:solidFill>
-            <a:srgbClr val="FFFFFF">
-              <a:shade val="85000"/>
-            </a:srgbClr>
-          </a:solidFill>
-          <a:ln w="88900" cap="sq">
-            <a:solidFill>
-              <a:srgbClr val="FFFFFF"/>
-            </a:solidFill>
-            <a:miter lim="800000"/>
-          </a:ln>
-          <a:effectLst>
-            <a:outerShdw blurRad="55000" dist="18000" dir="5400000" algn="tl" rotWithShape="0">
-              <a:srgbClr val="000000">
-                <a:alpha val="40000"/>
-              </a:srgbClr>
-            </a:outerShdw>
-          </a:effectLst>
-          <a:scene3d>
-            <a:camera prst="orthographicFront"/>
-            <a:lightRig rig="twoPt" dir="t">
-              <a:rot lat="0" lon="0" rev="7200000"/>
-            </a:lightRig>
-          </a:scene3d>
-          <a:sp3d>
-            <a:bevelT w="25400" h="19050"/>
-            <a:contourClr>
-              <a:srgbClr val="FFFFFF"/>
-            </a:contourClr>
-          </a:sp3d>
         </p:spPr>
       </p:pic>
     </p:spTree>
@@ -14134,7 +14312,7 @@
 </p:sld>
 </file>
 
-<file path=ppt/slides/slide12.xml><?xml version="1.0" encoding="utf-8"?>
+<file path=ppt/slides/slide13.xml><?xml version="1.0" encoding="utf-8"?>
 <p:sld xmlns:a="http://schemas.openxmlformats.org/drawingml/2006/main" xmlns:r="http://schemas.openxmlformats.org/officeDocument/2006/relationships" xmlns:p="http://schemas.openxmlformats.org/presentationml/2006/main">
   <p:cSld>
     <p:spTree>
@@ -14279,7 +14457,7 @@
 </p:sld>
 </file>
 
-<file path=ppt/slides/slide13.xml><?xml version="1.0" encoding="utf-8"?>
+<file path=ppt/slides/slide14.xml><?xml version="1.0" encoding="utf-8"?>
 <p:sld xmlns:a="http://schemas.openxmlformats.org/drawingml/2006/main" xmlns:r="http://schemas.openxmlformats.org/officeDocument/2006/relationships" xmlns:p="http://schemas.openxmlformats.org/presentationml/2006/main">
   <p:cSld>
     <p:spTree>
@@ -14575,6 +14753,11 @@
           <a:p>
             <a:r>
               <a:rPr lang="en-US" sz="2000" dirty="0" smtClean="0">
+                <a:solidFill>
+                  <a:schemeClr val="accent1">
+                    <a:lumMod val="50000"/>
+                  </a:schemeClr>
+                </a:solidFill>
                 <a:latin typeface="Arial" panose="020B0604020202020204" pitchFamily="34" charset="0"/>
                 <a:cs typeface="Arial" panose="020B0604020202020204" pitchFamily="34" charset="0"/>
               </a:rPr>
@@ -14584,6 +14767,11 @@
           <a:p>
             <a:r>
               <a:rPr lang="en-US" sz="2000" dirty="0" smtClean="0">
+                <a:solidFill>
+                  <a:schemeClr val="accent1">
+                    <a:lumMod val="50000"/>
+                  </a:schemeClr>
+                </a:solidFill>
                 <a:latin typeface="Arial" panose="020B0604020202020204" pitchFamily="34" charset="0"/>
                 <a:cs typeface="Arial" panose="020B0604020202020204" pitchFamily="34" charset="0"/>
               </a:rPr>
@@ -14593,6 +14781,11 @@
           <a:p>
             <a:r>
               <a:rPr lang="en-US" sz="2000" dirty="0" smtClean="0">
+                <a:solidFill>
+                  <a:schemeClr val="accent1">
+                    <a:lumMod val="50000"/>
+                  </a:schemeClr>
+                </a:solidFill>
                 <a:latin typeface="Arial" panose="020B0604020202020204" pitchFamily="34" charset="0"/>
                 <a:cs typeface="Arial" panose="020B0604020202020204" pitchFamily="34" charset="0"/>
               </a:rPr>
@@ -14602,6 +14795,11 @@
           <a:p>
             <a:r>
               <a:rPr lang="en-US" sz="2000" dirty="0" smtClean="0">
+                <a:solidFill>
+                  <a:schemeClr val="accent1">
+                    <a:lumMod val="50000"/>
+                  </a:schemeClr>
+                </a:solidFill>
                 <a:latin typeface="Arial" panose="020B0604020202020204" pitchFamily="34" charset="0"/>
                 <a:cs typeface="Arial" panose="020B0604020202020204" pitchFamily="34" charset="0"/>
               </a:rPr>
@@ -14611,6 +14809,11 @@
           <a:p>
             <a:r>
               <a:rPr lang="en-US" sz="2000" dirty="0" smtClean="0">
+                <a:solidFill>
+                  <a:schemeClr val="accent1">
+                    <a:lumMod val="50000"/>
+                  </a:schemeClr>
+                </a:solidFill>
                 <a:latin typeface="Arial" panose="020B0604020202020204" pitchFamily="34" charset="0"/>
                 <a:cs typeface="Arial" panose="020B0604020202020204" pitchFamily="34" charset="0"/>
               </a:rPr>
@@ -14681,7 +14884,7 @@
 </p:sld>
 </file>
 
-<file path=ppt/slides/slide14.xml><?xml version="1.0" encoding="utf-8"?>
+<file path=ppt/slides/slide15.xml><?xml version="1.0" encoding="utf-8"?>
 <p:sld xmlns:a="http://schemas.openxmlformats.org/drawingml/2006/main" xmlns:r="http://schemas.openxmlformats.org/officeDocument/2006/relationships" xmlns:p="http://schemas.openxmlformats.org/presentationml/2006/main">
   <p:cSld>
     <p:spTree>
@@ -14777,7 +14980,7 @@
 </p:sld>
 </file>
 
-<file path=ppt/slides/slide15.xml><?xml version="1.0" encoding="utf-8"?>
+<file path=ppt/slides/slide16.xml><?xml version="1.0" encoding="utf-8"?>
 <p:sld xmlns:a="http://schemas.openxmlformats.org/drawingml/2006/main" xmlns:r="http://schemas.openxmlformats.org/officeDocument/2006/relationships" xmlns:p="http://schemas.openxmlformats.org/presentationml/2006/main">
   <p:cSld>
     <p:spTree>
@@ -14843,22 +15046,25 @@
           <a:p>
             <a:r>
               <a:rPr lang="en-US" sz="2000" dirty="0" smtClean="0">
+                <a:solidFill>
+                  <a:schemeClr val="accent1">
+                    <a:lumMod val="50000"/>
+                  </a:schemeClr>
+                </a:solidFill>
                 <a:latin typeface="Arial" panose="020B0604020202020204" pitchFamily="34" charset="0"/>
                 <a:cs typeface="Arial" panose="020B0604020202020204" pitchFamily="34" charset="0"/>
               </a:rPr>
-              <a:t>Slow performance </a:t>
-            </a:r>
+              <a:t>Slow performance in complex queries</a:t>
+            </a:r>
+          </a:p>
+          <a:p>
             <a:r>
               <a:rPr lang="en-US" sz="2000" dirty="0" smtClean="0">
-                <a:latin typeface="Arial" panose="020B0604020202020204" pitchFamily="34" charset="0"/>
-                <a:cs typeface="Arial" panose="020B0604020202020204" pitchFamily="34" charset="0"/>
-              </a:rPr>
-              <a:t>in complex queries</a:t>
-            </a:r>
-          </a:p>
-          <a:p>
-            <a:r>
-              <a:rPr lang="en-US" sz="2000" dirty="0" smtClean="0">
+                <a:solidFill>
+                  <a:schemeClr val="accent1">
+                    <a:lumMod val="50000"/>
+                  </a:schemeClr>
+                </a:solidFill>
                 <a:latin typeface="Arial" panose="020B0604020202020204" pitchFamily="34" charset="0"/>
                 <a:cs typeface="Arial" panose="020B0604020202020204" pitchFamily="34" charset="0"/>
               </a:rPr>
@@ -14868,12 +15074,22 @@
           <a:p>
             <a:r>
               <a:rPr lang="en-US" sz="2000" dirty="0" smtClean="0">
+                <a:solidFill>
+                  <a:schemeClr val="accent1">
+                    <a:lumMod val="50000"/>
+                  </a:schemeClr>
+                </a:solidFill>
                 <a:latin typeface="Arial" panose="020B0604020202020204" pitchFamily="34" charset="0"/>
                 <a:cs typeface="Arial" panose="020B0604020202020204" pitchFamily="34" charset="0"/>
               </a:rPr>
               <a:t>Tuning</a:t>
             </a:r>
             <a:endParaRPr lang="en-US" sz="2000" dirty="0">
+              <a:solidFill>
+                <a:schemeClr val="accent1">
+                  <a:lumMod val="50000"/>
+                </a:schemeClr>
+              </a:solidFill>
               <a:latin typeface="Arial" panose="020B0604020202020204" pitchFamily="34" charset="0"/>
               <a:cs typeface="Arial" panose="020B0604020202020204" pitchFamily="34" charset="0"/>
             </a:endParaRPr>
@@ -14922,7 +15138,7 @@
 </p:sld>
 </file>
 
-<file path=ppt/slides/slide16.xml><?xml version="1.0" encoding="utf-8"?>
+<file path=ppt/slides/slide17.xml><?xml version="1.0" encoding="utf-8"?>
 <p:sld xmlns:a="http://schemas.openxmlformats.org/drawingml/2006/main" xmlns:r="http://schemas.openxmlformats.org/officeDocument/2006/relationships" xmlns:p="http://schemas.openxmlformats.org/presentationml/2006/main">
   <p:cSld>
     <p:spTree>
@@ -15060,7 +15276,7 @@
 </p:sld>
 </file>
 
-<file path=ppt/slides/slide17.xml><?xml version="1.0" encoding="utf-8"?>
+<file path=ppt/slides/slide18.xml><?xml version="1.0" encoding="utf-8"?>
 <p:sld xmlns:a="http://schemas.openxmlformats.org/drawingml/2006/main" xmlns:r="http://schemas.openxmlformats.org/officeDocument/2006/relationships" xmlns:p="http://schemas.openxmlformats.org/presentationml/2006/main">
   <p:cSld>
     <p:spTree>
@@ -15123,6 +15339,11 @@
           <a:p>
             <a:r>
               <a:rPr lang="en-US" dirty="0" smtClean="0">
+                <a:solidFill>
+                  <a:schemeClr val="accent1">
+                    <a:lumMod val="50000"/>
+                  </a:schemeClr>
+                </a:solidFill>
                 <a:latin typeface="Arial" panose="020B0604020202020204" pitchFamily="34" charset="0"/>
                 <a:cs typeface="Arial" panose="020B0604020202020204" pitchFamily="34" charset="0"/>
               </a:rPr>
@@ -15132,6 +15353,11 @@
           <a:p>
             <a:r>
               <a:rPr lang="en-US" dirty="0" smtClean="0">
+                <a:solidFill>
+                  <a:schemeClr val="accent1">
+                    <a:lumMod val="50000"/>
+                  </a:schemeClr>
+                </a:solidFill>
                 <a:latin typeface="Arial" panose="020B0604020202020204" pitchFamily="34" charset="0"/>
                 <a:cs typeface="Arial" panose="020B0604020202020204" pitchFamily="34" charset="0"/>
               </a:rPr>
@@ -15141,6 +15367,11 @@
           <a:p>
             <a:r>
               <a:rPr lang="en-US" dirty="0" smtClean="0">
+                <a:solidFill>
+                  <a:schemeClr val="accent1">
+                    <a:lumMod val="50000"/>
+                  </a:schemeClr>
+                </a:solidFill>
                 <a:latin typeface="Arial" panose="020B0604020202020204" pitchFamily="34" charset="0"/>
                 <a:cs typeface="Arial" panose="020B0604020202020204" pitchFamily="34" charset="0"/>
               </a:rPr>
@@ -15150,12 +15381,22 @@
           <a:p>
             <a:r>
               <a:rPr lang="en-US" dirty="0" smtClean="0">
+                <a:solidFill>
+                  <a:schemeClr val="accent1">
+                    <a:lumMod val="50000"/>
+                  </a:schemeClr>
+                </a:solidFill>
                 <a:latin typeface="Arial" panose="020B0604020202020204" pitchFamily="34" charset="0"/>
                 <a:cs typeface="Arial" panose="020B0604020202020204" pitchFamily="34" charset="0"/>
               </a:rPr>
               <a:t>Supports many database providers</a:t>
             </a:r>
             <a:endParaRPr lang="en-US" dirty="0">
+              <a:solidFill>
+                <a:schemeClr val="accent1">
+                  <a:lumMod val="50000"/>
+                </a:schemeClr>
+              </a:solidFill>
               <a:latin typeface="Arial" panose="020B0604020202020204" pitchFamily="34" charset="0"/>
               <a:cs typeface="Arial" panose="020B0604020202020204" pitchFamily="34" charset="0"/>
             </a:endParaRPr>
@@ -15211,7 +15452,7 @@
 </p:sld>
 </file>
 
-<file path=ppt/slides/slide18.xml><?xml version="1.0" encoding="utf-8"?>
+<file path=ppt/slides/slide19.xml><?xml version="1.0" encoding="utf-8"?>
 <p:sld xmlns:a="http://schemas.openxmlformats.org/drawingml/2006/main" xmlns:r="http://schemas.openxmlformats.org/officeDocument/2006/relationships" xmlns:p="http://schemas.openxmlformats.org/presentationml/2006/main">
   <p:cSld>
     <p:spTree>
@@ -15337,107 +15578,6 @@
 </p:sld>
 </file>
 
-<file path=ppt/slides/slide19.xml><?xml version="1.0" encoding="utf-8"?>
-<p:sld xmlns:a="http://schemas.openxmlformats.org/drawingml/2006/main" xmlns:r="http://schemas.openxmlformats.org/officeDocument/2006/relationships" xmlns:p="http://schemas.openxmlformats.org/presentationml/2006/main">
-  <p:cSld>
-    <p:spTree>
-      <p:nvGrpSpPr>
-        <p:cNvPr id="1" name=""/>
-        <p:cNvGrpSpPr/>
-        <p:nvPr/>
-      </p:nvGrpSpPr>
-      <p:grpSpPr>
-        <a:xfrm>
-          <a:off x="0" y="0"/>
-          <a:ext cx="0" cy="0"/>
-          <a:chOff x="0" y="0"/>
-          <a:chExt cx="0" cy="0"/>
-        </a:xfrm>
-      </p:grpSpPr>
-      <p:sp>
-        <p:nvSpPr>
-          <p:cNvPr id="2" name="Title 1"/>
-          <p:cNvSpPr>
-            <a:spLocks noGrp="1"/>
-          </p:cNvSpPr>
-          <p:nvPr>
-            <p:ph type="title"/>
-          </p:nvPr>
-        </p:nvSpPr>
-        <p:spPr>
-          <a:xfrm>
-            <a:off x="1474994" y="1019388"/>
-            <a:ext cx="8761413" cy="706964"/>
-          </a:xfrm>
-        </p:spPr>
-        <p:txBody>
-          <a:bodyPr/>
-          <a:lstStyle/>
-          <a:p>
-            <a:pPr algn="ctr"/>
-            <a:r>
-              <a:rPr lang="en-US" dirty="0" smtClean="0">
-                <a:latin typeface="Arial" panose="020B0604020202020204" pitchFamily="34" charset="0"/>
-                <a:cs typeface="Arial" panose="020B0604020202020204" pitchFamily="34" charset="0"/>
-              </a:rPr>
-              <a:t>Model design approaches</a:t>
-            </a:r>
-            <a:endParaRPr lang="en-US" dirty="0">
-              <a:latin typeface="Arial" panose="020B0604020202020204" pitchFamily="34" charset="0"/>
-              <a:cs typeface="Arial" panose="020B0604020202020204" pitchFamily="34" charset="0"/>
-            </a:endParaRPr>
-          </a:p>
-        </p:txBody>
-      </p:sp>
-      <p:pic>
-        <p:nvPicPr>
-          <p:cNvPr id="5" name="Content Placeholder 4"/>
-          <p:cNvPicPr>
-            <a:picLocks noGrp="1" noChangeAspect="1"/>
-          </p:cNvPicPr>
-          <p:nvPr>
-            <p:ph idx="1"/>
-          </p:nvPr>
-        </p:nvPicPr>
-        <p:blipFill>
-          <a:blip r:embed="rId2">
-            <a:extLst>
-              <a:ext uri="{28A0092B-C50C-407E-A947-70E740481C1C}">
-                <a14:useLocalDpi xmlns:a14="http://schemas.microsoft.com/office/drawing/2010/main" val="0"/>
-              </a:ext>
-            </a:extLst>
-          </a:blip>
-          <a:stretch>
-            <a:fillRect/>
-          </a:stretch>
-        </p:blipFill>
-        <p:spPr>
-          <a:xfrm>
-            <a:off x="1780724" y="2448977"/>
-            <a:ext cx="8671633" cy="3795069"/>
-          </a:xfrm>
-        </p:spPr>
-      </p:pic>
-    </p:spTree>
-    <p:extLst>
-      <p:ext uri="{BB962C8B-B14F-4D97-AF65-F5344CB8AC3E}">
-        <p14:creationId xmlns:p14="http://schemas.microsoft.com/office/powerpoint/2010/main" val="1130608291"/>
-      </p:ext>
-    </p:extLst>
-  </p:cSld>
-  <p:clrMapOvr>
-    <a:masterClrMapping/>
-  </p:clrMapOvr>
-  <p:timing>
-    <p:tnLst>
-      <p:par>
-        <p:cTn id="1" dur="indefinite" restart="never" nodeType="tmRoot"/>
-      </p:par>
-    </p:tnLst>
-  </p:timing>
-</p:sld>
-</file>
-
 <file path=ppt/slides/slide2.xml><?xml version="1.0" encoding="utf-8"?>
 <p:sld xmlns:a="http://schemas.openxmlformats.org/drawingml/2006/main" xmlns:r="http://schemas.openxmlformats.org/officeDocument/2006/relationships" xmlns:p="http://schemas.openxmlformats.org/presentationml/2006/main">
   <p:cSld>
@@ -15576,6 +15716,11 @@
           <a:p>
             <a:r>
               <a:rPr lang="en-US" sz="2000" dirty="0" smtClean="0">
+                <a:solidFill>
+                  <a:schemeClr val="accent1">
+                    <a:lumMod val="50000"/>
+                  </a:schemeClr>
+                </a:solidFill>
                 <a:latin typeface="Arial" panose="020B0604020202020204" pitchFamily="34" charset="0"/>
                 <a:cs typeface="Arial" panose="020B0604020202020204" pitchFamily="34" charset="0"/>
               </a:rPr>
@@ -15585,6 +15730,11 @@
           <a:p>
             <a:r>
               <a:rPr lang="en-US" sz="2000" dirty="0" smtClean="0">
+                <a:solidFill>
+                  <a:schemeClr val="accent1">
+                    <a:lumMod val="50000"/>
+                  </a:schemeClr>
+                </a:solidFill>
                 <a:latin typeface="Arial" panose="020B0604020202020204" pitchFamily="34" charset="0"/>
                 <a:cs typeface="Arial" panose="020B0604020202020204" pitchFamily="34" charset="0"/>
               </a:rPr>
@@ -15594,6 +15744,11 @@
           <a:p>
             <a:r>
               <a:rPr lang="en-US" sz="2000" dirty="0" smtClean="0">
+                <a:solidFill>
+                  <a:schemeClr val="accent1">
+                    <a:lumMod val="50000"/>
+                  </a:schemeClr>
+                </a:solidFill>
                 <a:latin typeface="Arial" panose="020B0604020202020204" pitchFamily="34" charset="0"/>
                 <a:cs typeface="Arial" panose="020B0604020202020204" pitchFamily="34" charset="0"/>
               </a:rPr>
@@ -15603,6 +15758,11 @@
           <a:p>
             <a:r>
               <a:rPr lang="en-US" sz="2000" dirty="0" smtClean="0">
+                <a:solidFill>
+                  <a:schemeClr val="accent1">
+                    <a:lumMod val="50000"/>
+                  </a:schemeClr>
+                </a:solidFill>
                 <a:latin typeface="Arial" panose="020B0604020202020204" pitchFamily="34" charset="0"/>
                 <a:cs typeface="Arial" panose="020B0604020202020204" pitchFamily="34" charset="0"/>
               </a:rPr>
@@ -15616,6 +15776,11 @@
             </a:pPr>
             <a:r>
               <a:rPr lang="en-US" sz="1800" dirty="0" smtClean="0">
+                <a:solidFill>
+                  <a:schemeClr val="accent1">
+                    <a:lumMod val="50000"/>
+                  </a:schemeClr>
+                </a:solidFill>
                 <a:latin typeface="Arial" panose="020B0604020202020204" pitchFamily="34" charset="0"/>
                 <a:cs typeface="Arial" panose="020B0604020202020204" pitchFamily="34" charset="0"/>
               </a:rPr>
@@ -15629,6 +15794,11 @@
             </a:pPr>
             <a:r>
               <a:rPr lang="en-US" sz="1800" dirty="0" smtClean="0">
+                <a:solidFill>
+                  <a:schemeClr val="accent1">
+                    <a:lumMod val="50000"/>
+                  </a:schemeClr>
+                </a:solidFill>
                 <a:latin typeface="Arial" panose="020B0604020202020204" pitchFamily="34" charset="0"/>
                 <a:cs typeface="Arial" panose="020B0604020202020204" pitchFamily="34" charset="0"/>
               </a:rPr>
@@ -15638,12 +15808,22 @@
           <a:p>
             <a:r>
               <a:rPr lang="en-US" sz="2000" dirty="0" smtClean="0">
+                <a:solidFill>
+                  <a:schemeClr val="accent1">
+                    <a:lumMod val="50000"/>
+                  </a:schemeClr>
+                </a:solidFill>
                 <a:latin typeface="Arial" panose="020B0604020202020204" pitchFamily="34" charset="0"/>
                 <a:cs typeface="Arial" panose="020B0604020202020204" pitchFamily="34" charset="0"/>
               </a:rPr>
               <a:t>LINQ</a:t>
             </a:r>
             <a:endParaRPr lang="bg-BG" sz="2000" dirty="0" smtClean="0">
+              <a:solidFill>
+                <a:schemeClr val="accent1">
+                  <a:lumMod val="50000"/>
+                </a:schemeClr>
+              </a:solidFill>
               <a:latin typeface="Arial" panose="020B0604020202020204" pitchFamily="34" charset="0"/>
               <a:cs typeface="Arial" panose="020B0604020202020204" pitchFamily="34" charset="0"/>
             </a:endParaRPr>
@@ -15651,6 +15831,11 @@
           <a:p>
             <a:r>
               <a:rPr lang="en-US" sz="2000" dirty="0" smtClean="0">
+                <a:solidFill>
+                  <a:schemeClr val="accent1">
+                    <a:lumMod val="50000"/>
+                  </a:schemeClr>
+                </a:solidFill>
                 <a:latin typeface="Arial" panose="020B0604020202020204" pitchFamily="34" charset="0"/>
                 <a:cs typeface="Arial" panose="020B0604020202020204" pitchFamily="34" charset="0"/>
               </a:rPr>
@@ -15815,6 +16000,107 @@
       </p:grpSpPr>
       <p:sp>
         <p:nvSpPr>
+          <p:cNvPr id="2" name="Title 1"/>
+          <p:cNvSpPr>
+            <a:spLocks noGrp="1"/>
+          </p:cNvSpPr>
+          <p:nvPr>
+            <p:ph type="title"/>
+          </p:nvPr>
+        </p:nvSpPr>
+        <p:spPr>
+          <a:xfrm>
+            <a:off x="1474994" y="1019388"/>
+            <a:ext cx="8761413" cy="706964"/>
+          </a:xfrm>
+        </p:spPr>
+        <p:txBody>
+          <a:bodyPr/>
+          <a:lstStyle/>
+          <a:p>
+            <a:pPr algn="ctr"/>
+            <a:r>
+              <a:rPr lang="en-US" dirty="0" smtClean="0">
+                <a:latin typeface="Arial" panose="020B0604020202020204" pitchFamily="34" charset="0"/>
+                <a:cs typeface="Arial" panose="020B0604020202020204" pitchFamily="34" charset="0"/>
+              </a:rPr>
+              <a:t>Model design approaches</a:t>
+            </a:r>
+            <a:endParaRPr lang="en-US" dirty="0">
+              <a:latin typeface="Arial" panose="020B0604020202020204" pitchFamily="34" charset="0"/>
+              <a:cs typeface="Arial" panose="020B0604020202020204" pitchFamily="34" charset="0"/>
+            </a:endParaRPr>
+          </a:p>
+        </p:txBody>
+      </p:sp>
+      <p:pic>
+        <p:nvPicPr>
+          <p:cNvPr id="5" name="Content Placeholder 4"/>
+          <p:cNvPicPr>
+            <a:picLocks noGrp="1" noChangeAspect="1"/>
+          </p:cNvPicPr>
+          <p:nvPr>
+            <p:ph idx="1"/>
+          </p:nvPr>
+        </p:nvPicPr>
+        <p:blipFill>
+          <a:blip r:embed="rId2">
+            <a:extLst>
+              <a:ext uri="{28A0092B-C50C-407E-A947-70E740481C1C}">
+                <a14:useLocalDpi xmlns:a14="http://schemas.microsoft.com/office/drawing/2010/main" val="0"/>
+              </a:ext>
+            </a:extLst>
+          </a:blip>
+          <a:stretch>
+            <a:fillRect/>
+          </a:stretch>
+        </p:blipFill>
+        <p:spPr>
+          <a:xfrm>
+            <a:off x="1780724" y="2448977"/>
+            <a:ext cx="8671633" cy="3795069"/>
+          </a:xfrm>
+        </p:spPr>
+      </p:pic>
+    </p:spTree>
+    <p:extLst>
+      <p:ext uri="{BB962C8B-B14F-4D97-AF65-F5344CB8AC3E}">
+        <p14:creationId xmlns:p14="http://schemas.microsoft.com/office/powerpoint/2010/main" val="1130608291"/>
+      </p:ext>
+    </p:extLst>
+  </p:cSld>
+  <p:clrMapOvr>
+    <a:masterClrMapping/>
+  </p:clrMapOvr>
+  <p:timing>
+    <p:tnLst>
+      <p:par>
+        <p:cTn id="1" dur="indefinite" restart="never" nodeType="tmRoot"/>
+      </p:par>
+    </p:tnLst>
+  </p:timing>
+</p:sld>
+</file>
+
+<file path=ppt/slides/slide21.xml><?xml version="1.0" encoding="utf-8"?>
+<p:sld xmlns:a="http://schemas.openxmlformats.org/drawingml/2006/main" xmlns:r="http://schemas.openxmlformats.org/officeDocument/2006/relationships" xmlns:p="http://schemas.openxmlformats.org/presentationml/2006/main">
+  <p:cSld>
+    <p:spTree>
+      <p:nvGrpSpPr>
+        <p:cNvPr id="1" name=""/>
+        <p:cNvGrpSpPr/>
+        <p:nvPr/>
+      </p:nvGrpSpPr>
+      <p:grpSpPr>
+        <a:xfrm>
+          <a:off x="0" y="0"/>
+          <a:ext cx="0" cy="0"/>
+          <a:chOff x="0" y="0"/>
+          <a:chExt cx="0" cy="0"/>
+        </a:xfrm>
+      </p:grpSpPr>
+      <p:sp>
+        <p:nvSpPr>
           <p:cNvPr id="4" name="Text Placeholder 3"/>
           <p:cNvSpPr>
             <a:spLocks noGrp="1"/>
@@ -15990,7 +16276,7 @@
 </p:sld>
 </file>
 
-<file path=ppt/slides/slide21.xml><?xml version="1.0" encoding="utf-8"?>
+<file path=ppt/slides/slide22.xml><?xml version="1.0" encoding="utf-8"?>
 <p:sld xmlns:a="http://schemas.openxmlformats.org/drawingml/2006/main" xmlns:r="http://schemas.openxmlformats.org/officeDocument/2006/relationships" xmlns:p="http://schemas.openxmlformats.org/presentationml/2006/main">
   <p:cSld>
     <p:spTree>
@@ -16192,7 +16478,7 @@
 </p:sld>
 </file>
 
-<file path=ppt/slides/slide22.xml><?xml version="1.0" encoding="utf-8"?>
+<file path=ppt/slides/slide23.xml><?xml version="1.0" encoding="utf-8"?>
 <p:sld xmlns:a="http://schemas.openxmlformats.org/drawingml/2006/main" xmlns:r="http://schemas.openxmlformats.org/officeDocument/2006/relationships" xmlns:p="http://schemas.openxmlformats.org/presentationml/2006/main">
   <p:cSld>
     <p:spTree>
@@ -16379,7 +16665,7 @@
 </p:sld>
 </file>
 
-<file path=ppt/slides/slide23.xml><?xml version="1.0" encoding="utf-8"?>
+<file path=ppt/slides/slide24.xml><?xml version="1.0" encoding="utf-8"?>
 <p:sld xmlns:a="http://schemas.openxmlformats.org/drawingml/2006/main" xmlns:r="http://schemas.openxmlformats.org/officeDocument/2006/relationships" xmlns:p="http://schemas.openxmlformats.org/presentationml/2006/main">
   <p:cSld>
     <p:spTree>
@@ -16634,7 +16920,155 @@
 </p:sld>
 </file>
 
-<file path=ppt/slides/slide24.xml><?xml version="1.0" encoding="utf-8"?>
+<file path=ppt/slides/slide25.xml><?xml version="1.0" encoding="utf-8"?>
+<p:sld xmlns:a="http://schemas.openxmlformats.org/drawingml/2006/main" xmlns:r="http://schemas.openxmlformats.org/officeDocument/2006/relationships" xmlns:p="http://schemas.openxmlformats.org/presentationml/2006/main">
+  <p:cSld>
+    <p:spTree>
+      <p:nvGrpSpPr>
+        <p:cNvPr id="1" name=""/>
+        <p:cNvGrpSpPr/>
+        <p:nvPr/>
+      </p:nvGrpSpPr>
+      <p:grpSpPr>
+        <a:xfrm>
+          <a:off x="0" y="0"/>
+          <a:ext cx="0" cy="0"/>
+          <a:chOff x="0" y="0"/>
+          <a:chExt cx="0" cy="0"/>
+        </a:xfrm>
+      </p:grpSpPr>
+      <p:sp>
+        <p:nvSpPr>
+          <p:cNvPr id="2" name="Title 1"/>
+          <p:cNvSpPr>
+            <a:spLocks noGrp="1"/>
+          </p:cNvSpPr>
+          <p:nvPr>
+            <p:ph type="title"/>
+          </p:nvPr>
+        </p:nvSpPr>
+        <p:spPr>
+          <a:xfrm>
+            <a:off x="1825514" y="851747"/>
+            <a:ext cx="8761413" cy="1055429"/>
+          </a:xfrm>
+        </p:spPr>
+        <p:txBody>
+          <a:bodyPr/>
+          <a:lstStyle/>
+          <a:p>
+            <a:pPr algn="ctr"/>
+            <a:r>
+              <a:rPr lang="en-US" dirty="0" smtClean="0">
+                <a:latin typeface="Arial" panose="020B0604020202020204" pitchFamily="34" charset="0"/>
+                <a:cs typeface="Arial" panose="020B0604020202020204" pitchFamily="34" charset="0"/>
+              </a:rPr>
+              <a:t>Microsoft creates such software by reflection?</a:t>
+            </a:r>
+            <a:endParaRPr lang="en-US" dirty="0">
+              <a:latin typeface="Arial" panose="020B0604020202020204" pitchFamily="34" charset="0"/>
+              <a:cs typeface="Arial" panose="020B0604020202020204" pitchFamily="34" charset="0"/>
+            </a:endParaRPr>
+          </a:p>
+        </p:txBody>
+      </p:sp>
+      <p:sp>
+        <p:nvSpPr>
+          <p:cNvPr id="5" name="TextBox 4"/>
+          <p:cNvSpPr txBox="1"/>
+          <p:nvPr/>
+        </p:nvSpPr>
+        <p:spPr>
+          <a:xfrm>
+            <a:off x="1085579" y="2821577"/>
+            <a:ext cx="10101943" cy="3108543"/>
+          </a:xfrm>
+          <a:prstGeom prst="rect">
+            <a:avLst/>
+          </a:prstGeom>
+          <a:noFill/>
+        </p:spPr>
+        <p:txBody>
+          <a:bodyPr wrap="square" rtlCol="0">
+            <a:spAutoFit/>
+          </a:bodyPr>
+          <a:lstStyle/>
+          <a:p>
+            <a:pPr marL="285750" indent="-285750">
+              <a:buFont typeface="Wingdings" panose="05000000000000000000" pitchFamily="2" charset="2"/>
+              <a:buChar char="Ø"/>
+            </a:pPr>
+            <a:r>
+              <a:rPr lang="en-US" sz="2800" dirty="0" smtClean="0">
+                <a:solidFill>
+                  <a:schemeClr val="accent1">
+                    <a:lumMod val="50000"/>
+                  </a:schemeClr>
+                </a:solidFill>
+                <a:latin typeface="Arial" panose="020B0604020202020204" pitchFamily="34" charset="0"/>
+                <a:cs typeface="Arial" panose="020B0604020202020204" pitchFamily="34" charset="0"/>
+              </a:rPr>
+              <a:t>Reflection in C# is a way to retrieve metadata for any types or assemblies at runtime. In other words we can use reflection to inspect metadata of the types in our program dynamically.</a:t>
+            </a:r>
+          </a:p>
+          <a:p>
+            <a:pPr marL="285750" indent="-285750">
+              <a:buFont typeface="Wingdings" panose="05000000000000000000" pitchFamily="2" charset="2"/>
+              <a:buChar char="Ø"/>
+            </a:pPr>
+            <a:endParaRPr lang="en-US" sz="2800" dirty="0">
+              <a:solidFill>
+                <a:schemeClr val="accent1">
+                  <a:lumMod val="50000"/>
+                </a:schemeClr>
+              </a:solidFill>
+              <a:latin typeface="Arial" panose="020B0604020202020204" pitchFamily="34" charset="0"/>
+              <a:cs typeface="Arial" panose="020B0604020202020204" pitchFamily="34" charset="0"/>
+            </a:endParaRPr>
+          </a:p>
+          <a:p>
+            <a:pPr marL="285750" indent="-285750">
+              <a:buFont typeface="Wingdings" panose="05000000000000000000" pitchFamily="2" charset="2"/>
+              <a:buChar char="Ø"/>
+            </a:pPr>
+            <a:r>
+              <a:rPr lang="en-US" sz="2800" dirty="0" smtClean="0">
+                <a:solidFill>
+                  <a:schemeClr val="accent1">
+                    <a:lumMod val="50000"/>
+                  </a:schemeClr>
+                </a:solidFill>
+                <a:latin typeface="Arial" panose="020B0604020202020204" pitchFamily="34" charset="0"/>
+                <a:cs typeface="Arial" panose="020B0604020202020204" pitchFamily="34" charset="0"/>
+              </a:rPr>
+              <a:t>Reflection in C# is similar to RTTI (Runtime Type Information) in C++.</a:t>
+            </a:r>
+            <a:endParaRPr lang="en-US" sz="2800" dirty="0">
+              <a:solidFill>
+                <a:schemeClr val="accent1">
+                  <a:lumMod val="50000"/>
+                </a:schemeClr>
+              </a:solidFill>
+              <a:latin typeface="Arial" panose="020B0604020202020204" pitchFamily="34" charset="0"/>
+              <a:cs typeface="Arial" panose="020B0604020202020204" pitchFamily="34" charset="0"/>
+            </a:endParaRPr>
+          </a:p>
+        </p:txBody>
+      </p:sp>
+    </p:spTree>
+    <p:extLst>
+      <p:ext uri="{BB962C8B-B14F-4D97-AF65-F5344CB8AC3E}">
+        <p14:creationId xmlns:p14="http://schemas.microsoft.com/office/powerpoint/2010/main" val="3795257386"/>
+      </p:ext>
+    </p:extLst>
+  </p:cSld>
+  <p:clrMapOvr>
+    <a:masterClrMapping/>
+  </p:clrMapOvr>
+</p:sld>
+</file>
+
+<file path=ppt/slides/slide26.xml><?xml version="1.0" encoding="utf-8"?>
 <p:sld xmlns:a="http://schemas.openxmlformats.org/drawingml/2006/main" xmlns:r="http://schemas.openxmlformats.org/officeDocument/2006/relationships" xmlns:p="http://schemas.openxmlformats.org/presentationml/2006/main">
   <p:cSld>
     <p:spTree>
@@ -16729,7 +17163,7 @@
 </p:sld>
 </file>
 
-<file path=ppt/slides/slide25.xml><?xml version="1.0" encoding="utf-8"?>
+<file path=ppt/slides/slide27.xml><?xml version="1.0" encoding="utf-8"?>
 <p:sld xmlns:a="http://schemas.openxmlformats.org/drawingml/2006/main" xmlns:r="http://schemas.openxmlformats.org/officeDocument/2006/relationships" xmlns:p="http://schemas.openxmlformats.org/presentationml/2006/main">
   <p:cSld>
     <p:spTree>
@@ -16951,7 +17385,7 @@
 </p:sld>
 </file>
 
-<file path=ppt/slides/slide26.xml><?xml version="1.0" encoding="utf-8"?>
+<file path=ppt/slides/slide28.xml><?xml version="1.0" encoding="utf-8"?>
 <p:sld xmlns:a="http://schemas.openxmlformats.org/drawingml/2006/main" xmlns:r="http://schemas.openxmlformats.org/officeDocument/2006/relationships" xmlns:p="http://schemas.openxmlformats.org/presentationml/2006/main">
   <p:cSld>
     <p:spTree>
@@ -17150,7 +17584,7 @@
 </p:sld>
 </file>
 
-<file path=ppt/slides/slide27.xml><?xml version="1.0" encoding="utf-8"?>
+<file path=ppt/slides/slide29.xml><?xml version="1.0" encoding="utf-8"?>
 <p:sld xmlns:a="http://schemas.openxmlformats.org/drawingml/2006/main" xmlns:r="http://schemas.openxmlformats.org/officeDocument/2006/relationships" xmlns:p="http://schemas.openxmlformats.org/presentationml/2006/main">
   <p:cSld>
     <p:spTree>
@@ -17365,7 +17799,7 @@
         </p:nvSpPr>
         <p:spPr>
           <a:xfrm>
-            <a:off x="1869056" y="982377"/>
+            <a:off x="2095479" y="973669"/>
             <a:ext cx="8761413" cy="706964"/>
           </a:xfrm>
         </p:spPr>
@@ -17411,7 +17845,7 @@
         </p:blipFill>
         <p:spPr>
           <a:xfrm>
-            <a:off x="2342381" y="2603500"/>
+            <a:off x="2699433" y="2655751"/>
             <a:ext cx="6451551" cy="3416300"/>
           </a:xfrm>
         </p:spPr>
@@ -17437,6 +17871,176 @@
 </file>
 
 <file path=ppt/slides/slide5.xml><?xml version="1.0" encoding="utf-8"?>
+<p:sld xmlns:a="http://schemas.openxmlformats.org/drawingml/2006/main" xmlns:r="http://schemas.openxmlformats.org/officeDocument/2006/relationships" xmlns:p="http://schemas.openxmlformats.org/presentationml/2006/main">
+  <p:cSld>
+    <p:spTree>
+      <p:nvGrpSpPr>
+        <p:cNvPr id="1" name=""/>
+        <p:cNvGrpSpPr/>
+        <p:nvPr/>
+      </p:nvGrpSpPr>
+      <p:grpSpPr>
+        <a:xfrm>
+          <a:off x="0" y="0"/>
+          <a:ext cx="0" cy="0"/>
+          <a:chOff x="0" y="0"/>
+          <a:chExt cx="0" cy="0"/>
+        </a:xfrm>
+      </p:grpSpPr>
+      <p:sp>
+        <p:nvSpPr>
+          <p:cNvPr id="2" name="Title 1"/>
+          <p:cNvSpPr>
+            <a:spLocks noGrp="1"/>
+          </p:cNvSpPr>
+          <p:nvPr>
+            <p:ph type="title"/>
+          </p:nvPr>
+        </p:nvSpPr>
+        <p:spPr>
+          <a:xfrm>
+            <a:off x="1375323" y="1158240"/>
+            <a:ext cx="2528772" cy="1040674"/>
+          </a:xfrm>
+        </p:spPr>
+        <p:txBody>
+          <a:bodyPr/>
+          <a:lstStyle/>
+          <a:p>
+            <a:r>
+              <a:rPr lang="en-US" sz="3200" dirty="0" smtClean="0">
+                <a:latin typeface="Arial" panose="020B0604020202020204" pitchFamily="34" charset="0"/>
+                <a:cs typeface="Arial" panose="020B0604020202020204" pitchFamily="34" charset="0"/>
+              </a:rPr>
+              <a:t>What is a Database?</a:t>
+            </a:r>
+            <a:endParaRPr lang="en-US" sz="3200" dirty="0">
+              <a:latin typeface="Arial" panose="020B0604020202020204" pitchFamily="34" charset="0"/>
+              <a:cs typeface="Arial" panose="020B0604020202020204" pitchFamily="34" charset="0"/>
+            </a:endParaRPr>
+          </a:p>
+        </p:txBody>
+      </p:sp>
+      <p:sp>
+        <p:nvSpPr>
+          <p:cNvPr id="4" name="Text Placeholder 3"/>
+          <p:cNvSpPr>
+            <a:spLocks noGrp="1"/>
+          </p:cNvSpPr>
+          <p:nvPr>
+            <p:ph type="body" sz="half" idx="2"/>
+          </p:nvPr>
+        </p:nvSpPr>
+        <p:spPr>
+          <a:xfrm>
+            <a:off x="1050451" y="2441303"/>
+            <a:ext cx="3295126" cy="3400084"/>
+          </a:xfrm>
+        </p:spPr>
+        <p:txBody>
+          <a:bodyPr>
+            <a:noAutofit/>
+          </a:bodyPr>
+          <a:lstStyle/>
+          <a:p>
+            <a:pPr marL="285750" indent="-285750">
+              <a:buClr>
+                <a:schemeClr val="bg1"/>
+              </a:buClr>
+              <a:buFont typeface="Arial" panose="020B0604020202020204" pitchFamily="34" charset="0"/>
+              <a:buChar char="•"/>
+            </a:pPr>
+            <a:r>
+              <a:rPr lang="en-US" sz="1800" dirty="0" smtClean="0">
+                <a:solidFill>
+                  <a:schemeClr val="bg1"/>
+                </a:solidFill>
+                <a:latin typeface="Arial" panose="020B0604020202020204" pitchFamily="34" charset="0"/>
+                <a:cs typeface="Arial" panose="020B0604020202020204" pitchFamily="34" charset="0"/>
+              </a:rPr>
+              <a:t>A database is an organized collection of structured information, or data, typically stored electronically in a computer system.</a:t>
+            </a:r>
+          </a:p>
+          <a:p>
+            <a:endParaRPr lang="en-US" sz="1800" dirty="0">
+              <a:solidFill>
+                <a:schemeClr val="bg1"/>
+              </a:solidFill>
+              <a:latin typeface="Arial" panose="020B0604020202020204" pitchFamily="34" charset="0"/>
+              <a:cs typeface="Arial" panose="020B0604020202020204" pitchFamily="34" charset="0"/>
+            </a:endParaRPr>
+          </a:p>
+          <a:p>
+            <a:pPr marL="285750" indent="-285750">
+              <a:buClr>
+                <a:schemeClr val="bg1"/>
+              </a:buClr>
+              <a:buFont typeface="Arial" panose="020B0604020202020204" pitchFamily="34" charset="0"/>
+              <a:buChar char="•"/>
+            </a:pPr>
+            <a:r>
+              <a:rPr lang="en-US" sz="1800" dirty="0" smtClean="0">
+                <a:solidFill>
+                  <a:schemeClr val="bg1"/>
+                </a:solidFill>
+                <a:latin typeface="Arial" panose="020B0604020202020204" pitchFamily="34" charset="0"/>
+                <a:cs typeface="Arial" panose="020B0604020202020204" pitchFamily="34" charset="0"/>
+              </a:rPr>
+              <a:t>A database is usually controlled by a database management system (DBMS).</a:t>
+            </a:r>
+            <a:endParaRPr lang="en-US" sz="1800" dirty="0">
+              <a:solidFill>
+                <a:schemeClr val="bg1"/>
+              </a:solidFill>
+              <a:latin typeface="Arial" panose="020B0604020202020204" pitchFamily="34" charset="0"/>
+              <a:cs typeface="Arial" panose="020B0604020202020204" pitchFamily="34" charset="0"/>
+            </a:endParaRPr>
+          </a:p>
+        </p:txBody>
+      </p:sp>
+      <p:pic>
+        <p:nvPicPr>
+          <p:cNvPr id="15" name="Content Placeholder 14"/>
+          <p:cNvPicPr>
+            <a:picLocks noGrp="1" noChangeAspect="1"/>
+          </p:cNvPicPr>
+          <p:nvPr>
+            <p:ph idx="1"/>
+          </p:nvPr>
+        </p:nvPicPr>
+        <p:blipFill>
+          <a:blip r:embed="rId2" cstate="print">
+            <a:extLst>
+              <a:ext uri="{28A0092B-C50C-407E-A947-70E740481C1C}">
+                <a14:useLocalDpi xmlns:a14="http://schemas.microsoft.com/office/drawing/2010/main" val="0"/>
+              </a:ext>
+            </a:extLst>
+          </a:blip>
+          <a:stretch>
+            <a:fillRect/>
+          </a:stretch>
+        </p:blipFill>
+        <p:spPr>
+          <a:xfrm>
+            <a:off x="6327072" y="1269386"/>
+            <a:ext cx="3304608" cy="4581779"/>
+          </a:xfrm>
+        </p:spPr>
+      </p:pic>
+    </p:spTree>
+    <p:extLst>
+      <p:ext uri="{BB962C8B-B14F-4D97-AF65-F5344CB8AC3E}">
+        <p14:creationId xmlns:p14="http://schemas.microsoft.com/office/powerpoint/2010/main" val="1335781760"/>
+      </p:ext>
+    </p:extLst>
+  </p:cSld>
+  <p:clrMapOvr>
+    <a:masterClrMapping/>
+  </p:clrMapOvr>
+</p:sld>
+</file>
+
+<file path=ppt/slides/slide6.xml><?xml version="1.0" encoding="utf-8"?>
 <p:sld xmlns:a="http://schemas.openxmlformats.org/drawingml/2006/main" xmlns:r="http://schemas.openxmlformats.org/officeDocument/2006/relationships" xmlns:p="http://schemas.openxmlformats.org/presentationml/2006/main">
   <p:cSld>
     <p:spTree>
@@ -17605,7 +18209,7 @@
 </p:sld>
 </file>
 
-<file path=ppt/slides/slide6.xml><?xml version="1.0" encoding="utf-8"?>
+<file path=ppt/slides/slide7.xml><?xml version="1.0" encoding="utf-8"?>
 <p:sld xmlns:a="http://schemas.openxmlformats.org/drawingml/2006/main" xmlns:r="http://schemas.openxmlformats.org/officeDocument/2006/relationships" xmlns:p="http://schemas.openxmlformats.org/presentationml/2006/main">
   <p:cSld>
     <p:spTree>
@@ -17778,120 +18382,6 @@
     <p:extLst>
       <p:ext uri="{BB962C8B-B14F-4D97-AF65-F5344CB8AC3E}">
         <p14:creationId xmlns:p14="http://schemas.microsoft.com/office/powerpoint/2010/main" val="1553230175"/>
-      </p:ext>
-    </p:extLst>
-  </p:cSld>
-  <p:clrMapOvr>
-    <a:masterClrMapping/>
-  </p:clrMapOvr>
-  <p:timing>
-    <p:tnLst>
-      <p:par>
-        <p:cTn id="1" dur="indefinite" restart="never" nodeType="tmRoot"/>
-      </p:par>
-    </p:tnLst>
-  </p:timing>
-</p:sld>
-</file>
-
-<file path=ppt/slides/slide7.xml><?xml version="1.0" encoding="utf-8"?>
-<p:sld xmlns:a="http://schemas.openxmlformats.org/drawingml/2006/main" xmlns:r="http://schemas.openxmlformats.org/officeDocument/2006/relationships" xmlns:p="http://schemas.openxmlformats.org/presentationml/2006/main">
-  <p:cSld>
-    <p:spTree>
-      <p:nvGrpSpPr>
-        <p:cNvPr id="1" name=""/>
-        <p:cNvGrpSpPr/>
-        <p:nvPr/>
-      </p:nvGrpSpPr>
-      <p:grpSpPr>
-        <a:xfrm>
-          <a:off x="0" y="0"/>
-          <a:ext cx="0" cy="0"/>
-          <a:chOff x="0" y="0"/>
-          <a:chExt cx="0" cy="0"/>
-        </a:xfrm>
-      </p:grpSpPr>
-      <p:sp>
-        <p:nvSpPr>
-          <p:cNvPr id="2" name="Title 1"/>
-          <p:cNvSpPr>
-            <a:spLocks noGrp="1"/>
-          </p:cNvSpPr>
-          <p:nvPr>
-            <p:ph type="title"/>
-          </p:nvPr>
-        </p:nvSpPr>
-        <p:spPr>
-          <a:xfrm>
-            <a:off x="1330214" y="1080348"/>
-            <a:ext cx="8761413" cy="706964"/>
-          </a:xfrm>
-        </p:spPr>
-        <p:txBody>
-          <a:bodyPr/>
-          <a:lstStyle/>
-          <a:p>
-            <a:pPr algn="ctr"/>
-            <a:r>
-              <a:rPr lang="en-US" dirty="0" smtClean="0">
-                <a:latin typeface="Arial" panose="020B0604020202020204" pitchFamily="34" charset="0"/>
-                <a:cs typeface="Arial" panose="020B0604020202020204" pitchFamily="34" charset="0"/>
-              </a:rPr>
-              <a:t>Queries (MySQL vs MongoDB)</a:t>
-            </a:r>
-            <a:endParaRPr lang="en-US" dirty="0">
-              <a:latin typeface="Arial" panose="020B0604020202020204" pitchFamily="34" charset="0"/>
-              <a:cs typeface="Arial" panose="020B0604020202020204" pitchFamily="34" charset="0"/>
-            </a:endParaRPr>
-          </a:p>
-        </p:txBody>
-      </p:sp>
-      <p:pic>
-        <p:nvPicPr>
-          <p:cNvPr id="10" name="Content Placeholder 9"/>
-          <p:cNvPicPr>
-            <a:picLocks noGrp="1" noChangeAspect="1"/>
-          </p:cNvPicPr>
-          <p:nvPr>
-            <p:ph sz="half" idx="2"/>
-          </p:nvPr>
-        </p:nvPicPr>
-        <p:blipFill>
-          <a:blip r:embed="rId2" cstate="print">
-            <a:extLst>
-              <a:ext uri="{28A0092B-C50C-407E-A947-70E740481C1C}">
-                <a14:useLocalDpi xmlns:a14="http://schemas.microsoft.com/office/drawing/2010/main" val="0"/>
-              </a:ext>
-            </a:extLst>
-          </a:blip>
-          <a:stretch>
-            <a:fillRect/>
-          </a:stretch>
-        </p:blipFill>
-        <p:spPr>
-          <a:xfrm>
-            <a:off x="3422425" y="2368778"/>
-            <a:ext cx="5085850" cy="4395486"/>
-          </a:xfrm>
-          <a:prstGeom prst="rect">
-            <a:avLst/>
-          </a:prstGeom>
-          <a:ln>
-            <a:noFill/>
-          </a:ln>
-          <a:effectLst>
-            <a:outerShdw blurRad="190500" algn="tl" rotWithShape="0">
-              <a:srgbClr val="000000">
-                <a:alpha val="70000"/>
-              </a:srgbClr>
-            </a:outerShdw>
-          </a:effectLst>
-        </p:spPr>
-      </p:pic>
-    </p:spTree>
-    <p:extLst>
-      <p:ext uri="{BB962C8B-B14F-4D97-AF65-F5344CB8AC3E}">
-        <p14:creationId xmlns:p14="http://schemas.microsoft.com/office/powerpoint/2010/main" val="584929033"/>
       </p:ext>
     </p:extLst>
   </p:cSld>

--- a/Databases_and_EntityFrameworkCore.pptx
+++ b/Databases_and_EntityFrameworkCore.pptx
@@ -5,7 +5,7 @@
     <p:sldMasterId id="2147483660" r:id="rId1"/>
   </p:sldMasterIdLst>
   <p:notesMasterIdLst>
-    <p:notesMasterId r:id="rId31"/>
+    <p:notesMasterId r:id="rId30"/>
   </p:notesMasterIdLst>
   <p:sldIdLst>
     <p:sldId id="256" r:id="rId2"/>
@@ -22,21 +22,20 @@
     <p:sldId id="283" r:id="rId13"/>
     <p:sldId id="263" r:id="rId14"/>
     <p:sldId id="264" r:id="rId15"/>
-    <p:sldId id="286" r:id="rId16"/>
-    <p:sldId id="287" r:id="rId17"/>
-    <p:sldId id="284" r:id="rId18"/>
-    <p:sldId id="265" r:id="rId19"/>
-    <p:sldId id="278" r:id="rId20"/>
-    <p:sldId id="277" r:id="rId21"/>
-    <p:sldId id="267" r:id="rId22"/>
-    <p:sldId id="266" r:id="rId23"/>
-    <p:sldId id="269" r:id="rId24"/>
-    <p:sldId id="268" r:id="rId25"/>
-    <p:sldId id="290" r:id="rId26"/>
-    <p:sldId id="272" r:id="rId27"/>
-    <p:sldId id="276" r:id="rId28"/>
-    <p:sldId id="270" r:id="rId29"/>
-    <p:sldId id="271" r:id="rId30"/>
+    <p:sldId id="287" r:id="rId16"/>
+    <p:sldId id="284" r:id="rId17"/>
+    <p:sldId id="265" r:id="rId18"/>
+    <p:sldId id="278" r:id="rId19"/>
+    <p:sldId id="277" r:id="rId20"/>
+    <p:sldId id="267" r:id="rId21"/>
+    <p:sldId id="266" r:id="rId22"/>
+    <p:sldId id="269" r:id="rId23"/>
+    <p:sldId id="268" r:id="rId24"/>
+    <p:sldId id="290" r:id="rId25"/>
+    <p:sldId id="272" r:id="rId26"/>
+    <p:sldId id="276" r:id="rId27"/>
+    <p:sldId id="270" r:id="rId28"/>
+    <p:sldId id="271" r:id="rId29"/>
   </p:sldIdLst>
   <p:sldSz cx="12192000" cy="6858000"/>
   <p:notesSz cx="6858000" cy="9144000"/>
@@ -154,7 +153,6 @@
             <p14:sldId id="283"/>
             <p14:sldId id="263"/>
             <p14:sldId id="264"/>
-            <p14:sldId id="286"/>
             <p14:sldId id="287"/>
             <p14:sldId id="284"/>
             <p14:sldId id="265"/>
@@ -14911,102 +14909,6 @@
             <p:ph type="title"/>
           </p:nvPr>
         </p:nvSpPr>
-        <p:spPr>
-          <a:xfrm>
-            <a:off x="1349057" y="2940503"/>
-            <a:ext cx="3865134" cy="633549"/>
-          </a:xfrm>
-        </p:spPr>
-        <p:txBody>
-          <a:bodyPr>
-            <a:normAutofit fontScale="90000"/>
-          </a:bodyPr>
-          <a:lstStyle/>
-          <a:p>
-            <a:r>
-              <a:rPr lang="en-US" dirty="0" smtClean="0">
-                <a:latin typeface="Arial" panose="020B0604020202020204" pitchFamily="34" charset="0"/>
-                <a:cs typeface="Arial" panose="020B0604020202020204" pitchFamily="34" charset="0"/>
-              </a:rPr>
-              <a:t>What is the reality?</a:t>
-            </a:r>
-            <a:endParaRPr lang="en-US" dirty="0">
-              <a:latin typeface="Arial" panose="020B0604020202020204" pitchFamily="34" charset="0"/>
-              <a:cs typeface="Arial" panose="020B0604020202020204" pitchFamily="34" charset="0"/>
-            </a:endParaRPr>
-          </a:p>
-        </p:txBody>
-      </p:sp>
-      <p:pic>
-        <p:nvPicPr>
-          <p:cNvPr id="8" name="Picture 7"/>
-          <p:cNvPicPr>
-            <a:picLocks noChangeAspect="1"/>
-          </p:cNvPicPr>
-          <p:nvPr/>
-        </p:nvPicPr>
-        <p:blipFill>
-          <a:blip r:embed="rId2" cstate="print">
-            <a:extLst>
-              <a:ext uri="{28A0092B-C50C-407E-A947-70E740481C1C}">
-                <a14:useLocalDpi xmlns:a14="http://schemas.microsoft.com/office/drawing/2010/main" val="0"/>
-              </a:ext>
-            </a:extLst>
-          </a:blip>
-          <a:stretch>
-            <a:fillRect/>
-          </a:stretch>
-        </p:blipFill>
-        <p:spPr>
-          <a:xfrm>
-            <a:off x="6605507" y="1632040"/>
-            <a:ext cx="4425267" cy="3884023"/>
-          </a:xfrm>
-          <a:prstGeom prst="rect">
-            <a:avLst/>
-          </a:prstGeom>
-        </p:spPr>
-      </p:pic>
-    </p:spTree>
-    <p:extLst>
-      <p:ext uri="{BB962C8B-B14F-4D97-AF65-F5344CB8AC3E}">
-        <p14:creationId xmlns:p14="http://schemas.microsoft.com/office/powerpoint/2010/main" val="1281454293"/>
-      </p:ext>
-    </p:extLst>
-  </p:cSld>
-  <p:clrMapOvr>
-    <a:masterClrMapping/>
-  </p:clrMapOvr>
-</p:sld>
-</file>
-
-<file path=ppt/slides/slide16.xml><?xml version="1.0" encoding="utf-8"?>
-<p:sld xmlns:a="http://schemas.openxmlformats.org/drawingml/2006/main" xmlns:r="http://schemas.openxmlformats.org/officeDocument/2006/relationships" xmlns:p="http://schemas.openxmlformats.org/presentationml/2006/main">
-  <p:cSld>
-    <p:spTree>
-      <p:nvGrpSpPr>
-        <p:cNvPr id="1" name=""/>
-        <p:cNvGrpSpPr/>
-        <p:nvPr/>
-      </p:nvGrpSpPr>
-      <p:grpSpPr>
-        <a:xfrm>
-          <a:off x="0" y="0"/>
-          <a:ext cx="0" cy="0"/>
-          <a:chOff x="0" y="0"/>
-          <a:chExt cx="0" cy="0"/>
-        </a:xfrm>
-      </p:grpSpPr>
-      <p:sp>
-        <p:nvSpPr>
-          <p:cNvPr id="2" name="Title 1"/>
-          <p:cNvSpPr>
-            <a:spLocks noGrp="1"/>
-          </p:cNvSpPr>
-          <p:nvPr>
-            <p:ph type="title"/>
-          </p:nvPr>
-        </p:nvSpPr>
         <p:spPr/>
         <p:txBody>
           <a:bodyPr/>
@@ -15138,7 +15040,7 @@
 </p:sld>
 </file>
 
-<file path=ppt/slides/slide17.xml><?xml version="1.0" encoding="utf-8"?>
+<file path=ppt/slides/slide16.xml><?xml version="1.0" encoding="utf-8"?>
 <p:sld xmlns:a="http://schemas.openxmlformats.org/drawingml/2006/main" xmlns:r="http://schemas.openxmlformats.org/officeDocument/2006/relationships" xmlns:p="http://schemas.openxmlformats.org/presentationml/2006/main">
   <p:cSld>
     <p:spTree>
@@ -15276,7 +15178,7 @@
 </p:sld>
 </file>
 
-<file path=ppt/slides/slide18.xml><?xml version="1.0" encoding="utf-8"?>
+<file path=ppt/slides/slide17.xml><?xml version="1.0" encoding="utf-8"?>
 <p:sld xmlns:a="http://schemas.openxmlformats.org/drawingml/2006/main" xmlns:r="http://schemas.openxmlformats.org/officeDocument/2006/relationships" xmlns:p="http://schemas.openxmlformats.org/presentationml/2006/main">
   <p:cSld>
     <p:spTree>
@@ -15452,7 +15354,7 @@
 </p:sld>
 </file>
 
-<file path=ppt/slides/slide19.xml><?xml version="1.0" encoding="utf-8"?>
+<file path=ppt/slides/slide18.xml><?xml version="1.0" encoding="utf-8"?>
 <p:sld xmlns:a="http://schemas.openxmlformats.org/drawingml/2006/main" xmlns:r="http://schemas.openxmlformats.org/officeDocument/2006/relationships" xmlns:p="http://schemas.openxmlformats.org/presentationml/2006/main">
   <p:cSld>
     <p:spTree>
@@ -15562,6 +15464,107 @@
     <p:extLst>
       <p:ext uri="{BB962C8B-B14F-4D97-AF65-F5344CB8AC3E}">
         <p14:creationId xmlns:p14="http://schemas.microsoft.com/office/powerpoint/2010/main" val="822469674"/>
+      </p:ext>
+    </p:extLst>
+  </p:cSld>
+  <p:clrMapOvr>
+    <a:masterClrMapping/>
+  </p:clrMapOvr>
+  <p:timing>
+    <p:tnLst>
+      <p:par>
+        <p:cTn id="1" dur="indefinite" restart="never" nodeType="tmRoot"/>
+      </p:par>
+    </p:tnLst>
+  </p:timing>
+</p:sld>
+</file>
+
+<file path=ppt/slides/slide19.xml><?xml version="1.0" encoding="utf-8"?>
+<p:sld xmlns:a="http://schemas.openxmlformats.org/drawingml/2006/main" xmlns:r="http://schemas.openxmlformats.org/officeDocument/2006/relationships" xmlns:p="http://schemas.openxmlformats.org/presentationml/2006/main">
+  <p:cSld>
+    <p:spTree>
+      <p:nvGrpSpPr>
+        <p:cNvPr id="1" name=""/>
+        <p:cNvGrpSpPr/>
+        <p:nvPr/>
+      </p:nvGrpSpPr>
+      <p:grpSpPr>
+        <a:xfrm>
+          <a:off x="0" y="0"/>
+          <a:ext cx="0" cy="0"/>
+          <a:chOff x="0" y="0"/>
+          <a:chExt cx="0" cy="0"/>
+        </a:xfrm>
+      </p:grpSpPr>
+      <p:sp>
+        <p:nvSpPr>
+          <p:cNvPr id="2" name="Title 1"/>
+          <p:cNvSpPr>
+            <a:spLocks noGrp="1"/>
+          </p:cNvSpPr>
+          <p:nvPr>
+            <p:ph type="title"/>
+          </p:nvPr>
+        </p:nvSpPr>
+        <p:spPr>
+          <a:xfrm>
+            <a:off x="1474994" y="1019388"/>
+            <a:ext cx="8761413" cy="706964"/>
+          </a:xfrm>
+        </p:spPr>
+        <p:txBody>
+          <a:bodyPr/>
+          <a:lstStyle/>
+          <a:p>
+            <a:pPr algn="ctr"/>
+            <a:r>
+              <a:rPr lang="en-US" dirty="0" smtClean="0">
+                <a:latin typeface="Arial" panose="020B0604020202020204" pitchFamily="34" charset="0"/>
+                <a:cs typeface="Arial" panose="020B0604020202020204" pitchFamily="34" charset="0"/>
+              </a:rPr>
+              <a:t>Model design approaches</a:t>
+            </a:r>
+            <a:endParaRPr lang="en-US" dirty="0">
+              <a:latin typeface="Arial" panose="020B0604020202020204" pitchFamily="34" charset="0"/>
+              <a:cs typeface="Arial" panose="020B0604020202020204" pitchFamily="34" charset="0"/>
+            </a:endParaRPr>
+          </a:p>
+        </p:txBody>
+      </p:sp>
+      <p:pic>
+        <p:nvPicPr>
+          <p:cNvPr id="5" name="Content Placeholder 4"/>
+          <p:cNvPicPr>
+            <a:picLocks noGrp="1" noChangeAspect="1"/>
+          </p:cNvPicPr>
+          <p:nvPr>
+            <p:ph idx="1"/>
+          </p:nvPr>
+        </p:nvPicPr>
+        <p:blipFill>
+          <a:blip r:embed="rId2">
+            <a:extLst>
+              <a:ext uri="{28A0092B-C50C-407E-A947-70E740481C1C}">
+                <a14:useLocalDpi xmlns:a14="http://schemas.microsoft.com/office/drawing/2010/main" val="0"/>
+              </a:ext>
+            </a:extLst>
+          </a:blip>
+          <a:stretch>
+            <a:fillRect/>
+          </a:stretch>
+        </p:blipFill>
+        <p:spPr>
+          <a:xfrm>
+            <a:off x="1780724" y="2448977"/>
+            <a:ext cx="8671633" cy="3795069"/>
+          </a:xfrm>
+        </p:spPr>
+      </p:pic>
+    </p:spTree>
+    <p:extLst>
+      <p:ext uri="{BB962C8B-B14F-4D97-AF65-F5344CB8AC3E}">
+        <p14:creationId xmlns:p14="http://schemas.microsoft.com/office/powerpoint/2010/main" val="1130608291"/>
       </p:ext>
     </p:extLst>
   </p:cSld>
@@ -16000,107 +16003,6 @@
       </p:grpSpPr>
       <p:sp>
         <p:nvSpPr>
-          <p:cNvPr id="2" name="Title 1"/>
-          <p:cNvSpPr>
-            <a:spLocks noGrp="1"/>
-          </p:cNvSpPr>
-          <p:nvPr>
-            <p:ph type="title"/>
-          </p:nvPr>
-        </p:nvSpPr>
-        <p:spPr>
-          <a:xfrm>
-            <a:off x="1474994" y="1019388"/>
-            <a:ext cx="8761413" cy="706964"/>
-          </a:xfrm>
-        </p:spPr>
-        <p:txBody>
-          <a:bodyPr/>
-          <a:lstStyle/>
-          <a:p>
-            <a:pPr algn="ctr"/>
-            <a:r>
-              <a:rPr lang="en-US" dirty="0" smtClean="0">
-                <a:latin typeface="Arial" panose="020B0604020202020204" pitchFamily="34" charset="0"/>
-                <a:cs typeface="Arial" panose="020B0604020202020204" pitchFamily="34" charset="0"/>
-              </a:rPr>
-              <a:t>Model design approaches</a:t>
-            </a:r>
-            <a:endParaRPr lang="en-US" dirty="0">
-              <a:latin typeface="Arial" panose="020B0604020202020204" pitchFamily="34" charset="0"/>
-              <a:cs typeface="Arial" panose="020B0604020202020204" pitchFamily="34" charset="0"/>
-            </a:endParaRPr>
-          </a:p>
-        </p:txBody>
-      </p:sp>
-      <p:pic>
-        <p:nvPicPr>
-          <p:cNvPr id="5" name="Content Placeholder 4"/>
-          <p:cNvPicPr>
-            <a:picLocks noGrp="1" noChangeAspect="1"/>
-          </p:cNvPicPr>
-          <p:nvPr>
-            <p:ph idx="1"/>
-          </p:nvPr>
-        </p:nvPicPr>
-        <p:blipFill>
-          <a:blip r:embed="rId2">
-            <a:extLst>
-              <a:ext uri="{28A0092B-C50C-407E-A947-70E740481C1C}">
-                <a14:useLocalDpi xmlns:a14="http://schemas.microsoft.com/office/drawing/2010/main" val="0"/>
-              </a:ext>
-            </a:extLst>
-          </a:blip>
-          <a:stretch>
-            <a:fillRect/>
-          </a:stretch>
-        </p:blipFill>
-        <p:spPr>
-          <a:xfrm>
-            <a:off x="1780724" y="2448977"/>
-            <a:ext cx="8671633" cy="3795069"/>
-          </a:xfrm>
-        </p:spPr>
-      </p:pic>
-    </p:spTree>
-    <p:extLst>
-      <p:ext uri="{BB962C8B-B14F-4D97-AF65-F5344CB8AC3E}">
-        <p14:creationId xmlns:p14="http://schemas.microsoft.com/office/powerpoint/2010/main" val="1130608291"/>
-      </p:ext>
-    </p:extLst>
-  </p:cSld>
-  <p:clrMapOvr>
-    <a:masterClrMapping/>
-  </p:clrMapOvr>
-  <p:timing>
-    <p:tnLst>
-      <p:par>
-        <p:cTn id="1" dur="indefinite" restart="never" nodeType="tmRoot"/>
-      </p:par>
-    </p:tnLst>
-  </p:timing>
-</p:sld>
-</file>
-
-<file path=ppt/slides/slide21.xml><?xml version="1.0" encoding="utf-8"?>
-<p:sld xmlns:a="http://schemas.openxmlformats.org/drawingml/2006/main" xmlns:r="http://schemas.openxmlformats.org/officeDocument/2006/relationships" xmlns:p="http://schemas.openxmlformats.org/presentationml/2006/main">
-  <p:cSld>
-    <p:spTree>
-      <p:nvGrpSpPr>
-        <p:cNvPr id="1" name=""/>
-        <p:cNvGrpSpPr/>
-        <p:nvPr/>
-      </p:nvGrpSpPr>
-      <p:grpSpPr>
-        <a:xfrm>
-          <a:off x="0" y="0"/>
-          <a:ext cx="0" cy="0"/>
-          <a:chOff x="0" y="0"/>
-          <a:chExt cx="0" cy="0"/>
-        </a:xfrm>
-      </p:grpSpPr>
-      <p:sp>
-        <p:nvSpPr>
           <p:cNvPr id="4" name="Text Placeholder 3"/>
           <p:cNvSpPr>
             <a:spLocks noGrp="1"/>
@@ -16276,7 +16178,7 @@
 </p:sld>
 </file>
 
-<file path=ppt/slides/slide22.xml><?xml version="1.0" encoding="utf-8"?>
+<file path=ppt/slides/slide21.xml><?xml version="1.0" encoding="utf-8"?>
 <p:sld xmlns:a="http://schemas.openxmlformats.org/drawingml/2006/main" xmlns:r="http://schemas.openxmlformats.org/officeDocument/2006/relationships" xmlns:p="http://schemas.openxmlformats.org/presentationml/2006/main">
   <p:cSld>
     <p:spTree>
@@ -16478,7 +16380,7 @@
 </p:sld>
 </file>
 
-<file path=ppt/slides/slide23.xml><?xml version="1.0" encoding="utf-8"?>
+<file path=ppt/slides/slide22.xml><?xml version="1.0" encoding="utf-8"?>
 <p:sld xmlns:a="http://schemas.openxmlformats.org/drawingml/2006/main" xmlns:r="http://schemas.openxmlformats.org/officeDocument/2006/relationships" xmlns:p="http://schemas.openxmlformats.org/presentationml/2006/main">
   <p:cSld>
     <p:spTree>
@@ -16665,7 +16567,7 @@
 </p:sld>
 </file>
 
-<file path=ppt/slides/slide24.xml><?xml version="1.0" encoding="utf-8"?>
+<file path=ppt/slides/slide23.xml><?xml version="1.0" encoding="utf-8"?>
 <p:sld xmlns:a="http://schemas.openxmlformats.org/drawingml/2006/main" xmlns:r="http://schemas.openxmlformats.org/officeDocument/2006/relationships" xmlns:p="http://schemas.openxmlformats.org/presentationml/2006/main">
   <p:cSld>
     <p:spTree>
@@ -16920,7 +16822,7 @@
 </p:sld>
 </file>
 
-<file path=ppt/slides/slide25.xml><?xml version="1.0" encoding="utf-8"?>
+<file path=ppt/slides/slide24.xml><?xml version="1.0" encoding="utf-8"?>
 <p:sld xmlns:a="http://schemas.openxmlformats.org/drawingml/2006/main" xmlns:r="http://schemas.openxmlformats.org/officeDocument/2006/relationships" xmlns:p="http://schemas.openxmlformats.org/presentationml/2006/main">
   <p:cSld>
     <p:spTree>
@@ -17041,7 +16943,43 @@
                 <a:latin typeface="Arial" panose="020B0604020202020204" pitchFamily="34" charset="0"/>
                 <a:cs typeface="Arial" panose="020B0604020202020204" pitchFamily="34" charset="0"/>
               </a:rPr>
-              <a:t>Reflection in C# is similar to RTTI (Runtime Type Information) in C++.</a:t>
+              <a:t>Reflection in C# is similar to RTTI </a:t>
+            </a:r>
+            <a:r>
+              <a:rPr lang="en-US" sz="2800" smtClean="0">
+                <a:solidFill>
+                  <a:schemeClr val="accent1">
+                    <a:lumMod val="50000"/>
+                  </a:schemeClr>
+                </a:solidFill>
+                <a:latin typeface="Arial" panose="020B0604020202020204" pitchFamily="34" charset="0"/>
+                <a:cs typeface="Arial" panose="020B0604020202020204" pitchFamily="34" charset="0"/>
+              </a:rPr>
+              <a:t>(</a:t>
+            </a:r>
+            <a:r>
+              <a:rPr lang="en-US" sz="2800" smtClean="0">
+                <a:solidFill>
+                  <a:schemeClr val="accent1">
+                    <a:lumMod val="50000"/>
+                  </a:schemeClr>
+                </a:solidFill>
+                <a:latin typeface="Arial" panose="020B0604020202020204" pitchFamily="34" charset="0"/>
+                <a:cs typeface="Arial" panose="020B0604020202020204" pitchFamily="34" charset="0"/>
+              </a:rPr>
+              <a:t>Run-Time </a:t>
+            </a:r>
+            <a:r>
+              <a:rPr lang="en-US" sz="2800" dirty="0" smtClean="0">
+                <a:solidFill>
+                  <a:schemeClr val="accent1">
+                    <a:lumMod val="50000"/>
+                  </a:schemeClr>
+                </a:solidFill>
+                <a:latin typeface="Arial" panose="020B0604020202020204" pitchFamily="34" charset="0"/>
+                <a:cs typeface="Arial" panose="020B0604020202020204" pitchFamily="34" charset="0"/>
+              </a:rPr>
+              <a:t>Type Information) in C++.</a:t>
             </a:r>
             <a:endParaRPr lang="en-US" sz="2800" dirty="0">
               <a:solidFill>
@@ -17068,7 +17006,7 @@
 </p:sld>
 </file>
 
-<file path=ppt/slides/slide26.xml><?xml version="1.0" encoding="utf-8"?>
+<file path=ppt/slides/slide25.xml><?xml version="1.0" encoding="utf-8"?>
 <p:sld xmlns:a="http://schemas.openxmlformats.org/drawingml/2006/main" xmlns:r="http://schemas.openxmlformats.org/officeDocument/2006/relationships" xmlns:p="http://schemas.openxmlformats.org/presentationml/2006/main">
   <p:cSld>
     <p:spTree>
@@ -17163,7 +17101,7 @@
 </p:sld>
 </file>
 
-<file path=ppt/slides/slide27.xml><?xml version="1.0" encoding="utf-8"?>
+<file path=ppt/slides/slide26.xml><?xml version="1.0" encoding="utf-8"?>
 <p:sld xmlns:a="http://schemas.openxmlformats.org/drawingml/2006/main" xmlns:r="http://schemas.openxmlformats.org/officeDocument/2006/relationships" xmlns:p="http://schemas.openxmlformats.org/presentationml/2006/main">
   <p:cSld>
     <p:spTree>
@@ -17385,7 +17323,7 @@
 </p:sld>
 </file>
 
-<file path=ppt/slides/slide28.xml><?xml version="1.0" encoding="utf-8"?>
+<file path=ppt/slides/slide27.xml><?xml version="1.0" encoding="utf-8"?>
 <p:sld xmlns:a="http://schemas.openxmlformats.org/drawingml/2006/main" xmlns:r="http://schemas.openxmlformats.org/officeDocument/2006/relationships" xmlns:p="http://schemas.openxmlformats.org/presentationml/2006/main">
   <p:cSld>
     <p:spTree>
@@ -17584,7 +17522,7 @@
 </p:sld>
 </file>
 
-<file path=ppt/slides/slide29.xml><?xml version="1.0" encoding="utf-8"?>
+<file path=ppt/slides/slide28.xml><?xml version="1.0" encoding="utf-8"?>
 <p:sld xmlns:a="http://schemas.openxmlformats.org/drawingml/2006/main" xmlns:r="http://schemas.openxmlformats.org/officeDocument/2006/relationships" xmlns:p="http://schemas.openxmlformats.org/presentationml/2006/main">
   <p:cSld>
     <p:spTree>

--- a/Databases_and_EntityFrameworkCore.pptx
+++ b/Databases_and_EntityFrameworkCore.pptx
@@ -5,7 +5,7 @@
     <p:sldMasterId id="2147483660" r:id="rId1"/>
   </p:sldMasterIdLst>
   <p:notesMasterIdLst>
-    <p:notesMasterId r:id="rId30"/>
+    <p:notesMasterId r:id="rId35"/>
   </p:notesMasterIdLst>
   <p:sldIdLst>
     <p:sldId id="256" r:id="rId2"/>
@@ -14,28 +14,33 @@
     <p:sldId id="257" r:id="rId5"/>
     <p:sldId id="288" r:id="rId6"/>
     <p:sldId id="258" r:id="rId7"/>
-    <p:sldId id="260" r:id="rId8"/>
-    <p:sldId id="282" r:id="rId9"/>
-    <p:sldId id="262" r:id="rId10"/>
-    <p:sldId id="285" r:id="rId11"/>
-    <p:sldId id="289" r:id="rId12"/>
-    <p:sldId id="283" r:id="rId13"/>
-    <p:sldId id="263" r:id="rId14"/>
-    <p:sldId id="264" r:id="rId15"/>
-    <p:sldId id="287" r:id="rId16"/>
-    <p:sldId id="284" r:id="rId17"/>
-    <p:sldId id="265" r:id="rId18"/>
-    <p:sldId id="278" r:id="rId19"/>
-    <p:sldId id="277" r:id="rId20"/>
-    <p:sldId id="267" r:id="rId21"/>
-    <p:sldId id="266" r:id="rId22"/>
-    <p:sldId id="269" r:id="rId23"/>
-    <p:sldId id="268" r:id="rId24"/>
-    <p:sldId id="290" r:id="rId25"/>
-    <p:sldId id="272" r:id="rId26"/>
-    <p:sldId id="276" r:id="rId27"/>
-    <p:sldId id="270" r:id="rId28"/>
-    <p:sldId id="271" r:id="rId29"/>
+    <p:sldId id="291" r:id="rId8"/>
+    <p:sldId id="260" r:id="rId9"/>
+    <p:sldId id="292" r:id="rId10"/>
+    <p:sldId id="282" r:id="rId11"/>
+    <p:sldId id="262" r:id="rId12"/>
+    <p:sldId id="285" r:id="rId13"/>
+    <p:sldId id="289" r:id="rId14"/>
+    <p:sldId id="283" r:id="rId15"/>
+    <p:sldId id="263" r:id="rId16"/>
+    <p:sldId id="264" r:id="rId17"/>
+    <p:sldId id="287" r:id="rId18"/>
+    <p:sldId id="284" r:id="rId19"/>
+    <p:sldId id="265" r:id="rId20"/>
+    <p:sldId id="278" r:id="rId21"/>
+    <p:sldId id="277" r:id="rId22"/>
+    <p:sldId id="267" r:id="rId23"/>
+    <p:sldId id="266" r:id="rId24"/>
+    <p:sldId id="269" r:id="rId25"/>
+    <p:sldId id="268" r:id="rId26"/>
+    <p:sldId id="290" r:id="rId27"/>
+    <p:sldId id="272" r:id="rId28"/>
+    <p:sldId id="276" r:id="rId29"/>
+    <p:sldId id="294" r:id="rId30"/>
+    <p:sldId id="295" r:id="rId31"/>
+    <p:sldId id="270" r:id="rId32"/>
+    <p:sldId id="293" r:id="rId33"/>
+    <p:sldId id="271" r:id="rId34"/>
   </p:sldIdLst>
   <p:sldSz cx="12192000" cy="6858000"/>
   <p:notesSz cx="6858000" cy="9144000"/>
@@ -145,7 +150,9 @@
             <p14:sldId id="257"/>
             <p14:sldId id="288"/>
             <p14:sldId id="258"/>
+            <p14:sldId id="291"/>
             <p14:sldId id="260"/>
+            <p14:sldId id="292"/>
             <p14:sldId id="282"/>
             <p14:sldId id="262"/>
             <p14:sldId id="285"/>
@@ -165,7 +172,10 @@
             <p14:sldId id="290"/>
             <p14:sldId id="272"/>
             <p14:sldId id="276"/>
+            <p14:sldId id="294"/>
+            <p14:sldId id="295"/>
             <p14:sldId id="270"/>
+            <p14:sldId id="293"/>
             <p14:sldId id="271"/>
           </p14:sldIdLst>
         </p14:section>
@@ -286,7 +296,7 @@
           <a:p>
             <a:fld id="{E90F1D5F-DFB3-4BE8-B292-C9F8DF07B94B}" type="datetimeFigureOut">
               <a:rPr lang="en-US" smtClean="0"/>
-              <a:t>10/24/2021</a:t>
+              <a:t>10/25/2021</a:t>
             </a:fld>
             <a:endParaRPr lang="en-US"/>
           </a:p>
@@ -350,38 +360,37 @@
           <a:p>
             <a:pPr lvl="0"/>
             <a:r>
-              <a:rPr lang="en-US" smtClean="0"/>
+              <a:rPr lang="en-US"/>
               <a:t>Edit Master text styles</a:t>
             </a:r>
           </a:p>
           <a:p>
             <a:pPr lvl="1"/>
             <a:r>
-              <a:rPr lang="en-US" smtClean="0"/>
+              <a:rPr lang="en-US"/>
               <a:t>Second level</a:t>
             </a:r>
           </a:p>
           <a:p>
             <a:pPr lvl="2"/>
             <a:r>
-              <a:rPr lang="en-US" smtClean="0"/>
+              <a:rPr lang="en-US"/>
               <a:t>Third level</a:t>
             </a:r>
           </a:p>
           <a:p>
             <a:pPr lvl="3"/>
             <a:r>
-              <a:rPr lang="en-US" smtClean="0"/>
+              <a:rPr lang="en-US"/>
               <a:t>Fourth level</a:t>
             </a:r>
           </a:p>
           <a:p>
             <a:pPr lvl="4"/>
             <a:r>
-              <a:rPr lang="en-US" smtClean="0"/>
+              <a:rPr lang="en-US"/>
               <a:t>Fifth level</a:t>
             </a:r>
-            <a:endParaRPr lang="en-US"/>
           </a:p>
         </p:txBody>
       </p:sp>
@@ -730,7 +739,7 @@
           </a:lstStyle>
           <a:p>
             <a:r>
-              <a:rPr lang="en-US" smtClean="0"/>
+              <a:rPr lang="en-US"/>
               <a:t>Click to edit Master title style</a:t>
             </a:r>
             <a:endParaRPr lang="en-US" dirty="0"/>
@@ -850,7 +859,7 @@
           </a:lstStyle>
           <a:p>
             <a:r>
-              <a:rPr lang="en-US" smtClean="0"/>
+              <a:rPr lang="en-US"/>
               <a:t>Click to edit Master subtitle style</a:t>
             </a:r>
             <a:endParaRPr lang="en-US" dirty="0"/>
@@ -889,7 +898,7 @@
           <a:p>
             <a:fld id="{87DD66F1-7FC0-403D-82FE-3DDCE4AD2CCB}" type="datetimeFigureOut">
               <a:rPr lang="en-US" smtClean="0"/>
-              <a:t>10/24/2021</a:t>
+              <a:t>10/25/2021</a:t>
             </a:fld>
             <a:endParaRPr lang="en-US" dirty="0"/>
           </a:p>
@@ -1800,7 +1809,7 @@
           </a:lstStyle>
           <a:p>
             <a:r>
-              <a:rPr lang="en-US" smtClean="0"/>
+              <a:rPr lang="en-US"/>
               <a:t>Click to edit Master title style</a:t>
             </a:r>
             <a:endParaRPr lang="en-US" dirty="0"/>
@@ -1879,10 +1888,9 @@
           </a:lstStyle>
           <a:p>
             <a:r>
-              <a:rPr lang="en-US" dirty="0" smtClean="0"/>
+              <a:rPr lang="en-US" dirty="0"/>
               <a:t>Click icon to add picture</a:t>
             </a:r>
-            <a:endParaRPr lang="en-US" dirty="0"/>
           </a:p>
         </p:txBody>
       </p:sp>
@@ -1954,7 +1962,7 @@
           <a:p>
             <a:pPr lvl="0"/>
             <a:r>
-              <a:rPr lang="en-US" smtClean="0"/>
+              <a:rPr lang="en-US"/>
               <a:t>Edit Master text styles</a:t>
             </a:r>
           </a:p>
@@ -1977,7 +1985,7 @@
           <a:p>
             <a:fld id="{87DD66F1-7FC0-403D-82FE-3DDCE4AD2CCB}" type="datetimeFigureOut">
               <a:rPr lang="en-US" smtClean="0"/>
-              <a:t>10/24/2021</a:t>
+              <a:t>10/25/2021</a:t>
             </a:fld>
             <a:endParaRPr lang="en-US" dirty="0"/>
           </a:p>
@@ -2866,7 +2874,7 @@
           </a:lstStyle>
           <a:p>
             <a:r>
-              <a:rPr lang="en-US" smtClean="0"/>
+              <a:rPr lang="en-US"/>
               <a:t>Click to edit Master title style</a:t>
             </a:r>
             <a:endParaRPr lang="en-US" dirty="0"/>
@@ -2934,7 +2942,7 @@
           <a:p>
             <a:pPr lvl="0"/>
             <a:r>
-              <a:rPr lang="en-US" smtClean="0"/>
+              <a:rPr lang="en-US"/>
               <a:t>Edit Master text styles</a:t>
             </a:r>
           </a:p>
@@ -2957,7 +2965,7 @@
           <a:p>
             <a:fld id="{87DD66F1-7FC0-403D-82FE-3DDCE4AD2CCB}" type="datetimeFigureOut">
               <a:rPr lang="en-US" smtClean="0"/>
-              <a:t>10/24/2021</a:t>
+              <a:t>10/25/2021</a:t>
             </a:fld>
             <a:endParaRPr lang="en-US" dirty="0"/>
           </a:p>
@@ -3924,7 +3932,7 @@
           </a:lstStyle>
           <a:p>
             <a:r>
-              <a:rPr lang="en-US" smtClean="0"/>
+              <a:rPr lang="en-US"/>
               <a:t>Click to edit Master title style</a:t>
             </a:r>
             <a:endParaRPr lang="en-US" dirty="0"/>
@@ -4001,7 +4009,7 @@
           <a:p>
             <a:pPr lvl="0"/>
             <a:r>
-              <a:rPr lang="en-US" smtClean="0"/>
+              <a:rPr lang="en-US"/>
               <a:t>Edit Master text styles</a:t>
             </a:r>
           </a:p>
@@ -4068,7 +4076,7 @@
           <a:p>
             <a:pPr lvl="0"/>
             <a:r>
-              <a:rPr lang="en-US" smtClean="0"/>
+              <a:rPr lang="en-US"/>
               <a:t>Edit Master text styles</a:t>
             </a:r>
           </a:p>
@@ -4091,7 +4099,7 @@
           <a:p>
             <a:fld id="{87DD66F1-7FC0-403D-82FE-3DDCE4AD2CCB}" type="datetimeFigureOut">
               <a:rPr lang="en-US" smtClean="0"/>
-              <a:t>10/24/2021</a:t>
+              <a:t>10/25/2021</a:t>
             </a:fld>
             <a:endParaRPr lang="en-US" dirty="0"/>
           </a:p>
@@ -4980,7 +4988,7 @@
           </a:lstStyle>
           <a:p>
             <a:r>
-              <a:rPr lang="en-US" smtClean="0"/>
+              <a:rPr lang="en-US"/>
               <a:t>Click to edit Master title style</a:t>
             </a:r>
             <a:endParaRPr lang="en-US" dirty="0"/>
@@ -5101,7 +5109,7 @@
           <a:p>
             <a:pPr lvl="0"/>
             <a:r>
-              <a:rPr lang="en-US" smtClean="0"/>
+              <a:rPr lang="en-US"/>
               <a:t>Edit Master text styles</a:t>
             </a:r>
           </a:p>
@@ -5124,7 +5132,7 @@
           <a:p>
             <a:fld id="{87DD66F1-7FC0-403D-82FE-3DDCE4AD2CCB}" type="datetimeFigureOut">
               <a:rPr lang="en-US" smtClean="0"/>
-              <a:t>10/24/2021</a:t>
+              <a:t>10/25/2021</a:t>
             </a:fld>
             <a:endParaRPr lang="en-US" dirty="0"/>
           </a:p>
@@ -5263,7 +5271,7 @@
           </a:lstStyle>
           <a:p>
             <a:r>
-              <a:rPr lang="en-US" smtClean="0"/>
+              <a:rPr lang="en-US"/>
               <a:t>Click to edit Master title style</a:t>
             </a:r>
             <a:endParaRPr lang="en-US" dirty="0"/>
@@ -5338,7 +5346,7 @@
           <a:p>
             <a:pPr lvl="0"/>
             <a:r>
-              <a:rPr lang="en-US" smtClean="0"/>
+              <a:rPr lang="en-US"/>
               <a:t>Edit Master text styles</a:t>
             </a:r>
           </a:p>
@@ -5405,7 +5413,7 @@
           <a:p>
             <a:pPr lvl="0"/>
             <a:r>
-              <a:rPr lang="en-US" smtClean="0"/>
+              <a:rPr lang="en-US"/>
               <a:t>Edit Master text styles</a:t>
             </a:r>
           </a:p>
@@ -5479,7 +5487,7 @@
           <a:p>
             <a:pPr lvl="0"/>
             <a:r>
-              <a:rPr lang="en-US" smtClean="0"/>
+              <a:rPr lang="en-US"/>
               <a:t>Edit Master text styles</a:t>
             </a:r>
           </a:p>
@@ -5546,7 +5554,7 @@
           <a:p>
             <a:pPr lvl="0"/>
             <a:r>
-              <a:rPr lang="en-US" smtClean="0"/>
+              <a:rPr lang="en-US"/>
               <a:t>Edit Master text styles</a:t>
             </a:r>
           </a:p>
@@ -5620,7 +5628,7 @@
           <a:p>
             <a:pPr lvl="0"/>
             <a:r>
-              <a:rPr lang="en-US" smtClean="0"/>
+              <a:rPr lang="en-US"/>
               <a:t>Edit Master text styles</a:t>
             </a:r>
           </a:p>
@@ -5687,7 +5695,7 @@
           <a:p>
             <a:pPr lvl="0"/>
             <a:r>
-              <a:rPr lang="en-US" smtClean="0"/>
+              <a:rPr lang="en-US"/>
               <a:t>Edit Master text styles</a:t>
             </a:r>
           </a:p>
@@ -5784,7 +5792,7 @@
           <a:p>
             <a:fld id="{87DD66F1-7FC0-403D-82FE-3DDCE4AD2CCB}" type="datetimeFigureOut">
               <a:rPr lang="en-US" smtClean="0"/>
-              <a:t>10/24/2021</a:t>
+              <a:t>10/25/2021</a:t>
             </a:fld>
             <a:endParaRPr lang="en-US" dirty="0"/>
           </a:p>
@@ -5887,7 +5895,7 @@
           </a:lstStyle>
           <a:p>
             <a:r>
-              <a:rPr lang="en-US" smtClean="0"/>
+              <a:rPr lang="en-US"/>
               <a:t>Click to edit Master title style</a:t>
             </a:r>
             <a:endParaRPr lang="en-US" dirty="0"/>
@@ -5962,7 +5970,7 @@
           <a:p>
             <a:pPr lvl="0"/>
             <a:r>
-              <a:rPr lang="en-US" smtClean="0"/>
+              <a:rPr lang="en-US"/>
               <a:t>Edit Master text styles</a:t>
             </a:r>
           </a:p>
@@ -6040,10 +6048,9 @@
           </a:lstStyle>
           <a:p>
             <a:r>
-              <a:rPr lang="en-US" dirty="0" smtClean="0"/>
+              <a:rPr lang="en-US" dirty="0"/>
               <a:t>Click icon to add picture</a:t>
             </a:r>
-            <a:endParaRPr lang="en-US" dirty="0"/>
           </a:p>
         </p:txBody>
       </p:sp>
@@ -6108,7 +6115,7 @@
           <a:p>
             <a:pPr lvl="0"/>
             <a:r>
-              <a:rPr lang="en-US" smtClean="0"/>
+              <a:rPr lang="en-US"/>
               <a:t>Edit Master text styles</a:t>
             </a:r>
           </a:p>
@@ -6182,7 +6189,7 @@
           <a:p>
             <a:pPr lvl="0"/>
             <a:r>
-              <a:rPr lang="en-US" smtClean="0"/>
+              <a:rPr lang="en-US"/>
               <a:t>Edit Master text styles</a:t>
             </a:r>
           </a:p>
@@ -6260,10 +6267,9 @@
           </a:lstStyle>
           <a:p>
             <a:r>
-              <a:rPr lang="en-US" dirty="0" smtClean="0"/>
+              <a:rPr lang="en-US" dirty="0"/>
               <a:t>Click icon to add picture</a:t>
             </a:r>
-            <a:endParaRPr lang="en-US" dirty="0"/>
           </a:p>
         </p:txBody>
       </p:sp>
@@ -6328,7 +6334,7 @@
           <a:p>
             <a:pPr lvl="0"/>
             <a:r>
-              <a:rPr lang="en-US" smtClean="0"/>
+              <a:rPr lang="en-US"/>
               <a:t>Edit Master text styles</a:t>
             </a:r>
           </a:p>
@@ -6402,7 +6408,7 @@
           <a:p>
             <a:pPr lvl="0"/>
             <a:r>
-              <a:rPr lang="en-US" smtClean="0"/>
+              <a:rPr lang="en-US"/>
               <a:t>Edit Master text styles</a:t>
             </a:r>
           </a:p>
@@ -6480,10 +6486,9 @@
           </a:lstStyle>
           <a:p>
             <a:r>
-              <a:rPr lang="en-US" dirty="0" smtClean="0"/>
+              <a:rPr lang="en-US" dirty="0"/>
               <a:t>Click icon to add picture</a:t>
             </a:r>
-            <a:endParaRPr lang="en-US" dirty="0"/>
           </a:p>
         </p:txBody>
       </p:sp>
@@ -6548,7 +6553,7 @@
           <a:p>
             <a:pPr lvl="0"/>
             <a:r>
-              <a:rPr lang="en-US" smtClean="0"/>
+              <a:rPr lang="en-US"/>
               <a:t>Edit Master text styles</a:t>
             </a:r>
           </a:p>
@@ -6645,7 +6650,7 @@
           <a:p>
             <a:fld id="{87DD66F1-7FC0-403D-82FE-3DDCE4AD2CCB}" type="datetimeFigureOut">
               <a:rPr lang="en-US" smtClean="0"/>
-              <a:t>10/24/2021</a:t>
+              <a:t>10/25/2021</a:t>
             </a:fld>
             <a:endParaRPr lang="en-US" dirty="0"/>
           </a:p>
@@ -6749,7 +6754,7 @@
           <a:lstStyle/>
           <a:p>
             <a:r>
-              <a:rPr lang="en-US" smtClean="0"/>
+              <a:rPr lang="en-US"/>
               <a:t>Click to edit Master title style</a:t>
             </a:r>
             <a:endParaRPr lang="en-US" dirty="0"/>
@@ -6778,35 +6783,35 @@
           <a:p>
             <a:pPr lvl="0"/>
             <a:r>
-              <a:rPr lang="en-US" smtClean="0"/>
+              <a:rPr lang="en-US"/>
               <a:t>Edit Master text styles</a:t>
             </a:r>
           </a:p>
           <a:p>
             <a:pPr lvl="1"/>
             <a:r>
-              <a:rPr lang="en-US" smtClean="0"/>
+              <a:rPr lang="en-US"/>
               <a:t>Second level</a:t>
             </a:r>
           </a:p>
           <a:p>
             <a:pPr lvl="2"/>
             <a:r>
-              <a:rPr lang="en-US" smtClean="0"/>
+              <a:rPr lang="en-US"/>
               <a:t>Third level</a:t>
             </a:r>
           </a:p>
           <a:p>
             <a:pPr lvl="3"/>
             <a:r>
-              <a:rPr lang="en-US" smtClean="0"/>
+              <a:rPr lang="en-US"/>
               <a:t>Fourth level</a:t>
             </a:r>
           </a:p>
           <a:p>
             <a:pPr lvl="4"/>
             <a:r>
-              <a:rPr lang="en-US" smtClean="0"/>
+              <a:rPr lang="en-US"/>
               <a:t>Fifth level</a:t>
             </a:r>
             <a:endParaRPr lang="en-US" dirty="0"/>
@@ -6835,7 +6840,7 @@
           <a:p>
             <a:fld id="{87DD66F1-7FC0-403D-82FE-3DDCE4AD2CCB}" type="datetimeFigureOut">
               <a:rPr lang="en-US" smtClean="0"/>
-              <a:t>10/24/2021</a:t>
+              <a:t>10/25/2021</a:t>
             </a:fld>
             <a:endParaRPr lang="en-US" dirty="0"/>
           </a:p>
@@ -7721,7 +7726,7 @@
           <a:lstStyle/>
           <a:p>
             <a:r>
-              <a:rPr lang="en-US" smtClean="0"/>
+              <a:rPr lang="en-US"/>
               <a:t>Click to edit Master title style</a:t>
             </a:r>
             <a:endParaRPr lang="en-US" dirty="0"/>
@@ -7750,35 +7755,35 @@
           <a:p>
             <a:pPr lvl="0"/>
             <a:r>
-              <a:rPr lang="en-US" smtClean="0"/>
+              <a:rPr lang="en-US"/>
               <a:t>Edit Master text styles</a:t>
             </a:r>
           </a:p>
           <a:p>
             <a:pPr lvl="1"/>
             <a:r>
-              <a:rPr lang="en-US" smtClean="0"/>
+              <a:rPr lang="en-US"/>
               <a:t>Second level</a:t>
             </a:r>
           </a:p>
           <a:p>
             <a:pPr lvl="2"/>
             <a:r>
-              <a:rPr lang="en-US" smtClean="0"/>
+              <a:rPr lang="en-US"/>
               <a:t>Third level</a:t>
             </a:r>
           </a:p>
           <a:p>
             <a:pPr lvl="3"/>
             <a:r>
-              <a:rPr lang="en-US" smtClean="0"/>
+              <a:rPr lang="en-US"/>
               <a:t>Fourth level</a:t>
             </a:r>
           </a:p>
           <a:p>
             <a:pPr lvl="4"/>
             <a:r>
-              <a:rPr lang="en-US" smtClean="0"/>
+              <a:rPr lang="en-US"/>
               <a:t>Fifth level</a:t>
             </a:r>
             <a:endParaRPr lang="en-US" dirty="0"/>
@@ -7807,7 +7812,7 @@
           <a:p>
             <a:fld id="{87DD66F1-7FC0-403D-82FE-3DDCE4AD2CCB}" type="datetimeFigureOut">
               <a:rPr lang="en-US" smtClean="0"/>
-              <a:t>10/24/2021</a:t>
+              <a:t>10/25/2021</a:t>
             </a:fld>
             <a:endParaRPr lang="en-US" dirty="0"/>
           </a:p>
@@ -7937,7 +7942,7 @@
           <a:lstStyle/>
           <a:p>
             <a:r>
-              <a:rPr lang="en-US" smtClean="0"/>
+              <a:rPr lang="en-US"/>
               <a:t>Click to edit Master title style</a:t>
             </a:r>
             <a:endParaRPr lang="en-US" dirty="0"/>
@@ -7966,35 +7971,35 @@
           <a:p>
             <a:pPr lvl="0"/>
             <a:r>
-              <a:rPr lang="en-US" smtClean="0"/>
+              <a:rPr lang="en-US"/>
               <a:t>Edit Master text styles</a:t>
             </a:r>
           </a:p>
           <a:p>
             <a:pPr lvl="1"/>
             <a:r>
-              <a:rPr lang="en-US" smtClean="0"/>
+              <a:rPr lang="en-US"/>
               <a:t>Second level</a:t>
             </a:r>
           </a:p>
           <a:p>
             <a:pPr lvl="2"/>
             <a:r>
-              <a:rPr lang="en-US" smtClean="0"/>
+              <a:rPr lang="en-US"/>
               <a:t>Third level</a:t>
             </a:r>
           </a:p>
           <a:p>
             <a:pPr lvl="3"/>
             <a:r>
-              <a:rPr lang="en-US" smtClean="0"/>
+              <a:rPr lang="en-US"/>
               <a:t>Fourth level</a:t>
             </a:r>
           </a:p>
           <a:p>
             <a:pPr lvl="4"/>
             <a:r>
-              <a:rPr lang="en-US" smtClean="0"/>
+              <a:rPr lang="en-US"/>
               <a:t>Fifth level</a:t>
             </a:r>
             <a:endParaRPr lang="en-US" dirty="0"/>
@@ -8018,7 +8023,7 @@
           <a:p>
             <a:fld id="{87DD66F1-7FC0-403D-82FE-3DDCE4AD2CCB}" type="datetimeFigureOut">
               <a:rPr lang="en-US" smtClean="0"/>
-              <a:t>10/24/2021</a:t>
+              <a:t>10/25/2021</a:t>
             </a:fld>
             <a:endParaRPr lang="en-US" dirty="0"/>
           </a:p>
@@ -8908,7 +8913,7 @@
           </a:lstStyle>
           <a:p>
             <a:r>
-              <a:rPr lang="en-US" smtClean="0"/>
+              <a:rPr lang="en-US"/>
               <a:t>Click to edit Master title style</a:t>
             </a:r>
             <a:endParaRPr lang="en-US" dirty="0"/>
@@ -9029,7 +9034,7 @@
           <a:p>
             <a:pPr lvl="0"/>
             <a:r>
-              <a:rPr lang="en-US" smtClean="0"/>
+              <a:rPr lang="en-US"/>
               <a:t>Edit Master text styles</a:t>
             </a:r>
           </a:p>
@@ -9052,7 +9057,7 @@
           <a:p>
             <a:fld id="{87DD66F1-7FC0-403D-82FE-3DDCE4AD2CCB}" type="datetimeFigureOut">
               <a:rPr lang="en-US" smtClean="0"/>
-              <a:t>10/24/2021</a:t>
+              <a:t>10/25/2021</a:t>
             </a:fld>
             <a:endParaRPr lang="en-US" dirty="0"/>
           </a:p>
@@ -9182,7 +9187,7 @@
           <a:lstStyle/>
           <a:p>
             <a:r>
-              <a:rPr lang="en-US" smtClean="0"/>
+              <a:rPr lang="en-US"/>
               <a:t>Click to edit Master title style</a:t>
             </a:r>
             <a:endParaRPr lang="en-US" dirty="0"/>
@@ -9213,35 +9218,35 @@
           <a:p>
             <a:pPr lvl="0"/>
             <a:r>
-              <a:rPr lang="en-US" smtClean="0"/>
+              <a:rPr lang="en-US"/>
               <a:t>Edit Master text styles</a:t>
             </a:r>
           </a:p>
           <a:p>
             <a:pPr lvl="1"/>
             <a:r>
-              <a:rPr lang="en-US" smtClean="0"/>
+              <a:rPr lang="en-US"/>
               <a:t>Second level</a:t>
             </a:r>
           </a:p>
           <a:p>
             <a:pPr lvl="2"/>
             <a:r>
-              <a:rPr lang="en-US" smtClean="0"/>
+              <a:rPr lang="en-US"/>
               <a:t>Third level</a:t>
             </a:r>
           </a:p>
           <a:p>
             <a:pPr lvl="3"/>
             <a:r>
-              <a:rPr lang="en-US" smtClean="0"/>
+              <a:rPr lang="en-US"/>
               <a:t>Fourth level</a:t>
             </a:r>
           </a:p>
           <a:p>
             <a:pPr lvl="4"/>
             <a:r>
-              <a:rPr lang="en-US" smtClean="0"/>
+              <a:rPr lang="en-US"/>
               <a:t>Fifth level</a:t>
             </a:r>
             <a:endParaRPr lang="en-US" dirty="0"/>
@@ -9272,35 +9277,35 @@
           <a:p>
             <a:pPr lvl="0"/>
             <a:r>
-              <a:rPr lang="en-US" smtClean="0"/>
+              <a:rPr lang="en-US"/>
               <a:t>Edit Master text styles</a:t>
             </a:r>
           </a:p>
           <a:p>
             <a:pPr lvl="1"/>
             <a:r>
-              <a:rPr lang="en-US" smtClean="0"/>
+              <a:rPr lang="en-US"/>
               <a:t>Second level</a:t>
             </a:r>
           </a:p>
           <a:p>
             <a:pPr lvl="2"/>
             <a:r>
-              <a:rPr lang="en-US" smtClean="0"/>
+              <a:rPr lang="en-US"/>
               <a:t>Third level</a:t>
             </a:r>
           </a:p>
           <a:p>
             <a:pPr lvl="3"/>
             <a:r>
-              <a:rPr lang="en-US" smtClean="0"/>
+              <a:rPr lang="en-US"/>
               <a:t>Fourth level</a:t>
             </a:r>
           </a:p>
           <a:p>
             <a:pPr lvl="4"/>
             <a:r>
-              <a:rPr lang="en-US" smtClean="0"/>
+              <a:rPr lang="en-US"/>
               <a:t>Fifth level</a:t>
             </a:r>
             <a:endParaRPr lang="en-US" dirty="0"/>
@@ -9324,7 +9329,7 @@
           <a:p>
             <a:fld id="{87DD66F1-7FC0-403D-82FE-3DDCE4AD2CCB}" type="datetimeFigureOut">
               <a:rPr lang="en-US" smtClean="0"/>
-              <a:t>10/24/2021</a:t>
+              <a:t>10/25/2021</a:t>
             </a:fld>
             <a:endParaRPr lang="en-US" dirty="0"/>
           </a:p>
@@ -9422,7 +9427,7 @@
           </a:lstStyle>
           <a:p>
             <a:r>
-              <a:rPr lang="en-US" smtClean="0"/>
+              <a:rPr lang="en-US"/>
               <a:t>Click to edit Master title style</a:t>
             </a:r>
             <a:endParaRPr lang="en-US" dirty="0"/>
@@ -9494,7 +9499,7 @@
           <a:p>
             <a:pPr lvl="0"/>
             <a:r>
-              <a:rPr lang="en-US" smtClean="0"/>
+              <a:rPr lang="en-US"/>
               <a:t>Edit Master text styles</a:t>
             </a:r>
           </a:p>
@@ -9524,35 +9529,35 @@
           <a:p>
             <a:pPr lvl="0"/>
             <a:r>
-              <a:rPr lang="en-US" smtClean="0"/>
+              <a:rPr lang="en-US"/>
               <a:t>Edit Master text styles</a:t>
             </a:r>
           </a:p>
           <a:p>
             <a:pPr lvl="1"/>
             <a:r>
-              <a:rPr lang="en-US" smtClean="0"/>
+              <a:rPr lang="en-US"/>
               <a:t>Second level</a:t>
             </a:r>
           </a:p>
           <a:p>
             <a:pPr lvl="2"/>
             <a:r>
-              <a:rPr lang="en-US" smtClean="0"/>
+              <a:rPr lang="en-US"/>
               <a:t>Third level</a:t>
             </a:r>
           </a:p>
           <a:p>
             <a:pPr lvl="3"/>
             <a:r>
-              <a:rPr lang="en-US" smtClean="0"/>
+              <a:rPr lang="en-US"/>
               <a:t>Fourth level</a:t>
             </a:r>
           </a:p>
           <a:p>
             <a:pPr lvl="4"/>
             <a:r>
-              <a:rPr lang="en-US" smtClean="0"/>
+              <a:rPr lang="en-US"/>
               <a:t>Fifth level</a:t>
             </a:r>
             <a:endParaRPr lang="en-US" dirty="0"/>
@@ -9624,7 +9629,7 @@
           <a:p>
             <a:pPr lvl="0"/>
             <a:r>
-              <a:rPr lang="en-US" smtClean="0"/>
+              <a:rPr lang="en-US"/>
               <a:t>Edit Master text styles</a:t>
             </a:r>
           </a:p>
@@ -9682,35 +9687,35 @@
           <a:p>
             <a:pPr lvl="0"/>
             <a:r>
-              <a:rPr lang="en-US" smtClean="0"/>
+              <a:rPr lang="en-US"/>
               <a:t>Edit Master text styles</a:t>
             </a:r>
           </a:p>
           <a:p>
             <a:pPr lvl="1"/>
             <a:r>
-              <a:rPr lang="en-US" smtClean="0"/>
+              <a:rPr lang="en-US"/>
               <a:t>Second level</a:t>
             </a:r>
           </a:p>
           <a:p>
             <a:pPr lvl="2"/>
             <a:r>
-              <a:rPr lang="en-US" smtClean="0"/>
+              <a:rPr lang="en-US"/>
               <a:t>Third level</a:t>
             </a:r>
           </a:p>
           <a:p>
             <a:pPr lvl="3"/>
             <a:r>
-              <a:rPr lang="en-US" smtClean="0"/>
+              <a:rPr lang="en-US"/>
               <a:t>Fourth level</a:t>
             </a:r>
           </a:p>
           <a:p>
             <a:pPr lvl="4"/>
             <a:r>
-              <a:rPr lang="en-US" smtClean="0"/>
+              <a:rPr lang="en-US"/>
               <a:t>Fifth level</a:t>
             </a:r>
             <a:endParaRPr lang="en-US" dirty="0"/>
@@ -9734,7 +9739,7 @@
           <a:p>
             <a:fld id="{87DD66F1-7FC0-403D-82FE-3DDCE4AD2CCB}" type="datetimeFigureOut">
               <a:rPr lang="en-US" smtClean="0"/>
-              <a:t>10/24/2021</a:t>
+              <a:t>10/25/2021</a:t>
             </a:fld>
             <a:endParaRPr lang="en-US" dirty="0"/>
           </a:p>
@@ -9837,7 +9842,7 @@
           </a:lstStyle>
           <a:p>
             <a:r>
-              <a:rPr lang="en-US" smtClean="0"/>
+              <a:rPr lang="en-US"/>
               <a:t>Click to edit Master title style</a:t>
             </a:r>
             <a:endParaRPr lang="en-US" dirty="0"/>
@@ -9861,7 +9866,7 @@
           <a:p>
             <a:fld id="{87DD66F1-7FC0-403D-82FE-3DDCE4AD2CCB}" type="datetimeFigureOut">
               <a:rPr lang="en-US" smtClean="0"/>
-              <a:t>10/24/2021</a:t>
+              <a:t>10/25/2021</a:t>
             </a:fld>
             <a:endParaRPr lang="en-US" dirty="0"/>
           </a:p>
@@ -9956,7 +9961,7 @@
           <a:p>
             <a:fld id="{87DD66F1-7FC0-403D-82FE-3DDCE4AD2CCB}" type="datetimeFigureOut">
               <a:rPr lang="en-US" smtClean="0"/>
-              <a:t>10/24/2021</a:t>
+              <a:t>10/25/2021</a:t>
             </a:fld>
             <a:endParaRPr lang="en-US" dirty="0"/>
           </a:p>
@@ -10882,7 +10887,7 @@
           </a:lstStyle>
           <a:p>
             <a:r>
-              <a:rPr lang="en-US" smtClean="0"/>
+              <a:rPr lang="en-US"/>
               <a:t>Click to edit Master title style</a:t>
             </a:r>
             <a:endParaRPr lang="en-US" dirty="0"/>
@@ -10913,35 +10918,35 @@
           <a:p>
             <a:pPr lvl="0"/>
             <a:r>
-              <a:rPr lang="en-US" smtClean="0"/>
+              <a:rPr lang="en-US"/>
               <a:t>Edit Master text styles</a:t>
             </a:r>
           </a:p>
           <a:p>
             <a:pPr lvl="1"/>
             <a:r>
-              <a:rPr lang="en-US" smtClean="0"/>
+              <a:rPr lang="en-US"/>
               <a:t>Second level</a:t>
             </a:r>
           </a:p>
           <a:p>
             <a:pPr lvl="2"/>
             <a:r>
-              <a:rPr lang="en-US" smtClean="0"/>
+              <a:rPr lang="en-US"/>
               <a:t>Third level</a:t>
             </a:r>
           </a:p>
           <a:p>
             <a:pPr lvl="3"/>
             <a:r>
-              <a:rPr lang="en-US" smtClean="0"/>
+              <a:rPr lang="en-US"/>
               <a:t>Fourth level</a:t>
             </a:r>
           </a:p>
           <a:p>
             <a:pPr lvl="4"/>
             <a:r>
-              <a:rPr lang="en-US" smtClean="0"/>
+              <a:rPr lang="en-US"/>
               <a:t>Fifth level</a:t>
             </a:r>
             <a:endParaRPr lang="en-US" dirty="0"/>
@@ -11014,7 +11019,7 @@
           <a:p>
             <a:pPr lvl="0"/>
             <a:r>
-              <a:rPr lang="en-US" smtClean="0"/>
+              <a:rPr lang="en-US"/>
               <a:t>Edit Master text styles</a:t>
             </a:r>
           </a:p>
@@ -11037,7 +11042,7 @@
           <a:p>
             <a:fld id="{87DD66F1-7FC0-403D-82FE-3DDCE4AD2CCB}" type="datetimeFigureOut">
               <a:rPr lang="en-US" smtClean="0"/>
-              <a:t>10/24/2021</a:t>
+              <a:t>10/25/2021</a:t>
             </a:fld>
             <a:endParaRPr lang="en-US" dirty="0"/>
           </a:p>
@@ -11965,7 +11970,7 @@
           </a:lstStyle>
           <a:p>
             <a:r>
-              <a:rPr lang="en-US" smtClean="0"/>
+              <a:rPr lang="en-US"/>
               <a:t>Click to edit Master title style</a:t>
             </a:r>
             <a:endParaRPr lang="en-US" dirty="0"/>
@@ -12047,10 +12052,9 @@
               <a:buNone/>
             </a:pPr>
             <a:r>
-              <a:rPr lang="en-US" dirty="0" smtClean="0"/>
+              <a:rPr lang="en-US" dirty="0"/>
               <a:t>Click icon to add picture</a:t>
             </a:r>
-            <a:endParaRPr lang="en-US" dirty="0"/>
           </a:p>
         </p:txBody>
       </p:sp>
@@ -12122,7 +12126,7 @@
           <a:p>
             <a:pPr lvl="0"/>
             <a:r>
-              <a:rPr lang="en-US" smtClean="0"/>
+              <a:rPr lang="en-US"/>
               <a:t>Edit Master text styles</a:t>
             </a:r>
           </a:p>
@@ -12145,7 +12149,7 @@
           <a:p>
             <a:fld id="{87DD66F1-7FC0-403D-82FE-3DDCE4AD2CCB}" type="datetimeFigureOut">
               <a:rPr lang="en-US" smtClean="0"/>
-              <a:t>10/24/2021</a:t>
+              <a:t>10/25/2021</a:t>
             </a:fld>
             <a:endParaRPr lang="en-US" dirty="0"/>
           </a:p>
@@ -13040,7 +13044,7 @@
           <a:lstStyle/>
           <a:p>
             <a:r>
-              <a:rPr lang="en-US" smtClean="0"/>
+              <a:rPr lang="en-US"/>
               <a:t>Click to edit Master title style</a:t>
             </a:r>
             <a:endParaRPr lang="en-US" dirty="0"/>
@@ -13074,35 +13078,35 @@
           <a:p>
             <a:pPr lvl="0"/>
             <a:r>
-              <a:rPr lang="en-US" smtClean="0"/>
+              <a:rPr lang="en-US"/>
               <a:t>Edit Master text styles</a:t>
             </a:r>
           </a:p>
           <a:p>
             <a:pPr lvl="1"/>
             <a:r>
-              <a:rPr lang="en-US" smtClean="0"/>
+              <a:rPr lang="en-US"/>
               <a:t>Second level</a:t>
             </a:r>
           </a:p>
           <a:p>
             <a:pPr lvl="2"/>
             <a:r>
-              <a:rPr lang="en-US" smtClean="0"/>
+              <a:rPr lang="en-US"/>
               <a:t>Third level</a:t>
             </a:r>
           </a:p>
           <a:p>
             <a:pPr lvl="3"/>
             <a:r>
-              <a:rPr lang="en-US" smtClean="0"/>
+              <a:rPr lang="en-US"/>
               <a:t>Fourth level</a:t>
             </a:r>
           </a:p>
           <a:p>
             <a:pPr lvl="4"/>
             <a:r>
-              <a:rPr lang="en-US" smtClean="0"/>
+              <a:rPr lang="en-US"/>
               <a:t>Fifth level</a:t>
             </a:r>
             <a:endParaRPr lang="en-US" dirty="0"/>
@@ -13142,7 +13146,7 @@
           <a:p>
             <a:fld id="{87DD66F1-7FC0-403D-82FE-3DDCE4AD2CCB}" type="datetimeFigureOut">
               <a:rPr lang="en-US" smtClean="0"/>
-              <a:t>10/24/2021</a:t>
+              <a:t>10/25/2021</a:t>
             </a:fld>
             <a:endParaRPr lang="en-US" dirty="0"/>
           </a:p>
@@ -13717,7 +13721,7 @@
           <a:lstStyle/>
           <a:p>
             <a:r>
-              <a:rPr lang="en-US" dirty="0" smtClean="0">
+              <a:rPr lang="en-US" dirty="0">
                 <a:solidFill>
                   <a:schemeClr val="bg1"/>
                 </a:solidFill>
@@ -13726,15 +13730,8 @@
               </a:rPr>
               <a:t>Entity Framework Core and Databases overview</a:t>
             </a:r>
-            <a:r>
-              <a:rPr lang="en-US" dirty="0" smtClean="0">
-                <a:latin typeface="Arial" panose="020B0604020202020204" pitchFamily="34" charset="0"/>
-                <a:cs typeface="Arial" panose="020B0604020202020204" pitchFamily="34" charset="0"/>
-              </a:rPr>
-              <a:t/>
-            </a:r>
             <a:br>
-              <a:rPr lang="en-US" dirty="0" smtClean="0">
+              <a:rPr lang="en-US" dirty="0">
                 <a:latin typeface="Arial" panose="020B0604020202020204" pitchFamily="34" charset="0"/>
                 <a:cs typeface="Arial" panose="020B0604020202020204" pitchFamily="34" charset="0"/>
               </a:rPr>
@@ -13756,17 +13753,273 @@
   <p:clrMapOvr>
     <a:masterClrMapping/>
   </p:clrMapOvr>
-  <p:timing>
-    <p:tnLst>
-      <p:par>
-        <p:cTn id="1" dur="indefinite" restart="never" nodeType="tmRoot"/>
-      </p:par>
-    </p:tnLst>
-  </p:timing>
 </p:sld>
 </file>
 
 <file path=ppt/slides/slide10.xml><?xml version="1.0" encoding="utf-8"?>
+<p:sld xmlns:a="http://schemas.openxmlformats.org/drawingml/2006/main" xmlns:r="http://schemas.openxmlformats.org/officeDocument/2006/relationships" xmlns:p="http://schemas.openxmlformats.org/presentationml/2006/main">
+  <p:cSld>
+    <p:spTree>
+      <p:nvGrpSpPr>
+        <p:cNvPr id="1" name=""/>
+        <p:cNvGrpSpPr/>
+        <p:nvPr/>
+      </p:nvGrpSpPr>
+      <p:grpSpPr>
+        <a:xfrm>
+          <a:off x="0" y="0"/>
+          <a:ext cx="0" cy="0"/>
+          <a:chOff x="0" y="0"/>
+          <a:chExt cx="0" cy="0"/>
+        </a:xfrm>
+      </p:grpSpPr>
+      <p:sp>
+        <p:nvSpPr>
+          <p:cNvPr id="2" name="TextBox 1"/>
+          <p:cNvSpPr txBox="1"/>
+          <p:nvPr/>
+        </p:nvSpPr>
+        <p:spPr>
+          <a:xfrm>
+            <a:off x="2934786" y="4498138"/>
+            <a:ext cx="6165669" cy="923330"/>
+          </a:xfrm>
+          <a:prstGeom prst="rect">
+            <a:avLst/>
+          </a:prstGeom>
+          <a:noFill/>
+        </p:spPr>
+        <p:txBody>
+          <a:bodyPr wrap="square" rtlCol="0">
+            <a:spAutoFit/>
+          </a:bodyPr>
+          <a:lstStyle/>
+          <a:p>
+            <a:pPr algn="ctr"/>
+            <a:r>
+              <a:rPr lang="en-US" sz="5400" dirty="0">
+                <a:solidFill>
+                  <a:schemeClr val="accent1">
+                    <a:lumMod val="50000"/>
+                  </a:schemeClr>
+                </a:solidFill>
+                <a:latin typeface="Arial" panose="020B0604020202020204" pitchFamily="34" charset="0"/>
+                <a:cs typeface="Arial" panose="020B0604020202020204" pitchFamily="34" charset="0"/>
+              </a:rPr>
+              <a:t>ADO.NET</a:t>
+            </a:r>
+          </a:p>
+        </p:txBody>
+      </p:sp>
+      <p:pic>
+        <p:nvPicPr>
+          <p:cNvPr id="3" name="Picture 2"/>
+          <p:cNvPicPr>
+            <a:picLocks noChangeAspect="1"/>
+          </p:cNvPicPr>
+          <p:nvPr/>
+        </p:nvPicPr>
+        <p:blipFill rotWithShape="1">
+          <a:blip r:embed="rId2">
+            <a:extLst>
+              <a:ext uri="{28A0092B-C50C-407E-A947-70E740481C1C}">
+                <a14:useLocalDpi xmlns:a14="http://schemas.microsoft.com/office/drawing/2010/main" val="0"/>
+              </a:ext>
+            </a:extLst>
+          </a:blip>
+          <a:srcRect l="208" t="-910"/>
+          <a:stretch/>
+        </p:blipFill>
+        <p:spPr>
+          <a:xfrm>
+            <a:off x="3971107" y="1063555"/>
+            <a:ext cx="3805647" cy="3234285"/>
+          </a:xfrm>
+          <a:prstGeom prst="ellipse">
+            <a:avLst/>
+          </a:prstGeom>
+          <a:ln>
+            <a:noFill/>
+          </a:ln>
+          <a:effectLst>
+            <a:softEdge rad="112500"/>
+          </a:effectLst>
+        </p:spPr>
+      </p:pic>
+    </p:spTree>
+    <p:extLst>
+      <p:ext uri="{BB962C8B-B14F-4D97-AF65-F5344CB8AC3E}">
+        <p14:creationId xmlns:p14="http://schemas.microsoft.com/office/powerpoint/2010/main" val="1069645247"/>
+      </p:ext>
+    </p:extLst>
+  </p:cSld>
+  <p:clrMapOvr>
+    <a:masterClrMapping/>
+  </p:clrMapOvr>
+</p:sld>
+</file>
+
+<file path=ppt/slides/slide11.xml><?xml version="1.0" encoding="utf-8"?>
+<p:sld xmlns:a="http://schemas.openxmlformats.org/drawingml/2006/main" xmlns:r="http://schemas.openxmlformats.org/officeDocument/2006/relationships" xmlns:p="http://schemas.openxmlformats.org/presentationml/2006/main">
+  <p:cSld>
+    <p:spTree>
+      <p:nvGrpSpPr>
+        <p:cNvPr id="1" name=""/>
+        <p:cNvGrpSpPr/>
+        <p:nvPr/>
+      </p:nvGrpSpPr>
+      <p:grpSpPr>
+        <a:xfrm>
+          <a:off x="0" y="0"/>
+          <a:ext cx="0" cy="0"/>
+          <a:chOff x="0" y="0"/>
+          <a:chExt cx="0" cy="0"/>
+        </a:xfrm>
+      </p:grpSpPr>
+      <p:sp>
+        <p:nvSpPr>
+          <p:cNvPr id="2" name="Title 1"/>
+          <p:cNvSpPr>
+            <a:spLocks noGrp="1"/>
+          </p:cNvSpPr>
+          <p:nvPr>
+            <p:ph type="title"/>
+          </p:nvPr>
+        </p:nvSpPr>
+        <p:spPr>
+          <a:xfrm>
+            <a:off x="1240606" y="2063711"/>
+            <a:ext cx="2940939" cy="577273"/>
+          </a:xfrm>
+        </p:spPr>
+        <p:txBody>
+          <a:bodyPr/>
+          <a:lstStyle/>
+          <a:p>
+            <a:r>
+              <a:rPr lang="en-US" sz="3200" dirty="0">
+                <a:latin typeface="Arial" panose="020B0604020202020204" pitchFamily="34" charset="0"/>
+                <a:cs typeface="Arial" panose="020B0604020202020204" pitchFamily="34" charset="0"/>
+              </a:rPr>
+              <a:t>ADO.NET</a:t>
+            </a:r>
+          </a:p>
+        </p:txBody>
+      </p:sp>
+      <p:pic>
+        <p:nvPicPr>
+          <p:cNvPr id="5" name="Content Placeholder 4"/>
+          <p:cNvPicPr>
+            <a:picLocks noGrp="1" noChangeAspect="1"/>
+          </p:cNvPicPr>
+          <p:nvPr>
+            <p:ph idx="1"/>
+          </p:nvPr>
+        </p:nvPicPr>
+        <p:blipFill>
+          <a:blip r:embed="rId2">
+            <a:extLst>
+              <a:ext uri="{28A0092B-C50C-407E-A947-70E740481C1C}">
+                <a14:useLocalDpi xmlns:a14="http://schemas.microsoft.com/office/drawing/2010/main" val="0"/>
+              </a:ext>
+            </a:extLst>
+          </a:blip>
+          <a:stretch>
+            <a:fillRect/>
+          </a:stretch>
+        </p:blipFill>
+        <p:spPr>
+          <a:xfrm>
+            <a:off x="5265528" y="2890367"/>
+            <a:ext cx="6366528" cy="1469198"/>
+          </a:xfrm>
+        </p:spPr>
+      </p:pic>
+      <p:sp>
+        <p:nvSpPr>
+          <p:cNvPr id="4" name="Text Placeholder 3"/>
+          <p:cNvSpPr>
+            <a:spLocks noGrp="1"/>
+          </p:cNvSpPr>
+          <p:nvPr>
+            <p:ph type="body" sz="half" idx="2"/>
+          </p:nvPr>
+        </p:nvSpPr>
+        <p:spPr>
+          <a:xfrm>
+            <a:off x="840918" y="2842491"/>
+            <a:ext cx="3832682" cy="1517074"/>
+          </a:xfrm>
+        </p:spPr>
+        <p:txBody>
+          <a:bodyPr>
+            <a:normAutofit/>
+          </a:bodyPr>
+          <a:lstStyle/>
+          <a:p>
+            <a:r>
+              <a:rPr lang="en-US" sz="1800" dirty="0">
+                <a:solidFill>
+                  <a:schemeClr val="bg1"/>
+                </a:solidFill>
+                <a:latin typeface="Arial" panose="020B0604020202020204" pitchFamily="34" charset="0"/>
+                <a:cs typeface="Arial" panose="020B0604020202020204" pitchFamily="34" charset="0"/>
+              </a:rPr>
+              <a:t>ADO.NET is the latest Microsoft database access technology. It’s a set of classes that expose data access services.</a:t>
+            </a:r>
+          </a:p>
+        </p:txBody>
+      </p:sp>
+      <p:sp>
+        <p:nvSpPr>
+          <p:cNvPr id="7" name="TextBox 6"/>
+          <p:cNvSpPr txBox="1"/>
+          <p:nvPr/>
+        </p:nvSpPr>
+        <p:spPr>
+          <a:xfrm>
+            <a:off x="5607009" y="1906071"/>
+            <a:ext cx="4904509" cy="523220"/>
+          </a:xfrm>
+          <a:prstGeom prst="rect">
+            <a:avLst/>
+          </a:prstGeom>
+          <a:noFill/>
+        </p:spPr>
+        <p:txBody>
+          <a:bodyPr wrap="square" rtlCol="0" anchor="ctr">
+            <a:spAutoFit/>
+          </a:bodyPr>
+          <a:lstStyle/>
+          <a:p>
+            <a:pPr algn="ctr"/>
+            <a:r>
+              <a:rPr lang="en-US" sz="2800" dirty="0">
+                <a:solidFill>
+                  <a:schemeClr val="accent6">
+                    <a:lumMod val="50000"/>
+                  </a:schemeClr>
+                </a:solidFill>
+              </a:rPr>
+              <a:t>C# demo source</a:t>
+            </a:r>
+          </a:p>
+        </p:txBody>
+      </p:sp>
+    </p:spTree>
+    <p:extLst>
+      <p:ext uri="{BB962C8B-B14F-4D97-AF65-F5344CB8AC3E}">
+        <p14:creationId xmlns:p14="http://schemas.microsoft.com/office/powerpoint/2010/main" val="9675751"/>
+      </p:ext>
+    </p:extLst>
+  </p:cSld>
+  <p:clrMapOvr>
+    <a:masterClrMapping/>
+  </p:clrMapOvr>
+</p:sld>
+</file>
+
+<file path=ppt/slides/slide12.xml><?xml version="1.0" encoding="utf-8"?>
 <p:sld xmlns:a="http://schemas.openxmlformats.org/drawingml/2006/main" xmlns:r="http://schemas.openxmlformats.org/officeDocument/2006/relationships" xmlns:p="http://schemas.openxmlformats.org/presentationml/2006/main">
   <p:cSld>
     <p:spTree>
@@ -13806,16 +14059,12 @@
           <a:lstStyle/>
           <a:p>
             <a:r>
-              <a:rPr lang="en-US" sz="4000" dirty="0" smtClean="0">
+              <a:rPr lang="en-US" sz="4000" dirty="0">
                 <a:latin typeface="Arial" panose="020B0604020202020204" pitchFamily="34" charset="0"/>
                 <a:cs typeface="Arial" panose="020B0604020202020204" pitchFamily="34" charset="0"/>
               </a:rPr>
               <a:t>ADO.NET layer</a:t>
             </a:r>
-            <a:endParaRPr lang="en-US" sz="4000" dirty="0">
-              <a:latin typeface="Arial" panose="020B0604020202020204" pitchFamily="34" charset="0"/>
-              <a:cs typeface="Arial" panose="020B0604020202020204" pitchFamily="34" charset="0"/>
-            </a:endParaRPr>
           </a:p>
         </p:txBody>
       </p:sp>
@@ -13944,16 +14193,12 @@
           </a:lstStyle>
           <a:p>
             <a:r>
-              <a:rPr lang="en-US" sz="2000" dirty="0" smtClean="0">
+              <a:rPr lang="en-US" sz="2000" dirty="0">
                 <a:latin typeface="Arial" panose="020B0604020202020204" pitchFamily="34" charset="0"/>
                 <a:cs typeface="Arial" panose="020B0604020202020204" pitchFamily="34" charset="0"/>
               </a:rPr>
               <a:t>With ADO.NET we can access almost any database system</a:t>
             </a:r>
-            <a:endParaRPr lang="en-US" sz="2000" dirty="0">
-              <a:latin typeface="Arial" panose="020B0604020202020204" pitchFamily="34" charset="0"/>
-              <a:cs typeface="Arial" panose="020B0604020202020204" pitchFamily="34" charset="0"/>
-            </a:endParaRPr>
           </a:p>
         </p:txBody>
       </p:sp>
@@ -13967,17 +14212,10 @@
   <p:clrMapOvr>
     <a:masterClrMapping/>
   </p:clrMapOvr>
-  <p:timing>
-    <p:tnLst>
-      <p:par>
-        <p:cTn id="1" dur="indefinite" restart="never" nodeType="tmRoot"/>
-      </p:par>
-    </p:tnLst>
-  </p:timing>
 </p:sld>
 </file>
 
-<file path=ppt/slides/slide11.xml><?xml version="1.0" encoding="utf-8"?>
+<file path=ppt/slides/slide13.xml><?xml version="1.0" encoding="utf-8"?>
 <p:sld xmlns:a="http://schemas.openxmlformats.org/drawingml/2006/main" xmlns:r="http://schemas.openxmlformats.org/officeDocument/2006/relationships" xmlns:p="http://schemas.openxmlformats.org/presentationml/2006/main">
   <p:cSld>
     <p:spTree>
@@ -14011,16 +14249,12 @@
           <a:p>
             <a:pPr algn="ctr"/>
             <a:r>
-              <a:rPr lang="en-US" dirty="0" smtClean="0">
+              <a:rPr lang="en-US" dirty="0">
                 <a:latin typeface="Arial" panose="020B0604020202020204" pitchFamily="34" charset="0"/>
                 <a:cs typeface="Arial" panose="020B0604020202020204" pitchFamily="34" charset="0"/>
               </a:rPr>
               <a:t>ADO.NET downsides</a:t>
             </a:r>
-            <a:endParaRPr lang="en-US" dirty="0">
-              <a:latin typeface="Arial" panose="020B0604020202020204" pitchFamily="34" charset="0"/>
-              <a:cs typeface="Arial" panose="020B0604020202020204" pitchFamily="34" charset="0"/>
-            </a:endParaRPr>
           </a:p>
         </p:txBody>
       </p:sp>
@@ -14037,7 +14271,7 @@
         <p:spPr/>
         <p:txBody>
           <a:bodyPr>
-            <a:normAutofit/>
+            <a:normAutofit lnSpcReduction="10000"/>
           </a:bodyPr>
           <a:lstStyle/>
           <a:p>
@@ -14046,7 +14280,7 @@
               <a:buChar char="Ø"/>
             </a:pPr>
             <a:r>
-              <a:rPr lang="en-US" sz="2000" dirty="0" smtClean="0">
+              <a:rPr lang="en-US" sz="2000" dirty="0">
                 <a:solidFill>
                   <a:schemeClr val="accent1">
                     <a:lumMod val="50000"/>
@@ -14055,7 +14289,7 @@
                 <a:latin typeface="Arial" panose="020B0604020202020204" pitchFamily="34" charset="0"/>
                 <a:cs typeface="Arial" panose="020B0604020202020204" pitchFamily="34" charset="0"/>
               </a:rPr>
-              <a:t>Again, we have to know SQL on a good level</a:t>
+              <a:t>Again, we should know SQL on a good level</a:t>
             </a:r>
           </a:p>
           <a:p>
@@ -14064,7 +14298,7 @@
               <a:buChar char="Ø"/>
             </a:pPr>
             <a:r>
-              <a:rPr lang="en-US" sz="2000" dirty="0" smtClean="0">
+              <a:rPr lang="en-US" sz="2000" dirty="0">
                 <a:solidFill>
                   <a:schemeClr val="accent1">
                     <a:lumMod val="50000"/>
@@ -14076,7 +14310,7 @@
               <a:t>No </a:t>
             </a:r>
             <a:r>
-              <a:rPr lang="en-US" sz="2000" dirty="0" err="1" smtClean="0">
+              <a:rPr lang="en-US" sz="2000" dirty="0" err="1">
                 <a:solidFill>
                   <a:schemeClr val="accent1">
                     <a:lumMod val="50000"/>
@@ -14088,7 +14322,7 @@
               <a:t>InteliSense</a:t>
             </a:r>
             <a:r>
-              <a:rPr lang="en-US" sz="2000" dirty="0" smtClean="0">
+              <a:rPr lang="en-US" sz="2000" dirty="0">
                 <a:solidFill>
                   <a:schemeClr val="accent1">
                     <a:lumMod val="50000"/>
@@ -14106,7 +14340,7 @@
               <a:buChar char="Ø"/>
             </a:pPr>
             <a:r>
-              <a:rPr lang="en-US" sz="2000" dirty="0" smtClean="0">
+              <a:rPr lang="en-US" sz="2000" dirty="0">
                 <a:solidFill>
                   <a:schemeClr val="accent1">
                     <a:lumMod val="50000"/>
@@ -14124,7 +14358,7 @@
               <a:buChar char="Ø"/>
             </a:pPr>
             <a:r>
-              <a:rPr lang="en-US" sz="2000" dirty="0" smtClean="0">
+              <a:rPr lang="en-US" sz="2000" dirty="0">
                 <a:solidFill>
                   <a:schemeClr val="accent1">
                     <a:lumMod val="50000"/>
@@ -14134,6 +14368,42 @@
                 <a:cs typeface="Arial" panose="020B0604020202020204" pitchFamily="34" charset="0"/>
               </a:rPr>
               <a:t>Writing more code</a:t>
+            </a:r>
+          </a:p>
+          <a:p>
+            <a:pPr marL="285750" indent="-285750">
+              <a:buFont typeface="Wingdings" panose="05000000000000000000" pitchFamily="2" charset="2"/>
+              <a:buChar char="Ø"/>
+            </a:pPr>
+            <a:r>
+              <a:rPr lang="en-US" sz="2000" dirty="0">
+                <a:solidFill>
+                  <a:schemeClr val="accent1">
+                    <a:lumMod val="50000"/>
+                  </a:schemeClr>
+                </a:solidFill>
+                <a:latin typeface="Arial" panose="020B0604020202020204" pitchFamily="34" charset="0"/>
+                <a:cs typeface="Arial" panose="020B0604020202020204" pitchFamily="34" charset="0"/>
+              </a:rPr>
+              <a:t>Manual Handling of connections</a:t>
+            </a:r>
+          </a:p>
+          <a:p>
+            <a:pPr marL="285750" indent="-285750">
+              <a:buFont typeface="Wingdings" panose="05000000000000000000" pitchFamily="2" charset="2"/>
+              <a:buChar char="Ø"/>
+            </a:pPr>
+            <a:r>
+              <a:rPr lang="en-US" sz="2000" dirty="0">
+                <a:solidFill>
+                  <a:schemeClr val="accent1">
+                    <a:lumMod val="50000"/>
+                  </a:schemeClr>
+                </a:solidFill>
+                <a:latin typeface="Arial" panose="020B0604020202020204" pitchFamily="34" charset="0"/>
+                <a:cs typeface="Arial" panose="020B0604020202020204" pitchFamily="34" charset="0"/>
+              </a:rPr>
+              <a:t>Possible SQL injection</a:t>
             </a:r>
           </a:p>
         </p:txBody>
@@ -14181,7 +14451,7 @@
 </p:sld>
 </file>
 
-<file path=ppt/slides/slide12.xml><?xml version="1.0" encoding="utf-8"?>
+<file path=ppt/slides/slide14.xml><?xml version="1.0" encoding="utf-8"?>
 <p:sld xmlns:a="http://schemas.openxmlformats.org/drawingml/2006/main" xmlns:r="http://schemas.openxmlformats.org/officeDocument/2006/relationships" xmlns:p="http://schemas.openxmlformats.org/presentationml/2006/main">
   <p:cSld>
     <p:spTree>
@@ -14222,7 +14492,7 @@
           <a:p>
             <a:pPr lvl="1" algn="ctr"/>
             <a:r>
-              <a:rPr lang="en-US" sz="5400" dirty="0" smtClean="0">
+              <a:rPr lang="en-US" sz="5400" dirty="0">
                 <a:solidFill>
                   <a:schemeClr val="accent1">
                     <a:lumMod val="50000"/>
@@ -14237,7 +14507,7 @@
           <a:p>
             <a:pPr lvl="1" algn="ctr"/>
             <a:r>
-              <a:rPr lang="en-US" sz="5400" dirty="0" smtClean="0">
+              <a:rPr lang="en-US" sz="5400" dirty="0">
                 <a:solidFill>
                   <a:schemeClr val="accent1">
                     <a:lumMod val="50000"/>
@@ -14248,15 +14518,6 @@
               </a:rPr>
               <a:t>ORM</a:t>
             </a:r>
-            <a:endParaRPr lang="en-US" sz="5400" dirty="0">
-              <a:solidFill>
-                <a:schemeClr val="accent1">
-                  <a:lumMod val="50000"/>
-                </a:schemeClr>
-              </a:solidFill>
-              <a:latin typeface="Arial" panose="020B0604020202020204" pitchFamily="34" charset="0"/>
-              <a:cs typeface="Arial" panose="020B0604020202020204" pitchFamily="34" charset="0"/>
-            </a:endParaRPr>
           </a:p>
         </p:txBody>
       </p:sp>
@@ -14300,17 +14561,10 @@
   <p:clrMapOvr>
     <a:masterClrMapping/>
   </p:clrMapOvr>
-  <p:timing>
-    <p:tnLst>
-      <p:par>
-        <p:cTn id="1" dur="indefinite" restart="never" nodeType="tmRoot"/>
-      </p:par>
-    </p:tnLst>
-  </p:timing>
 </p:sld>
 </file>
 
-<file path=ppt/slides/slide13.xml><?xml version="1.0" encoding="utf-8"?>
+<file path=ppt/slides/slide15.xml><?xml version="1.0" encoding="utf-8"?>
 <p:sld xmlns:a="http://schemas.openxmlformats.org/drawingml/2006/main" xmlns:r="http://schemas.openxmlformats.org/officeDocument/2006/relationships" xmlns:p="http://schemas.openxmlformats.org/presentationml/2006/main">
   <p:cSld>
     <p:spTree>
@@ -14350,16 +14604,12 @@
           <a:lstStyle/>
           <a:p>
             <a:r>
-              <a:rPr lang="en-US" dirty="0" smtClean="0">
+              <a:rPr lang="en-US" dirty="0">
                 <a:latin typeface="Arial" panose="020B0604020202020204" pitchFamily="34" charset="0"/>
                 <a:cs typeface="Arial" panose="020B0604020202020204" pitchFamily="34" charset="0"/>
               </a:rPr>
               <a:t>What is ORM and how it works?</a:t>
             </a:r>
-            <a:endParaRPr lang="en-US" dirty="0">
-              <a:latin typeface="Arial" panose="020B0604020202020204" pitchFamily="34" charset="0"/>
-              <a:cs typeface="Arial" panose="020B0604020202020204" pitchFamily="34" charset="0"/>
-            </a:endParaRPr>
           </a:p>
         </p:txBody>
       </p:sp>
@@ -14376,7 +14626,7 @@
         <p:spPr>
           <a:xfrm>
             <a:off x="1198231" y="2946400"/>
-            <a:ext cx="3859212" cy="2701636"/>
+            <a:ext cx="3859212" cy="1686560"/>
           </a:xfrm>
         </p:spPr>
         <p:txBody>
@@ -14386,7 +14636,7 @@
           <a:lstStyle/>
           <a:p>
             <a:r>
-              <a:rPr lang="en-US" sz="1800" dirty="0" smtClean="0">
+              <a:rPr lang="en-US" sz="1800" dirty="0">
                 <a:solidFill>
                   <a:schemeClr val="bg1"/>
                 </a:solidFill>
@@ -14395,13 +14645,6 @@
               </a:rPr>
               <a:t>ORM stands from Object Relational Mapper and is a library that automates the transfer of data between database tables into objects and vice versa.</a:t>
             </a:r>
-            <a:endParaRPr lang="en-US" sz="1800" dirty="0">
-              <a:solidFill>
-                <a:schemeClr val="bg1"/>
-              </a:solidFill>
-              <a:latin typeface="Arial" panose="020B0604020202020204" pitchFamily="34" charset="0"/>
-              <a:cs typeface="Arial" panose="020B0604020202020204" pitchFamily="34" charset="0"/>
-            </a:endParaRPr>
           </a:p>
         </p:txBody>
       </p:sp>
@@ -14445,17 +14688,10 @@
   <p:clrMapOvr>
     <a:masterClrMapping/>
   </p:clrMapOvr>
-  <p:timing>
-    <p:tnLst>
-      <p:par>
-        <p:cTn id="1" dur="indefinite" restart="never" nodeType="tmRoot"/>
-      </p:par>
-    </p:tnLst>
-  </p:timing>
 </p:sld>
 </file>
 
-<file path=ppt/slides/slide14.xml><?xml version="1.0" encoding="utf-8"?>
+<file path=ppt/slides/slide16.xml><?xml version="1.0" encoding="utf-8"?>
 <p:sld xmlns:a="http://schemas.openxmlformats.org/drawingml/2006/main" xmlns:r="http://schemas.openxmlformats.org/officeDocument/2006/relationships" xmlns:p="http://schemas.openxmlformats.org/presentationml/2006/main">
   <p:cSld>
     <p:spTree>
@@ -14489,16 +14725,12 @@
           <a:p>
             <a:pPr algn="ctr"/>
             <a:r>
-              <a:rPr lang="en-US" dirty="0" smtClean="0">
+              <a:rPr lang="en-US" dirty="0">
                 <a:latin typeface="Arial" panose="020B0604020202020204" pitchFamily="34" charset="0"/>
                 <a:cs typeface="Arial" panose="020B0604020202020204" pitchFamily="34" charset="0"/>
               </a:rPr>
               <a:t>The benefits of ORM systems?</a:t>
             </a:r>
-            <a:endParaRPr lang="en-US" dirty="0">
-              <a:latin typeface="Arial" panose="020B0604020202020204" pitchFamily="34" charset="0"/>
-              <a:cs typeface="Arial" panose="020B0604020202020204" pitchFamily="34" charset="0"/>
-            </a:endParaRPr>
           </a:p>
         </p:txBody>
       </p:sp>
@@ -14750,7 +14982,7 @@
           </a:lstStyle>
           <a:p>
             <a:r>
-              <a:rPr lang="en-US" sz="2000" dirty="0" smtClean="0">
+              <a:rPr lang="en-US" sz="2000" dirty="0">
                 <a:solidFill>
                   <a:schemeClr val="accent1">
                     <a:lumMod val="50000"/>
@@ -14764,7 +14996,7 @@
           </a:p>
           <a:p>
             <a:r>
-              <a:rPr lang="en-US" sz="2000" dirty="0" smtClean="0">
+              <a:rPr lang="en-US" sz="2000" dirty="0">
                 <a:solidFill>
                   <a:schemeClr val="accent1">
                     <a:lumMod val="50000"/>
@@ -14778,7 +15010,7 @@
           </a:p>
           <a:p>
             <a:r>
-              <a:rPr lang="en-US" sz="2000" dirty="0" smtClean="0">
+              <a:rPr lang="en-US" sz="2000" dirty="0">
                 <a:solidFill>
                   <a:schemeClr val="accent1">
                     <a:lumMod val="50000"/>
@@ -14792,7 +15024,7 @@
           </a:p>
           <a:p>
             <a:r>
-              <a:rPr lang="en-US" sz="2000" dirty="0" smtClean="0">
+              <a:rPr lang="en-US" sz="2000" dirty="0">
                 <a:solidFill>
                   <a:schemeClr val="accent1">
                     <a:lumMod val="50000"/>
@@ -14806,7 +15038,7 @@
           </a:p>
           <a:p>
             <a:r>
-              <a:rPr lang="en-US" sz="2000" dirty="0" smtClean="0">
+              <a:rPr lang="en-US" sz="2000" dirty="0">
                 <a:solidFill>
                   <a:schemeClr val="accent1">
                     <a:lumMod val="50000"/>
@@ -14819,7 +15051,7 @@
             </a:r>
           </a:p>
           <a:p>
-            <a:endParaRPr lang="en-US" dirty="0" smtClean="0"/>
+            <a:endParaRPr lang="en-US" dirty="0"/>
           </a:p>
           <a:p>
             <a:endParaRPr lang="en-US" dirty="0"/>
@@ -14872,17 +15104,10 @@
   <p:clrMapOvr>
     <a:masterClrMapping/>
   </p:clrMapOvr>
-  <p:timing>
-    <p:tnLst>
-      <p:par>
-        <p:cTn id="1" dur="indefinite" restart="never" nodeType="tmRoot"/>
-      </p:par>
-    </p:tnLst>
-  </p:timing>
 </p:sld>
 </file>
 
-<file path=ppt/slides/slide15.xml><?xml version="1.0" encoding="utf-8"?>
+<file path=ppt/slides/slide17.xml><?xml version="1.0" encoding="utf-8"?>
 <p:sld xmlns:a="http://schemas.openxmlformats.org/drawingml/2006/main" xmlns:r="http://schemas.openxmlformats.org/officeDocument/2006/relationships" xmlns:p="http://schemas.openxmlformats.org/presentationml/2006/main">
   <p:cSld>
     <p:spTree>
@@ -14916,16 +15141,12 @@
           <a:p>
             <a:pPr algn="ctr"/>
             <a:r>
-              <a:rPr lang="en-US" dirty="0" smtClean="0">
+              <a:rPr lang="en-US" dirty="0">
                 <a:latin typeface="Arial" panose="020B0604020202020204" pitchFamily="34" charset="0"/>
                 <a:cs typeface="Arial" panose="020B0604020202020204" pitchFamily="34" charset="0"/>
               </a:rPr>
               <a:t>ORM downsides</a:t>
             </a:r>
-            <a:endParaRPr lang="en-US" dirty="0">
-              <a:latin typeface="Arial" panose="020B0604020202020204" pitchFamily="34" charset="0"/>
-              <a:cs typeface="Arial" panose="020B0604020202020204" pitchFamily="34" charset="0"/>
-            </a:endParaRPr>
           </a:p>
         </p:txBody>
       </p:sp>
@@ -14947,7 +15168,7 @@
           <a:lstStyle/>
           <a:p>
             <a:r>
-              <a:rPr lang="en-US" sz="2000" dirty="0" smtClean="0">
+              <a:rPr lang="en-US" sz="2000" dirty="0">
                 <a:solidFill>
                   <a:schemeClr val="accent1">
                     <a:lumMod val="50000"/>
@@ -14961,7 +15182,7 @@
           </a:p>
           <a:p>
             <a:r>
-              <a:rPr lang="en-US" sz="2000" dirty="0" smtClean="0">
+              <a:rPr lang="en-US" sz="2000" dirty="0">
                 <a:solidFill>
                   <a:schemeClr val="accent1">
                     <a:lumMod val="50000"/>
@@ -14975,7 +15196,7 @@
           </a:p>
           <a:p>
             <a:r>
-              <a:rPr lang="en-US" sz="2000" dirty="0" smtClean="0">
+              <a:rPr lang="en-US" sz="2000" dirty="0">
                 <a:solidFill>
                   <a:schemeClr val="accent1">
                     <a:lumMod val="50000"/>
@@ -14986,15 +15207,6 @@
               </a:rPr>
               <a:t>Tuning</a:t>
             </a:r>
-            <a:endParaRPr lang="en-US" sz="2000" dirty="0">
-              <a:solidFill>
-                <a:schemeClr val="accent1">
-                  <a:lumMod val="50000"/>
-                </a:schemeClr>
-              </a:solidFill>
-              <a:latin typeface="Arial" panose="020B0604020202020204" pitchFamily="34" charset="0"/>
-              <a:cs typeface="Arial" panose="020B0604020202020204" pitchFamily="34" charset="0"/>
-            </a:endParaRPr>
           </a:p>
         </p:txBody>
       </p:sp>
@@ -15040,7 +15252,7 @@
 </p:sld>
 </file>
 
-<file path=ppt/slides/slide16.xml><?xml version="1.0" encoding="utf-8"?>
+<file path=ppt/slides/slide18.xml><?xml version="1.0" encoding="utf-8"?>
 <p:sld xmlns:a="http://schemas.openxmlformats.org/drawingml/2006/main" xmlns:r="http://schemas.openxmlformats.org/officeDocument/2006/relationships" xmlns:p="http://schemas.openxmlformats.org/presentationml/2006/main">
   <p:cSld>
     <p:spTree>
@@ -15081,7 +15293,7 @@
           <a:p>
             <a:pPr lvl="1" algn="ctr"/>
             <a:r>
-              <a:rPr lang="en-US" sz="5400" dirty="0" smtClean="0">
+              <a:rPr lang="en-US" sz="5400" dirty="0">
                 <a:solidFill>
                   <a:schemeClr val="accent1">
                     <a:lumMod val="50000"/>
@@ -15092,15 +15304,6 @@
               </a:rPr>
               <a:t>Entity Framework Core</a:t>
             </a:r>
-            <a:endParaRPr lang="en-US" sz="5400" dirty="0">
-              <a:solidFill>
-                <a:schemeClr val="accent1">
-                  <a:lumMod val="50000"/>
-                </a:schemeClr>
-              </a:solidFill>
-              <a:latin typeface="Arial" panose="020B0604020202020204" pitchFamily="34" charset="0"/>
-              <a:cs typeface="Arial" panose="020B0604020202020204" pitchFamily="34" charset="0"/>
-            </a:endParaRPr>
           </a:p>
         </p:txBody>
       </p:sp>
@@ -15168,17 +15371,10 @@
   <p:clrMapOvr>
     <a:masterClrMapping/>
   </p:clrMapOvr>
-  <p:timing>
-    <p:tnLst>
-      <p:par>
-        <p:cTn id="1" dur="indefinite" restart="never" nodeType="tmRoot"/>
-      </p:par>
-    </p:tnLst>
-  </p:timing>
 </p:sld>
 </file>
 
-<file path=ppt/slides/slide17.xml><?xml version="1.0" encoding="utf-8"?>
+<file path=ppt/slides/slide19.xml><?xml version="1.0" encoding="utf-8"?>
 <p:sld xmlns:a="http://schemas.openxmlformats.org/drawingml/2006/main" xmlns:r="http://schemas.openxmlformats.org/officeDocument/2006/relationships" xmlns:p="http://schemas.openxmlformats.org/presentationml/2006/main">
   <p:cSld>
     <p:spTree>
@@ -15212,10 +15408,9 @@
           <a:p>
             <a:pPr algn="ctr"/>
             <a:r>
-              <a:rPr lang="en-US" dirty="0" smtClean="0"/>
+              <a:rPr lang="en-US" dirty="0"/>
               <a:t>Entity Framework Core</a:t>
             </a:r>
-            <a:endParaRPr lang="en-US" dirty="0"/>
           </a:p>
         </p:txBody>
       </p:sp>
@@ -15240,7 +15435,7 @@
           <a:lstStyle/>
           <a:p>
             <a:r>
-              <a:rPr lang="en-US" dirty="0" smtClean="0">
+              <a:rPr lang="en-US" dirty="0">
                 <a:solidFill>
                   <a:schemeClr val="accent1">
                     <a:lumMod val="50000"/>
@@ -15254,7 +15449,7 @@
           </a:p>
           <a:p>
             <a:r>
-              <a:rPr lang="en-US" dirty="0" smtClean="0">
+              <a:rPr lang="en-US" dirty="0">
                 <a:solidFill>
                   <a:schemeClr val="accent1">
                     <a:lumMod val="50000"/>
@@ -15268,7 +15463,7 @@
           </a:p>
           <a:p>
             <a:r>
-              <a:rPr lang="en-US" dirty="0" smtClean="0">
+              <a:rPr lang="en-US" dirty="0">
                 <a:solidFill>
                   <a:schemeClr val="accent1">
                     <a:lumMod val="50000"/>
@@ -15282,7 +15477,7 @@
           </a:p>
           <a:p>
             <a:r>
-              <a:rPr lang="en-US" dirty="0" smtClean="0">
+              <a:rPr lang="en-US" dirty="0">
                 <a:solidFill>
                   <a:schemeClr val="accent1">
                     <a:lumMod val="50000"/>
@@ -15293,15 +15488,6 @@
               </a:rPr>
               <a:t>Supports many database providers</a:t>
             </a:r>
-            <a:endParaRPr lang="en-US" dirty="0">
-              <a:solidFill>
-                <a:schemeClr val="accent1">
-                  <a:lumMod val="50000"/>
-                </a:schemeClr>
-              </a:solidFill>
-              <a:latin typeface="Arial" panose="020B0604020202020204" pitchFamily="34" charset="0"/>
-              <a:cs typeface="Arial" panose="020B0604020202020204" pitchFamily="34" charset="0"/>
-            </a:endParaRPr>
           </a:p>
         </p:txBody>
       </p:sp>
@@ -15344,240 +15530,6 @@
   <p:clrMapOvr>
     <a:masterClrMapping/>
   </p:clrMapOvr>
-  <p:timing>
-    <p:tnLst>
-      <p:par>
-        <p:cTn id="1" dur="indefinite" restart="never" nodeType="tmRoot"/>
-      </p:par>
-    </p:tnLst>
-  </p:timing>
-</p:sld>
-</file>
-
-<file path=ppt/slides/slide18.xml><?xml version="1.0" encoding="utf-8"?>
-<p:sld xmlns:a="http://schemas.openxmlformats.org/drawingml/2006/main" xmlns:r="http://schemas.openxmlformats.org/officeDocument/2006/relationships" xmlns:p="http://schemas.openxmlformats.org/presentationml/2006/main">
-  <p:cSld>
-    <p:spTree>
-      <p:nvGrpSpPr>
-        <p:cNvPr id="1" name=""/>
-        <p:cNvGrpSpPr/>
-        <p:nvPr/>
-      </p:nvGrpSpPr>
-      <p:grpSpPr>
-        <a:xfrm>
-          <a:off x="0" y="0"/>
-          <a:ext cx="0" cy="0"/>
-          <a:chOff x="0" y="0"/>
-          <a:chExt cx="0" cy="0"/>
-        </a:xfrm>
-      </p:grpSpPr>
-      <p:sp>
-        <p:nvSpPr>
-          <p:cNvPr id="5" name="Title 4"/>
-          <p:cNvSpPr>
-            <a:spLocks noGrp="1"/>
-          </p:cNvSpPr>
-          <p:nvPr>
-            <p:ph type="title"/>
-          </p:nvPr>
-        </p:nvSpPr>
-        <p:spPr>
-          <a:xfrm>
-            <a:off x="1101615" y="2417233"/>
-            <a:ext cx="3865134" cy="1735667"/>
-          </a:xfrm>
-        </p:spPr>
-        <p:txBody>
-          <a:bodyPr/>
-          <a:lstStyle/>
-          <a:p>
-            <a:pPr algn="ctr"/>
-            <a:r>
-              <a:rPr lang="en-US" dirty="0" smtClean="0"/>
-              <a:t>EF Core in the whole picture</a:t>
-            </a:r>
-            <a:endParaRPr lang="en-US" dirty="0"/>
-          </a:p>
-        </p:txBody>
-      </p:sp>
-      <p:sp>
-        <p:nvSpPr>
-          <p:cNvPr id="6" name="TextBox 5"/>
-          <p:cNvSpPr txBox="1"/>
-          <p:nvPr/>
-        </p:nvSpPr>
-        <p:spPr>
-          <a:xfrm>
-            <a:off x="7617002" y="1082040"/>
-            <a:ext cx="2845937" cy="369332"/>
-          </a:xfrm>
-          <a:prstGeom prst="rect">
-            <a:avLst/>
-          </a:prstGeom>
-          <a:noFill/>
-        </p:spPr>
-        <p:txBody>
-          <a:bodyPr wrap="square" rtlCol="0">
-            <a:spAutoFit/>
-          </a:bodyPr>
-          <a:lstStyle/>
-          <a:p>
-            <a:r>
-              <a:rPr lang="en-US" dirty="0" smtClean="0"/>
-              <a:t>Architecture diagram</a:t>
-            </a:r>
-            <a:endParaRPr lang="en-US" dirty="0"/>
-          </a:p>
-        </p:txBody>
-      </p:sp>
-      <p:pic>
-        <p:nvPicPr>
-          <p:cNvPr id="8" name="Picture Placeholder 7"/>
-          <p:cNvPicPr>
-            <a:picLocks noGrp="1" noChangeAspect="1"/>
-          </p:cNvPicPr>
-          <p:nvPr>
-            <p:ph type="pic" idx="1"/>
-          </p:nvPr>
-        </p:nvPicPr>
-        <p:blipFill>
-          <a:blip r:embed="rId2">
-            <a:extLst>
-              <a:ext uri="{28A0092B-C50C-407E-A947-70E740481C1C}">
-                <a14:useLocalDpi xmlns:a14="http://schemas.microsoft.com/office/drawing/2010/main" val="0"/>
-              </a:ext>
-            </a:extLst>
-          </a:blip>
-          <a:srcRect l="4608" r="4608"/>
-          <a:stretch>
-            <a:fillRect/>
-          </a:stretch>
-        </p:blipFill>
-        <p:spPr>
-          <a:xfrm>
-            <a:off x="7235825" y="1612900"/>
-            <a:ext cx="3227388" cy="4572000"/>
-          </a:xfrm>
-        </p:spPr>
-      </p:pic>
-    </p:spTree>
-    <p:extLst>
-      <p:ext uri="{BB962C8B-B14F-4D97-AF65-F5344CB8AC3E}">
-        <p14:creationId xmlns:p14="http://schemas.microsoft.com/office/powerpoint/2010/main" val="822469674"/>
-      </p:ext>
-    </p:extLst>
-  </p:cSld>
-  <p:clrMapOvr>
-    <a:masterClrMapping/>
-  </p:clrMapOvr>
-  <p:timing>
-    <p:tnLst>
-      <p:par>
-        <p:cTn id="1" dur="indefinite" restart="never" nodeType="tmRoot"/>
-      </p:par>
-    </p:tnLst>
-  </p:timing>
-</p:sld>
-</file>
-
-<file path=ppt/slides/slide19.xml><?xml version="1.0" encoding="utf-8"?>
-<p:sld xmlns:a="http://schemas.openxmlformats.org/drawingml/2006/main" xmlns:r="http://schemas.openxmlformats.org/officeDocument/2006/relationships" xmlns:p="http://schemas.openxmlformats.org/presentationml/2006/main">
-  <p:cSld>
-    <p:spTree>
-      <p:nvGrpSpPr>
-        <p:cNvPr id="1" name=""/>
-        <p:cNvGrpSpPr/>
-        <p:nvPr/>
-      </p:nvGrpSpPr>
-      <p:grpSpPr>
-        <a:xfrm>
-          <a:off x="0" y="0"/>
-          <a:ext cx="0" cy="0"/>
-          <a:chOff x="0" y="0"/>
-          <a:chExt cx="0" cy="0"/>
-        </a:xfrm>
-      </p:grpSpPr>
-      <p:sp>
-        <p:nvSpPr>
-          <p:cNvPr id="2" name="Title 1"/>
-          <p:cNvSpPr>
-            <a:spLocks noGrp="1"/>
-          </p:cNvSpPr>
-          <p:nvPr>
-            <p:ph type="title"/>
-          </p:nvPr>
-        </p:nvSpPr>
-        <p:spPr>
-          <a:xfrm>
-            <a:off x="1474994" y="1019388"/>
-            <a:ext cx="8761413" cy="706964"/>
-          </a:xfrm>
-        </p:spPr>
-        <p:txBody>
-          <a:bodyPr/>
-          <a:lstStyle/>
-          <a:p>
-            <a:pPr algn="ctr"/>
-            <a:r>
-              <a:rPr lang="en-US" dirty="0" smtClean="0">
-                <a:latin typeface="Arial" panose="020B0604020202020204" pitchFamily="34" charset="0"/>
-                <a:cs typeface="Arial" panose="020B0604020202020204" pitchFamily="34" charset="0"/>
-              </a:rPr>
-              <a:t>Model design approaches</a:t>
-            </a:r>
-            <a:endParaRPr lang="en-US" dirty="0">
-              <a:latin typeface="Arial" panose="020B0604020202020204" pitchFamily="34" charset="0"/>
-              <a:cs typeface="Arial" panose="020B0604020202020204" pitchFamily="34" charset="0"/>
-            </a:endParaRPr>
-          </a:p>
-        </p:txBody>
-      </p:sp>
-      <p:pic>
-        <p:nvPicPr>
-          <p:cNvPr id="5" name="Content Placeholder 4"/>
-          <p:cNvPicPr>
-            <a:picLocks noGrp="1" noChangeAspect="1"/>
-          </p:cNvPicPr>
-          <p:nvPr>
-            <p:ph idx="1"/>
-          </p:nvPr>
-        </p:nvPicPr>
-        <p:blipFill>
-          <a:blip r:embed="rId2">
-            <a:extLst>
-              <a:ext uri="{28A0092B-C50C-407E-A947-70E740481C1C}">
-                <a14:useLocalDpi xmlns:a14="http://schemas.microsoft.com/office/drawing/2010/main" val="0"/>
-              </a:ext>
-            </a:extLst>
-          </a:blip>
-          <a:stretch>
-            <a:fillRect/>
-          </a:stretch>
-        </p:blipFill>
-        <p:spPr>
-          <a:xfrm>
-            <a:off x="1780724" y="2448977"/>
-            <a:ext cx="8671633" cy="3795069"/>
-          </a:xfrm>
-        </p:spPr>
-      </p:pic>
-    </p:spTree>
-    <p:extLst>
-      <p:ext uri="{BB962C8B-B14F-4D97-AF65-F5344CB8AC3E}">
-        <p14:creationId xmlns:p14="http://schemas.microsoft.com/office/powerpoint/2010/main" val="1130608291"/>
-      </p:ext>
-    </p:extLst>
-  </p:cSld>
-  <p:clrMapOvr>
-    <a:masterClrMapping/>
-  </p:clrMapOvr>
-  <p:timing>
-    <p:tnLst>
-      <p:par>
-        <p:cTn id="1" dur="indefinite" restart="never" nodeType="tmRoot"/>
-      </p:par>
-    </p:tnLst>
-  </p:timing>
 </p:sld>
 </file>
 
@@ -15614,10 +15566,9 @@
           <a:lstStyle/>
           <a:p>
             <a:r>
-              <a:rPr lang="en-US" dirty="0" smtClean="0"/>
+              <a:rPr lang="en-US" dirty="0"/>
               <a:t>Table of Contents</a:t>
             </a:r>
-            <a:endParaRPr lang="en-US" dirty="0"/>
           </a:p>
         </p:txBody>
       </p:sp>
@@ -15676,19 +15627,19 @@
             </a:endParaRPr>
           </a:p>
           <a:p>
-            <a:endParaRPr lang="en-US" dirty="0" smtClean="0">
+            <a:endParaRPr lang="en-US" dirty="0">
               <a:latin typeface="Arial" panose="020B0604020202020204" pitchFamily="34" charset="0"/>
               <a:cs typeface="Arial" panose="020B0604020202020204" pitchFamily="34" charset="0"/>
             </a:endParaRPr>
           </a:p>
           <a:p>
-            <a:endParaRPr lang="en-US" dirty="0" smtClean="0">
+            <a:endParaRPr lang="en-US" dirty="0">
               <a:latin typeface="Arial" panose="020B0604020202020204" pitchFamily="34" charset="0"/>
               <a:cs typeface="Arial" panose="020B0604020202020204" pitchFamily="34" charset="0"/>
             </a:endParaRPr>
           </a:p>
           <a:p>
-            <a:endParaRPr lang="en-US" dirty="0" smtClean="0"/>
+            <a:endParaRPr lang="en-US" dirty="0"/>
           </a:p>
           <a:p>
             <a:endParaRPr lang="en-US" dirty="0"/>
@@ -15718,7 +15669,7 @@
           <a:lstStyle/>
           <a:p>
             <a:r>
-              <a:rPr lang="en-US" sz="2000" dirty="0" smtClean="0">
+              <a:rPr lang="en-US" sz="2000" dirty="0">
                 <a:solidFill>
                   <a:schemeClr val="accent1">
                     <a:lumMod val="50000"/>
@@ -15732,7 +15683,7 @@
           </a:p>
           <a:p>
             <a:r>
-              <a:rPr lang="en-US" sz="2000" dirty="0" smtClean="0">
+              <a:rPr lang="en-US" sz="2000" dirty="0">
                 <a:solidFill>
                   <a:schemeClr val="accent1">
                     <a:lumMod val="50000"/>
@@ -15746,7 +15697,7 @@
           </a:p>
           <a:p>
             <a:r>
-              <a:rPr lang="en-US" sz="2000" dirty="0" smtClean="0">
+              <a:rPr lang="en-US" sz="2000" dirty="0">
                 <a:solidFill>
                   <a:schemeClr val="accent1">
                     <a:lumMod val="50000"/>
@@ -15760,7 +15711,7 @@
           </a:p>
           <a:p>
             <a:r>
-              <a:rPr lang="en-US" sz="2000" dirty="0" smtClean="0">
+              <a:rPr lang="en-US" sz="2000" dirty="0">
                 <a:solidFill>
                   <a:schemeClr val="accent1">
                     <a:lumMod val="50000"/>
@@ -15778,7 +15729,7 @@
               <a:buChar char="§"/>
             </a:pPr>
             <a:r>
-              <a:rPr lang="en-US" sz="1800" dirty="0" smtClean="0">
+              <a:rPr lang="en-US" sz="1800" dirty="0">
                 <a:solidFill>
                   <a:schemeClr val="accent1">
                     <a:lumMod val="50000"/>
@@ -15796,7 +15747,7 @@
               <a:buChar char="§"/>
             </a:pPr>
             <a:r>
-              <a:rPr lang="en-US" sz="1800" dirty="0" smtClean="0">
+              <a:rPr lang="en-US" sz="1800" dirty="0">
                 <a:solidFill>
                   <a:schemeClr val="accent1">
                     <a:lumMod val="50000"/>
@@ -15810,7 +15761,7 @@
           </a:p>
           <a:p>
             <a:r>
-              <a:rPr lang="en-US" sz="2000" dirty="0" smtClean="0">
+              <a:rPr lang="en-US" sz="2000" dirty="0">
                 <a:solidFill>
                   <a:schemeClr val="accent1">
                     <a:lumMod val="50000"/>
@@ -15821,7 +15772,7 @@
               </a:rPr>
               <a:t>LINQ</a:t>
             </a:r>
-            <a:endParaRPr lang="bg-BG" sz="2000" dirty="0" smtClean="0">
+            <a:endParaRPr lang="bg-BG" sz="2000" dirty="0">
               <a:solidFill>
                 <a:schemeClr val="accent1">
                   <a:lumMod val="50000"/>
@@ -15833,7 +15784,7 @@
           </a:p>
           <a:p>
             <a:r>
-              <a:rPr lang="en-US" sz="2000" dirty="0" smtClean="0">
+              <a:rPr lang="en-US" sz="2000" dirty="0">
                 <a:solidFill>
                   <a:schemeClr val="accent1">
                     <a:lumMod val="50000"/>
@@ -15842,17 +15793,17 @@
                 <a:latin typeface="Arial" panose="020B0604020202020204" pitchFamily="34" charset="0"/>
                 <a:cs typeface="Arial" panose="020B0604020202020204" pitchFamily="34" charset="0"/>
               </a:rPr>
-              <a:t>Bonus slides</a:t>
-            </a:r>
-          </a:p>
-          <a:p>
-            <a:endParaRPr lang="en-US" sz="2000" dirty="0" smtClean="0">
+              <a:t>C++ and Bonus slides</a:t>
+            </a:r>
+          </a:p>
+          <a:p>
+            <a:endParaRPr lang="en-US" sz="2000" dirty="0">
               <a:latin typeface="Arial" panose="020B0604020202020204" pitchFamily="34" charset="0"/>
               <a:cs typeface="Arial" panose="020B0604020202020204" pitchFamily="34" charset="0"/>
             </a:endParaRPr>
           </a:p>
           <a:p>
-            <a:endParaRPr lang="en-US" sz="2000" dirty="0" smtClean="0">
+            <a:endParaRPr lang="en-US" sz="2000" dirty="0">
               <a:latin typeface="Arial" panose="020B0604020202020204" pitchFamily="34" charset="0"/>
               <a:cs typeface="Arial" panose="020B0604020202020204" pitchFamily="34" charset="0"/>
             </a:endParaRPr>
@@ -15891,19 +15842,19 @@
             </a:endParaRPr>
           </a:p>
           <a:p>
-            <a:endParaRPr lang="en-US" dirty="0" smtClean="0">
+            <a:endParaRPr lang="en-US" dirty="0">
               <a:latin typeface="Arial" panose="020B0604020202020204" pitchFamily="34" charset="0"/>
               <a:cs typeface="Arial" panose="020B0604020202020204" pitchFamily="34" charset="0"/>
             </a:endParaRPr>
           </a:p>
           <a:p>
-            <a:endParaRPr lang="en-US" dirty="0" smtClean="0">
+            <a:endParaRPr lang="en-US" dirty="0">
               <a:latin typeface="Arial" panose="020B0604020202020204" pitchFamily="34" charset="0"/>
               <a:cs typeface="Arial" panose="020B0604020202020204" pitchFamily="34" charset="0"/>
             </a:endParaRPr>
           </a:p>
           <a:p>
-            <a:endParaRPr lang="en-US" dirty="0" smtClean="0"/>
+            <a:endParaRPr lang="en-US" dirty="0"/>
           </a:p>
           <a:p>
             <a:endParaRPr lang="en-US" dirty="0"/>
@@ -15974,17 +15925,217 @@
   <p:clrMapOvr>
     <a:masterClrMapping/>
   </p:clrMapOvr>
-  <p:timing>
-    <p:tnLst>
-      <p:par>
-        <p:cTn id="1" dur="indefinite" restart="never" nodeType="tmRoot"/>
-      </p:par>
-    </p:tnLst>
-  </p:timing>
 </p:sld>
 </file>
 
 <file path=ppt/slides/slide20.xml><?xml version="1.0" encoding="utf-8"?>
+<p:sld xmlns:a="http://schemas.openxmlformats.org/drawingml/2006/main" xmlns:r="http://schemas.openxmlformats.org/officeDocument/2006/relationships" xmlns:p="http://schemas.openxmlformats.org/presentationml/2006/main">
+  <p:cSld>
+    <p:spTree>
+      <p:nvGrpSpPr>
+        <p:cNvPr id="1" name=""/>
+        <p:cNvGrpSpPr/>
+        <p:nvPr/>
+      </p:nvGrpSpPr>
+      <p:grpSpPr>
+        <a:xfrm>
+          <a:off x="0" y="0"/>
+          <a:ext cx="0" cy="0"/>
+          <a:chOff x="0" y="0"/>
+          <a:chExt cx="0" cy="0"/>
+        </a:xfrm>
+      </p:grpSpPr>
+      <p:sp>
+        <p:nvSpPr>
+          <p:cNvPr id="5" name="Title 4"/>
+          <p:cNvSpPr>
+            <a:spLocks noGrp="1"/>
+          </p:cNvSpPr>
+          <p:nvPr>
+            <p:ph type="title"/>
+          </p:nvPr>
+        </p:nvSpPr>
+        <p:spPr>
+          <a:xfrm>
+            <a:off x="1101615" y="2417233"/>
+            <a:ext cx="3865134" cy="1735667"/>
+          </a:xfrm>
+        </p:spPr>
+        <p:txBody>
+          <a:bodyPr/>
+          <a:lstStyle/>
+          <a:p>
+            <a:pPr algn="ctr"/>
+            <a:r>
+              <a:rPr lang="en-US" dirty="0"/>
+              <a:t>EF Core in the whole picture</a:t>
+            </a:r>
+          </a:p>
+        </p:txBody>
+      </p:sp>
+      <p:sp>
+        <p:nvSpPr>
+          <p:cNvPr id="6" name="TextBox 5"/>
+          <p:cNvSpPr txBox="1"/>
+          <p:nvPr/>
+        </p:nvSpPr>
+        <p:spPr>
+          <a:xfrm>
+            <a:off x="7617002" y="1082040"/>
+            <a:ext cx="2845937" cy="369332"/>
+          </a:xfrm>
+          <a:prstGeom prst="rect">
+            <a:avLst/>
+          </a:prstGeom>
+          <a:noFill/>
+        </p:spPr>
+        <p:txBody>
+          <a:bodyPr wrap="square" rtlCol="0">
+            <a:spAutoFit/>
+          </a:bodyPr>
+          <a:lstStyle/>
+          <a:p>
+            <a:r>
+              <a:rPr lang="en-US" dirty="0"/>
+              <a:t>Architecture diagram</a:t>
+            </a:r>
+          </a:p>
+        </p:txBody>
+      </p:sp>
+      <p:pic>
+        <p:nvPicPr>
+          <p:cNvPr id="8" name="Picture Placeholder 7"/>
+          <p:cNvPicPr>
+            <a:picLocks noGrp="1" noChangeAspect="1"/>
+          </p:cNvPicPr>
+          <p:nvPr>
+            <p:ph type="pic" idx="1"/>
+          </p:nvPr>
+        </p:nvPicPr>
+        <p:blipFill>
+          <a:blip r:embed="rId2">
+            <a:extLst>
+              <a:ext uri="{28A0092B-C50C-407E-A947-70E740481C1C}">
+                <a14:useLocalDpi xmlns:a14="http://schemas.microsoft.com/office/drawing/2010/main" val="0"/>
+              </a:ext>
+            </a:extLst>
+          </a:blip>
+          <a:srcRect l="4608" r="4608"/>
+          <a:stretch>
+            <a:fillRect/>
+          </a:stretch>
+        </p:blipFill>
+        <p:spPr>
+          <a:xfrm>
+            <a:off x="7235825" y="1612900"/>
+            <a:ext cx="3227388" cy="4572000"/>
+          </a:xfrm>
+        </p:spPr>
+      </p:pic>
+    </p:spTree>
+    <p:extLst>
+      <p:ext uri="{BB962C8B-B14F-4D97-AF65-F5344CB8AC3E}">
+        <p14:creationId xmlns:p14="http://schemas.microsoft.com/office/powerpoint/2010/main" val="822469674"/>
+      </p:ext>
+    </p:extLst>
+  </p:cSld>
+  <p:clrMapOvr>
+    <a:masterClrMapping/>
+  </p:clrMapOvr>
+</p:sld>
+</file>
+
+<file path=ppt/slides/slide21.xml><?xml version="1.0" encoding="utf-8"?>
+<p:sld xmlns:a="http://schemas.openxmlformats.org/drawingml/2006/main" xmlns:r="http://schemas.openxmlformats.org/officeDocument/2006/relationships" xmlns:p="http://schemas.openxmlformats.org/presentationml/2006/main">
+  <p:cSld>
+    <p:spTree>
+      <p:nvGrpSpPr>
+        <p:cNvPr id="1" name=""/>
+        <p:cNvGrpSpPr/>
+        <p:nvPr/>
+      </p:nvGrpSpPr>
+      <p:grpSpPr>
+        <a:xfrm>
+          <a:off x="0" y="0"/>
+          <a:ext cx="0" cy="0"/>
+          <a:chOff x="0" y="0"/>
+          <a:chExt cx="0" cy="0"/>
+        </a:xfrm>
+      </p:grpSpPr>
+      <p:sp>
+        <p:nvSpPr>
+          <p:cNvPr id="2" name="Title 1"/>
+          <p:cNvSpPr>
+            <a:spLocks noGrp="1"/>
+          </p:cNvSpPr>
+          <p:nvPr>
+            <p:ph type="title"/>
+          </p:nvPr>
+        </p:nvSpPr>
+        <p:spPr>
+          <a:xfrm>
+            <a:off x="1474994" y="1019388"/>
+            <a:ext cx="8761413" cy="706964"/>
+          </a:xfrm>
+        </p:spPr>
+        <p:txBody>
+          <a:bodyPr/>
+          <a:lstStyle/>
+          <a:p>
+            <a:pPr algn="ctr"/>
+            <a:r>
+              <a:rPr lang="en-US" dirty="0">
+                <a:latin typeface="Arial" panose="020B0604020202020204" pitchFamily="34" charset="0"/>
+                <a:cs typeface="Arial" panose="020B0604020202020204" pitchFamily="34" charset="0"/>
+              </a:rPr>
+              <a:t>Model design approaches</a:t>
+            </a:r>
+          </a:p>
+        </p:txBody>
+      </p:sp>
+      <p:pic>
+        <p:nvPicPr>
+          <p:cNvPr id="5" name="Content Placeholder 4"/>
+          <p:cNvPicPr>
+            <a:picLocks noGrp="1" noChangeAspect="1"/>
+          </p:cNvPicPr>
+          <p:nvPr>
+            <p:ph idx="1"/>
+          </p:nvPr>
+        </p:nvPicPr>
+        <p:blipFill>
+          <a:blip r:embed="rId2">
+            <a:extLst>
+              <a:ext uri="{28A0092B-C50C-407E-A947-70E740481C1C}">
+                <a14:useLocalDpi xmlns:a14="http://schemas.microsoft.com/office/drawing/2010/main" val="0"/>
+              </a:ext>
+            </a:extLst>
+          </a:blip>
+          <a:stretch>
+            <a:fillRect/>
+          </a:stretch>
+        </p:blipFill>
+        <p:spPr>
+          <a:xfrm>
+            <a:off x="1780724" y="2448977"/>
+            <a:ext cx="8671633" cy="3795069"/>
+          </a:xfrm>
+        </p:spPr>
+      </p:pic>
+    </p:spTree>
+    <p:extLst>
+      <p:ext uri="{BB962C8B-B14F-4D97-AF65-F5344CB8AC3E}">
+        <p14:creationId xmlns:p14="http://schemas.microsoft.com/office/powerpoint/2010/main" val="1130608291"/>
+      </p:ext>
+    </p:extLst>
+  </p:cSld>
+  <p:clrMapOvr>
+    <a:masterClrMapping/>
+  </p:clrMapOvr>
+</p:sld>
+</file>
+
+<file path=ppt/slides/slide22.xml><?xml version="1.0" encoding="utf-8"?>
 <p:sld xmlns:a="http://schemas.openxmlformats.org/drawingml/2006/main" xmlns:r="http://schemas.openxmlformats.org/officeDocument/2006/relationships" xmlns:p="http://schemas.openxmlformats.org/presentationml/2006/main">
   <p:cSld>
     <p:spTree>
@@ -16038,17 +16189,7 @@
                 <a:latin typeface="Arial" panose="020B0604020202020204" pitchFamily="34" charset="0"/>
                 <a:cs typeface="Arial" panose="020B0604020202020204" pitchFamily="34" charset="0"/>
               </a:rPr>
-              <a:t>A model is made up </a:t>
-            </a:r>
-            <a:r>
-              <a:rPr lang="en-US" sz="2000" dirty="0" smtClean="0">
-                <a:solidFill>
-                  <a:schemeClr val="bg1"/>
-                </a:solidFill>
-                <a:latin typeface="Arial" panose="020B0604020202020204" pitchFamily="34" charset="0"/>
-                <a:cs typeface="Arial" panose="020B0604020202020204" pitchFamily="34" charset="0"/>
-              </a:rPr>
-              <a:t>from previously build MS SQL tables. </a:t>
+              <a:t>A model is made up from previously build MS SQL tables. </a:t>
             </a:r>
           </a:p>
           <a:p>
@@ -16060,7 +16201,7 @@
               <a:buChar char="Ø"/>
             </a:pPr>
             <a:r>
-              <a:rPr lang="en-US" sz="2000" dirty="0" smtClean="0">
+              <a:rPr lang="en-US" sz="2000" dirty="0">
                 <a:solidFill>
                   <a:schemeClr val="bg1"/>
                 </a:solidFill>
@@ -16096,36 +16237,25 @@
           <a:lstStyle/>
           <a:p>
             <a:r>
-              <a:rPr lang="en-US" dirty="0" smtClean="0">
+              <a:rPr lang="en-US" dirty="0">
                 <a:latin typeface="Arial" panose="020B0604020202020204" pitchFamily="34" charset="0"/>
                 <a:cs typeface="Arial" panose="020B0604020202020204" pitchFamily="34" charset="0"/>
               </a:rPr>
               <a:t>The Model </a:t>
             </a:r>
-            <a:r>
-              <a:rPr lang="en-US" b="1" dirty="0" smtClean="0">
-                <a:latin typeface="Arial" panose="020B0604020202020204" pitchFamily="34" charset="0"/>
-                <a:cs typeface="Arial" panose="020B0604020202020204" pitchFamily="34" charset="0"/>
-              </a:rPr>
-              <a:t/>
-            </a:r>
             <a:br>
-              <a:rPr lang="en-US" b="1" dirty="0" smtClean="0">
+              <a:rPr lang="en-US" b="1" dirty="0">
                 <a:latin typeface="Arial" panose="020B0604020202020204" pitchFamily="34" charset="0"/>
                 <a:cs typeface="Arial" panose="020B0604020202020204" pitchFamily="34" charset="0"/>
               </a:rPr>
             </a:br>
             <a:r>
-              <a:rPr lang="en-US" sz="2400" dirty="0" smtClean="0">
+              <a:rPr lang="en-US" sz="2400" dirty="0">
                 <a:latin typeface="Arial" panose="020B0604020202020204" pitchFamily="34" charset="0"/>
                 <a:cs typeface="Arial" panose="020B0604020202020204" pitchFamily="34" charset="0"/>
               </a:rPr>
               <a:t>(database first approach)</a:t>
             </a:r>
-            <a:endParaRPr lang="en-US" sz="2400" dirty="0">
-              <a:latin typeface="Arial" panose="020B0604020202020204" pitchFamily="34" charset="0"/>
-              <a:cs typeface="Arial" panose="020B0604020202020204" pitchFamily="34" charset="0"/>
-            </a:endParaRPr>
           </a:p>
         </p:txBody>
       </p:sp>
@@ -16168,17 +16298,10 @@
   <p:clrMapOvr>
     <a:masterClrMapping/>
   </p:clrMapOvr>
-  <p:timing>
-    <p:tnLst>
-      <p:par>
-        <p:cTn id="1" dur="indefinite" restart="never" nodeType="tmRoot"/>
-      </p:par>
-    </p:tnLst>
-  </p:timing>
 </p:sld>
 </file>
 
-<file path=ppt/slides/slide21.xml><?xml version="1.0" encoding="utf-8"?>
+<file path=ppt/slides/slide23.xml><?xml version="1.0" encoding="utf-8"?>
 <p:sld xmlns:a="http://schemas.openxmlformats.org/drawingml/2006/main" xmlns:r="http://schemas.openxmlformats.org/officeDocument/2006/relationships" xmlns:p="http://schemas.openxmlformats.org/presentationml/2006/main">
   <p:cSld>
     <p:spTree>
@@ -16218,29 +16341,25 @@
           <a:lstStyle/>
           <a:p>
             <a:r>
-              <a:rPr lang="en-US" sz="2800" dirty="0" smtClean="0">
+              <a:rPr lang="en-US" sz="2800" dirty="0">
                 <a:latin typeface="Arial" panose="020B0604020202020204" pitchFamily="34" charset="0"/>
                 <a:cs typeface="Arial" panose="020B0604020202020204" pitchFamily="34" charset="0"/>
               </a:rPr>
               <a:t>The Model </a:t>
             </a:r>
             <a:br>
-              <a:rPr lang="en-US" sz="2800" dirty="0" smtClean="0">
+              <a:rPr lang="en-US" sz="2800" dirty="0">
                 <a:latin typeface="Arial" panose="020B0604020202020204" pitchFamily="34" charset="0"/>
                 <a:cs typeface="Arial" panose="020B0604020202020204" pitchFamily="34" charset="0"/>
               </a:rPr>
             </a:br>
             <a:r>
-              <a:rPr lang="en-US" sz="2800" dirty="0" smtClean="0">
+              <a:rPr lang="en-US" sz="2800" dirty="0">
                 <a:latin typeface="Arial" panose="020B0604020202020204" pitchFamily="34" charset="0"/>
                 <a:cs typeface="Arial" panose="020B0604020202020204" pitchFamily="34" charset="0"/>
               </a:rPr>
               <a:t>(code first approach)</a:t>
             </a:r>
-            <a:endParaRPr lang="en-US" sz="2800" dirty="0">
-              <a:latin typeface="Arial" panose="020B0604020202020204" pitchFamily="34" charset="0"/>
-              <a:cs typeface="Arial" panose="020B0604020202020204" pitchFamily="34" charset="0"/>
-            </a:endParaRPr>
           </a:p>
         </p:txBody>
       </p:sp>
@@ -16281,17 +16400,7 @@
                 <a:latin typeface="Arial" panose="020B0604020202020204" pitchFamily="34" charset="0"/>
                 <a:cs typeface="Arial" panose="020B0604020202020204" pitchFamily="34" charset="0"/>
               </a:rPr>
-              <a:t>A model is made up of entity classes and a context object that represents a session with the database. The context object allows querying and saving data</a:t>
-            </a:r>
-            <a:r>
-              <a:rPr lang="en-US" sz="2000" dirty="0" smtClean="0">
-                <a:solidFill>
-                  <a:schemeClr val="bg1"/>
-                </a:solidFill>
-                <a:latin typeface="Arial" panose="020B0604020202020204" pitchFamily="34" charset="0"/>
-                <a:cs typeface="Arial" panose="020B0604020202020204" pitchFamily="34" charset="0"/>
-              </a:rPr>
-              <a:t>.</a:t>
+              <a:t>A model is made up of entity classes and a context object that represents a session with the database. The context object allows querying and saving data.</a:t>
             </a:r>
           </a:p>
           <a:p>
@@ -16303,7 +16412,7 @@
               <a:buChar char="Ø"/>
             </a:pPr>
             <a:r>
-              <a:rPr lang="en-US" sz="2000" dirty="0" smtClean="0">
+              <a:rPr lang="en-US" sz="2000" dirty="0">
                 <a:solidFill>
                   <a:schemeClr val="bg1"/>
                 </a:solidFill>
@@ -16312,13 +16421,6 @@
               </a:rPr>
               <a:t>Database structure is updated using migrations</a:t>
             </a:r>
-            <a:endParaRPr lang="en-US" sz="2000" dirty="0">
-              <a:solidFill>
-                <a:schemeClr val="bg1"/>
-              </a:solidFill>
-              <a:latin typeface="Arial" panose="020B0604020202020204" pitchFamily="34" charset="0"/>
-              <a:cs typeface="Arial" panose="020B0604020202020204" pitchFamily="34" charset="0"/>
-            </a:endParaRPr>
           </a:p>
           <a:p>
             <a:endParaRPr lang="en-US" sz="2000" dirty="0">
@@ -16370,17 +16472,10 @@
   <p:clrMapOvr>
     <a:masterClrMapping/>
   </p:clrMapOvr>
-  <p:timing>
-    <p:tnLst>
-      <p:par>
-        <p:cTn id="1" dur="indefinite" restart="never" nodeType="tmRoot"/>
-      </p:par>
-    </p:tnLst>
-  </p:timing>
 </p:sld>
 </file>
 
-<file path=ppt/slides/slide22.xml><?xml version="1.0" encoding="utf-8"?>
+<file path=ppt/slides/slide24.xml><?xml version="1.0" encoding="utf-8"?>
 <p:sld xmlns:a="http://schemas.openxmlformats.org/drawingml/2006/main" xmlns:r="http://schemas.openxmlformats.org/officeDocument/2006/relationships" xmlns:p="http://schemas.openxmlformats.org/presentationml/2006/main">
   <p:cSld>
     <p:spTree>
@@ -16418,16 +16513,12 @@
           <a:lstStyle/>
           <a:p>
             <a:r>
-              <a:rPr lang="en-US" dirty="0" smtClean="0">
+              <a:rPr lang="en-US" dirty="0">
                 <a:latin typeface="Arial" panose="020B0604020202020204" pitchFamily="34" charset="0"/>
                 <a:cs typeface="Arial" panose="020B0604020202020204" pitchFamily="34" charset="0"/>
               </a:rPr>
               <a:t>Entity relations</a:t>
             </a:r>
-            <a:endParaRPr lang="en-US" dirty="0">
-              <a:latin typeface="Arial" panose="020B0604020202020204" pitchFamily="34" charset="0"/>
-              <a:cs typeface="Arial" panose="020B0604020202020204" pitchFamily="34" charset="0"/>
-            </a:endParaRPr>
           </a:p>
         </p:txBody>
       </p:sp>
@@ -16490,7 +16581,7 @@
               <a:buChar char="Ø"/>
             </a:pPr>
             <a:r>
-              <a:rPr lang="en-US" sz="2000" dirty="0" smtClean="0">
+              <a:rPr lang="en-US" sz="2000" dirty="0">
                 <a:solidFill>
                   <a:schemeClr val="bg1"/>
                 </a:solidFill>
@@ -16509,7 +16600,7 @@
               <a:buChar char="Ø"/>
             </a:pPr>
             <a:r>
-              <a:rPr lang="en-US" sz="2000" dirty="0" smtClean="0">
+              <a:rPr lang="en-US" sz="2000" dirty="0">
                 <a:solidFill>
                   <a:srgbClr val="92D050"/>
                 </a:solidFill>
@@ -16528,7 +16619,7 @@
               <a:buChar char="Ø"/>
             </a:pPr>
             <a:r>
-              <a:rPr lang="en-US" sz="2000" dirty="0" smtClean="0">
+              <a:rPr lang="en-US" sz="2000" dirty="0">
                 <a:solidFill>
                   <a:schemeClr val="bg1"/>
                 </a:solidFill>
@@ -16537,13 +16628,6 @@
               </a:rPr>
               <a:t>Many to Many</a:t>
             </a:r>
-            <a:endParaRPr lang="en-US" sz="2000" dirty="0">
-              <a:solidFill>
-                <a:schemeClr val="bg1"/>
-              </a:solidFill>
-              <a:latin typeface="Arial" panose="020B0604020202020204" pitchFamily="34" charset="0"/>
-              <a:cs typeface="Arial" panose="020B0604020202020204" pitchFamily="34" charset="0"/>
-            </a:endParaRPr>
           </a:p>
         </p:txBody>
       </p:sp>
@@ -16557,17 +16641,10 @@
   <p:clrMapOvr>
     <a:masterClrMapping/>
   </p:clrMapOvr>
-  <p:timing>
-    <p:tnLst>
-      <p:par>
-        <p:cTn id="1" dur="indefinite" restart="never" nodeType="tmRoot"/>
-      </p:par>
-    </p:tnLst>
-  </p:timing>
 </p:sld>
 </file>
 
-<file path=ppt/slides/slide23.xml><?xml version="1.0" encoding="utf-8"?>
+<file path=ppt/slides/slide25.xml><?xml version="1.0" encoding="utf-8"?>
 <p:sld xmlns:a="http://schemas.openxmlformats.org/drawingml/2006/main" xmlns:r="http://schemas.openxmlformats.org/officeDocument/2006/relationships" xmlns:p="http://schemas.openxmlformats.org/presentationml/2006/main">
   <p:cSld>
     <p:spTree>
@@ -16607,16 +16684,12 @@
           <a:lstStyle/>
           <a:p>
             <a:r>
-              <a:rPr lang="en-US" sz="2800" dirty="0" smtClean="0">
+              <a:rPr lang="en-US" sz="2800" dirty="0">
                 <a:latin typeface="Arial" panose="020B0604020202020204" pitchFamily="34" charset="0"/>
                 <a:cs typeface="Arial" panose="020B0604020202020204" pitchFamily="34" charset="0"/>
               </a:rPr>
               <a:t>What is LINQ and how we use it with EF Core?</a:t>
             </a:r>
-            <a:endParaRPr lang="en-US" sz="2800" dirty="0">
-              <a:latin typeface="Arial" panose="020B0604020202020204" pitchFamily="34" charset="0"/>
-              <a:cs typeface="Arial" panose="020B0604020202020204" pitchFamily="34" charset="0"/>
-            </a:endParaRPr>
           </a:p>
         </p:txBody>
       </p:sp>
@@ -16672,16 +16745,6 @@
           <a:lstStyle/>
           <a:p>
             <a:r>
-              <a:rPr lang="en-US" sz="2000" dirty="0" smtClean="0">
-                <a:solidFill>
-                  <a:schemeClr val="bg1"/>
-                </a:solidFill>
-                <a:latin typeface="Arial" panose="020B0604020202020204" pitchFamily="34" charset="0"/>
-                <a:cs typeface="Arial" panose="020B0604020202020204" pitchFamily="34" charset="0"/>
-              </a:rPr>
-              <a:t>Language-Integrated-Query</a:t>
-            </a:r>
-            <a:r>
               <a:rPr lang="en-US" sz="2000" dirty="0">
                 <a:solidFill>
                   <a:schemeClr val="bg1"/>
@@ -16689,40 +16752,10 @@
                 <a:latin typeface="Arial" panose="020B0604020202020204" pitchFamily="34" charset="0"/>
                 <a:cs typeface="Arial" panose="020B0604020202020204" pitchFamily="34" charset="0"/>
               </a:rPr>
-              <a:t> </a:t>
-            </a:r>
-            <a:r>
-              <a:rPr lang="en-US" sz="2000" dirty="0" smtClean="0">
-                <a:solidFill>
-                  <a:schemeClr val="bg1"/>
-                </a:solidFill>
-                <a:latin typeface="Arial" panose="020B0604020202020204" pitchFamily="34" charset="0"/>
-                <a:cs typeface="Arial" panose="020B0604020202020204" pitchFamily="34" charset="0"/>
-              </a:rPr>
-              <a:t>(LINQ) is the name for set of technologies based on the integration </a:t>
-            </a:r>
-            <a:r>
-              <a:rPr lang="en-US" sz="2000" dirty="0">
-                <a:solidFill>
-                  <a:schemeClr val="bg1"/>
-                </a:solidFill>
-                <a:latin typeface="Arial" panose="020B0604020202020204" pitchFamily="34" charset="0"/>
-                <a:cs typeface="Arial" panose="020B0604020202020204" pitchFamily="34" charset="0"/>
-              </a:rPr>
-              <a:t>of query capabilities </a:t>
-            </a:r>
-            <a:r>
-              <a:rPr lang="en-US" sz="2000" dirty="0" smtClean="0">
-                <a:solidFill>
-                  <a:schemeClr val="bg1"/>
-                </a:solidFill>
-                <a:latin typeface="Arial" panose="020B0604020202020204" pitchFamily="34" charset="0"/>
-                <a:cs typeface="Arial" panose="020B0604020202020204" pitchFamily="34" charset="0"/>
-              </a:rPr>
-              <a:t> directly into C#</a:t>
-            </a:r>
-            <a:r>
-              <a:rPr lang="bg-BG" sz="2000" dirty="0" smtClean="0">
+              <a:t>Language-Integrated-Query (LINQ) is the name for set of technologies based on the integration of query capabilities  directly into C#</a:t>
+            </a:r>
+            <a:r>
+              <a:rPr lang="bg-BG" sz="2000" dirty="0">
                 <a:solidFill>
                   <a:schemeClr val="bg1"/>
                 </a:solidFill>
@@ -16795,10 +16828,9 @@
           <a:p>
             <a:pPr algn="ctr"/>
             <a:r>
-              <a:rPr lang="en-US" dirty="0" smtClean="0"/>
+              <a:rPr lang="en-US" dirty="0"/>
               <a:t>Sample C# LINQ query:</a:t>
             </a:r>
-            <a:endParaRPr lang="en-US" dirty="0"/>
           </a:p>
         </p:txBody>
       </p:sp>
@@ -16812,17 +16844,10 @@
   <p:clrMapOvr>
     <a:masterClrMapping/>
   </p:clrMapOvr>
-  <p:timing>
-    <p:tnLst>
-      <p:par>
-        <p:cTn id="1" dur="indefinite" restart="never" nodeType="tmRoot"/>
-      </p:par>
-    </p:tnLst>
-  </p:timing>
 </p:sld>
 </file>
 
-<file path=ppt/slides/slide24.xml><?xml version="1.0" encoding="utf-8"?>
+<file path=ppt/slides/slide26.xml><?xml version="1.0" encoding="utf-8"?>
 <p:sld xmlns:a="http://schemas.openxmlformats.org/drawingml/2006/main" xmlns:r="http://schemas.openxmlformats.org/officeDocument/2006/relationships" xmlns:p="http://schemas.openxmlformats.org/presentationml/2006/main">
   <p:cSld>
     <p:spTree>
@@ -16861,16 +16886,12 @@
           <a:p>
             <a:pPr algn="ctr"/>
             <a:r>
-              <a:rPr lang="en-US" dirty="0" smtClean="0">
+              <a:rPr lang="en-US" dirty="0">
                 <a:latin typeface="Arial" panose="020B0604020202020204" pitchFamily="34" charset="0"/>
                 <a:cs typeface="Arial" panose="020B0604020202020204" pitchFamily="34" charset="0"/>
               </a:rPr>
               <a:t>Microsoft creates such software by reflection?</a:t>
             </a:r>
-            <a:endParaRPr lang="en-US" dirty="0">
-              <a:latin typeface="Arial" panose="020B0604020202020204" pitchFamily="34" charset="0"/>
-              <a:cs typeface="Arial" panose="020B0604020202020204" pitchFamily="34" charset="0"/>
-            </a:endParaRPr>
           </a:p>
         </p:txBody>
       </p:sp>
@@ -16901,7 +16922,7 @@
               <a:buChar char="Ø"/>
             </a:pPr>
             <a:r>
-              <a:rPr lang="en-US" sz="2800" dirty="0" smtClean="0">
+              <a:rPr lang="en-US" sz="2800" dirty="0">
                 <a:solidFill>
                   <a:schemeClr val="accent1">
                     <a:lumMod val="50000"/>
@@ -16934,7 +16955,7 @@
               <a:buChar char="Ø"/>
             </a:pPr>
             <a:r>
-              <a:rPr lang="en-US" sz="2800" dirty="0" smtClean="0">
+              <a:rPr lang="en-US" sz="2800" dirty="0">
                 <a:solidFill>
                   <a:schemeClr val="accent1">
                     <a:lumMod val="50000"/>
@@ -16946,7 +16967,7 @@
               <a:t>Reflection in C# is similar to RTTI </a:t>
             </a:r>
             <a:r>
-              <a:rPr lang="en-US" sz="2800" smtClean="0">
+              <a:rPr lang="en-US" sz="2800">
                 <a:solidFill>
                   <a:schemeClr val="accent1">
                     <a:lumMod val="50000"/>
@@ -16955,22 +16976,10 @@
                 <a:latin typeface="Arial" panose="020B0604020202020204" pitchFamily="34" charset="0"/>
                 <a:cs typeface="Arial" panose="020B0604020202020204" pitchFamily="34" charset="0"/>
               </a:rPr>
-              <a:t>(</a:t>
-            </a:r>
-            <a:r>
-              <a:rPr lang="en-US" sz="2800" smtClean="0">
-                <a:solidFill>
-                  <a:schemeClr val="accent1">
-                    <a:lumMod val="50000"/>
-                  </a:schemeClr>
-                </a:solidFill>
-                <a:latin typeface="Arial" panose="020B0604020202020204" pitchFamily="34" charset="0"/>
-                <a:cs typeface="Arial" panose="020B0604020202020204" pitchFamily="34" charset="0"/>
-              </a:rPr>
-              <a:t>Run-Time </a:t>
-            </a:r>
-            <a:r>
-              <a:rPr lang="en-US" sz="2800" dirty="0" smtClean="0">
+              <a:t>(Run-Time </a:t>
+            </a:r>
+            <a:r>
+              <a:rPr lang="en-US" sz="2800" dirty="0">
                 <a:solidFill>
                   <a:schemeClr val="accent1">
                     <a:lumMod val="50000"/>
@@ -16981,15 +16990,6 @@
               </a:rPr>
               <a:t>Type Information) in C++.</a:t>
             </a:r>
-            <a:endParaRPr lang="en-US" sz="2800" dirty="0">
-              <a:solidFill>
-                <a:schemeClr val="accent1">
-                  <a:lumMod val="50000"/>
-                </a:schemeClr>
-              </a:solidFill>
-              <a:latin typeface="Arial" panose="020B0604020202020204" pitchFamily="34" charset="0"/>
-              <a:cs typeface="Arial" panose="020B0604020202020204" pitchFamily="34" charset="0"/>
-            </a:endParaRPr>
           </a:p>
         </p:txBody>
       </p:sp>
@@ -17006,7 +17006,7 @@
 </p:sld>
 </file>
 
-<file path=ppt/slides/slide25.xml><?xml version="1.0" encoding="utf-8"?>
+<file path=ppt/slides/slide27.xml><?xml version="1.0" encoding="utf-8"?>
 <p:sld xmlns:a="http://schemas.openxmlformats.org/drawingml/2006/main" xmlns:r="http://schemas.openxmlformats.org/officeDocument/2006/relationships" xmlns:p="http://schemas.openxmlformats.org/presentationml/2006/main">
   <p:cSld>
     <p:spTree>
@@ -17039,16 +17039,12 @@
           <a:lstStyle/>
           <a:p>
             <a:r>
-              <a:rPr lang="en-US" dirty="0" smtClean="0">
+              <a:rPr lang="en-US" dirty="0">
                 <a:latin typeface="Arial" panose="020B0604020202020204" pitchFamily="34" charset="0"/>
                 <a:cs typeface="Arial" panose="020B0604020202020204" pitchFamily="34" charset="0"/>
               </a:rPr>
               <a:t>How to include EF Core in our project?</a:t>
             </a:r>
-            <a:endParaRPr lang="en-US" dirty="0">
-              <a:latin typeface="Arial" panose="020B0604020202020204" pitchFamily="34" charset="0"/>
-              <a:cs typeface="Arial" panose="020B0604020202020204" pitchFamily="34" charset="0"/>
-            </a:endParaRPr>
           </a:p>
         </p:txBody>
       </p:sp>
@@ -17091,17 +17087,10 @@
   <p:clrMapOvr>
     <a:masterClrMapping/>
   </p:clrMapOvr>
-  <p:timing>
-    <p:tnLst>
-      <p:par>
-        <p:cTn id="1" dur="indefinite" restart="never" nodeType="tmRoot"/>
-      </p:par>
-    </p:tnLst>
-  </p:timing>
 </p:sld>
 </file>
 
-<file path=ppt/slides/slide26.xml><?xml version="1.0" encoding="utf-8"?>
+<file path=ppt/slides/slide28.xml><?xml version="1.0" encoding="utf-8"?>
 <p:sld xmlns:a="http://schemas.openxmlformats.org/drawingml/2006/main" xmlns:r="http://schemas.openxmlformats.org/officeDocument/2006/relationships" xmlns:p="http://schemas.openxmlformats.org/presentationml/2006/main">
   <p:cSld>
     <p:spTree>
@@ -17141,10 +17130,9 @@
           <a:lstStyle/>
           <a:p>
             <a:r>
-              <a:rPr lang="en-US" dirty="0" smtClean="0"/>
+              <a:rPr lang="en-US" dirty="0"/>
               <a:t>Entity Framework Core (source)</a:t>
             </a:r>
-            <a:endParaRPr lang="en-US" dirty="0"/>
           </a:p>
         </p:txBody>
       </p:sp>
@@ -17207,7 +17195,7 @@
               <a:buChar char="Ø"/>
             </a:pPr>
             <a:r>
-              <a:rPr lang="en-US" sz="2200" dirty="0" smtClean="0">
+              <a:rPr lang="en-US" sz="2200" dirty="0">
                 <a:solidFill>
                   <a:schemeClr val="bg1"/>
                 </a:solidFill>
@@ -17226,7 +17214,7 @@
               <a:buChar char="Ø"/>
             </a:pPr>
             <a:r>
-              <a:rPr lang="en-US" sz="2200" dirty="0" smtClean="0">
+              <a:rPr lang="en-US" sz="2200" dirty="0">
                 <a:solidFill>
                   <a:schemeClr val="bg1"/>
                 </a:solidFill>
@@ -17245,7 +17233,7 @@
               <a:buChar char="Ø"/>
             </a:pPr>
             <a:r>
-              <a:rPr lang="en-US" sz="2200" dirty="0" smtClean="0">
+              <a:rPr lang="en-US" sz="2200" dirty="0">
                 <a:solidFill>
                   <a:schemeClr val="bg1"/>
                 </a:solidFill>
@@ -17253,17 +17241,6 @@
                 <a:cs typeface="Arial" panose="020B0604020202020204" pitchFamily="34" charset="0"/>
               </a:rPr>
               <a:t>GitHub repository of EF Core:  </a:t>
-            </a:r>
-            <a:r>
-              <a:rPr lang="en-US" sz="2200" dirty="0" smtClean="0">
-                <a:solidFill>
-                  <a:schemeClr val="bg1"/>
-                </a:solidFill>
-                <a:latin typeface="Arial" panose="020B0604020202020204" pitchFamily="34" charset="0"/>
-                <a:cs typeface="Arial" panose="020B0604020202020204" pitchFamily="34" charset="0"/>
-                <a:hlinkClick r:id="rId3"/>
-              </a:rPr>
-              <a:t>https</a:t>
             </a:r>
             <a:r>
               <a:rPr lang="en-US" sz="2200" dirty="0">
@@ -17274,18 +17251,7 @@
                 <a:cs typeface="Arial" panose="020B0604020202020204" pitchFamily="34" charset="0"/>
                 <a:hlinkClick r:id="rId3"/>
               </a:rPr>
-              <a:t>://</a:t>
-            </a:r>
-            <a:r>
-              <a:rPr lang="en-US" sz="2200" dirty="0" smtClean="0">
-                <a:solidFill>
-                  <a:schemeClr val="bg1"/>
-                </a:solidFill>
-                <a:latin typeface="Arial" panose="020B0604020202020204" pitchFamily="34" charset="0"/>
-                <a:cs typeface="Arial" panose="020B0604020202020204" pitchFamily="34" charset="0"/>
-                <a:hlinkClick r:id="rId3"/>
-              </a:rPr>
-              <a:t>github.com/dotnet/efcore</a:t>
+              <a:t>https://github.com/dotnet/efcore</a:t>
             </a:r>
             <a:endParaRPr lang="en-US" sz="2200" dirty="0">
               <a:solidFill>
@@ -17313,17 +17279,10 @@
   <p:clrMapOvr>
     <a:masterClrMapping/>
   </p:clrMapOvr>
-  <p:timing>
-    <p:tnLst>
-      <p:par>
-        <p:cTn id="1" dur="indefinite" restart="never" nodeType="tmRoot"/>
-      </p:par>
-    </p:tnLst>
-  </p:timing>
 </p:sld>
 </file>
 
-<file path=ppt/slides/slide27.xml><?xml version="1.0" encoding="utf-8"?>
+<file path=ppt/slides/slide29.xml><?xml version="1.0" encoding="utf-8"?>
 <p:sld xmlns:a="http://schemas.openxmlformats.org/drawingml/2006/main" xmlns:r="http://schemas.openxmlformats.org/officeDocument/2006/relationships" xmlns:p="http://schemas.openxmlformats.org/presentationml/2006/main">
   <p:cSld>
     <p:spTree>
@@ -17342,7 +17301,13 @@
       </p:grpSpPr>
       <p:sp>
         <p:nvSpPr>
-          <p:cNvPr id="2" name="Title 1"/>
+          <p:cNvPr id="2" name="Заглавие 1">
+            <a:extLst>
+              <a:ext uri="{FF2B5EF4-FFF2-40B4-BE49-F238E27FC236}">
+                <a16:creationId xmlns:a16="http://schemas.microsoft.com/office/drawing/2014/main" id="{275398A6-29D5-44E2-834D-6559236FC7B0}"/>
+              </a:ext>
+            </a:extLst>
+          </p:cNvPr>
           <p:cNvSpPr>
             <a:spLocks noGrp="1"/>
           </p:cNvSpPr>
@@ -17350,29 +17315,75 @@
             <p:ph type="title"/>
           </p:nvPr>
         </p:nvSpPr>
-        <p:spPr/>
+        <p:spPr>
+          <a:xfrm>
+            <a:off x="1059160" y="1447800"/>
+            <a:ext cx="2793158" cy="570411"/>
+          </a:xfrm>
+        </p:spPr>
         <p:txBody>
           <a:bodyPr/>
           <a:lstStyle/>
           <a:p>
             <a:pPr algn="ctr"/>
             <a:r>
-              <a:rPr lang="en-US" dirty="0" smtClean="0">
+              <a:rPr lang="en-US" sz="3600" dirty="0">
                 <a:latin typeface="Arial" panose="020B0604020202020204" pitchFamily="34" charset="0"/>
                 <a:cs typeface="Arial" panose="020B0604020202020204" pitchFamily="34" charset="0"/>
               </a:rPr>
-              <a:t>General Overview of EF Core</a:t>
-            </a:r>
-            <a:endParaRPr lang="en-US" dirty="0">
+              <a:t>C++ ODB</a:t>
+            </a:r>
+            <a:endParaRPr lang="bg-BG" sz="3600" dirty="0">
               <a:latin typeface="Arial" panose="020B0604020202020204" pitchFamily="34" charset="0"/>
               <a:cs typeface="Arial" panose="020B0604020202020204" pitchFamily="34" charset="0"/>
             </a:endParaRPr>
           </a:p>
         </p:txBody>
       </p:sp>
+      <p:pic>
+        <p:nvPicPr>
+          <p:cNvPr id="6" name="Контейнер за съдържание 5">
+            <a:extLst>
+              <a:ext uri="{FF2B5EF4-FFF2-40B4-BE49-F238E27FC236}">
+                <a16:creationId xmlns:a16="http://schemas.microsoft.com/office/drawing/2014/main" id="{1B684D2A-12F5-4E9F-8261-45486F5A3C8E}"/>
+              </a:ext>
+            </a:extLst>
+          </p:cNvPr>
+          <p:cNvPicPr>
+            <a:picLocks noGrp="1" noChangeAspect="1"/>
+          </p:cNvPicPr>
+          <p:nvPr>
+            <p:ph idx="1"/>
+          </p:nvPr>
+        </p:nvPicPr>
+        <p:blipFill>
+          <a:blip r:embed="rId2" cstate="print">
+            <a:extLst>
+              <a:ext uri="{28A0092B-C50C-407E-A947-70E740481C1C}">
+                <a14:useLocalDpi xmlns:a14="http://schemas.microsoft.com/office/drawing/2010/main" val="0"/>
+              </a:ext>
+            </a:extLst>
+          </a:blip>
+          <a:stretch>
+            <a:fillRect/>
+          </a:stretch>
+        </p:blipFill>
+        <p:spPr>
+          <a:xfrm>
+            <a:off x="6238435" y="890451"/>
+            <a:ext cx="4067012" cy="4572000"/>
+          </a:xfrm>
+        </p:spPr>
+      </p:pic>
       <p:sp>
         <p:nvSpPr>
-          <p:cNvPr id="3" name="Text Placeholder 2"/>
+          <p:cNvPr id="4" name="Текстов контейнер 3">
+            <a:extLst>
+              <a:ext uri="{FF2B5EF4-FFF2-40B4-BE49-F238E27FC236}">
+                <a16:creationId xmlns:a16="http://schemas.microsoft.com/office/drawing/2014/main" id="{8DEB23ED-DD47-4965-9D60-38B21FC3CA7D}"/>
+              </a:ext>
+            </a:extLst>
+          </p:cNvPr>
           <p:cNvSpPr>
             <a:spLocks noGrp="1"/>
           </p:cNvSpPr>
@@ -17382,8 +17393,8 @@
         </p:nvSpPr>
         <p:spPr>
           <a:xfrm>
-            <a:off x="684695" y="3378927"/>
-            <a:ext cx="8502849" cy="3396342"/>
+            <a:off x="1220788" y="2223589"/>
+            <a:ext cx="2793158" cy="3238862"/>
           </a:xfrm>
         </p:spPr>
         <p:txBody>
@@ -17393,204 +17404,145 @@
           <a:lstStyle/>
           <a:p>
             <a:pPr marL="285750" indent="-285750">
+              <a:buClr>
+                <a:schemeClr val="bg1"/>
+              </a:buClr>
               <a:buFont typeface="Wingdings" panose="05000000000000000000" pitchFamily="2" charset="2"/>
               <a:buChar char="Ø"/>
             </a:pPr>
             <a:r>
-              <a:rPr lang="en-US" dirty="0" smtClean="0">
+              <a:rPr lang="en-US" sz="1800" dirty="0">
+                <a:solidFill>
+                  <a:srgbClr val="92D050"/>
+                </a:solidFill>
                 <a:latin typeface="Arial" panose="020B0604020202020204" pitchFamily="34" charset="0"/>
                 <a:cs typeface="Arial" panose="020B0604020202020204" pitchFamily="34" charset="0"/>
               </a:rPr>
-              <a:t>EF Core is Object Relation Mapper</a:t>
+              <a:t>ODB</a:t>
+            </a:r>
+            <a:r>
+              <a:rPr lang="en-US" sz="1800" dirty="0">
+                <a:solidFill>
+                  <a:schemeClr val="bg1"/>
+                </a:solidFill>
+                <a:latin typeface="Arial" panose="020B0604020202020204" pitchFamily="34" charset="0"/>
+                <a:cs typeface="Arial" panose="020B0604020202020204" pitchFamily="34" charset="0"/>
+              </a:rPr>
+              <a:t> - </a:t>
+            </a:r>
+            <a:r>
+              <a:rPr lang="en-US" sz="1600" dirty="0">
+                <a:solidFill>
+                  <a:schemeClr val="bg1"/>
+                </a:solidFill>
+                <a:latin typeface="Arial" panose="020B0604020202020204" pitchFamily="34" charset="0"/>
+                <a:cs typeface="Arial" panose="020B0604020202020204" pitchFamily="34" charset="0"/>
+              </a:rPr>
+              <a:t>Open Source and cross platform relation mapper</a:t>
             </a:r>
           </a:p>
           <a:p>
             <a:pPr marL="285750" indent="-285750">
+              <a:buClr>
+                <a:schemeClr val="bg1"/>
+              </a:buClr>
               <a:buFont typeface="Wingdings" panose="05000000000000000000" pitchFamily="2" charset="2"/>
               <a:buChar char="Ø"/>
             </a:pPr>
             <a:r>
-              <a:rPr lang="en-US" dirty="0" smtClean="0">
+              <a:rPr lang="en-US" sz="1600" dirty="0">
+                <a:solidFill>
+                  <a:schemeClr val="bg1"/>
+                </a:solidFill>
                 <a:latin typeface="Arial" panose="020B0604020202020204" pitchFamily="34" charset="0"/>
                 <a:cs typeface="Arial" panose="020B0604020202020204" pitchFamily="34" charset="0"/>
               </a:rPr>
-              <a:t>Increase the productivity of programmers</a:t>
+              <a:t>Supports: Oracle, MS SQL Server, MySQL, PostgreSQL and SQLite</a:t>
             </a:r>
           </a:p>
           <a:p>
             <a:pPr marL="285750" indent="-285750">
+              <a:buClr>
+                <a:schemeClr val="bg1"/>
+              </a:buClr>
               <a:buFont typeface="Wingdings" panose="05000000000000000000" pitchFamily="2" charset="2"/>
               <a:buChar char="Ø"/>
             </a:pPr>
             <a:r>
-              <a:rPr lang="en-US" dirty="0" smtClean="0">
+              <a:rPr lang="en-US" sz="1600" dirty="0">
+                <a:solidFill>
+                  <a:schemeClr val="bg1"/>
+                </a:solidFill>
                 <a:latin typeface="Arial" panose="020B0604020202020204" pitchFamily="34" charset="0"/>
                 <a:cs typeface="Arial" panose="020B0604020202020204" pitchFamily="34" charset="0"/>
               </a:rPr>
-              <a:t>Use C# LINQ instead of SQL direct queries</a:t>
+              <a:t>Supports calling of MS SQL and MySQL stored procedures</a:t>
             </a:r>
           </a:p>
           <a:p>
             <a:pPr marL="285750" indent="-285750">
+              <a:buClr>
+                <a:schemeClr val="bg1"/>
+              </a:buClr>
               <a:buFont typeface="Wingdings" panose="05000000000000000000" pitchFamily="2" charset="2"/>
               <a:buChar char="Ø"/>
             </a:pPr>
-            <a:r>
-              <a:rPr lang="en-US" dirty="0" smtClean="0">
-                <a:latin typeface="Arial" panose="020B0604020202020204" pitchFamily="34" charset="0"/>
-                <a:cs typeface="Arial" panose="020B0604020202020204" pitchFamily="34" charset="0"/>
-              </a:rPr>
-              <a:t>There are “Code First” and “Database First” approaches in creating of our database model system</a:t>
-            </a:r>
-          </a:p>
-          <a:p>
-            <a:pPr marL="285750" indent="-285750">
-              <a:buFont typeface="Wingdings" panose="05000000000000000000" pitchFamily="2" charset="2"/>
-              <a:buChar char="Ø"/>
-            </a:pPr>
-            <a:r>
-              <a:rPr lang="en-US" dirty="0" smtClean="0">
-                <a:latin typeface="Arial" panose="020B0604020202020204" pitchFamily="34" charset="0"/>
-                <a:cs typeface="Arial" panose="020B0604020202020204" pitchFamily="34" charset="0"/>
-              </a:rPr>
-              <a:t>Supports many database providers  </a:t>
-            </a:r>
-            <a:r>
-              <a:rPr lang="en-US" dirty="0">
-                <a:latin typeface="Arial" panose="020B0604020202020204" pitchFamily="34" charset="0"/>
-                <a:cs typeface="Arial" panose="020B0604020202020204" pitchFamily="34" charset="0"/>
-                <a:hlinkClick r:id="rId2"/>
-              </a:rPr>
-              <a:t>https://docs.microsoft.com/en-us/ef/core/providers/?</a:t>
-            </a:r>
-            <a:r>
-              <a:rPr lang="en-US" dirty="0" smtClean="0">
-                <a:latin typeface="Arial" panose="020B0604020202020204" pitchFamily="34" charset="0"/>
-                <a:cs typeface="Arial" panose="020B0604020202020204" pitchFamily="34" charset="0"/>
-                <a:hlinkClick r:id="rId2"/>
-              </a:rPr>
-              <a:t>tabs=dotnet-core-cli</a:t>
-            </a:r>
-            <a:endParaRPr lang="en-US" dirty="0" smtClean="0">
+            <a:endParaRPr lang="en-US" dirty="0">
+              <a:solidFill>
+                <a:schemeClr val="bg1"/>
+              </a:solidFill>
               <a:latin typeface="Arial" panose="020B0604020202020204" pitchFamily="34" charset="0"/>
               <a:cs typeface="Arial" panose="020B0604020202020204" pitchFamily="34" charset="0"/>
             </a:endParaRPr>
           </a:p>
-          <a:p>
-            <a:pPr marL="285750" indent="-285750">
-              <a:buFont typeface="Wingdings" panose="05000000000000000000" pitchFamily="2" charset="2"/>
-              <a:buChar char="Ø"/>
-            </a:pPr>
-            <a:endParaRPr lang="en-US" dirty="0" smtClean="0">
-              <a:latin typeface="Arial" panose="020B0604020202020204" pitchFamily="34" charset="0"/>
-              <a:cs typeface="Arial" panose="020B0604020202020204" pitchFamily="34" charset="0"/>
-            </a:endParaRPr>
-          </a:p>
-          <a:p>
-            <a:pPr marL="285750" indent="-285750">
-              <a:buFont typeface="Wingdings" panose="05000000000000000000" pitchFamily="2" charset="2"/>
-              <a:buChar char="Ø"/>
-            </a:pPr>
-            <a:endParaRPr lang="en-US" dirty="0" smtClean="0"/>
-          </a:p>
-          <a:p>
-            <a:pPr marL="285750" indent="-285750">
-              <a:buFont typeface="Wingdings" panose="05000000000000000000" pitchFamily="2" charset="2"/>
-              <a:buChar char="Ø"/>
-            </a:pPr>
-            <a:endParaRPr lang="en-US" dirty="0"/>
+        </p:txBody>
+      </p:sp>
+      <p:sp>
+        <p:nvSpPr>
+          <p:cNvPr id="7" name="Текстово поле 6">
+            <a:extLst>
+              <a:ext uri="{FF2B5EF4-FFF2-40B4-BE49-F238E27FC236}">
+                <a16:creationId xmlns:a16="http://schemas.microsoft.com/office/drawing/2014/main" id="{CF2946DC-2B87-48DD-852D-66DED46D5296}"/>
+              </a:ext>
+            </a:extLst>
+          </p:cNvPr>
+          <p:cNvSpPr txBox="1"/>
+          <p:nvPr/>
+        </p:nvSpPr>
+        <p:spPr>
+          <a:xfrm>
+            <a:off x="5138057" y="5667105"/>
+            <a:ext cx="6574972" cy="670560"/>
+          </a:xfrm>
+          <a:prstGeom prst="rect">
+            <a:avLst/>
+          </a:prstGeom>
+          <a:noFill/>
+        </p:spPr>
+        <p:txBody>
+          <a:bodyPr wrap="square" rtlCol="0">
+            <a:spAutoFit/>
+          </a:bodyPr>
+          <a:lstStyle/>
+          <a:p>
+            <a:r>
+              <a:rPr lang="en-US" dirty="0"/>
+              <a:t>https://www.codesynthesis.com/products/odb/doc/manual.xhtml#2</a:t>
+            </a:r>
+            <a:endParaRPr lang="bg-BG" dirty="0"/>
           </a:p>
         </p:txBody>
       </p:sp>
     </p:spTree>
     <p:extLst>
       <p:ext uri="{BB962C8B-B14F-4D97-AF65-F5344CB8AC3E}">
-        <p14:creationId xmlns:p14="http://schemas.microsoft.com/office/powerpoint/2010/main" val="1253989669"/>
+        <p14:creationId xmlns:p14="http://schemas.microsoft.com/office/powerpoint/2010/main" val="138978781"/>
       </p:ext>
     </p:extLst>
   </p:cSld>
   <p:clrMapOvr>
     <a:masterClrMapping/>
   </p:clrMapOvr>
-  <p:timing>
-    <p:tnLst>
-      <p:par>
-        <p:cTn id="1" dur="indefinite" restart="never" nodeType="tmRoot"/>
-      </p:par>
-    </p:tnLst>
-  </p:timing>
-</p:sld>
-</file>
-
-<file path=ppt/slides/slide28.xml><?xml version="1.0" encoding="utf-8"?>
-<p:sld xmlns:a="http://schemas.openxmlformats.org/drawingml/2006/main" xmlns:r="http://schemas.openxmlformats.org/officeDocument/2006/relationships" xmlns:p="http://schemas.openxmlformats.org/presentationml/2006/main">
-  <p:cSld>
-    <p:spTree>
-      <p:nvGrpSpPr>
-        <p:cNvPr id="1" name=""/>
-        <p:cNvGrpSpPr/>
-        <p:nvPr/>
-      </p:nvGrpSpPr>
-      <p:grpSpPr>
-        <a:xfrm>
-          <a:off x="0" y="0"/>
-          <a:ext cx="0" cy="0"/>
-          <a:chOff x="0" y="0"/>
-          <a:chExt cx="0" cy="0"/>
-        </a:xfrm>
-      </p:grpSpPr>
-      <p:sp>
-        <p:nvSpPr>
-          <p:cNvPr id="2" name="Title 1"/>
-          <p:cNvSpPr>
-            <a:spLocks noGrp="1"/>
-          </p:cNvSpPr>
-          <p:nvPr>
-            <p:ph type="ctrTitle"/>
-          </p:nvPr>
-        </p:nvSpPr>
-        <p:spPr>
-          <a:xfrm>
-            <a:off x="1311973" y="2752435"/>
-            <a:ext cx="8825658" cy="870399"/>
-          </a:xfrm>
-        </p:spPr>
-        <p:txBody>
-          <a:bodyPr/>
-          <a:lstStyle/>
-          <a:p>
-            <a:pPr algn="ctr"/>
-            <a:r>
-              <a:rPr lang="en-US" sz="8000" dirty="0" smtClean="0">
-                <a:latin typeface="Arial" panose="020B0604020202020204" pitchFamily="34" charset="0"/>
-                <a:cs typeface="Arial" panose="020B0604020202020204" pitchFamily="34" charset="0"/>
-              </a:rPr>
-              <a:t>Thank you!</a:t>
-            </a:r>
-            <a:endParaRPr lang="en-US" sz="8000" dirty="0">
-              <a:latin typeface="Arial" panose="020B0604020202020204" pitchFamily="34" charset="0"/>
-              <a:cs typeface="Arial" panose="020B0604020202020204" pitchFamily="34" charset="0"/>
-            </a:endParaRPr>
-          </a:p>
-        </p:txBody>
-      </p:sp>
-    </p:spTree>
-    <p:extLst>
-      <p:ext uri="{BB962C8B-B14F-4D97-AF65-F5344CB8AC3E}">
-        <p14:creationId xmlns:p14="http://schemas.microsoft.com/office/powerpoint/2010/main" val="3005036843"/>
-      </p:ext>
-    </p:extLst>
-  </p:cSld>
-  <p:clrMapOvr>
-    <a:masterClrMapping/>
-  </p:clrMapOvr>
-  <p:timing>
-    <p:tnLst>
-      <p:par>
-        <p:cTn id="1" dur="indefinite" restart="never" nodeType="tmRoot"/>
-      </p:par>
-    </p:tnLst>
-  </p:timing>
 </p:sld>
 </file>
 
@@ -17635,7 +17587,7 @@
           <a:p>
             <a:pPr algn="ctr"/>
             <a:r>
-              <a:rPr lang="en-US" sz="5400" dirty="0" smtClean="0">
+              <a:rPr lang="en-US" sz="5400" dirty="0">
                 <a:solidFill>
                   <a:schemeClr val="accent1">
                     <a:lumMod val="50000"/>
@@ -17646,15 +17598,6 @@
               </a:rPr>
               <a:t>Database Systems</a:t>
             </a:r>
-            <a:endParaRPr lang="en-US" sz="5400" dirty="0">
-              <a:solidFill>
-                <a:schemeClr val="accent1">
-                  <a:lumMod val="50000"/>
-                </a:schemeClr>
-              </a:solidFill>
-              <a:latin typeface="Arial" panose="020B0604020202020204" pitchFamily="34" charset="0"/>
-              <a:cs typeface="Arial" panose="020B0604020202020204" pitchFamily="34" charset="0"/>
-            </a:endParaRPr>
           </a:p>
         </p:txBody>
       </p:sp>
@@ -17698,13 +17641,880 @@
   <p:clrMapOvr>
     <a:masterClrMapping/>
   </p:clrMapOvr>
-  <p:timing>
-    <p:tnLst>
-      <p:par>
-        <p:cTn id="1" dur="indefinite" restart="never" nodeType="tmRoot"/>
-      </p:par>
-    </p:tnLst>
-  </p:timing>
+</p:sld>
+</file>
+
+<file path=ppt/slides/slide30.xml><?xml version="1.0" encoding="utf-8"?>
+<p:sld xmlns:a="http://schemas.openxmlformats.org/drawingml/2006/main" xmlns:r="http://schemas.openxmlformats.org/officeDocument/2006/relationships" xmlns:p="http://schemas.openxmlformats.org/presentationml/2006/main">
+  <p:cSld>
+    <p:spTree>
+      <p:nvGrpSpPr>
+        <p:cNvPr id="1" name=""/>
+        <p:cNvGrpSpPr/>
+        <p:nvPr/>
+      </p:nvGrpSpPr>
+      <p:grpSpPr>
+        <a:xfrm>
+          <a:off x="0" y="0"/>
+          <a:ext cx="0" cy="0"/>
+          <a:chOff x="0" y="0"/>
+          <a:chExt cx="0" cy="0"/>
+        </a:xfrm>
+      </p:grpSpPr>
+      <p:sp>
+        <p:nvSpPr>
+          <p:cNvPr id="2" name="Заглавие 1">
+            <a:extLst>
+              <a:ext uri="{FF2B5EF4-FFF2-40B4-BE49-F238E27FC236}">
+                <a16:creationId xmlns:a16="http://schemas.microsoft.com/office/drawing/2014/main" id="{A49CC635-14A7-44DE-AF63-596035E79E1E}"/>
+              </a:ext>
+            </a:extLst>
+          </p:cNvPr>
+          <p:cNvSpPr>
+            <a:spLocks noGrp="1"/>
+          </p:cNvSpPr>
+          <p:nvPr>
+            <p:ph type="title"/>
+          </p:nvPr>
+        </p:nvSpPr>
+        <p:spPr>
+          <a:xfrm>
+            <a:off x="1076578" y="1203960"/>
+            <a:ext cx="2793158" cy="605246"/>
+          </a:xfrm>
+        </p:spPr>
+        <p:txBody>
+          <a:bodyPr/>
+          <a:lstStyle/>
+          <a:p>
+            <a:pPr algn="ctr"/>
+            <a:r>
+              <a:rPr lang="en-US" sz="3600" dirty="0" err="1">
+                <a:latin typeface="Arial" panose="020B0604020202020204" pitchFamily="34" charset="0"/>
+                <a:cs typeface="Arial" panose="020B0604020202020204" pitchFamily="34" charset="0"/>
+              </a:rPr>
+              <a:t>QxOrm</a:t>
+            </a:r>
+            <a:endParaRPr lang="bg-BG" sz="3600" dirty="0">
+              <a:latin typeface="Arial" panose="020B0604020202020204" pitchFamily="34" charset="0"/>
+              <a:cs typeface="Arial" panose="020B0604020202020204" pitchFamily="34" charset="0"/>
+            </a:endParaRPr>
+          </a:p>
+        </p:txBody>
+      </p:sp>
+      <p:pic>
+        <p:nvPicPr>
+          <p:cNvPr id="6" name="Контейнер за съдържание 5">
+            <a:extLst>
+              <a:ext uri="{FF2B5EF4-FFF2-40B4-BE49-F238E27FC236}">
+                <a16:creationId xmlns:a16="http://schemas.microsoft.com/office/drawing/2014/main" id="{2F5CDA01-2EDD-4219-BBAC-2F852D6F4C28}"/>
+              </a:ext>
+            </a:extLst>
+          </p:cNvPr>
+          <p:cNvPicPr>
+            <a:picLocks noGrp="1" noChangeAspect="1"/>
+          </p:cNvPicPr>
+          <p:nvPr>
+            <p:ph idx="1"/>
+          </p:nvPr>
+        </p:nvPicPr>
+        <p:blipFill>
+          <a:blip r:embed="rId2">
+            <a:extLst>
+              <a:ext uri="{28A0092B-C50C-407E-A947-70E740481C1C}">
+                <a14:useLocalDpi xmlns:a14="http://schemas.microsoft.com/office/drawing/2010/main" val="0"/>
+              </a:ext>
+            </a:extLst>
+          </a:blip>
+          <a:stretch>
+            <a:fillRect/>
+          </a:stretch>
+        </p:blipFill>
+        <p:spPr>
+          <a:xfrm>
+            <a:off x="6414488" y="1809206"/>
+            <a:ext cx="3606550" cy="3606550"/>
+          </a:xfrm>
+        </p:spPr>
+      </p:pic>
+      <p:sp>
+        <p:nvSpPr>
+          <p:cNvPr id="4" name="Текстов контейнер 3">
+            <a:extLst>
+              <a:ext uri="{FF2B5EF4-FFF2-40B4-BE49-F238E27FC236}">
+                <a16:creationId xmlns:a16="http://schemas.microsoft.com/office/drawing/2014/main" id="{DD8140F9-A8DA-430C-B1FC-EF7AA64BFB54}"/>
+              </a:ext>
+            </a:extLst>
+          </p:cNvPr>
+          <p:cNvSpPr>
+            <a:spLocks noGrp="1"/>
+          </p:cNvSpPr>
+          <p:nvPr>
+            <p:ph type="body" sz="half" idx="2"/>
+          </p:nvPr>
+        </p:nvSpPr>
+        <p:spPr>
+          <a:xfrm>
+            <a:off x="1076577" y="2075542"/>
+            <a:ext cx="3173205" cy="4003041"/>
+          </a:xfrm>
+        </p:spPr>
+        <p:txBody>
+          <a:bodyPr>
+            <a:noAutofit/>
+          </a:bodyPr>
+          <a:lstStyle/>
+          <a:p>
+            <a:r>
+              <a:rPr lang="en-US" sz="1800" dirty="0" err="1">
+                <a:solidFill>
+                  <a:srgbClr val="92D050"/>
+                </a:solidFill>
+                <a:latin typeface="Arial" panose="020B0604020202020204" pitchFamily="34" charset="0"/>
+                <a:cs typeface="Arial" panose="020B0604020202020204" pitchFamily="34" charset="0"/>
+              </a:rPr>
+              <a:t>QxOrm</a:t>
+            </a:r>
+            <a:r>
+              <a:rPr lang="en-US" sz="1800" dirty="0">
+                <a:solidFill>
+                  <a:schemeClr val="bg1"/>
+                </a:solidFill>
+                <a:latin typeface="Arial" panose="020B0604020202020204" pitchFamily="34" charset="0"/>
+                <a:cs typeface="Arial" panose="020B0604020202020204" pitchFamily="34" charset="0"/>
+              </a:rPr>
+              <a:t> </a:t>
+            </a:r>
+            <a:r>
+              <a:rPr lang="en-US" sz="1600" dirty="0">
+                <a:solidFill>
+                  <a:schemeClr val="bg1"/>
+                </a:solidFill>
+                <a:latin typeface="Arial" panose="020B0604020202020204" pitchFamily="34" charset="0"/>
+                <a:cs typeface="Arial" panose="020B0604020202020204" pitchFamily="34" charset="0"/>
+              </a:rPr>
+              <a:t>library is and Object Relation Mapping (ORM) database library for C++/Qt developers.</a:t>
+            </a:r>
+          </a:p>
+          <a:p>
+            <a:endParaRPr lang="en-US" sz="1600" dirty="0">
+              <a:solidFill>
+                <a:schemeClr val="bg1"/>
+              </a:solidFill>
+              <a:latin typeface="Arial" panose="020B0604020202020204" pitchFamily="34" charset="0"/>
+              <a:cs typeface="Arial" panose="020B0604020202020204" pitchFamily="34" charset="0"/>
+            </a:endParaRPr>
+          </a:p>
+          <a:p>
+            <a:r>
+              <a:rPr lang="en-US" sz="1600" dirty="0">
+                <a:solidFill>
+                  <a:schemeClr val="bg1"/>
+                </a:solidFill>
+                <a:latin typeface="Arial" panose="020B0604020202020204" pitchFamily="34" charset="0"/>
+                <a:cs typeface="Arial" panose="020B0604020202020204" pitchFamily="34" charset="0"/>
+              </a:rPr>
+              <a:t>It has the following features:</a:t>
+            </a:r>
+          </a:p>
+          <a:p>
+            <a:pPr marL="285750" indent="-285750">
+              <a:buClr>
+                <a:schemeClr val="bg1"/>
+              </a:buClr>
+              <a:buFont typeface="Arial" panose="020B0604020202020204" pitchFamily="34" charset="0"/>
+              <a:buChar char="•"/>
+            </a:pPr>
+            <a:r>
+              <a:rPr lang="en-US" sz="1600" dirty="0">
+                <a:solidFill>
+                  <a:schemeClr val="bg1"/>
+                </a:solidFill>
+                <a:latin typeface="Arial" panose="020B0604020202020204" pitchFamily="34" charset="0"/>
+                <a:cs typeface="Arial" panose="020B0604020202020204" pitchFamily="34" charset="0"/>
+              </a:rPr>
+              <a:t>Persistence</a:t>
+            </a:r>
+          </a:p>
+          <a:p>
+            <a:pPr marL="285750" indent="-285750">
+              <a:buClr>
+                <a:schemeClr val="bg1"/>
+              </a:buClr>
+              <a:buFont typeface="Arial" panose="020B0604020202020204" pitchFamily="34" charset="0"/>
+              <a:buChar char="•"/>
+            </a:pPr>
+            <a:r>
+              <a:rPr lang="en-US" sz="1600" dirty="0">
+                <a:solidFill>
+                  <a:schemeClr val="bg1"/>
+                </a:solidFill>
+                <a:latin typeface="Arial" panose="020B0604020202020204" pitchFamily="34" charset="0"/>
+                <a:cs typeface="Arial" panose="020B0604020202020204" pitchFamily="34" charset="0"/>
+              </a:rPr>
+              <a:t>Serialization</a:t>
+            </a:r>
+          </a:p>
+          <a:p>
+            <a:pPr marL="285750" indent="-285750">
+              <a:buClr>
+                <a:schemeClr val="bg1"/>
+              </a:buClr>
+              <a:buFont typeface="Arial" panose="020B0604020202020204" pitchFamily="34" charset="0"/>
+              <a:buChar char="•"/>
+            </a:pPr>
+            <a:r>
+              <a:rPr lang="en-US" sz="1600" dirty="0">
+                <a:solidFill>
+                  <a:schemeClr val="bg1"/>
+                </a:solidFill>
+                <a:latin typeface="Arial" panose="020B0604020202020204" pitchFamily="34" charset="0"/>
+                <a:cs typeface="Arial" panose="020B0604020202020204" pitchFamily="34" charset="0"/>
+              </a:rPr>
+              <a:t>Reflection</a:t>
+            </a:r>
+          </a:p>
+          <a:p>
+            <a:pPr marL="285750" indent="-285750">
+              <a:buClr>
+                <a:schemeClr val="bg1"/>
+              </a:buClr>
+              <a:buFont typeface="Arial" panose="020B0604020202020204" pitchFamily="34" charset="0"/>
+              <a:buChar char="•"/>
+            </a:pPr>
+            <a:endParaRPr lang="en-US" sz="1600" dirty="0">
+              <a:solidFill>
+                <a:schemeClr val="bg1"/>
+              </a:solidFill>
+              <a:latin typeface="Arial" panose="020B0604020202020204" pitchFamily="34" charset="0"/>
+              <a:cs typeface="Arial" panose="020B0604020202020204" pitchFamily="34" charset="0"/>
+            </a:endParaRPr>
+          </a:p>
+          <a:p>
+            <a:pPr>
+              <a:buClr>
+                <a:schemeClr val="bg1"/>
+              </a:buClr>
+            </a:pPr>
+            <a:r>
+              <a:rPr lang="en-US" sz="1600" dirty="0">
+                <a:solidFill>
+                  <a:schemeClr val="bg1"/>
+                </a:solidFill>
+                <a:latin typeface="Arial" panose="020B0604020202020204" pitchFamily="34" charset="0"/>
+                <a:cs typeface="Arial" panose="020B0604020202020204" pitchFamily="34" charset="0"/>
+              </a:rPr>
+              <a:t>Is based on </a:t>
+            </a:r>
+            <a:r>
+              <a:rPr lang="en-US" sz="1600" dirty="0">
+                <a:solidFill>
+                  <a:srgbClr val="92D050"/>
+                </a:solidFill>
+                <a:latin typeface="Arial" panose="020B0604020202020204" pitchFamily="34" charset="0"/>
+                <a:cs typeface="Arial" panose="020B0604020202020204" pitchFamily="34" charset="0"/>
+              </a:rPr>
+              <a:t>Qt framework</a:t>
+            </a:r>
+            <a:r>
+              <a:rPr lang="en-US" sz="1600" dirty="0">
+                <a:solidFill>
+                  <a:schemeClr val="bg1"/>
+                </a:solidFill>
+                <a:latin typeface="Arial" panose="020B0604020202020204" pitchFamily="34" charset="0"/>
+                <a:cs typeface="Arial" panose="020B0604020202020204" pitchFamily="34" charset="0"/>
+              </a:rPr>
+              <a:t>!</a:t>
+            </a:r>
+          </a:p>
+        </p:txBody>
+      </p:sp>
+    </p:spTree>
+    <p:extLst>
+      <p:ext uri="{BB962C8B-B14F-4D97-AF65-F5344CB8AC3E}">
+        <p14:creationId xmlns:p14="http://schemas.microsoft.com/office/powerpoint/2010/main" val="3728864023"/>
+      </p:ext>
+    </p:extLst>
+  </p:cSld>
+  <p:clrMapOvr>
+    <a:masterClrMapping/>
+  </p:clrMapOvr>
+</p:sld>
+</file>
+
+<file path=ppt/slides/slide31.xml><?xml version="1.0" encoding="utf-8"?>
+<p:sld xmlns:a="http://schemas.openxmlformats.org/drawingml/2006/main" xmlns:r="http://schemas.openxmlformats.org/officeDocument/2006/relationships" xmlns:p="http://schemas.openxmlformats.org/presentationml/2006/main">
+  <p:cSld>
+    <p:spTree>
+      <p:nvGrpSpPr>
+        <p:cNvPr id="1" name=""/>
+        <p:cNvGrpSpPr/>
+        <p:nvPr/>
+      </p:nvGrpSpPr>
+      <p:grpSpPr>
+        <a:xfrm>
+          <a:off x="0" y="0"/>
+          <a:ext cx="0" cy="0"/>
+          <a:chOff x="0" y="0"/>
+          <a:chExt cx="0" cy="0"/>
+        </a:xfrm>
+      </p:grpSpPr>
+      <p:sp>
+        <p:nvSpPr>
+          <p:cNvPr id="2" name="Title 1"/>
+          <p:cNvSpPr>
+            <a:spLocks noGrp="1"/>
+          </p:cNvSpPr>
+          <p:nvPr>
+            <p:ph type="title"/>
+          </p:nvPr>
+        </p:nvSpPr>
+        <p:spPr/>
+        <p:txBody>
+          <a:bodyPr/>
+          <a:lstStyle/>
+          <a:p>
+            <a:pPr algn="ctr"/>
+            <a:r>
+              <a:rPr lang="en-US" dirty="0">
+                <a:latin typeface="Arial" panose="020B0604020202020204" pitchFamily="34" charset="0"/>
+                <a:cs typeface="Arial" panose="020B0604020202020204" pitchFamily="34" charset="0"/>
+              </a:rPr>
+              <a:t>General Overview of EF Core</a:t>
+            </a:r>
+          </a:p>
+        </p:txBody>
+      </p:sp>
+      <p:sp>
+        <p:nvSpPr>
+          <p:cNvPr id="3" name="Text Placeholder 2"/>
+          <p:cNvSpPr>
+            <a:spLocks noGrp="1"/>
+          </p:cNvSpPr>
+          <p:nvPr>
+            <p:ph type="body" sz="half" idx="2"/>
+          </p:nvPr>
+        </p:nvSpPr>
+        <p:spPr>
+          <a:xfrm>
+            <a:off x="684695" y="3378927"/>
+            <a:ext cx="8502849" cy="3396342"/>
+          </a:xfrm>
+        </p:spPr>
+        <p:txBody>
+          <a:bodyPr>
+            <a:normAutofit/>
+          </a:bodyPr>
+          <a:lstStyle/>
+          <a:p>
+            <a:pPr marL="285750" indent="-285750">
+              <a:buFont typeface="Wingdings" panose="05000000000000000000" pitchFamily="2" charset="2"/>
+              <a:buChar char="Ø"/>
+            </a:pPr>
+            <a:r>
+              <a:rPr lang="en-US" dirty="0">
+                <a:latin typeface="Arial" panose="020B0604020202020204" pitchFamily="34" charset="0"/>
+                <a:cs typeface="Arial" panose="020B0604020202020204" pitchFamily="34" charset="0"/>
+              </a:rPr>
+              <a:t>EF Core is Object Relation Mapper</a:t>
+            </a:r>
+          </a:p>
+          <a:p>
+            <a:pPr marL="285750" indent="-285750">
+              <a:buFont typeface="Wingdings" panose="05000000000000000000" pitchFamily="2" charset="2"/>
+              <a:buChar char="Ø"/>
+            </a:pPr>
+            <a:r>
+              <a:rPr lang="en-US" dirty="0">
+                <a:latin typeface="Arial" panose="020B0604020202020204" pitchFamily="34" charset="0"/>
+                <a:cs typeface="Arial" panose="020B0604020202020204" pitchFamily="34" charset="0"/>
+              </a:rPr>
+              <a:t>Increase the productivity of programmers</a:t>
+            </a:r>
+          </a:p>
+          <a:p>
+            <a:pPr marL="285750" indent="-285750">
+              <a:buFont typeface="Wingdings" panose="05000000000000000000" pitchFamily="2" charset="2"/>
+              <a:buChar char="Ø"/>
+            </a:pPr>
+            <a:r>
+              <a:rPr lang="en-US" dirty="0">
+                <a:latin typeface="Arial" panose="020B0604020202020204" pitchFamily="34" charset="0"/>
+                <a:cs typeface="Arial" panose="020B0604020202020204" pitchFamily="34" charset="0"/>
+              </a:rPr>
+              <a:t>Use C# LINQ instead of SQL direct queries</a:t>
+            </a:r>
+          </a:p>
+          <a:p>
+            <a:pPr marL="285750" indent="-285750">
+              <a:buFont typeface="Wingdings" panose="05000000000000000000" pitchFamily="2" charset="2"/>
+              <a:buChar char="Ø"/>
+            </a:pPr>
+            <a:r>
+              <a:rPr lang="en-US" dirty="0">
+                <a:latin typeface="Arial" panose="020B0604020202020204" pitchFamily="34" charset="0"/>
+                <a:cs typeface="Arial" panose="020B0604020202020204" pitchFamily="34" charset="0"/>
+              </a:rPr>
+              <a:t>There are “Code First” and “Database First” approaches in creating of our database model system</a:t>
+            </a:r>
+          </a:p>
+          <a:p>
+            <a:pPr marL="285750" indent="-285750">
+              <a:buFont typeface="Wingdings" panose="05000000000000000000" pitchFamily="2" charset="2"/>
+              <a:buChar char="Ø"/>
+            </a:pPr>
+            <a:r>
+              <a:rPr lang="en-US" dirty="0">
+                <a:latin typeface="Arial" panose="020B0604020202020204" pitchFamily="34" charset="0"/>
+                <a:cs typeface="Arial" panose="020B0604020202020204" pitchFamily="34" charset="0"/>
+              </a:rPr>
+              <a:t>Supports many database providers  </a:t>
+            </a:r>
+            <a:r>
+              <a:rPr lang="en-US" dirty="0">
+                <a:latin typeface="Arial" panose="020B0604020202020204" pitchFamily="34" charset="0"/>
+                <a:cs typeface="Arial" panose="020B0604020202020204" pitchFamily="34" charset="0"/>
+                <a:hlinkClick r:id="rId2"/>
+              </a:rPr>
+              <a:t>https://docs.microsoft.com/en-us/ef/core/providers/?tabs=dotnet-core-cli</a:t>
+            </a:r>
+            <a:endParaRPr lang="en-US" dirty="0">
+              <a:latin typeface="Arial" panose="020B0604020202020204" pitchFamily="34" charset="0"/>
+              <a:cs typeface="Arial" panose="020B0604020202020204" pitchFamily="34" charset="0"/>
+            </a:endParaRPr>
+          </a:p>
+          <a:p>
+            <a:pPr marL="285750" indent="-285750">
+              <a:buFont typeface="Wingdings" panose="05000000000000000000" pitchFamily="2" charset="2"/>
+              <a:buChar char="Ø"/>
+            </a:pPr>
+            <a:endParaRPr lang="en-US" dirty="0">
+              <a:latin typeface="Arial" panose="020B0604020202020204" pitchFamily="34" charset="0"/>
+              <a:cs typeface="Arial" panose="020B0604020202020204" pitchFamily="34" charset="0"/>
+            </a:endParaRPr>
+          </a:p>
+          <a:p>
+            <a:pPr marL="285750" indent="-285750">
+              <a:buFont typeface="Wingdings" panose="05000000000000000000" pitchFamily="2" charset="2"/>
+              <a:buChar char="Ø"/>
+            </a:pPr>
+            <a:endParaRPr lang="en-US" dirty="0"/>
+          </a:p>
+          <a:p>
+            <a:pPr marL="285750" indent="-285750">
+              <a:buFont typeface="Wingdings" panose="05000000000000000000" pitchFamily="2" charset="2"/>
+              <a:buChar char="Ø"/>
+            </a:pPr>
+            <a:endParaRPr lang="en-US" dirty="0"/>
+          </a:p>
+        </p:txBody>
+      </p:sp>
+    </p:spTree>
+    <p:extLst>
+      <p:ext uri="{BB962C8B-B14F-4D97-AF65-F5344CB8AC3E}">
+        <p14:creationId xmlns:p14="http://schemas.microsoft.com/office/powerpoint/2010/main" val="1253989669"/>
+      </p:ext>
+    </p:extLst>
+  </p:cSld>
+  <p:clrMapOvr>
+    <a:masterClrMapping/>
+  </p:clrMapOvr>
+</p:sld>
+</file>
+
+<file path=ppt/slides/slide32.xml><?xml version="1.0" encoding="utf-8"?>
+<p:sld xmlns:a="http://schemas.openxmlformats.org/drawingml/2006/main" xmlns:r="http://schemas.openxmlformats.org/officeDocument/2006/relationships" xmlns:p="http://schemas.openxmlformats.org/presentationml/2006/main">
+  <p:cSld>
+    <p:spTree>
+      <p:nvGrpSpPr>
+        <p:cNvPr id="1" name=""/>
+        <p:cNvGrpSpPr/>
+        <p:nvPr/>
+      </p:nvGrpSpPr>
+      <p:grpSpPr>
+        <a:xfrm>
+          <a:off x="0" y="0"/>
+          <a:ext cx="0" cy="0"/>
+          <a:chOff x="0" y="0"/>
+          <a:chExt cx="0" cy="0"/>
+        </a:xfrm>
+      </p:grpSpPr>
+      <p:sp>
+        <p:nvSpPr>
+          <p:cNvPr id="2" name="Заглавие 1">
+            <a:extLst>
+              <a:ext uri="{FF2B5EF4-FFF2-40B4-BE49-F238E27FC236}">
+                <a16:creationId xmlns:a16="http://schemas.microsoft.com/office/drawing/2014/main" id="{0386888C-2286-4DB8-9BB7-71E67502D65C}"/>
+              </a:ext>
+            </a:extLst>
+          </p:cNvPr>
+          <p:cNvSpPr>
+            <a:spLocks noGrp="1"/>
+          </p:cNvSpPr>
+          <p:nvPr>
+            <p:ph type="title"/>
+          </p:nvPr>
+        </p:nvSpPr>
+        <p:spPr/>
+        <p:txBody>
+          <a:bodyPr/>
+          <a:lstStyle/>
+          <a:p>
+            <a:pPr algn="ctr"/>
+            <a:r>
+              <a:rPr lang="en-US" dirty="0">
+                <a:latin typeface="Arial" panose="020B0604020202020204" pitchFamily="34" charset="0"/>
+                <a:cs typeface="Arial" panose="020B0604020202020204" pitchFamily="34" charset="0"/>
+              </a:rPr>
+              <a:t>Interesting resources</a:t>
+            </a:r>
+            <a:endParaRPr lang="bg-BG" dirty="0">
+              <a:latin typeface="Arial" panose="020B0604020202020204" pitchFamily="34" charset="0"/>
+              <a:cs typeface="Arial" panose="020B0604020202020204" pitchFamily="34" charset="0"/>
+            </a:endParaRPr>
+          </a:p>
+        </p:txBody>
+      </p:sp>
+      <p:sp>
+        <p:nvSpPr>
+          <p:cNvPr id="3" name="Текстово поле 2">
+            <a:extLst>
+              <a:ext uri="{FF2B5EF4-FFF2-40B4-BE49-F238E27FC236}">
+                <a16:creationId xmlns:a16="http://schemas.microsoft.com/office/drawing/2014/main" id="{1FDC3B85-C800-497E-8FBD-518F173B6088}"/>
+              </a:ext>
+            </a:extLst>
+          </p:cNvPr>
+          <p:cNvSpPr txBox="1"/>
+          <p:nvPr/>
+        </p:nvSpPr>
+        <p:spPr>
+          <a:xfrm>
+            <a:off x="1306286" y="2595154"/>
+            <a:ext cx="9701348" cy="6463308"/>
+          </a:xfrm>
+          <a:prstGeom prst="rect">
+            <a:avLst/>
+          </a:prstGeom>
+          <a:noFill/>
+        </p:spPr>
+        <p:txBody>
+          <a:bodyPr wrap="square" rtlCol="0">
+            <a:spAutoFit/>
+          </a:bodyPr>
+          <a:lstStyle/>
+          <a:p>
+            <a:pPr marL="285750" indent="-285750">
+              <a:buFont typeface="Wingdings" panose="05000000000000000000" pitchFamily="2" charset="2"/>
+              <a:buChar char="§"/>
+            </a:pPr>
+            <a:r>
+              <a:rPr lang="en-US" dirty="0"/>
+              <a:t>EF Core - </a:t>
+            </a:r>
+            <a:r>
+              <a:rPr lang="en-US" dirty="0">
+                <a:hlinkClick r:id="rId2"/>
+              </a:rPr>
+              <a:t>https://docs.microsoft.com/en-us/ef/core/</a:t>
+            </a:r>
+            <a:endParaRPr lang="en-US" dirty="0"/>
+          </a:p>
+          <a:p>
+            <a:pPr marL="285750" indent="-285750">
+              <a:buFont typeface="Wingdings" panose="05000000000000000000" pitchFamily="2" charset="2"/>
+              <a:buChar char="§"/>
+            </a:pPr>
+            <a:r>
+              <a:rPr lang="en-US" dirty="0"/>
+              <a:t>SQL vs NoSQL - </a:t>
+            </a:r>
+            <a:r>
+              <a:rPr lang="en-US" dirty="0">
+                <a:hlinkClick r:id="rId3"/>
+              </a:rPr>
+              <a:t>https://www.mongodb.com/nosql-explained/nosql-vs-sql</a:t>
+            </a:r>
+            <a:endParaRPr lang="en-US" dirty="0"/>
+          </a:p>
+          <a:p>
+            <a:pPr marL="285750" indent="-285750">
+              <a:buFont typeface="Wingdings" panose="05000000000000000000" pitchFamily="2" charset="2"/>
+              <a:buChar char="§"/>
+            </a:pPr>
+            <a:r>
+              <a:rPr lang="en-US" dirty="0"/>
+              <a:t>CAP Theorem - </a:t>
+            </a:r>
+            <a:r>
+              <a:rPr lang="en-US" dirty="0">
+                <a:hlinkClick r:id="rId4"/>
+              </a:rPr>
+              <a:t>https://towardsdatascience.com/cap-theorem-and-distributed-database-management-systems-5c2be977950e</a:t>
+            </a:r>
+            <a:endParaRPr lang="en-US" dirty="0"/>
+          </a:p>
+          <a:p>
+            <a:pPr marL="285750" indent="-285750">
+              <a:buFont typeface="Wingdings" panose="05000000000000000000" pitchFamily="2" charset="2"/>
+              <a:buChar char="§"/>
+            </a:pPr>
+            <a:r>
+              <a:rPr lang="en-US" dirty="0"/>
+              <a:t>ADO.NET - </a:t>
+            </a:r>
+            <a:r>
+              <a:rPr lang="en-US" dirty="0">
+                <a:hlinkClick r:id="rId5"/>
+              </a:rPr>
+              <a:t>https://www.javatpoint.com/ado-net-tutorial</a:t>
+            </a:r>
+            <a:endParaRPr lang="en-US" dirty="0"/>
+          </a:p>
+          <a:p>
+            <a:pPr marL="285750" indent="-285750">
+              <a:buFont typeface="Wingdings" panose="05000000000000000000" pitchFamily="2" charset="2"/>
+              <a:buChar char="§"/>
+            </a:pPr>
+            <a:r>
+              <a:rPr lang="en-US" dirty="0"/>
+              <a:t>C# Reflection - </a:t>
+            </a:r>
+            <a:r>
+              <a:rPr lang="en-US" dirty="0">
+                <a:hlinkClick r:id="rId6"/>
+              </a:rPr>
+              <a:t>https://docs.microsoft.com/en-us/dotnet/csharp/programming-guide/concepts/reflection</a:t>
+            </a:r>
+            <a:endParaRPr lang="en-US" dirty="0"/>
+          </a:p>
+          <a:p>
+            <a:pPr marL="285750" indent="-285750">
+              <a:buFont typeface="Wingdings" panose="05000000000000000000" pitchFamily="2" charset="2"/>
+              <a:buChar char="§"/>
+            </a:pPr>
+            <a:r>
+              <a:rPr lang="en-US" dirty="0"/>
+              <a:t>LINQ - </a:t>
+            </a:r>
+            <a:r>
+              <a:rPr lang="en-US" dirty="0">
+                <a:hlinkClick r:id="rId7"/>
+              </a:rPr>
+              <a:t>https://www.tutorialsteacher.com/linq/what-is-linq</a:t>
+            </a:r>
+            <a:endParaRPr lang="en-US" dirty="0"/>
+          </a:p>
+          <a:p>
+            <a:pPr marL="285750" indent="-285750">
+              <a:buFont typeface="Wingdings" panose="05000000000000000000" pitchFamily="2" charset="2"/>
+              <a:buChar char="§"/>
+            </a:pPr>
+            <a:r>
+              <a:rPr lang="en-US" dirty="0"/>
+              <a:t>NHibernate - </a:t>
+            </a:r>
+            <a:r>
+              <a:rPr lang="en-US" dirty="0">
+                <a:hlinkClick r:id="rId8"/>
+              </a:rPr>
+              <a:t>https://nhibernate.info/</a:t>
+            </a:r>
+            <a:endParaRPr lang="en-US" dirty="0"/>
+          </a:p>
+          <a:p>
+            <a:pPr marL="285750" indent="-285750">
+              <a:buFont typeface="Wingdings" panose="05000000000000000000" pitchFamily="2" charset="2"/>
+              <a:buChar char="§"/>
+            </a:pPr>
+            <a:r>
+              <a:rPr lang="en-US" dirty="0"/>
+              <a:t>EF Core Migrations - </a:t>
+            </a:r>
+            <a:r>
+              <a:rPr lang="en-US" dirty="0">
+                <a:hlinkClick r:id="rId9"/>
+              </a:rPr>
+              <a:t>https://www.entityframeworktutorial.net/efcore/entity-framework-core-migration.aspx</a:t>
+            </a:r>
+            <a:endParaRPr lang="en-US" dirty="0"/>
+          </a:p>
+          <a:p>
+            <a:pPr marL="285750" indent="-285750">
+              <a:buFont typeface="Wingdings" panose="05000000000000000000" pitchFamily="2" charset="2"/>
+              <a:buChar char="§"/>
+            </a:pPr>
+            <a:r>
+              <a:rPr lang="en-US" dirty="0"/>
+              <a:t>ODB - </a:t>
+            </a:r>
+            <a:r>
+              <a:rPr lang="en-US" dirty="0">
+                <a:hlinkClick r:id="rId10"/>
+              </a:rPr>
+              <a:t>https://www.codesynthesis.com/products/odb/</a:t>
+            </a:r>
+            <a:endParaRPr lang="en-US" dirty="0"/>
+          </a:p>
+          <a:p>
+            <a:pPr marL="285750" indent="-285750">
+              <a:buFont typeface="Wingdings" panose="05000000000000000000" pitchFamily="2" charset="2"/>
+              <a:buChar char="§"/>
+            </a:pPr>
+            <a:r>
+              <a:rPr lang="en-US" dirty="0" err="1"/>
+              <a:t>QxOrm</a:t>
+            </a:r>
+            <a:r>
+              <a:rPr lang="en-US" dirty="0"/>
+              <a:t> - </a:t>
+            </a:r>
+            <a:r>
+              <a:rPr lang="en-US" dirty="0">
+                <a:hlinkClick r:id="rId11"/>
+              </a:rPr>
+              <a:t>https://www.qxorm.com/qxorm_en/home.html</a:t>
+            </a:r>
+            <a:endParaRPr lang="en-US" dirty="0"/>
+          </a:p>
+          <a:p>
+            <a:pPr marL="285750" indent="-285750">
+              <a:buFont typeface="Wingdings" panose="05000000000000000000" pitchFamily="2" charset="2"/>
+              <a:buChar char="§"/>
+            </a:pPr>
+            <a:endParaRPr lang="en-US" dirty="0"/>
+          </a:p>
+          <a:p>
+            <a:endParaRPr lang="en-US" dirty="0"/>
+          </a:p>
+          <a:p>
+            <a:pPr marL="285750" indent="-285750">
+              <a:buFont typeface="Wingdings" panose="05000000000000000000" pitchFamily="2" charset="2"/>
+              <a:buChar char="§"/>
+            </a:pPr>
+            <a:endParaRPr lang="en-US" dirty="0"/>
+          </a:p>
+          <a:p>
+            <a:pPr marL="285750" indent="-285750">
+              <a:buFont typeface="Wingdings" panose="05000000000000000000" pitchFamily="2" charset="2"/>
+              <a:buChar char="§"/>
+            </a:pPr>
+            <a:endParaRPr lang="en-US" dirty="0"/>
+          </a:p>
+          <a:p>
+            <a:pPr marL="285750" indent="-285750">
+              <a:buFont typeface="Wingdings" panose="05000000000000000000" pitchFamily="2" charset="2"/>
+              <a:buChar char="§"/>
+            </a:pPr>
+            <a:endParaRPr lang="en-US" dirty="0"/>
+          </a:p>
+          <a:p>
+            <a:pPr marL="285750" indent="-285750">
+              <a:buFont typeface="Wingdings" panose="05000000000000000000" pitchFamily="2" charset="2"/>
+              <a:buChar char="§"/>
+            </a:pPr>
+            <a:endParaRPr lang="en-US" dirty="0"/>
+          </a:p>
+          <a:p>
+            <a:pPr marL="285750" indent="-285750">
+              <a:buFont typeface="Wingdings" panose="05000000000000000000" pitchFamily="2" charset="2"/>
+              <a:buChar char="§"/>
+            </a:pPr>
+            <a:endParaRPr lang="en-US" dirty="0"/>
+          </a:p>
+          <a:p>
+            <a:pPr marL="285750" indent="-285750">
+              <a:buFont typeface="Wingdings" panose="05000000000000000000" pitchFamily="2" charset="2"/>
+              <a:buChar char="§"/>
+            </a:pPr>
+            <a:endParaRPr lang="en-US" dirty="0"/>
+          </a:p>
+          <a:p>
+            <a:pPr marL="285750" indent="-285750">
+              <a:buFont typeface="Wingdings" panose="05000000000000000000" pitchFamily="2" charset="2"/>
+              <a:buChar char="§"/>
+            </a:pPr>
+            <a:endParaRPr lang="en-US" dirty="0"/>
+          </a:p>
+          <a:p>
+            <a:pPr marL="285750" indent="-285750">
+              <a:buFont typeface="Wingdings" panose="05000000000000000000" pitchFamily="2" charset="2"/>
+              <a:buChar char="§"/>
+            </a:pPr>
+            <a:endParaRPr lang="bg-BG" dirty="0"/>
+          </a:p>
+        </p:txBody>
+      </p:sp>
+    </p:spTree>
+    <p:extLst>
+      <p:ext uri="{BB962C8B-B14F-4D97-AF65-F5344CB8AC3E}">
+        <p14:creationId xmlns:p14="http://schemas.microsoft.com/office/powerpoint/2010/main" val="3814594721"/>
+      </p:ext>
+    </p:extLst>
+  </p:cSld>
+  <p:clrMapOvr>
+    <a:masterClrMapping/>
+  </p:clrMapOvr>
+</p:sld>
+</file>
+
+<file path=ppt/slides/slide33.xml><?xml version="1.0" encoding="utf-8"?>
+<p:sld xmlns:a="http://schemas.openxmlformats.org/drawingml/2006/main" xmlns:r="http://schemas.openxmlformats.org/officeDocument/2006/relationships" xmlns:p="http://schemas.openxmlformats.org/presentationml/2006/main">
+  <p:cSld>
+    <p:spTree>
+      <p:nvGrpSpPr>
+        <p:cNvPr id="1" name=""/>
+        <p:cNvGrpSpPr/>
+        <p:nvPr/>
+      </p:nvGrpSpPr>
+      <p:grpSpPr>
+        <a:xfrm>
+          <a:off x="0" y="0"/>
+          <a:ext cx="0" cy="0"/>
+          <a:chOff x="0" y="0"/>
+          <a:chExt cx="0" cy="0"/>
+        </a:xfrm>
+      </p:grpSpPr>
+      <p:sp>
+        <p:nvSpPr>
+          <p:cNvPr id="2" name="Title 1"/>
+          <p:cNvSpPr>
+            <a:spLocks noGrp="1"/>
+          </p:cNvSpPr>
+          <p:nvPr>
+            <p:ph type="ctrTitle"/>
+          </p:nvPr>
+        </p:nvSpPr>
+        <p:spPr>
+          <a:xfrm>
+            <a:off x="1311973" y="2752435"/>
+            <a:ext cx="8825658" cy="870399"/>
+          </a:xfrm>
+        </p:spPr>
+        <p:txBody>
+          <a:bodyPr/>
+          <a:lstStyle/>
+          <a:p>
+            <a:pPr algn="ctr"/>
+            <a:r>
+              <a:rPr lang="en-US" sz="8000" dirty="0">
+                <a:latin typeface="Arial" panose="020B0604020202020204" pitchFamily="34" charset="0"/>
+                <a:cs typeface="Arial" panose="020B0604020202020204" pitchFamily="34" charset="0"/>
+              </a:rPr>
+              <a:t>Thank you!</a:t>
+            </a:r>
+          </a:p>
+        </p:txBody>
+      </p:sp>
+    </p:spTree>
+    <p:extLst>
+      <p:ext uri="{BB962C8B-B14F-4D97-AF65-F5344CB8AC3E}">
+        <p14:creationId xmlns:p14="http://schemas.microsoft.com/office/powerpoint/2010/main" val="3005036843"/>
+      </p:ext>
+    </p:extLst>
+  </p:cSld>
+  <p:clrMapOvr>
+    <a:masterClrMapping/>
+  </p:clrMapOvr>
 </p:sld>
 </file>
 
@@ -17746,16 +18556,12 @@
           <a:lstStyle/>
           <a:p>
             <a:r>
-              <a:rPr lang="en-US" sz="3200" dirty="0" smtClean="0">
+              <a:rPr lang="en-US" sz="3200" dirty="0">
                 <a:latin typeface="Arial" panose="020B0604020202020204" pitchFamily="34" charset="0"/>
                 <a:cs typeface="Arial" panose="020B0604020202020204" pitchFamily="34" charset="0"/>
               </a:rPr>
               <a:t>The rise of Internet and storage systems</a:t>
             </a:r>
-            <a:endParaRPr lang="en-US" sz="3200" dirty="0">
-              <a:latin typeface="Arial" panose="020B0604020202020204" pitchFamily="34" charset="0"/>
-              <a:cs typeface="Arial" panose="020B0604020202020204" pitchFamily="34" charset="0"/>
-            </a:endParaRPr>
           </a:p>
         </p:txBody>
       </p:sp>
@@ -17798,13 +18604,6 @@
   <p:clrMapOvr>
     <a:masterClrMapping/>
   </p:clrMapOvr>
-  <p:timing>
-    <p:tnLst>
-      <p:par>
-        <p:cTn id="1" dur="indefinite" restart="never" nodeType="tmRoot"/>
-      </p:par>
-    </p:tnLst>
-  </p:timing>
 </p:sld>
 </file>
 
@@ -17846,16 +18645,12 @@
           <a:lstStyle/>
           <a:p>
             <a:r>
-              <a:rPr lang="en-US" sz="3200" dirty="0" smtClean="0">
+              <a:rPr lang="en-US" sz="3200" dirty="0">
                 <a:latin typeface="Arial" panose="020B0604020202020204" pitchFamily="34" charset="0"/>
                 <a:cs typeface="Arial" panose="020B0604020202020204" pitchFamily="34" charset="0"/>
               </a:rPr>
               <a:t>What is a Database?</a:t>
             </a:r>
-            <a:endParaRPr lang="en-US" sz="3200" dirty="0">
-              <a:latin typeface="Arial" panose="020B0604020202020204" pitchFamily="34" charset="0"/>
-              <a:cs typeface="Arial" panose="020B0604020202020204" pitchFamily="34" charset="0"/>
-            </a:endParaRPr>
           </a:p>
         </p:txBody>
       </p:sp>
@@ -17889,7 +18684,7 @@
               <a:buChar char="•"/>
             </a:pPr>
             <a:r>
-              <a:rPr lang="en-US" sz="1800" dirty="0" smtClean="0">
+              <a:rPr lang="en-US" sz="1800" dirty="0">
                 <a:solidFill>
                   <a:schemeClr val="bg1"/>
                 </a:solidFill>
@@ -17917,7 +18712,7 @@
               <a:buChar char="•"/>
             </a:pPr>
             <a:r>
-              <a:rPr lang="en-US" sz="1800" dirty="0" smtClean="0">
+              <a:rPr lang="en-US" sz="1800" dirty="0">
                 <a:solidFill>
                   <a:schemeClr val="bg1"/>
                 </a:solidFill>
@@ -17926,13 +18721,6 @@
               </a:rPr>
               <a:t>A database is usually controlled by a database management system (DBMS).</a:t>
             </a:r>
-            <a:endParaRPr lang="en-US" sz="1800" dirty="0">
-              <a:solidFill>
-                <a:schemeClr val="bg1"/>
-              </a:solidFill>
-              <a:latin typeface="Arial" panose="020B0604020202020204" pitchFamily="34" charset="0"/>
-              <a:cs typeface="Arial" panose="020B0604020202020204" pitchFamily="34" charset="0"/>
-            </a:endParaRPr>
           </a:p>
         </p:txBody>
       </p:sp>
@@ -18016,16 +18804,12 @@
           <a:lstStyle/>
           <a:p>
             <a:r>
-              <a:rPr lang="en-US" dirty="0" smtClean="0">
+              <a:rPr lang="en-US" dirty="0">
                 <a:latin typeface="Arial" panose="020B0604020202020204" pitchFamily="34" charset="0"/>
                 <a:cs typeface="Arial" panose="020B0604020202020204" pitchFamily="34" charset="0"/>
               </a:rPr>
               <a:t>Where to store my data?</a:t>
             </a:r>
-            <a:endParaRPr lang="en-US" dirty="0">
-              <a:latin typeface="Arial" panose="020B0604020202020204" pitchFamily="34" charset="0"/>
-              <a:cs typeface="Arial" panose="020B0604020202020204" pitchFamily="34" charset="0"/>
-            </a:endParaRPr>
           </a:p>
         </p:txBody>
       </p:sp>
@@ -18042,7 +18826,7 @@
         <p:spPr>
           <a:xfrm>
             <a:off x="1154954" y="2946399"/>
-            <a:ext cx="3859212" cy="1948873"/>
+            <a:ext cx="3859212" cy="3141905"/>
           </a:xfrm>
         </p:spPr>
         <p:txBody>
@@ -18052,7 +18836,7 @@
           <a:lstStyle/>
           <a:p>
             <a:r>
-              <a:rPr lang="en-US" sz="2000" dirty="0" smtClean="0">
+              <a:rPr lang="en-US" sz="2000" dirty="0">
                 <a:solidFill>
                   <a:schemeClr val="bg1"/>
                 </a:solidFill>
@@ -18061,7 +18845,26 @@
               </a:rPr>
               <a:t>In our Internet era, the database systems grows constantly. The efficiency, durability and the good maintenance are absolutely mandatory for the business!</a:t>
             </a:r>
-            <a:endParaRPr lang="en-US" sz="2000" dirty="0">
+            <a:endParaRPr lang="bg-BG" sz="2000" dirty="0">
+              <a:solidFill>
+                <a:schemeClr val="bg1"/>
+              </a:solidFill>
+              <a:latin typeface="Arial" panose="020B0604020202020204" pitchFamily="34" charset="0"/>
+              <a:cs typeface="Arial" panose="020B0604020202020204" pitchFamily="34" charset="0"/>
+            </a:endParaRPr>
+          </a:p>
+          <a:p>
+            <a:r>
+              <a:rPr lang="en-US" sz="2000" dirty="0">
+                <a:solidFill>
+                  <a:schemeClr val="bg1"/>
+                </a:solidFill>
+                <a:latin typeface="Arial" panose="020B0604020202020204" pitchFamily="34" charset="0"/>
+                <a:cs typeface="Arial" panose="020B0604020202020204" pitchFamily="34" charset="0"/>
+              </a:rPr>
+              <a:t>The rules are changing constantly!</a:t>
+            </a:r>
+            <a:endParaRPr lang="bg-BG" sz="2000" dirty="0">
               <a:solidFill>
                 <a:schemeClr val="bg1"/>
               </a:solidFill>
@@ -18137,17 +18940,365 @@
   <p:clrMapOvr>
     <a:masterClrMapping/>
   </p:clrMapOvr>
-  <p:timing>
-    <p:tnLst>
-      <p:par>
-        <p:cTn id="1" dur="indefinite" restart="never" nodeType="tmRoot"/>
-      </p:par>
-    </p:tnLst>
-  </p:timing>
 </p:sld>
 </file>
 
 <file path=ppt/slides/slide7.xml><?xml version="1.0" encoding="utf-8"?>
+<p:sld xmlns:a="http://schemas.openxmlformats.org/drawingml/2006/main" xmlns:r="http://schemas.openxmlformats.org/officeDocument/2006/relationships" xmlns:p="http://schemas.openxmlformats.org/presentationml/2006/main">
+  <p:cSld>
+    <p:spTree>
+      <p:nvGrpSpPr>
+        <p:cNvPr id="1" name=""/>
+        <p:cNvGrpSpPr/>
+        <p:nvPr/>
+      </p:nvGrpSpPr>
+      <p:grpSpPr>
+        <a:xfrm>
+          <a:off x="0" y="0"/>
+          <a:ext cx="0" cy="0"/>
+          <a:chOff x="0" y="0"/>
+          <a:chExt cx="0" cy="0"/>
+        </a:xfrm>
+      </p:grpSpPr>
+      <p:sp>
+        <p:nvSpPr>
+          <p:cNvPr id="2" name="Заглавие 1">
+            <a:extLst>
+              <a:ext uri="{FF2B5EF4-FFF2-40B4-BE49-F238E27FC236}">
+                <a16:creationId xmlns:a16="http://schemas.microsoft.com/office/drawing/2014/main" id="{BD627DF9-AC04-4543-900B-4304B0659584}"/>
+              </a:ext>
+            </a:extLst>
+          </p:cNvPr>
+          <p:cNvSpPr>
+            <a:spLocks noGrp="1"/>
+          </p:cNvSpPr>
+          <p:nvPr>
+            <p:ph type="title"/>
+          </p:nvPr>
+        </p:nvSpPr>
+        <p:spPr/>
+        <p:txBody>
+          <a:bodyPr/>
+          <a:lstStyle/>
+          <a:p>
+            <a:pPr algn="ctr"/>
+            <a:r>
+              <a:rPr lang="en-US" dirty="0">
+                <a:latin typeface="Arial" panose="020B0604020202020204" pitchFamily="34" charset="0"/>
+                <a:cs typeface="Arial" panose="020B0604020202020204" pitchFamily="34" charset="0"/>
+              </a:rPr>
+              <a:t>Stored Procedures</a:t>
+            </a:r>
+            <a:endParaRPr lang="bg-BG" dirty="0">
+              <a:latin typeface="Arial" panose="020B0604020202020204" pitchFamily="34" charset="0"/>
+              <a:cs typeface="Arial" panose="020B0604020202020204" pitchFamily="34" charset="0"/>
+            </a:endParaRPr>
+          </a:p>
+        </p:txBody>
+      </p:sp>
+      <p:pic>
+        <p:nvPicPr>
+          <p:cNvPr id="13" name="Картина 12" descr="Картина, която съдържа текст&#10;&#10;Описанието е генерирано автоматично">
+            <a:extLst>
+              <a:ext uri="{FF2B5EF4-FFF2-40B4-BE49-F238E27FC236}">
+                <a16:creationId xmlns:a16="http://schemas.microsoft.com/office/drawing/2014/main" id="{3545B9FA-1FC8-4A8C-81CA-0CE9EF2FEBDE}"/>
+              </a:ext>
+            </a:extLst>
+          </p:cNvPr>
+          <p:cNvPicPr>
+            <a:picLocks noChangeAspect="1"/>
+          </p:cNvPicPr>
+          <p:nvPr/>
+        </p:nvPicPr>
+        <p:blipFill>
+          <a:blip r:embed="rId2">
+            <a:extLst>
+              <a:ext uri="{28A0092B-C50C-407E-A947-70E740481C1C}">
+                <a14:useLocalDpi xmlns:a14="http://schemas.microsoft.com/office/drawing/2010/main" val="0"/>
+              </a:ext>
+            </a:extLst>
+          </a:blip>
+          <a:stretch>
+            <a:fillRect/>
+          </a:stretch>
+        </p:blipFill>
+        <p:spPr>
+          <a:xfrm>
+            <a:off x="6174430" y="3542212"/>
+            <a:ext cx="5477639" cy="1905266"/>
+          </a:xfrm>
+          <a:prstGeom prst="rect">
+            <a:avLst/>
+          </a:prstGeom>
+        </p:spPr>
+      </p:pic>
+      <p:sp>
+        <p:nvSpPr>
+          <p:cNvPr id="14" name="Текстово поле 13">
+            <a:extLst>
+              <a:ext uri="{FF2B5EF4-FFF2-40B4-BE49-F238E27FC236}">
+                <a16:creationId xmlns:a16="http://schemas.microsoft.com/office/drawing/2014/main" id="{2A45EFE1-52D6-4DC8-901F-02E693E6E57A}"/>
+              </a:ext>
+            </a:extLst>
+          </p:cNvPr>
+          <p:cNvSpPr txBox="1"/>
+          <p:nvPr/>
+        </p:nvSpPr>
+        <p:spPr>
+          <a:xfrm>
+            <a:off x="641443" y="4289238"/>
+            <a:ext cx="4894217" cy="2123658"/>
+          </a:xfrm>
+          <a:prstGeom prst="rect">
+            <a:avLst/>
+          </a:prstGeom>
+          <a:noFill/>
+        </p:spPr>
+        <p:txBody>
+          <a:bodyPr wrap="square" rtlCol="0">
+            <a:spAutoFit/>
+          </a:bodyPr>
+          <a:lstStyle/>
+          <a:p>
+            <a:pPr algn="ctr"/>
+            <a:r>
+              <a:rPr lang="en-US" sz="2400" dirty="0">
+                <a:solidFill>
+                  <a:srgbClr val="FF0000"/>
+                </a:solidFill>
+                <a:latin typeface="Arial" panose="020B0604020202020204" pitchFamily="34" charset="0"/>
+                <a:cs typeface="Arial" panose="020B0604020202020204" pitchFamily="34" charset="0"/>
+              </a:rPr>
+              <a:t>Cons:</a:t>
+            </a:r>
+          </a:p>
+          <a:p>
+            <a:pPr marL="285750" indent="-285750" algn="ctr">
+              <a:buFont typeface="Wingdings" panose="05000000000000000000" pitchFamily="2" charset="2"/>
+              <a:buChar char="Ø"/>
+            </a:pPr>
+            <a:r>
+              <a:rPr lang="en-US" dirty="0">
+                <a:solidFill>
+                  <a:schemeClr val="accent1">
+                    <a:lumMod val="50000"/>
+                  </a:schemeClr>
+                </a:solidFill>
+                <a:latin typeface="Arial" panose="020B0604020202020204" pitchFamily="34" charset="0"/>
+                <a:cs typeface="Arial" panose="020B0604020202020204" pitchFamily="34" charset="0"/>
+              </a:rPr>
+              <a:t>Extremely tight software coupling</a:t>
+            </a:r>
+          </a:p>
+          <a:p>
+            <a:pPr marL="285750" indent="-285750" algn="ctr">
+              <a:buFont typeface="Wingdings" panose="05000000000000000000" pitchFamily="2" charset="2"/>
+              <a:buChar char="Ø"/>
+            </a:pPr>
+            <a:r>
+              <a:rPr lang="en-US" dirty="0">
+                <a:solidFill>
+                  <a:schemeClr val="accent1">
+                    <a:lumMod val="50000"/>
+                  </a:schemeClr>
+                </a:solidFill>
+                <a:latin typeface="Arial" panose="020B0604020202020204" pitchFamily="34" charset="0"/>
+                <a:cs typeface="Arial" panose="020B0604020202020204" pitchFamily="34" charset="0"/>
+              </a:rPr>
+              <a:t>Need from developers with special skills</a:t>
+            </a:r>
+          </a:p>
+          <a:p>
+            <a:pPr marL="285750" indent="-285750" algn="ctr">
+              <a:buFont typeface="Wingdings" panose="05000000000000000000" pitchFamily="2" charset="2"/>
+              <a:buChar char="Ø"/>
+            </a:pPr>
+            <a:r>
+              <a:rPr lang="en-US" dirty="0">
+                <a:solidFill>
+                  <a:schemeClr val="accent1">
+                    <a:lumMod val="50000"/>
+                  </a:schemeClr>
+                </a:solidFill>
+                <a:latin typeface="Arial" panose="020B0604020202020204" pitchFamily="34" charset="0"/>
+                <a:cs typeface="Arial" panose="020B0604020202020204" pitchFamily="34" charset="0"/>
+              </a:rPr>
+              <a:t>No separation of concerns</a:t>
+            </a:r>
+          </a:p>
+          <a:p>
+            <a:pPr marL="285750" indent="-285750" algn="ctr">
+              <a:buFont typeface="Wingdings" panose="05000000000000000000" pitchFamily="2" charset="2"/>
+              <a:buChar char="Ø"/>
+            </a:pPr>
+            <a:r>
+              <a:rPr lang="en-US" dirty="0">
+                <a:solidFill>
+                  <a:schemeClr val="accent1">
+                    <a:lumMod val="50000"/>
+                  </a:schemeClr>
+                </a:solidFill>
+                <a:latin typeface="Arial" panose="020B0604020202020204" pitchFamily="34" charset="0"/>
+                <a:cs typeface="Arial" panose="020B0604020202020204" pitchFamily="34" charset="0"/>
+              </a:rPr>
+              <a:t>Vendor locking</a:t>
+            </a:r>
+          </a:p>
+          <a:p>
+            <a:pPr marL="285750" indent="-285750" algn="ctr">
+              <a:buFont typeface="Wingdings" panose="05000000000000000000" pitchFamily="2" charset="2"/>
+              <a:buChar char="Ø"/>
+            </a:pPr>
+            <a:r>
+              <a:rPr lang="en-US" dirty="0">
+                <a:solidFill>
+                  <a:schemeClr val="accent1">
+                    <a:lumMod val="50000"/>
+                  </a:schemeClr>
+                </a:solidFill>
+                <a:latin typeface="Arial" panose="020B0604020202020204" pitchFamily="34" charset="0"/>
+                <a:cs typeface="Arial" panose="020B0604020202020204" pitchFamily="34" charset="0"/>
+              </a:rPr>
+              <a:t>Difficult for Unit Testing</a:t>
+            </a:r>
+            <a:endParaRPr lang="bg-BG" dirty="0">
+              <a:solidFill>
+                <a:schemeClr val="accent1">
+                  <a:lumMod val="50000"/>
+                </a:schemeClr>
+              </a:solidFill>
+              <a:latin typeface="Arial" panose="020B0604020202020204" pitchFamily="34" charset="0"/>
+              <a:cs typeface="Arial" panose="020B0604020202020204" pitchFamily="34" charset="0"/>
+            </a:endParaRPr>
+          </a:p>
+          <a:p>
+            <a:pPr marL="285750" indent="-285750" algn="ctr">
+              <a:buFont typeface="Wingdings" panose="05000000000000000000" pitchFamily="2" charset="2"/>
+              <a:buChar char="Ø"/>
+            </a:pPr>
+            <a:r>
+              <a:rPr lang="en-US" dirty="0">
+                <a:solidFill>
+                  <a:schemeClr val="accent1">
+                    <a:lumMod val="50000"/>
+                  </a:schemeClr>
+                </a:solidFill>
+                <a:latin typeface="Arial" panose="020B0604020202020204" pitchFamily="34" charset="0"/>
+                <a:cs typeface="Arial" panose="020B0604020202020204" pitchFamily="34" charset="0"/>
+              </a:rPr>
+              <a:t>Cannot pass a complex parameters</a:t>
+            </a:r>
+            <a:endParaRPr lang="bg-BG" dirty="0">
+              <a:solidFill>
+                <a:schemeClr val="accent1">
+                  <a:lumMod val="50000"/>
+                </a:schemeClr>
+              </a:solidFill>
+              <a:latin typeface="Arial" panose="020B0604020202020204" pitchFamily="34" charset="0"/>
+              <a:cs typeface="Arial" panose="020B0604020202020204" pitchFamily="34" charset="0"/>
+            </a:endParaRPr>
+          </a:p>
+        </p:txBody>
+      </p:sp>
+      <p:sp>
+        <p:nvSpPr>
+          <p:cNvPr id="15" name="Текстово поле 14">
+            <a:extLst>
+              <a:ext uri="{FF2B5EF4-FFF2-40B4-BE49-F238E27FC236}">
+                <a16:creationId xmlns:a16="http://schemas.microsoft.com/office/drawing/2014/main" id="{58B79F20-381C-4B12-90A6-BA326DCB7E79}"/>
+              </a:ext>
+            </a:extLst>
+          </p:cNvPr>
+          <p:cNvSpPr txBox="1"/>
+          <p:nvPr/>
+        </p:nvSpPr>
+        <p:spPr>
+          <a:xfrm>
+            <a:off x="641443" y="2942047"/>
+            <a:ext cx="4894217" cy="1292662"/>
+          </a:xfrm>
+          <a:prstGeom prst="rect">
+            <a:avLst/>
+          </a:prstGeom>
+          <a:noFill/>
+        </p:spPr>
+        <p:txBody>
+          <a:bodyPr wrap="square" rtlCol="0">
+            <a:spAutoFit/>
+          </a:bodyPr>
+          <a:lstStyle/>
+          <a:p>
+            <a:pPr algn="ctr"/>
+            <a:r>
+              <a:rPr lang="en-US" sz="2400" dirty="0">
+                <a:solidFill>
+                  <a:srgbClr val="00B050"/>
+                </a:solidFill>
+                <a:latin typeface="Arial" panose="020B0604020202020204" pitchFamily="34" charset="0"/>
+                <a:cs typeface="Arial" panose="020B0604020202020204" pitchFamily="34" charset="0"/>
+              </a:rPr>
+              <a:t>Pros:</a:t>
+            </a:r>
+          </a:p>
+          <a:p>
+            <a:pPr marL="285750" indent="-285750" algn="ctr">
+              <a:buFont typeface="Wingdings" panose="05000000000000000000" pitchFamily="2" charset="2"/>
+              <a:buChar char="Ø"/>
+            </a:pPr>
+            <a:r>
+              <a:rPr lang="en-US" dirty="0">
+                <a:solidFill>
+                  <a:schemeClr val="accent1">
+                    <a:lumMod val="50000"/>
+                  </a:schemeClr>
+                </a:solidFill>
+                <a:latin typeface="Arial" panose="020B0604020202020204" pitchFamily="34" charset="0"/>
+                <a:cs typeface="Arial" panose="020B0604020202020204" pitchFamily="34" charset="0"/>
+              </a:rPr>
+              <a:t>All business logic is in one place</a:t>
+            </a:r>
+          </a:p>
+          <a:p>
+            <a:pPr marL="285750" indent="-285750" algn="ctr">
+              <a:buFont typeface="Wingdings" panose="05000000000000000000" pitchFamily="2" charset="2"/>
+              <a:buChar char="Ø"/>
+            </a:pPr>
+            <a:r>
+              <a:rPr lang="en-US" dirty="0">
+                <a:solidFill>
+                  <a:schemeClr val="accent1">
+                    <a:lumMod val="50000"/>
+                  </a:schemeClr>
+                </a:solidFill>
+                <a:latin typeface="Arial" panose="020B0604020202020204" pitchFamily="34" charset="0"/>
+                <a:cs typeface="Arial" panose="020B0604020202020204" pitchFamily="34" charset="0"/>
+              </a:rPr>
+              <a:t>Good Performance</a:t>
+            </a:r>
+          </a:p>
+          <a:p>
+            <a:pPr marL="285750" indent="-285750">
+              <a:buFont typeface="Wingdings" panose="05000000000000000000" pitchFamily="2" charset="2"/>
+              <a:buChar char="Ø"/>
+            </a:pPr>
+            <a:endParaRPr lang="en-US" dirty="0"/>
+          </a:p>
+        </p:txBody>
+      </p:sp>
+    </p:spTree>
+    <p:extLst>
+      <p:ext uri="{BB962C8B-B14F-4D97-AF65-F5344CB8AC3E}">
+        <p14:creationId xmlns:p14="http://schemas.microsoft.com/office/powerpoint/2010/main" val="1818244351"/>
+      </p:ext>
+    </p:extLst>
+  </p:cSld>
+  <p:clrMapOvr>
+    <a:masterClrMapping/>
+  </p:clrMapOvr>
+</p:sld>
+</file>
+
+<file path=ppt/slides/slide8.xml><?xml version="1.0" encoding="utf-8"?>
 <p:sld xmlns:a="http://schemas.openxmlformats.org/drawingml/2006/main" xmlns:r="http://schemas.openxmlformats.org/officeDocument/2006/relationships" xmlns:p="http://schemas.openxmlformats.org/presentationml/2006/main">
   <p:cSld>
     <p:spTree>
@@ -18185,16 +19336,12 @@
           <a:lstStyle/>
           <a:p>
             <a:r>
-              <a:rPr lang="en-US" sz="3200" dirty="0" smtClean="0">
+              <a:rPr lang="en-US" sz="3200" dirty="0">
                 <a:latin typeface="Arial" panose="020B0604020202020204" pitchFamily="34" charset="0"/>
                 <a:cs typeface="Arial" panose="020B0604020202020204" pitchFamily="34" charset="0"/>
               </a:rPr>
               <a:t>SQL vs NoSQL (fundamental differences)</a:t>
             </a:r>
-            <a:endParaRPr lang="en-US" sz="3200" dirty="0">
-              <a:latin typeface="Arial" panose="020B0604020202020204" pitchFamily="34" charset="0"/>
-              <a:cs typeface="Arial" panose="020B0604020202020204" pitchFamily="34" charset="0"/>
-            </a:endParaRPr>
           </a:p>
         </p:txBody>
       </p:sp>
@@ -18215,16 +19362,12 @@
           <a:p>
             <a:pPr algn="ctr"/>
             <a:r>
-              <a:rPr lang="en-US" dirty="0" smtClean="0">
+              <a:rPr lang="en-US" dirty="0">
                 <a:latin typeface="Arial" panose="020B0604020202020204" pitchFamily="34" charset="0"/>
                 <a:cs typeface="Arial" panose="020B0604020202020204" pitchFamily="34" charset="0"/>
               </a:rPr>
               <a:t>Table relations</a:t>
             </a:r>
-            <a:endParaRPr lang="en-US" dirty="0">
-              <a:latin typeface="Arial" panose="020B0604020202020204" pitchFamily="34" charset="0"/>
-              <a:cs typeface="Arial" panose="020B0604020202020204" pitchFamily="34" charset="0"/>
-            </a:endParaRPr>
           </a:p>
         </p:txBody>
       </p:sp>
@@ -18274,16 +19417,12 @@
           <a:p>
             <a:pPr algn="ctr"/>
             <a:r>
-              <a:rPr lang="en-US" dirty="0" smtClean="0">
+              <a:rPr lang="en-US" dirty="0">
                 <a:latin typeface="Arial" panose="020B0604020202020204" pitchFamily="34" charset="0"/>
                 <a:cs typeface="Arial" panose="020B0604020202020204" pitchFamily="34" charset="0"/>
               </a:rPr>
               <a:t>Document model</a:t>
             </a:r>
-            <a:endParaRPr lang="en-US" dirty="0">
-              <a:latin typeface="Arial" panose="020B0604020202020204" pitchFamily="34" charset="0"/>
-              <a:cs typeface="Arial" panose="020B0604020202020204" pitchFamily="34" charset="0"/>
-            </a:endParaRPr>
           </a:p>
         </p:txBody>
       </p:sp>
@@ -18311,7 +19450,7 @@
         </p:blipFill>
         <p:spPr>
           <a:xfrm>
-            <a:off x="7162980" y="3341318"/>
+            <a:off x="7136854" y="3341318"/>
             <a:ext cx="3104425" cy="3311388"/>
           </a:xfrm>
         </p:spPr>
@@ -18326,132 +19465,6 @@
   <p:clrMapOvr>
     <a:masterClrMapping/>
   </p:clrMapOvr>
-  <p:timing>
-    <p:tnLst>
-      <p:par>
-        <p:cTn id="1" dur="indefinite" restart="never" nodeType="tmRoot"/>
-      </p:par>
-    </p:tnLst>
-  </p:timing>
-</p:sld>
-</file>
-
-<file path=ppt/slides/slide8.xml><?xml version="1.0" encoding="utf-8"?>
-<p:sld xmlns:a="http://schemas.openxmlformats.org/drawingml/2006/main" xmlns:r="http://schemas.openxmlformats.org/officeDocument/2006/relationships" xmlns:p="http://schemas.openxmlformats.org/presentationml/2006/main">
-  <p:cSld>
-    <p:spTree>
-      <p:nvGrpSpPr>
-        <p:cNvPr id="1" name=""/>
-        <p:cNvGrpSpPr/>
-        <p:nvPr/>
-      </p:nvGrpSpPr>
-      <p:grpSpPr>
-        <a:xfrm>
-          <a:off x="0" y="0"/>
-          <a:ext cx="0" cy="0"/>
-          <a:chOff x="0" y="0"/>
-          <a:chExt cx="0" cy="0"/>
-        </a:xfrm>
-      </p:grpSpPr>
-      <p:sp>
-        <p:nvSpPr>
-          <p:cNvPr id="2" name="TextBox 1"/>
-          <p:cNvSpPr txBox="1"/>
-          <p:nvPr/>
-        </p:nvSpPr>
-        <p:spPr>
-          <a:xfrm>
-            <a:off x="2934786" y="4498138"/>
-            <a:ext cx="6165669" cy="923330"/>
-          </a:xfrm>
-          <a:prstGeom prst="rect">
-            <a:avLst/>
-          </a:prstGeom>
-          <a:noFill/>
-        </p:spPr>
-        <p:txBody>
-          <a:bodyPr wrap="square" rtlCol="0">
-            <a:spAutoFit/>
-          </a:bodyPr>
-          <a:lstStyle/>
-          <a:p>
-            <a:pPr algn="ctr"/>
-            <a:r>
-              <a:rPr lang="en-US" sz="5400" dirty="0" smtClean="0">
-                <a:solidFill>
-                  <a:schemeClr val="accent1">
-                    <a:lumMod val="50000"/>
-                  </a:schemeClr>
-                </a:solidFill>
-                <a:latin typeface="Arial" panose="020B0604020202020204" pitchFamily="34" charset="0"/>
-                <a:cs typeface="Arial" panose="020B0604020202020204" pitchFamily="34" charset="0"/>
-              </a:rPr>
-              <a:t>ADO.NET</a:t>
-            </a:r>
-            <a:endParaRPr lang="en-US" sz="5400" dirty="0">
-              <a:solidFill>
-                <a:schemeClr val="accent1">
-                  <a:lumMod val="50000"/>
-                </a:schemeClr>
-              </a:solidFill>
-              <a:latin typeface="Arial" panose="020B0604020202020204" pitchFamily="34" charset="0"/>
-              <a:cs typeface="Arial" panose="020B0604020202020204" pitchFamily="34" charset="0"/>
-            </a:endParaRPr>
-          </a:p>
-        </p:txBody>
-      </p:sp>
-      <p:pic>
-        <p:nvPicPr>
-          <p:cNvPr id="3" name="Picture 2"/>
-          <p:cNvPicPr>
-            <a:picLocks noChangeAspect="1"/>
-          </p:cNvPicPr>
-          <p:nvPr/>
-        </p:nvPicPr>
-        <p:blipFill rotWithShape="1">
-          <a:blip r:embed="rId2">
-            <a:extLst>
-              <a:ext uri="{28A0092B-C50C-407E-A947-70E740481C1C}">
-                <a14:useLocalDpi xmlns:a14="http://schemas.microsoft.com/office/drawing/2010/main" val="0"/>
-              </a:ext>
-            </a:extLst>
-          </a:blip>
-          <a:srcRect l="208" t="-910"/>
-          <a:stretch/>
-        </p:blipFill>
-        <p:spPr>
-          <a:xfrm>
-            <a:off x="3971107" y="1063555"/>
-            <a:ext cx="3805647" cy="3234285"/>
-          </a:xfrm>
-          <a:prstGeom prst="ellipse">
-            <a:avLst/>
-          </a:prstGeom>
-          <a:ln>
-            <a:noFill/>
-          </a:ln>
-          <a:effectLst>
-            <a:softEdge rad="112500"/>
-          </a:effectLst>
-        </p:spPr>
-      </p:pic>
-    </p:spTree>
-    <p:extLst>
-      <p:ext uri="{BB962C8B-B14F-4D97-AF65-F5344CB8AC3E}">
-        <p14:creationId xmlns:p14="http://schemas.microsoft.com/office/powerpoint/2010/main" val="1069645247"/>
-      </p:ext>
-    </p:extLst>
-  </p:cSld>
-  <p:clrMapOvr>
-    <a:masterClrMapping/>
-  </p:clrMapOvr>
-  <p:timing>
-    <p:tnLst>
-      <p:par>
-        <p:cTn id="1" dur="indefinite" restart="never" nodeType="tmRoot"/>
-      </p:par>
-    </p:tnLst>
-  </p:timing>
 </p:sld>
 </file>
 
@@ -18474,7 +19487,13 @@
       </p:grpSpPr>
       <p:sp>
         <p:nvSpPr>
-          <p:cNvPr id="2" name="Title 1"/>
+          <p:cNvPr id="2" name="Заглавие 1">
+            <a:extLst>
+              <a:ext uri="{FF2B5EF4-FFF2-40B4-BE49-F238E27FC236}">
+                <a16:creationId xmlns:a16="http://schemas.microsoft.com/office/drawing/2014/main" id="{8A8C60DB-6B6D-409B-BEF1-76DA899E8BF7}"/>
+              </a:ext>
+            </a:extLst>
+          </p:cNvPr>
           <p:cNvSpPr>
             <a:spLocks noGrp="1"/>
           </p:cNvSpPr>
@@ -18482,24 +19501,20 @@
             <p:ph type="title"/>
           </p:nvPr>
         </p:nvSpPr>
-        <p:spPr>
-          <a:xfrm>
-            <a:off x="1240606" y="2063711"/>
-            <a:ext cx="2940939" cy="577273"/>
-          </a:xfrm>
-        </p:spPr>
+        <p:spPr/>
         <p:txBody>
           <a:bodyPr/>
           <a:lstStyle/>
           <a:p>
-            <a:r>
-              <a:rPr lang="en-US" sz="3200" dirty="0" smtClean="0">
+            <a:pPr algn="ctr"/>
+            <a:r>
+              <a:rPr lang="en-US" dirty="0">
                 <a:latin typeface="Arial" panose="020B0604020202020204" pitchFamily="34" charset="0"/>
                 <a:cs typeface="Arial" panose="020B0604020202020204" pitchFamily="34" charset="0"/>
               </a:rPr>
-              <a:t>ADO.NET</a:t>
-            </a:r>
-            <a:endParaRPr lang="en-US" sz="3200" dirty="0">
+              <a:t>Database Scalability</a:t>
+            </a:r>
+            <a:endParaRPr lang="bg-BG" dirty="0">
               <a:latin typeface="Arial" panose="020B0604020202020204" pitchFamily="34" charset="0"/>
               <a:cs typeface="Arial" panose="020B0604020202020204" pitchFamily="34" charset="0"/>
             </a:endParaRPr>
@@ -18508,13 +19523,17 @@
       </p:sp>
       <p:pic>
         <p:nvPicPr>
-          <p:cNvPr id="5" name="Content Placeholder 4"/>
+          <p:cNvPr id="5" name="Picture 4" descr="A screenshot of a cell phone&#10;&#10;Description automatically generated">
+            <a:extLst>
+              <a:ext uri="{FF2B5EF4-FFF2-40B4-BE49-F238E27FC236}">
+                <a16:creationId xmlns:a16="http://schemas.microsoft.com/office/drawing/2014/main" id="{D2F77690-25CA-436F-A54A-17E5C4AAACE2}"/>
+              </a:ext>
+            </a:extLst>
+          </p:cNvPr>
           <p:cNvPicPr>
-            <a:picLocks noGrp="1" noChangeAspect="1"/>
+            <a:picLocks noChangeAspect="1"/>
           </p:cNvPicPr>
-          <p:nvPr>
-            <p:ph idx="1"/>
-          </p:nvPr>
+          <p:nvPr/>
         </p:nvPicPr>
         <p:blipFill>
           <a:blip r:embed="rId2">
@@ -18530,113 +19549,24 @@
         </p:blipFill>
         <p:spPr>
           <a:xfrm>
-            <a:off x="5265528" y="2890367"/>
-            <a:ext cx="6366528" cy="1469198"/>
-          </a:xfrm>
-        </p:spPr>
-      </p:pic>
-      <p:sp>
-        <p:nvSpPr>
-          <p:cNvPr id="4" name="Text Placeholder 3"/>
-          <p:cNvSpPr>
-            <a:spLocks noGrp="1"/>
-          </p:cNvSpPr>
-          <p:nvPr>
-            <p:ph type="body" sz="half" idx="2"/>
-          </p:nvPr>
-        </p:nvSpPr>
-        <p:spPr>
-          <a:xfrm>
-            <a:off x="840918" y="2842491"/>
-            <a:ext cx="3832682" cy="1517074"/>
-          </a:xfrm>
-        </p:spPr>
-        <p:txBody>
-          <a:bodyPr>
-            <a:normAutofit/>
-          </a:bodyPr>
-          <a:lstStyle/>
-          <a:p>
-            <a:r>
-              <a:rPr lang="en-US" sz="1800" dirty="0" smtClean="0">
-                <a:solidFill>
-                  <a:schemeClr val="bg1"/>
-                </a:solidFill>
-                <a:latin typeface="Arial" panose="020B0604020202020204" pitchFamily="34" charset="0"/>
-                <a:cs typeface="Arial" panose="020B0604020202020204" pitchFamily="34" charset="0"/>
-              </a:rPr>
-              <a:t>ADO.NET is the latest Microsoft database access technology. It’s a set of classes that expose data access services.</a:t>
-            </a:r>
-            <a:endParaRPr lang="en-US" sz="1800" dirty="0">
-              <a:solidFill>
-                <a:schemeClr val="bg1"/>
-              </a:solidFill>
-              <a:latin typeface="Arial" panose="020B0604020202020204" pitchFamily="34" charset="0"/>
-              <a:cs typeface="Arial" panose="020B0604020202020204" pitchFamily="34" charset="0"/>
-            </a:endParaRPr>
-          </a:p>
-        </p:txBody>
-      </p:sp>
-      <p:sp>
-        <p:nvSpPr>
-          <p:cNvPr id="7" name="TextBox 6"/>
-          <p:cNvSpPr txBox="1"/>
-          <p:nvPr/>
-        </p:nvSpPr>
-        <p:spPr>
-          <a:xfrm>
-            <a:off x="5607009" y="1906071"/>
-            <a:ext cx="4904509" cy="523220"/>
+            <a:off x="2953473" y="2661839"/>
+            <a:ext cx="6091690" cy="3755151"/>
           </a:xfrm>
           <a:prstGeom prst="rect">
             <a:avLst/>
           </a:prstGeom>
-          <a:noFill/>
         </p:spPr>
-        <p:txBody>
-          <a:bodyPr wrap="square" rtlCol="0" anchor="ctr">
-            <a:spAutoFit/>
-          </a:bodyPr>
-          <a:lstStyle/>
-          <a:p>
-            <a:pPr algn="ctr"/>
-            <a:r>
-              <a:rPr lang="en-US" sz="2800" dirty="0" smtClean="0">
-                <a:solidFill>
-                  <a:schemeClr val="accent6">
-                    <a:lumMod val="50000"/>
-                  </a:schemeClr>
-                </a:solidFill>
-              </a:rPr>
-              <a:t>C# demo source</a:t>
-            </a:r>
-            <a:endParaRPr lang="en-US" sz="2800" dirty="0">
-              <a:solidFill>
-                <a:schemeClr val="accent6">
-                  <a:lumMod val="50000"/>
-                </a:schemeClr>
-              </a:solidFill>
-            </a:endParaRPr>
-          </a:p>
-        </p:txBody>
-      </p:sp>
+      </p:pic>
     </p:spTree>
     <p:extLst>
       <p:ext uri="{BB962C8B-B14F-4D97-AF65-F5344CB8AC3E}">
-        <p14:creationId xmlns:p14="http://schemas.microsoft.com/office/powerpoint/2010/main" val="9675751"/>
+        <p14:creationId xmlns:p14="http://schemas.microsoft.com/office/powerpoint/2010/main" val="3383425409"/>
       </p:ext>
     </p:extLst>
   </p:cSld>
   <p:clrMapOvr>
     <a:masterClrMapping/>
   </p:clrMapOvr>
-  <p:timing>
-    <p:tnLst>
-      <p:par>
-        <p:cTn id="1" dur="indefinite" restart="never" nodeType="tmRoot"/>
-      </p:par>
-    </p:tnLst>
-  </p:timing>
 </p:sld>
 </file>
 
